--- a/_Organisation/Präsentation/Voodoo_PP2.pptx
+++ b/_Organisation/Präsentation/Voodoo_PP2.pptx
@@ -213,7 +213,7 @@
           <a:p>
             <a:fld id="{6970F1A7-B44C-47F4-9D4E-59C4A99A588C}" type="datetimeFigureOut">
               <a:rPr lang="de-DE" smtClean="0"/>
-              <a:t>03.07.2018</a:t>
+              <a:t>04.07.2018</a:t>
             </a:fld>
             <a:endParaRPr lang="de-DE"/>
           </a:p>
@@ -2504,7 +2504,7 @@
           <a:p>
             <a:fld id="{1DC63592-9D31-432D-A510-4EFC698F70CA}" type="datetimeFigureOut">
               <a:rPr lang="de-DE" smtClean="0"/>
-              <a:t>03.07.2018</a:t>
+              <a:t>04.07.2018</a:t>
             </a:fld>
             <a:endParaRPr lang="de-DE"/>
           </a:p>
@@ -2791,7 +2791,7 @@
           <a:p>
             <a:fld id="{1DC63592-9D31-432D-A510-4EFC698F70CA}" type="datetimeFigureOut">
               <a:rPr lang="de-DE" smtClean="0"/>
-              <a:t>03.07.2018</a:t>
+              <a:t>04.07.2018</a:t>
             </a:fld>
             <a:endParaRPr lang="de-DE"/>
           </a:p>
@@ -2983,7 +2983,7 @@
           <a:p>
             <a:fld id="{1DC63592-9D31-432D-A510-4EFC698F70CA}" type="datetimeFigureOut">
               <a:rPr lang="de-DE" smtClean="0"/>
-              <a:t>03.07.2018</a:t>
+              <a:t>04.07.2018</a:t>
             </a:fld>
             <a:endParaRPr lang="de-DE"/>
           </a:p>
@@ -3244,7 +3244,7 @@
           <a:p>
             <a:fld id="{1DC63592-9D31-432D-A510-4EFC698F70CA}" type="datetimeFigureOut">
               <a:rPr lang="de-DE" smtClean="0"/>
-              <a:t>03.07.2018</a:t>
+              <a:t>04.07.2018</a:t>
             </a:fld>
             <a:endParaRPr lang="de-DE"/>
           </a:p>
@@ -3668,7 +3668,7 @@
           <a:p>
             <a:fld id="{1DC63592-9D31-432D-A510-4EFC698F70CA}" type="datetimeFigureOut">
               <a:rPr lang="de-DE" smtClean="0"/>
-              <a:t>03.07.2018</a:t>
+              <a:t>04.07.2018</a:t>
             </a:fld>
             <a:endParaRPr lang="de-DE"/>
           </a:p>
@@ -4214,7 +4214,7 @@
           <a:p>
             <a:fld id="{1DC63592-9D31-432D-A510-4EFC698F70CA}" type="datetimeFigureOut">
               <a:rPr lang="de-DE" smtClean="0"/>
-              <a:t>03.07.2018</a:t>
+              <a:t>04.07.2018</a:t>
             </a:fld>
             <a:endParaRPr lang="de-DE"/>
           </a:p>
@@ -5054,7 +5054,7 @@
           <a:p>
             <a:fld id="{1DC63592-9D31-432D-A510-4EFC698F70CA}" type="datetimeFigureOut">
               <a:rPr lang="de-DE" smtClean="0"/>
-              <a:t>03.07.2018</a:t>
+              <a:t>04.07.2018</a:t>
             </a:fld>
             <a:endParaRPr lang="de-DE"/>
           </a:p>
@@ -5224,7 +5224,7 @@
           <a:p>
             <a:fld id="{1DC63592-9D31-432D-A510-4EFC698F70CA}" type="datetimeFigureOut">
               <a:rPr lang="de-DE" smtClean="0"/>
-              <a:t>03.07.2018</a:t>
+              <a:t>04.07.2018</a:t>
             </a:fld>
             <a:endParaRPr lang="de-DE"/>
           </a:p>
@@ -5408,7 +5408,7 @@
           <a:p>
             <a:fld id="{1DC63592-9D31-432D-A510-4EFC698F70CA}" type="datetimeFigureOut">
               <a:rPr lang="de-DE" smtClean="0"/>
-              <a:t>03.07.2018</a:t>
+              <a:t>04.07.2018</a:t>
             </a:fld>
             <a:endParaRPr lang="de-DE"/>
           </a:p>
@@ -5578,7 +5578,7 @@
           <a:p>
             <a:fld id="{1DC63592-9D31-432D-A510-4EFC698F70CA}" type="datetimeFigureOut">
               <a:rPr lang="de-DE" smtClean="0"/>
-              <a:t>03.07.2018</a:t>
+              <a:t>04.07.2018</a:t>
             </a:fld>
             <a:endParaRPr lang="de-DE"/>
           </a:p>
@@ -5826,7 +5826,7 @@
           <a:p>
             <a:fld id="{1DC63592-9D31-432D-A510-4EFC698F70CA}" type="datetimeFigureOut">
               <a:rPr lang="de-DE" smtClean="0"/>
-              <a:t>03.07.2018</a:t>
+              <a:t>04.07.2018</a:t>
             </a:fld>
             <a:endParaRPr lang="de-DE"/>
           </a:p>
@@ -6063,7 +6063,7 @@
           <a:p>
             <a:fld id="{1DC63592-9D31-432D-A510-4EFC698F70CA}" type="datetimeFigureOut">
               <a:rPr lang="de-DE" smtClean="0"/>
-              <a:t>03.07.2018</a:t>
+              <a:t>04.07.2018</a:t>
             </a:fld>
             <a:endParaRPr lang="de-DE"/>
           </a:p>
@@ -6441,7 +6441,7 @@
           <a:p>
             <a:fld id="{1DC63592-9D31-432D-A510-4EFC698F70CA}" type="datetimeFigureOut">
               <a:rPr lang="de-DE" smtClean="0"/>
-              <a:t>03.07.2018</a:t>
+              <a:t>04.07.2018</a:t>
             </a:fld>
             <a:endParaRPr lang="de-DE"/>
           </a:p>
@@ -6564,7 +6564,7 @@
           <a:p>
             <a:fld id="{1DC63592-9D31-432D-A510-4EFC698F70CA}" type="datetimeFigureOut">
               <a:rPr lang="de-DE" smtClean="0"/>
-              <a:t>03.07.2018</a:t>
+              <a:t>04.07.2018</a:t>
             </a:fld>
             <a:endParaRPr lang="de-DE"/>
           </a:p>
@@ -6659,7 +6659,7 @@
           <a:p>
             <a:fld id="{1DC63592-9D31-432D-A510-4EFC698F70CA}" type="datetimeFigureOut">
               <a:rPr lang="de-DE" smtClean="0"/>
-              <a:t>03.07.2018</a:t>
+              <a:t>04.07.2018</a:t>
             </a:fld>
             <a:endParaRPr lang="de-DE"/>
           </a:p>
@@ -6910,7 +6910,7 @@
           <a:p>
             <a:fld id="{1DC63592-9D31-432D-A510-4EFC698F70CA}" type="datetimeFigureOut">
               <a:rPr lang="de-DE" smtClean="0"/>
-              <a:t>03.07.2018</a:t>
+              <a:t>04.07.2018</a:t>
             </a:fld>
             <a:endParaRPr lang="de-DE"/>
           </a:p>
@@ -7202,7 +7202,7 @@
           <a:p>
             <a:fld id="{1DC63592-9D31-432D-A510-4EFC698F70CA}" type="datetimeFigureOut">
               <a:rPr lang="de-DE" smtClean="0"/>
-              <a:t>03.07.2018</a:t>
+              <a:t>04.07.2018</a:t>
             </a:fld>
             <a:endParaRPr lang="de-DE"/>
           </a:p>
@@ -7415,7 +7415,7 @@
           <a:p>
             <a:fld id="{1DC63592-9D31-432D-A510-4EFC698F70CA}" type="datetimeFigureOut">
               <a:rPr lang="de-DE" smtClean="0"/>
-              <a:t>03.07.2018</a:t>
+              <a:t>04.07.2018</a:t>
             </a:fld>
             <a:endParaRPr lang="de-DE"/>
           </a:p>
@@ -8137,49 +8137,16 @@
           <a:p>
             <a:pPr algn="ctr"/>
             <a:r>
-              <a:rPr lang="en-US" sz="6000" b="1" dirty="0" smtClean="0">
+              <a:rPr lang="en-US" sz="6000" dirty="0" smtClean="0">
                 <a:latin typeface="MV Boli" pitchFamily="2" charset="0"/>
                 <a:cs typeface="MV Boli" pitchFamily="2" charset="0"/>
               </a:rPr>
-              <a:t>Voodoo</a:t>
+              <a:t>Doll 13</a:t>
             </a:r>
             <a:endParaRPr lang="de-DE" sz="6000" b="1" dirty="0">
               <a:latin typeface="MV Boli" pitchFamily="2" charset="0"/>
               <a:cs typeface="MV Boli" pitchFamily="2" charset="0"/>
             </a:endParaRPr>
-          </a:p>
-        </p:txBody>
-      </p:sp>
-      <p:sp>
-        <p:nvSpPr>
-          <p:cNvPr id="6" name="Untertitel 5"/>
-          <p:cNvSpPr>
-            <a:spLocks noGrp="1"/>
-          </p:cNvSpPr>
-          <p:nvPr>
-            <p:ph type="subTitle" idx="1"/>
-          </p:nvPr>
-        </p:nvSpPr>
-        <p:spPr>
-          <a:xfrm>
-            <a:off x="1009442" y="2427735"/>
-            <a:ext cx="7117180" cy="648071"/>
-          </a:xfrm>
-        </p:spPr>
-        <p:txBody>
-          <a:bodyPr>
-            <a:normAutofit/>
-          </a:bodyPr>
-          <a:lstStyle/>
-          <a:p>
-            <a:pPr algn="ctr"/>
-            <a:r>
-              <a:rPr lang="de-DE" dirty="0" smtClean="0">
-                <a:latin typeface="MV Boli" pitchFamily="2" charset="0"/>
-                <a:cs typeface="MV Boli" pitchFamily="2" charset="0"/>
-              </a:rPr>
-              <a:t>(Working title)</a:t>
-            </a:r>
           </a:p>
         </p:txBody>
       </p:sp>
@@ -8301,7 +8268,7 @@
           <a:blip r:embed="rId13" cstate="print">
             <a:duotone>
               <a:prstClr val="black"/>
-              <a:schemeClr val="tx2">
+              <a:schemeClr val="accent6">
                 <a:tint val="45000"/>
                 <a:satMod val="400000"/>
               </a:schemeClr>
@@ -8318,7 +8285,7 @@
         </p:blipFill>
         <p:spPr>
           <a:xfrm rot="21420000" flipH="1">
-            <a:off x="674769" y="-167840"/>
+            <a:off x="-333343" y="120192"/>
             <a:ext cx="11096441" cy="8209621"/>
           </a:xfrm>
           <a:prstGeom prst="rect">
@@ -8448,66 +8415,14 @@
                             </p:stCondLst>
                             <p:childTnLst>
                               <p:par>
-                                <p:cTn id="13" presetID="22" presetClass="entr" presetSubtype="4" fill="hold" grpId="0" nodeType="afterEffect">
-                                  <p:stCondLst>
-                                    <p:cond delay="0"/>
-                                  </p:stCondLst>
-                                  <p:childTnLst>
-                                    <p:set>
-                                      <p:cBhvr>
-                                        <p:cTn id="14" dur="1" fill="hold">
-                                          <p:stCondLst>
-                                            <p:cond delay="0"/>
-                                          </p:stCondLst>
-                                        </p:cTn>
-                                        <p:tgtEl>
-                                          <p:spTgt spid="6">
-                                            <p:txEl>
-                                              <p:pRg st="0" end="0"/>
-                                            </p:txEl>
-                                          </p:spTgt>
-                                        </p:tgtEl>
-                                        <p:attrNameLst>
-                                          <p:attrName>style.visibility</p:attrName>
-                                        </p:attrNameLst>
-                                      </p:cBhvr>
-                                      <p:to>
-                                        <p:strVal val="visible"/>
-                                      </p:to>
-                                    </p:set>
-                                    <p:animEffect transition="in" filter="wipe(down)">
-                                      <p:cBhvr>
-                                        <p:cTn id="15" dur="500"/>
-                                        <p:tgtEl>
-                                          <p:spTgt spid="6">
-                                            <p:txEl>
-                                              <p:pRg st="0" end="0"/>
-                                            </p:txEl>
-                                          </p:spTgt>
-                                        </p:tgtEl>
-                                      </p:cBhvr>
-                                    </p:animEffect>
-                                  </p:childTnLst>
-                                </p:cTn>
-                              </p:par>
-                            </p:childTnLst>
-                          </p:cTn>
-                        </p:par>
-                        <p:par>
-                          <p:cTn id="16" fill="hold">
-                            <p:stCondLst>
-                              <p:cond delay="3000"/>
-                            </p:stCondLst>
-                            <p:childTnLst>
-                              <p:par>
-                                <p:cTn id="17" presetID="14" presetClass="entr" presetSubtype="5" fill="hold" nodeType="afterEffect">
+                                <p:cTn id="13" presetID="14" presetClass="entr" presetSubtype="5" fill="hold" nodeType="afterEffect">
                                   <p:stCondLst>
                                     <p:cond delay="500"/>
                                   </p:stCondLst>
                                   <p:childTnLst>
                                     <p:set>
                                       <p:cBhvr>
-                                        <p:cTn id="18" dur="1" fill="hold">
+                                        <p:cTn id="14" dur="1" fill="hold">
                                           <p:stCondLst>
                                             <p:cond delay="0"/>
                                           </p:stCondLst>
@@ -8525,7 +8440,7 @@
                                     </p:set>
                                     <p:animEffect transition="in" filter="randombar(vertical)">
                                       <p:cBhvr>
-                                        <p:cTn id="19" dur="500"/>
+                                        <p:cTn id="15" dur="500"/>
                                         <p:tgtEl>
                                           <p:spTgt spid="3"/>
                                         </p:tgtEl>
@@ -8535,14 +8450,14 @@
                                 </p:cTn>
                               </p:par>
                               <p:par>
-                                <p:cTn id="20" presetID="53" presetClass="entr" presetSubtype="16" fill="hold" nodeType="withEffect">
+                                <p:cTn id="16" presetID="53" presetClass="entr" presetSubtype="16" fill="hold" nodeType="withEffect">
                                   <p:stCondLst>
                                     <p:cond delay="500"/>
                                   </p:stCondLst>
                                   <p:childTnLst>
                                     <p:set>
                                       <p:cBhvr>
-                                        <p:cTn id="21" dur="1" fill="hold">
+                                        <p:cTn id="17" dur="1" fill="hold">
                                           <p:stCondLst>
                                             <p:cond delay="0"/>
                                           </p:stCondLst>
@@ -8560,7 +8475,7 @@
                                     </p:set>
                                     <p:anim calcmode="lin" valueType="num">
                                       <p:cBhvr>
-                                        <p:cTn id="22" dur="2000" fill="hold"/>
+                                        <p:cTn id="18" dur="2000" fill="hold"/>
                                         <p:tgtEl>
                                           <p:spTgt spid="15"/>
                                         </p:tgtEl>
@@ -8583,7 +8498,7 @@
                                     </p:anim>
                                     <p:anim calcmode="lin" valueType="num">
                                       <p:cBhvr>
-                                        <p:cTn id="23" dur="2000" fill="hold"/>
+                                        <p:cTn id="19" dur="2000" fill="hold"/>
                                         <p:tgtEl>
                                           <p:spTgt spid="15"/>
                                         </p:tgtEl>
@@ -8606,7 +8521,7 @@
                                     </p:anim>
                                     <p:animEffect transition="in" filter="fade">
                                       <p:cBhvr>
-                                        <p:cTn id="24" dur="2000"/>
+                                        <p:cTn id="20" dur="2000"/>
                                         <p:tgtEl>
                                           <p:spTgt spid="15"/>
                                         </p:tgtEl>
@@ -8619,20 +8534,20 @@
                           </p:cTn>
                         </p:par>
                         <p:par>
-                          <p:cTn id="25" fill="hold">
+                          <p:cTn id="21" fill="hold">
                             <p:stCondLst>
-                              <p:cond delay="5500"/>
+                              <p:cond delay="5000"/>
                             </p:stCondLst>
                             <p:childTnLst>
                               <p:par>
-                                <p:cTn id="26" presetID="16" presetClass="entr" presetSubtype="42" fill="hold" nodeType="afterEffect">
+                                <p:cTn id="22" presetID="16" presetClass="entr" presetSubtype="42" fill="hold" nodeType="afterEffect">
                                   <p:stCondLst>
                                     <p:cond delay="0"/>
                                   </p:stCondLst>
                                   <p:childTnLst>
                                     <p:set>
                                       <p:cBhvr>
-                                        <p:cTn id="27" dur="1" fill="hold">
+                                        <p:cTn id="23" dur="1" fill="hold">
                                           <p:stCondLst>
                                             <p:cond delay="0"/>
                                           </p:stCondLst>
@@ -8650,7 +8565,7 @@
                                     </p:set>
                                     <p:animEffect transition="in" filter="barn(outHorizontal)">
                                       <p:cBhvr>
-                                        <p:cTn id="28" dur="500"/>
+                                        <p:cTn id="24" dur="500"/>
                                         <p:tgtEl>
                                           <p:spTgt spid="17"/>
                                         </p:tgtEl>
@@ -8663,20 +8578,20 @@
                           </p:cTn>
                         </p:par>
                         <p:par>
-                          <p:cTn id="29" fill="hold">
+                          <p:cTn id="25" fill="hold">
                             <p:stCondLst>
-                              <p:cond delay="6000"/>
+                              <p:cond delay="5500"/>
                             </p:stCondLst>
                             <p:childTnLst>
                               <p:par>
-                                <p:cTn id="30" presetID="47" presetClass="entr" presetSubtype="0" fill="hold" nodeType="afterEffect">
+                                <p:cTn id="26" presetID="47" presetClass="entr" presetSubtype="0" fill="hold" nodeType="afterEffect">
                                   <p:stCondLst>
                                     <p:cond delay="1250"/>
                                   </p:stCondLst>
                                   <p:childTnLst>
                                     <p:set>
                                       <p:cBhvr>
-                                        <p:cTn id="31" dur="1" fill="hold">
+                                        <p:cTn id="27" dur="1" fill="hold">
                                           <p:stCondLst>
                                             <p:cond delay="0"/>
                                           </p:stCondLst>
@@ -8694,7 +8609,7 @@
                                     </p:set>
                                     <p:animEffect transition="in" filter="fade">
                                       <p:cBhvr>
-                                        <p:cTn id="32" dur="1000"/>
+                                        <p:cTn id="28" dur="1000"/>
                                         <p:tgtEl>
                                           <p:spTgt spid="18"/>
                                         </p:tgtEl>
@@ -8702,7 +8617,7 @@
                                     </p:animEffect>
                                     <p:anim calcmode="lin" valueType="num">
                                       <p:cBhvr>
-                                        <p:cTn id="33" dur="1000" fill="hold"/>
+                                        <p:cTn id="29" dur="1000" fill="hold"/>
                                         <p:tgtEl>
                                           <p:spTgt spid="18"/>
                                         </p:tgtEl>
@@ -8725,7 +8640,7 @@
                                     </p:anim>
                                     <p:anim calcmode="lin" valueType="num">
                                       <p:cBhvr>
-                                        <p:cTn id="34" dur="1000" fill="hold"/>
+                                        <p:cTn id="30" dur="1000" fill="hold"/>
                                         <p:tgtEl>
                                           <p:spTgt spid="18"/>
                                         </p:tgtEl>
@@ -8750,14 +8665,14 @@
                                 </p:cTn>
                               </p:par>
                               <p:par>
-                                <p:cTn id="35" presetID="10" presetClass="entr" presetSubtype="0" fill="hold" nodeType="withEffect">
+                                <p:cTn id="31" presetID="10" presetClass="entr" presetSubtype="0" fill="hold" nodeType="withEffect">
                                   <p:stCondLst>
                                     <p:cond delay="0"/>
                                   </p:stCondLst>
                                   <p:childTnLst>
                                     <p:set>
                                       <p:cBhvr>
-                                        <p:cTn id="36" dur="1" fill="hold">
+                                        <p:cTn id="32" dur="1" fill="hold">
                                           <p:stCondLst>
                                             <p:cond delay="0"/>
                                           </p:stCondLst>
@@ -8775,7 +8690,7 @@
                                     </p:set>
                                     <p:animEffect transition="in" filter="fade">
                                       <p:cBhvr>
-                                        <p:cTn id="37" dur="500"/>
+                                        <p:cTn id="33" dur="500"/>
                                         <p:tgtEl>
                                           <p:spTgt spid="13"/>
                                         </p:tgtEl>
@@ -8788,20 +8703,20 @@
                           </p:cTn>
                         </p:par>
                         <p:par>
-                          <p:cTn id="38" fill="hold">
+                          <p:cTn id="34" fill="hold">
                             <p:stCondLst>
-                              <p:cond delay="8250"/>
+                              <p:cond delay="7750"/>
                             </p:stCondLst>
                             <p:childTnLst>
                               <p:par>
-                                <p:cTn id="39" presetID="16" presetClass="entr" presetSubtype="21" fill="hold" nodeType="afterEffect">
+                                <p:cTn id="35" presetID="16" presetClass="entr" presetSubtype="21" fill="hold" nodeType="afterEffect">
                                   <p:stCondLst>
                                     <p:cond delay="750"/>
                                   </p:stCondLst>
                                   <p:childTnLst>
                                     <p:set>
                                       <p:cBhvr>
-                                        <p:cTn id="40" dur="1" fill="hold">
+                                        <p:cTn id="36" dur="1" fill="hold">
                                           <p:stCondLst>
                                             <p:cond delay="0"/>
                                           </p:stCondLst>
@@ -8819,7 +8734,7 @@
                                     </p:set>
                                     <p:animEffect transition="in" filter="barn(inVertical)">
                                       <p:cBhvr>
-                                        <p:cTn id="41" dur="500"/>
+                                        <p:cTn id="37" dur="500"/>
                                         <p:tgtEl>
                                           <p:spTgt spid="14"/>
                                         </p:tgtEl>
@@ -8832,20 +8747,20 @@
                           </p:cTn>
                         </p:par>
                         <p:par>
-                          <p:cTn id="42" fill="hold">
+                          <p:cTn id="38" fill="hold">
                             <p:stCondLst>
-                              <p:cond delay="9500"/>
+                              <p:cond delay="9000"/>
                             </p:stCondLst>
                             <p:childTnLst>
                               <p:par>
-                                <p:cTn id="43" presetID="47" presetClass="exit" presetSubtype="0" fill="hold" nodeType="afterEffect">
+                                <p:cTn id="39" presetID="47" presetClass="exit" presetSubtype="0" fill="hold" nodeType="afterEffect">
                                   <p:stCondLst>
                                     <p:cond delay="0"/>
                                   </p:stCondLst>
                                   <p:childTnLst>
                                     <p:animEffect transition="out" filter="fade">
                                       <p:cBhvr>
-                                        <p:cTn id="44" dur="1000"/>
+                                        <p:cTn id="40" dur="1000"/>
                                         <p:tgtEl>
                                           <p:spTgt spid="18"/>
                                         </p:tgtEl>
@@ -8853,7 +8768,7 @@
                                     </p:animEffect>
                                     <p:anim calcmode="lin" valueType="num">
                                       <p:cBhvr>
-                                        <p:cTn id="45" dur="1000"/>
+                                        <p:cTn id="41" dur="1000"/>
                                         <p:tgtEl>
                                           <p:spTgt spid="18"/>
                                         </p:tgtEl>
@@ -8876,7 +8791,7 @@
                                     </p:anim>
                                     <p:anim calcmode="lin" valueType="num">
                                       <p:cBhvr>
-                                        <p:cTn id="46" dur="1000"/>
+                                        <p:cTn id="42" dur="1000"/>
                                         <p:tgtEl>
                                           <p:spTgt spid="18"/>
                                         </p:tgtEl>
@@ -8899,7 +8814,7 @@
                                     </p:anim>
                                     <p:set>
                                       <p:cBhvr>
-                                        <p:cTn id="47" dur="1" fill="hold">
+                                        <p:cTn id="43" dur="1" fill="hold">
                                           <p:stCondLst>
                                             <p:cond delay="999"/>
                                           </p:stCondLst>
@@ -8922,20 +8837,20 @@
                           </p:cTn>
                         </p:par>
                         <p:par>
-                          <p:cTn id="48" fill="hold">
+                          <p:cTn id="44" fill="hold">
                             <p:stCondLst>
-                              <p:cond delay="10500"/>
+                              <p:cond delay="10000"/>
                             </p:stCondLst>
                             <p:childTnLst>
                               <p:par>
-                                <p:cTn id="49" presetID="8" presetClass="entr" presetSubtype="32" fill="hold" nodeType="afterEffect">
+                                <p:cTn id="45" presetID="8" presetClass="entr" presetSubtype="32" fill="hold" nodeType="afterEffect">
                                   <p:stCondLst>
                                     <p:cond delay="0"/>
                                   </p:stCondLst>
                                   <p:childTnLst>
                                     <p:set>
                                       <p:cBhvr>
-                                        <p:cTn id="50" dur="1" fill="hold">
+                                        <p:cTn id="46" dur="1" fill="hold">
                                           <p:stCondLst>
                                             <p:cond delay="0"/>
                                           </p:stCondLst>
@@ -8953,7 +8868,7 @@
                                     </p:set>
                                     <p:animEffect transition="in" filter="diamond(out)">
                                       <p:cBhvr>
-                                        <p:cTn id="51" dur="2000"/>
+                                        <p:cTn id="47" dur="2000"/>
                                         <p:tgtEl>
                                           <p:spTgt spid="16"/>
                                         </p:tgtEl>
@@ -8963,14 +8878,14 @@
                                 </p:cTn>
                               </p:par>
                               <p:par>
-                                <p:cTn id="52" presetID="42" presetClass="entr" presetSubtype="0" fill="hold" nodeType="withEffect">
+                                <p:cTn id="48" presetID="42" presetClass="entr" presetSubtype="0" fill="hold" nodeType="withEffect">
                                   <p:stCondLst>
                                     <p:cond delay="0"/>
                                   </p:stCondLst>
                                   <p:childTnLst>
                                     <p:set>
                                       <p:cBhvr>
-                                        <p:cTn id="53" dur="1" fill="hold">
+                                        <p:cTn id="49" dur="1" fill="hold">
                                           <p:stCondLst>
                                             <p:cond delay="0"/>
                                           </p:stCondLst>
@@ -8988,7 +8903,7 @@
                                     </p:set>
                                     <p:animEffect transition="in" filter="fade">
                                       <p:cBhvr>
-                                        <p:cTn id="54" dur="1000"/>
+                                        <p:cTn id="50" dur="1000"/>
                                         <p:tgtEl>
                                           <p:spTgt spid="19"/>
                                         </p:tgtEl>
@@ -8996,7 +8911,7 @@
                                     </p:animEffect>
                                     <p:anim calcmode="lin" valueType="num">
                                       <p:cBhvr>
-                                        <p:cTn id="55" dur="1000" fill="hold"/>
+                                        <p:cTn id="51" dur="1000" fill="hold"/>
                                         <p:tgtEl>
                                           <p:spTgt spid="19"/>
                                         </p:tgtEl>
@@ -9019,7 +8934,7 @@
                                     </p:anim>
                                     <p:anim calcmode="lin" valueType="num">
                                       <p:cBhvr>
-                                        <p:cTn id="56" dur="1000" fill="hold"/>
+                                        <p:cTn id="52" dur="1000" fill="hold"/>
                                         <p:tgtEl>
                                           <p:spTgt spid="19"/>
                                         </p:tgtEl>
@@ -9072,7 +8987,6 @@
     </p:tnLst>
     <p:bldLst>
       <p:bldP spid="2" grpId="0"/>
-      <p:bldP spid="6" grpId="0" build="p"/>
     </p:bldLst>
   </p:timing>
 </p:sld>
@@ -9209,7 +9123,7 @@
               <a:buChar char="•"/>
             </a:pPr>
             <a:r>
-              <a:rPr lang="en-GB" b="1" dirty="0" smtClean="0">
+              <a:rPr lang="en-GB" sz="2400" b="1" dirty="0" smtClean="0">
                 <a:solidFill>
                   <a:schemeClr val="tx1">
                     <a:lumMod val="95000"/>
@@ -9227,7 +9141,7 @@
               <a:buChar char="•"/>
             </a:pPr>
             <a:r>
-              <a:rPr lang="en-GB" b="1" dirty="0" smtClean="0">
+              <a:rPr lang="en-GB" sz="2400" b="1" dirty="0" smtClean="0">
                 <a:solidFill>
                   <a:schemeClr val="tx1">
                     <a:lumMod val="95000"/>
@@ -9239,7 +9153,7 @@
               <a:t>Gate 2 </a:t>
             </a:r>
             <a:r>
-              <a:rPr lang="en-GB" b="1" dirty="0" err="1" smtClean="0">
+              <a:rPr lang="en-GB" sz="2400" b="1" dirty="0" smtClean="0">
                 <a:solidFill>
                   <a:schemeClr val="tx1">
                     <a:lumMod val="95000"/>
@@ -9248,10 +9162,10 @@
                 <a:latin typeface="MV Boli" pitchFamily="2" charset="0"/>
                 <a:cs typeface="MV Boli" pitchFamily="2" charset="0"/>
               </a:rPr>
-              <a:t>Promisses</a:t>
-            </a:r>
-            <a:r>
-              <a:rPr lang="en-GB" b="1" dirty="0" smtClean="0">
+              <a:t>Promises </a:t>
+            </a:r>
+            <a:r>
+              <a:rPr lang="en-GB" sz="2400" b="1" dirty="0" smtClean="0">
                 <a:solidFill>
                   <a:schemeClr val="tx1">
                     <a:lumMod val="95000"/>
@@ -9260,10 +9174,25 @@
                 <a:latin typeface="MV Boli" pitchFamily="2" charset="0"/>
                 <a:cs typeface="MV Boli" pitchFamily="2" charset="0"/>
               </a:rPr>
-              <a:t> vs. Present</a:t>
-            </a:r>
-            <a:r>
-              <a:rPr lang="en-GB" b="1" dirty="0" smtClean="0">
+              <a:t>vs. Present	</a:t>
+            </a:r>
+            <a:endParaRPr lang="en-GB" sz="2400" b="1" dirty="0" smtClean="0">
+              <a:solidFill>
+                <a:schemeClr val="tx1">
+                  <a:lumMod val="95000"/>
+                </a:schemeClr>
+              </a:solidFill>
+              <a:latin typeface="MV Boli" pitchFamily="2" charset="0"/>
+              <a:cs typeface="MV Boli" pitchFamily="2" charset="0"/>
+            </a:endParaRPr>
+          </a:p>
+          <a:p>
+            <a:pPr marL="285750" lvl="0" indent="-285750" algn="l">
+              <a:buFont typeface="Arial" panose="020B0604020202020204" pitchFamily="34" charset="0"/>
+              <a:buChar char="•"/>
+            </a:pPr>
+            <a:r>
+              <a:rPr lang="en-GB" sz="2400" b="1" dirty="0" smtClean="0">
                 <a:solidFill>
                   <a:schemeClr val="tx1">
                     <a:lumMod val="95000"/>
@@ -9272,9 +9201,21 @@
                 <a:latin typeface="MV Boli" pitchFamily="2" charset="0"/>
                 <a:cs typeface="MV Boli" pitchFamily="2" charset="0"/>
               </a:rPr>
-              <a:t>	</a:t>
-            </a:r>
-            <a:endParaRPr lang="en-GB" b="1" dirty="0" smtClean="0">
+              <a:t>Gate </a:t>
+            </a:r>
+            <a:r>
+              <a:rPr lang="en-GB" sz="2400" b="1" dirty="0">
+                <a:solidFill>
+                  <a:schemeClr val="tx1">
+                    <a:lumMod val="95000"/>
+                  </a:schemeClr>
+                </a:solidFill>
+                <a:latin typeface="MV Boli" pitchFamily="2" charset="0"/>
+                <a:cs typeface="MV Boli" pitchFamily="2" charset="0"/>
+              </a:rPr>
+              <a:t>3 Goals </a:t>
+            </a:r>
+            <a:endParaRPr lang="en-GB" sz="2400" b="1" dirty="0" smtClean="0">
               <a:solidFill>
                 <a:schemeClr val="tx1">
                   <a:lumMod val="95000"/>
@@ -9290,7 +9231,7 @@
               <a:buChar char="•"/>
             </a:pPr>
             <a:r>
-              <a:rPr lang="en-GB" b="1" dirty="0" smtClean="0">
+              <a:rPr lang="en-GB" sz="2400" b="1" dirty="0" smtClean="0">
                 <a:solidFill>
                   <a:schemeClr val="tx1">
                     <a:lumMod val="95000"/>
@@ -9299,52 +9240,7 @@
                 <a:latin typeface="MV Boli" pitchFamily="2" charset="0"/>
                 <a:cs typeface="MV Boli" pitchFamily="2" charset="0"/>
               </a:rPr>
-              <a:t>Problems on the way?</a:t>
-            </a:r>
-            <a:endParaRPr lang="en-GB" b="1" dirty="0">
-              <a:solidFill>
-                <a:schemeClr val="tx1">
-                  <a:lumMod val="95000"/>
-                </a:schemeClr>
-              </a:solidFill>
-              <a:latin typeface="MV Boli" pitchFamily="2" charset="0"/>
-              <a:cs typeface="MV Boli" pitchFamily="2" charset="0"/>
-            </a:endParaRPr>
-          </a:p>
-          <a:p>
-            <a:pPr marL="285750" lvl="0" indent="-285750" algn="l">
-              <a:buFont typeface="Arial" panose="020B0604020202020204" pitchFamily="34" charset="0"/>
-              <a:buChar char="•"/>
-            </a:pPr>
-            <a:r>
-              <a:rPr lang="en-GB" b="1" dirty="0" smtClean="0">
-                <a:solidFill>
-                  <a:schemeClr val="tx1">
-                    <a:lumMod val="95000"/>
-                  </a:schemeClr>
-                </a:solidFill>
-                <a:latin typeface="MV Boli" pitchFamily="2" charset="0"/>
-                <a:cs typeface="MV Boli" pitchFamily="2" charset="0"/>
-              </a:rPr>
-              <a:t>Vision</a:t>
-            </a:r>
-          </a:p>
-          <a:p>
-            <a:pPr marL="285750" lvl="0" indent="-285750" algn="l">
-              <a:buFont typeface="Arial" panose="020B0604020202020204" pitchFamily="34" charset="0"/>
-              <a:buChar char="•"/>
-            </a:pPr>
-            <a:r>
-              <a:rPr lang="en-GB" b="1" dirty="0">
-                <a:solidFill>
-                  <a:schemeClr val="tx1">
-                    <a:lumMod val="95000"/>
-                  </a:schemeClr>
-                </a:solidFill>
-                <a:latin typeface="MV Boli" pitchFamily="2" charset="0"/>
-                <a:cs typeface="MV Boli" pitchFamily="2" charset="0"/>
-              </a:rPr>
-              <a:t>Gate 3 Goals </a:t>
+              <a:t>Let’s Play!</a:t>
             </a:r>
             <a:r>
               <a:rPr lang="en-GB" b="1" dirty="0" smtClean="0">
@@ -9397,8 +9293,8 @@
           </a:stretch>
         </p:blipFill>
         <p:spPr>
-          <a:xfrm rot="21420000" flipH="1">
-            <a:off x="3794234" y="961315"/>
+          <a:xfrm rot="180000">
+            <a:off x="4369666" y="1015321"/>
             <a:ext cx="4588935" cy="3395090"/>
           </a:xfrm>
           <a:prstGeom prst="rect">
@@ -9440,7 +9336,7 @@
                             </p:stCondLst>
                             <p:childTnLst>
                               <p:par>
-                                <p:cTn id="5" presetID="6" presetClass="entr" presetSubtype="32" fill="hold" grpId="0" nodeType="withEffect">
+                                <p:cTn id="5" presetID="1" presetClass="entr" presetSubtype="0" fill="hold" grpId="0" nodeType="withEffect">
                                   <p:stCondLst>
                                     <p:cond delay="0"/>
                                   </p:stCondLst>
@@ -9463,26 +9359,18 @@
                                         <p:strVal val="visible"/>
                                       </p:to>
                                     </p:set>
-                                    <p:animEffect transition="in" filter="circle(out)">
-                                      <p:cBhvr>
-                                        <p:cTn id="7" dur="2000"/>
-                                        <p:tgtEl>
-                                          <p:spTgt spid="2"/>
-                                        </p:tgtEl>
-                                      </p:cBhvr>
-                                    </p:animEffect>
                                   </p:childTnLst>
                                 </p:cTn>
                               </p:par>
                               <p:par>
-                                <p:cTn id="8" presetID="6" presetClass="entr" presetSubtype="32" fill="hold" nodeType="withEffect">
+                                <p:cTn id="7" presetID="14" presetClass="entr" presetSubtype="10" fill="hold" nodeType="withEffect">
                                   <p:stCondLst>
                                     <p:cond delay="0"/>
                                   </p:stCondLst>
                                   <p:childTnLst>
                                     <p:set>
                                       <p:cBhvr>
-                                        <p:cTn id="9" dur="1" fill="hold">
+                                        <p:cTn id="8" dur="1" fill="hold">
                                           <p:stCondLst>
                                             <p:cond delay="0"/>
                                           </p:stCondLst>
@@ -9498,9 +9386,9 @@
                                         <p:strVal val="visible"/>
                                       </p:to>
                                     </p:set>
-                                    <p:animEffect transition="in" filter="circle(out)">
+                                    <p:animEffect transition="in" filter="randombar(horizontal)">
                                       <p:cBhvr>
-                                        <p:cTn id="10" dur="2000"/>
+                                        <p:cTn id="9" dur="500"/>
                                         <p:tgtEl>
                                           <p:spTgt spid="5"/>
                                         </p:tgtEl>
@@ -9513,20 +9401,20 @@
                           </p:cTn>
                         </p:par>
                         <p:par>
-                          <p:cTn id="11" fill="hold">
+                          <p:cTn id="10" fill="hold">
                             <p:stCondLst>
-                              <p:cond delay="2000"/>
+                              <p:cond delay="500"/>
                             </p:stCondLst>
                             <p:childTnLst>
                               <p:par>
-                                <p:cTn id="12" presetID="22" presetClass="entr" presetSubtype="8" fill="hold" nodeType="afterEffect">
+                                <p:cTn id="11" presetID="22" presetClass="entr" presetSubtype="8" fill="hold" nodeType="afterEffect">
                                   <p:stCondLst>
                                     <p:cond delay="500"/>
                                   </p:stCondLst>
                                   <p:childTnLst>
                                     <p:set>
                                       <p:cBhvr>
-                                        <p:cTn id="13" dur="1" fill="hold">
+                                        <p:cTn id="12" dur="1" fill="hold">
                                           <p:stCondLst>
                                             <p:cond delay="0"/>
                                           </p:stCondLst>
@@ -9548,7 +9436,7 @@
                                     </p:set>
                                     <p:animEffect transition="in" filter="wipe(left)">
                                       <p:cBhvr>
-                                        <p:cTn id="14" dur="500"/>
+                                        <p:cTn id="13" dur="500"/>
                                         <p:tgtEl>
                                           <p:spTgt spid="3">
                                             <p:txEl>
@@ -9565,20 +9453,20 @@
                           </p:cTn>
                         </p:par>
                         <p:par>
-                          <p:cTn id="15" fill="hold">
+                          <p:cTn id="14" fill="hold">
                             <p:stCondLst>
-                              <p:cond delay="3000"/>
+                              <p:cond delay="1500"/>
                             </p:stCondLst>
                             <p:childTnLst>
                               <p:par>
-                                <p:cTn id="16" presetID="22" presetClass="entr" presetSubtype="8" fill="hold" nodeType="afterEffect">
+                                <p:cTn id="15" presetID="22" presetClass="entr" presetSubtype="8" fill="hold" nodeType="afterEffect">
                                   <p:stCondLst>
                                     <p:cond delay="500"/>
                                   </p:stCondLst>
                                   <p:childTnLst>
                                     <p:set>
                                       <p:cBhvr>
-                                        <p:cTn id="17" dur="1" fill="hold">
+                                        <p:cTn id="16" dur="1" fill="hold">
                                           <p:stCondLst>
                                             <p:cond delay="0"/>
                                           </p:stCondLst>
@@ -9600,7 +9488,7 @@
                                     </p:set>
                                     <p:animEffect transition="in" filter="wipe(left)">
                                       <p:cBhvr>
-                                        <p:cTn id="18" dur="500"/>
+                                        <p:cTn id="17" dur="500"/>
                                         <p:tgtEl>
                                           <p:spTgt spid="3">
                                             <p:txEl>
@@ -9617,20 +9505,20 @@
                           </p:cTn>
                         </p:par>
                         <p:par>
-                          <p:cTn id="19" fill="hold">
+                          <p:cTn id="18" fill="hold">
                             <p:stCondLst>
-                              <p:cond delay="4000"/>
+                              <p:cond delay="2500"/>
                             </p:stCondLst>
                             <p:childTnLst>
                               <p:par>
-                                <p:cTn id="20" presetID="22" presetClass="entr" presetSubtype="8" fill="hold" nodeType="afterEffect">
+                                <p:cTn id="19" presetID="22" presetClass="entr" presetSubtype="8" fill="hold" nodeType="afterEffect">
                                   <p:stCondLst>
                                     <p:cond delay="500"/>
                                   </p:stCondLst>
                                   <p:childTnLst>
                                     <p:set>
                                       <p:cBhvr>
-                                        <p:cTn id="21" dur="1" fill="hold">
+                                        <p:cTn id="20" dur="1" fill="hold">
                                           <p:stCondLst>
                                             <p:cond delay="0"/>
                                           </p:stCondLst>
@@ -9652,7 +9540,7 @@
                                     </p:set>
                                     <p:animEffect transition="in" filter="wipe(left)">
                                       <p:cBhvr>
-                                        <p:cTn id="22" dur="500"/>
+                                        <p:cTn id="21" dur="500"/>
                                         <p:tgtEl>
                                           <p:spTgt spid="3">
                                             <p:txEl>
@@ -9669,20 +9557,20 @@
                           </p:cTn>
                         </p:par>
                         <p:par>
-                          <p:cTn id="23" fill="hold">
+                          <p:cTn id="22" fill="hold">
                             <p:stCondLst>
-                              <p:cond delay="5000"/>
+                              <p:cond delay="3500"/>
                             </p:stCondLst>
                             <p:childTnLst>
                               <p:par>
-                                <p:cTn id="24" presetID="22" presetClass="entr" presetSubtype="8" fill="hold" nodeType="afterEffect">
+                                <p:cTn id="23" presetID="22" presetClass="entr" presetSubtype="8" fill="hold" nodeType="afterEffect">
                                   <p:stCondLst>
                                     <p:cond delay="500"/>
                                   </p:stCondLst>
                                   <p:childTnLst>
                                     <p:set>
                                       <p:cBhvr>
-                                        <p:cTn id="25" dur="1" fill="hold">
+                                        <p:cTn id="24" dur="1" fill="hold">
                                           <p:stCondLst>
                                             <p:cond delay="0"/>
                                           </p:stCondLst>
@@ -9704,63 +9592,11 @@
                                     </p:set>
                                     <p:animEffect transition="in" filter="wipe(left)">
                                       <p:cBhvr>
-                                        <p:cTn id="26" dur="500"/>
+                                        <p:cTn id="25" dur="500"/>
                                         <p:tgtEl>
                                           <p:spTgt spid="3">
                                             <p:txEl>
                                               <p:pRg st="3" end="3"/>
-                                            </p:txEl>
-                                          </p:spTgt>
-                                        </p:tgtEl>
-                                      </p:cBhvr>
-                                    </p:animEffect>
-                                  </p:childTnLst>
-                                </p:cTn>
-                              </p:par>
-                            </p:childTnLst>
-                          </p:cTn>
-                        </p:par>
-                        <p:par>
-                          <p:cTn id="27" fill="hold">
-                            <p:stCondLst>
-                              <p:cond delay="6000"/>
-                            </p:stCondLst>
-                            <p:childTnLst>
-                              <p:par>
-                                <p:cTn id="28" presetID="22" presetClass="entr" presetSubtype="8" fill="hold" nodeType="afterEffect">
-                                  <p:stCondLst>
-                                    <p:cond delay="500"/>
-                                  </p:stCondLst>
-                                  <p:childTnLst>
-                                    <p:set>
-                                      <p:cBhvr>
-                                        <p:cTn id="29" dur="1" fill="hold">
-                                          <p:stCondLst>
-                                            <p:cond delay="0"/>
-                                          </p:stCondLst>
-                                        </p:cTn>
-                                        <p:tgtEl>
-                                          <p:spTgt spid="3">
-                                            <p:txEl>
-                                              <p:pRg st="4" end="4"/>
-                                            </p:txEl>
-                                          </p:spTgt>
-                                        </p:tgtEl>
-                                        <p:attrNameLst>
-                                          <p:attrName>style.visibility</p:attrName>
-                                        </p:attrNameLst>
-                                      </p:cBhvr>
-                                      <p:to>
-                                        <p:strVal val="visible"/>
-                                      </p:to>
-                                    </p:set>
-                                    <p:animEffect transition="in" filter="wipe(left)">
-                                      <p:cBhvr>
-                                        <p:cTn id="30" dur="500"/>
-                                        <p:tgtEl>
-                                          <p:spTgt spid="3">
-                                            <p:txEl>
-                                              <p:pRg st="4" end="4"/>
                                             </p:txEl>
                                           </p:spTgt>
                                         </p:tgtEl>
@@ -9940,14 +9776,7 @@
                 <a:latin typeface="MV Boli" pitchFamily="2" charset="0"/>
                 <a:cs typeface="MV Boli" pitchFamily="2" charset="0"/>
               </a:rPr>
-              <a:t>	3D </a:t>
-            </a:r>
-            <a:r>
-              <a:rPr lang="en-GB" dirty="0" smtClean="0">
-                <a:latin typeface="MV Boli" pitchFamily="2" charset="0"/>
-                <a:cs typeface="MV Boli" pitchFamily="2" charset="0"/>
-              </a:rPr>
-              <a:t>Platformer</a:t>
+              <a:t>	3D Platformer</a:t>
             </a:r>
             <a:endParaRPr lang="de-DE" dirty="0">
               <a:latin typeface="MV Boli" pitchFamily="2" charset="0"/>
@@ -10086,8 +9915,8 @@
         </p:blipFill>
         <p:spPr>
           <a:xfrm rot="180000">
-            <a:off x="5256926" y="604383"/>
-            <a:ext cx="4014654" cy="4926014"/>
+            <a:off x="5782933" y="1285455"/>
+            <a:ext cx="3470812" cy="4258715"/>
           </a:xfrm>
           <a:prstGeom prst="rect">
             <a:avLst/>
@@ -10103,7 +9932,7 @@
         <p:spPr>
           <a:xfrm>
             <a:off x="685800" y="987574"/>
-            <a:ext cx="7772400" cy="707886"/>
+            <a:ext cx="7772400" cy="830997"/>
           </a:xfrm>
           <a:prstGeom prst="rect">
             <a:avLst/>
@@ -10118,27 +9947,55 @@
           <a:p>
             <a:pPr algn="ctr"/>
             <a:r>
-              <a:rPr lang="en-GB" sz="2000" dirty="0">
+              <a:rPr lang="en-GB" sz="2400" u="sng" dirty="0" smtClean="0">
                 <a:latin typeface="MV Boli" panose="02000500030200090000" pitchFamily="2" charset="0"/>
                 <a:cs typeface="MV Boli" panose="02000500030200090000" pitchFamily="2" charset="0"/>
               </a:rPr>
-              <a:t>Voodoo is a 3D platformer for lovers of the occult with minimized </a:t>
-            </a:r>
-            <a:r>
-              <a:rPr lang="en-GB" sz="2000" dirty="0" smtClean="0">
+              <a:t>Vision:</a:t>
+            </a:r>
+            <a:r>
+              <a:rPr lang="en-GB" sz="2400" dirty="0" smtClean="0">
                 <a:latin typeface="MV Boli" panose="02000500030200090000" pitchFamily="2" charset="0"/>
                 <a:cs typeface="MV Boli" panose="02000500030200090000" pitchFamily="2" charset="0"/>
               </a:rPr>
-              <a:t>stealth and puzzle-elements</a:t>
-            </a:r>
-            <a:r>
-              <a:rPr lang="en-GB" sz="2000" dirty="0">
+              <a:t> Voodoo </a:t>
+            </a:r>
+            <a:r>
+              <a:rPr lang="en-GB" sz="2400" dirty="0">
+                <a:latin typeface="MV Boli" panose="02000500030200090000" pitchFamily="2" charset="0"/>
+                <a:cs typeface="MV Boli" panose="02000500030200090000" pitchFamily="2" charset="0"/>
+              </a:rPr>
+              <a:t>is a 3D </a:t>
+            </a:r>
+            <a:r>
+              <a:rPr lang="en-GB" sz="2400" dirty="0" smtClean="0">
+                <a:latin typeface="MV Boli" panose="02000500030200090000" pitchFamily="2" charset="0"/>
+                <a:cs typeface="MV Boli" panose="02000500030200090000" pitchFamily="2" charset="0"/>
+              </a:rPr>
+              <a:t>puzzle-adventure </a:t>
+            </a:r>
+            <a:r>
+              <a:rPr lang="en-GB" sz="2400" dirty="0">
+                <a:latin typeface="MV Boli" panose="02000500030200090000" pitchFamily="2" charset="0"/>
+                <a:cs typeface="MV Boli" panose="02000500030200090000" pitchFamily="2" charset="0"/>
+              </a:rPr>
+              <a:t>for lovers of the occult with </a:t>
+            </a:r>
+            <a:r>
+              <a:rPr lang="en-GB" sz="2400" dirty="0" smtClean="0">
+                <a:latin typeface="MV Boli" panose="02000500030200090000" pitchFamily="2" charset="0"/>
+                <a:cs typeface="MV Boli" panose="02000500030200090000" pitchFamily="2" charset="0"/>
+              </a:rPr>
+              <a:t>minimized stealth-elements</a:t>
+            </a:r>
+            <a:r>
+              <a:rPr lang="en-GB" sz="2400" dirty="0">
                 <a:latin typeface="MV Boli" panose="02000500030200090000" pitchFamily="2" charset="0"/>
                 <a:cs typeface="MV Boli" panose="02000500030200090000" pitchFamily="2" charset="0"/>
               </a:rPr>
               <a:t>.</a:t>
             </a:r>
-            <a:endParaRPr lang="de-DE" sz="2000" dirty="0">
+            <a:endParaRPr lang="de-DE" sz="2400" dirty="0">
               <a:solidFill>
                 <a:schemeClr val="tx2">
                   <a:lumMod val="20000"/>
@@ -10185,7 +10042,7 @@
                             </p:stCondLst>
                             <p:childTnLst>
                               <p:par>
-                                <p:cTn id="5" presetID="6" presetClass="entr" presetSubtype="32" fill="hold" grpId="0" nodeType="withEffect">
+                                <p:cTn id="5" presetID="1" presetClass="entr" presetSubtype="0" fill="hold" grpId="0" nodeType="withEffect">
                                   <p:stCondLst>
                                     <p:cond delay="0"/>
                                   </p:stCondLst>
@@ -10208,35 +10065,18 @@
                                         <p:strVal val="visible"/>
                                       </p:to>
                                     </p:set>
-                                    <p:animEffect transition="in" filter="circle(out)">
-                                      <p:cBhvr>
-                                        <p:cTn id="7" dur="2000"/>
-                                        <p:tgtEl>
-                                          <p:spTgt spid="2"/>
-                                        </p:tgtEl>
-                                      </p:cBhvr>
-                                    </p:animEffect>
                                   </p:childTnLst>
                                 </p:cTn>
                               </p:par>
-                            </p:childTnLst>
-                          </p:cTn>
-                        </p:par>
-                        <p:par>
-                          <p:cTn id="8" fill="hold">
-                            <p:stCondLst>
-                              <p:cond delay="2000"/>
-                            </p:stCondLst>
-                            <p:childTnLst>
                               <p:par>
-                                <p:cTn id="9" presetID="14" presetClass="entr" presetSubtype="5" fill="hold" nodeType="afterEffect">
+                                <p:cTn id="7" presetID="14" presetClass="entr" presetSubtype="5" fill="hold" nodeType="withEffect">
                                   <p:stCondLst>
                                     <p:cond delay="0"/>
                                   </p:stCondLst>
                                   <p:childTnLst>
                                     <p:set>
                                       <p:cBhvr>
-                                        <p:cTn id="10" dur="1" fill="hold">
+                                        <p:cTn id="8" dur="1" fill="hold">
                                           <p:stCondLst>
                                             <p:cond delay="0"/>
                                           </p:stCondLst>
@@ -10254,7 +10094,7 @@
                                     </p:set>
                                     <p:animEffect transition="in" filter="randombar(vertical)">
                                       <p:cBhvr>
-                                        <p:cTn id="11" dur="500"/>
+                                        <p:cTn id="9" dur="500"/>
                                         <p:tgtEl>
                                           <p:spTgt spid="7"/>
                                         </p:tgtEl>
@@ -10267,20 +10107,20 @@
                           </p:cTn>
                         </p:par>
                         <p:par>
-                          <p:cTn id="12" fill="hold">
+                          <p:cTn id="10" fill="hold">
                             <p:stCondLst>
-                              <p:cond delay="2500"/>
+                              <p:cond delay="500"/>
                             </p:stCondLst>
                             <p:childTnLst>
                               <p:par>
-                                <p:cTn id="13" presetID="22" presetClass="entr" presetSubtype="8" fill="hold" grpId="0" nodeType="afterEffect">
+                                <p:cTn id="11" presetID="22" presetClass="entr" presetSubtype="8" fill="hold" grpId="0" nodeType="afterEffect">
                                   <p:stCondLst>
                                     <p:cond delay="500"/>
                                   </p:stCondLst>
                                   <p:childTnLst>
                                     <p:set>
                                       <p:cBhvr>
-                                        <p:cTn id="14" dur="1" fill="hold">
+                                        <p:cTn id="12" dur="1" fill="hold">
                                           <p:stCondLst>
                                             <p:cond delay="0"/>
                                           </p:stCondLst>
@@ -10298,7 +10138,7 @@
                                     </p:set>
                                     <p:animEffect transition="in" filter="wipe(left)">
                                       <p:cBhvr>
-                                        <p:cTn id="15" dur="500"/>
+                                        <p:cTn id="13" dur="500"/>
                                         <p:tgtEl>
                                           <p:spTgt spid="4"/>
                                         </p:tgtEl>
@@ -10311,20 +10151,20 @@
                           </p:cTn>
                         </p:par>
                         <p:par>
-                          <p:cTn id="16" fill="hold">
+                          <p:cTn id="14" fill="hold">
                             <p:stCondLst>
-                              <p:cond delay="3500"/>
+                              <p:cond delay="1500"/>
                             </p:stCondLst>
                             <p:childTnLst>
                               <p:par>
-                                <p:cTn id="17" presetID="22" presetClass="entr" presetSubtype="8" fill="hold" nodeType="afterEffect">
+                                <p:cTn id="15" presetID="22" presetClass="entr" presetSubtype="8" fill="hold" nodeType="afterEffect">
                                   <p:stCondLst>
                                     <p:cond delay="1500"/>
                                   </p:stCondLst>
                                   <p:childTnLst>
                                     <p:set>
                                       <p:cBhvr>
-                                        <p:cTn id="18" dur="1" fill="hold">
+                                        <p:cTn id="16" dur="1" fill="hold">
                                           <p:stCondLst>
                                             <p:cond delay="0"/>
                                           </p:stCondLst>
@@ -10346,7 +10186,7 @@
                                     </p:set>
                                     <p:animEffect transition="in" filter="wipe(left)">
                                       <p:cBhvr>
-                                        <p:cTn id="19" dur="500"/>
+                                        <p:cTn id="17" dur="500"/>
                                         <p:tgtEl>
                                           <p:spTgt spid="3">
                                             <p:txEl>
@@ -10363,20 +10203,20 @@
                           </p:cTn>
                         </p:par>
                         <p:par>
-                          <p:cTn id="20" fill="hold">
+                          <p:cTn id="18" fill="hold">
                             <p:stCondLst>
-                              <p:cond delay="5500"/>
+                              <p:cond delay="3500"/>
                             </p:stCondLst>
                             <p:childTnLst>
                               <p:par>
-                                <p:cTn id="21" presetID="22" presetClass="entr" presetSubtype="8" fill="hold" nodeType="afterEffect">
+                                <p:cTn id="19" presetID="22" presetClass="entr" presetSubtype="8" fill="hold" nodeType="afterEffect">
                                   <p:stCondLst>
                                     <p:cond delay="500"/>
                                   </p:stCondLst>
                                   <p:childTnLst>
                                     <p:set>
                                       <p:cBhvr>
-                                        <p:cTn id="22" dur="1" fill="hold">
+                                        <p:cTn id="20" dur="1" fill="hold">
                                           <p:stCondLst>
                                             <p:cond delay="0"/>
                                           </p:stCondLst>
@@ -10398,7 +10238,7 @@
                                     </p:set>
                                     <p:animEffect transition="in" filter="wipe(left)">
                                       <p:cBhvr>
-                                        <p:cTn id="23" dur="500"/>
+                                        <p:cTn id="21" dur="500"/>
                                         <p:tgtEl>
                                           <p:spTgt spid="3">
                                             <p:txEl>
@@ -10415,20 +10255,20 @@
                           </p:cTn>
                         </p:par>
                         <p:par>
-                          <p:cTn id="24" fill="hold">
+                          <p:cTn id="22" fill="hold">
                             <p:stCondLst>
-                              <p:cond delay="6500"/>
+                              <p:cond delay="4500"/>
                             </p:stCondLst>
                             <p:childTnLst>
                               <p:par>
-                                <p:cTn id="25" presetID="22" presetClass="entr" presetSubtype="8" fill="hold" nodeType="afterEffect">
+                                <p:cTn id="23" presetID="22" presetClass="entr" presetSubtype="8" fill="hold" nodeType="afterEffect">
                                   <p:stCondLst>
                                     <p:cond delay="500"/>
                                   </p:stCondLst>
                                   <p:childTnLst>
                                     <p:set>
                                       <p:cBhvr>
-                                        <p:cTn id="26" dur="1" fill="hold">
+                                        <p:cTn id="24" dur="1" fill="hold">
                                           <p:stCondLst>
                                             <p:cond delay="0"/>
                                           </p:stCondLst>
@@ -10450,7 +10290,7 @@
                                     </p:set>
                                     <p:animEffect transition="in" filter="wipe(left)">
                                       <p:cBhvr>
-                                        <p:cTn id="27" dur="500"/>
+                                        <p:cTn id="25" dur="500"/>
                                         <p:tgtEl>
                                           <p:spTgt spid="3">
                                             <p:txEl>
@@ -10467,20 +10307,20 @@
                           </p:cTn>
                         </p:par>
                         <p:par>
-                          <p:cTn id="28" fill="hold">
+                          <p:cTn id="26" fill="hold">
                             <p:stCondLst>
-                              <p:cond delay="7500"/>
+                              <p:cond delay="5500"/>
                             </p:stCondLst>
                             <p:childTnLst>
                               <p:par>
-                                <p:cTn id="29" presetID="22" presetClass="entr" presetSubtype="8" fill="hold" nodeType="afterEffect">
+                                <p:cTn id="27" presetID="22" presetClass="entr" presetSubtype="8" fill="hold" nodeType="afterEffect">
                                   <p:stCondLst>
                                     <p:cond delay="0"/>
                                   </p:stCondLst>
                                   <p:childTnLst>
                                     <p:set>
                                       <p:cBhvr>
-                                        <p:cTn id="30" dur="1" fill="hold">
+                                        <p:cTn id="28" dur="1" fill="hold">
                                           <p:stCondLst>
                                             <p:cond delay="0"/>
                                           </p:stCondLst>
@@ -10502,7 +10342,7 @@
                                     </p:set>
                                     <p:animEffect transition="in" filter="wipe(left)">
                                       <p:cBhvr>
-                                        <p:cTn id="31" dur="500"/>
+                                        <p:cTn id="29" dur="500"/>
                                         <p:tgtEl>
                                           <p:spTgt spid="3">
                                             <p:txEl>
@@ -10519,20 +10359,20 @@
                           </p:cTn>
                         </p:par>
                         <p:par>
-                          <p:cTn id="32" fill="hold">
+                          <p:cTn id="30" fill="hold">
                             <p:stCondLst>
-                              <p:cond delay="8000"/>
+                              <p:cond delay="6000"/>
                             </p:stCondLst>
                             <p:childTnLst>
                               <p:par>
-                                <p:cTn id="33" presetID="22" presetClass="entr" presetSubtype="8" fill="hold" nodeType="afterEffect">
+                                <p:cTn id="31" presetID="22" presetClass="entr" presetSubtype="8" fill="hold" nodeType="afterEffect">
                                   <p:stCondLst>
                                     <p:cond delay="500"/>
                                   </p:stCondLst>
                                   <p:childTnLst>
                                     <p:set>
                                       <p:cBhvr>
-                                        <p:cTn id="34" dur="1" fill="hold">
+                                        <p:cTn id="32" dur="1" fill="hold">
                                           <p:stCondLst>
                                             <p:cond delay="0"/>
                                           </p:stCondLst>
@@ -10554,7 +10394,7 @@
                                     </p:set>
                                     <p:animEffect transition="in" filter="wipe(left)">
                                       <p:cBhvr>
-                                        <p:cTn id="35" dur="500"/>
+                                        <p:cTn id="33" dur="500"/>
                                         <p:tgtEl>
                                           <p:spTgt spid="3">
                                             <p:txEl>
@@ -10667,7 +10507,7 @@
         </p:nvSpPr>
         <p:spPr>
           <a:xfrm>
-            <a:off x="685800" y="303499"/>
+            <a:off x="665209" y="151750"/>
             <a:ext cx="7772400" cy="756083"/>
           </a:xfrm>
         </p:spPr>
@@ -10683,14 +10523,7 @@
                 <a:latin typeface="MV Boli" pitchFamily="2" charset="0"/>
                 <a:cs typeface="MV Boli" pitchFamily="2" charset="0"/>
               </a:rPr>
-              <a:t>Gate </a:t>
-            </a:r>
-            <a:r>
-              <a:rPr lang="de-DE" sz="3600" dirty="0" smtClean="0">
-                <a:latin typeface="MV Boli" pitchFamily="2" charset="0"/>
-                <a:cs typeface="MV Boli" pitchFamily="2" charset="0"/>
-              </a:rPr>
-              <a:t>2</a:t>
+              <a:t>Gate 2</a:t>
             </a:r>
             <a:endParaRPr lang="de-DE" sz="3600" dirty="0">
               <a:latin typeface="MV Boli" pitchFamily="2" charset="0"/>
@@ -10711,8 +10544,8 @@
         </p:nvSpPr>
         <p:spPr>
           <a:xfrm>
-            <a:off x="971600" y="1491630"/>
-            <a:ext cx="3024336" cy="3348372"/>
+            <a:off x="990268" y="1554852"/>
+            <a:ext cx="3024336" cy="3167006"/>
           </a:xfrm>
         </p:spPr>
         <p:txBody>
@@ -10899,8 +10732,8 @@
         </p:nvSpPr>
         <p:spPr>
           <a:xfrm>
-            <a:off x="4856019" y="1491630"/>
-            <a:ext cx="3024336" cy="3348372"/>
+            <a:off x="4869664" y="1559571"/>
+            <a:ext cx="3024336" cy="3167006"/>
           </a:xfrm>
           <a:prstGeom prst="rect">
             <a:avLst/>
@@ -10908,7 +10741,7 @@
         </p:spPr>
         <p:txBody>
           <a:bodyPr vert="horz" lIns="91440" tIns="45720" rIns="91440" bIns="45720" rtlCol="0" anchor="t">
-            <a:normAutofit fontScale="62500" lnSpcReduction="20000"/>
+            <a:normAutofit/>
           </a:bodyPr>
           <a:lstStyle>
             <a:lvl1pPr marL="0" indent="0" algn="l" defTabSz="457200" rtl="0" eaLnBrk="1" latinLnBrk="0" hangingPunct="1">
@@ -11094,249 +10927,60 @@
             </a:lvl9pPr>
           </a:lstStyle>
           <a:p>
-            <a:pPr marL="342900" indent="-342900">
-              <a:buFont typeface="Courier New" pitchFamily="49" charset="0"/>
-              <a:buChar char="o"/>
-            </a:pPr>
-            <a:r>
-              <a:rPr lang="de-DE" sz="2900" dirty="0" smtClean="0">
+            <a:r>
+              <a:rPr lang="en-US" dirty="0" smtClean="0">
                 <a:latin typeface="MV Boli" pitchFamily="2" charset="0"/>
                 <a:cs typeface="MV Boli" pitchFamily="2" charset="0"/>
               </a:rPr>
-              <a:t>Core Experience – 1 </a:t>
-            </a:r>
-            <a:r>
-              <a:rPr lang="de-DE" sz="2900" dirty="0" err="1" smtClean="0">
+              <a:t>	</a:t>
+            </a:r>
+            <a:r>
+              <a:rPr lang="en-US" sz="1800" dirty="0" smtClean="0">
                 <a:latin typeface="MV Boli" pitchFamily="2" charset="0"/>
                 <a:cs typeface="MV Boli" pitchFamily="2" charset="0"/>
               </a:rPr>
-              <a:t>basic</a:t>
-            </a:r>
-            <a:r>
-              <a:rPr lang="de-DE" sz="2900" dirty="0" smtClean="0">
+              <a:t>+ Office</a:t>
+            </a:r>
+          </a:p>
+          <a:p>
+            <a:endParaRPr lang="en-US" sz="1800" dirty="0">
+              <a:latin typeface="MV Boli" pitchFamily="2" charset="0"/>
+              <a:cs typeface="MV Boli" pitchFamily="2" charset="0"/>
+            </a:endParaRPr>
+          </a:p>
+          <a:p>
+            <a:r>
+              <a:rPr lang="en-US" sz="1800" dirty="0">
                 <a:latin typeface="MV Boli" pitchFamily="2" charset="0"/>
                 <a:cs typeface="MV Boli" pitchFamily="2" charset="0"/>
               </a:rPr>
-              <a:t> </a:t>
-            </a:r>
-            <a:r>
-              <a:rPr lang="de-DE" sz="2900" dirty="0" err="1" smtClean="0">
+              <a:t>	</a:t>
+            </a:r>
+            <a:endParaRPr lang="en-US" sz="1800" dirty="0" smtClean="0">
+              <a:latin typeface="MV Boli" pitchFamily="2" charset="0"/>
+              <a:cs typeface="MV Boli" pitchFamily="2" charset="0"/>
+            </a:endParaRPr>
+          </a:p>
+          <a:p>
+            <a:r>
+              <a:rPr lang="en-US" sz="1800" dirty="0">
                 <a:latin typeface="MV Boli" pitchFamily="2" charset="0"/>
                 <a:cs typeface="MV Boli" pitchFamily="2" charset="0"/>
               </a:rPr>
-              <a:t>playable</a:t>
-            </a:r>
-            <a:r>
-              <a:rPr lang="de-DE" sz="2900" dirty="0" smtClean="0">
+              <a:t>	</a:t>
+            </a:r>
+            <a:r>
+              <a:rPr lang="en-US" sz="1800" dirty="0" smtClean="0">
                 <a:latin typeface="MV Boli" pitchFamily="2" charset="0"/>
                 <a:cs typeface="MV Boli" pitchFamily="2" charset="0"/>
               </a:rPr>
-              <a:t> </a:t>
-            </a:r>
-            <a:r>
-              <a:rPr lang="de-DE" sz="2900" dirty="0" err="1" smtClean="0">
-                <a:latin typeface="MV Boli" pitchFamily="2" charset="0"/>
-                <a:cs typeface="MV Boli" pitchFamily="2" charset="0"/>
-              </a:rPr>
-              <a:t>stage</a:t>
-            </a:r>
-            <a:endParaRPr lang="de-DE" sz="2900" dirty="0" smtClean="0">
+              <a:t>+ Basic Sound</a:t>
+            </a:r>
+            <a:endParaRPr lang="en-US" sz="1800" dirty="0" smtClean="0">
               <a:latin typeface="MV Boli" pitchFamily="2" charset="0"/>
               <a:cs typeface="MV Boli" pitchFamily="2" charset="0"/>
             </a:endParaRPr>
           </a:p>
-          <a:p>
-            <a:pPr marL="342900" indent="-342900">
-              <a:buFont typeface="Courier New" pitchFamily="49" charset="0"/>
-              <a:buChar char="o"/>
-            </a:pPr>
-            <a:endParaRPr lang="de-DE" sz="2900" dirty="0" smtClean="0">
-              <a:latin typeface="MV Boli" pitchFamily="2" charset="0"/>
-              <a:cs typeface="MV Boli" pitchFamily="2" charset="0"/>
-            </a:endParaRPr>
-          </a:p>
-          <a:p>
-            <a:pPr marL="342900" indent="-342900">
-              <a:buFont typeface="Courier New" pitchFamily="49" charset="0"/>
-              <a:buChar char="o"/>
-            </a:pPr>
-            <a:r>
-              <a:rPr lang="de-DE" sz="2900" dirty="0" smtClean="0">
-                <a:latin typeface="MV Boli" pitchFamily="2" charset="0"/>
-                <a:cs typeface="MV Boli" pitchFamily="2" charset="0"/>
-              </a:rPr>
-              <a:t>Basic, non-</a:t>
-            </a:r>
-            <a:r>
-              <a:rPr lang="de-DE" sz="2900" dirty="0" err="1" smtClean="0">
-                <a:latin typeface="MV Boli" pitchFamily="2" charset="0"/>
-                <a:cs typeface="MV Boli" pitchFamily="2" charset="0"/>
-              </a:rPr>
-              <a:t>animated</a:t>
-            </a:r>
-            <a:r>
-              <a:rPr lang="de-DE" sz="2900" dirty="0" smtClean="0">
-                <a:latin typeface="MV Boli" pitchFamily="2" charset="0"/>
-                <a:cs typeface="MV Boli" pitchFamily="2" charset="0"/>
-              </a:rPr>
-              <a:t> </a:t>
-            </a:r>
-            <a:r>
-              <a:rPr lang="de-DE" sz="2900" dirty="0" err="1" smtClean="0">
-                <a:latin typeface="MV Boli" pitchFamily="2" charset="0"/>
-                <a:cs typeface="MV Boli" pitchFamily="2" charset="0"/>
-              </a:rPr>
-              <a:t>main</a:t>
-            </a:r>
-            <a:r>
-              <a:rPr lang="de-DE" sz="2900" dirty="0" smtClean="0">
-                <a:latin typeface="MV Boli" pitchFamily="2" charset="0"/>
-                <a:cs typeface="MV Boli" pitchFamily="2" charset="0"/>
-              </a:rPr>
-              <a:t> </a:t>
-            </a:r>
-            <a:r>
-              <a:rPr lang="de-DE" sz="2900" dirty="0" err="1" smtClean="0">
-                <a:latin typeface="MV Boli" pitchFamily="2" charset="0"/>
-                <a:cs typeface="MV Boli" pitchFamily="2" charset="0"/>
-              </a:rPr>
-              <a:t>character</a:t>
-            </a:r>
-            <a:r>
-              <a:rPr lang="de-DE" sz="2900" dirty="0" smtClean="0">
-                <a:latin typeface="MV Boli" pitchFamily="2" charset="0"/>
-                <a:cs typeface="MV Boli" pitchFamily="2" charset="0"/>
-              </a:rPr>
-              <a:t> </a:t>
-            </a:r>
-            <a:r>
-              <a:rPr lang="de-DE" sz="2900" dirty="0" err="1" smtClean="0">
-                <a:latin typeface="MV Boli" pitchFamily="2" charset="0"/>
-                <a:cs typeface="MV Boli" pitchFamily="2" charset="0"/>
-              </a:rPr>
-              <a:t>with</a:t>
-            </a:r>
-            <a:r>
-              <a:rPr lang="de-DE" sz="2900" dirty="0" smtClean="0">
-                <a:latin typeface="MV Boli" pitchFamily="2" charset="0"/>
-                <a:cs typeface="MV Boli" pitchFamily="2" charset="0"/>
-              </a:rPr>
-              <a:t> </a:t>
-            </a:r>
-            <a:r>
-              <a:rPr lang="de-DE" sz="2900" dirty="0" err="1" smtClean="0">
-                <a:latin typeface="MV Boli" pitchFamily="2" charset="0"/>
-                <a:cs typeface="MV Boli" pitchFamily="2" charset="0"/>
-              </a:rPr>
-              <a:t>textures</a:t>
-            </a:r>
-            <a:endParaRPr lang="de-DE" sz="2900" dirty="0" smtClean="0">
-              <a:latin typeface="MV Boli" pitchFamily="2" charset="0"/>
-              <a:cs typeface="MV Boli" pitchFamily="2" charset="0"/>
-            </a:endParaRPr>
-          </a:p>
-          <a:p>
-            <a:pPr marL="342900" indent="-342900">
-              <a:buFont typeface="Courier New" pitchFamily="49" charset="0"/>
-              <a:buChar char="o"/>
-            </a:pPr>
-            <a:endParaRPr lang="de-DE" sz="2900" dirty="0" smtClean="0">
-              <a:latin typeface="MV Boli" pitchFamily="2" charset="0"/>
-              <a:cs typeface="MV Boli" pitchFamily="2" charset="0"/>
-            </a:endParaRPr>
-          </a:p>
-          <a:p>
-            <a:pPr marL="342900" indent="-342900">
-              <a:buFont typeface="Courier New" pitchFamily="49" charset="0"/>
-              <a:buChar char="o"/>
-            </a:pPr>
-            <a:r>
-              <a:rPr lang="de-DE" sz="2900" dirty="0" smtClean="0">
-                <a:latin typeface="MV Boli" pitchFamily="2" charset="0"/>
-                <a:cs typeface="MV Boli" pitchFamily="2" charset="0"/>
-              </a:rPr>
-              <a:t>First </a:t>
-            </a:r>
-            <a:r>
-              <a:rPr lang="de-DE" sz="2900" dirty="0" err="1" smtClean="0">
-                <a:latin typeface="MV Boli" pitchFamily="2" charset="0"/>
-                <a:cs typeface="MV Boli" pitchFamily="2" charset="0"/>
-              </a:rPr>
-              <a:t>core</a:t>
-            </a:r>
-            <a:r>
-              <a:rPr lang="de-DE" sz="2900" dirty="0" smtClean="0">
-                <a:latin typeface="MV Boli" pitchFamily="2" charset="0"/>
-                <a:cs typeface="MV Boli" pitchFamily="2" charset="0"/>
-              </a:rPr>
-              <a:t> </a:t>
-            </a:r>
-            <a:r>
-              <a:rPr lang="de-DE" sz="2900" dirty="0" err="1" smtClean="0">
-                <a:latin typeface="MV Boli" pitchFamily="2" charset="0"/>
-                <a:cs typeface="MV Boli" pitchFamily="2" charset="0"/>
-              </a:rPr>
-              <a:t>mechanic</a:t>
-            </a:r>
-            <a:r>
-              <a:rPr lang="de-DE" sz="2900" dirty="0" smtClean="0">
-                <a:latin typeface="MV Boli" pitchFamily="2" charset="0"/>
-                <a:cs typeface="MV Boli" pitchFamily="2" charset="0"/>
-              </a:rPr>
-              <a:t>: </a:t>
-            </a:r>
-            <a:r>
-              <a:rPr lang="de-DE" sz="2900" dirty="0" err="1" smtClean="0">
-                <a:latin typeface="MV Boli" pitchFamily="2" charset="0"/>
-                <a:cs typeface="MV Boli" pitchFamily="2" charset="0"/>
-              </a:rPr>
-              <a:t>Clairvoyance</a:t>
-            </a:r>
-            <a:r>
-              <a:rPr lang="de-DE" sz="2900" dirty="0" smtClean="0">
-                <a:latin typeface="MV Boli" pitchFamily="2" charset="0"/>
-                <a:cs typeface="MV Boli" pitchFamily="2" charset="0"/>
-              </a:rPr>
-              <a:t> + </a:t>
-            </a:r>
-            <a:r>
-              <a:rPr lang="de-DE" sz="2900" dirty="0" err="1" smtClean="0">
-                <a:latin typeface="MV Boli" pitchFamily="2" charset="0"/>
-                <a:cs typeface="MV Boli" pitchFamily="2" charset="0"/>
-              </a:rPr>
-              <a:t>forshadowing</a:t>
-            </a:r>
-            <a:r>
-              <a:rPr lang="de-DE" sz="2900" dirty="0" smtClean="0">
-                <a:latin typeface="MV Boli" pitchFamily="2" charset="0"/>
-                <a:cs typeface="MV Boli" pitchFamily="2" charset="0"/>
-              </a:rPr>
-              <a:t> </a:t>
-            </a:r>
-            <a:r>
-              <a:rPr lang="de-DE" sz="2900" dirty="0" err="1" smtClean="0">
-                <a:latin typeface="MV Boli" pitchFamily="2" charset="0"/>
-                <a:cs typeface="MV Boli" pitchFamily="2" charset="0"/>
-              </a:rPr>
-              <a:t>Posession</a:t>
-            </a:r>
-            <a:endParaRPr lang="de-DE" sz="2900" dirty="0" smtClean="0">
-              <a:latin typeface="MV Boli" pitchFamily="2" charset="0"/>
-              <a:cs typeface="MV Boli" pitchFamily="2" charset="0"/>
-            </a:endParaRPr>
-          </a:p>
-          <a:p>
-            <a:endParaRPr lang="de-DE" dirty="0" smtClean="0">
-              <a:latin typeface="MV Boli" pitchFamily="2" charset="0"/>
-              <a:cs typeface="MV Boli" pitchFamily="2" charset="0"/>
-            </a:endParaRPr>
-          </a:p>
-          <a:p>
-            <a:endParaRPr lang="de-DE" dirty="0">
-              <a:latin typeface="MV Boli" pitchFamily="2" charset="0"/>
-              <a:cs typeface="MV Boli" pitchFamily="2" charset="0"/>
-            </a:endParaRPr>
-          </a:p>
         </p:txBody>
       </p:sp>
       <p:sp>
@@ -11347,8 +10991,8 @@
         </p:nvSpPr>
         <p:spPr>
           <a:xfrm>
-            <a:off x="1331640" y="1059582"/>
-            <a:ext cx="2304256" cy="400110"/>
+            <a:off x="1331640" y="907833"/>
+            <a:ext cx="2304256" cy="461665"/>
           </a:xfrm>
           <a:prstGeom prst="rect">
             <a:avLst/>
@@ -11363,13 +11007,13 @@
           <a:p>
             <a:pPr algn="ctr"/>
             <a:r>
-              <a:rPr lang="en-US" sz="2000" dirty="0" smtClean="0">
+              <a:rPr lang="en-US" sz="2400" u="sng" dirty="0" smtClean="0">
                 <a:latin typeface="MV Boli" panose="02000500030200090000" pitchFamily="2" charset="0"/>
                 <a:cs typeface="MV Boli" panose="02000500030200090000" pitchFamily="2" charset="0"/>
               </a:rPr>
               <a:t>Promise:</a:t>
             </a:r>
-            <a:endParaRPr lang="de-DE" sz="2000" dirty="0">
+            <a:endParaRPr lang="de-DE" sz="2400" u="sng" dirty="0">
               <a:latin typeface="MV Boli" panose="02000500030200090000" pitchFamily="2" charset="0"/>
               <a:cs typeface="MV Boli" panose="02000500030200090000" pitchFamily="2" charset="0"/>
             </a:endParaRPr>
@@ -11384,8 +11028,8 @@
         </p:nvSpPr>
         <p:spPr>
           <a:xfrm>
-            <a:off x="4856019" y="1059582"/>
-            <a:ext cx="2304256" cy="400110"/>
+            <a:off x="4856019" y="907832"/>
+            <a:ext cx="2304256" cy="461665"/>
           </a:xfrm>
           <a:prstGeom prst="rect">
             <a:avLst/>
@@ -11400,19 +11044,109 @@
           <a:p>
             <a:pPr algn="ctr"/>
             <a:r>
-              <a:rPr lang="en-US" sz="2000" dirty="0" smtClean="0">
+              <a:rPr lang="en-US" sz="2400" u="sng" dirty="0" smtClean="0">
                 <a:latin typeface="MV Boli" panose="02000500030200090000" pitchFamily="2" charset="0"/>
                 <a:cs typeface="MV Boli" panose="02000500030200090000" pitchFamily="2" charset="0"/>
               </a:rPr>
               <a:t>Present:</a:t>
             </a:r>
-            <a:endParaRPr lang="de-DE" sz="2000" dirty="0">
+            <a:endParaRPr lang="de-DE" sz="2400" u="sng" dirty="0">
               <a:latin typeface="MV Boli" panose="02000500030200090000" pitchFamily="2" charset="0"/>
               <a:cs typeface="MV Boli" panose="02000500030200090000" pitchFamily="2" charset="0"/>
             </a:endParaRPr>
           </a:p>
         </p:txBody>
       </p:sp>
+      <p:pic>
+        <p:nvPicPr>
+          <p:cNvPr id="8" name="Grafik 7"/>
+          <p:cNvPicPr>
+            <a:picLocks noChangeAspect="1"/>
+          </p:cNvPicPr>
+          <p:nvPr/>
+        </p:nvPicPr>
+        <p:blipFill>
+          <a:blip r:embed="rId4" cstate="print">
+            <a:extLst>
+              <a:ext uri="{28A0092B-C50C-407E-A947-70E740481C1C}">
+                <a14:useLocalDpi xmlns:a14="http://schemas.microsoft.com/office/drawing/2010/main" val="0"/>
+              </a:ext>
+            </a:extLst>
+          </a:blip>
+          <a:stretch>
+            <a:fillRect/>
+          </a:stretch>
+        </p:blipFill>
+        <p:spPr>
+          <a:xfrm>
+            <a:off x="4788021" y="1559571"/>
+            <a:ext cx="553387" cy="506760"/>
+          </a:xfrm>
+          <a:prstGeom prst="rect">
+            <a:avLst/>
+          </a:prstGeom>
+        </p:spPr>
+      </p:pic>
+      <p:pic>
+        <p:nvPicPr>
+          <p:cNvPr id="9" name="Grafik 8"/>
+          <p:cNvPicPr>
+            <a:picLocks noChangeAspect="1"/>
+          </p:cNvPicPr>
+          <p:nvPr/>
+        </p:nvPicPr>
+        <p:blipFill>
+          <a:blip r:embed="rId4" cstate="print">
+            <a:extLst>
+              <a:ext uri="{28A0092B-C50C-407E-A947-70E740481C1C}">
+                <a14:useLocalDpi xmlns:a14="http://schemas.microsoft.com/office/drawing/2010/main" val="0"/>
+              </a:ext>
+            </a:extLst>
+          </a:blip>
+          <a:stretch>
+            <a:fillRect/>
+          </a:stretch>
+        </p:blipFill>
+        <p:spPr>
+          <a:xfrm>
+            <a:off x="4788021" y="2674543"/>
+            <a:ext cx="553387" cy="506760"/>
+          </a:xfrm>
+          <a:prstGeom prst="rect">
+            <a:avLst/>
+          </a:prstGeom>
+        </p:spPr>
+      </p:pic>
+      <p:pic>
+        <p:nvPicPr>
+          <p:cNvPr id="10" name="Grafik 9"/>
+          <p:cNvPicPr>
+            <a:picLocks noChangeAspect="1"/>
+          </p:cNvPicPr>
+          <p:nvPr/>
+        </p:nvPicPr>
+        <p:blipFill>
+          <a:blip r:embed="rId4" cstate="print">
+            <a:extLst>
+              <a:ext uri="{28A0092B-C50C-407E-A947-70E740481C1C}">
+                <a14:useLocalDpi xmlns:a14="http://schemas.microsoft.com/office/drawing/2010/main" val="0"/>
+              </a:ext>
+            </a:extLst>
+          </a:blip>
+          <a:stretch>
+            <a:fillRect/>
+          </a:stretch>
+        </p:blipFill>
+        <p:spPr>
+          <a:xfrm>
+            <a:off x="4788021" y="3857399"/>
+            <a:ext cx="553387" cy="506760"/>
+          </a:xfrm>
+          <a:prstGeom prst="rect">
+            <a:avLst/>
+          </a:prstGeom>
+        </p:spPr>
+      </p:pic>
     </p:spTree>
     <p:extLst>
       <p:ext uri="{BB962C8B-B14F-4D97-AF65-F5344CB8AC3E}">
@@ -11447,7 +11181,7 @@
                             </p:stCondLst>
                             <p:childTnLst>
                               <p:par>
-                                <p:cTn id="5" presetID="6" presetClass="entr" presetSubtype="32" fill="hold" grpId="0" nodeType="withEffect">
+                                <p:cTn id="5" presetID="1" presetClass="entr" presetSubtype="0" fill="hold" grpId="0" nodeType="withEffect">
                                   <p:stCondLst>
                                     <p:cond delay="0"/>
                                   </p:stCondLst>
@@ -11470,14 +11204,6 @@
                                         <p:strVal val="visible"/>
                                       </p:to>
                                     </p:set>
-                                    <p:animEffect transition="in" filter="circle(out)">
-                                      <p:cBhvr>
-                                        <p:cTn id="7" dur="2000"/>
-                                        <p:tgtEl>
-                                          <p:spTgt spid="2"/>
-                                        </p:tgtEl>
-                                      </p:cBhvr>
-                                    </p:animEffect>
                                   </p:childTnLst>
                                 </p:cTn>
                               </p:par>
@@ -11485,20 +11211,20 @@
                           </p:cTn>
                         </p:par>
                         <p:par>
-                          <p:cTn id="8" fill="hold">
+                          <p:cTn id="7" fill="hold">
                             <p:stCondLst>
-                              <p:cond delay="2000"/>
+                              <p:cond delay="0"/>
                             </p:stCondLst>
                             <p:childTnLst>
                               <p:par>
-                                <p:cTn id="9" presetID="22" presetClass="entr" presetSubtype="8" fill="hold" grpId="0" nodeType="afterEffect">
+                                <p:cTn id="8" presetID="22" presetClass="entr" presetSubtype="8" fill="hold" grpId="0" nodeType="afterEffect">
                                   <p:stCondLst>
                                     <p:cond delay="500"/>
                                   </p:stCondLst>
                                   <p:childTnLst>
                                     <p:set>
                                       <p:cBhvr>
-                                        <p:cTn id="10" dur="1" fill="hold">
+                                        <p:cTn id="9" dur="1" fill="hold">
                                           <p:stCondLst>
                                             <p:cond delay="0"/>
                                           </p:stCondLst>
@@ -11516,7 +11242,7 @@
                                     </p:set>
                                     <p:animEffect transition="in" filter="wipe(left)">
                                       <p:cBhvr>
-                                        <p:cTn id="11" dur="500"/>
+                                        <p:cTn id="10" dur="500"/>
                                         <p:tgtEl>
                                           <p:spTgt spid="6"/>
                                         </p:tgtEl>
@@ -11529,20 +11255,20 @@
                           </p:cTn>
                         </p:par>
                         <p:par>
-                          <p:cTn id="12" fill="hold">
+                          <p:cTn id="11" fill="hold">
                             <p:stCondLst>
-                              <p:cond delay="3000"/>
+                              <p:cond delay="1000"/>
                             </p:stCondLst>
                             <p:childTnLst>
                               <p:par>
-                                <p:cTn id="13" presetID="22" presetClass="entr" presetSubtype="8" fill="hold" grpId="0" nodeType="afterEffect">
+                                <p:cTn id="12" presetID="22" presetClass="entr" presetSubtype="8" fill="hold" grpId="0" nodeType="afterEffect">
                                   <p:stCondLst>
                                     <p:cond delay="500"/>
                                   </p:stCondLst>
                                   <p:childTnLst>
                                     <p:set>
                                       <p:cBhvr>
-                                        <p:cTn id="14" dur="1" fill="hold">
+                                        <p:cTn id="13" dur="1" fill="hold">
                                           <p:stCondLst>
                                             <p:cond delay="0"/>
                                           </p:stCondLst>
@@ -11560,7 +11286,7 @@
                                     </p:set>
                                     <p:animEffect transition="in" filter="wipe(left)">
                                       <p:cBhvr>
-                                        <p:cTn id="15" dur="500"/>
+                                        <p:cTn id="14" dur="500"/>
                                         <p:tgtEl>
                                           <p:spTgt spid="7"/>
                                         </p:tgtEl>
@@ -11573,20 +11299,125 @@
                           </p:cTn>
                         </p:par>
                         <p:par>
-                          <p:cTn id="16" fill="hold">
+                          <p:cTn id="15" fill="hold">
                             <p:stCondLst>
-                              <p:cond delay="4000"/>
+                              <p:cond delay="2000"/>
                             </p:stCondLst>
                             <p:childTnLst>
                               <p:par>
-                                <p:cTn id="17" presetID="22" presetClass="entr" presetSubtype="8" fill="hold" nodeType="afterEffect">
+                                <p:cTn id="16" presetID="22" presetClass="entr" presetSubtype="8" fill="hold" nodeType="afterEffect">
+                                  <p:stCondLst>
+                                    <p:cond delay="750"/>
+                                  </p:stCondLst>
+                                  <p:childTnLst>
+                                    <p:set>
+                                      <p:cBhvr>
+                                        <p:cTn id="17" dur="1" fill="hold">
+                                          <p:stCondLst>
+                                            <p:cond delay="0"/>
+                                          </p:stCondLst>
+                                        </p:cTn>
+                                        <p:tgtEl>
+                                          <p:spTgt spid="3">
+                                            <p:txEl>
+                                              <p:pRg st="0" end="0"/>
+                                            </p:txEl>
+                                          </p:spTgt>
+                                        </p:tgtEl>
+                                        <p:attrNameLst>
+                                          <p:attrName>style.visibility</p:attrName>
+                                        </p:attrNameLst>
+                                      </p:cBhvr>
+                                      <p:to>
+                                        <p:strVal val="visible"/>
+                                      </p:to>
+                                    </p:set>
+                                    <p:animEffect transition="in" filter="wipe(left)">
+                                      <p:cBhvr>
+                                        <p:cTn id="18" dur="500"/>
+                                        <p:tgtEl>
+                                          <p:spTgt spid="3">
+                                            <p:txEl>
+                                              <p:pRg st="0" end="0"/>
+                                            </p:txEl>
+                                          </p:spTgt>
+                                        </p:tgtEl>
+                                      </p:cBhvr>
+                                    </p:animEffect>
+                                  </p:childTnLst>
+                                </p:cTn>
+                              </p:par>
+                            </p:childTnLst>
+                          </p:cTn>
+                        </p:par>
+                      </p:childTnLst>
+                    </p:cTn>
+                  </p:par>
+                  <p:par>
+                    <p:cTn id="19" fill="hold">
+                      <p:stCondLst>
+                        <p:cond delay="indefinite"/>
+                      </p:stCondLst>
+                      <p:childTnLst>
+                        <p:par>
+                          <p:cTn id="20" fill="hold">
+                            <p:stCondLst>
+                              <p:cond delay="0"/>
+                            </p:stCondLst>
+                            <p:childTnLst>
+                              <p:par>
+                                <p:cTn id="21" presetID="22" presetClass="entr" presetSubtype="4" fill="hold" nodeType="clickEffect">
                                   <p:stCondLst>
                                     <p:cond delay="0"/>
                                   </p:stCondLst>
                                   <p:childTnLst>
                                     <p:set>
                                       <p:cBhvr>
-                                        <p:cTn id="18" dur="1" fill="hold">
+                                        <p:cTn id="22" dur="1" fill="hold">
+                                          <p:stCondLst>
+                                            <p:cond delay="0"/>
+                                          </p:stCondLst>
+                                        </p:cTn>
+                                        <p:tgtEl>
+                                          <p:spTgt spid="8"/>
+                                        </p:tgtEl>
+                                        <p:attrNameLst>
+                                          <p:attrName>style.visibility</p:attrName>
+                                        </p:attrNameLst>
+                                      </p:cBhvr>
+                                      <p:to>
+                                        <p:strVal val="visible"/>
+                                      </p:to>
+                                    </p:set>
+                                    <p:animEffect transition="in" filter="wipe(down)">
+                                      <p:cBhvr>
+                                        <p:cTn id="23" dur="500"/>
+                                        <p:tgtEl>
+                                          <p:spTgt spid="8"/>
+                                        </p:tgtEl>
+                                      </p:cBhvr>
+                                    </p:animEffect>
+                                  </p:childTnLst>
+                                </p:cTn>
+                              </p:par>
+                            </p:childTnLst>
+                          </p:cTn>
+                        </p:par>
+                        <p:par>
+                          <p:cTn id="24" fill="hold">
+                            <p:stCondLst>
+                              <p:cond delay="500"/>
+                            </p:stCondLst>
+                            <p:childTnLst>
+                              <p:par>
+                                <p:cTn id="25" presetID="22" presetClass="entr" presetSubtype="8" fill="hold" nodeType="afterEffect">
+                                  <p:stCondLst>
+                                    <p:cond delay="500"/>
+                                  </p:stCondLst>
+                                  <p:childTnLst>
+                                    <p:set>
+                                      <p:cBhvr>
+                                        <p:cTn id="26" dur="1" fill="hold">
                                           <p:stCondLst>
                                             <p:cond delay="0"/>
                                           </p:stCondLst>
@@ -11608,7 +11439,7 @@
                                     </p:set>
                                     <p:animEffect transition="in" filter="wipe(left)">
                                       <p:cBhvr>
-                                        <p:cTn id="19" dur="500"/>
+                                        <p:cTn id="27" dur="500"/>
                                         <p:tgtEl>
                                           <p:spTgt spid="5">
                                             <p:txEl>
@@ -11625,26 +11456,26 @@
                           </p:cTn>
                         </p:par>
                         <p:par>
-                          <p:cTn id="20" fill="hold">
+                          <p:cTn id="28" fill="hold">
                             <p:stCondLst>
-                              <p:cond delay="4500"/>
+                              <p:cond delay="1500"/>
                             </p:stCondLst>
                             <p:childTnLst>
                               <p:par>
-                                <p:cTn id="21" presetID="22" presetClass="entr" presetSubtype="8" fill="hold" nodeType="afterEffect">
+                                <p:cTn id="29" presetID="22" presetClass="entr" presetSubtype="8" fill="hold" nodeType="afterEffect">
                                   <p:stCondLst>
-                                    <p:cond delay="0"/>
+                                    <p:cond delay="750"/>
                                   </p:stCondLst>
                                   <p:childTnLst>
                                     <p:set>
                                       <p:cBhvr>
-                                        <p:cTn id="22" dur="1" fill="hold">
+                                        <p:cTn id="30" dur="1" fill="hold">
                                           <p:stCondLst>
                                             <p:cond delay="0"/>
                                           </p:stCondLst>
                                         </p:cTn>
                                         <p:tgtEl>
-                                          <p:spTgt spid="5">
+                                          <p:spTgt spid="3">
                                             <p:txEl>
                                               <p:pRg st="2" end="2"/>
                                             </p:txEl>
@@ -11660,9 +11491,9 @@
                                     </p:set>
                                     <p:animEffect transition="in" filter="wipe(left)">
                                       <p:cBhvr>
-                                        <p:cTn id="23" dur="500"/>
+                                        <p:cTn id="31" dur="500"/>
                                         <p:tgtEl>
-                                          <p:spTgt spid="5">
+                                          <p:spTgt spid="3">
                                             <p:txEl>
                                               <p:pRg st="2" end="2"/>
                                             </p:txEl>
@@ -11676,27 +11507,132 @@
                             </p:childTnLst>
                           </p:cTn>
                         </p:par>
+                      </p:childTnLst>
+                    </p:cTn>
+                  </p:par>
+                  <p:par>
+                    <p:cTn id="32" fill="hold">
+                      <p:stCondLst>
+                        <p:cond delay="indefinite"/>
+                      </p:stCondLst>
+                      <p:childTnLst>
                         <p:par>
-                          <p:cTn id="24" fill="hold">
+                          <p:cTn id="33" fill="hold">
                             <p:stCondLst>
-                              <p:cond delay="5000"/>
+                              <p:cond delay="0"/>
                             </p:stCondLst>
                             <p:childTnLst>
                               <p:par>
-                                <p:cTn id="25" presetID="22" presetClass="entr" presetSubtype="8" fill="hold" nodeType="afterEffect">
+                                <p:cTn id="34" presetID="22" presetClass="entr" presetSubtype="4" fill="hold" nodeType="clickEffect">
+                                  <p:stCondLst>
+                                    <p:cond delay="0"/>
+                                  </p:stCondLst>
+                                  <p:childTnLst>
+                                    <p:set>
+                                      <p:cBhvr>
+                                        <p:cTn id="35" dur="1" fill="hold">
+                                          <p:stCondLst>
+                                            <p:cond delay="0"/>
+                                          </p:stCondLst>
+                                        </p:cTn>
+                                        <p:tgtEl>
+                                          <p:spTgt spid="9"/>
+                                        </p:tgtEl>
+                                        <p:attrNameLst>
+                                          <p:attrName>style.visibility</p:attrName>
+                                        </p:attrNameLst>
+                                      </p:cBhvr>
+                                      <p:to>
+                                        <p:strVal val="visible"/>
+                                      </p:to>
+                                    </p:set>
+                                    <p:animEffect transition="in" filter="wipe(down)">
+                                      <p:cBhvr>
+                                        <p:cTn id="36" dur="500"/>
+                                        <p:tgtEl>
+                                          <p:spTgt spid="9"/>
+                                        </p:tgtEl>
+                                      </p:cBhvr>
+                                    </p:animEffect>
+                                  </p:childTnLst>
+                                </p:cTn>
+                              </p:par>
+                            </p:childTnLst>
+                          </p:cTn>
+                        </p:par>
+                        <p:par>
+                          <p:cTn id="37" fill="hold">
+                            <p:stCondLst>
+                              <p:cond delay="500"/>
+                            </p:stCondLst>
+                            <p:childTnLst>
+                              <p:par>
+                                <p:cTn id="38" presetID="22" presetClass="entr" presetSubtype="8" fill="hold" nodeType="afterEffect">
                                   <p:stCondLst>
                                     <p:cond delay="500"/>
                                   </p:stCondLst>
                                   <p:childTnLst>
                                     <p:set>
                                       <p:cBhvr>
-                                        <p:cTn id="26" dur="1" fill="hold">
+                                        <p:cTn id="39" dur="1" fill="hold">
                                           <p:stCondLst>
                                             <p:cond delay="0"/>
                                           </p:stCondLst>
                                         </p:cTn>
                                         <p:tgtEl>
                                           <p:spTgt spid="5">
+                                            <p:txEl>
+                                              <p:pRg st="3" end="3"/>
+                                            </p:txEl>
+                                          </p:spTgt>
+                                        </p:tgtEl>
+                                        <p:attrNameLst>
+                                          <p:attrName>style.visibility</p:attrName>
+                                        </p:attrNameLst>
+                                      </p:cBhvr>
+                                      <p:to>
+                                        <p:strVal val="visible"/>
+                                      </p:to>
+                                    </p:set>
+                                    <p:animEffect transition="in" filter="wipe(left)">
+                                      <p:cBhvr>
+                                        <p:cTn id="40" dur="500"/>
+                                        <p:tgtEl>
+                                          <p:spTgt spid="5">
+                                            <p:txEl>
+                                              <p:pRg st="3" end="3"/>
+                                            </p:txEl>
+                                          </p:spTgt>
+                                        </p:tgtEl>
+                                      </p:cBhvr>
+                                    </p:animEffect>
+                                  </p:childTnLst>
+                                </p:cTn>
+                              </p:par>
+                            </p:childTnLst>
+                          </p:cTn>
+                        </p:par>
+                        <p:par>
+                          <p:cTn id="41" fill="hold">
+                            <p:stCondLst>
+                              <p:cond delay="1500"/>
+                            </p:stCondLst>
+                            <p:childTnLst>
+                              <p:par>
+                                <p:cTn id="42" presetID="22" presetClass="entr" presetSubtype="8" fill="hold" nodeType="afterEffect">
+                                  <p:stCondLst>
+                                    <p:cond delay="750"/>
+                                  </p:stCondLst>
+                                  <p:childTnLst>
+                                    <p:set>
+                                      <p:cBhvr>
+                                        <p:cTn id="43" dur="1" fill="hold">
+                                          <p:stCondLst>
+                                            <p:cond delay="0"/>
+                                          </p:stCondLst>
+                                        </p:cTn>
+                                        <p:tgtEl>
+                                          <p:spTgt spid="3">
                                             <p:txEl>
                                               <p:pRg st="4" end="4"/>
                                             </p:txEl>
@@ -11712,13 +11648,66 @@
                                     </p:set>
                                     <p:animEffect transition="in" filter="wipe(left)">
                                       <p:cBhvr>
-                                        <p:cTn id="27" dur="500"/>
+                                        <p:cTn id="44" dur="500"/>
                                         <p:tgtEl>
-                                          <p:spTgt spid="5">
+                                          <p:spTgt spid="3">
                                             <p:txEl>
                                               <p:pRg st="4" end="4"/>
                                             </p:txEl>
                                           </p:spTgt>
+                                        </p:tgtEl>
+                                      </p:cBhvr>
+                                    </p:animEffect>
+                                  </p:childTnLst>
+                                </p:cTn>
+                              </p:par>
+                            </p:childTnLst>
+                          </p:cTn>
+                        </p:par>
+                      </p:childTnLst>
+                    </p:cTn>
+                  </p:par>
+                  <p:par>
+                    <p:cTn id="45" fill="hold">
+                      <p:stCondLst>
+                        <p:cond delay="indefinite"/>
+                      </p:stCondLst>
+                      <p:childTnLst>
+                        <p:par>
+                          <p:cTn id="46" fill="hold">
+                            <p:stCondLst>
+                              <p:cond delay="0"/>
+                            </p:stCondLst>
+                            <p:childTnLst>
+                              <p:par>
+                                <p:cTn id="47" presetID="22" presetClass="entr" presetSubtype="4" fill="hold" nodeType="clickEffect">
+                                  <p:stCondLst>
+                                    <p:cond delay="0"/>
+                                  </p:stCondLst>
+                                  <p:childTnLst>
+                                    <p:set>
+                                      <p:cBhvr>
+                                        <p:cTn id="48" dur="1" fill="hold">
+                                          <p:stCondLst>
+                                            <p:cond delay="0"/>
+                                          </p:stCondLst>
+                                        </p:cTn>
+                                        <p:tgtEl>
+                                          <p:spTgt spid="10"/>
+                                        </p:tgtEl>
+                                        <p:attrNameLst>
+                                          <p:attrName>style.visibility</p:attrName>
+                                        </p:attrNameLst>
+                                      </p:cBhvr>
+                                      <p:to>
+                                        <p:strVal val="visible"/>
+                                      </p:to>
+                                    </p:set>
+                                    <p:animEffect transition="in" filter="wipe(down)">
+                                      <p:cBhvr>
+                                        <p:cTn id="49" dur="500"/>
+                                        <p:tgtEl>
+                                          <p:spTgt spid="10"/>
                                         </p:tgtEl>
                                       </p:cBhvr>
                                     </p:animEffect>
@@ -11880,140 +11869,79 @@
           </a:bodyPr>
           <a:lstStyle/>
           <a:p>
-            <a:pPr marL="342900" indent="-342900">
-              <a:buFont typeface="Courier New" pitchFamily="49" charset="0"/>
-              <a:buChar char="o"/>
+            <a:pPr marL="285750" indent="-285750" algn="l">
+              <a:buFont typeface="Arial" panose="020B0604020202020204" pitchFamily="34" charset="0"/>
+              <a:buChar char="•"/>
             </a:pPr>
             <a:r>
-              <a:rPr lang="en-US" dirty="0" smtClean="0">
+              <a:rPr lang="en-US" sz="2000" dirty="0" smtClean="0">
                 <a:latin typeface="MV Boli" pitchFamily="2" charset="0"/>
                 <a:cs typeface="MV Boli" pitchFamily="2" charset="0"/>
               </a:rPr>
-              <a:t>Level 2 - Laboratory</a:t>
-            </a:r>
-            <a:endParaRPr lang="de-DE" dirty="0" smtClean="0">
+              <a:t>Polished Game</a:t>
+            </a:r>
+            <a:endParaRPr lang="en-US" sz="2000" dirty="0" smtClean="0">
               <a:latin typeface="MV Boli" pitchFamily="2" charset="0"/>
               <a:cs typeface="MV Boli" pitchFamily="2" charset="0"/>
             </a:endParaRPr>
           </a:p>
           <a:p>
-            <a:pPr marL="342900" indent="-342900">
-              <a:buFont typeface="Courier New" pitchFamily="49" charset="0"/>
-              <a:buChar char="o"/>
+            <a:pPr marL="285750" indent="-285750" algn="l">
+              <a:buFont typeface="Arial" panose="020B0604020202020204" pitchFamily="34" charset="0"/>
+              <a:buChar char="•"/>
             </a:pPr>
-            <a:endParaRPr lang="de-DE" dirty="0" smtClean="0">
+            <a:endParaRPr lang="en-US" sz="2000" dirty="0">
               <a:latin typeface="MV Boli" pitchFamily="2" charset="0"/>
               <a:cs typeface="MV Boli" pitchFamily="2" charset="0"/>
             </a:endParaRPr>
           </a:p>
           <a:p>
-            <a:pPr marL="342900" indent="-342900">
-              <a:buFont typeface="Courier New" pitchFamily="49" charset="0"/>
-              <a:buChar char="o"/>
+            <a:pPr marL="1314450" lvl="3" indent="-285750" algn="l">
+              <a:buFont typeface="Arial" panose="020B0604020202020204" pitchFamily="34" charset="0"/>
+              <a:buChar char="•"/>
             </a:pPr>
             <a:r>
-              <a:rPr lang="de-DE" dirty="0" err="1" smtClean="0">
+              <a:rPr lang="en-US" sz="2000" dirty="0" smtClean="0">
                 <a:latin typeface="MV Boli" pitchFamily="2" charset="0"/>
                 <a:cs typeface="MV Boli" pitchFamily="2" charset="0"/>
               </a:rPr>
-              <a:t>Textured</a:t>
-            </a:r>
-            <a:r>
-              <a:rPr lang="de-DE" dirty="0" smtClean="0">
+              <a:t>Tutorial</a:t>
+            </a:r>
+            <a:endParaRPr lang="en-US" sz="2000" dirty="0" smtClean="0">
+              <a:latin typeface="MV Boli" pitchFamily="2" charset="0"/>
+              <a:cs typeface="MV Boli" pitchFamily="2" charset="0"/>
+            </a:endParaRPr>
+          </a:p>
+          <a:p>
+            <a:pPr marL="285750" indent="-285750" algn="l">
+              <a:buFont typeface="Arial" panose="020B0604020202020204" pitchFamily="34" charset="0"/>
+              <a:buChar char="•"/>
+            </a:pPr>
+            <a:endParaRPr lang="en-US" sz="2000" dirty="0">
+              <a:latin typeface="MV Boli" pitchFamily="2" charset="0"/>
+              <a:cs typeface="MV Boli" pitchFamily="2" charset="0"/>
+            </a:endParaRPr>
+          </a:p>
+          <a:p>
+            <a:pPr marL="2000250" lvl="5" indent="-285750" algn="l">
+              <a:buFont typeface="Arial" panose="020B0604020202020204" pitchFamily="34" charset="0"/>
+              <a:buChar char="•"/>
+            </a:pPr>
+            <a:r>
+              <a:rPr lang="en-US" sz="2000" dirty="0">
                 <a:latin typeface="MV Boli" pitchFamily="2" charset="0"/>
                 <a:cs typeface="MV Boli" pitchFamily="2" charset="0"/>
               </a:rPr>
-              <a:t> Environment, Basic </a:t>
-            </a:r>
-            <a:r>
-              <a:rPr lang="de-DE" dirty="0" err="1" smtClean="0">
+              <a:t>M</a:t>
+            </a:r>
+            <a:r>
+              <a:rPr lang="en-US" sz="2000" dirty="0" smtClean="0">
                 <a:latin typeface="MV Boli" pitchFamily="2" charset="0"/>
                 <a:cs typeface="MV Boli" pitchFamily="2" charset="0"/>
               </a:rPr>
-              <a:t>Animated</a:t>
-            </a:r>
-            <a:r>
-              <a:rPr lang="de-DE" dirty="0" smtClean="0">
-                <a:latin typeface="MV Boli" pitchFamily="2" charset="0"/>
-                <a:cs typeface="MV Boli" pitchFamily="2" charset="0"/>
-              </a:rPr>
-              <a:t> Main-</a:t>
-            </a:r>
-            <a:r>
-              <a:rPr lang="de-DE" dirty="0" err="1" smtClean="0">
-                <a:latin typeface="MV Boli" pitchFamily="2" charset="0"/>
-                <a:cs typeface="MV Boli" pitchFamily="2" charset="0"/>
-              </a:rPr>
-              <a:t>Character</a:t>
-            </a:r>
-            <a:endParaRPr lang="de-DE" dirty="0" smtClean="0">
-              <a:latin typeface="MV Boli" pitchFamily="2" charset="0"/>
-              <a:cs typeface="MV Boli" pitchFamily="2" charset="0"/>
-            </a:endParaRPr>
-          </a:p>
-          <a:p>
-            <a:pPr marL="342900" indent="-342900">
-              <a:buFont typeface="Courier New" pitchFamily="49" charset="0"/>
-              <a:buChar char="o"/>
-            </a:pPr>
-            <a:endParaRPr lang="de-DE" dirty="0" smtClean="0">
-              <a:latin typeface="MV Boli" pitchFamily="2" charset="0"/>
-              <a:cs typeface="MV Boli" pitchFamily="2" charset="0"/>
-            </a:endParaRPr>
-          </a:p>
-          <a:p>
-            <a:pPr marL="342900" indent="-342900">
-              <a:buFont typeface="Courier New" pitchFamily="49" charset="0"/>
-              <a:buChar char="o"/>
-            </a:pPr>
-            <a:r>
-              <a:rPr lang="de-DE" dirty="0" err="1" smtClean="0">
-                <a:latin typeface="MV Boli" pitchFamily="2" charset="0"/>
-                <a:cs typeface="MV Boli" pitchFamily="2" charset="0"/>
-              </a:rPr>
-              <a:t>Full</a:t>
-            </a:r>
-            <a:r>
-              <a:rPr lang="de-DE" dirty="0" smtClean="0">
-                <a:latin typeface="MV Boli" pitchFamily="2" charset="0"/>
-                <a:cs typeface="MV Boli" pitchFamily="2" charset="0"/>
-              </a:rPr>
-              <a:t> </a:t>
-            </a:r>
-            <a:r>
-              <a:rPr lang="de-DE" dirty="0" err="1" smtClean="0">
-                <a:latin typeface="MV Boli" pitchFamily="2" charset="0"/>
-                <a:cs typeface="MV Boli" pitchFamily="2" charset="0"/>
-              </a:rPr>
-              <a:t>second</a:t>
-            </a:r>
-            <a:r>
-              <a:rPr lang="de-DE" dirty="0" smtClean="0">
-                <a:latin typeface="MV Boli" pitchFamily="2" charset="0"/>
-                <a:cs typeface="MV Boli" pitchFamily="2" charset="0"/>
-              </a:rPr>
-              <a:t> core mechanic: </a:t>
-            </a:r>
-            <a:r>
-              <a:rPr lang="de-DE" dirty="0" err="1" smtClean="0">
-                <a:latin typeface="MV Boli" pitchFamily="2" charset="0"/>
-                <a:cs typeface="MV Boli" pitchFamily="2" charset="0"/>
-              </a:rPr>
-              <a:t>Posession</a:t>
-            </a:r>
-            <a:endParaRPr lang="de-DE" dirty="0" smtClean="0">
-              <a:latin typeface="MV Boli" pitchFamily="2" charset="0"/>
-              <a:cs typeface="MV Boli" pitchFamily="2" charset="0"/>
-            </a:endParaRPr>
-          </a:p>
-          <a:p>
-            <a:endParaRPr lang="de-DE" dirty="0" smtClean="0">
-              <a:latin typeface="MV Boli" pitchFamily="2" charset="0"/>
-              <a:cs typeface="MV Boli" pitchFamily="2" charset="0"/>
-            </a:endParaRPr>
-          </a:p>
-          <a:p>
-            <a:endParaRPr lang="de-DE" dirty="0">
+              <a:t>enu</a:t>
+            </a:r>
+            <a:endParaRPr lang="de-DE" sz="2000" dirty="0">
               <a:latin typeface="MV Boli" pitchFamily="2" charset="0"/>
               <a:cs typeface="MV Boli" pitchFamily="2" charset="0"/>
             </a:endParaRPr>
@@ -12049,8 +11977,8 @@
         </p:blipFill>
         <p:spPr>
           <a:xfrm rot="186654">
-            <a:off x="6297142" y="2647059"/>
-            <a:ext cx="3565878" cy="2638189"/>
+            <a:off x="2768961" y="317590"/>
+            <a:ext cx="7300391" cy="5401142"/>
           </a:xfrm>
           <a:prstGeom prst="rect">
             <a:avLst/>
@@ -12091,7 +12019,7 @@
                             </p:stCondLst>
                             <p:childTnLst>
                               <p:par>
-                                <p:cTn id="5" presetID="6" presetClass="entr" presetSubtype="32" fill="hold" grpId="0" nodeType="withEffect">
+                                <p:cTn id="5" presetID="1" presetClass="entr" presetSubtype="0" fill="hold" grpId="0" nodeType="withEffect">
                                   <p:stCondLst>
                                     <p:cond delay="0"/>
                                   </p:stCondLst>
@@ -12114,26 +12042,36 @@
                                         <p:strVal val="visible"/>
                                       </p:to>
                                     </p:set>
-                                    <p:animEffect transition="in" filter="circle(out)">
-                                      <p:cBhvr>
-                                        <p:cTn id="7" dur="2000"/>
-                                        <p:tgtEl>
-                                          <p:spTgt spid="2"/>
-                                        </p:tgtEl>
-                                      </p:cBhvr>
-                                    </p:animEffect>
                                   </p:childTnLst>
                                 </p:cTn>
                               </p:par>
+                            </p:childTnLst>
+                          </p:cTn>
+                        </p:par>
+                      </p:childTnLst>
+                    </p:cTn>
+                  </p:par>
+                  <p:par>
+                    <p:cTn id="7" fill="hold">
+                      <p:stCondLst>
+                        <p:cond delay="indefinite"/>
+                      </p:stCondLst>
+                      <p:childTnLst>
+                        <p:par>
+                          <p:cTn id="8" fill="hold">
+                            <p:stCondLst>
+                              <p:cond delay="0"/>
+                            </p:stCondLst>
+                            <p:childTnLst>
                               <p:par>
-                                <p:cTn id="8" presetID="42" presetClass="entr" presetSubtype="0" fill="hold" nodeType="withEffect">
+                                <p:cTn id="9" presetID="14" presetClass="entr" presetSubtype="10" fill="hold" nodeType="clickEffect">
                                   <p:stCondLst>
                                     <p:cond delay="0"/>
                                   </p:stCondLst>
                                   <p:childTnLst>
                                     <p:set>
                                       <p:cBhvr>
-                                        <p:cTn id="9" dur="1" fill="hold">
+                                        <p:cTn id="10" dur="1" fill="hold">
                                           <p:stCondLst>
                                             <p:cond delay="0"/>
                                           </p:stCondLst>
@@ -12149,60 +12087,14 @@
                                         <p:strVal val="visible"/>
                                       </p:to>
                                     </p:set>
-                                    <p:animEffect transition="in" filter="fade">
+                                    <p:animEffect transition="in" filter="randombar(horizontal)">
                                       <p:cBhvr>
-                                        <p:cTn id="10" dur="1000"/>
+                                        <p:cTn id="11" dur="500"/>
                                         <p:tgtEl>
                                           <p:spTgt spid="5"/>
                                         </p:tgtEl>
                                       </p:cBhvr>
                                     </p:animEffect>
-                                    <p:anim calcmode="lin" valueType="num">
-                                      <p:cBhvr>
-                                        <p:cTn id="11" dur="1000" fill="hold"/>
-                                        <p:tgtEl>
-                                          <p:spTgt spid="5"/>
-                                        </p:tgtEl>
-                                        <p:attrNameLst>
-                                          <p:attrName>ppt_x</p:attrName>
-                                        </p:attrNameLst>
-                                      </p:cBhvr>
-                                      <p:tavLst>
-                                        <p:tav tm="0">
-                                          <p:val>
-                                            <p:strVal val="#ppt_x"/>
-                                          </p:val>
-                                        </p:tav>
-                                        <p:tav tm="100000">
-                                          <p:val>
-                                            <p:strVal val="#ppt_x"/>
-                                          </p:val>
-                                        </p:tav>
-                                      </p:tavLst>
-                                    </p:anim>
-                                    <p:anim calcmode="lin" valueType="num">
-                                      <p:cBhvr>
-                                        <p:cTn id="12" dur="1000" fill="hold"/>
-                                        <p:tgtEl>
-                                          <p:spTgt spid="5"/>
-                                        </p:tgtEl>
-                                        <p:attrNameLst>
-                                          <p:attrName>ppt_y</p:attrName>
-                                        </p:attrNameLst>
-                                      </p:cBhvr>
-                                      <p:tavLst>
-                                        <p:tav tm="0">
-                                          <p:val>
-                                            <p:strVal val="#ppt_y+.1"/>
-                                          </p:val>
-                                        </p:tav>
-                                        <p:tav tm="100000">
-                                          <p:val>
-                                            <p:strVal val="#ppt_y"/>
-                                          </p:val>
-                                        </p:tav>
-                                      </p:tavLst>
-                                    </p:anim>
                                   </p:childTnLst>
                                 </p:cTn>
                               </p:par>
@@ -12210,20 +12102,20 @@
                           </p:cTn>
                         </p:par>
                         <p:par>
-                          <p:cTn id="13" fill="hold">
+                          <p:cTn id="12" fill="hold">
                             <p:stCondLst>
-                              <p:cond delay="2000"/>
+                              <p:cond delay="500"/>
                             </p:stCondLst>
                             <p:childTnLst>
                               <p:par>
-                                <p:cTn id="14" presetID="22" presetClass="entr" presetSubtype="8" fill="hold" nodeType="afterEffect">
+                                <p:cTn id="13" presetID="22" presetClass="entr" presetSubtype="8" fill="hold" nodeType="afterEffect">
                                   <p:stCondLst>
-                                    <p:cond delay="0"/>
+                                    <p:cond delay="750"/>
                                   </p:stCondLst>
                                   <p:childTnLst>
                                     <p:set>
                                       <p:cBhvr>
-                                        <p:cTn id="15" dur="1" fill="hold">
+                                        <p:cTn id="14" dur="1" fill="hold">
                                           <p:stCondLst>
                                             <p:cond delay="0"/>
                                           </p:stCondLst>
@@ -12245,7 +12137,7 @@
                                     </p:set>
                                     <p:animEffect transition="in" filter="wipe(left)">
                                       <p:cBhvr>
-                                        <p:cTn id="16" dur="500"/>
+                                        <p:cTn id="15" dur="500"/>
                                         <p:tgtEl>
                                           <p:spTgt spid="3">
                                             <p:txEl>
@@ -12262,20 +12154,20 @@
                           </p:cTn>
                         </p:par>
                         <p:par>
-                          <p:cTn id="17" fill="hold">
+                          <p:cTn id="16" fill="hold">
                             <p:stCondLst>
-                              <p:cond delay="2500"/>
+                              <p:cond delay="1750"/>
                             </p:stCondLst>
                             <p:childTnLst>
                               <p:par>
-                                <p:cTn id="18" presetID="22" presetClass="entr" presetSubtype="8" fill="hold" nodeType="afterEffect">
+                                <p:cTn id="17" presetID="22" presetClass="entr" presetSubtype="8" fill="hold" nodeType="afterEffect">
                                   <p:stCondLst>
-                                    <p:cond delay="2000"/>
+                                    <p:cond delay="750"/>
                                   </p:stCondLst>
                                   <p:childTnLst>
                                     <p:set>
                                       <p:cBhvr>
-                                        <p:cTn id="19" dur="1" fill="hold">
+                                        <p:cTn id="18" dur="1" fill="hold">
                                           <p:stCondLst>
                                             <p:cond delay="0"/>
                                           </p:stCondLst>
@@ -12297,7 +12189,7 @@
                                     </p:set>
                                     <p:animEffect transition="in" filter="wipe(left)">
                                       <p:cBhvr>
-                                        <p:cTn id="20" dur="500"/>
+                                        <p:cTn id="19" dur="500"/>
                                         <p:tgtEl>
                                           <p:spTgt spid="3">
                                             <p:txEl>
@@ -12314,20 +12206,20 @@
                           </p:cTn>
                         </p:par>
                         <p:par>
-                          <p:cTn id="21" fill="hold">
+                          <p:cTn id="20" fill="hold">
                             <p:stCondLst>
-                              <p:cond delay="5000"/>
+                              <p:cond delay="3000"/>
                             </p:stCondLst>
                             <p:childTnLst>
                               <p:par>
-                                <p:cTn id="22" presetID="22" presetClass="entr" presetSubtype="8" fill="hold" nodeType="afterEffect">
+                                <p:cTn id="21" presetID="22" presetClass="entr" presetSubtype="8" fill="hold" nodeType="afterEffect">
                                   <p:stCondLst>
-                                    <p:cond delay="2000"/>
+                                    <p:cond delay="750"/>
                                   </p:stCondLst>
                                   <p:childTnLst>
                                     <p:set>
                                       <p:cBhvr>
-                                        <p:cTn id="23" dur="1" fill="hold">
+                                        <p:cTn id="22" dur="1" fill="hold">
                                           <p:stCondLst>
                                             <p:cond delay="0"/>
                                           </p:stCondLst>
@@ -12349,7 +12241,7 @@
                                     </p:set>
                                     <p:animEffect transition="in" filter="wipe(left)">
                                       <p:cBhvr>
-                                        <p:cTn id="24" dur="500"/>
+                                        <p:cTn id="23" dur="500"/>
                                         <p:tgtEl>
                                           <p:spTgt spid="3">
                                             <p:txEl>
@@ -12647,7 +12539,7 @@
                             </p:stCondLst>
                             <p:childTnLst>
                               <p:par>
-                                <p:cTn id="5" presetID="6" presetClass="entr" presetSubtype="32" fill="hold" grpId="0" nodeType="withEffect">
+                                <p:cTn id="5" presetID="1" presetClass="entr" presetSubtype="0" fill="hold" grpId="0" nodeType="withEffect">
                                   <p:stCondLst>
                                     <p:cond delay="0"/>
                                   </p:stCondLst>
@@ -12670,14 +12562,6 @@
                                         <p:strVal val="visible"/>
                                       </p:to>
                                     </p:set>
-                                    <p:animEffect transition="in" filter="circle(out)">
-                                      <p:cBhvr>
-                                        <p:cTn id="7" dur="2000"/>
-                                        <p:tgtEl>
-                                          <p:spTgt spid="2"/>
-                                        </p:tgtEl>
-                                      </p:cBhvr>
-                                    </p:animEffect>
                                   </p:childTnLst>
                                 </p:cTn>
                               </p:par>
@@ -12685,20 +12569,20 @@
                           </p:cTn>
                         </p:par>
                         <p:par>
-                          <p:cTn id="8" fill="hold">
+                          <p:cTn id="7" fill="hold">
                             <p:stCondLst>
-                              <p:cond delay="2000"/>
+                              <p:cond delay="0"/>
                             </p:stCondLst>
                             <p:childTnLst>
                               <p:par>
-                                <p:cTn id="9" presetID="14" presetClass="entr" presetSubtype="5" fill="hold" nodeType="afterEffect">
+                                <p:cTn id="8" presetID="14" presetClass="entr" presetSubtype="5" fill="hold" nodeType="afterEffect">
                                   <p:stCondLst>
                                     <p:cond delay="500"/>
                                   </p:stCondLst>
                                   <p:childTnLst>
                                     <p:set>
                                       <p:cBhvr>
-                                        <p:cTn id="10" dur="1" fill="hold">
+                                        <p:cTn id="9" dur="1" fill="hold">
                                           <p:stCondLst>
                                             <p:cond delay="0"/>
                                           </p:stCondLst>
@@ -12716,7 +12600,7 @@
                                     </p:set>
                                     <p:animEffect transition="in" filter="randombar(vertical)">
                                       <p:cBhvr>
-                                        <p:cTn id="11" dur="500"/>
+                                        <p:cTn id="10" dur="500"/>
                                         <p:tgtEl>
                                           <p:spTgt spid="7"/>
                                         </p:tgtEl>
@@ -12726,14 +12610,14 @@
                                 </p:cTn>
                               </p:par>
                               <p:par>
-                                <p:cTn id="12" presetID="42" presetClass="entr" presetSubtype="0" fill="hold" nodeType="withEffect">
+                                <p:cTn id="11" presetID="42" presetClass="entr" presetSubtype="0" fill="hold" nodeType="withEffect">
                                   <p:stCondLst>
                                     <p:cond delay="0"/>
                                   </p:stCondLst>
                                   <p:childTnLst>
                                     <p:set>
                                       <p:cBhvr>
-                                        <p:cTn id="13" dur="1" fill="hold">
+                                        <p:cTn id="12" dur="1" fill="hold">
                                           <p:stCondLst>
                                             <p:cond delay="0"/>
                                           </p:stCondLst>
@@ -12751,7 +12635,7 @@
                                     </p:set>
                                     <p:animEffect transition="in" filter="fade">
                                       <p:cBhvr>
-                                        <p:cTn id="14" dur="1000"/>
+                                        <p:cTn id="13" dur="1000"/>
                                         <p:tgtEl>
                                           <p:spTgt spid="8"/>
                                         </p:tgtEl>
@@ -12759,7 +12643,7 @@
                                     </p:animEffect>
                                     <p:anim calcmode="lin" valueType="num">
                                       <p:cBhvr>
-                                        <p:cTn id="15" dur="1000" fill="hold"/>
+                                        <p:cTn id="14" dur="1000" fill="hold"/>
                                         <p:tgtEl>
                                           <p:spTgt spid="8"/>
                                         </p:tgtEl>
@@ -12782,7 +12666,7 @@
                                     </p:anim>
                                     <p:anim calcmode="lin" valueType="num">
                                       <p:cBhvr>
-                                        <p:cTn id="16" dur="1000" fill="hold"/>
+                                        <p:cTn id="15" dur="1000" fill="hold"/>
                                         <p:tgtEl>
                                           <p:spTgt spid="8"/>
                                         </p:tgtEl>
@@ -12810,20 +12694,20 @@
                           </p:cTn>
                         </p:par>
                         <p:par>
-                          <p:cTn id="17" fill="hold">
+                          <p:cTn id="16" fill="hold">
                             <p:stCondLst>
-                              <p:cond delay="3000"/>
+                              <p:cond delay="1000"/>
                             </p:stCondLst>
                             <p:childTnLst>
                               <p:par>
-                                <p:cTn id="18" presetID="42" presetClass="entr" presetSubtype="0" fill="hold" nodeType="afterEffect">
+                                <p:cTn id="17" presetID="42" presetClass="entr" presetSubtype="0" fill="hold" nodeType="afterEffect">
                                   <p:stCondLst>
                                     <p:cond delay="1250"/>
                                   </p:stCondLst>
                                   <p:childTnLst>
                                     <p:set>
                                       <p:cBhvr>
-                                        <p:cTn id="19" dur="1" fill="hold">
+                                        <p:cTn id="18" dur="1" fill="hold">
                                           <p:stCondLst>
                                             <p:cond delay="0"/>
                                           </p:stCondLst>
@@ -12841,7 +12725,7 @@
                                     </p:set>
                                     <p:animEffect transition="in" filter="fade">
                                       <p:cBhvr>
-                                        <p:cTn id="20" dur="1000"/>
+                                        <p:cTn id="19" dur="1000"/>
                                         <p:tgtEl>
                                           <p:spTgt spid="9"/>
                                         </p:tgtEl>
@@ -12849,7 +12733,7 @@
                                     </p:animEffect>
                                     <p:anim calcmode="lin" valueType="num">
                                       <p:cBhvr>
-                                        <p:cTn id="21" dur="1000" fill="hold"/>
+                                        <p:cTn id="20" dur="1000" fill="hold"/>
                                         <p:tgtEl>
                                           <p:spTgt spid="9"/>
                                         </p:tgtEl>
@@ -12872,7 +12756,7 @@
                                     </p:anim>
                                     <p:anim calcmode="lin" valueType="num">
                                       <p:cBhvr>
-                                        <p:cTn id="22" dur="1000" fill="hold"/>
+                                        <p:cTn id="21" dur="1000" fill="hold"/>
                                         <p:tgtEl>
                                           <p:spTgt spid="9"/>
                                         </p:tgtEl>
@@ -12900,20 +12784,20 @@
                           </p:cTn>
                         </p:par>
                         <p:par>
-                          <p:cTn id="23" fill="hold">
+                          <p:cTn id="22" fill="hold">
                             <p:stCondLst>
-                              <p:cond delay="5250"/>
+                              <p:cond delay="3250"/>
                             </p:stCondLst>
                             <p:childTnLst>
                               <p:par>
-                                <p:cTn id="24" presetID="42" presetClass="exit" presetSubtype="0" fill="hold" nodeType="afterEffect">
+                                <p:cTn id="23" presetID="42" presetClass="exit" presetSubtype="0" fill="hold" nodeType="afterEffect">
                                   <p:stCondLst>
                                     <p:cond delay="4000"/>
                                   </p:stCondLst>
                                   <p:childTnLst>
                                     <p:animEffect transition="out" filter="fade">
                                       <p:cBhvr>
-                                        <p:cTn id="25" dur="1000"/>
+                                        <p:cTn id="24" dur="1000"/>
                                         <p:tgtEl>
                                           <p:spTgt spid="9"/>
                                         </p:tgtEl>
@@ -12921,7 +12805,7 @@
                                     </p:animEffect>
                                     <p:anim calcmode="lin" valueType="num">
                                       <p:cBhvr>
-                                        <p:cTn id="26" dur="1000"/>
+                                        <p:cTn id="25" dur="1000"/>
                                         <p:tgtEl>
                                           <p:spTgt spid="9"/>
                                         </p:tgtEl>
@@ -12944,7 +12828,7 @@
                                     </p:anim>
                                     <p:anim calcmode="lin" valueType="num">
                                       <p:cBhvr>
-                                        <p:cTn id="27" dur="1000"/>
+                                        <p:cTn id="26" dur="1000"/>
                                         <p:tgtEl>
                                           <p:spTgt spid="9"/>
                                         </p:tgtEl>
@@ -12967,7 +12851,7 @@
                                     </p:anim>
                                     <p:set>
                                       <p:cBhvr>
-                                        <p:cTn id="28" dur="1" fill="hold">
+                                        <p:cTn id="27" dur="1" fill="hold">
                                           <p:stCondLst>
                                             <p:cond delay="999"/>
                                           </p:stCondLst>

--- a/_Organisation/Präsentation/Voodoo_PP2.pptx
+++ b/_Organisation/Präsentation/Voodoo_PP2.pptx
@@ -213,7 +213,7 @@
           <a:p>
             <a:fld id="{6970F1A7-B44C-47F4-9D4E-59C4A99A588C}" type="datetimeFigureOut">
               <a:rPr lang="de-DE" smtClean="0"/>
-              <a:t>05.07.2018</a:t>
+              <a:t>04.07.2018</a:t>
             </a:fld>
             <a:endParaRPr lang="de-DE"/>
           </a:p>
@@ -527,11 +527,19 @@
           <a:p>
             <a:r>
               <a:rPr lang="de-DE" dirty="0" smtClean="0"/>
-              <a:t>Hallo und willkommen zu Gate 2 von Doll 13, ehemalig</a:t>
+              <a:t>Hallo, mein Name ist Sonja Köck und ich bin der Producer von Team 13. Ich werde euch heute Gate 1 von unserem Projekt „Voodoo“</a:t>
             </a:r>
             <a:r>
               <a:rPr lang="de-DE" baseline="0" dirty="0" smtClean="0"/>
-              <a:t> „Voodoo“ genannt.</a:t>
+              <a:t> </a:t>
+            </a:r>
+            <a:r>
+              <a:rPr lang="de-DE" baseline="0" dirty="0" err="1" smtClean="0"/>
+              <a:t>praesentieren</a:t>
+            </a:r>
+            <a:r>
+              <a:rPr lang="de-DE" baseline="0" dirty="0" smtClean="0"/>
+              <a:t>.</a:t>
             </a:r>
             <a:endParaRPr lang="de-DE" dirty="0" smtClean="0"/>
           </a:p>
@@ -618,8 +626,12 @@
           <a:lstStyle/>
           <a:p>
             <a:r>
+              <a:rPr lang="en-US" dirty="0" smtClean="0"/>
+              <a:t>Unser Team </a:t>
+            </a:r>
+            <a:r>
               <a:rPr lang="en-US" dirty="0" err="1" smtClean="0"/>
-              <a:t>Keine</a:t>
+              <a:t>dafuer</a:t>
             </a:r>
             <a:r>
               <a:rPr lang="en-US" dirty="0" smtClean="0"/>
@@ -627,15 +639,7 @@
             </a:r>
             <a:r>
               <a:rPr lang="en-US" dirty="0" err="1" smtClean="0"/>
-              <a:t>Sorge</a:t>
-            </a:r>
-            <a:r>
-              <a:rPr lang="en-US" dirty="0" smtClean="0"/>
-              <a:t>, die </a:t>
-            </a:r>
-            <a:r>
-              <a:rPr lang="en-US" dirty="0" err="1" smtClean="0"/>
-              <a:t>Praesentation</a:t>
+              <a:t>besteht</a:t>
             </a:r>
             <a:r>
               <a:rPr lang="en-US" dirty="0" smtClean="0"/>
@@ -643,7 +647,7 @@
             </a:r>
             <a:r>
               <a:rPr lang="en-US" dirty="0" err="1" smtClean="0"/>
-              <a:t>wird</a:t>
+              <a:t>aus</a:t>
             </a:r>
             <a:r>
               <a:rPr lang="en-US" dirty="0" smtClean="0"/>
@@ -651,7 +655,147 @@
             </a:r>
             <a:r>
               <a:rPr lang="en-US" dirty="0" err="1" smtClean="0"/>
-              <a:t>kurz</a:t>
+              <a:t>unseren</a:t>
+            </a:r>
+            <a:r>
+              <a:rPr lang="en-US" dirty="0" smtClean="0"/>
+              <a:t> Artists:</a:t>
+            </a:r>
+            <a:r>
+              <a:rPr lang="en-US" baseline="0" dirty="0" smtClean="0"/>
+              <a:t> Lou, Jesse, Michelle, Levin und </a:t>
+            </a:r>
+            <a:r>
+              <a:rPr lang="en-US" baseline="0" dirty="0" err="1" smtClean="0"/>
+              <a:t>Michi</a:t>
+            </a:r>
+            <a:r>
+              <a:rPr lang="en-US" baseline="0" dirty="0" smtClean="0"/>
+              <a:t>, </a:t>
+            </a:r>
+            <a:r>
+              <a:rPr lang="en-US" baseline="0" dirty="0" err="1" smtClean="0"/>
+              <a:t>wobei</a:t>
+            </a:r>
+            <a:r>
+              <a:rPr lang="en-US" baseline="0" dirty="0" smtClean="0"/>
+              <a:t> Jesse und Michelle </a:t>
+            </a:r>
+            <a:r>
+              <a:rPr lang="en-US" baseline="0" dirty="0" err="1" smtClean="0"/>
+              <a:t>heute</a:t>
+            </a:r>
+            <a:r>
+              <a:rPr lang="en-US" baseline="0" dirty="0" smtClean="0"/>
+              <a:t> </a:t>
+            </a:r>
+            <a:r>
+              <a:rPr lang="en-US" baseline="0" dirty="0" err="1" smtClean="0"/>
+              <a:t>leider</a:t>
+            </a:r>
+            <a:r>
+              <a:rPr lang="en-US" baseline="0" dirty="0" smtClean="0"/>
+              <a:t> </a:t>
+            </a:r>
+            <a:r>
+              <a:rPr lang="en-US" baseline="0" dirty="0" err="1" smtClean="0"/>
+              <a:t>krankheitsbedingt</a:t>
+            </a:r>
+            <a:r>
+              <a:rPr lang="en-US" baseline="0" dirty="0" smtClean="0"/>
+              <a:t> </a:t>
+            </a:r>
+            <a:r>
+              <a:rPr lang="en-US" baseline="0" dirty="0" err="1" smtClean="0"/>
+              <a:t>zu</a:t>
+            </a:r>
+            <a:r>
+              <a:rPr lang="en-US" baseline="0" dirty="0" smtClean="0"/>
+              <a:t> </a:t>
+            </a:r>
+            <a:r>
+              <a:rPr lang="en-US" baseline="0" dirty="0" err="1" smtClean="0"/>
+              <a:t>Hause</a:t>
+            </a:r>
+            <a:r>
+              <a:rPr lang="en-US" baseline="0" dirty="0" smtClean="0"/>
+              <a:t> </a:t>
+            </a:r>
+            <a:r>
+              <a:rPr lang="en-US" baseline="0" dirty="0" err="1" smtClean="0"/>
+              <a:t>bleiben</a:t>
+            </a:r>
+            <a:r>
+              <a:rPr lang="en-US" baseline="0" dirty="0" smtClean="0"/>
+              <a:t> </a:t>
+            </a:r>
+            <a:r>
+              <a:rPr lang="en-US" baseline="0" dirty="0" err="1" smtClean="0"/>
+              <a:t>mussten</a:t>
+            </a:r>
+            <a:r>
+              <a:rPr lang="en-US" baseline="0" dirty="0" smtClean="0"/>
+              <a:t>. </a:t>
+            </a:r>
+            <a:r>
+              <a:rPr lang="en-US" baseline="0" dirty="0" err="1" smtClean="0"/>
+              <a:t>Weiters</a:t>
+            </a:r>
+            <a:r>
+              <a:rPr lang="en-US" baseline="0" dirty="0" smtClean="0"/>
+              <a:t> </a:t>
+            </a:r>
+            <a:r>
+              <a:rPr lang="en-US" baseline="0" dirty="0" err="1" smtClean="0"/>
+              <a:t>haben</a:t>
+            </a:r>
+            <a:r>
+              <a:rPr lang="en-US" baseline="0" dirty="0" smtClean="0"/>
+              <a:t> </a:t>
+            </a:r>
+            <a:r>
+              <a:rPr lang="en-US" baseline="0" dirty="0" err="1" smtClean="0"/>
+              <a:t>wir</a:t>
+            </a:r>
+            <a:r>
+              <a:rPr lang="en-US" baseline="0" dirty="0" smtClean="0"/>
+              <a:t> </a:t>
+            </a:r>
+            <a:r>
+              <a:rPr lang="en-US" baseline="0" dirty="0" err="1" smtClean="0"/>
+              <a:t>noch</a:t>
+            </a:r>
+            <a:r>
+              <a:rPr lang="en-US" baseline="0" dirty="0" smtClean="0"/>
+              <a:t> </a:t>
+            </a:r>
+            <a:r>
+              <a:rPr lang="en-US" baseline="0" dirty="0" err="1" smtClean="0"/>
+              <a:t>unseren</a:t>
+            </a:r>
+            <a:r>
+              <a:rPr lang="en-US" baseline="0" dirty="0" smtClean="0"/>
+              <a:t> Game Designer Tobias, </a:t>
+            </a:r>
+            <a:r>
+              <a:rPr lang="en-US" baseline="0" dirty="0" err="1" smtClean="0"/>
+              <a:t>Artjom</a:t>
+            </a:r>
+            <a:r>
+              <a:rPr lang="en-US" baseline="0" dirty="0" smtClean="0"/>
+              <a:t> </a:t>
+            </a:r>
+            <a:r>
+              <a:rPr lang="en-US" baseline="0" dirty="0" err="1" smtClean="0"/>
+              <a:t>als</a:t>
+            </a:r>
+            <a:r>
+              <a:rPr lang="en-US" baseline="0" dirty="0" smtClean="0"/>
+              <a:t> </a:t>
+            </a:r>
+            <a:r>
+              <a:rPr lang="en-US" baseline="0" dirty="0" err="1" smtClean="0"/>
+              <a:t>Programmierer</a:t>
             </a:r>
             <a:r>
               <a:rPr lang="en-US" baseline="0" dirty="0" smtClean="0"/>
@@ -659,21 +803,170 @@
             </a:r>
             <a:r>
               <a:rPr lang="en-US" baseline="0" dirty="0" err="1" smtClean="0"/>
-              <a:t>knapp</a:t>
+              <a:t>schliesslich</a:t>
+            </a:r>
+            <a:r>
+              <a:rPr lang="en-US" baseline="0" dirty="0" smtClean="0"/>
+              <a:t> </a:t>
+            </a:r>
+            <a:r>
+              <a:rPr lang="en-US" baseline="0" dirty="0" err="1" smtClean="0"/>
+              <a:t>noch</a:t>
+            </a:r>
+            <a:r>
+              <a:rPr lang="en-US" baseline="0" dirty="0" smtClean="0"/>
+              <a:t> </a:t>
+            </a:r>
+            <a:r>
+              <a:rPr lang="en-US" baseline="0" dirty="0" err="1" smtClean="0"/>
+              <a:t>mich</a:t>
+            </a:r>
+            <a:r>
+              <a:rPr lang="en-US" baseline="0" dirty="0" smtClean="0"/>
+              <a:t> </a:t>
+            </a:r>
+            <a:r>
+              <a:rPr lang="en-US" baseline="0" dirty="0" err="1" smtClean="0"/>
+              <a:t>als</a:t>
+            </a:r>
+            <a:r>
+              <a:rPr lang="en-US" baseline="0" dirty="0" smtClean="0"/>
+              <a:t> Producer.</a:t>
+            </a:r>
+            <a:br>
+              <a:rPr lang="en-US" baseline="0" dirty="0" smtClean="0"/>
+            </a:br>
+            <a:r>
+              <a:rPr lang="en-US" dirty="0" err="1" smtClean="0"/>
+              <a:t>Wir</a:t>
+            </a:r>
+            <a:r>
+              <a:rPr lang="en-US" dirty="0" smtClean="0"/>
+              <a:t> </a:t>
+            </a:r>
+            <a:r>
+              <a:rPr lang="en-US" dirty="0" err="1" smtClean="0"/>
+              <a:t>hatten</a:t>
+            </a:r>
+            <a:r>
+              <a:rPr lang="en-US" dirty="0" smtClean="0"/>
+              <a:t> </a:t>
+            </a:r>
+            <a:r>
+              <a:rPr lang="en-US" dirty="0" err="1" smtClean="0"/>
+              <a:t>anfangs</a:t>
+            </a:r>
+            <a:r>
+              <a:rPr lang="en-US" dirty="0" smtClean="0"/>
+              <a:t> </a:t>
+            </a:r>
+            <a:r>
+              <a:rPr lang="en-US" dirty="0" err="1" smtClean="0"/>
+              <a:t>Schwierigkeiten</a:t>
+            </a:r>
+            <a:r>
+              <a:rPr lang="en-US" baseline="0" dirty="0" smtClean="0"/>
+              <a:t> </a:t>
+            </a:r>
+            <a:r>
+              <a:rPr lang="en-US" baseline="0" dirty="0" err="1" smtClean="0"/>
+              <a:t>mit</a:t>
+            </a:r>
+            <a:r>
+              <a:rPr lang="en-US" baseline="0" dirty="0" smtClean="0"/>
+              <a:t> der </a:t>
+            </a:r>
+            <a:r>
+              <a:rPr lang="en-US" baseline="0" dirty="0" err="1" smtClean="0"/>
+              <a:t>Kommunikation</a:t>
+            </a:r>
+            <a:r>
+              <a:rPr lang="en-US" baseline="0" dirty="0" smtClean="0"/>
+              <a:t>, </a:t>
+            </a:r>
+            <a:r>
+              <a:rPr lang="en-US" baseline="0" dirty="0" err="1" smtClean="0"/>
+              <a:t>jedoch</a:t>
+            </a:r>
+            <a:r>
+              <a:rPr lang="en-US" baseline="0" dirty="0" smtClean="0"/>
+              <a:t> </a:t>
+            </a:r>
+            <a:r>
+              <a:rPr lang="en-US" baseline="0" dirty="0" err="1" smtClean="0"/>
+              <a:t>haben</a:t>
+            </a:r>
+            <a:r>
+              <a:rPr lang="en-US" baseline="0" dirty="0" smtClean="0"/>
+              <a:t> </a:t>
+            </a:r>
+            <a:r>
+              <a:rPr lang="en-US" baseline="0" dirty="0" err="1" smtClean="0"/>
+              <a:t>sich</a:t>
+            </a:r>
+            <a:r>
+              <a:rPr lang="en-US" baseline="0" dirty="0" smtClean="0"/>
+              <a:t> </a:t>
+            </a:r>
+            <a:r>
+              <a:rPr lang="en-US" baseline="0" dirty="0" err="1" smtClean="0"/>
+              <a:t>diese</a:t>
+            </a:r>
+            <a:r>
+              <a:rPr lang="en-US" baseline="0" dirty="0" smtClean="0"/>
+              <a:t> </a:t>
+            </a:r>
+            <a:r>
+              <a:rPr lang="en-US" baseline="0" dirty="0" err="1" smtClean="0"/>
+              <a:t>mit</a:t>
+            </a:r>
+            <a:r>
+              <a:rPr lang="en-US" baseline="0" dirty="0" smtClean="0"/>
+              <a:t> </a:t>
+            </a:r>
+            <a:r>
+              <a:rPr lang="en-US" baseline="0" dirty="0" err="1" smtClean="0"/>
+              <a:t>regelmaessigen</a:t>
+            </a:r>
+            <a:r>
+              <a:rPr lang="en-US" baseline="0" dirty="0" smtClean="0"/>
+              <a:t> </a:t>
+            </a:r>
+            <a:r>
+              <a:rPr lang="en-US" baseline="0" dirty="0" err="1" smtClean="0"/>
+              <a:t>Gespraechen</a:t>
+            </a:r>
+            <a:r>
+              <a:rPr lang="en-US" baseline="0" dirty="0" smtClean="0"/>
+              <a:t> </a:t>
+            </a:r>
+            <a:r>
+              <a:rPr lang="en-US" baseline="0" dirty="0" err="1" smtClean="0"/>
+              <a:t>zu</a:t>
+            </a:r>
+            <a:r>
+              <a:rPr lang="en-US" baseline="0" dirty="0" smtClean="0"/>
+              <a:t> ca. 80% </a:t>
+            </a:r>
+            <a:r>
+              <a:rPr lang="en-US" baseline="0" dirty="0" err="1" smtClean="0"/>
+              <a:t>klaeren</a:t>
+            </a:r>
+            <a:r>
+              <a:rPr lang="en-US" baseline="0" dirty="0" smtClean="0"/>
+              <a:t> </a:t>
+            </a:r>
+            <a:r>
+              <a:rPr lang="en-US" baseline="0" dirty="0" err="1" smtClean="0"/>
+              <a:t>lassen</a:t>
             </a:r>
             <a:r>
               <a:rPr lang="en-US" baseline="0" dirty="0" smtClean="0"/>
               <a:t>. </a:t>
             </a:r>
             <a:r>
-              <a:rPr lang="en-US" baseline="0" dirty="0" smtClean="0">
-                <a:sym typeface="Wingdings" panose="05000000000000000000" pitchFamily="2" charset="2"/>
-              </a:rPr>
-              <a:t> </a:t>
-            </a:r>
-            <a:r>
-              <a:rPr lang="en-US" dirty="0" err="1" smtClean="0"/>
-              <a:t>Ich</a:t>
+              <a:rPr lang="en-US" baseline="0" dirty="0" err="1" smtClean="0"/>
+              <a:t>Weiters</a:t>
             </a:r>
             <a:r>
               <a:rPr lang="en-US" baseline="0" dirty="0" smtClean="0"/>
@@ -681,7 +974,15 @@
             </a:r>
             <a:r>
               <a:rPr lang="en-US" baseline="0" dirty="0" err="1" smtClean="0"/>
-              <a:t>werde</a:t>
+              <a:t>hatten</a:t>
+            </a:r>
+            <a:r>
+              <a:rPr lang="en-US" baseline="0" dirty="0" smtClean="0"/>
+              <a:t> und </a:t>
+            </a:r>
+            <a:r>
+              <a:rPr lang="en-US" baseline="0" dirty="0" err="1" smtClean="0"/>
+              <a:t>haben</a:t>
             </a:r>
             <a:r>
               <a:rPr lang="en-US" baseline="0" dirty="0" smtClean="0"/>
@@ -689,7 +990,23 @@
             </a:r>
             <a:r>
               <a:rPr lang="en-US" baseline="0" dirty="0" err="1" smtClean="0"/>
-              <a:t>euch</a:t>
+              <a:t>wir</a:t>
+            </a:r>
+            <a:r>
+              <a:rPr lang="en-US" baseline="0" dirty="0" smtClean="0"/>
+              <a:t> in </a:t>
+            </a:r>
+            <a:r>
+              <a:rPr lang="en-US" baseline="0" dirty="0" err="1" smtClean="0"/>
+              <a:t>unserem</a:t>
+            </a:r>
+            <a:r>
+              <a:rPr lang="en-US" baseline="0" dirty="0" smtClean="0"/>
+              <a:t> Art-Department </a:t>
+            </a:r>
+            <a:r>
+              <a:rPr lang="en-US" baseline="0" dirty="0" err="1" smtClean="0"/>
+              <a:t>einige</a:t>
             </a:r>
             <a:r>
               <a:rPr lang="en-US" baseline="0" dirty="0" smtClean="0"/>
@@ -697,7 +1014,15 @@
             </a:r>
             <a:r>
               <a:rPr lang="en-US" baseline="0" dirty="0" err="1" smtClean="0"/>
-              <a:t>zuerst</a:t>
+              <a:t>krankheits</a:t>
+            </a:r>
+            <a:r>
+              <a:rPr lang="en-US" baseline="0" dirty="0" smtClean="0"/>
+              <a:t>- und </a:t>
+            </a:r>
+            <a:r>
+              <a:rPr lang="en-US" baseline="0" dirty="0" err="1" smtClean="0"/>
+              <a:t>durch</a:t>
             </a:r>
             <a:r>
               <a:rPr lang="en-US" baseline="0" dirty="0" smtClean="0"/>
@@ -705,7 +1030,7 @@
             </a:r>
             <a:r>
               <a:rPr lang="en-US" baseline="0" dirty="0" err="1" smtClean="0"/>
-              <a:t>ein</a:t>
+              <a:t>anderweitige</a:t>
             </a:r>
             <a:r>
               <a:rPr lang="en-US" baseline="0" dirty="0" smtClean="0"/>
@@ -713,11 +1038,334 @@
             </a:r>
             <a:r>
               <a:rPr lang="en-US" baseline="0" dirty="0" err="1" smtClean="0"/>
-              <a:t>kleines</a:t>
-            </a:r>
-            <a:r>
-              <a:rPr lang="en-US" baseline="0" dirty="0" smtClean="0"/>
-              <a:t> Review </a:t>
+              <a:t>Arbeit</a:t>
+            </a:r>
+            <a:r>
+              <a:rPr lang="en-US" baseline="0" dirty="0" smtClean="0"/>
+              <a:t> </a:t>
+            </a:r>
+            <a:r>
+              <a:rPr lang="en-US" baseline="0" dirty="0" err="1" smtClean="0"/>
+              <a:t>bedingte</a:t>
+            </a:r>
+            <a:r>
+              <a:rPr lang="en-US" baseline="0" dirty="0" smtClean="0"/>
+              <a:t> </a:t>
+            </a:r>
+            <a:r>
+              <a:rPr lang="en-US" baseline="0" dirty="0" err="1" smtClean="0"/>
+              <a:t>Ausfaelle</a:t>
+            </a:r>
+            <a:r>
+              <a:rPr lang="en-US" baseline="0" dirty="0" smtClean="0"/>
+              <a:t>, </a:t>
+            </a:r>
+            <a:r>
+              <a:rPr lang="en-US" baseline="0" dirty="0" err="1" smtClean="0"/>
+              <a:t>wie</a:t>
+            </a:r>
+            <a:r>
+              <a:rPr lang="en-US" baseline="0" dirty="0" smtClean="0"/>
+              <a:t> </a:t>
+            </a:r>
+            <a:r>
+              <a:rPr lang="en-US" baseline="0" dirty="0" err="1" smtClean="0"/>
+              <a:t>heute</a:t>
+            </a:r>
+            <a:r>
+              <a:rPr lang="en-US" baseline="0" dirty="0" smtClean="0"/>
+              <a:t> </a:t>
+            </a:r>
+            <a:r>
+              <a:rPr lang="en-US" baseline="0" dirty="0" err="1" smtClean="0"/>
+              <a:t>zum</a:t>
+            </a:r>
+            <a:r>
+              <a:rPr lang="en-US" baseline="0" dirty="0" smtClean="0"/>
+              <a:t> </a:t>
+            </a:r>
+            <a:r>
+              <a:rPr lang="en-US" baseline="0" dirty="0" err="1" smtClean="0"/>
+              <a:t>Beispiel</a:t>
+            </a:r>
+            <a:r>
+              <a:rPr lang="en-US" baseline="0" dirty="0" smtClean="0"/>
+              <a:t> von Michelle und Jesse. </a:t>
+            </a:r>
+            <a:r>
+              <a:rPr lang="en-US" baseline="0" dirty="0" err="1" smtClean="0"/>
+              <a:t>Ausserdem</a:t>
+            </a:r>
+            <a:r>
+              <a:rPr lang="en-US" baseline="0" dirty="0" smtClean="0"/>
+              <a:t> </a:t>
+            </a:r>
+            <a:r>
+              <a:rPr lang="en-US" baseline="0" dirty="0" err="1" smtClean="0"/>
+              <a:t>wird</a:t>
+            </a:r>
+            <a:r>
+              <a:rPr lang="en-US" baseline="0" dirty="0" smtClean="0"/>
+              <a:t> </a:t>
+            </a:r>
+            <a:r>
+              <a:rPr lang="en-US" baseline="0" dirty="0" err="1" smtClean="0"/>
+              <a:t>unsere</a:t>
+            </a:r>
+            <a:r>
+              <a:rPr lang="en-US" baseline="0" dirty="0" smtClean="0"/>
+              <a:t> </a:t>
+            </a:r>
+            <a:r>
+              <a:rPr lang="en-US" baseline="0" dirty="0" err="1" smtClean="0"/>
+              <a:t>Animatorin</a:t>
+            </a:r>
+            <a:r>
+              <a:rPr lang="en-US" baseline="0" dirty="0" smtClean="0"/>
+              <a:t> </a:t>
+            </a:r>
+            <a:r>
+              <a:rPr lang="en-US" baseline="0" dirty="0" err="1" smtClean="0"/>
+              <a:t>Michi</a:t>
+            </a:r>
+            <a:r>
+              <a:rPr lang="en-US" baseline="0" dirty="0" smtClean="0"/>
+              <a:t> </a:t>
+            </a:r>
+            <a:r>
+              <a:rPr lang="en-US" baseline="0" dirty="0" err="1" smtClean="0"/>
+              <a:t>noch</a:t>
+            </a:r>
+            <a:r>
+              <a:rPr lang="en-US" baseline="0" dirty="0" smtClean="0"/>
+              <a:t> </a:t>
+            </a:r>
+            <a:r>
+              <a:rPr lang="en-US" baseline="0" dirty="0" err="1" smtClean="0"/>
+              <a:t>fuer</a:t>
+            </a:r>
+            <a:r>
+              <a:rPr lang="en-US" baseline="0" dirty="0" smtClean="0"/>
+              <a:t> </a:t>
+            </a:r>
+            <a:r>
+              <a:rPr lang="en-US" baseline="0" dirty="0" err="1" smtClean="0"/>
+              <a:t>weitere</a:t>
+            </a:r>
+            <a:r>
+              <a:rPr lang="en-US" baseline="0" dirty="0" smtClean="0"/>
+              <a:t> 3 </a:t>
+            </a:r>
+            <a:r>
+              <a:rPr lang="en-US" baseline="0" dirty="0" err="1" smtClean="0"/>
+              <a:t>Wochen</a:t>
+            </a:r>
+            <a:r>
+              <a:rPr lang="en-US" baseline="0" dirty="0" smtClean="0"/>
+              <a:t> von Metric Minds </a:t>
+            </a:r>
+            <a:r>
+              <a:rPr lang="en-US" baseline="0" dirty="0" err="1" smtClean="0"/>
+              <a:t>beanschlagt</a:t>
+            </a:r>
+            <a:r>
+              <a:rPr lang="en-US" baseline="0" dirty="0" smtClean="0"/>
+              <a:t>. </a:t>
+            </a:r>
+            <a:r>
+              <a:rPr lang="en-US" baseline="0" dirty="0" err="1" smtClean="0"/>
+              <a:t>Diese</a:t>
+            </a:r>
+            <a:r>
+              <a:rPr lang="en-US" baseline="0" dirty="0" smtClean="0"/>
+              <a:t> </a:t>
+            </a:r>
+            <a:r>
+              <a:rPr lang="en-US" baseline="0" dirty="0" err="1" smtClean="0"/>
+              <a:t>Ausfaelle</a:t>
+            </a:r>
+            <a:r>
+              <a:rPr lang="en-US" baseline="0" dirty="0" smtClean="0"/>
+              <a:t> </a:t>
+            </a:r>
+            <a:r>
+              <a:rPr lang="en-US" baseline="0" dirty="0" err="1" smtClean="0"/>
+              <a:t>halten</a:t>
+            </a:r>
+            <a:r>
+              <a:rPr lang="en-US" baseline="0" dirty="0" smtClean="0"/>
+              <a:t> </a:t>
+            </a:r>
+            <a:r>
+              <a:rPr lang="en-US" baseline="0" dirty="0" err="1" smtClean="0"/>
+              <a:t>sich</a:t>
+            </a:r>
+            <a:r>
+              <a:rPr lang="en-US" baseline="0" dirty="0" smtClean="0"/>
+              <a:t>  </a:t>
+            </a:r>
+            <a:r>
+              <a:rPr lang="en-US" baseline="0" dirty="0" err="1" smtClean="0"/>
+              <a:t>aber</a:t>
+            </a:r>
+            <a:r>
+              <a:rPr lang="en-US" baseline="0" dirty="0" smtClean="0"/>
+              <a:t> </a:t>
+            </a:r>
+            <a:r>
+              <a:rPr lang="en-US" baseline="0" dirty="0" err="1" smtClean="0"/>
+              <a:t>bisher</a:t>
+            </a:r>
+            <a:r>
+              <a:rPr lang="en-US" baseline="0" dirty="0" smtClean="0"/>
+              <a:t> </a:t>
+            </a:r>
+            <a:r>
+              <a:rPr lang="en-US" baseline="0" dirty="0" err="1" smtClean="0"/>
+              <a:t>noch</a:t>
+            </a:r>
+            <a:r>
+              <a:rPr lang="en-US" baseline="0" dirty="0" smtClean="0"/>
+              <a:t> in </a:t>
+            </a:r>
+            <a:r>
+              <a:rPr lang="en-US" baseline="0" dirty="0" err="1" smtClean="0"/>
+              <a:t>einem</a:t>
+            </a:r>
+            <a:r>
+              <a:rPr lang="en-US" baseline="0" dirty="0" smtClean="0"/>
+              <a:t> </a:t>
+            </a:r>
+            <a:r>
+              <a:rPr lang="en-US" baseline="0" dirty="0" err="1" smtClean="0"/>
+              <a:t>zuvor</a:t>
+            </a:r>
+            <a:r>
+              <a:rPr lang="en-US" baseline="0" dirty="0" smtClean="0"/>
+              <a:t> </a:t>
+            </a:r>
+            <a:r>
+              <a:rPr lang="en-US" baseline="0" dirty="0" err="1" smtClean="0"/>
+              <a:t>miteingerechneten</a:t>
+            </a:r>
+            <a:r>
+              <a:rPr lang="en-US" baseline="0" dirty="0" smtClean="0"/>
+              <a:t> </a:t>
+            </a:r>
+            <a:r>
+              <a:rPr lang="en-US" baseline="0" dirty="0" err="1" smtClean="0"/>
+              <a:t>Rahmen</a:t>
+            </a:r>
+            <a:r>
+              <a:rPr lang="en-US" baseline="0" dirty="0" smtClean="0"/>
+              <a:t> und </a:t>
+            </a:r>
+            <a:r>
+              <a:rPr lang="en-US" baseline="0" dirty="0" err="1" smtClean="0"/>
+              <a:t>sollten</a:t>
+            </a:r>
+            <a:r>
+              <a:rPr lang="en-US" baseline="0" dirty="0" smtClean="0"/>
+              <a:t> </a:t>
+            </a:r>
+            <a:r>
+              <a:rPr lang="en-US" baseline="0" dirty="0" err="1" smtClean="0"/>
+              <a:t>somit</a:t>
+            </a:r>
+            <a:r>
+              <a:rPr lang="en-US" baseline="0" dirty="0" smtClean="0"/>
+              <a:t> </a:t>
+            </a:r>
+            <a:r>
+              <a:rPr lang="en-US" baseline="0" dirty="0" err="1" smtClean="0"/>
+              <a:t>keine</a:t>
+            </a:r>
+            <a:r>
+              <a:rPr lang="en-US" baseline="0" dirty="0" smtClean="0"/>
+              <a:t> </a:t>
+            </a:r>
+            <a:r>
+              <a:rPr lang="en-US" baseline="0" dirty="0" err="1" smtClean="0"/>
+              <a:t>allzu</a:t>
+            </a:r>
+            <a:r>
+              <a:rPr lang="en-US" baseline="0" dirty="0" smtClean="0"/>
+              <a:t> negative </a:t>
+            </a:r>
+            <a:r>
+              <a:rPr lang="en-US" baseline="0" dirty="0" err="1" smtClean="0"/>
+              <a:t>Auswirkungen</a:t>
+            </a:r>
+            <a:r>
+              <a:rPr lang="en-US" baseline="0" dirty="0" smtClean="0"/>
+              <a:t> auf </a:t>
+            </a:r>
+            <a:r>
+              <a:rPr lang="en-US" baseline="0" dirty="0" err="1" smtClean="0"/>
+              <a:t>unsere</a:t>
+            </a:r>
+            <a:r>
+              <a:rPr lang="en-US" baseline="0" dirty="0" smtClean="0"/>
+              <a:t> </a:t>
+            </a:r>
+            <a:r>
+              <a:rPr lang="en-US" baseline="0" dirty="0" err="1" smtClean="0"/>
+              <a:t>Produktion</a:t>
+            </a:r>
+            <a:r>
+              <a:rPr lang="en-US" baseline="0" dirty="0" smtClean="0"/>
+              <a:t> </a:t>
+            </a:r>
+            <a:r>
+              <a:rPr lang="en-US" baseline="0" dirty="0" err="1" smtClean="0"/>
+              <a:t>haben</a:t>
+            </a:r>
+            <a:r>
+              <a:rPr lang="en-US" baseline="0" dirty="0" smtClean="0"/>
+              <a:t>. </a:t>
+            </a:r>
+            <a:br>
+              <a:rPr lang="en-US" baseline="0" dirty="0" smtClean="0"/>
+            </a:br>
+            <a:r>
+              <a:rPr lang="en-US" baseline="0" dirty="0" err="1" smtClean="0"/>
+              <a:t>Damit</a:t>
+            </a:r>
+            <a:r>
+              <a:rPr lang="en-US" baseline="0" dirty="0" smtClean="0"/>
+              <a:t> </a:t>
+            </a:r>
+            <a:r>
+              <a:rPr lang="en-US" baseline="0" dirty="0" err="1" smtClean="0"/>
+              <a:t>kommen</a:t>
+            </a:r>
+            <a:r>
+              <a:rPr lang="en-US" baseline="0" dirty="0" smtClean="0"/>
+              <a:t> </a:t>
+            </a:r>
+            <a:r>
+              <a:rPr lang="en-US" baseline="0" dirty="0" err="1" smtClean="0"/>
+              <a:t>wir</a:t>
+            </a:r>
+            <a:r>
+              <a:rPr lang="en-US" baseline="0" dirty="0" smtClean="0"/>
+              <a:t> </a:t>
+            </a:r>
+            <a:r>
+              <a:rPr lang="en-US" baseline="0" dirty="0" err="1" smtClean="0"/>
+              <a:t>dann</a:t>
+            </a:r>
+            <a:r>
+              <a:rPr lang="en-US" baseline="0" dirty="0" smtClean="0"/>
+              <a:t> </a:t>
+            </a:r>
+            <a:r>
+              <a:rPr lang="en-US" baseline="0" dirty="0" err="1" smtClean="0"/>
+              <a:t>auch</a:t>
+            </a:r>
+            <a:r>
+              <a:rPr lang="en-US" baseline="0" dirty="0" smtClean="0"/>
+              <a:t> direct </a:t>
             </a:r>
             <a:r>
               <a:rPr lang="en-US" baseline="0" dirty="0" err="1" smtClean="0"/>
@@ -729,23 +1377,7 @@
             </a:r>
             <a:r>
               <a:rPr lang="en-US" baseline="0" dirty="0" err="1" smtClean="0"/>
-              <a:t>dem</a:t>
-            </a:r>
-            <a:r>
-              <a:rPr lang="en-US" baseline="0" dirty="0" smtClean="0"/>
-              <a:t> Spiel und </a:t>
-            </a:r>
-            <a:r>
-              <a:rPr lang="en-US" baseline="0" dirty="0" err="1" smtClean="0"/>
-              <a:t>unserer</a:t>
-            </a:r>
-            <a:r>
-              <a:rPr lang="en-US" baseline="0" dirty="0" smtClean="0"/>
-              <a:t> Vision </a:t>
-            </a:r>
-            <a:r>
-              <a:rPr lang="en-US" baseline="0" dirty="0" err="1" smtClean="0"/>
-              <a:t>dazu</a:t>
+              <a:t>unseren</a:t>
             </a:r>
             <a:r>
               <a:rPr lang="en-US" baseline="0" dirty="0" smtClean="0"/>
@@ -753,15 +1385,15 @@
             </a:r>
             <a:r>
               <a:rPr lang="en-US" baseline="0" dirty="0" err="1" smtClean="0"/>
-              <a:t>geben</a:t>
-            </a:r>
-            <a:r>
-              <a:rPr lang="en-US" baseline="0" dirty="0" smtClean="0"/>
-              <a:t> und </a:t>
-            </a:r>
-            <a:r>
-              <a:rPr lang="en-US" baseline="0" dirty="0" err="1" smtClean="0"/>
-              <a:t>anschliessend</a:t>
+              <a:t>Zielen</a:t>
+            </a:r>
+            <a:r>
+              <a:rPr lang="en-US" baseline="0" dirty="0" smtClean="0"/>
+              <a:t>, die </a:t>
+            </a:r>
+            <a:r>
+              <a:rPr lang="en-US" baseline="0" dirty="0" err="1" smtClean="0"/>
+              <a:t>wir</a:t>
             </a:r>
             <a:r>
               <a:rPr lang="en-US" baseline="0" dirty="0" smtClean="0"/>
@@ -769,15 +1401,7 @@
             </a:r>
             <a:r>
               <a:rPr lang="en-US" baseline="0" dirty="0" err="1" smtClean="0"/>
-              <a:t>auffuehren</a:t>
-            </a:r>
-            <a:r>
-              <a:rPr lang="en-US" baseline="0" dirty="0" smtClean="0"/>
-              <a:t>, was </a:t>
-            </a:r>
-            <a:r>
-              <a:rPr lang="en-US" baseline="0" dirty="0" err="1" smtClean="0"/>
-              <a:t>wir</a:t>
+              <a:t>uns</a:t>
             </a:r>
             <a:r>
               <a:rPr lang="en-US" baseline="0" dirty="0" smtClean="0"/>
@@ -785,7 +1409,15 @@
             </a:r>
             <a:r>
               <a:rPr lang="en-US" baseline="0" dirty="0" err="1" smtClean="0"/>
-              <a:t>euch</a:t>
+              <a:t>fuer</a:t>
+            </a:r>
+            <a:r>
+              <a:rPr lang="en-US" baseline="0" dirty="0" smtClean="0"/>
+              <a:t> gate 1 </a:t>
+            </a:r>
+            <a:r>
+              <a:rPr lang="en-US" baseline="0" dirty="0" err="1" smtClean="0"/>
+              <a:t>gesaetzt</a:t>
             </a:r>
             <a:r>
               <a:rPr lang="en-US" baseline="0" dirty="0" smtClean="0"/>
@@ -793,251 +1425,11 @@
             </a:r>
             <a:r>
               <a:rPr lang="en-US" baseline="0" dirty="0" err="1" smtClean="0"/>
-              <a:t>bis</a:t>
-            </a:r>
-            <a:r>
-              <a:rPr lang="en-US" baseline="0" dirty="0" smtClean="0"/>
-              <a:t> </a:t>
-            </a:r>
-            <a:r>
-              <a:rPr lang="en-US" baseline="0" dirty="0" err="1" smtClean="0"/>
-              <a:t>heute</a:t>
-            </a:r>
-            <a:r>
-              <a:rPr lang="en-US" baseline="0" dirty="0" smtClean="0"/>
-              <a:t> </a:t>
-            </a:r>
-            <a:r>
-              <a:rPr lang="en-US" baseline="0" dirty="0" err="1" smtClean="0"/>
-              <a:t>versprochen</a:t>
-            </a:r>
-            <a:r>
-              <a:rPr lang="en-US" baseline="0" dirty="0" smtClean="0"/>
-              <a:t> </a:t>
-            </a:r>
-            <a:r>
-              <a:rPr lang="en-US" baseline="0" dirty="0" err="1" smtClean="0"/>
-              <a:t>haben</a:t>
-            </a:r>
-            <a:r>
-              <a:rPr lang="en-US" baseline="0" dirty="0" smtClean="0"/>
-              <a:t> und </a:t>
-            </a:r>
-            <a:r>
-              <a:rPr lang="en-US" baseline="0" dirty="0" err="1" smtClean="0"/>
-              <a:t>wie</a:t>
-            </a:r>
-            <a:r>
-              <a:rPr lang="en-US" baseline="0" dirty="0" smtClean="0"/>
-              <a:t> </a:t>
-            </a:r>
-            <a:r>
-              <a:rPr lang="en-US" baseline="0" dirty="0" err="1" smtClean="0"/>
-              <a:t>weit</a:t>
-            </a:r>
-            <a:r>
-              <a:rPr lang="en-US" baseline="0" dirty="0" smtClean="0"/>
-              <a:t> </a:t>
-            </a:r>
-            <a:r>
-              <a:rPr lang="en-US" baseline="0" dirty="0" err="1" smtClean="0"/>
-              <a:t>wir</a:t>
-            </a:r>
-            <a:r>
-              <a:rPr lang="en-US" baseline="0" dirty="0" smtClean="0"/>
-              <a:t> </a:t>
-            </a:r>
-            <a:r>
-              <a:rPr lang="en-US" baseline="0" dirty="0" err="1" smtClean="0"/>
-              <a:t>tatsaechlich</a:t>
-            </a:r>
-            <a:r>
-              <a:rPr lang="en-US" baseline="0" dirty="0" smtClean="0"/>
-              <a:t> </a:t>
-            </a:r>
-            <a:r>
-              <a:rPr lang="en-US" baseline="0" dirty="0" err="1" smtClean="0"/>
-              <a:t>gekommen</a:t>
-            </a:r>
-            <a:r>
-              <a:rPr lang="en-US" baseline="0" dirty="0" smtClean="0"/>
-              <a:t> </a:t>
-            </a:r>
-            <a:r>
-              <a:rPr lang="en-US" baseline="0" dirty="0" err="1" smtClean="0"/>
-              <a:t>sind</a:t>
-            </a:r>
-            <a:r>
-              <a:rPr lang="en-US" baseline="0" dirty="0" smtClean="0"/>
-              <a:t>. </a:t>
-            </a:r>
-            <a:r>
-              <a:rPr lang="en-US" baseline="0" dirty="0" err="1" smtClean="0"/>
-              <a:t>Danach</a:t>
-            </a:r>
-            <a:r>
-              <a:rPr lang="en-US" baseline="0" dirty="0" smtClean="0"/>
-              <a:t> </a:t>
-            </a:r>
-            <a:r>
-              <a:rPr lang="en-US" baseline="0" dirty="0" err="1" smtClean="0"/>
-              <a:t>kommen</a:t>
-            </a:r>
-            <a:r>
-              <a:rPr lang="en-US" baseline="0" dirty="0" smtClean="0"/>
-              <a:t> </a:t>
-            </a:r>
-            <a:r>
-              <a:rPr lang="en-US" baseline="0" dirty="0" err="1" smtClean="0"/>
-              <a:t>wir</a:t>
-            </a:r>
-            <a:r>
-              <a:rPr lang="en-US" baseline="0" dirty="0" smtClean="0"/>
-              <a:t> </a:t>
-            </a:r>
-            <a:r>
-              <a:rPr lang="en-US" baseline="0" dirty="0" err="1" smtClean="0"/>
-              <a:t>zu</a:t>
-            </a:r>
-            <a:r>
-              <a:rPr lang="en-US" baseline="0" dirty="0" smtClean="0"/>
-              <a:t> den </a:t>
-            </a:r>
-            <a:r>
-              <a:rPr lang="en-US" baseline="0" dirty="0" err="1" smtClean="0"/>
-              <a:t>Zielen</a:t>
-            </a:r>
-            <a:r>
-              <a:rPr lang="en-US" baseline="0" dirty="0" smtClean="0"/>
-              <a:t> die </a:t>
-            </a:r>
-            <a:r>
-              <a:rPr lang="en-US" baseline="0" dirty="0" err="1" smtClean="0"/>
-              <a:t>wir</a:t>
-            </a:r>
-            <a:r>
-              <a:rPr lang="en-US" baseline="0" dirty="0" smtClean="0"/>
-              <a:t> </a:t>
-            </a:r>
-            <a:r>
-              <a:rPr lang="en-US" baseline="0" dirty="0" err="1" smtClean="0"/>
-              <a:t>uns</a:t>
-            </a:r>
-            <a:r>
-              <a:rPr lang="en-US" baseline="0" dirty="0" smtClean="0"/>
-              <a:t> </a:t>
-            </a:r>
-            <a:r>
-              <a:rPr lang="en-US" baseline="0" dirty="0" err="1" smtClean="0"/>
-              <a:t>bis</a:t>
-            </a:r>
-            <a:r>
-              <a:rPr lang="en-US" baseline="0" dirty="0" smtClean="0"/>
-              <a:t> </a:t>
-            </a:r>
-            <a:r>
-              <a:rPr lang="en-US" baseline="0" dirty="0" err="1" smtClean="0"/>
-              <a:t>zum</a:t>
-            </a:r>
-            <a:r>
-              <a:rPr lang="en-US" baseline="0" dirty="0" smtClean="0"/>
-              <a:t> </a:t>
-            </a:r>
-            <a:r>
-              <a:rPr lang="en-US" baseline="0" dirty="0" err="1" smtClean="0"/>
-              <a:t>Goldmaster</a:t>
-            </a:r>
-            <a:r>
-              <a:rPr lang="en-US" baseline="0" dirty="0" smtClean="0"/>
-              <a:t> </a:t>
-            </a:r>
-            <a:r>
-              <a:rPr lang="en-US" baseline="0" dirty="0" err="1" smtClean="0"/>
-              <a:t>gesetzt</a:t>
-            </a:r>
-            <a:r>
-              <a:rPr lang="en-US" baseline="0" dirty="0" smtClean="0"/>
-              <a:t> </a:t>
-            </a:r>
-            <a:r>
-              <a:rPr lang="en-US" baseline="0" dirty="0" err="1" smtClean="0"/>
-              <a:t>haben</a:t>
-            </a:r>
-            <a:r>
-              <a:rPr lang="en-US" baseline="0" dirty="0" smtClean="0"/>
-              <a:t> und </a:t>
-            </a:r>
-            <a:r>
-              <a:rPr lang="en-US" baseline="0" dirty="0" err="1" smtClean="0"/>
-              <a:t>dann</a:t>
-            </a:r>
-            <a:r>
-              <a:rPr lang="en-US" baseline="0" dirty="0" smtClean="0"/>
-              <a:t> </a:t>
-            </a:r>
-            <a:r>
-              <a:rPr lang="en-US" baseline="0" dirty="0" err="1" smtClean="0"/>
-              <a:t>zeigen</a:t>
-            </a:r>
-            <a:r>
-              <a:rPr lang="en-US" baseline="0" dirty="0" smtClean="0"/>
-              <a:t> </a:t>
-            </a:r>
-            <a:r>
-              <a:rPr lang="en-US" baseline="0" dirty="0" err="1" smtClean="0"/>
-              <a:t>wir</a:t>
-            </a:r>
-            <a:r>
-              <a:rPr lang="en-US" baseline="0" dirty="0" smtClean="0"/>
-              <a:t> </a:t>
-            </a:r>
-            <a:r>
-              <a:rPr lang="en-US" baseline="0" dirty="0" err="1" smtClean="0"/>
-              <a:t>euch</a:t>
-            </a:r>
-            <a:r>
-              <a:rPr lang="en-US" baseline="0" dirty="0" smtClean="0"/>
-              <a:t> </a:t>
-            </a:r>
-            <a:r>
-              <a:rPr lang="en-US" baseline="0" dirty="0" err="1" smtClean="0"/>
-              <a:t>auch</a:t>
-            </a:r>
-            <a:r>
-              <a:rPr lang="en-US" baseline="0" dirty="0" smtClean="0"/>
-              <a:t> </a:t>
-            </a:r>
-            <a:r>
-              <a:rPr lang="en-US" baseline="0" dirty="0" err="1" smtClean="0"/>
-              <a:t>schhon</a:t>
-            </a:r>
-            <a:r>
-              <a:rPr lang="en-US" baseline="0" dirty="0" smtClean="0"/>
-              <a:t> direct das Spiel </a:t>
-            </a:r>
-            <a:r>
-              <a:rPr lang="en-US" baseline="0" dirty="0" err="1" smtClean="0"/>
-              <a:t>selbst</a:t>
-            </a:r>
-            <a:r>
-              <a:rPr lang="en-US" baseline="0" dirty="0" smtClean="0"/>
-              <a:t> auf </a:t>
-            </a:r>
-            <a:r>
-              <a:rPr lang="en-US" baseline="0" dirty="0" err="1" smtClean="0"/>
-              <a:t>dem</a:t>
-            </a:r>
-            <a:r>
-              <a:rPr lang="en-US" baseline="0" dirty="0" smtClean="0"/>
-              <a:t> </a:t>
-            </a:r>
-            <a:r>
-              <a:rPr lang="en-US" baseline="0" dirty="0" err="1" smtClean="0"/>
-              <a:t>jetzigen</a:t>
-            </a:r>
-            <a:r>
-              <a:rPr lang="en-US" baseline="0" dirty="0" smtClean="0"/>
-              <a:t> Stand. </a:t>
+              <a:t>hatten</a:t>
+            </a:r>
+            <a:r>
+              <a:rPr lang="en-US" baseline="0" dirty="0" smtClean="0"/>
+              <a:t>.</a:t>
             </a:r>
             <a:endParaRPr lang="de-DE" dirty="0"/>
           </a:p>
@@ -1124,56 +1516,76 @@
           <a:lstStyle/>
           <a:p>
             <a:r>
-              <a:rPr lang="en-US" baseline="0" dirty="0" err="1" smtClean="0"/>
-              <a:t>Wie</a:t>
-            </a:r>
-            <a:r>
-              <a:rPr lang="en-US" baseline="0" dirty="0" smtClean="0"/>
+              <a:rPr lang="en-US" dirty="0" err="1" smtClean="0"/>
+              <a:t>Zuerst</a:t>
+            </a:r>
+            <a:r>
+              <a:rPr lang="en-US" dirty="0" smtClean="0"/>
               <a:t> </a:t>
             </a:r>
             <a:r>
-              <a:rPr lang="en-US" baseline="0" dirty="0" err="1" smtClean="0"/>
-              <a:t>gerade</a:t>
-            </a:r>
-            <a:r>
-              <a:rPr lang="en-US" baseline="0" dirty="0" smtClean="0"/>
+              <a:rPr lang="en-US" dirty="0" err="1" smtClean="0"/>
+              <a:t>allerdings</a:t>
+            </a:r>
+            <a:r>
+              <a:rPr lang="en-US" dirty="0" smtClean="0"/>
               <a:t> </a:t>
             </a:r>
             <a:r>
-              <a:rPr lang="en-US" baseline="0" dirty="0" err="1" smtClean="0"/>
-              <a:t>versprochen</a:t>
-            </a:r>
-            <a:r>
-              <a:rPr lang="en-US" baseline="0" dirty="0" smtClean="0"/>
-              <a:t>, </a:t>
-            </a:r>
-            <a:r>
-              <a:rPr lang="en-US" baseline="0" dirty="0" err="1" smtClean="0"/>
-              <a:t>zuerst</a:t>
-            </a:r>
-            <a:r>
-              <a:rPr lang="en-US" baseline="0" dirty="0" smtClean="0"/>
+              <a:rPr lang="en-US" dirty="0" err="1" smtClean="0"/>
+              <a:t>ein</a:t>
+            </a:r>
+            <a:r>
+              <a:rPr lang="en-US" dirty="0" smtClean="0"/>
               <a:t> </a:t>
             </a:r>
             <a:r>
+              <a:rPr lang="en-US" dirty="0" err="1" smtClean="0"/>
+              <a:t>kleines</a:t>
+            </a:r>
+            <a:r>
+              <a:rPr lang="en-US" dirty="0" smtClean="0"/>
+              <a:t> Review.</a:t>
+            </a:r>
+            <a:r>
+              <a:rPr lang="en-US" baseline="0" dirty="0" smtClean="0"/>
+              <a:t>  Voodoo </a:t>
+            </a:r>
+            <a:r>
+              <a:rPr lang="en-US" baseline="0" dirty="0" err="1" smtClean="0"/>
+              <a:t>ist</a:t>
+            </a:r>
+            <a:r>
+              <a:rPr lang="en-US" baseline="0" dirty="0" smtClean="0"/>
+              <a:t> </a:t>
+            </a:r>
+            <a:r>
               <a:rPr lang="en-US" baseline="0" dirty="0" err="1" smtClean="0"/>
               <a:t>ein</a:t>
             </a:r>
             <a:r>
               <a:rPr lang="en-US" baseline="0" dirty="0" smtClean="0"/>
+              <a:t> 3D platformer </a:t>
+            </a:r>
+            <a:r>
+              <a:rPr lang="en-US" baseline="0" dirty="0" err="1" smtClean="0"/>
+              <a:t>fuer</a:t>
+            </a:r>
+            <a:r>
+              <a:rPr lang="en-US" baseline="0" dirty="0" smtClean="0"/>
               <a:t> </a:t>
             </a:r>
             <a:r>
               <a:rPr lang="en-US" baseline="0" dirty="0" err="1" smtClean="0"/>
-              <a:t>kleines</a:t>
-            </a:r>
-            <a:r>
-              <a:rPr lang="en-US" baseline="0" dirty="0" smtClean="0"/>
-              <a:t> Review. Doll 13 </a:t>
-            </a:r>
-            <a:r>
-              <a:rPr lang="en-US" baseline="0" dirty="0" err="1" smtClean="0"/>
-              <a:t>ist</a:t>
+              <a:t>Freunde</a:t>
+            </a:r>
+            <a:r>
+              <a:rPr lang="en-US" baseline="0" dirty="0" smtClean="0"/>
+              <a:t> des </a:t>
+            </a:r>
+            <a:r>
+              <a:rPr lang="en-US" baseline="0" dirty="0" err="1" smtClean="0"/>
+              <a:t>Okkulten</a:t>
             </a:r>
             <a:r>
               <a:rPr lang="en-US" baseline="0" dirty="0" smtClean="0"/>
@@ -1181,35 +1593,87 @@
             </a:r>
             <a:r>
               <a:rPr lang="en-US" baseline="0" dirty="0" err="1" smtClean="0"/>
+              <a:t>mit</a:t>
+            </a:r>
+            <a:r>
+              <a:rPr lang="en-US" baseline="0" dirty="0" smtClean="0"/>
+              <a:t> </a:t>
+            </a:r>
+            <a:r>
+              <a:rPr lang="en-US" baseline="0" dirty="0" err="1" smtClean="0"/>
+              <a:t>einigen</a:t>
+            </a:r>
+            <a:r>
+              <a:rPr lang="en-US" baseline="0" dirty="0" smtClean="0"/>
+              <a:t> Stealth und Puzzle-</a:t>
+            </a:r>
+            <a:r>
+              <a:rPr lang="en-US" baseline="0" dirty="0" err="1" smtClean="0"/>
+              <a:t>Elementen</a:t>
+            </a:r>
+            <a:r>
+              <a:rPr lang="en-US" baseline="0" dirty="0" smtClean="0"/>
+              <a:t>. </a:t>
+            </a:r>
+            <a:r>
+              <a:rPr lang="en-US" baseline="0" dirty="0" err="1" smtClean="0"/>
+              <a:t>Es</a:t>
+            </a:r>
+            <a:r>
+              <a:rPr lang="en-US" baseline="0" dirty="0" smtClean="0"/>
+              <a:t> </a:t>
+            </a:r>
+            <a:r>
+              <a:rPr lang="en-US" baseline="0" dirty="0" err="1" smtClean="0"/>
+              <a:t>handelt</a:t>
+            </a:r>
+            <a:r>
+              <a:rPr lang="en-US" baseline="0" dirty="0" smtClean="0"/>
+              <a:t> </a:t>
+            </a:r>
+            <a:r>
+              <a:rPr lang="en-US" baseline="0" dirty="0" err="1" smtClean="0"/>
+              <a:t>sich</a:t>
+            </a:r>
+            <a:r>
+              <a:rPr lang="en-US" baseline="0" dirty="0" smtClean="0"/>
+              <a:t> um </a:t>
+            </a:r>
+            <a:r>
+              <a:rPr lang="en-US" baseline="0" dirty="0" err="1" smtClean="0"/>
               <a:t>ein</a:t>
             </a:r>
             <a:r>
               <a:rPr lang="en-US" baseline="0" dirty="0" smtClean="0"/>
-              <a:t> 3D </a:t>
-            </a:r>
-            <a:r>
-              <a:rPr lang="en-US" baseline="0" dirty="0" smtClean="0"/>
-              <a:t>puzzle-adventure </a:t>
-            </a:r>
-            <a:r>
-              <a:rPr lang="en-US" baseline="0" dirty="0" err="1" smtClean="0"/>
-              <a:t>mit</a:t>
-            </a:r>
-            <a:r>
-              <a:rPr lang="en-US" baseline="0" dirty="0" smtClean="0"/>
               <a:t> </a:t>
             </a:r>
             <a:r>
               <a:rPr lang="en-US" baseline="0" dirty="0" err="1" smtClean="0"/>
-              <a:t>einigen</a:t>
-            </a:r>
-            <a:r>
-              <a:rPr lang="en-US" baseline="0" dirty="0" smtClean="0"/>
-              <a:t> Stealth-</a:t>
-            </a:r>
-            <a:r>
-              <a:rPr lang="en-US" baseline="0" dirty="0" err="1" smtClean="0"/>
-              <a:t>Elementen</a:t>
+              <a:t>Singelplayer</a:t>
+            </a:r>
+            <a:r>
+              <a:rPr lang="en-US" baseline="0" dirty="0" smtClean="0"/>
+              <a:t>-Spiel, welches </a:t>
+            </a:r>
+            <a:r>
+              <a:rPr lang="en-US" baseline="0" dirty="0" err="1" smtClean="0"/>
+              <a:t>wir</a:t>
+            </a:r>
+            <a:r>
+              <a:rPr lang="en-US" baseline="0" dirty="0" smtClean="0"/>
+              <a:t> in Unity </a:t>
+            </a:r>
+            <a:r>
+              <a:rPr lang="en-US" baseline="0" dirty="0" err="1" smtClean="0"/>
+              <a:t>fuer</a:t>
+            </a:r>
+            <a:r>
+              <a:rPr lang="en-US" baseline="0" dirty="0" smtClean="0"/>
+              <a:t> den PC </a:t>
+            </a:r>
+            <a:r>
+              <a:rPr lang="en-US" baseline="0" dirty="0" err="1" smtClean="0"/>
+              <a:t>erstellt</a:t>
             </a:r>
             <a:r>
               <a:rPr lang="en-US" baseline="0" dirty="0" smtClean="0"/>
@@ -1217,402 +1681,11 @@
             </a:r>
             <a:r>
               <a:rPr lang="en-US" baseline="0" dirty="0" err="1" smtClean="0"/>
-              <a:t>fuer</a:t>
-            </a:r>
-            <a:r>
-              <a:rPr lang="en-US" baseline="0" dirty="0" smtClean="0"/>
-              <a:t> </a:t>
-            </a:r>
-            <a:r>
-              <a:rPr lang="en-US" baseline="0" dirty="0" err="1" smtClean="0"/>
-              <a:t>Freunde</a:t>
-            </a:r>
-            <a:r>
-              <a:rPr lang="en-US" baseline="0" dirty="0" smtClean="0"/>
-              <a:t> des </a:t>
-            </a:r>
-            <a:r>
-              <a:rPr lang="en-US" baseline="0" dirty="0" err="1" smtClean="0"/>
-              <a:t>Okkulten</a:t>
+              <a:t>haben</a:t>
             </a:r>
             <a:r>
               <a:rPr lang="en-US" baseline="0" dirty="0" smtClean="0"/>
               <a:t>. </a:t>
-            </a:r>
-            <a:r>
-              <a:rPr lang="en-US" baseline="0" dirty="0" err="1" smtClean="0"/>
-              <a:t>Es</a:t>
-            </a:r>
-            <a:r>
-              <a:rPr lang="en-US" baseline="0" dirty="0" smtClean="0"/>
-              <a:t> </a:t>
-            </a:r>
-            <a:r>
-              <a:rPr lang="en-US" baseline="0" dirty="0" err="1" smtClean="0"/>
-              <a:t>ist</a:t>
-            </a:r>
-            <a:r>
-              <a:rPr lang="en-US" baseline="0" dirty="0" smtClean="0"/>
-              <a:t> </a:t>
-            </a:r>
-            <a:r>
-              <a:rPr lang="en-US" baseline="0" dirty="0" err="1" smtClean="0"/>
-              <a:t>ein</a:t>
-            </a:r>
-            <a:r>
-              <a:rPr lang="en-US" baseline="0" dirty="0" smtClean="0"/>
-              <a:t> </a:t>
-            </a:r>
-            <a:r>
-              <a:rPr lang="en-US" baseline="0" dirty="0" err="1" smtClean="0"/>
-              <a:t>Singelplayer</a:t>
-            </a:r>
-            <a:r>
-              <a:rPr lang="en-US" baseline="0" dirty="0" smtClean="0"/>
-              <a:t>-Spiel </a:t>
-            </a:r>
-            <a:r>
-              <a:rPr lang="en-US" baseline="0" dirty="0" err="1" smtClean="0"/>
-              <a:t>fuer</a:t>
-            </a:r>
-            <a:r>
-              <a:rPr lang="en-US" baseline="0" dirty="0" smtClean="0"/>
-              <a:t> den PC, in </a:t>
-            </a:r>
-            <a:r>
-              <a:rPr lang="en-US" baseline="0" dirty="0" err="1" smtClean="0"/>
-              <a:t>dem</a:t>
-            </a:r>
-            <a:r>
-              <a:rPr lang="en-US" baseline="0" dirty="0" smtClean="0"/>
-              <a:t> man </a:t>
-            </a:r>
-            <a:r>
-              <a:rPr lang="en-US" baseline="0" dirty="0" err="1" smtClean="0"/>
-              <a:t>eine</a:t>
-            </a:r>
-            <a:r>
-              <a:rPr lang="en-US" baseline="0" dirty="0" smtClean="0"/>
-              <a:t> </a:t>
-            </a:r>
-            <a:r>
-              <a:rPr lang="en-US" baseline="0" dirty="0" err="1" smtClean="0"/>
-              <a:t>kleine</a:t>
-            </a:r>
-            <a:r>
-              <a:rPr lang="en-US" baseline="0" dirty="0" smtClean="0"/>
-              <a:t> Voodoo-</a:t>
-            </a:r>
-            <a:r>
-              <a:rPr lang="en-US" baseline="0" dirty="0" err="1" smtClean="0"/>
-              <a:t>Puppe</a:t>
-            </a:r>
-            <a:r>
-              <a:rPr lang="en-US" baseline="0" dirty="0" smtClean="0"/>
-              <a:t> </a:t>
-            </a:r>
-            <a:r>
-              <a:rPr lang="en-US" baseline="0" dirty="0" err="1" smtClean="0"/>
-              <a:t>spielt</a:t>
-            </a:r>
-            <a:r>
-              <a:rPr lang="en-US" baseline="0" dirty="0" smtClean="0"/>
-              <a:t>, die </a:t>
-            </a:r>
-            <a:r>
-              <a:rPr lang="en-US" baseline="0" dirty="0" err="1" smtClean="0"/>
-              <a:t>versucht</a:t>
-            </a:r>
-            <a:r>
-              <a:rPr lang="en-US" baseline="0" dirty="0" smtClean="0"/>
-              <a:t>, </a:t>
-            </a:r>
-            <a:r>
-              <a:rPr lang="en-US" baseline="0" dirty="0" err="1" smtClean="0"/>
-              <a:t>mit</a:t>
-            </a:r>
-            <a:r>
-              <a:rPr lang="en-US" baseline="0" dirty="0" smtClean="0"/>
-              <a:t> </a:t>
-            </a:r>
-            <a:r>
-              <a:rPr lang="en-US" baseline="0" dirty="0" err="1" smtClean="0"/>
-              <a:t>Hilfe</a:t>
-            </a:r>
-            <a:r>
-              <a:rPr lang="en-US" baseline="0" dirty="0" smtClean="0"/>
-              <a:t> von Voodoo-</a:t>
-            </a:r>
-            <a:r>
-              <a:rPr lang="en-US" baseline="0" dirty="0" err="1" smtClean="0"/>
-              <a:t>Kaeften</a:t>
-            </a:r>
-            <a:r>
-              <a:rPr lang="en-US" baseline="0" dirty="0" smtClean="0"/>
-              <a:t>,  </a:t>
-            </a:r>
-            <a:r>
-              <a:rPr lang="en-US" baseline="0" dirty="0" err="1" smtClean="0"/>
-              <a:t>aus</a:t>
-            </a:r>
-            <a:r>
-              <a:rPr lang="en-US" baseline="0" dirty="0" smtClean="0"/>
-              <a:t> </a:t>
-            </a:r>
-            <a:r>
-              <a:rPr lang="en-US" baseline="0" dirty="0" err="1" smtClean="0"/>
-              <a:t>dem</a:t>
-            </a:r>
-            <a:r>
-              <a:rPr lang="en-US" baseline="0" dirty="0" smtClean="0"/>
-              <a:t> Keller </a:t>
-            </a:r>
-            <a:r>
-              <a:rPr lang="en-US" baseline="0" dirty="0" err="1" smtClean="0"/>
-              <a:t>einer</a:t>
-            </a:r>
-            <a:r>
-              <a:rPr lang="en-US" baseline="0" dirty="0" smtClean="0"/>
-              <a:t> </a:t>
-            </a:r>
-            <a:r>
-              <a:rPr lang="en-US" baseline="0" dirty="0" err="1" smtClean="0"/>
-              <a:t>Geheimgesellschaft</a:t>
-            </a:r>
-            <a:r>
-              <a:rPr lang="en-US" baseline="0" dirty="0" smtClean="0"/>
-              <a:t> </a:t>
-            </a:r>
-            <a:r>
-              <a:rPr lang="en-US" baseline="0" dirty="0" err="1" smtClean="0"/>
-              <a:t>zu</a:t>
-            </a:r>
-            <a:r>
-              <a:rPr lang="en-US" baseline="0" dirty="0" smtClean="0"/>
-              <a:t> </a:t>
-            </a:r>
-            <a:r>
-              <a:rPr lang="en-US" baseline="0" dirty="0" err="1" smtClean="0"/>
-              <a:t>entkommen</a:t>
-            </a:r>
-            <a:r>
-              <a:rPr lang="en-US" baseline="0" dirty="0" smtClean="0"/>
-              <a:t>. Das </a:t>
-            </a:r>
-            <a:r>
-              <a:rPr lang="en-US" baseline="0" dirty="0" err="1" smtClean="0"/>
-              <a:t>Ganze</a:t>
-            </a:r>
-            <a:r>
-              <a:rPr lang="en-US" baseline="0" dirty="0" smtClean="0"/>
-              <a:t> </a:t>
-            </a:r>
-            <a:r>
-              <a:rPr lang="en-US" baseline="0" dirty="0" err="1" smtClean="0"/>
-              <a:t>ereignet</a:t>
-            </a:r>
-            <a:r>
-              <a:rPr lang="en-US" baseline="0" dirty="0" smtClean="0"/>
-              <a:t> </a:t>
-            </a:r>
-            <a:r>
-              <a:rPr lang="en-US" baseline="0" dirty="0" err="1" smtClean="0"/>
-              <a:t>sich</a:t>
-            </a:r>
-            <a:r>
-              <a:rPr lang="en-US" baseline="0" dirty="0" smtClean="0"/>
-              <a:t> in den 1950ern und </a:t>
-            </a:r>
-            <a:r>
-              <a:rPr lang="en-US" baseline="0" dirty="0" err="1" smtClean="0"/>
-              <a:t>unser</a:t>
-            </a:r>
-            <a:r>
-              <a:rPr lang="en-US" baseline="0" dirty="0" smtClean="0"/>
-              <a:t> </a:t>
-            </a:r>
-            <a:r>
-              <a:rPr lang="en-US" baseline="0" dirty="0" err="1" smtClean="0"/>
-              <a:t>Ziel</a:t>
-            </a:r>
-            <a:r>
-              <a:rPr lang="en-US" baseline="0" dirty="0" smtClean="0"/>
-              <a:t> </a:t>
-            </a:r>
-            <a:r>
-              <a:rPr lang="en-US" baseline="0" dirty="0" err="1" smtClean="0"/>
-              <a:t>ist</a:t>
-            </a:r>
-            <a:r>
-              <a:rPr lang="en-US" baseline="0" dirty="0" smtClean="0"/>
-              <a:t> </a:t>
-            </a:r>
-            <a:r>
-              <a:rPr lang="en-US" baseline="0" dirty="0" err="1" smtClean="0"/>
-              <a:t>es</a:t>
-            </a:r>
-            <a:r>
-              <a:rPr lang="en-US" baseline="0" dirty="0" smtClean="0"/>
-              <a:t> </a:t>
-            </a:r>
-            <a:r>
-              <a:rPr lang="en-US" baseline="0" dirty="0" err="1" smtClean="0"/>
-              <a:t>mit</a:t>
-            </a:r>
-            <a:r>
-              <a:rPr lang="en-US" baseline="0" dirty="0" smtClean="0"/>
-              <a:t> </a:t>
-            </a:r>
-            <a:r>
-              <a:rPr lang="en-US" baseline="0" dirty="0" err="1" smtClean="0"/>
-              <a:t>Hilfe</a:t>
-            </a:r>
-            <a:r>
-              <a:rPr lang="en-US" baseline="0" dirty="0" smtClean="0"/>
-              <a:t> von Environmental Storytelling den </a:t>
-            </a:r>
-            <a:r>
-              <a:rPr lang="en-US" baseline="0" dirty="0" err="1" smtClean="0"/>
-              <a:t>Spieler</a:t>
-            </a:r>
-            <a:r>
-              <a:rPr lang="en-US" baseline="0" dirty="0" smtClean="0"/>
-              <a:t> die </a:t>
-            </a:r>
-            <a:r>
-              <a:rPr lang="en-US" baseline="0" dirty="0" err="1" smtClean="0"/>
-              <a:t>Hintergrundgeschichte</a:t>
-            </a:r>
-            <a:r>
-              <a:rPr lang="en-US" baseline="0" dirty="0" smtClean="0"/>
-              <a:t> </a:t>
-            </a:r>
-            <a:r>
-              <a:rPr lang="en-US" baseline="0" dirty="0" err="1" smtClean="0"/>
-              <a:t>waehrend</a:t>
-            </a:r>
-            <a:r>
-              <a:rPr lang="en-US" baseline="0" dirty="0" smtClean="0"/>
-              <a:t> des Spiels </a:t>
-            </a:r>
-            <a:r>
-              <a:rPr lang="en-US" baseline="0" dirty="0" err="1" smtClean="0"/>
-              <a:t>entdecken</a:t>
-            </a:r>
-            <a:r>
-              <a:rPr lang="en-US" baseline="0" dirty="0" smtClean="0"/>
-              <a:t> </a:t>
-            </a:r>
-            <a:r>
-              <a:rPr lang="en-US" baseline="0" dirty="0" err="1" smtClean="0"/>
-              <a:t>zu</a:t>
-            </a:r>
-            <a:r>
-              <a:rPr lang="en-US" baseline="0" dirty="0" smtClean="0"/>
-              <a:t> </a:t>
-            </a:r>
-            <a:r>
-              <a:rPr lang="en-US" baseline="0" dirty="0" err="1" smtClean="0"/>
-              <a:t>lassen</a:t>
-            </a:r>
-            <a:r>
-              <a:rPr lang="en-US" baseline="0" dirty="0" smtClean="0"/>
-              <a:t>.</a:t>
-            </a:r>
-            <a:br>
-              <a:rPr lang="en-US" baseline="0" dirty="0" smtClean="0"/>
-            </a:br>
-            <a:r>
-              <a:rPr lang="en-US" baseline="0" dirty="0" smtClean="0"/>
-              <a:t>So </a:t>
-            </a:r>
-            <a:r>
-              <a:rPr lang="en-US" baseline="0" dirty="0" err="1" smtClean="0"/>
-              <a:t>weit</a:t>
-            </a:r>
-            <a:r>
-              <a:rPr lang="en-US" baseline="0" dirty="0" smtClean="0"/>
-              <a:t>, so gut, </a:t>
-            </a:r>
-            <a:r>
-              <a:rPr lang="en-US" baseline="0" dirty="0" err="1" smtClean="0"/>
-              <a:t>kommen</a:t>
-            </a:r>
-            <a:r>
-              <a:rPr lang="en-US" baseline="0" dirty="0" smtClean="0"/>
-              <a:t> </a:t>
-            </a:r>
-            <a:r>
-              <a:rPr lang="en-US" baseline="0" dirty="0" err="1" smtClean="0"/>
-              <a:t>wir</a:t>
-            </a:r>
-            <a:r>
-              <a:rPr lang="en-US" baseline="0" dirty="0" smtClean="0"/>
-              <a:t> nun </a:t>
-            </a:r>
-            <a:r>
-              <a:rPr lang="en-US" baseline="0" dirty="0" err="1" smtClean="0"/>
-              <a:t>zu</a:t>
-            </a:r>
-            <a:r>
-              <a:rPr lang="en-US" baseline="0" dirty="0" smtClean="0"/>
-              <a:t> </a:t>
-            </a:r>
-            <a:r>
-              <a:rPr lang="en-US" baseline="0" dirty="0" err="1" smtClean="0"/>
-              <a:t>dem</a:t>
-            </a:r>
-            <a:r>
-              <a:rPr lang="en-US" baseline="0" dirty="0" smtClean="0"/>
-              <a:t>, was </a:t>
-            </a:r>
-            <a:r>
-              <a:rPr lang="en-US" baseline="0" dirty="0" err="1" smtClean="0"/>
-              <a:t>wir</a:t>
-            </a:r>
-            <a:r>
-              <a:rPr lang="en-US" baseline="0" dirty="0" smtClean="0"/>
-              <a:t> </a:t>
-            </a:r>
-            <a:r>
-              <a:rPr lang="en-US" baseline="0" dirty="0" err="1" smtClean="0"/>
-              <a:t>euch</a:t>
-            </a:r>
-            <a:r>
-              <a:rPr lang="en-US" baseline="0" dirty="0" smtClean="0"/>
-              <a:t> </a:t>
-            </a:r>
-            <a:r>
-              <a:rPr lang="en-US" baseline="0" dirty="0" err="1" smtClean="0"/>
-              <a:t>bis</a:t>
-            </a:r>
-            <a:r>
-              <a:rPr lang="en-US" baseline="0" dirty="0" smtClean="0"/>
-              <a:t> </a:t>
-            </a:r>
-            <a:r>
-              <a:rPr lang="en-US" baseline="0" dirty="0" err="1" smtClean="0"/>
-              <a:t>heute</a:t>
-            </a:r>
-            <a:r>
-              <a:rPr lang="en-US" baseline="0" dirty="0" smtClean="0"/>
-              <a:t> </a:t>
-            </a:r>
-            <a:r>
-              <a:rPr lang="en-US" baseline="0" dirty="0" err="1" smtClean="0"/>
-              <a:t>versprochen</a:t>
-            </a:r>
-            <a:r>
-              <a:rPr lang="en-US" baseline="0" dirty="0" smtClean="0"/>
-              <a:t> </a:t>
-            </a:r>
-            <a:r>
-              <a:rPr lang="en-US" baseline="0" dirty="0" err="1" smtClean="0"/>
-              <a:t>haben</a:t>
-            </a:r>
-            <a:r>
-              <a:rPr lang="en-US" baseline="0" dirty="0" smtClean="0"/>
-              <a:t>:</a:t>
             </a:r>
             <a:endParaRPr lang="de-DE" dirty="0"/>
           </a:p>
@@ -1708,7 +1781,7 @@
             </a:r>
             <a:r>
               <a:rPr lang="en-US" dirty="0" err="1" smtClean="0"/>
-              <a:t>haben</a:t>
+              <a:t>hatten</a:t>
             </a:r>
             <a:r>
               <a:rPr lang="en-US" dirty="0" smtClean="0"/>
@@ -1716,7 +1789,7 @@
             </a:r>
             <a:r>
               <a:rPr lang="en-US" dirty="0" err="1" smtClean="0"/>
-              <a:t>euch</a:t>
+              <a:t>versprochen</a:t>
             </a:r>
             <a:r>
               <a:rPr lang="en-US" dirty="0" smtClean="0"/>
@@ -1724,7 +1797,7 @@
             </a:r>
             <a:r>
               <a:rPr lang="en-US" dirty="0" err="1" smtClean="0"/>
-              <a:t>ein</a:t>
+              <a:t>heute</a:t>
             </a:r>
             <a:r>
               <a:rPr lang="en-US" dirty="0" smtClean="0"/>
@@ -1732,19 +1805,51 @@
             </a:r>
             <a:r>
               <a:rPr lang="en-US" dirty="0" err="1" smtClean="0"/>
-              <a:t>zweites</a:t>
+              <a:t>einen</a:t>
             </a:r>
             <a:r>
               <a:rPr lang="en-US" dirty="0" smtClean="0"/>
-              <a:t> Level, das Labor, </a:t>
+              <a:t> </a:t>
             </a:r>
             <a:r>
               <a:rPr lang="en-US" dirty="0" err="1" smtClean="0"/>
-              <a:t>versprochen</a:t>
+              <a:t>spielbaren</a:t>
             </a:r>
             <a:r>
               <a:rPr lang="en-US" dirty="0" smtClean="0"/>
-              <a:t> und dieses warden </a:t>
+              <a:t> </a:t>
+            </a:r>
+            <a:r>
+              <a:rPr lang="en-US" dirty="0" err="1" smtClean="0"/>
+              <a:t>Prototypen</a:t>
+            </a:r>
+            <a:r>
+              <a:rPr lang="en-US" dirty="0" smtClean="0"/>
+              <a:t> </a:t>
+            </a:r>
+            <a:r>
+              <a:rPr lang="en-US" dirty="0" err="1" smtClean="0"/>
+              <a:t>vorzustellen</a:t>
+            </a:r>
+            <a:r>
+              <a:rPr lang="en-US" dirty="0" smtClean="0"/>
+              <a:t>, </a:t>
+            </a:r>
+            <a:r>
+              <a:rPr lang="en-US" dirty="0" err="1" smtClean="0"/>
+              <a:t>zu</a:t>
+            </a:r>
+            <a:r>
+              <a:rPr lang="en-US" dirty="0" smtClean="0"/>
+              <a:t> </a:t>
+            </a:r>
+            <a:r>
+              <a:rPr lang="en-US" dirty="0" err="1" smtClean="0"/>
+              <a:t>dem</a:t>
+            </a:r>
+            <a:r>
+              <a:rPr lang="en-US" dirty="0" smtClean="0"/>
+              <a:t> </a:t>
             </a:r>
             <a:r>
               <a:rPr lang="en-US" dirty="0" err="1" smtClean="0"/>
@@ -1756,7 +1861,7 @@
             </a:r>
             <a:r>
               <a:rPr lang="en-US" dirty="0" err="1" smtClean="0"/>
-              <a:t>euch</a:t>
+              <a:t>auch</a:t>
             </a:r>
             <a:r>
               <a:rPr lang="en-US" dirty="0" smtClean="0"/>
@@ -1764,7 +1869,7 @@
             </a:r>
             <a:r>
               <a:rPr lang="en-US" dirty="0" err="1" smtClean="0"/>
-              <a:t>heute</a:t>
+              <a:t>gleich</a:t>
             </a:r>
             <a:r>
               <a:rPr lang="en-US" dirty="0" smtClean="0"/>
@@ -1772,7 +1877,15 @@
             </a:r>
             <a:r>
               <a:rPr lang="en-US" dirty="0" err="1" smtClean="0"/>
-              <a:t>auch</a:t>
+              <a:t>kommen</a:t>
+            </a:r>
+            <a:r>
+              <a:rPr lang="en-US" dirty="0" smtClean="0"/>
+              <a:t>. </a:t>
+            </a:r>
+            <a:r>
+              <a:rPr lang="en-US" dirty="0" err="1" smtClean="0"/>
+              <a:t>Ausserdem</a:t>
             </a:r>
             <a:r>
               <a:rPr lang="en-US" dirty="0" smtClean="0"/>
@@ -1788,15 +1901,7 @@
             </a:r>
             <a:r>
               <a:rPr lang="en-US" dirty="0" err="1" smtClean="0"/>
-              <a:t>koennen</a:t>
-            </a:r>
-            <a:r>
-              <a:rPr lang="en-US" dirty="0" smtClean="0"/>
-              <a:t>. </a:t>
-            </a:r>
-            <a:r>
-              <a:rPr lang="en-US" dirty="0" err="1" smtClean="0"/>
-              <a:t>Zudem</a:t>
+              <a:t>wir</a:t>
             </a:r>
             <a:r>
               <a:rPr lang="en-US" dirty="0" smtClean="0"/>
@@ -1804,7 +1909,7 @@
             </a:r>
             <a:r>
               <a:rPr lang="en-US" dirty="0" err="1" smtClean="0"/>
-              <a:t>haben</a:t>
+              <a:t>euch</a:t>
             </a:r>
             <a:r>
               <a:rPr lang="en-US" dirty="0" smtClean="0"/>
@@ -1812,703 +1917,111 @@
             </a:r>
             <a:r>
               <a:rPr lang="en-US" dirty="0" err="1" smtClean="0"/>
+              <a:t>unseren</a:t>
+            </a:r>
+            <a:r>
+              <a:rPr lang="en-US" dirty="0" smtClean="0"/>
+              <a:t> </a:t>
+            </a:r>
+            <a:r>
+              <a:rPr lang="en-US" dirty="0" err="1" smtClean="0"/>
+              <a:t>bereits</a:t>
+            </a:r>
+            <a:r>
+              <a:rPr lang="en-US" dirty="0" smtClean="0"/>
+              <a:t> </a:t>
+            </a:r>
+            <a:r>
+              <a:rPr lang="en-US" dirty="0" err="1" smtClean="0"/>
+              <a:t>texturierten</a:t>
+            </a:r>
+            <a:r>
+              <a:rPr lang="en-US" dirty="0" smtClean="0"/>
+              <a:t> </a:t>
+            </a:r>
+            <a:r>
+              <a:rPr lang="en-US" dirty="0" err="1" smtClean="0"/>
+              <a:t>Hauptcharakter</a:t>
+            </a:r>
+            <a:r>
+              <a:rPr lang="en-US" dirty="0" smtClean="0"/>
+              <a:t>,</a:t>
+            </a:r>
+            <a:r>
+              <a:rPr lang="en-US" baseline="0" dirty="0" smtClean="0"/>
+              <a:t> </a:t>
+            </a:r>
+            <a:r>
+              <a:rPr lang="en-US" baseline="0" dirty="0" err="1" smtClean="0"/>
+              <a:t>sowie</a:t>
+            </a:r>
+            <a:r>
+              <a:rPr lang="en-US" baseline="0" dirty="0" smtClean="0"/>
+              <a:t> </a:t>
+            </a:r>
+            <a:r>
+              <a:rPr lang="en-US" baseline="0" dirty="0" err="1" smtClean="0"/>
+              <a:t>unsere</a:t>
+            </a:r>
+            <a:r>
+              <a:rPr lang="en-US" baseline="0" dirty="0" smtClean="0"/>
+              <a:t> </a:t>
+            </a:r>
+            <a:r>
+              <a:rPr lang="en-US" baseline="0" dirty="0" err="1" smtClean="0"/>
+              <a:t>erste</a:t>
+            </a:r>
+            <a:r>
+              <a:rPr lang="en-US" baseline="0" dirty="0" smtClean="0"/>
+              <a:t> </a:t>
+            </a:r>
+            <a:r>
+              <a:rPr lang="en-US" baseline="0" dirty="0" err="1" smtClean="0"/>
+              <a:t>Mechanik</a:t>
+            </a:r>
+            <a:r>
+              <a:rPr lang="en-US" baseline="0" dirty="0" smtClean="0"/>
+              <a:t>: Clairvoyance. Am </a:t>
+            </a:r>
+            <a:r>
+              <a:rPr lang="en-US" baseline="0" dirty="0" err="1" smtClean="0"/>
+              <a:t>besten</a:t>
+            </a:r>
+            <a:r>
+              <a:rPr lang="en-US" baseline="0" dirty="0" smtClean="0"/>
+              <a:t> </a:t>
+            </a:r>
+            <a:r>
+              <a:rPr lang="en-US" baseline="0" dirty="0" err="1" smtClean="0"/>
+              <a:t>sehen</a:t>
+            </a:r>
+            <a:r>
+              <a:rPr lang="en-US" baseline="0" dirty="0" smtClean="0"/>
+              <a:t> </a:t>
+            </a:r>
+            <a:r>
+              <a:rPr lang="en-US" baseline="0" dirty="0" err="1" smtClean="0"/>
               <a:t>wir</a:t>
             </a:r>
             <a:r>
-              <a:rPr lang="en-US" dirty="0" smtClean="0"/>
-              <a:t> das </a:t>
-            </a:r>
-            <a:r>
-              <a:rPr lang="en-US" dirty="0" err="1" smtClean="0"/>
-              <a:t>erste</a:t>
-            </a:r>
-            <a:r>
-              <a:rPr lang="en-US" dirty="0" smtClean="0"/>
-              <a:t> Level, das </a:t>
-            </a:r>
-            <a:r>
-              <a:rPr lang="en-US" dirty="0" err="1" smtClean="0"/>
-              <a:t>Buero</a:t>
-            </a:r>
-            <a:r>
-              <a:rPr lang="en-US" dirty="0" smtClean="0"/>
-              <a:t>, </a:t>
-            </a:r>
-            <a:r>
-              <a:rPr lang="en-US" dirty="0" err="1" smtClean="0"/>
-              <a:t>ebenfalls</a:t>
-            </a:r>
-            <a:r>
               <a:rPr lang="en-US" baseline="0" dirty="0" smtClean="0"/>
               <a:t> </a:t>
             </a:r>
             <a:r>
               <a:rPr lang="en-US" baseline="0" dirty="0" err="1" smtClean="0"/>
-              <a:t>eingerichtet</a:t>
-            </a:r>
-            <a:r>
-              <a:rPr lang="en-US" baseline="0" dirty="0" smtClean="0"/>
-              <a:t> und </a:t>
-            </a:r>
-            <a:r>
-              <a:rPr lang="en-US" baseline="0" dirty="0" err="1" smtClean="0"/>
-              <a:t>werden</a:t>
-            </a:r>
-            <a:r>
-              <a:rPr lang="en-US" baseline="0" dirty="0" smtClean="0"/>
-              <a:t> </a:t>
-            </a:r>
-            <a:r>
-              <a:rPr lang="en-US" baseline="0" dirty="0" err="1" smtClean="0"/>
-              <a:t>unser</a:t>
-            </a:r>
-            <a:r>
-              <a:rPr lang="en-US" baseline="0" dirty="0" smtClean="0"/>
-              <a:t> Spiel </a:t>
-            </a:r>
-            <a:r>
-              <a:rPr lang="en-US" baseline="0" dirty="0" err="1" smtClean="0"/>
-              <a:t>heute</a:t>
-            </a:r>
-            <a:r>
-              <a:rPr lang="en-US" baseline="0" dirty="0" smtClean="0"/>
-              <a:t> </a:t>
-            </a:r>
-            <a:r>
-              <a:rPr lang="en-US" baseline="0" dirty="0" err="1" smtClean="0"/>
-              <a:t>auch</a:t>
-            </a:r>
-            <a:r>
-              <a:rPr lang="en-US" baseline="0" dirty="0" smtClean="0"/>
-              <a:t> von </a:t>
-            </a:r>
-            <a:r>
-              <a:rPr lang="en-US" baseline="0" dirty="0" err="1" smtClean="0"/>
-              <a:t>dort</a:t>
-            </a:r>
-            <a:r>
-              <a:rPr lang="en-US" baseline="0" dirty="0" smtClean="0"/>
-              <a:t> </a:t>
-            </a:r>
-            <a:r>
-              <a:rPr lang="en-US" baseline="0" dirty="0" err="1" smtClean="0"/>
-              <a:t>aus</a:t>
-            </a:r>
-            <a:r>
-              <a:rPr lang="en-US" baseline="0" dirty="0" smtClean="0"/>
-              <a:t> </a:t>
-            </a:r>
-            <a:r>
-              <a:rPr lang="en-US" baseline="0" dirty="0" err="1" smtClean="0"/>
-              <a:t>starten</a:t>
-            </a:r>
-            <a:r>
-              <a:rPr lang="en-US" baseline="0" dirty="0" smtClean="0"/>
-              <a:t>, </a:t>
-            </a:r>
-            <a:r>
-              <a:rPr lang="en-US" baseline="0" dirty="0" err="1" smtClean="0"/>
-              <a:t>damit</a:t>
-            </a:r>
-            <a:r>
-              <a:rPr lang="en-US" baseline="0" dirty="0" smtClean="0"/>
-              <a:t> </a:t>
-            </a:r>
-            <a:r>
-              <a:rPr lang="en-US" baseline="0" dirty="0" err="1" smtClean="0"/>
-              <a:t>ihr</a:t>
-            </a:r>
-            <a:r>
-              <a:rPr lang="en-US" baseline="0" dirty="0" smtClean="0"/>
-              <a:t> </a:t>
-            </a:r>
-            <a:r>
-              <a:rPr lang="en-US" baseline="0" dirty="0" err="1" smtClean="0"/>
-              <a:t>ein</a:t>
-            </a:r>
-            <a:r>
-              <a:rPr lang="en-US" baseline="0" dirty="0" smtClean="0"/>
-              <a:t> </a:t>
-            </a:r>
-            <a:r>
-              <a:rPr lang="en-US" baseline="0" dirty="0" err="1" smtClean="0"/>
-              <a:t>wenig</a:t>
-            </a:r>
-            <a:r>
-              <a:rPr lang="en-US" baseline="0" dirty="0" smtClean="0"/>
-              <a:t> </a:t>
-            </a:r>
-            <a:r>
-              <a:rPr lang="en-US" baseline="0" dirty="0" err="1" smtClean="0"/>
-              <a:t>mehr</a:t>
-            </a:r>
-            <a:r>
-              <a:rPr lang="en-US" baseline="0" dirty="0" smtClean="0"/>
-              <a:t> </a:t>
-            </a:r>
-            <a:r>
-              <a:rPr lang="en-US" baseline="0" dirty="0" err="1" smtClean="0"/>
-              <a:t>Einblick</a:t>
-            </a:r>
-            <a:r>
-              <a:rPr lang="en-US" baseline="0" dirty="0" smtClean="0"/>
-              <a:t> </a:t>
-            </a:r>
-            <a:r>
-              <a:rPr lang="en-US" baseline="0" dirty="0" err="1" smtClean="0"/>
-              <a:t>bekommt</a:t>
-            </a:r>
-            <a:r>
-              <a:rPr lang="en-US" baseline="0" dirty="0" smtClean="0"/>
-              <a:t>.</a:t>
-            </a:r>
-            <a:br>
-              <a:rPr lang="en-US" baseline="0" dirty="0" smtClean="0"/>
-            </a:br>
-            <a:r>
-              <a:rPr lang="en-US" baseline="0" dirty="0" err="1" smtClean="0"/>
-              <a:t>Wir</a:t>
-            </a:r>
-            <a:r>
-              <a:rPr lang="en-US" baseline="0" dirty="0" smtClean="0"/>
-              <a:t> </a:t>
-            </a:r>
-            <a:r>
-              <a:rPr lang="en-US" baseline="0" dirty="0" err="1" smtClean="0"/>
-              <a:t>haben</a:t>
-            </a:r>
-            <a:r>
-              <a:rPr lang="en-US" baseline="0" dirty="0" smtClean="0"/>
-              <a:t> </a:t>
-            </a:r>
-            <a:r>
-              <a:rPr lang="en-US" baseline="0" dirty="0" err="1" smtClean="0"/>
-              <a:t>euch</a:t>
-            </a:r>
-            <a:r>
-              <a:rPr lang="en-US" baseline="0" dirty="0" smtClean="0"/>
-              <a:t> </a:t>
-            </a:r>
-            <a:r>
-              <a:rPr lang="en-US" baseline="0" dirty="0" err="1" smtClean="0"/>
-              <a:t>ebenfalls</a:t>
-            </a:r>
-            <a:r>
-              <a:rPr lang="en-US" baseline="0" dirty="0" smtClean="0"/>
-              <a:t> </a:t>
-            </a:r>
-            <a:r>
-              <a:rPr lang="en-US" baseline="0" dirty="0" err="1" smtClean="0"/>
-              <a:t>Texturen</a:t>
-            </a:r>
-            <a:r>
-              <a:rPr lang="en-US" baseline="0" dirty="0" smtClean="0"/>
-              <a:t> und </a:t>
-            </a:r>
-            <a:r>
-              <a:rPr lang="en-US" baseline="0" dirty="0" err="1" smtClean="0"/>
-              <a:t>Animationen</a:t>
-            </a:r>
-            <a:r>
-              <a:rPr lang="en-US" baseline="0" dirty="0" smtClean="0"/>
-              <a:t> </a:t>
-            </a:r>
-            <a:r>
-              <a:rPr lang="en-US" baseline="0" dirty="0" err="1" smtClean="0"/>
-              <a:t>versprochen</a:t>
-            </a:r>
-            <a:r>
-              <a:rPr lang="en-US" baseline="0" dirty="0" smtClean="0"/>
-              <a:t> und </a:t>
-            </a:r>
-            <a:r>
-              <a:rPr lang="en-US" baseline="0" dirty="0" err="1" smtClean="0"/>
-              <a:t>auch</a:t>
-            </a:r>
-            <a:r>
-              <a:rPr lang="en-US" baseline="0" dirty="0" smtClean="0"/>
-              <a:t> das </a:t>
-            </a:r>
-            <a:r>
-              <a:rPr lang="en-US" baseline="0" dirty="0" err="1" smtClean="0"/>
-              <a:t>konnten</a:t>
-            </a:r>
-            <a:r>
-              <a:rPr lang="en-US" baseline="0" dirty="0" smtClean="0"/>
-              <a:t> </a:t>
-            </a:r>
-            <a:r>
-              <a:rPr lang="en-US" baseline="0" dirty="0" err="1" smtClean="0"/>
-              <a:t>wir</a:t>
-            </a:r>
-            <a:r>
-              <a:rPr lang="en-US" baseline="0" dirty="0" smtClean="0"/>
-              <a:t> </a:t>
-            </a:r>
-            <a:r>
-              <a:rPr lang="en-US" baseline="0" dirty="0" err="1" smtClean="0"/>
-              <a:t>wie</a:t>
-            </a:r>
-            <a:r>
-              <a:rPr lang="en-US" baseline="0" dirty="0" smtClean="0"/>
-              <a:t> </a:t>
-            </a:r>
-            <a:r>
-              <a:rPr lang="en-US" baseline="0" dirty="0" err="1" smtClean="0"/>
-              <a:t>geplant</a:t>
-            </a:r>
-            <a:r>
-              <a:rPr lang="en-US" baseline="0" dirty="0" smtClean="0"/>
-              <a:t> </a:t>
-            </a:r>
-            <a:r>
-              <a:rPr lang="en-US" baseline="0" dirty="0" err="1" smtClean="0"/>
-              <a:t>einhalten</a:t>
-            </a:r>
-            <a:r>
-              <a:rPr lang="en-US" baseline="0" dirty="0" smtClean="0"/>
-              <a:t>. </a:t>
-            </a:r>
-            <a:r>
-              <a:rPr lang="en-US" baseline="0" dirty="0" err="1" smtClean="0"/>
-              <a:t>Zusaetzlich</a:t>
-            </a:r>
-            <a:r>
-              <a:rPr lang="en-US" baseline="0" dirty="0" smtClean="0"/>
-              <a:t> </a:t>
-            </a:r>
-            <a:r>
-              <a:rPr lang="en-US" baseline="0" dirty="0" err="1" smtClean="0"/>
-              <a:t>konnten</a:t>
-            </a:r>
-            <a:r>
-              <a:rPr lang="en-US" baseline="0" dirty="0" smtClean="0"/>
-              <a:t> </a:t>
-            </a:r>
-            <a:r>
-              <a:rPr lang="en-US" baseline="0" dirty="0" err="1" smtClean="0"/>
-              <a:t>wir</a:t>
-            </a:r>
-            <a:r>
-              <a:rPr lang="en-US" baseline="0" dirty="0" smtClean="0"/>
-              <a:t> </a:t>
-            </a:r>
-            <a:r>
-              <a:rPr lang="en-US" baseline="0" dirty="0" err="1" smtClean="0"/>
-              <a:t>gluecklicher</a:t>
-            </a:r>
-            <a:r>
-              <a:rPr lang="en-US" baseline="0" dirty="0" smtClean="0"/>
-              <a:t> Weise </a:t>
-            </a:r>
-            <a:r>
-              <a:rPr lang="en-US" baseline="0" dirty="0" err="1" smtClean="0"/>
-              <a:t>einen</a:t>
-            </a:r>
-            <a:r>
-              <a:rPr lang="en-US" baseline="0" dirty="0" smtClean="0"/>
-              <a:t> Sound-Designer von den Abby Roads Studio’s, Elias Knop, </a:t>
-            </a:r>
-            <a:r>
-              <a:rPr lang="en-US" baseline="0" dirty="0" err="1" smtClean="0"/>
-              <a:t>fuer</a:t>
-            </a:r>
-            <a:r>
-              <a:rPr lang="en-US" baseline="0" dirty="0" smtClean="0"/>
-              <a:t> </a:t>
-            </a:r>
-            <a:r>
-              <a:rPr lang="en-US" baseline="0" dirty="0" err="1" smtClean="0"/>
               <a:t>uns</a:t>
             </a:r>
             <a:r>
               <a:rPr lang="en-US" baseline="0" dirty="0" smtClean="0"/>
-              <a:t> </a:t>
-            </a:r>
-            <a:r>
-              <a:rPr lang="en-US" baseline="0" dirty="0" err="1" smtClean="0"/>
-              <a:t>gewinnen</a:t>
-            </a:r>
-            <a:r>
-              <a:rPr lang="en-US" baseline="0" dirty="0" smtClean="0"/>
-              <a:t> und </a:t>
-            </a:r>
-            <a:r>
-              <a:rPr lang="en-US" baseline="0" dirty="0" err="1" smtClean="0"/>
-              <a:t>somit</a:t>
-            </a:r>
-            <a:r>
-              <a:rPr lang="en-US" baseline="0" dirty="0" smtClean="0"/>
-              <a:t> </a:t>
-            </a:r>
-            <a:r>
-              <a:rPr lang="en-US" baseline="0" dirty="0" err="1" smtClean="0"/>
-              <a:t>koennen</a:t>
-            </a:r>
-            <a:r>
-              <a:rPr lang="en-US" baseline="0" dirty="0" smtClean="0"/>
-              <a:t> </a:t>
-            </a:r>
-            <a:r>
-              <a:rPr lang="en-US" baseline="0" dirty="0" err="1" smtClean="0"/>
-              <a:t>wir</a:t>
-            </a:r>
-            <a:r>
-              <a:rPr lang="en-US" baseline="0" dirty="0" smtClean="0"/>
-              <a:t> </a:t>
-            </a:r>
-            <a:r>
-              <a:rPr lang="en-US" baseline="0" dirty="0" err="1" smtClean="0"/>
-              <a:t>euch</a:t>
-            </a:r>
-            <a:r>
-              <a:rPr lang="en-US" baseline="0" dirty="0" smtClean="0"/>
-              <a:t> </a:t>
-            </a:r>
-            <a:r>
-              <a:rPr lang="en-US" baseline="0" dirty="0" err="1" smtClean="0"/>
-              <a:t>heute</a:t>
-            </a:r>
-            <a:r>
-              <a:rPr lang="en-US" baseline="0" dirty="0" smtClean="0"/>
-              <a:t> </a:t>
-            </a:r>
-            <a:r>
-              <a:rPr lang="en-US" baseline="0" dirty="0" err="1" smtClean="0"/>
-              <a:t>auch</a:t>
-            </a:r>
-            <a:r>
-              <a:rPr lang="en-US" baseline="0" dirty="0" smtClean="0"/>
-              <a:t> </a:t>
-            </a:r>
-            <a:r>
-              <a:rPr lang="en-US" baseline="0" dirty="0" err="1" smtClean="0"/>
-              <a:t>bereits</a:t>
-            </a:r>
-            <a:r>
-              <a:rPr lang="en-US" baseline="0" dirty="0" smtClean="0"/>
-              <a:t> </a:t>
-            </a:r>
-            <a:r>
-              <a:rPr lang="en-US" baseline="0" dirty="0" err="1" smtClean="0"/>
-              <a:t>einige</a:t>
-            </a:r>
-            <a:r>
-              <a:rPr lang="en-US" baseline="0" dirty="0" smtClean="0"/>
-              <a:t> Sounds </a:t>
-            </a:r>
-            <a:r>
-              <a:rPr lang="en-US" baseline="0" dirty="0" err="1" smtClean="0"/>
-              <a:t>im</a:t>
-            </a:r>
-            <a:r>
-              <a:rPr lang="en-US" baseline="0" dirty="0" smtClean="0"/>
-              <a:t> Spiel </a:t>
-            </a:r>
-            <a:r>
-              <a:rPr lang="en-US" baseline="0" dirty="0" err="1" smtClean="0"/>
-              <a:t>praesentieren</a:t>
-            </a:r>
-            <a:r>
-              <a:rPr lang="en-US" baseline="0" dirty="0" smtClean="0"/>
-              <a:t>. </a:t>
-            </a:r>
-            <a:br>
-              <a:rPr lang="en-US" baseline="0" dirty="0" smtClean="0"/>
-            </a:br>
-            <a:r>
-              <a:rPr lang="en-US" baseline="0" dirty="0" err="1" smtClean="0"/>
-              <a:t>Zu</a:t>
-            </a:r>
-            <a:r>
-              <a:rPr lang="en-US" baseline="0" dirty="0" smtClean="0"/>
-              <a:t> </a:t>
-            </a:r>
-            <a:r>
-              <a:rPr lang="en-US" baseline="0" dirty="0" err="1" smtClean="0"/>
-              <a:t>guter</a:t>
-            </a:r>
-            <a:r>
-              <a:rPr lang="en-US" baseline="0" dirty="0" smtClean="0"/>
-              <a:t> </a:t>
-            </a:r>
-            <a:r>
-              <a:rPr lang="en-US" baseline="0" dirty="0" err="1" smtClean="0"/>
-              <a:t>Letzt</a:t>
-            </a:r>
-            <a:r>
-              <a:rPr lang="en-US" baseline="0" dirty="0" smtClean="0"/>
-              <a:t> </a:t>
-            </a:r>
-            <a:r>
-              <a:rPr lang="en-US" baseline="0" dirty="0" err="1" smtClean="0"/>
-              <a:t>haben</a:t>
-            </a:r>
-            <a:r>
-              <a:rPr lang="en-US" baseline="0" dirty="0" smtClean="0"/>
-              <a:t> </a:t>
-            </a:r>
-            <a:r>
-              <a:rPr lang="en-US" baseline="0" dirty="0" err="1" smtClean="0"/>
-              <a:t>wir</a:t>
-            </a:r>
-            <a:r>
-              <a:rPr lang="en-US" baseline="0" dirty="0" smtClean="0"/>
-              <a:t> </a:t>
-            </a:r>
-            <a:r>
-              <a:rPr lang="en-US" baseline="0" dirty="0" err="1" smtClean="0"/>
-              <a:t>angekuendigt</a:t>
-            </a:r>
-            <a:r>
-              <a:rPr lang="en-US" baseline="0" dirty="0" smtClean="0"/>
-              <a:t> </a:t>
-            </a:r>
-            <a:r>
-              <a:rPr lang="en-US" baseline="0" dirty="0" err="1" smtClean="0"/>
-              <a:t>euch</a:t>
-            </a:r>
-            <a:r>
-              <a:rPr lang="en-US" baseline="0" dirty="0" smtClean="0"/>
-              <a:t> die </a:t>
-            </a:r>
-            <a:r>
-              <a:rPr lang="en-US" baseline="0" dirty="0" err="1" smtClean="0"/>
-              <a:t>komplette</a:t>
-            </a:r>
-            <a:r>
-              <a:rPr lang="en-US" baseline="0" dirty="0" smtClean="0"/>
-              <a:t> </a:t>
-            </a:r>
-            <a:r>
-              <a:rPr lang="en-US" baseline="0" dirty="0" err="1" smtClean="0"/>
-              <a:t>zweite</a:t>
-            </a:r>
-            <a:r>
-              <a:rPr lang="en-US" baseline="0" dirty="0" smtClean="0"/>
-              <a:t> </a:t>
-            </a:r>
-            <a:r>
-              <a:rPr lang="en-US" baseline="0" dirty="0" err="1" smtClean="0"/>
-              <a:t>Mechanik</a:t>
-            </a:r>
-            <a:r>
-              <a:rPr lang="en-US" baseline="0" dirty="0" smtClean="0"/>
-              <a:t>: “</a:t>
-            </a:r>
-            <a:r>
-              <a:rPr lang="en-US" baseline="0" dirty="0" err="1" smtClean="0"/>
-              <a:t>Posession</a:t>
-            </a:r>
-            <a:r>
-              <a:rPr lang="en-US" baseline="0" dirty="0" smtClean="0"/>
-              <a:t>” </a:t>
-            </a:r>
-            <a:r>
-              <a:rPr lang="en-US" baseline="0" dirty="0" err="1" smtClean="0"/>
-              <a:t>heute</a:t>
-            </a:r>
-            <a:r>
-              <a:rPr lang="en-US" baseline="0" dirty="0" smtClean="0"/>
-              <a:t> </a:t>
-            </a:r>
-            <a:r>
-              <a:rPr lang="en-US" baseline="0" dirty="0" err="1" smtClean="0"/>
-              <a:t>zu</a:t>
-            </a:r>
-            <a:r>
-              <a:rPr lang="en-US" baseline="0" dirty="0" smtClean="0"/>
-              <a:t> </a:t>
-            </a:r>
-            <a:r>
-              <a:rPr lang="en-US" baseline="0" dirty="0" err="1" smtClean="0"/>
-              <a:t>zeigen</a:t>
-            </a:r>
-            <a:r>
-              <a:rPr lang="en-US" baseline="0" dirty="0" smtClean="0"/>
-              <a:t> und </a:t>
-            </a:r>
-            <a:r>
-              <a:rPr lang="en-US" baseline="0" dirty="0" err="1" smtClean="0"/>
-              <a:t>auch</a:t>
-            </a:r>
-            <a:r>
-              <a:rPr lang="en-US" baseline="0" dirty="0" smtClean="0"/>
-              <a:t> das </a:t>
-            </a:r>
-            <a:r>
-              <a:rPr lang="en-US" baseline="0" dirty="0" err="1" smtClean="0"/>
-              <a:t>werden</a:t>
-            </a:r>
-            <a:r>
-              <a:rPr lang="en-US" baseline="0" dirty="0" smtClean="0"/>
-              <a:t> </a:t>
-            </a:r>
-            <a:r>
-              <a:rPr lang="en-US" baseline="0" dirty="0" err="1" smtClean="0"/>
-              <a:t>wir</a:t>
-            </a:r>
-            <a:r>
-              <a:rPr lang="en-US" baseline="0" dirty="0" smtClean="0"/>
-              <a:t> </a:t>
-            </a:r>
-            <a:r>
-              <a:rPr lang="en-US" baseline="0" dirty="0" err="1" smtClean="0"/>
-              <a:t>einhalten</a:t>
-            </a:r>
-            <a:r>
-              <a:rPr lang="en-US" baseline="0" dirty="0" smtClean="0"/>
-              <a:t>.</a:t>
-            </a:r>
-            <a:br>
-              <a:rPr lang="en-US" baseline="0" dirty="0" smtClean="0"/>
-            </a:br>
-            <a:r>
-              <a:rPr lang="en-US" baseline="0" dirty="0" smtClean="0"/>
-              <a:t/>
-            </a:r>
-            <a:br>
-              <a:rPr lang="en-US" baseline="0" dirty="0" smtClean="0"/>
-            </a:br>
-            <a:r>
-              <a:rPr lang="en-US" baseline="0" dirty="0" smtClean="0"/>
-              <a:t>Bevor </a:t>
-            </a:r>
-            <a:r>
-              <a:rPr lang="en-US" baseline="0" dirty="0" err="1" smtClean="0"/>
-              <a:t>wir</a:t>
-            </a:r>
-            <a:r>
-              <a:rPr lang="en-US" baseline="0" dirty="0" smtClean="0"/>
-              <a:t> </a:t>
-            </a:r>
-            <a:r>
-              <a:rPr lang="en-US" baseline="0" dirty="0" err="1" smtClean="0"/>
-              <a:t>euch</a:t>
-            </a:r>
-            <a:r>
-              <a:rPr lang="en-US" baseline="0" dirty="0" smtClean="0"/>
-              <a:t> </a:t>
-            </a:r>
-            <a:r>
-              <a:rPr lang="en-US" baseline="0" dirty="0" err="1" smtClean="0"/>
-              <a:t>gleich</a:t>
-            </a:r>
-            <a:r>
-              <a:rPr lang="en-US" baseline="0" dirty="0" smtClean="0"/>
-              <a:t> das Spiel </a:t>
-            </a:r>
-            <a:r>
-              <a:rPr lang="en-US" baseline="0" dirty="0" err="1" smtClean="0"/>
-              <a:t>zeigen</a:t>
-            </a:r>
-            <a:r>
-              <a:rPr lang="en-US" baseline="0" dirty="0" smtClean="0"/>
-              <a:t>, </a:t>
-            </a:r>
-            <a:r>
-              <a:rPr lang="en-US" baseline="0" dirty="0" err="1" smtClean="0"/>
-              <a:t>kommen</a:t>
-            </a:r>
-            <a:r>
-              <a:rPr lang="en-US" baseline="0" dirty="0" smtClean="0"/>
-              <a:t> </a:t>
-            </a:r>
-            <a:r>
-              <a:rPr lang="en-US" baseline="0" dirty="0" err="1" smtClean="0"/>
-              <a:t>wir</a:t>
-            </a:r>
-            <a:r>
-              <a:rPr lang="en-US" baseline="0" dirty="0" smtClean="0"/>
-              <a:t> </a:t>
-            </a:r>
-            <a:r>
-              <a:rPr lang="en-US" baseline="0" dirty="0" err="1" smtClean="0"/>
-              <a:t>noch</a:t>
-            </a:r>
-            <a:r>
-              <a:rPr lang="en-US" baseline="0" dirty="0" smtClean="0"/>
-              <a:t> </a:t>
-            </a:r>
-            <a:r>
-              <a:rPr lang="en-US" baseline="0" dirty="0" err="1" smtClean="0"/>
-              <a:t>kurz</a:t>
-            </a:r>
-            <a:r>
-              <a:rPr lang="en-US" baseline="0" dirty="0" smtClean="0"/>
-              <a:t> </a:t>
-            </a:r>
-            <a:r>
-              <a:rPr lang="en-US" baseline="0" dirty="0" err="1" smtClean="0"/>
-              <a:t>zu</a:t>
-            </a:r>
-            <a:r>
-              <a:rPr lang="en-US" baseline="0" dirty="0" smtClean="0"/>
-              <a:t> den </a:t>
-            </a:r>
-            <a:r>
-              <a:rPr lang="en-US" baseline="0" dirty="0" err="1" smtClean="0"/>
-              <a:t>Zielen</a:t>
-            </a:r>
-            <a:r>
-              <a:rPr lang="en-US" baseline="0" dirty="0" smtClean="0"/>
-              <a:t>, die </a:t>
-            </a:r>
-            <a:r>
-              <a:rPr lang="en-US" baseline="0" dirty="0" err="1" smtClean="0"/>
-              <a:t>wir</a:t>
-            </a:r>
-            <a:r>
-              <a:rPr lang="en-US" baseline="0" dirty="0" smtClean="0"/>
-              <a:t> </a:t>
-            </a:r>
-            <a:r>
-              <a:rPr lang="en-US" baseline="0" dirty="0" err="1" smtClean="0"/>
-              <a:t>uns</a:t>
-            </a:r>
-            <a:r>
-              <a:rPr lang="en-US" baseline="0" dirty="0" smtClean="0"/>
-              <a:t> </a:t>
-            </a:r>
-            <a:r>
-              <a:rPr lang="en-US" baseline="0" dirty="0" err="1" smtClean="0"/>
-              <a:t>bis</a:t>
-            </a:r>
-            <a:r>
-              <a:rPr lang="en-US" baseline="0" dirty="0" smtClean="0"/>
-              <a:t> </a:t>
-            </a:r>
-            <a:r>
-              <a:rPr lang="en-US" baseline="0" dirty="0" err="1" smtClean="0"/>
-              <a:t>zum</a:t>
-            </a:r>
-            <a:r>
-              <a:rPr lang="en-US" baseline="0" dirty="0" smtClean="0"/>
-              <a:t> </a:t>
-            </a:r>
-            <a:r>
-              <a:rPr lang="en-US" baseline="0" dirty="0" err="1" smtClean="0"/>
-              <a:t>Goldmaster</a:t>
-            </a:r>
-            <a:r>
-              <a:rPr lang="en-US" baseline="0" dirty="0" smtClean="0"/>
-              <a:t> </a:t>
-            </a:r>
-            <a:r>
-              <a:rPr lang="en-US" baseline="0" dirty="0" err="1" smtClean="0"/>
-              <a:t>gesetzt</a:t>
-            </a:r>
-            <a:r>
-              <a:rPr lang="en-US" baseline="0" dirty="0" smtClean="0"/>
-              <a:t> </a:t>
-            </a:r>
-            <a:r>
-              <a:rPr lang="en-US" baseline="0" dirty="0" err="1" smtClean="0"/>
-              <a:t>haben</a:t>
-            </a:r>
-            <a:r>
-              <a:rPr lang="en-US" baseline="0" dirty="0" smtClean="0"/>
-              <a:t>.</a:t>
+              <a:t> das Spiel direct </a:t>
+            </a:r>
+            <a:r>
+              <a:rPr lang="en-US" baseline="0" dirty="0" err="1" smtClean="0"/>
+              <a:t>einmal</a:t>
+            </a:r>
+            <a:r>
+              <a:rPr lang="en-US" baseline="0" dirty="0" smtClean="0"/>
+              <a:t> an. </a:t>
             </a:r>
             <a:endParaRPr lang="de-DE" dirty="0"/>
           </a:p>
@@ -2596,39 +2109,191 @@
           <a:p>
             <a:r>
               <a:rPr lang="en-US" dirty="0" err="1" smtClean="0"/>
-              <a:t>Zu</a:t>
-            </a:r>
-            <a:r>
-              <a:rPr lang="en-US" baseline="0" dirty="0" smtClean="0"/>
-              <a:t> Gate 3 </a:t>
-            </a:r>
-            <a:r>
-              <a:rPr lang="en-US" baseline="0" dirty="0" err="1" smtClean="0"/>
+              <a:t>Fuer</a:t>
+            </a:r>
+            <a:r>
+              <a:rPr lang="en-US" dirty="0" smtClean="0"/>
+              <a:t> Gate 2 </a:t>
+            </a:r>
+            <a:r>
+              <a:rPr lang="en-US" dirty="0" err="1" smtClean="0"/>
               <a:t>werden</a:t>
             </a:r>
             <a:r>
-              <a:rPr lang="en-US" baseline="0" dirty="0" smtClean="0"/>
+              <a:rPr lang="en-US" dirty="0" smtClean="0"/>
               <a:t> </a:t>
             </a:r>
             <a:r>
-              <a:rPr lang="en-US" baseline="0" dirty="0" err="1" smtClean="0"/>
+              <a:rPr lang="en-US" dirty="0" err="1" smtClean="0"/>
               <a:t>wir</a:t>
             </a:r>
             <a:r>
-              <a:rPr lang="en-US" baseline="0" dirty="0" smtClean="0"/>
+              <a:rPr lang="en-US" dirty="0" smtClean="0"/>
               <a:t> </a:t>
             </a:r>
             <a:r>
+              <a:rPr lang="en-US" dirty="0" err="1" smtClean="0"/>
+              <a:t>einen</a:t>
+            </a:r>
+            <a:r>
+              <a:rPr lang="en-US" baseline="0" dirty="0" smtClean="0"/>
+              <a:t> </a:t>
+            </a:r>
+            <a:r>
+              <a:rPr lang="en-US" baseline="0" dirty="0" err="1" smtClean="0"/>
+              <a:t>zweiten</a:t>
+            </a:r>
+            <a:r>
+              <a:rPr lang="en-US" baseline="0" dirty="0" smtClean="0"/>
+              <a:t> </a:t>
+            </a:r>
+            <a:r>
+              <a:rPr lang="en-US" baseline="0" dirty="0" err="1" smtClean="0"/>
+              <a:t>Raum</a:t>
+            </a:r>
+            <a:r>
+              <a:rPr lang="en-US" baseline="0" dirty="0" smtClean="0"/>
+              <a:t>, </a:t>
+            </a:r>
+            <a:r>
+              <a:rPr lang="en-US" baseline="0" dirty="0" err="1" smtClean="0"/>
+              <a:t>naemlich</a:t>
+            </a:r>
+            <a:r>
+              <a:rPr lang="en-US" baseline="0" dirty="0" smtClean="0"/>
+              <a:t> das </a:t>
+            </a:r>
+            <a:r>
+              <a:rPr lang="en-US" baseline="0" dirty="0" err="1" smtClean="0"/>
+              <a:t>voll</a:t>
+            </a:r>
+            <a:r>
+              <a:rPr lang="en-US" baseline="0" dirty="0" smtClean="0"/>
+              <a:t> </a:t>
+            </a:r>
+            <a:r>
+              <a:rPr lang="en-US" baseline="0" dirty="0" err="1" smtClean="0"/>
+              <a:t>texturierte</a:t>
+            </a:r>
+            <a:r>
+              <a:rPr lang="en-US" baseline="0" dirty="0" smtClean="0"/>
+              <a:t> Labor, </a:t>
+            </a:r>
+            <a:r>
+              <a:rPr lang="en-US" baseline="0" dirty="0" err="1" smtClean="0"/>
+              <a:t>vorstellen</a:t>
+            </a:r>
+            <a:r>
+              <a:rPr lang="en-US" baseline="0" dirty="0" smtClean="0"/>
+              <a:t> und </a:t>
+            </a:r>
+            <a:r>
+              <a:rPr lang="en-US" baseline="0" dirty="0" err="1" smtClean="0"/>
+              <a:t>unser</a:t>
+            </a:r>
+            <a:r>
+              <a:rPr lang="en-US" baseline="0" dirty="0" smtClean="0"/>
+              <a:t> </a:t>
+            </a:r>
+            <a:r>
+              <a:rPr lang="en-US" baseline="0" dirty="0" err="1" smtClean="0"/>
+              <a:t>Hauptcharacter</a:t>
+            </a:r>
+            <a:r>
+              <a:rPr lang="en-US" baseline="0" dirty="0" smtClean="0"/>
+              <a:t> </a:t>
+            </a:r>
+            <a:r>
+              <a:rPr lang="en-US" baseline="0" dirty="0" err="1" smtClean="0"/>
+              <a:t>sollte</a:t>
+            </a:r>
+            <a:r>
+              <a:rPr lang="en-US" baseline="0" dirty="0" smtClean="0"/>
+              <a:t> </a:t>
+            </a:r>
+            <a:r>
+              <a:rPr lang="en-US" baseline="0" dirty="0" err="1" smtClean="0"/>
+              <a:t>dann</a:t>
+            </a:r>
+            <a:r>
+              <a:rPr lang="en-US" baseline="0" dirty="0" smtClean="0"/>
+              <a:t> </a:t>
+            </a:r>
+            <a:r>
+              <a:rPr lang="en-US" baseline="0" dirty="0" err="1" smtClean="0"/>
+              <a:t>auch</a:t>
+            </a:r>
+            <a:r>
+              <a:rPr lang="en-US" baseline="0" dirty="0" smtClean="0"/>
+              <a:t> </a:t>
+            </a:r>
+            <a:r>
+              <a:rPr lang="en-US" baseline="0" dirty="0" err="1" smtClean="0"/>
+              <a:t>bereits</a:t>
+            </a:r>
+            <a:r>
+              <a:rPr lang="en-US" baseline="0" dirty="0" smtClean="0"/>
+              <a:t> </a:t>
+            </a:r>
+            <a:r>
+              <a:rPr lang="en-US" baseline="0" dirty="0" err="1" smtClean="0"/>
+              <a:t>einige</a:t>
+            </a:r>
+            <a:r>
+              <a:rPr lang="en-US" baseline="0" dirty="0" smtClean="0"/>
+              <a:t> Basis-</a:t>
+            </a:r>
+            <a:r>
+              <a:rPr lang="en-US" baseline="0" dirty="0" err="1" smtClean="0"/>
+              <a:t>Animationen</a:t>
+            </a:r>
+            <a:r>
+              <a:rPr lang="en-US" baseline="0" dirty="0" smtClean="0"/>
+              <a:t> </a:t>
+            </a:r>
+            <a:r>
+              <a:rPr lang="en-US" baseline="0" dirty="0" err="1" smtClean="0"/>
+              <a:t>besitzen</a:t>
+            </a:r>
+            <a:r>
+              <a:rPr lang="en-US" baseline="0" dirty="0" smtClean="0"/>
+              <a:t>. </a:t>
+            </a:r>
+            <a:r>
+              <a:rPr lang="en-US" baseline="0" dirty="0" err="1" smtClean="0"/>
+              <a:t>Ausserdem</a:t>
+            </a:r>
+            <a:r>
+              <a:rPr lang="en-US" baseline="0" dirty="0" smtClean="0"/>
+              <a:t> </a:t>
+            </a:r>
+            <a:r>
+              <a:rPr lang="en-US" baseline="0" dirty="0" err="1" smtClean="0"/>
+              <a:t>werden</a:t>
+            </a:r>
+            <a:r>
+              <a:rPr lang="en-US" baseline="0" dirty="0" smtClean="0"/>
+              <a:t> </a:t>
+            </a:r>
+            <a:r>
+              <a:rPr lang="en-US" baseline="0" dirty="0" err="1" smtClean="0"/>
+              <a:t>wir</a:t>
+            </a:r>
+            <a:r>
+              <a:rPr lang="en-US" baseline="0" dirty="0" smtClean="0"/>
+              <a:t> </a:t>
+            </a:r>
+            <a:r>
               <a:rPr lang="en-US" baseline="0" dirty="0" err="1" smtClean="0"/>
               <a:t>euch</a:t>
             </a:r>
             <a:r>
               <a:rPr lang="en-US" baseline="0" dirty="0" smtClean="0"/>
-              <a:t> das </a:t>
-            </a:r>
-            <a:r>
-              <a:rPr lang="en-US" baseline="0" dirty="0" err="1" smtClean="0"/>
-              <a:t>fertig</a:t>
+              <a:t> die </a:t>
+            </a:r>
+            <a:r>
+              <a:rPr lang="en-US" baseline="0" dirty="0" err="1" smtClean="0"/>
+              <a:t>komplette</a:t>
             </a:r>
             <a:r>
               <a:rPr lang="en-US" baseline="0" dirty="0" smtClean="0"/>
@@ -2636,31 +2301,7 @@
             </a:r>
             <a:r>
               <a:rPr lang="en-US" baseline="0" dirty="0" err="1" smtClean="0"/>
-              <a:t>gepolishte</a:t>
-            </a:r>
-            <a:r>
-              <a:rPr lang="en-US" baseline="0" dirty="0" smtClean="0"/>
-              <a:t> Spiel </a:t>
-            </a:r>
-            <a:r>
-              <a:rPr lang="en-US" baseline="0" dirty="0" err="1" smtClean="0"/>
-              <a:t>zeigen</a:t>
-            </a:r>
-            <a:r>
-              <a:rPr lang="en-US" baseline="0" dirty="0" smtClean="0"/>
-              <a:t>. Das </a:t>
-            </a:r>
-            <a:r>
-              <a:rPr lang="en-US" baseline="0" dirty="0" err="1" smtClean="0"/>
-              <a:t>bedeutet</a:t>
-            </a:r>
-            <a:r>
-              <a:rPr lang="en-US" baseline="0" dirty="0" smtClean="0"/>
-              <a:t>, </a:t>
-            </a:r>
-            <a:r>
-              <a:rPr lang="en-US" baseline="0" dirty="0" err="1" smtClean="0"/>
-              <a:t>dass</a:t>
+              <a:t>Posession-Mechanik</a:t>
             </a:r>
             <a:r>
               <a:rPr lang="en-US" baseline="0" dirty="0" smtClean="0"/>
@@ -2668,490 +2309,27 @@
             </a:r>
             <a:r>
               <a:rPr lang="en-US" baseline="0" dirty="0" err="1" smtClean="0"/>
-              <a:t>alle</a:t>
-            </a:r>
-            <a:r>
-              <a:rPr lang="en-US" baseline="0" dirty="0" smtClean="0"/>
-              <a:t> </a:t>
-            </a:r>
-            <a:r>
-              <a:rPr lang="en-US" baseline="0" dirty="0" err="1" smtClean="0"/>
-              <a:t>Raeume</a:t>
-            </a:r>
-            <a:r>
-              <a:rPr lang="en-US" baseline="0" dirty="0" smtClean="0"/>
-              <a:t> </a:t>
-            </a:r>
-            <a:r>
-              <a:rPr lang="en-US" baseline="0" dirty="0" err="1" smtClean="0"/>
-              <a:t>vollstaendig</a:t>
-            </a:r>
-            <a:r>
-              <a:rPr lang="en-US" baseline="0" dirty="0" smtClean="0"/>
-              <a:t> </a:t>
-            </a:r>
-            <a:r>
-              <a:rPr lang="en-US" baseline="0" dirty="0" err="1" smtClean="0"/>
-              <a:t>eingeraeumt</a:t>
-            </a:r>
-            <a:r>
-              <a:rPr lang="en-US" baseline="0" dirty="0" smtClean="0"/>
-              <a:t> und </a:t>
-            </a:r>
-            <a:r>
-              <a:rPr lang="en-US" baseline="0" dirty="0" err="1" smtClean="0"/>
-              <a:t>mit</a:t>
-            </a:r>
-            <a:r>
-              <a:rPr lang="en-US" baseline="0" dirty="0" smtClean="0"/>
-              <a:t> den </a:t>
-            </a:r>
-            <a:r>
-              <a:rPr lang="en-US" baseline="0" dirty="0" err="1" smtClean="0"/>
-              <a:t>zuvor</a:t>
-            </a:r>
-            <a:r>
-              <a:rPr lang="en-US" baseline="0" dirty="0" smtClean="0"/>
-              <a:t> </a:t>
-            </a:r>
-            <a:r>
-              <a:rPr lang="en-US" baseline="0" dirty="0" err="1" smtClean="0"/>
-              <a:t>erwaehnten</a:t>
-            </a:r>
-            <a:r>
-              <a:rPr lang="en-US" baseline="0" dirty="0" smtClean="0"/>
-              <a:t> environmental Storytelling-</a:t>
-            </a:r>
-            <a:r>
-              <a:rPr lang="en-US" baseline="0" dirty="0" err="1" smtClean="0"/>
-              <a:t>Elementen</a:t>
-            </a:r>
-            <a:r>
-              <a:rPr lang="en-US" baseline="0" dirty="0" smtClean="0"/>
-              <a:t> </a:t>
-            </a:r>
-            <a:r>
-              <a:rPr lang="en-US" baseline="0" dirty="0" err="1" smtClean="0"/>
-              <a:t>bestueckt</a:t>
-            </a:r>
-            <a:r>
-              <a:rPr lang="en-US" baseline="0" dirty="0" smtClean="0"/>
-              <a:t> </a:t>
-            </a:r>
-            <a:r>
-              <a:rPr lang="en-US" baseline="0" dirty="0" err="1" smtClean="0"/>
-              <a:t>wurden</a:t>
-            </a:r>
-            <a:r>
-              <a:rPr lang="en-US" baseline="0" dirty="0" smtClean="0"/>
-              <a:t>. </a:t>
-            </a:r>
-            <a:r>
-              <a:rPr lang="en-US" baseline="0" dirty="0" err="1" smtClean="0"/>
-              <a:t>Ausserdem</a:t>
-            </a:r>
-            <a:r>
-              <a:rPr lang="en-US" baseline="0" dirty="0" smtClean="0"/>
-              <a:t> </a:t>
-            </a:r>
-            <a:r>
-              <a:rPr lang="en-US" baseline="0" dirty="0" err="1" smtClean="0"/>
-              <a:t>kommen</a:t>
-            </a:r>
-            <a:r>
-              <a:rPr lang="en-US" baseline="0" dirty="0" smtClean="0"/>
-              <a:t> </a:t>
-            </a:r>
-            <a:r>
-              <a:rPr lang="en-US" baseline="0" dirty="0" err="1" smtClean="0"/>
-              <a:t>noch</a:t>
-            </a:r>
-            <a:r>
-              <a:rPr lang="en-US" baseline="0" dirty="0" smtClean="0"/>
-              <a:t> </a:t>
-            </a:r>
-            <a:r>
-              <a:rPr lang="en-US" baseline="0" dirty="0" err="1" smtClean="0"/>
-              <a:t>einige</a:t>
-            </a:r>
-            <a:r>
-              <a:rPr lang="en-US" baseline="0" dirty="0" smtClean="0"/>
-              <a:t> VFX- und Sound-</a:t>
-            </a:r>
-            <a:r>
-              <a:rPr lang="en-US" baseline="0" dirty="0" err="1" smtClean="0"/>
-              <a:t>Effekte</a:t>
-            </a:r>
-            <a:r>
-              <a:rPr lang="en-US" baseline="0" dirty="0" smtClean="0"/>
-              <a:t> </a:t>
-            </a:r>
-            <a:r>
-              <a:rPr lang="en-US" baseline="0" dirty="0" err="1" smtClean="0"/>
-              <a:t>dazu</a:t>
-            </a:r>
-            <a:r>
-              <a:rPr lang="en-US" baseline="0" dirty="0" smtClean="0"/>
-              <a:t>, </a:t>
-            </a:r>
-            <a:r>
-              <a:rPr lang="en-US" baseline="0" dirty="0" err="1" smtClean="0"/>
-              <a:t>unsere</a:t>
-            </a:r>
-            <a:r>
-              <a:rPr lang="en-US" baseline="0" dirty="0" smtClean="0"/>
-              <a:t> </a:t>
-            </a:r>
-            <a:r>
-              <a:rPr lang="en-US" baseline="0" dirty="0" err="1" smtClean="0"/>
-              <a:t>Wachen</a:t>
-            </a:r>
-            <a:r>
-              <a:rPr lang="en-US" baseline="0" dirty="0" smtClean="0"/>
-              <a:t> </a:t>
-            </a:r>
-            <a:r>
-              <a:rPr lang="en-US" baseline="0" dirty="0" err="1" smtClean="0"/>
-              <a:t>werden</a:t>
-            </a:r>
-            <a:r>
-              <a:rPr lang="en-US" baseline="0" dirty="0" smtClean="0"/>
-              <a:t> </a:t>
-            </a:r>
-            <a:r>
-              <a:rPr lang="en-US" baseline="0" dirty="0" err="1" smtClean="0"/>
-              <a:t>ein</a:t>
-            </a:r>
-            <a:r>
-              <a:rPr lang="en-US" baseline="0" dirty="0" smtClean="0"/>
-              <a:t> </a:t>
-            </a:r>
-            <a:r>
-              <a:rPr lang="en-US" baseline="0" dirty="0" err="1" smtClean="0"/>
-              <a:t>wenig</a:t>
-            </a:r>
-            <a:r>
-              <a:rPr lang="en-US" baseline="0" dirty="0" smtClean="0"/>
-              <a:t> </a:t>
-            </a:r>
-            <a:r>
-              <a:rPr lang="en-US" baseline="0" dirty="0" err="1" smtClean="0"/>
-              <a:t>besser</a:t>
-            </a:r>
-            <a:r>
-              <a:rPr lang="en-US" baseline="0" dirty="0" smtClean="0"/>
-              <a:t> </a:t>
-            </a:r>
-            <a:r>
-              <a:rPr lang="en-US" baseline="0" dirty="0" err="1" smtClean="0"/>
-              <a:t>gekleidet</a:t>
-            </a:r>
-            <a:r>
-              <a:rPr lang="en-US" baseline="0" dirty="0" smtClean="0"/>
-              <a:t> und </a:t>
-            </a:r>
-            <a:r>
-              <a:rPr lang="en-US" baseline="0" dirty="0" err="1" smtClean="0"/>
-              <a:t>wir</a:t>
-            </a:r>
-            <a:r>
-              <a:rPr lang="en-US" baseline="0" dirty="0" smtClean="0"/>
-              <a:t> </a:t>
-            </a:r>
-            <a:r>
-              <a:rPr lang="en-US" baseline="0" dirty="0" err="1" smtClean="0"/>
-              <a:t>werden</a:t>
-            </a:r>
-            <a:r>
-              <a:rPr lang="en-US" baseline="0" dirty="0" smtClean="0"/>
-              <a:t> </a:t>
-            </a:r>
-            <a:r>
-              <a:rPr lang="en-US" baseline="0" dirty="0" err="1" smtClean="0"/>
-              <a:t>vermutlich</a:t>
-            </a:r>
-            <a:r>
-              <a:rPr lang="en-US" baseline="0" dirty="0" smtClean="0"/>
-              <a:t> </a:t>
-            </a:r>
-            <a:r>
-              <a:rPr lang="en-US" baseline="0" dirty="0" err="1" smtClean="0"/>
-              <a:t>auch</a:t>
-            </a:r>
-            <a:r>
-              <a:rPr lang="en-US" baseline="0" dirty="0" smtClean="0"/>
-              <a:t> </a:t>
-            </a:r>
-            <a:r>
-              <a:rPr lang="en-US" baseline="0" dirty="0" err="1" smtClean="0"/>
-              <a:t>noch</a:t>
-            </a:r>
-            <a:r>
-              <a:rPr lang="en-US" baseline="0" dirty="0" smtClean="0"/>
-              <a:t> </a:t>
-            </a:r>
-            <a:r>
-              <a:rPr lang="en-US" baseline="0" dirty="0" err="1" smtClean="0"/>
-              <a:t>einmal</a:t>
-            </a:r>
-            <a:r>
-              <a:rPr lang="en-US" baseline="0" dirty="0" smtClean="0"/>
-              <a:t> die </a:t>
-            </a:r>
-            <a:r>
-              <a:rPr lang="en-US" baseline="0" dirty="0" err="1" smtClean="0"/>
-              <a:t>Lichtverhaeltnisse</a:t>
-            </a:r>
-            <a:r>
-              <a:rPr lang="en-US" baseline="0" dirty="0" smtClean="0"/>
-              <a:t> </a:t>
-            </a:r>
-            <a:r>
-              <a:rPr lang="en-US" baseline="0" dirty="0" err="1" smtClean="0"/>
-              <a:t>ein</a:t>
-            </a:r>
-            <a:r>
-              <a:rPr lang="en-US" baseline="0" dirty="0" smtClean="0"/>
-              <a:t> </a:t>
-            </a:r>
-            <a:r>
-              <a:rPr lang="en-US" baseline="0" dirty="0" err="1" smtClean="0"/>
-              <a:t>wenig</a:t>
-            </a:r>
-            <a:r>
-              <a:rPr lang="en-US" baseline="0" dirty="0" smtClean="0"/>
-              <a:t> </a:t>
-            </a:r>
-            <a:r>
-              <a:rPr lang="en-US" baseline="0" dirty="0" err="1" smtClean="0"/>
-              <a:t>ueberarbeiten</a:t>
-            </a:r>
-            <a:r>
-              <a:rPr lang="en-US" baseline="0" dirty="0" smtClean="0"/>
+              <a:t>samt</a:t>
+            </a:r>
+            <a:r>
+              <a:rPr lang="en-US" baseline="0" dirty="0" smtClean="0"/>
+              <a:t> des </a:t>
+            </a:r>
+            <a:r>
+              <a:rPr lang="en-US" baseline="0" dirty="0" err="1" smtClean="0"/>
+              <a:t>dazugehoerigen</a:t>
+            </a:r>
+            <a:r>
+              <a:rPr lang="en-US" baseline="0" dirty="0" smtClean="0"/>
+              <a:t> Mini-Spiels </a:t>
+            </a:r>
+            <a:r>
+              <a:rPr lang="en-US" baseline="0" dirty="0" err="1" smtClean="0"/>
+              <a:t>praesentieren</a:t>
+            </a:r>
+            <a:r>
+              <a:rPr lang="en-US" baseline="0" smtClean="0"/>
               <a:t>.</a:t>
-            </a:r>
-            <a:br>
-              <a:rPr lang="en-US" baseline="0" dirty="0" smtClean="0"/>
-            </a:br>
-            <a:r>
-              <a:rPr lang="en-US" baseline="0" dirty="0" err="1" smtClean="0"/>
-              <a:t>Es</a:t>
-            </a:r>
-            <a:r>
-              <a:rPr lang="en-US" baseline="0" dirty="0" smtClean="0"/>
-              <a:t> </a:t>
-            </a:r>
-            <a:r>
-              <a:rPr lang="en-US" baseline="0" dirty="0" err="1" smtClean="0"/>
-              <a:t>wird</a:t>
-            </a:r>
-            <a:r>
-              <a:rPr lang="en-US" baseline="0" dirty="0" smtClean="0"/>
-              <a:t> </a:t>
-            </a:r>
-            <a:r>
-              <a:rPr lang="en-US" baseline="0" dirty="0" err="1" smtClean="0"/>
-              <a:t>einen</a:t>
-            </a:r>
-            <a:r>
-              <a:rPr lang="en-US" baseline="0" dirty="0" smtClean="0"/>
-              <a:t> Tutorial-</a:t>
-            </a:r>
-            <a:r>
-              <a:rPr lang="en-US" baseline="0" dirty="0" err="1" smtClean="0"/>
-              <a:t>Raum</a:t>
-            </a:r>
-            <a:r>
-              <a:rPr lang="en-US" baseline="0" dirty="0" smtClean="0"/>
-              <a:t> </a:t>
-            </a:r>
-            <a:r>
-              <a:rPr lang="en-US" baseline="0" dirty="0" err="1" smtClean="0"/>
-              <a:t>geben</a:t>
-            </a:r>
-            <a:r>
-              <a:rPr lang="en-US" baseline="0" dirty="0" smtClean="0"/>
-              <a:t>, von </a:t>
-            </a:r>
-            <a:r>
-              <a:rPr lang="en-US" baseline="0" dirty="0" err="1" smtClean="0"/>
-              <a:t>dem</a:t>
-            </a:r>
-            <a:r>
-              <a:rPr lang="en-US" baseline="0" dirty="0" smtClean="0"/>
-              <a:t> </a:t>
-            </a:r>
-            <a:r>
-              <a:rPr lang="en-US" baseline="0" dirty="0" err="1" smtClean="0"/>
-              <a:t>aus</a:t>
-            </a:r>
-            <a:r>
-              <a:rPr lang="en-US" baseline="0" dirty="0" smtClean="0"/>
-              <a:t> man </a:t>
-            </a:r>
-            <a:r>
-              <a:rPr lang="en-US" baseline="0" dirty="0" err="1" smtClean="0"/>
-              <a:t>dann</a:t>
-            </a:r>
-            <a:r>
-              <a:rPr lang="en-US" baseline="0" dirty="0" smtClean="0"/>
-              <a:t> </a:t>
-            </a:r>
-            <a:r>
-              <a:rPr lang="en-US" baseline="0" dirty="0" err="1" smtClean="0"/>
-              <a:t>fliessend</a:t>
-            </a:r>
-            <a:r>
-              <a:rPr lang="en-US" baseline="0" dirty="0" smtClean="0"/>
-              <a:t> ins Spiel </a:t>
-            </a:r>
-            <a:r>
-              <a:rPr lang="en-US" baseline="0" dirty="0" err="1" smtClean="0"/>
-              <a:t>uebergeht</a:t>
-            </a:r>
-            <a:r>
-              <a:rPr lang="en-US" baseline="0" dirty="0" smtClean="0"/>
-              <a:t> und </a:t>
-            </a:r>
-            <a:r>
-              <a:rPr lang="en-US" baseline="0" dirty="0" err="1" smtClean="0"/>
-              <a:t>natuerlich</a:t>
-            </a:r>
-            <a:r>
-              <a:rPr lang="en-US" baseline="0" dirty="0" smtClean="0"/>
-              <a:t> </a:t>
-            </a:r>
-            <a:r>
-              <a:rPr lang="en-US" baseline="0" dirty="0" err="1" smtClean="0"/>
-              <a:t>gibt</a:t>
-            </a:r>
-            <a:r>
-              <a:rPr lang="en-US" baseline="0" dirty="0" smtClean="0"/>
-              <a:t> </a:t>
-            </a:r>
-            <a:r>
-              <a:rPr lang="en-US" baseline="0" dirty="0" err="1" smtClean="0"/>
-              <a:t>es</a:t>
-            </a:r>
-            <a:r>
-              <a:rPr lang="en-US" baseline="0" dirty="0" smtClean="0"/>
-              <a:t> </a:t>
-            </a:r>
-            <a:r>
-              <a:rPr lang="en-US" baseline="0" dirty="0" err="1" smtClean="0"/>
-              <a:t>dann</a:t>
-            </a:r>
-            <a:r>
-              <a:rPr lang="en-US" baseline="0" dirty="0" smtClean="0"/>
-              <a:t> </a:t>
-            </a:r>
-            <a:r>
-              <a:rPr lang="en-US" baseline="0" dirty="0" err="1" smtClean="0"/>
-              <a:t>auch</a:t>
-            </a:r>
-            <a:r>
-              <a:rPr lang="en-US" baseline="0" dirty="0" smtClean="0"/>
-              <a:t> </a:t>
-            </a:r>
-            <a:r>
-              <a:rPr lang="en-US" baseline="0" dirty="0" err="1" smtClean="0"/>
-              <a:t>ein</a:t>
-            </a:r>
-            <a:r>
-              <a:rPr lang="en-US" baseline="0" dirty="0" smtClean="0"/>
-              <a:t> </a:t>
-            </a:r>
-            <a:r>
-              <a:rPr lang="en-US" baseline="0" dirty="0" err="1" smtClean="0"/>
-              <a:t>entsprechendes</a:t>
-            </a:r>
-            <a:r>
-              <a:rPr lang="en-US" baseline="0" dirty="0" smtClean="0"/>
-              <a:t> </a:t>
-            </a:r>
-            <a:r>
-              <a:rPr lang="en-US" baseline="0" dirty="0" err="1" smtClean="0"/>
-              <a:t>Menue</a:t>
-            </a:r>
-            <a:r>
-              <a:rPr lang="en-US" baseline="0" dirty="0" smtClean="0"/>
-              <a:t>. </a:t>
-            </a:r>
-            <a:br>
-              <a:rPr lang="en-US" baseline="0" dirty="0" smtClean="0"/>
-            </a:br>
-            <a:r>
-              <a:rPr lang="en-US" baseline="0" dirty="0" smtClean="0"/>
-              <a:t/>
-            </a:r>
-            <a:br>
-              <a:rPr lang="en-US" baseline="0" dirty="0" smtClean="0"/>
-            </a:br>
-            <a:r>
-              <a:rPr lang="en-US" baseline="0" dirty="0" smtClean="0"/>
-              <a:t>So, </a:t>
-            </a:r>
-            <a:r>
-              <a:rPr lang="en-US" baseline="0" dirty="0" err="1" smtClean="0"/>
-              <a:t>dann</a:t>
-            </a:r>
-            <a:r>
-              <a:rPr lang="en-US" baseline="0" dirty="0" smtClean="0"/>
-              <a:t> </a:t>
-            </a:r>
-            <a:r>
-              <a:rPr lang="en-US" baseline="0" dirty="0" err="1" smtClean="0"/>
-              <a:t>kommen</a:t>
-            </a:r>
-            <a:r>
-              <a:rPr lang="en-US" baseline="0" dirty="0" smtClean="0"/>
-              <a:t> </a:t>
-            </a:r>
-            <a:r>
-              <a:rPr lang="en-US" baseline="0" dirty="0" err="1" smtClean="0"/>
-              <a:t>wir</a:t>
-            </a:r>
-            <a:r>
-              <a:rPr lang="en-US" baseline="0" dirty="0" smtClean="0"/>
-              <a:t> </a:t>
-            </a:r>
-            <a:r>
-              <a:rPr lang="en-US" baseline="0" dirty="0" err="1" smtClean="0"/>
-              <a:t>aber</a:t>
-            </a:r>
-            <a:r>
-              <a:rPr lang="en-US" baseline="0" dirty="0" smtClean="0"/>
-              <a:t> </a:t>
-            </a:r>
-            <a:r>
-              <a:rPr lang="en-US" baseline="0" dirty="0" err="1" smtClean="0"/>
-              <a:t>endlich</a:t>
-            </a:r>
-            <a:r>
-              <a:rPr lang="en-US" baseline="0" dirty="0" smtClean="0"/>
-              <a:t> </a:t>
-            </a:r>
-            <a:r>
-              <a:rPr lang="en-US" baseline="0" dirty="0" err="1" smtClean="0"/>
-              <a:t>zum</a:t>
-            </a:r>
-            <a:r>
-              <a:rPr lang="en-US" baseline="0" dirty="0" smtClean="0"/>
-              <a:t> Spiel </a:t>
-            </a:r>
-            <a:r>
-              <a:rPr lang="en-US" baseline="0" dirty="0" err="1" smtClean="0"/>
-              <a:t>selbst</a:t>
-            </a:r>
-            <a:r>
-              <a:rPr lang="en-US" baseline="0" dirty="0" smtClean="0"/>
-              <a:t>. </a:t>
-            </a:r>
-            <a:r>
-              <a:rPr lang="en-US" baseline="0" smtClean="0">
-                <a:sym typeface="Wingdings" panose="05000000000000000000" pitchFamily="2" charset="2"/>
-              </a:rPr>
-              <a:t></a:t>
             </a:r>
             <a:endParaRPr lang="de-DE" dirty="0"/>
           </a:p>
@@ -3326,7 +2504,7 @@
           <a:p>
             <a:fld id="{1DC63592-9D31-432D-A510-4EFC698F70CA}" type="datetimeFigureOut">
               <a:rPr lang="de-DE" smtClean="0"/>
-              <a:t>05.07.2018</a:t>
+              <a:t>04.07.2018</a:t>
             </a:fld>
             <a:endParaRPr lang="de-DE"/>
           </a:p>
@@ -3613,7 +2791,7 @@
           <a:p>
             <a:fld id="{1DC63592-9D31-432D-A510-4EFC698F70CA}" type="datetimeFigureOut">
               <a:rPr lang="de-DE" smtClean="0"/>
-              <a:t>05.07.2018</a:t>
+              <a:t>04.07.2018</a:t>
             </a:fld>
             <a:endParaRPr lang="de-DE"/>
           </a:p>
@@ -3805,7 +2983,7 @@
           <a:p>
             <a:fld id="{1DC63592-9D31-432D-A510-4EFC698F70CA}" type="datetimeFigureOut">
               <a:rPr lang="de-DE" smtClean="0"/>
-              <a:t>05.07.2018</a:t>
+              <a:t>04.07.2018</a:t>
             </a:fld>
             <a:endParaRPr lang="de-DE"/>
           </a:p>
@@ -4066,7 +3244,7 @@
           <a:p>
             <a:fld id="{1DC63592-9D31-432D-A510-4EFC698F70CA}" type="datetimeFigureOut">
               <a:rPr lang="de-DE" smtClean="0"/>
-              <a:t>05.07.2018</a:t>
+              <a:t>04.07.2018</a:t>
             </a:fld>
             <a:endParaRPr lang="de-DE"/>
           </a:p>
@@ -4490,7 +3668,7 @@
           <a:p>
             <a:fld id="{1DC63592-9D31-432D-A510-4EFC698F70CA}" type="datetimeFigureOut">
               <a:rPr lang="de-DE" smtClean="0"/>
-              <a:t>05.07.2018</a:t>
+              <a:t>04.07.2018</a:t>
             </a:fld>
             <a:endParaRPr lang="de-DE"/>
           </a:p>
@@ -5036,7 +4214,7 @@
           <a:p>
             <a:fld id="{1DC63592-9D31-432D-A510-4EFC698F70CA}" type="datetimeFigureOut">
               <a:rPr lang="de-DE" smtClean="0"/>
-              <a:t>05.07.2018</a:t>
+              <a:t>04.07.2018</a:t>
             </a:fld>
             <a:endParaRPr lang="de-DE"/>
           </a:p>
@@ -5876,7 +5054,7 @@
           <a:p>
             <a:fld id="{1DC63592-9D31-432D-A510-4EFC698F70CA}" type="datetimeFigureOut">
               <a:rPr lang="de-DE" smtClean="0"/>
-              <a:t>05.07.2018</a:t>
+              <a:t>04.07.2018</a:t>
             </a:fld>
             <a:endParaRPr lang="de-DE"/>
           </a:p>
@@ -6046,7 +5224,7 @@
           <a:p>
             <a:fld id="{1DC63592-9D31-432D-A510-4EFC698F70CA}" type="datetimeFigureOut">
               <a:rPr lang="de-DE" smtClean="0"/>
-              <a:t>05.07.2018</a:t>
+              <a:t>04.07.2018</a:t>
             </a:fld>
             <a:endParaRPr lang="de-DE"/>
           </a:p>
@@ -6230,7 +5408,7 @@
           <a:p>
             <a:fld id="{1DC63592-9D31-432D-A510-4EFC698F70CA}" type="datetimeFigureOut">
               <a:rPr lang="de-DE" smtClean="0"/>
-              <a:t>05.07.2018</a:t>
+              <a:t>04.07.2018</a:t>
             </a:fld>
             <a:endParaRPr lang="de-DE"/>
           </a:p>
@@ -6400,7 +5578,7 @@
           <a:p>
             <a:fld id="{1DC63592-9D31-432D-A510-4EFC698F70CA}" type="datetimeFigureOut">
               <a:rPr lang="de-DE" smtClean="0"/>
-              <a:t>05.07.2018</a:t>
+              <a:t>04.07.2018</a:t>
             </a:fld>
             <a:endParaRPr lang="de-DE"/>
           </a:p>
@@ -6648,7 +5826,7 @@
           <a:p>
             <a:fld id="{1DC63592-9D31-432D-A510-4EFC698F70CA}" type="datetimeFigureOut">
               <a:rPr lang="de-DE" smtClean="0"/>
-              <a:t>05.07.2018</a:t>
+              <a:t>04.07.2018</a:t>
             </a:fld>
             <a:endParaRPr lang="de-DE"/>
           </a:p>
@@ -6885,7 +6063,7 @@
           <a:p>
             <a:fld id="{1DC63592-9D31-432D-A510-4EFC698F70CA}" type="datetimeFigureOut">
               <a:rPr lang="de-DE" smtClean="0"/>
-              <a:t>05.07.2018</a:t>
+              <a:t>04.07.2018</a:t>
             </a:fld>
             <a:endParaRPr lang="de-DE"/>
           </a:p>
@@ -7263,7 +6441,7 @@
           <a:p>
             <a:fld id="{1DC63592-9D31-432D-A510-4EFC698F70CA}" type="datetimeFigureOut">
               <a:rPr lang="de-DE" smtClean="0"/>
-              <a:t>05.07.2018</a:t>
+              <a:t>04.07.2018</a:t>
             </a:fld>
             <a:endParaRPr lang="de-DE"/>
           </a:p>
@@ -7386,7 +6564,7 @@
           <a:p>
             <a:fld id="{1DC63592-9D31-432D-A510-4EFC698F70CA}" type="datetimeFigureOut">
               <a:rPr lang="de-DE" smtClean="0"/>
-              <a:t>05.07.2018</a:t>
+              <a:t>04.07.2018</a:t>
             </a:fld>
             <a:endParaRPr lang="de-DE"/>
           </a:p>
@@ -7481,7 +6659,7 @@
           <a:p>
             <a:fld id="{1DC63592-9D31-432D-A510-4EFC698F70CA}" type="datetimeFigureOut">
               <a:rPr lang="de-DE" smtClean="0"/>
-              <a:t>05.07.2018</a:t>
+              <a:t>04.07.2018</a:t>
             </a:fld>
             <a:endParaRPr lang="de-DE"/>
           </a:p>
@@ -7732,7 +6910,7 @@
           <a:p>
             <a:fld id="{1DC63592-9D31-432D-A510-4EFC698F70CA}" type="datetimeFigureOut">
               <a:rPr lang="de-DE" smtClean="0"/>
-              <a:t>05.07.2018</a:t>
+              <a:t>04.07.2018</a:t>
             </a:fld>
             <a:endParaRPr lang="de-DE"/>
           </a:p>
@@ -8024,7 +7202,7 @@
           <a:p>
             <a:fld id="{1DC63592-9D31-432D-A510-4EFC698F70CA}" type="datetimeFigureOut">
               <a:rPr lang="de-DE" smtClean="0"/>
-              <a:t>05.07.2018</a:t>
+              <a:t>04.07.2018</a:t>
             </a:fld>
             <a:endParaRPr lang="de-DE"/>
           </a:p>
@@ -8237,7 +7415,7 @@
           <a:p>
             <a:fld id="{1DC63592-9D31-432D-A510-4EFC698F70CA}" type="datetimeFigureOut">
               <a:rPr lang="de-DE" smtClean="0"/>
-              <a:t>05.07.2018</a:t>
+              <a:t>04.07.2018</a:t>
             </a:fld>
             <a:endParaRPr lang="de-DE"/>
           </a:p>
@@ -9107,7 +8285,7 @@
         </p:blipFill>
         <p:spPr>
           <a:xfrm rot="21420000" flipH="1">
-            <a:off x="377700" y="-23824"/>
+            <a:off x="-333343" y="120192"/>
             <a:ext cx="11096441" cy="8209621"/>
           </a:xfrm>
           <a:prstGeom prst="rect">
@@ -9115,36 +8293,6 @@
           </a:prstGeom>
         </p:spPr>
       </p:pic>
-      <p:sp>
-        <p:nvSpPr>
-          <p:cNvPr id="4" name="Textfeld 3"/>
-          <p:cNvSpPr txBox="1"/>
-          <p:nvPr/>
-        </p:nvSpPr>
-        <p:spPr>
-          <a:xfrm>
-            <a:off x="3131840" y="2123962"/>
-            <a:ext cx="2928967" cy="369332"/>
-          </a:xfrm>
-          <a:prstGeom prst="rect">
-            <a:avLst/>
-          </a:prstGeom>
-          <a:noFill/>
-        </p:spPr>
-        <p:txBody>
-          <a:bodyPr wrap="square" rtlCol="0">
-            <a:spAutoFit/>
-          </a:bodyPr>
-          <a:lstStyle/>
-          <a:p>
-            <a:r>
-              <a:rPr lang="en-US" dirty="0" smtClean="0"/>
-              <a:t>Formerly “Voodoo”</a:t>
-            </a:r>
-            <a:endParaRPr lang="de-DE" dirty="0"/>
-          </a:p>
-        </p:txBody>
-      </p:sp>
     </p:spTree>
     <p:extLst>
       <p:ext uri="{BB962C8B-B14F-4D97-AF65-F5344CB8AC3E}">
@@ -9223,58 +8371,14 @@
                             </p:stCondLst>
                             <p:childTnLst>
                               <p:par>
-                                <p:cTn id="9" presetID="22" presetClass="entr" presetSubtype="8" fill="hold" grpId="0" nodeType="afterEffect">
-                                  <p:stCondLst>
-                                    <p:cond delay="250"/>
-                                  </p:stCondLst>
-                                  <p:childTnLst>
-                                    <p:set>
-                                      <p:cBhvr>
-                                        <p:cTn id="10" dur="1" fill="hold">
-                                          <p:stCondLst>
-                                            <p:cond delay="0"/>
-                                          </p:stCondLst>
-                                        </p:cTn>
-                                        <p:tgtEl>
-                                          <p:spTgt spid="4"/>
-                                        </p:tgtEl>
-                                        <p:attrNameLst>
-                                          <p:attrName>style.visibility</p:attrName>
-                                        </p:attrNameLst>
-                                      </p:cBhvr>
-                                      <p:to>
-                                        <p:strVal val="visible"/>
-                                      </p:to>
-                                    </p:set>
-                                    <p:animEffect transition="in" filter="wipe(left)">
-                                      <p:cBhvr>
-                                        <p:cTn id="11" dur="500"/>
-                                        <p:tgtEl>
-                                          <p:spTgt spid="4"/>
-                                        </p:tgtEl>
-                                      </p:cBhvr>
-                                    </p:animEffect>
-                                  </p:childTnLst>
-                                </p:cTn>
-                              </p:par>
-                            </p:childTnLst>
-                          </p:cTn>
-                        </p:par>
-                        <p:par>
-                          <p:cTn id="12" fill="hold">
-                            <p:stCondLst>
-                              <p:cond delay="2750"/>
-                            </p:stCondLst>
-                            <p:childTnLst>
-                              <p:par>
-                                <p:cTn id="13" presetID="10" presetClass="entr" presetSubtype="0" fill="hold" nodeType="afterEffect">
+                                <p:cTn id="9" presetID="10" presetClass="entr" presetSubtype="0" fill="hold" nodeType="afterEffect">
                                   <p:stCondLst>
                                     <p:cond delay="0"/>
                                   </p:stCondLst>
                                   <p:childTnLst>
                                     <p:set>
                                       <p:cBhvr>
-                                        <p:cTn id="14" dur="1" fill="hold">
+                                        <p:cTn id="10" dur="1" fill="hold">
                                           <p:stCondLst>
                                             <p:cond delay="0"/>
                                           </p:stCondLst>
@@ -9292,7 +8396,7 @@
                                     </p:set>
                                     <p:animEffect transition="in" filter="fade">
                                       <p:cBhvr>
-                                        <p:cTn id="15" dur="500"/>
+                                        <p:cTn id="11" dur="500"/>
                                         <p:tgtEl>
                                           <p:spTgt spid="12"/>
                                         </p:tgtEl>
@@ -9305,20 +8409,20 @@
                           </p:cTn>
                         </p:par>
                         <p:par>
-                          <p:cTn id="16" fill="hold">
+                          <p:cTn id="12" fill="hold">
                             <p:stCondLst>
-                              <p:cond delay="3250"/>
+                              <p:cond delay="2500"/>
                             </p:stCondLst>
                             <p:childTnLst>
                               <p:par>
-                                <p:cTn id="17" presetID="14" presetClass="entr" presetSubtype="5" fill="hold" nodeType="afterEffect">
+                                <p:cTn id="13" presetID="14" presetClass="entr" presetSubtype="5" fill="hold" nodeType="afterEffect">
                                   <p:stCondLst>
                                     <p:cond delay="500"/>
                                   </p:stCondLst>
                                   <p:childTnLst>
                                     <p:set>
                                       <p:cBhvr>
-                                        <p:cTn id="18" dur="1" fill="hold">
+                                        <p:cTn id="14" dur="1" fill="hold">
                                           <p:stCondLst>
                                             <p:cond delay="0"/>
                                           </p:stCondLst>
@@ -9336,7 +8440,7 @@
                                     </p:set>
                                     <p:animEffect transition="in" filter="randombar(vertical)">
                                       <p:cBhvr>
-                                        <p:cTn id="19" dur="500"/>
+                                        <p:cTn id="15" dur="500"/>
                                         <p:tgtEl>
                                           <p:spTgt spid="3"/>
                                         </p:tgtEl>
@@ -9346,14 +8450,14 @@
                                 </p:cTn>
                               </p:par>
                               <p:par>
-                                <p:cTn id="20" presetID="53" presetClass="entr" presetSubtype="16" fill="hold" nodeType="withEffect">
+                                <p:cTn id="16" presetID="53" presetClass="entr" presetSubtype="16" fill="hold" nodeType="withEffect">
                                   <p:stCondLst>
                                     <p:cond delay="500"/>
                                   </p:stCondLst>
                                   <p:childTnLst>
                                     <p:set>
                                       <p:cBhvr>
-                                        <p:cTn id="21" dur="1" fill="hold">
+                                        <p:cTn id="17" dur="1" fill="hold">
                                           <p:stCondLst>
                                             <p:cond delay="0"/>
                                           </p:stCondLst>
@@ -9371,7 +8475,7 @@
                                     </p:set>
                                     <p:anim calcmode="lin" valueType="num">
                                       <p:cBhvr>
-                                        <p:cTn id="22" dur="2000" fill="hold"/>
+                                        <p:cTn id="18" dur="2000" fill="hold"/>
                                         <p:tgtEl>
                                           <p:spTgt spid="15"/>
                                         </p:tgtEl>
@@ -9394,7 +8498,7 @@
                                     </p:anim>
                                     <p:anim calcmode="lin" valueType="num">
                                       <p:cBhvr>
-                                        <p:cTn id="23" dur="2000" fill="hold"/>
+                                        <p:cTn id="19" dur="2000" fill="hold"/>
                                         <p:tgtEl>
                                           <p:spTgt spid="15"/>
                                         </p:tgtEl>
@@ -9417,7 +8521,7 @@
                                     </p:anim>
                                     <p:animEffect transition="in" filter="fade">
                                       <p:cBhvr>
-                                        <p:cTn id="24" dur="2000"/>
+                                        <p:cTn id="20" dur="2000"/>
                                         <p:tgtEl>
                                           <p:spTgt spid="15"/>
                                         </p:tgtEl>
@@ -9430,20 +8534,20 @@
                           </p:cTn>
                         </p:par>
                         <p:par>
-                          <p:cTn id="25" fill="hold">
+                          <p:cTn id="21" fill="hold">
                             <p:stCondLst>
-                              <p:cond delay="5750"/>
+                              <p:cond delay="5000"/>
                             </p:stCondLst>
                             <p:childTnLst>
                               <p:par>
-                                <p:cTn id="26" presetID="16" presetClass="entr" presetSubtype="42" fill="hold" nodeType="afterEffect">
+                                <p:cTn id="22" presetID="16" presetClass="entr" presetSubtype="42" fill="hold" nodeType="afterEffect">
                                   <p:stCondLst>
                                     <p:cond delay="0"/>
                                   </p:stCondLst>
                                   <p:childTnLst>
                                     <p:set>
                                       <p:cBhvr>
-                                        <p:cTn id="27" dur="1" fill="hold">
+                                        <p:cTn id="23" dur="1" fill="hold">
                                           <p:stCondLst>
                                             <p:cond delay="0"/>
                                           </p:stCondLst>
@@ -9461,7 +8565,7 @@
                                     </p:set>
                                     <p:animEffect transition="in" filter="barn(outHorizontal)">
                                       <p:cBhvr>
-                                        <p:cTn id="28" dur="500"/>
+                                        <p:cTn id="24" dur="500"/>
                                         <p:tgtEl>
                                           <p:spTgt spid="17"/>
                                         </p:tgtEl>
@@ -9474,20 +8578,20 @@
                           </p:cTn>
                         </p:par>
                         <p:par>
-                          <p:cTn id="29" fill="hold">
+                          <p:cTn id="25" fill="hold">
                             <p:stCondLst>
-                              <p:cond delay="6250"/>
+                              <p:cond delay="5500"/>
                             </p:stCondLst>
                             <p:childTnLst>
                               <p:par>
-                                <p:cTn id="30" presetID="47" presetClass="entr" presetSubtype="0" fill="hold" nodeType="afterEffect">
+                                <p:cTn id="26" presetID="47" presetClass="entr" presetSubtype="0" fill="hold" nodeType="afterEffect">
                                   <p:stCondLst>
                                     <p:cond delay="1250"/>
                                   </p:stCondLst>
                                   <p:childTnLst>
                                     <p:set>
                                       <p:cBhvr>
-                                        <p:cTn id="31" dur="1" fill="hold">
+                                        <p:cTn id="27" dur="1" fill="hold">
                                           <p:stCondLst>
                                             <p:cond delay="0"/>
                                           </p:stCondLst>
@@ -9505,7 +8609,7 @@
                                     </p:set>
                                     <p:animEffect transition="in" filter="fade">
                                       <p:cBhvr>
-                                        <p:cTn id="32" dur="1000"/>
+                                        <p:cTn id="28" dur="1000"/>
                                         <p:tgtEl>
                                           <p:spTgt spid="18"/>
                                         </p:tgtEl>
@@ -9513,7 +8617,7 @@
                                     </p:animEffect>
                                     <p:anim calcmode="lin" valueType="num">
                                       <p:cBhvr>
-                                        <p:cTn id="33" dur="1000" fill="hold"/>
+                                        <p:cTn id="29" dur="1000" fill="hold"/>
                                         <p:tgtEl>
                                           <p:spTgt spid="18"/>
                                         </p:tgtEl>
@@ -9536,7 +8640,7 @@
                                     </p:anim>
                                     <p:anim calcmode="lin" valueType="num">
                                       <p:cBhvr>
-                                        <p:cTn id="34" dur="1000" fill="hold"/>
+                                        <p:cTn id="30" dur="1000" fill="hold"/>
                                         <p:tgtEl>
                                           <p:spTgt spid="18"/>
                                         </p:tgtEl>
@@ -9561,14 +8665,14 @@
                                 </p:cTn>
                               </p:par>
                               <p:par>
-                                <p:cTn id="35" presetID="10" presetClass="entr" presetSubtype="0" fill="hold" nodeType="withEffect">
+                                <p:cTn id="31" presetID="10" presetClass="entr" presetSubtype="0" fill="hold" nodeType="withEffect">
                                   <p:stCondLst>
                                     <p:cond delay="0"/>
                                   </p:stCondLst>
                                   <p:childTnLst>
                                     <p:set>
                                       <p:cBhvr>
-                                        <p:cTn id="36" dur="1" fill="hold">
+                                        <p:cTn id="32" dur="1" fill="hold">
                                           <p:stCondLst>
                                             <p:cond delay="0"/>
                                           </p:stCondLst>
@@ -9586,7 +8690,7 @@
                                     </p:set>
                                     <p:animEffect transition="in" filter="fade">
                                       <p:cBhvr>
-                                        <p:cTn id="37" dur="500"/>
+                                        <p:cTn id="33" dur="500"/>
                                         <p:tgtEl>
                                           <p:spTgt spid="13"/>
                                         </p:tgtEl>
@@ -9599,20 +8703,20 @@
                           </p:cTn>
                         </p:par>
                         <p:par>
-                          <p:cTn id="38" fill="hold">
+                          <p:cTn id="34" fill="hold">
                             <p:stCondLst>
-                              <p:cond delay="8500"/>
+                              <p:cond delay="7750"/>
                             </p:stCondLst>
                             <p:childTnLst>
                               <p:par>
-                                <p:cTn id="39" presetID="16" presetClass="entr" presetSubtype="21" fill="hold" nodeType="afterEffect">
+                                <p:cTn id="35" presetID="16" presetClass="entr" presetSubtype="21" fill="hold" nodeType="afterEffect">
                                   <p:stCondLst>
                                     <p:cond delay="750"/>
                                   </p:stCondLst>
                                   <p:childTnLst>
                                     <p:set>
                                       <p:cBhvr>
-                                        <p:cTn id="40" dur="1" fill="hold">
+                                        <p:cTn id="36" dur="1" fill="hold">
                                           <p:stCondLst>
                                             <p:cond delay="0"/>
                                           </p:stCondLst>
@@ -9630,7 +8734,7 @@
                                     </p:set>
                                     <p:animEffect transition="in" filter="barn(inVertical)">
                                       <p:cBhvr>
-                                        <p:cTn id="41" dur="500"/>
+                                        <p:cTn id="37" dur="500"/>
                                         <p:tgtEl>
                                           <p:spTgt spid="14"/>
                                         </p:tgtEl>
@@ -9643,20 +8747,20 @@
                           </p:cTn>
                         </p:par>
                         <p:par>
-                          <p:cTn id="42" fill="hold">
+                          <p:cTn id="38" fill="hold">
                             <p:stCondLst>
-                              <p:cond delay="9750"/>
+                              <p:cond delay="9000"/>
                             </p:stCondLst>
                             <p:childTnLst>
                               <p:par>
-                                <p:cTn id="43" presetID="47" presetClass="exit" presetSubtype="0" fill="hold" nodeType="afterEffect">
+                                <p:cTn id="39" presetID="47" presetClass="exit" presetSubtype="0" fill="hold" nodeType="afterEffect">
                                   <p:stCondLst>
                                     <p:cond delay="0"/>
                                   </p:stCondLst>
                                   <p:childTnLst>
                                     <p:animEffect transition="out" filter="fade">
                                       <p:cBhvr>
-                                        <p:cTn id="44" dur="1000"/>
+                                        <p:cTn id="40" dur="1000"/>
                                         <p:tgtEl>
                                           <p:spTgt spid="18"/>
                                         </p:tgtEl>
@@ -9664,7 +8768,7 @@
                                     </p:animEffect>
                                     <p:anim calcmode="lin" valueType="num">
                                       <p:cBhvr>
-                                        <p:cTn id="45" dur="1000"/>
+                                        <p:cTn id="41" dur="1000"/>
                                         <p:tgtEl>
                                           <p:spTgt spid="18"/>
                                         </p:tgtEl>
@@ -9687,7 +8791,7 @@
                                     </p:anim>
                                     <p:anim calcmode="lin" valueType="num">
                                       <p:cBhvr>
-                                        <p:cTn id="46" dur="1000"/>
+                                        <p:cTn id="42" dur="1000"/>
                                         <p:tgtEl>
                                           <p:spTgt spid="18"/>
                                         </p:tgtEl>
@@ -9710,7 +8814,7 @@
                                     </p:anim>
                                     <p:set>
                                       <p:cBhvr>
-                                        <p:cTn id="47" dur="1" fill="hold">
+                                        <p:cTn id="43" dur="1" fill="hold">
                                           <p:stCondLst>
                                             <p:cond delay="999"/>
                                           </p:stCondLst>
@@ -9733,20 +8837,20 @@
                           </p:cTn>
                         </p:par>
                         <p:par>
-                          <p:cTn id="48" fill="hold">
+                          <p:cTn id="44" fill="hold">
                             <p:stCondLst>
-                              <p:cond delay="10750"/>
+                              <p:cond delay="10000"/>
                             </p:stCondLst>
                             <p:childTnLst>
                               <p:par>
-                                <p:cTn id="49" presetID="8" presetClass="entr" presetSubtype="32" fill="hold" nodeType="afterEffect">
+                                <p:cTn id="45" presetID="8" presetClass="entr" presetSubtype="32" fill="hold" nodeType="afterEffect">
                                   <p:stCondLst>
                                     <p:cond delay="0"/>
                                   </p:stCondLst>
                                   <p:childTnLst>
                                     <p:set>
                                       <p:cBhvr>
-                                        <p:cTn id="50" dur="1" fill="hold">
+                                        <p:cTn id="46" dur="1" fill="hold">
                                           <p:stCondLst>
                                             <p:cond delay="0"/>
                                           </p:stCondLst>
@@ -9764,7 +8868,7 @@
                                     </p:set>
                                     <p:animEffect transition="in" filter="diamond(out)">
                                       <p:cBhvr>
-                                        <p:cTn id="51" dur="2000"/>
+                                        <p:cTn id="47" dur="2000"/>
                                         <p:tgtEl>
                                           <p:spTgt spid="16"/>
                                         </p:tgtEl>
@@ -9774,14 +8878,14 @@
                                 </p:cTn>
                               </p:par>
                               <p:par>
-                                <p:cTn id="52" presetID="42" presetClass="entr" presetSubtype="0" fill="hold" nodeType="withEffect">
+                                <p:cTn id="48" presetID="42" presetClass="entr" presetSubtype="0" fill="hold" nodeType="withEffect">
                                   <p:stCondLst>
                                     <p:cond delay="0"/>
                                   </p:stCondLst>
                                   <p:childTnLst>
                                     <p:set>
                                       <p:cBhvr>
-                                        <p:cTn id="53" dur="1" fill="hold">
+                                        <p:cTn id="49" dur="1" fill="hold">
                                           <p:stCondLst>
                                             <p:cond delay="0"/>
                                           </p:stCondLst>
@@ -9799,7 +8903,7 @@
                                     </p:set>
                                     <p:animEffect transition="in" filter="fade">
                                       <p:cBhvr>
-                                        <p:cTn id="54" dur="1000"/>
+                                        <p:cTn id="50" dur="1000"/>
                                         <p:tgtEl>
                                           <p:spTgt spid="19"/>
                                         </p:tgtEl>
@@ -9807,7 +8911,7 @@
                                     </p:animEffect>
                                     <p:anim calcmode="lin" valueType="num">
                                       <p:cBhvr>
-                                        <p:cTn id="55" dur="1000" fill="hold"/>
+                                        <p:cTn id="51" dur="1000" fill="hold"/>
                                         <p:tgtEl>
                                           <p:spTgt spid="19"/>
                                         </p:tgtEl>
@@ -9830,7 +8934,7 @@
                                     </p:anim>
                                     <p:anim calcmode="lin" valueType="num">
                                       <p:cBhvr>
-                                        <p:cTn id="56" dur="1000" fill="hold"/>
+                                        <p:cTn id="52" dur="1000" fill="hold"/>
                                         <p:tgtEl>
                                           <p:spTgt spid="19"/>
                                         </p:tgtEl>
@@ -9883,7 +8987,6 @@
     </p:tnLst>
     <p:bldLst>
       <p:bldP spid="2" grpId="0"/>
-      <p:bldP spid="4" grpId="0"/>
     </p:bldLst>
   </p:timing>
 </p:sld>
@@ -10047,8 +9150,41 @@
                 <a:latin typeface="MV Boli" pitchFamily="2" charset="0"/>
                 <a:cs typeface="MV Boli" pitchFamily="2" charset="0"/>
               </a:rPr>
-              <a:t>Gate 2 Promises vs. Present	</a:t>
-            </a:r>
+              <a:t>Gate 2 </a:t>
+            </a:r>
+            <a:r>
+              <a:rPr lang="en-GB" sz="2400" b="1" dirty="0" smtClean="0">
+                <a:solidFill>
+                  <a:schemeClr val="tx1">
+                    <a:lumMod val="95000"/>
+                  </a:schemeClr>
+                </a:solidFill>
+                <a:latin typeface="MV Boli" pitchFamily="2" charset="0"/>
+                <a:cs typeface="MV Boli" pitchFamily="2" charset="0"/>
+              </a:rPr>
+              <a:t>Promises </a:t>
+            </a:r>
+            <a:r>
+              <a:rPr lang="en-GB" sz="2400" b="1" dirty="0" smtClean="0">
+                <a:solidFill>
+                  <a:schemeClr val="tx1">
+                    <a:lumMod val="95000"/>
+                  </a:schemeClr>
+                </a:solidFill>
+                <a:latin typeface="MV Boli" pitchFamily="2" charset="0"/>
+                <a:cs typeface="MV Boli" pitchFamily="2" charset="0"/>
+              </a:rPr>
+              <a:t>vs. Present	</a:t>
+            </a:r>
+            <a:endParaRPr lang="en-GB" sz="2400" b="1" dirty="0" smtClean="0">
+              <a:solidFill>
+                <a:schemeClr val="tx1">
+                  <a:lumMod val="95000"/>
+                </a:schemeClr>
+              </a:solidFill>
+              <a:latin typeface="MV Boli" pitchFamily="2" charset="0"/>
+              <a:cs typeface="MV Boli" pitchFamily="2" charset="0"/>
+            </a:endParaRPr>
           </a:p>
           <a:p>
             <a:pPr marL="285750" lvl="0" indent="-285750" algn="l">
@@ -10822,14 +9958,7 @@
                 <a:latin typeface="MV Boli" panose="02000500030200090000" pitchFamily="2" charset="0"/>
                 <a:cs typeface="MV Boli" panose="02000500030200090000" pitchFamily="2" charset="0"/>
               </a:rPr>
-              <a:t> </a:t>
-            </a:r>
-            <a:r>
-              <a:rPr lang="en-GB" sz="2400" dirty="0" smtClean="0">
-                <a:latin typeface="MV Boli" panose="02000500030200090000" pitchFamily="2" charset="0"/>
-                <a:cs typeface="MV Boli" panose="02000500030200090000" pitchFamily="2" charset="0"/>
-              </a:rPr>
-              <a:t>Doll 13 </a:t>
+              <a:t> Voodoo </a:t>
             </a:r>
             <a:r>
               <a:rPr lang="en-GB" sz="2400" dirty="0">
@@ -11847,6 +10976,10 @@
               </a:rPr>
               <a:t>+ Basic Sound</a:t>
             </a:r>
+            <a:endParaRPr lang="en-US" sz="1800" dirty="0" smtClean="0">
+              <a:latin typeface="MV Boli" pitchFamily="2" charset="0"/>
+              <a:cs typeface="MV Boli" pitchFamily="2" charset="0"/>
+            </a:endParaRPr>
           </a:p>
         </p:txBody>
       </p:sp>
@@ -12747,6 +11880,10 @@
               </a:rPr>
               <a:t>Polished Game</a:t>
             </a:r>
+            <a:endParaRPr lang="en-US" sz="2000" dirty="0" smtClean="0">
+              <a:latin typeface="MV Boli" pitchFamily="2" charset="0"/>
+              <a:cs typeface="MV Boli" pitchFamily="2" charset="0"/>
+            </a:endParaRPr>
           </a:p>
           <a:p>
             <a:pPr marL="285750" indent="-285750" algn="l">
@@ -12770,6 +11907,10 @@
               </a:rPr>
               <a:t>Tutorial</a:t>
             </a:r>
+            <a:endParaRPr lang="en-US" sz="2000" dirty="0" smtClean="0">
+              <a:latin typeface="MV Boli" pitchFamily="2" charset="0"/>
+              <a:cs typeface="MV Boli" pitchFamily="2" charset="0"/>
+            </a:endParaRPr>
           </a:p>
           <a:p>
             <a:pPr marL="285750" indent="-285750" algn="l">

--- a/_Organisation/Präsentation/Voodoo_PP2.pptx
+++ b/_Organisation/Präsentation/Voodoo_PP2.pptx
@@ -213,7 +213,7 @@
           <a:p>
             <a:fld id="{6970F1A7-B44C-47F4-9D4E-59C4A99A588C}" type="datetimeFigureOut">
               <a:rPr lang="de-DE" smtClean="0"/>
-              <a:t>04.07.2018</a:t>
+              <a:t>05.07.2018</a:t>
             </a:fld>
             <a:endParaRPr lang="de-DE"/>
           </a:p>
@@ -527,19 +527,11 @@
           <a:p>
             <a:r>
               <a:rPr lang="de-DE" dirty="0" smtClean="0"/>
-              <a:t>Hallo, mein Name ist Sonja Köck und ich bin der Producer von Team 13. Ich werde euch heute Gate 1 von unserem Projekt „Voodoo“</a:t>
+              <a:t>Hallo und willkommen zu Gate 2 von Doll 13, ehemalig</a:t>
             </a:r>
             <a:r>
               <a:rPr lang="de-DE" baseline="0" dirty="0" smtClean="0"/>
-              <a:t> </a:t>
-            </a:r>
-            <a:r>
-              <a:rPr lang="de-DE" baseline="0" dirty="0" err="1" smtClean="0"/>
-              <a:t>praesentieren</a:t>
-            </a:r>
-            <a:r>
-              <a:rPr lang="de-DE" baseline="0" dirty="0" smtClean="0"/>
-              <a:t>.</a:t>
+              <a:t> „Voodoo“ genannt.</a:t>
             </a:r>
             <a:endParaRPr lang="de-DE" dirty="0" smtClean="0"/>
           </a:p>
@@ -626,20 +618,24 @@
           <a:lstStyle/>
           <a:p>
             <a:r>
+              <a:rPr lang="en-US" dirty="0" err="1" smtClean="0"/>
+              <a:t>Keine</a:t>
+            </a:r>
+            <a:r>
               <a:rPr lang="en-US" dirty="0" smtClean="0"/>
-              <a:t>Unser Team </a:t>
+              <a:t> </a:t>
             </a:r>
             <a:r>
               <a:rPr lang="en-US" dirty="0" err="1" smtClean="0"/>
-              <a:t>dafuer</a:t>
+              <a:t>Sorge</a:t>
             </a:r>
             <a:r>
               <a:rPr lang="en-US" dirty="0" smtClean="0"/>
-              <a:t> </a:t>
+              <a:t>, die </a:t>
             </a:r>
             <a:r>
               <a:rPr lang="en-US" dirty="0" err="1" smtClean="0"/>
-              <a:t>besteht</a:t>
+              <a:t>Praesentation</a:t>
             </a:r>
             <a:r>
               <a:rPr lang="en-US" dirty="0" smtClean="0"/>
@@ -647,7 +643,7 @@
             </a:r>
             <a:r>
               <a:rPr lang="en-US" dirty="0" err="1" smtClean="0"/>
-              <a:t>aus</a:t>
+              <a:t>wird</a:t>
             </a:r>
             <a:r>
               <a:rPr lang="en-US" dirty="0" smtClean="0"/>
@@ -655,31 +651,153 @@
             </a:r>
             <a:r>
               <a:rPr lang="en-US" dirty="0" err="1" smtClean="0"/>
-              <a:t>unseren</a:t>
-            </a:r>
-            <a:r>
-              <a:rPr lang="en-US" dirty="0" smtClean="0"/>
-              <a:t> Artists:</a:t>
-            </a:r>
-            <a:r>
-              <a:rPr lang="en-US" baseline="0" dirty="0" smtClean="0"/>
-              <a:t> Lou, Jesse, Michelle, Levin und </a:t>
-            </a:r>
-            <a:r>
-              <a:rPr lang="en-US" baseline="0" dirty="0" err="1" smtClean="0"/>
-              <a:t>Michi</a:t>
-            </a:r>
-            <a:r>
-              <a:rPr lang="en-US" baseline="0" dirty="0" smtClean="0"/>
-              <a:t>, </a:t>
-            </a:r>
-            <a:r>
-              <a:rPr lang="en-US" baseline="0" dirty="0" err="1" smtClean="0"/>
-              <a:t>wobei</a:t>
-            </a:r>
-            <a:r>
-              <a:rPr lang="en-US" baseline="0" dirty="0" smtClean="0"/>
-              <a:t> Jesse und Michelle </a:t>
+              <a:t>kurz</a:t>
+            </a:r>
+            <a:r>
+              <a:rPr lang="en-US" baseline="0" dirty="0" smtClean="0"/>
+              <a:t> und </a:t>
+            </a:r>
+            <a:r>
+              <a:rPr lang="en-US" baseline="0" dirty="0" err="1" smtClean="0"/>
+              <a:t>knapp</a:t>
+            </a:r>
+            <a:r>
+              <a:rPr lang="en-US" baseline="0" dirty="0" smtClean="0"/>
+              <a:t>. </a:t>
+            </a:r>
+            <a:r>
+              <a:rPr lang="en-US" baseline="0" dirty="0" smtClean="0">
+                <a:sym typeface="Wingdings" panose="05000000000000000000" pitchFamily="2" charset="2"/>
+              </a:rPr>
+              <a:t> </a:t>
+            </a:r>
+            <a:r>
+              <a:rPr lang="en-US" dirty="0" err="1" smtClean="0"/>
+              <a:t>Ich</a:t>
+            </a:r>
+            <a:r>
+              <a:rPr lang="en-US" baseline="0" dirty="0" smtClean="0"/>
+              <a:t> </a:t>
+            </a:r>
+            <a:r>
+              <a:rPr lang="en-US" baseline="0" dirty="0" err="1" smtClean="0"/>
+              <a:t>werde</a:t>
+            </a:r>
+            <a:r>
+              <a:rPr lang="en-US" baseline="0" dirty="0" smtClean="0"/>
+              <a:t> </a:t>
+            </a:r>
+            <a:r>
+              <a:rPr lang="en-US" baseline="0" dirty="0" err="1" smtClean="0"/>
+              <a:t>euch</a:t>
+            </a:r>
+            <a:r>
+              <a:rPr lang="en-US" baseline="0" dirty="0" smtClean="0"/>
+              <a:t> </a:t>
+            </a:r>
+            <a:r>
+              <a:rPr lang="en-US" baseline="0" dirty="0" err="1" smtClean="0"/>
+              <a:t>zuerst</a:t>
+            </a:r>
+            <a:r>
+              <a:rPr lang="en-US" baseline="0" dirty="0" smtClean="0"/>
+              <a:t> </a:t>
+            </a:r>
+            <a:r>
+              <a:rPr lang="en-US" baseline="0" dirty="0" err="1" smtClean="0"/>
+              <a:t>ein</a:t>
+            </a:r>
+            <a:r>
+              <a:rPr lang="en-US" baseline="0" dirty="0" smtClean="0"/>
+              <a:t> </a:t>
+            </a:r>
+            <a:r>
+              <a:rPr lang="en-US" baseline="0" dirty="0" err="1" smtClean="0"/>
+              <a:t>kleines</a:t>
+            </a:r>
+            <a:r>
+              <a:rPr lang="en-US" baseline="0" dirty="0" smtClean="0"/>
+              <a:t> Review </a:t>
+            </a:r>
+            <a:r>
+              <a:rPr lang="en-US" baseline="0" dirty="0" err="1" smtClean="0"/>
+              <a:t>zu</a:t>
+            </a:r>
+            <a:r>
+              <a:rPr lang="en-US" baseline="0" dirty="0" smtClean="0"/>
+              <a:t> </a:t>
+            </a:r>
+            <a:r>
+              <a:rPr lang="en-US" baseline="0" dirty="0" err="1" smtClean="0"/>
+              <a:t>dem</a:t>
+            </a:r>
+            <a:r>
+              <a:rPr lang="en-US" baseline="0" dirty="0" smtClean="0"/>
+              <a:t> Spiel und </a:t>
+            </a:r>
+            <a:r>
+              <a:rPr lang="en-US" baseline="0" dirty="0" err="1" smtClean="0"/>
+              <a:t>unserer</a:t>
+            </a:r>
+            <a:r>
+              <a:rPr lang="en-US" baseline="0" dirty="0" smtClean="0"/>
+              <a:t> Vision </a:t>
+            </a:r>
+            <a:r>
+              <a:rPr lang="en-US" baseline="0" dirty="0" err="1" smtClean="0"/>
+              <a:t>dazu</a:t>
+            </a:r>
+            <a:r>
+              <a:rPr lang="en-US" baseline="0" dirty="0" smtClean="0"/>
+              <a:t> </a:t>
+            </a:r>
+            <a:r>
+              <a:rPr lang="en-US" baseline="0" dirty="0" err="1" smtClean="0"/>
+              <a:t>geben</a:t>
+            </a:r>
+            <a:r>
+              <a:rPr lang="en-US" baseline="0" dirty="0" smtClean="0"/>
+              <a:t> und </a:t>
+            </a:r>
+            <a:r>
+              <a:rPr lang="en-US" baseline="0" dirty="0" err="1" smtClean="0"/>
+              <a:t>anschliessend</a:t>
+            </a:r>
+            <a:r>
+              <a:rPr lang="en-US" baseline="0" dirty="0" smtClean="0"/>
+              <a:t> </a:t>
+            </a:r>
+            <a:r>
+              <a:rPr lang="en-US" baseline="0" dirty="0" err="1" smtClean="0"/>
+              <a:t>auffuehren</a:t>
+            </a:r>
+            <a:r>
+              <a:rPr lang="en-US" baseline="0" dirty="0" smtClean="0"/>
+              <a:t>, was </a:t>
+            </a:r>
+            <a:r>
+              <a:rPr lang="en-US" baseline="0" dirty="0" err="1" smtClean="0"/>
+              <a:t>wir</a:t>
+            </a:r>
+            <a:r>
+              <a:rPr lang="en-US" baseline="0" dirty="0" smtClean="0"/>
+              <a:t> </a:t>
+            </a:r>
+            <a:r>
+              <a:rPr lang="en-US" baseline="0" dirty="0" err="1" smtClean="0"/>
+              <a:t>euch</a:t>
+            </a:r>
+            <a:r>
+              <a:rPr lang="en-US" baseline="0" dirty="0" smtClean="0"/>
+              <a:t> </a:t>
+            </a:r>
+            <a:r>
+              <a:rPr lang="en-US" baseline="0" dirty="0" err="1" smtClean="0"/>
+              <a:t>bis</a:t>
+            </a:r>
+            <a:r>
+              <a:rPr lang="en-US" baseline="0" dirty="0" smtClean="0"/>
+              <a:t> </a:t>
             </a:r>
             <a:r>
               <a:rPr lang="en-US" baseline="0" dirty="0" err="1" smtClean="0"/>
@@ -691,15 +809,87 @@
             </a:r>
             <a:r>
               <a:rPr lang="en-US" baseline="0" dirty="0" err="1" smtClean="0"/>
-              <a:t>leider</a:t>
-            </a:r>
-            <a:r>
-              <a:rPr lang="en-US" baseline="0" dirty="0" smtClean="0"/>
-              <a:t> </a:t>
-            </a:r>
-            <a:r>
-              <a:rPr lang="en-US" baseline="0" dirty="0" err="1" smtClean="0"/>
-              <a:t>krankheitsbedingt</a:t>
+              <a:t>versprochen</a:t>
+            </a:r>
+            <a:r>
+              <a:rPr lang="en-US" baseline="0" dirty="0" smtClean="0"/>
+              <a:t> </a:t>
+            </a:r>
+            <a:r>
+              <a:rPr lang="en-US" baseline="0" dirty="0" err="1" smtClean="0"/>
+              <a:t>haben</a:t>
+            </a:r>
+            <a:r>
+              <a:rPr lang="en-US" baseline="0" dirty="0" smtClean="0"/>
+              <a:t> und </a:t>
+            </a:r>
+            <a:r>
+              <a:rPr lang="en-US" baseline="0" dirty="0" err="1" smtClean="0"/>
+              <a:t>wie</a:t>
+            </a:r>
+            <a:r>
+              <a:rPr lang="en-US" baseline="0" dirty="0" smtClean="0"/>
+              <a:t> </a:t>
+            </a:r>
+            <a:r>
+              <a:rPr lang="en-US" baseline="0" dirty="0" err="1" smtClean="0"/>
+              <a:t>weit</a:t>
+            </a:r>
+            <a:r>
+              <a:rPr lang="en-US" baseline="0" dirty="0" smtClean="0"/>
+              <a:t> </a:t>
+            </a:r>
+            <a:r>
+              <a:rPr lang="en-US" baseline="0" dirty="0" err="1" smtClean="0"/>
+              <a:t>wir</a:t>
+            </a:r>
+            <a:r>
+              <a:rPr lang="en-US" baseline="0" dirty="0" smtClean="0"/>
+              <a:t> </a:t>
+            </a:r>
+            <a:r>
+              <a:rPr lang="en-US" baseline="0" dirty="0" err="1" smtClean="0"/>
+              <a:t>tatsaechlich</a:t>
+            </a:r>
+            <a:r>
+              <a:rPr lang="en-US" baseline="0" dirty="0" smtClean="0"/>
+              <a:t> </a:t>
+            </a:r>
+            <a:r>
+              <a:rPr lang="en-US" baseline="0" dirty="0" err="1" smtClean="0"/>
+              <a:t>gekommen</a:t>
+            </a:r>
+            <a:r>
+              <a:rPr lang="en-US" baseline="0" dirty="0" smtClean="0"/>
+              <a:t> </a:t>
+            </a:r>
+            <a:r>
+              <a:rPr lang="en-US" baseline="0" dirty="0" err="1" smtClean="0"/>
+              <a:t>sind</a:t>
+            </a:r>
+            <a:r>
+              <a:rPr lang="en-US" baseline="0" dirty="0" smtClean="0"/>
+              <a:t>. </a:t>
+            </a:r>
+            <a:r>
+              <a:rPr lang="en-US" baseline="0" dirty="0" err="1" smtClean="0"/>
+              <a:t>Danach</a:t>
+            </a:r>
+            <a:r>
+              <a:rPr lang="en-US" baseline="0" dirty="0" smtClean="0"/>
+              <a:t> </a:t>
+            </a:r>
+            <a:r>
+              <a:rPr lang="en-US" baseline="0" dirty="0" err="1" smtClean="0"/>
+              <a:t>kommen</a:t>
+            </a:r>
+            <a:r>
+              <a:rPr lang="en-US" baseline="0" dirty="0" smtClean="0"/>
+              <a:t> </a:t>
+            </a:r>
+            <a:r>
+              <a:rPr lang="en-US" baseline="0" dirty="0" err="1" smtClean="0"/>
+              <a:t>wir</a:t>
             </a:r>
             <a:r>
               <a:rPr lang="en-US" baseline="0" dirty="0" smtClean="0"/>
@@ -711,35 +901,59 @@
             </a:r>
             <a:r>
               <a:rPr lang="en-US" baseline="0" dirty="0" smtClean="0"/>
-              <a:t> </a:t>
-            </a:r>
-            <a:r>
-              <a:rPr lang="en-US" baseline="0" dirty="0" err="1" smtClean="0"/>
-              <a:t>Hause</a:t>
-            </a:r>
-            <a:r>
-              <a:rPr lang="en-US" baseline="0" dirty="0" smtClean="0"/>
-              <a:t> </a:t>
-            </a:r>
-            <a:r>
-              <a:rPr lang="en-US" baseline="0" dirty="0" err="1" smtClean="0"/>
-              <a:t>bleiben</a:t>
-            </a:r>
-            <a:r>
-              <a:rPr lang="en-US" baseline="0" dirty="0" smtClean="0"/>
-              <a:t> </a:t>
-            </a:r>
-            <a:r>
-              <a:rPr lang="en-US" baseline="0" dirty="0" err="1" smtClean="0"/>
-              <a:t>mussten</a:t>
-            </a:r>
-            <a:r>
-              <a:rPr lang="en-US" baseline="0" dirty="0" smtClean="0"/>
-              <a:t>. </a:t>
-            </a:r>
-            <a:r>
-              <a:rPr lang="en-US" baseline="0" dirty="0" err="1" smtClean="0"/>
-              <a:t>Weiters</a:t>
+              <a:t> den </a:t>
+            </a:r>
+            <a:r>
+              <a:rPr lang="en-US" baseline="0" dirty="0" err="1" smtClean="0"/>
+              <a:t>Zielen</a:t>
+            </a:r>
+            <a:r>
+              <a:rPr lang="en-US" baseline="0" dirty="0" smtClean="0"/>
+              <a:t> die </a:t>
+            </a:r>
+            <a:r>
+              <a:rPr lang="en-US" baseline="0" dirty="0" err="1" smtClean="0"/>
+              <a:t>wir</a:t>
+            </a:r>
+            <a:r>
+              <a:rPr lang="en-US" baseline="0" dirty="0" smtClean="0"/>
+              <a:t> </a:t>
+            </a:r>
+            <a:r>
+              <a:rPr lang="en-US" baseline="0" dirty="0" err="1" smtClean="0"/>
+              <a:t>uns</a:t>
+            </a:r>
+            <a:r>
+              <a:rPr lang="en-US" baseline="0" dirty="0" smtClean="0"/>
+              <a:t> </a:t>
+            </a:r>
+            <a:r>
+              <a:rPr lang="en-US" baseline="0" dirty="0" err="1" smtClean="0"/>
+              <a:t>bis</a:t>
+            </a:r>
+            <a:r>
+              <a:rPr lang="en-US" baseline="0" dirty="0" smtClean="0"/>
+              <a:t> </a:t>
+            </a:r>
+            <a:r>
+              <a:rPr lang="en-US" baseline="0" dirty="0" err="1" smtClean="0"/>
+              <a:t>zum</a:t>
+            </a:r>
+            <a:r>
+              <a:rPr lang="en-US" baseline="0" dirty="0" smtClean="0"/>
+              <a:t> </a:t>
+            </a:r>
+            <a:r>
+              <a:rPr lang="en-US" baseline="0" dirty="0" err="1" smtClean="0"/>
+              <a:t>Goldmaster</a:t>
+            </a:r>
+            <a:r>
+              <a:rPr lang="en-US" baseline="0" dirty="0" smtClean="0"/>
+              <a:t> </a:t>
+            </a:r>
+            <a:r>
+              <a:rPr lang="en-US" baseline="0" dirty="0" err="1" smtClean="0"/>
+              <a:t>gesetzt</a:t>
             </a:r>
             <a:r>
               <a:rPr lang="en-US" baseline="0" dirty="0" smtClean="0"/>
@@ -751,6 +965,22 @@
             </a:r>
             <a:r>
               <a:rPr lang="en-US" baseline="0" dirty="0" smtClean="0"/>
+              <a:t> und </a:t>
+            </a:r>
+            <a:r>
+              <a:rPr lang="en-US" baseline="0" dirty="0" err="1" smtClean="0"/>
+              <a:t>dann</a:t>
+            </a:r>
+            <a:r>
+              <a:rPr lang="en-US" baseline="0" dirty="0" smtClean="0"/>
+              <a:t> </a:t>
+            </a:r>
+            <a:r>
+              <a:rPr lang="en-US" baseline="0" dirty="0" err="1" smtClean="0"/>
+              <a:t>zeigen</a:t>
+            </a:r>
+            <a:r>
+              <a:rPr lang="en-US" baseline="0" dirty="0" smtClean="0"/>
               <a:t> </a:t>
             </a:r>
             <a:r>
@@ -763,538 +993,31 @@
             </a:r>
             <a:r>
               <a:rPr lang="en-US" baseline="0" dirty="0" err="1" smtClean="0"/>
-              <a:t>noch</a:t>
-            </a:r>
-            <a:r>
-              <a:rPr lang="en-US" baseline="0" dirty="0" smtClean="0"/>
-              <a:t> </a:t>
-            </a:r>
-            <a:r>
-              <a:rPr lang="en-US" baseline="0" dirty="0" err="1" smtClean="0"/>
-              <a:t>unseren</a:t>
-            </a:r>
-            <a:r>
-              <a:rPr lang="en-US" baseline="0" dirty="0" smtClean="0"/>
-              <a:t> Game Designer Tobias, </a:t>
-            </a:r>
-            <a:r>
-              <a:rPr lang="en-US" baseline="0" dirty="0" err="1" smtClean="0"/>
-              <a:t>Artjom</a:t>
-            </a:r>
-            <a:r>
-              <a:rPr lang="en-US" baseline="0" dirty="0" smtClean="0"/>
-              <a:t> </a:t>
-            </a:r>
-            <a:r>
-              <a:rPr lang="en-US" baseline="0" dirty="0" err="1" smtClean="0"/>
-              <a:t>als</a:t>
-            </a:r>
-            <a:r>
-              <a:rPr lang="en-US" baseline="0" dirty="0" smtClean="0"/>
-              <a:t> </a:t>
-            </a:r>
-            <a:r>
-              <a:rPr lang="en-US" baseline="0" dirty="0" err="1" smtClean="0"/>
-              <a:t>Programmierer</a:t>
-            </a:r>
-            <a:r>
-              <a:rPr lang="en-US" baseline="0" dirty="0" smtClean="0"/>
-              <a:t> und </a:t>
-            </a:r>
-            <a:r>
-              <a:rPr lang="en-US" baseline="0" dirty="0" err="1" smtClean="0"/>
-              <a:t>schliesslich</a:t>
-            </a:r>
-            <a:r>
-              <a:rPr lang="en-US" baseline="0" dirty="0" smtClean="0"/>
-              <a:t> </a:t>
-            </a:r>
-            <a:r>
-              <a:rPr lang="en-US" baseline="0" dirty="0" err="1" smtClean="0"/>
-              <a:t>noch</a:t>
-            </a:r>
-            <a:r>
-              <a:rPr lang="en-US" baseline="0" dirty="0" smtClean="0"/>
-              <a:t> </a:t>
-            </a:r>
-            <a:r>
-              <a:rPr lang="en-US" baseline="0" dirty="0" err="1" smtClean="0"/>
-              <a:t>mich</a:t>
-            </a:r>
-            <a:r>
-              <a:rPr lang="en-US" baseline="0" dirty="0" smtClean="0"/>
-              <a:t> </a:t>
-            </a:r>
-            <a:r>
-              <a:rPr lang="en-US" baseline="0" dirty="0" err="1" smtClean="0"/>
-              <a:t>als</a:t>
-            </a:r>
-            <a:r>
-              <a:rPr lang="en-US" baseline="0" dirty="0" smtClean="0"/>
-              <a:t> Producer.</a:t>
-            </a:r>
-            <a:br>
-              <a:rPr lang="en-US" baseline="0" dirty="0" smtClean="0"/>
-            </a:br>
-            <a:r>
-              <a:rPr lang="en-US" dirty="0" err="1" smtClean="0"/>
-              <a:t>Wir</a:t>
-            </a:r>
-            <a:r>
-              <a:rPr lang="en-US" dirty="0" smtClean="0"/>
-              <a:t> </a:t>
-            </a:r>
-            <a:r>
-              <a:rPr lang="en-US" dirty="0" err="1" smtClean="0"/>
-              <a:t>hatten</a:t>
-            </a:r>
-            <a:r>
-              <a:rPr lang="en-US" dirty="0" smtClean="0"/>
-              <a:t> </a:t>
-            </a:r>
-            <a:r>
-              <a:rPr lang="en-US" dirty="0" err="1" smtClean="0"/>
-              <a:t>anfangs</a:t>
-            </a:r>
-            <a:r>
-              <a:rPr lang="en-US" dirty="0" smtClean="0"/>
-              <a:t> </a:t>
-            </a:r>
-            <a:r>
-              <a:rPr lang="en-US" dirty="0" err="1" smtClean="0"/>
-              <a:t>Schwierigkeiten</a:t>
-            </a:r>
-            <a:r>
-              <a:rPr lang="en-US" baseline="0" dirty="0" smtClean="0"/>
-              <a:t> </a:t>
-            </a:r>
-            <a:r>
-              <a:rPr lang="en-US" baseline="0" dirty="0" err="1" smtClean="0"/>
-              <a:t>mit</a:t>
-            </a:r>
-            <a:r>
-              <a:rPr lang="en-US" baseline="0" dirty="0" smtClean="0"/>
-              <a:t> der </a:t>
-            </a:r>
-            <a:r>
-              <a:rPr lang="en-US" baseline="0" dirty="0" err="1" smtClean="0"/>
-              <a:t>Kommunikation</a:t>
-            </a:r>
-            <a:r>
-              <a:rPr lang="en-US" baseline="0" dirty="0" smtClean="0"/>
-              <a:t>, </a:t>
-            </a:r>
-            <a:r>
-              <a:rPr lang="en-US" baseline="0" dirty="0" err="1" smtClean="0"/>
-              <a:t>jedoch</a:t>
-            </a:r>
-            <a:r>
-              <a:rPr lang="en-US" baseline="0" dirty="0" smtClean="0"/>
-              <a:t> </a:t>
-            </a:r>
-            <a:r>
-              <a:rPr lang="en-US" baseline="0" dirty="0" err="1" smtClean="0"/>
-              <a:t>haben</a:t>
-            </a:r>
-            <a:r>
-              <a:rPr lang="en-US" baseline="0" dirty="0" smtClean="0"/>
-              <a:t> </a:t>
-            </a:r>
-            <a:r>
-              <a:rPr lang="en-US" baseline="0" dirty="0" err="1" smtClean="0"/>
-              <a:t>sich</a:t>
-            </a:r>
-            <a:r>
-              <a:rPr lang="en-US" baseline="0" dirty="0" smtClean="0"/>
-              <a:t> </a:t>
-            </a:r>
-            <a:r>
-              <a:rPr lang="en-US" baseline="0" dirty="0" err="1" smtClean="0"/>
-              <a:t>diese</a:t>
-            </a:r>
-            <a:r>
-              <a:rPr lang="en-US" baseline="0" dirty="0" smtClean="0"/>
-              <a:t> </a:t>
-            </a:r>
-            <a:r>
-              <a:rPr lang="en-US" baseline="0" dirty="0" err="1" smtClean="0"/>
-              <a:t>mit</a:t>
-            </a:r>
-            <a:r>
-              <a:rPr lang="en-US" baseline="0" dirty="0" smtClean="0"/>
-              <a:t> </a:t>
-            </a:r>
-            <a:r>
-              <a:rPr lang="en-US" baseline="0" dirty="0" err="1" smtClean="0"/>
-              <a:t>regelmaessigen</a:t>
-            </a:r>
-            <a:r>
-              <a:rPr lang="en-US" baseline="0" dirty="0" smtClean="0"/>
-              <a:t> </a:t>
-            </a:r>
-            <a:r>
-              <a:rPr lang="en-US" baseline="0" dirty="0" err="1" smtClean="0"/>
-              <a:t>Gespraechen</a:t>
-            </a:r>
-            <a:r>
-              <a:rPr lang="en-US" baseline="0" dirty="0" smtClean="0"/>
-              <a:t> </a:t>
-            </a:r>
-            <a:r>
-              <a:rPr lang="en-US" baseline="0" dirty="0" err="1" smtClean="0"/>
-              <a:t>zu</a:t>
-            </a:r>
-            <a:r>
-              <a:rPr lang="en-US" baseline="0" dirty="0" smtClean="0"/>
-              <a:t> ca. 80% </a:t>
-            </a:r>
-            <a:r>
-              <a:rPr lang="en-US" baseline="0" dirty="0" err="1" smtClean="0"/>
-              <a:t>klaeren</a:t>
-            </a:r>
-            <a:r>
-              <a:rPr lang="en-US" baseline="0" dirty="0" smtClean="0"/>
-              <a:t> </a:t>
-            </a:r>
-            <a:r>
-              <a:rPr lang="en-US" baseline="0" dirty="0" err="1" smtClean="0"/>
-              <a:t>lassen</a:t>
-            </a:r>
-            <a:r>
-              <a:rPr lang="en-US" baseline="0" dirty="0" smtClean="0"/>
-              <a:t>. </a:t>
-            </a:r>
-            <a:r>
-              <a:rPr lang="en-US" baseline="0" dirty="0" err="1" smtClean="0"/>
-              <a:t>Weiters</a:t>
-            </a:r>
-            <a:r>
-              <a:rPr lang="en-US" baseline="0" dirty="0" smtClean="0"/>
-              <a:t> </a:t>
-            </a:r>
-            <a:r>
-              <a:rPr lang="en-US" baseline="0" dirty="0" err="1" smtClean="0"/>
-              <a:t>hatten</a:t>
-            </a:r>
-            <a:r>
-              <a:rPr lang="en-US" baseline="0" dirty="0" smtClean="0"/>
-              <a:t> und </a:t>
-            </a:r>
-            <a:r>
-              <a:rPr lang="en-US" baseline="0" dirty="0" err="1" smtClean="0"/>
-              <a:t>haben</a:t>
-            </a:r>
-            <a:r>
-              <a:rPr lang="en-US" baseline="0" dirty="0" smtClean="0"/>
-              <a:t> </a:t>
-            </a:r>
-            <a:r>
-              <a:rPr lang="en-US" baseline="0" dirty="0" err="1" smtClean="0"/>
-              <a:t>wir</a:t>
-            </a:r>
-            <a:r>
-              <a:rPr lang="en-US" baseline="0" dirty="0" smtClean="0"/>
-              <a:t> in </a:t>
-            </a:r>
-            <a:r>
-              <a:rPr lang="en-US" baseline="0" dirty="0" err="1" smtClean="0"/>
-              <a:t>unserem</a:t>
-            </a:r>
-            <a:r>
-              <a:rPr lang="en-US" baseline="0" dirty="0" smtClean="0"/>
-              <a:t> Art-Department </a:t>
-            </a:r>
-            <a:r>
-              <a:rPr lang="en-US" baseline="0" dirty="0" err="1" smtClean="0"/>
-              <a:t>einige</a:t>
-            </a:r>
-            <a:r>
-              <a:rPr lang="en-US" baseline="0" dirty="0" smtClean="0"/>
-              <a:t> </a:t>
-            </a:r>
-            <a:r>
-              <a:rPr lang="en-US" baseline="0" dirty="0" err="1" smtClean="0"/>
-              <a:t>krankheits</a:t>
-            </a:r>
-            <a:r>
-              <a:rPr lang="en-US" baseline="0" dirty="0" smtClean="0"/>
-              <a:t>- und </a:t>
-            </a:r>
-            <a:r>
-              <a:rPr lang="en-US" baseline="0" dirty="0" err="1" smtClean="0"/>
-              <a:t>durch</a:t>
-            </a:r>
-            <a:r>
-              <a:rPr lang="en-US" baseline="0" dirty="0" smtClean="0"/>
-              <a:t> </a:t>
-            </a:r>
-            <a:r>
-              <a:rPr lang="en-US" baseline="0" dirty="0" err="1" smtClean="0"/>
-              <a:t>anderweitige</a:t>
-            </a:r>
-            <a:r>
-              <a:rPr lang="en-US" baseline="0" dirty="0" smtClean="0"/>
-              <a:t> </a:t>
-            </a:r>
-            <a:r>
-              <a:rPr lang="en-US" baseline="0" dirty="0" err="1" smtClean="0"/>
-              <a:t>Arbeit</a:t>
-            </a:r>
-            <a:r>
-              <a:rPr lang="en-US" baseline="0" dirty="0" smtClean="0"/>
-              <a:t> </a:t>
-            </a:r>
-            <a:r>
-              <a:rPr lang="en-US" baseline="0" dirty="0" err="1" smtClean="0"/>
-              <a:t>bedingte</a:t>
-            </a:r>
-            <a:r>
-              <a:rPr lang="en-US" baseline="0" dirty="0" smtClean="0"/>
-              <a:t> </a:t>
-            </a:r>
-            <a:r>
-              <a:rPr lang="en-US" baseline="0" dirty="0" err="1" smtClean="0"/>
-              <a:t>Ausfaelle</a:t>
-            </a:r>
-            <a:r>
-              <a:rPr lang="en-US" baseline="0" dirty="0" smtClean="0"/>
-              <a:t>, </a:t>
-            </a:r>
-            <a:r>
-              <a:rPr lang="en-US" baseline="0" dirty="0" err="1" smtClean="0"/>
-              <a:t>wie</a:t>
-            </a:r>
-            <a:r>
-              <a:rPr lang="en-US" baseline="0" dirty="0" smtClean="0"/>
-              <a:t> </a:t>
-            </a:r>
-            <a:r>
-              <a:rPr lang="en-US" baseline="0" dirty="0" err="1" smtClean="0"/>
-              <a:t>heute</a:t>
-            </a:r>
-            <a:r>
-              <a:rPr lang="en-US" baseline="0" dirty="0" smtClean="0"/>
-              <a:t> </a:t>
-            </a:r>
-            <a:r>
-              <a:rPr lang="en-US" baseline="0" dirty="0" err="1" smtClean="0"/>
-              <a:t>zum</a:t>
-            </a:r>
-            <a:r>
-              <a:rPr lang="en-US" baseline="0" dirty="0" smtClean="0"/>
-              <a:t> </a:t>
-            </a:r>
-            <a:r>
-              <a:rPr lang="en-US" baseline="0" dirty="0" err="1" smtClean="0"/>
-              <a:t>Beispiel</a:t>
-            </a:r>
-            <a:r>
-              <a:rPr lang="en-US" baseline="0" dirty="0" smtClean="0"/>
-              <a:t> von Michelle und Jesse. </a:t>
-            </a:r>
-            <a:r>
-              <a:rPr lang="en-US" baseline="0" dirty="0" err="1" smtClean="0"/>
-              <a:t>Ausserdem</a:t>
-            </a:r>
-            <a:r>
-              <a:rPr lang="en-US" baseline="0" dirty="0" smtClean="0"/>
-              <a:t> </a:t>
-            </a:r>
-            <a:r>
-              <a:rPr lang="en-US" baseline="0" dirty="0" err="1" smtClean="0"/>
-              <a:t>wird</a:t>
-            </a:r>
-            <a:r>
-              <a:rPr lang="en-US" baseline="0" dirty="0" smtClean="0"/>
-              <a:t> </a:t>
-            </a:r>
-            <a:r>
-              <a:rPr lang="en-US" baseline="0" dirty="0" err="1" smtClean="0"/>
-              <a:t>unsere</a:t>
-            </a:r>
-            <a:r>
-              <a:rPr lang="en-US" baseline="0" dirty="0" smtClean="0"/>
-              <a:t> </a:t>
-            </a:r>
-            <a:r>
-              <a:rPr lang="en-US" baseline="0" dirty="0" err="1" smtClean="0"/>
-              <a:t>Animatorin</a:t>
-            </a:r>
-            <a:r>
-              <a:rPr lang="en-US" baseline="0" dirty="0" smtClean="0"/>
-              <a:t> </a:t>
-            </a:r>
-            <a:r>
-              <a:rPr lang="en-US" baseline="0" dirty="0" err="1" smtClean="0"/>
-              <a:t>Michi</a:t>
-            </a:r>
-            <a:r>
-              <a:rPr lang="en-US" baseline="0" dirty="0" smtClean="0"/>
-              <a:t> </a:t>
-            </a:r>
-            <a:r>
-              <a:rPr lang="en-US" baseline="0" dirty="0" err="1" smtClean="0"/>
-              <a:t>noch</a:t>
-            </a:r>
-            <a:r>
-              <a:rPr lang="en-US" baseline="0" dirty="0" smtClean="0"/>
-              <a:t> </a:t>
-            </a:r>
-            <a:r>
-              <a:rPr lang="en-US" baseline="0" dirty="0" err="1" smtClean="0"/>
-              <a:t>fuer</a:t>
-            </a:r>
-            <a:r>
-              <a:rPr lang="en-US" baseline="0" dirty="0" smtClean="0"/>
-              <a:t> </a:t>
-            </a:r>
-            <a:r>
-              <a:rPr lang="en-US" baseline="0" dirty="0" err="1" smtClean="0"/>
-              <a:t>weitere</a:t>
-            </a:r>
-            <a:r>
-              <a:rPr lang="en-US" baseline="0" dirty="0" smtClean="0"/>
-              <a:t> 3 </a:t>
-            </a:r>
-            <a:r>
-              <a:rPr lang="en-US" baseline="0" dirty="0" err="1" smtClean="0"/>
-              <a:t>Wochen</a:t>
-            </a:r>
-            <a:r>
-              <a:rPr lang="en-US" baseline="0" dirty="0" smtClean="0"/>
-              <a:t> von Metric Minds </a:t>
-            </a:r>
-            <a:r>
-              <a:rPr lang="en-US" baseline="0" dirty="0" err="1" smtClean="0"/>
-              <a:t>beanschlagt</a:t>
-            </a:r>
-            <a:r>
-              <a:rPr lang="en-US" baseline="0" dirty="0" smtClean="0"/>
-              <a:t>. </a:t>
-            </a:r>
-            <a:r>
-              <a:rPr lang="en-US" baseline="0" dirty="0" err="1" smtClean="0"/>
-              <a:t>Diese</a:t>
-            </a:r>
-            <a:r>
-              <a:rPr lang="en-US" baseline="0" dirty="0" smtClean="0"/>
-              <a:t> </a:t>
-            </a:r>
-            <a:r>
-              <a:rPr lang="en-US" baseline="0" dirty="0" err="1" smtClean="0"/>
-              <a:t>Ausfaelle</a:t>
-            </a:r>
-            <a:r>
-              <a:rPr lang="en-US" baseline="0" dirty="0" smtClean="0"/>
-              <a:t> </a:t>
-            </a:r>
-            <a:r>
-              <a:rPr lang="en-US" baseline="0" dirty="0" err="1" smtClean="0"/>
-              <a:t>halten</a:t>
-            </a:r>
-            <a:r>
-              <a:rPr lang="en-US" baseline="0" dirty="0" smtClean="0"/>
-              <a:t> </a:t>
-            </a:r>
-            <a:r>
-              <a:rPr lang="en-US" baseline="0" dirty="0" err="1" smtClean="0"/>
-              <a:t>sich</a:t>
-            </a:r>
-            <a:r>
-              <a:rPr lang="en-US" baseline="0" dirty="0" smtClean="0"/>
-              <a:t>  </a:t>
-            </a:r>
-            <a:r>
-              <a:rPr lang="en-US" baseline="0" dirty="0" err="1" smtClean="0"/>
-              <a:t>aber</a:t>
-            </a:r>
-            <a:r>
-              <a:rPr lang="en-US" baseline="0" dirty="0" smtClean="0"/>
-              <a:t> </a:t>
-            </a:r>
-            <a:r>
-              <a:rPr lang="en-US" baseline="0" dirty="0" err="1" smtClean="0"/>
-              <a:t>bisher</a:t>
-            </a:r>
-            <a:r>
-              <a:rPr lang="en-US" baseline="0" dirty="0" smtClean="0"/>
-              <a:t> </a:t>
-            </a:r>
-            <a:r>
-              <a:rPr lang="en-US" baseline="0" dirty="0" err="1" smtClean="0"/>
-              <a:t>noch</a:t>
-            </a:r>
-            <a:r>
-              <a:rPr lang="en-US" baseline="0" dirty="0" smtClean="0"/>
-              <a:t> in </a:t>
-            </a:r>
-            <a:r>
-              <a:rPr lang="en-US" baseline="0" dirty="0" err="1" smtClean="0"/>
-              <a:t>einem</a:t>
-            </a:r>
-            <a:r>
-              <a:rPr lang="en-US" baseline="0" dirty="0" smtClean="0"/>
-              <a:t> </a:t>
-            </a:r>
-            <a:r>
-              <a:rPr lang="en-US" baseline="0" dirty="0" err="1" smtClean="0"/>
-              <a:t>zuvor</a:t>
-            </a:r>
-            <a:r>
-              <a:rPr lang="en-US" baseline="0" dirty="0" smtClean="0"/>
-              <a:t> </a:t>
-            </a:r>
-            <a:r>
-              <a:rPr lang="en-US" baseline="0" dirty="0" err="1" smtClean="0"/>
-              <a:t>miteingerechneten</a:t>
-            </a:r>
-            <a:r>
-              <a:rPr lang="en-US" baseline="0" dirty="0" smtClean="0"/>
-              <a:t> </a:t>
-            </a:r>
-            <a:r>
-              <a:rPr lang="en-US" baseline="0" dirty="0" err="1" smtClean="0"/>
-              <a:t>Rahmen</a:t>
-            </a:r>
-            <a:r>
-              <a:rPr lang="en-US" baseline="0" dirty="0" smtClean="0"/>
-              <a:t> und </a:t>
-            </a:r>
-            <a:r>
-              <a:rPr lang="en-US" baseline="0" dirty="0" err="1" smtClean="0"/>
-              <a:t>sollten</a:t>
-            </a:r>
-            <a:r>
-              <a:rPr lang="en-US" baseline="0" dirty="0" smtClean="0"/>
-              <a:t> </a:t>
-            </a:r>
-            <a:r>
-              <a:rPr lang="en-US" baseline="0" dirty="0" err="1" smtClean="0"/>
-              <a:t>somit</a:t>
-            </a:r>
-            <a:r>
-              <a:rPr lang="en-US" baseline="0" dirty="0" smtClean="0"/>
-              <a:t> </a:t>
-            </a:r>
-            <a:r>
-              <a:rPr lang="en-US" baseline="0" dirty="0" err="1" smtClean="0"/>
-              <a:t>keine</a:t>
-            </a:r>
-            <a:r>
-              <a:rPr lang="en-US" baseline="0" dirty="0" smtClean="0"/>
-              <a:t> </a:t>
-            </a:r>
-            <a:r>
-              <a:rPr lang="en-US" baseline="0" dirty="0" err="1" smtClean="0"/>
-              <a:t>allzu</a:t>
-            </a:r>
-            <a:r>
-              <a:rPr lang="en-US" baseline="0" dirty="0" smtClean="0"/>
-              <a:t> negative </a:t>
-            </a:r>
-            <a:r>
-              <a:rPr lang="en-US" baseline="0" dirty="0" err="1" smtClean="0"/>
-              <a:t>Auswirkungen</a:t>
+              <a:t>euch</a:t>
+            </a:r>
+            <a:r>
+              <a:rPr lang="en-US" baseline="0" dirty="0" smtClean="0"/>
+              <a:t> </a:t>
+            </a:r>
+            <a:r>
+              <a:rPr lang="en-US" baseline="0" dirty="0" err="1" smtClean="0"/>
+              <a:t>auch</a:t>
+            </a:r>
+            <a:r>
+              <a:rPr lang="en-US" baseline="0" dirty="0" smtClean="0"/>
+              <a:t> </a:t>
+            </a:r>
+            <a:r>
+              <a:rPr lang="en-US" baseline="0" dirty="0" err="1" smtClean="0"/>
+              <a:t>schhon</a:t>
+            </a:r>
+            <a:r>
+              <a:rPr lang="en-US" baseline="0" dirty="0" smtClean="0"/>
+              <a:t> direct das Spiel </a:t>
+            </a:r>
+            <a:r>
+              <a:rPr lang="en-US" baseline="0" dirty="0" err="1" smtClean="0"/>
+              <a:t>selbst</a:t>
             </a:r>
             <a:r>
               <a:rPr lang="en-US" baseline="0" dirty="0" smtClean="0"/>
@@ -1302,134 +1025,19 @@
             </a:r>
             <a:r>
               <a:rPr lang="en-US" baseline="0" dirty="0" err="1" smtClean="0"/>
-              <a:t>unsere</a:t>
-            </a:r>
-            <a:r>
-              <a:rPr lang="en-US" baseline="0" dirty="0" smtClean="0"/>
-              <a:t> </a:t>
-            </a:r>
-            <a:r>
-              <a:rPr lang="en-US" baseline="0" dirty="0" err="1" smtClean="0"/>
-              <a:t>Produktion</a:t>
-            </a:r>
-            <a:r>
-              <a:rPr lang="en-US" baseline="0" dirty="0" smtClean="0"/>
-              <a:t> </a:t>
-            </a:r>
-            <a:r>
-              <a:rPr lang="en-US" baseline="0" dirty="0" err="1" smtClean="0"/>
-              <a:t>haben</a:t>
-            </a:r>
-            <a:r>
-              <a:rPr lang="en-US" baseline="0" dirty="0" smtClean="0"/>
-              <a:t>. </a:t>
-            </a:r>
-            <a:br>
-              <a:rPr lang="en-US" baseline="0" dirty="0" smtClean="0"/>
-            </a:br>
-            <a:r>
-              <a:rPr lang="en-US" baseline="0" dirty="0" err="1" smtClean="0"/>
-              <a:t>Damit</a:t>
-            </a:r>
-            <a:r>
-              <a:rPr lang="en-US" baseline="0" dirty="0" smtClean="0"/>
-              <a:t> </a:t>
-            </a:r>
-            <a:r>
-              <a:rPr lang="en-US" baseline="0" dirty="0" err="1" smtClean="0"/>
-              <a:t>kommen</a:t>
-            </a:r>
-            <a:r>
-              <a:rPr lang="en-US" baseline="0" dirty="0" smtClean="0"/>
-              <a:t> </a:t>
-            </a:r>
-            <a:r>
-              <a:rPr lang="en-US" baseline="0" dirty="0" err="1" smtClean="0"/>
-              <a:t>wir</a:t>
-            </a:r>
-            <a:r>
-              <a:rPr lang="en-US" baseline="0" dirty="0" smtClean="0"/>
-              <a:t> </a:t>
-            </a:r>
-            <a:r>
-              <a:rPr lang="en-US" baseline="0" dirty="0" err="1" smtClean="0"/>
-              <a:t>dann</a:t>
-            </a:r>
-            <a:r>
-              <a:rPr lang="en-US" baseline="0" dirty="0" smtClean="0"/>
-              <a:t> </a:t>
-            </a:r>
-            <a:r>
-              <a:rPr lang="en-US" baseline="0" dirty="0" err="1" smtClean="0"/>
-              <a:t>auch</a:t>
-            </a:r>
-            <a:r>
-              <a:rPr lang="en-US" baseline="0" dirty="0" smtClean="0"/>
-              <a:t> direct </a:t>
-            </a:r>
-            <a:r>
-              <a:rPr lang="en-US" baseline="0" dirty="0" err="1" smtClean="0"/>
-              <a:t>zu</a:t>
-            </a:r>
-            <a:r>
-              <a:rPr lang="en-US" baseline="0" dirty="0" smtClean="0"/>
-              <a:t> </a:t>
-            </a:r>
-            <a:r>
-              <a:rPr lang="en-US" baseline="0" dirty="0" err="1" smtClean="0"/>
-              <a:t>unseren</a:t>
-            </a:r>
-            <a:r>
-              <a:rPr lang="en-US" baseline="0" dirty="0" smtClean="0"/>
-              <a:t> </a:t>
-            </a:r>
-            <a:r>
-              <a:rPr lang="en-US" baseline="0" dirty="0" err="1" smtClean="0"/>
-              <a:t>Zielen</a:t>
-            </a:r>
-            <a:r>
-              <a:rPr lang="en-US" baseline="0" dirty="0" smtClean="0"/>
-              <a:t>, die </a:t>
-            </a:r>
-            <a:r>
-              <a:rPr lang="en-US" baseline="0" dirty="0" err="1" smtClean="0"/>
-              <a:t>wir</a:t>
-            </a:r>
-            <a:r>
-              <a:rPr lang="en-US" baseline="0" dirty="0" smtClean="0"/>
-              <a:t> </a:t>
-            </a:r>
-            <a:r>
-              <a:rPr lang="en-US" baseline="0" dirty="0" err="1" smtClean="0"/>
-              <a:t>uns</a:t>
-            </a:r>
-            <a:r>
-              <a:rPr lang="en-US" baseline="0" dirty="0" smtClean="0"/>
-              <a:t> </a:t>
-            </a:r>
-            <a:r>
-              <a:rPr lang="en-US" baseline="0" dirty="0" err="1" smtClean="0"/>
-              <a:t>fuer</a:t>
-            </a:r>
-            <a:r>
-              <a:rPr lang="en-US" baseline="0" dirty="0" smtClean="0"/>
-              <a:t> gate 1 </a:t>
-            </a:r>
-            <a:r>
-              <a:rPr lang="en-US" baseline="0" dirty="0" err="1" smtClean="0"/>
-              <a:t>gesaetzt</a:t>
-            </a:r>
-            <a:r>
-              <a:rPr lang="en-US" baseline="0" dirty="0" smtClean="0"/>
-              <a:t> </a:t>
-            </a:r>
-            <a:r>
-              <a:rPr lang="en-US" baseline="0" dirty="0" err="1" smtClean="0"/>
-              <a:t>hatten</a:t>
-            </a:r>
-            <a:r>
-              <a:rPr lang="en-US" baseline="0" dirty="0" smtClean="0"/>
-              <a:t>.</a:t>
+              <a:t>dem</a:t>
+            </a:r>
+            <a:r>
+              <a:rPr lang="en-US" baseline="0" dirty="0" smtClean="0"/>
+              <a:t> </a:t>
+            </a:r>
+            <a:r>
+              <a:rPr lang="en-US" baseline="0" dirty="0" err="1" smtClean="0"/>
+              <a:t>jetzigen</a:t>
+            </a:r>
+            <a:r>
+              <a:rPr lang="en-US" baseline="0" dirty="0" smtClean="0"/>
+              <a:t> Stand. </a:t>
             </a:r>
             <a:endParaRPr lang="de-DE" dirty="0"/>
           </a:p>
@@ -1516,40 +1124,52 @@
           <a:lstStyle/>
           <a:p>
             <a:r>
-              <a:rPr lang="en-US" dirty="0" err="1" smtClean="0"/>
-              <a:t>Zuerst</a:t>
-            </a:r>
-            <a:r>
-              <a:rPr lang="en-US" dirty="0" smtClean="0"/>
-              <a:t> </a:t>
-            </a:r>
-            <a:r>
-              <a:rPr lang="en-US" dirty="0" err="1" smtClean="0"/>
-              <a:t>allerdings</a:t>
-            </a:r>
-            <a:r>
-              <a:rPr lang="en-US" dirty="0" smtClean="0"/>
-              <a:t> </a:t>
-            </a:r>
-            <a:r>
-              <a:rPr lang="en-US" dirty="0" err="1" smtClean="0"/>
+              <a:rPr lang="en-US" baseline="0" dirty="0" err="1" smtClean="0"/>
+              <a:t>Wie</a:t>
+            </a:r>
+            <a:r>
+              <a:rPr lang="en-US" baseline="0" dirty="0" smtClean="0"/>
+              <a:t> </a:t>
+            </a:r>
+            <a:r>
+              <a:rPr lang="en-US" baseline="0" dirty="0" err="1" smtClean="0"/>
+              <a:t>gerade</a:t>
+            </a:r>
+            <a:r>
+              <a:rPr lang="en-US" baseline="0" dirty="0" smtClean="0"/>
+              <a:t> </a:t>
+            </a:r>
+            <a:r>
+              <a:rPr lang="en-US" baseline="0" dirty="0" err="1" smtClean="0"/>
+              <a:t>versprochen</a:t>
+            </a:r>
+            <a:r>
+              <a:rPr lang="en-US" baseline="0" dirty="0" smtClean="0"/>
+              <a:t>, </a:t>
+            </a:r>
+            <a:r>
+              <a:rPr lang="en-US" baseline="0" dirty="0" err="1" smtClean="0"/>
+              <a:t>zuerst</a:t>
+            </a:r>
+            <a:r>
+              <a:rPr lang="en-US" baseline="0" dirty="0" smtClean="0"/>
+              <a:t> </a:t>
+            </a:r>
+            <a:r>
+              <a:rPr lang="en-US" baseline="0" dirty="0" err="1" smtClean="0"/>
               <a:t>ein</a:t>
             </a:r>
             <a:r>
-              <a:rPr lang="en-US" dirty="0" smtClean="0"/>
-              <a:t> </a:t>
-            </a:r>
-            <a:r>
-              <a:rPr lang="en-US" dirty="0" err="1" smtClean="0"/>
+              <a:rPr lang="en-US" baseline="0" dirty="0" smtClean="0"/>
+              <a:t> </a:t>
+            </a:r>
+            <a:r>
+              <a:rPr lang="en-US" baseline="0" dirty="0" err="1" smtClean="0"/>
               <a:t>kleines</a:t>
             </a:r>
             <a:r>
-              <a:rPr lang="en-US" dirty="0" smtClean="0"/>
-              <a:t> Review.</a:t>
-            </a:r>
-            <a:r>
-              <a:rPr lang="en-US" baseline="0" dirty="0" smtClean="0"/>
-              <a:t>  Voodoo </a:t>
+              <a:rPr lang="en-US" baseline="0" dirty="0" smtClean="0"/>
+              <a:t> Review. Doll 13 </a:t>
             </a:r>
             <a:r>
               <a:rPr lang="en-US" baseline="0" dirty="0" err="1" smtClean="0"/>
@@ -1565,7 +1185,35 @@
             </a:r>
             <a:r>
               <a:rPr lang="en-US" baseline="0" dirty="0" smtClean="0"/>
-              <a:t> 3D platformer </a:t>
+              <a:t> 3D </a:t>
+            </a:r>
+            <a:r>
+              <a:rPr lang="en-US" baseline="0" dirty="0" smtClean="0"/>
+              <a:t>puzzle-adventure </a:t>
+            </a:r>
+            <a:r>
+              <a:rPr lang="en-US" baseline="0" dirty="0" err="1" smtClean="0"/>
+              <a:t>mit</a:t>
+            </a:r>
+            <a:r>
+              <a:rPr lang="en-US" baseline="0" dirty="0" smtClean="0"/>
+              <a:t> </a:t>
+            </a:r>
+            <a:r>
+              <a:rPr lang="en-US" baseline="0" dirty="0" err="1" smtClean="0"/>
+              <a:t>einigen</a:t>
+            </a:r>
+            <a:r>
+              <a:rPr lang="en-US" baseline="0" dirty="0" smtClean="0"/>
+              <a:t> Stealth-</a:t>
+            </a:r>
+            <a:r>
+              <a:rPr lang="en-US" baseline="0" dirty="0" err="1" smtClean="0"/>
+              <a:t>Elementen</a:t>
+            </a:r>
+            <a:r>
+              <a:rPr lang="en-US" baseline="0" dirty="0" smtClean="0"/>
+              <a:t> </a:t>
             </a:r>
             <a:r>
               <a:rPr lang="en-US" baseline="0" dirty="0" err="1" smtClean="0"/>
@@ -1589,7 +1237,95 @@
             </a:r>
             <a:r>
               <a:rPr lang="en-US" baseline="0" dirty="0" smtClean="0"/>
-              <a:t> </a:t>
+              <a:t>. </a:t>
+            </a:r>
+            <a:r>
+              <a:rPr lang="en-US" baseline="0" dirty="0" err="1" smtClean="0"/>
+              <a:t>Es</a:t>
+            </a:r>
+            <a:r>
+              <a:rPr lang="en-US" baseline="0" dirty="0" smtClean="0"/>
+              <a:t> </a:t>
+            </a:r>
+            <a:r>
+              <a:rPr lang="en-US" baseline="0" dirty="0" err="1" smtClean="0"/>
+              <a:t>ist</a:t>
+            </a:r>
+            <a:r>
+              <a:rPr lang="en-US" baseline="0" dirty="0" smtClean="0"/>
+              <a:t> </a:t>
+            </a:r>
+            <a:r>
+              <a:rPr lang="en-US" baseline="0" dirty="0" err="1" smtClean="0"/>
+              <a:t>ein</a:t>
+            </a:r>
+            <a:r>
+              <a:rPr lang="en-US" baseline="0" dirty="0" smtClean="0"/>
+              <a:t> </a:t>
+            </a:r>
+            <a:r>
+              <a:rPr lang="en-US" baseline="0" dirty="0" err="1" smtClean="0"/>
+              <a:t>Singelplayer</a:t>
+            </a:r>
+            <a:r>
+              <a:rPr lang="en-US" baseline="0" dirty="0" smtClean="0"/>
+              <a:t>-Spiel </a:t>
+            </a:r>
+            <a:r>
+              <a:rPr lang="en-US" baseline="0" dirty="0" err="1" smtClean="0"/>
+              <a:t>fuer</a:t>
+            </a:r>
+            <a:r>
+              <a:rPr lang="en-US" baseline="0" dirty="0" smtClean="0"/>
+              <a:t> den PC, in </a:t>
+            </a:r>
+            <a:r>
+              <a:rPr lang="en-US" baseline="0" dirty="0" err="1" smtClean="0"/>
+              <a:t>dem</a:t>
+            </a:r>
+            <a:r>
+              <a:rPr lang="en-US" baseline="0" dirty="0" smtClean="0"/>
+              <a:t> man </a:t>
+            </a:r>
+            <a:r>
+              <a:rPr lang="en-US" baseline="0" dirty="0" err="1" smtClean="0"/>
+              <a:t>eine</a:t>
+            </a:r>
+            <a:r>
+              <a:rPr lang="en-US" baseline="0" dirty="0" smtClean="0"/>
+              <a:t> </a:t>
+            </a:r>
+            <a:r>
+              <a:rPr lang="en-US" baseline="0" dirty="0" err="1" smtClean="0"/>
+              <a:t>kleine</a:t>
+            </a:r>
+            <a:r>
+              <a:rPr lang="en-US" baseline="0" dirty="0" smtClean="0"/>
+              <a:t> Voodoo-</a:t>
+            </a:r>
+            <a:r>
+              <a:rPr lang="en-US" baseline="0" dirty="0" err="1" smtClean="0"/>
+              <a:t>Puppe</a:t>
+            </a:r>
+            <a:r>
+              <a:rPr lang="en-US" baseline="0" dirty="0" smtClean="0"/>
+              <a:t> </a:t>
+            </a:r>
+            <a:r>
+              <a:rPr lang="en-US" baseline="0" dirty="0" err="1" smtClean="0"/>
+              <a:t>spielt</a:t>
+            </a:r>
+            <a:r>
+              <a:rPr lang="en-US" baseline="0" dirty="0" smtClean="0"/>
+              <a:t>, die </a:t>
+            </a:r>
+            <a:r>
+              <a:rPr lang="en-US" baseline="0" dirty="0" err="1" smtClean="0"/>
+              <a:t>versucht</a:t>
+            </a:r>
+            <a:r>
+              <a:rPr lang="en-US" baseline="0" dirty="0" smtClean="0"/>
+              <a:t>, </a:t>
             </a:r>
             <a:r>
               <a:rPr lang="en-US" baseline="0" dirty="0" err="1" smtClean="0"/>
@@ -1601,31 +1337,79 @@
             </a:r>
             <a:r>
               <a:rPr lang="en-US" baseline="0" dirty="0" err="1" smtClean="0"/>
-              <a:t>einigen</a:t>
-            </a:r>
-            <a:r>
-              <a:rPr lang="en-US" baseline="0" dirty="0" smtClean="0"/>
-              <a:t> Stealth und Puzzle-</a:t>
-            </a:r>
-            <a:r>
-              <a:rPr lang="en-US" baseline="0" dirty="0" err="1" smtClean="0"/>
-              <a:t>Elementen</a:t>
-            </a:r>
-            <a:r>
-              <a:rPr lang="en-US" baseline="0" dirty="0" smtClean="0"/>
-              <a:t>. </a:t>
-            </a:r>
-            <a:r>
-              <a:rPr lang="en-US" baseline="0" dirty="0" err="1" smtClean="0"/>
-              <a:t>Es</a:t>
-            </a:r>
-            <a:r>
-              <a:rPr lang="en-US" baseline="0" dirty="0" smtClean="0"/>
-              <a:t> </a:t>
-            </a:r>
-            <a:r>
-              <a:rPr lang="en-US" baseline="0" dirty="0" err="1" smtClean="0"/>
-              <a:t>handelt</a:t>
+              <a:t>Hilfe</a:t>
+            </a:r>
+            <a:r>
+              <a:rPr lang="en-US" baseline="0" dirty="0" smtClean="0"/>
+              <a:t> von Voodoo-</a:t>
+            </a:r>
+            <a:r>
+              <a:rPr lang="en-US" baseline="0" dirty="0" err="1" smtClean="0"/>
+              <a:t>Kaeften</a:t>
+            </a:r>
+            <a:r>
+              <a:rPr lang="en-US" baseline="0" dirty="0" smtClean="0"/>
+              <a:t>,  </a:t>
+            </a:r>
+            <a:r>
+              <a:rPr lang="en-US" baseline="0" dirty="0" err="1" smtClean="0"/>
+              <a:t>aus</a:t>
+            </a:r>
+            <a:r>
+              <a:rPr lang="en-US" baseline="0" dirty="0" smtClean="0"/>
+              <a:t> </a:t>
+            </a:r>
+            <a:r>
+              <a:rPr lang="en-US" baseline="0" dirty="0" err="1" smtClean="0"/>
+              <a:t>dem</a:t>
+            </a:r>
+            <a:r>
+              <a:rPr lang="en-US" baseline="0" dirty="0" smtClean="0"/>
+              <a:t> Keller </a:t>
+            </a:r>
+            <a:r>
+              <a:rPr lang="en-US" baseline="0" dirty="0" err="1" smtClean="0"/>
+              <a:t>einer</a:t>
+            </a:r>
+            <a:r>
+              <a:rPr lang="en-US" baseline="0" dirty="0" smtClean="0"/>
+              <a:t> </a:t>
+            </a:r>
+            <a:r>
+              <a:rPr lang="en-US" baseline="0" dirty="0" err="1" smtClean="0"/>
+              <a:t>Geheimgesellschaft</a:t>
+            </a:r>
+            <a:r>
+              <a:rPr lang="en-US" baseline="0" dirty="0" smtClean="0"/>
+              <a:t> </a:t>
+            </a:r>
+            <a:r>
+              <a:rPr lang="en-US" baseline="0" dirty="0" err="1" smtClean="0"/>
+              <a:t>zu</a:t>
+            </a:r>
+            <a:r>
+              <a:rPr lang="en-US" baseline="0" dirty="0" smtClean="0"/>
+              <a:t> </a:t>
+            </a:r>
+            <a:r>
+              <a:rPr lang="en-US" baseline="0" dirty="0" err="1" smtClean="0"/>
+              <a:t>entkommen</a:t>
+            </a:r>
+            <a:r>
+              <a:rPr lang="en-US" baseline="0" dirty="0" smtClean="0"/>
+              <a:t>. Das </a:t>
+            </a:r>
+            <a:r>
+              <a:rPr lang="en-US" baseline="0" dirty="0" err="1" smtClean="0"/>
+              <a:t>Ganze</a:t>
+            </a:r>
+            <a:r>
+              <a:rPr lang="en-US" baseline="0" dirty="0" smtClean="0"/>
+              <a:t> </a:t>
+            </a:r>
+            <a:r>
+              <a:rPr lang="en-US" baseline="0" dirty="0" err="1" smtClean="0"/>
+              <a:t>ereignet</a:t>
             </a:r>
             <a:r>
               <a:rPr lang="en-US" baseline="0" dirty="0" smtClean="0"/>
@@ -1637,23 +1421,126 @@
             </a:r>
             <a:r>
               <a:rPr lang="en-US" baseline="0" dirty="0" smtClean="0"/>
-              <a:t> um </a:t>
-            </a:r>
-            <a:r>
-              <a:rPr lang="en-US" baseline="0" dirty="0" err="1" smtClean="0"/>
-              <a:t>ein</a:t>
-            </a:r>
-            <a:r>
-              <a:rPr lang="en-US" baseline="0" dirty="0" smtClean="0"/>
-              <a:t> </a:t>
-            </a:r>
-            <a:r>
-              <a:rPr lang="en-US" baseline="0" dirty="0" err="1" smtClean="0"/>
-              <a:t>Singelplayer</a:t>
-            </a:r>
-            <a:r>
-              <a:rPr lang="en-US" baseline="0" dirty="0" smtClean="0"/>
-              <a:t>-Spiel, welches </a:t>
+              <a:t> in den 1950ern und </a:t>
+            </a:r>
+            <a:r>
+              <a:rPr lang="en-US" baseline="0" dirty="0" err="1" smtClean="0"/>
+              <a:t>unser</a:t>
+            </a:r>
+            <a:r>
+              <a:rPr lang="en-US" baseline="0" dirty="0" smtClean="0"/>
+              <a:t> </a:t>
+            </a:r>
+            <a:r>
+              <a:rPr lang="en-US" baseline="0" dirty="0" err="1" smtClean="0"/>
+              <a:t>Ziel</a:t>
+            </a:r>
+            <a:r>
+              <a:rPr lang="en-US" baseline="0" dirty="0" smtClean="0"/>
+              <a:t> </a:t>
+            </a:r>
+            <a:r>
+              <a:rPr lang="en-US" baseline="0" dirty="0" err="1" smtClean="0"/>
+              <a:t>ist</a:t>
+            </a:r>
+            <a:r>
+              <a:rPr lang="en-US" baseline="0" dirty="0" smtClean="0"/>
+              <a:t> </a:t>
+            </a:r>
+            <a:r>
+              <a:rPr lang="en-US" baseline="0" dirty="0" err="1" smtClean="0"/>
+              <a:t>es</a:t>
+            </a:r>
+            <a:r>
+              <a:rPr lang="en-US" baseline="0" dirty="0" smtClean="0"/>
+              <a:t> </a:t>
+            </a:r>
+            <a:r>
+              <a:rPr lang="en-US" baseline="0" dirty="0" err="1" smtClean="0"/>
+              <a:t>mit</a:t>
+            </a:r>
+            <a:r>
+              <a:rPr lang="en-US" baseline="0" dirty="0" smtClean="0"/>
+              <a:t> </a:t>
+            </a:r>
+            <a:r>
+              <a:rPr lang="en-US" baseline="0" dirty="0" err="1" smtClean="0"/>
+              <a:t>Hilfe</a:t>
+            </a:r>
+            <a:r>
+              <a:rPr lang="en-US" baseline="0" dirty="0" smtClean="0"/>
+              <a:t> von Environmental Storytelling den </a:t>
+            </a:r>
+            <a:r>
+              <a:rPr lang="en-US" baseline="0" dirty="0" err="1" smtClean="0"/>
+              <a:t>Spieler</a:t>
+            </a:r>
+            <a:r>
+              <a:rPr lang="en-US" baseline="0" dirty="0" smtClean="0"/>
+              <a:t> die </a:t>
+            </a:r>
+            <a:r>
+              <a:rPr lang="en-US" baseline="0" dirty="0" err="1" smtClean="0"/>
+              <a:t>Hintergrundgeschichte</a:t>
+            </a:r>
+            <a:r>
+              <a:rPr lang="en-US" baseline="0" dirty="0" smtClean="0"/>
+              <a:t> </a:t>
+            </a:r>
+            <a:r>
+              <a:rPr lang="en-US" baseline="0" dirty="0" err="1" smtClean="0"/>
+              <a:t>waehrend</a:t>
+            </a:r>
+            <a:r>
+              <a:rPr lang="en-US" baseline="0" dirty="0" smtClean="0"/>
+              <a:t> des Spiels </a:t>
+            </a:r>
+            <a:r>
+              <a:rPr lang="en-US" baseline="0" dirty="0" err="1" smtClean="0"/>
+              <a:t>entdecken</a:t>
+            </a:r>
+            <a:r>
+              <a:rPr lang="en-US" baseline="0" dirty="0" smtClean="0"/>
+              <a:t> </a:t>
+            </a:r>
+            <a:r>
+              <a:rPr lang="en-US" baseline="0" dirty="0" err="1" smtClean="0"/>
+              <a:t>zu</a:t>
+            </a:r>
+            <a:r>
+              <a:rPr lang="en-US" baseline="0" dirty="0" smtClean="0"/>
+              <a:t> </a:t>
+            </a:r>
+            <a:r>
+              <a:rPr lang="en-US" baseline="0" dirty="0" err="1" smtClean="0"/>
+              <a:t>lassen</a:t>
+            </a:r>
+            <a:r>
+              <a:rPr lang="en-US" baseline="0" dirty="0" smtClean="0"/>
+              <a:t>.</a:t>
+            </a:r>
+            <a:br>
+              <a:rPr lang="en-US" baseline="0" dirty="0" smtClean="0"/>
+            </a:br>
+            <a:r>
+              <a:rPr lang="en-US" baseline="0" dirty="0" smtClean="0"/>
+              <a:t>So </a:t>
+            </a:r>
+            <a:r>
+              <a:rPr lang="en-US" baseline="0" dirty="0" err="1" smtClean="0"/>
+              <a:t>weit</a:t>
+            </a:r>
+            <a:r>
+              <a:rPr lang="en-US" baseline="0" dirty="0" smtClean="0"/>
+              <a:t>, so gut, </a:t>
+            </a:r>
+            <a:r>
+              <a:rPr lang="en-US" baseline="0" dirty="0" err="1" smtClean="0"/>
+              <a:t>kommen</a:t>
+            </a:r>
+            <a:r>
+              <a:rPr lang="en-US" baseline="0" dirty="0" smtClean="0"/>
+              <a:t> </a:t>
             </a:r>
             <a:r>
               <a:rPr lang="en-US" baseline="0" dirty="0" err="1" smtClean="0"/>
@@ -1661,19 +1548,59 @@
             </a:r>
             <a:r>
               <a:rPr lang="en-US" baseline="0" dirty="0" smtClean="0"/>
-              <a:t> in Unity </a:t>
-            </a:r>
-            <a:r>
-              <a:rPr lang="en-US" baseline="0" dirty="0" err="1" smtClean="0"/>
-              <a:t>fuer</a:t>
-            </a:r>
-            <a:r>
-              <a:rPr lang="en-US" baseline="0" dirty="0" smtClean="0"/>
-              <a:t> den PC </a:t>
-            </a:r>
-            <a:r>
-              <a:rPr lang="en-US" baseline="0" dirty="0" err="1" smtClean="0"/>
-              <a:t>erstellt</a:t>
+              <a:t> nun </a:t>
+            </a:r>
+            <a:r>
+              <a:rPr lang="en-US" baseline="0" dirty="0" err="1" smtClean="0"/>
+              <a:t>zu</a:t>
+            </a:r>
+            <a:r>
+              <a:rPr lang="en-US" baseline="0" dirty="0" smtClean="0"/>
+              <a:t> </a:t>
+            </a:r>
+            <a:r>
+              <a:rPr lang="en-US" baseline="0" dirty="0" err="1" smtClean="0"/>
+              <a:t>dem</a:t>
+            </a:r>
+            <a:r>
+              <a:rPr lang="en-US" baseline="0" dirty="0" smtClean="0"/>
+              <a:t>, was </a:t>
+            </a:r>
+            <a:r>
+              <a:rPr lang="en-US" baseline="0" dirty="0" err="1" smtClean="0"/>
+              <a:t>wir</a:t>
+            </a:r>
+            <a:r>
+              <a:rPr lang="en-US" baseline="0" dirty="0" smtClean="0"/>
+              <a:t> </a:t>
+            </a:r>
+            <a:r>
+              <a:rPr lang="en-US" baseline="0" dirty="0" err="1" smtClean="0"/>
+              <a:t>euch</a:t>
+            </a:r>
+            <a:r>
+              <a:rPr lang="en-US" baseline="0" dirty="0" smtClean="0"/>
+              <a:t> </a:t>
+            </a:r>
+            <a:r>
+              <a:rPr lang="en-US" baseline="0" dirty="0" err="1" smtClean="0"/>
+              <a:t>bis</a:t>
+            </a:r>
+            <a:r>
+              <a:rPr lang="en-US" baseline="0" dirty="0" smtClean="0"/>
+              <a:t> </a:t>
+            </a:r>
+            <a:r>
+              <a:rPr lang="en-US" baseline="0" dirty="0" err="1" smtClean="0"/>
+              <a:t>heute</a:t>
+            </a:r>
+            <a:r>
+              <a:rPr lang="en-US" baseline="0" dirty="0" smtClean="0"/>
+              <a:t> </a:t>
+            </a:r>
+            <a:r>
+              <a:rPr lang="en-US" baseline="0" dirty="0" err="1" smtClean="0"/>
+              <a:t>versprochen</a:t>
             </a:r>
             <a:r>
               <a:rPr lang="en-US" baseline="0" dirty="0" smtClean="0"/>
@@ -1685,7 +1612,7 @@
             </a:r>
             <a:r>
               <a:rPr lang="en-US" baseline="0" dirty="0" smtClean="0"/>
-              <a:t>. </a:t>
+              <a:t>:</a:t>
             </a:r>
             <a:endParaRPr lang="de-DE" dirty="0"/>
           </a:p>
@@ -1781,11 +1708,35 @@
             </a:r>
             <a:r>
               <a:rPr lang="en-US" dirty="0" err="1" smtClean="0"/>
-              <a:t>hatten</a:t>
+              <a:t>haben</a:t>
             </a:r>
             <a:r>
               <a:rPr lang="en-US" dirty="0" smtClean="0"/>
               <a:t> </a:t>
+            </a:r>
+            <a:r>
+              <a:rPr lang="en-US" dirty="0" err="1" smtClean="0"/>
+              <a:t>euch</a:t>
+            </a:r>
+            <a:r>
+              <a:rPr lang="en-US" dirty="0" smtClean="0"/>
+              <a:t> </a:t>
+            </a:r>
+            <a:r>
+              <a:rPr lang="en-US" dirty="0" err="1" smtClean="0"/>
+              <a:t>ein</a:t>
+            </a:r>
+            <a:r>
+              <a:rPr lang="en-US" dirty="0" smtClean="0"/>
+              <a:t> </a:t>
+            </a:r>
+            <a:r>
+              <a:rPr lang="en-US" dirty="0" err="1" smtClean="0"/>
+              <a:t>zweites</a:t>
+            </a:r>
+            <a:r>
+              <a:rPr lang="en-US" dirty="0" smtClean="0"/>
+              <a:t> Level, das Labor, </a:t>
             </a:r>
             <a:r>
               <a:rPr lang="en-US" dirty="0" err="1" smtClean="0"/>
@@ -1793,6 +1744,22 @@
             </a:r>
             <a:r>
               <a:rPr lang="en-US" dirty="0" smtClean="0"/>
+              <a:t> und dieses warden </a:t>
+            </a:r>
+            <a:r>
+              <a:rPr lang="en-US" dirty="0" err="1" smtClean="0"/>
+              <a:t>wir</a:t>
+            </a:r>
+            <a:r>
+              <a:rPr lang="en-US" dirty="0" smtClean="0"/>
+              <a:t> </a:t>
+            </a:r>
+            <a:r>
+              <a:rPr lang="en-US" dirty="0" err="1" smtClean="0"/>
+              <a:t>euch</a:t>
+            </a:r>
+            <a:r>
+              <a:rPr lang="en-US" dirty="0" smtClean="0"/>
               <a:t> </a:t>
             </a:r>
             <a:r>
@@ -1805,7 +1772,7 @@
             </a:r>
             <a:r>
               <a:rPr lang="en-US" dirty="0" err="1" smtClean="0"/>
-              <a:t>einen</a:t>
+              <a:t>auch</a:t>
             </a:r>
             <a:r>
               <a:rPr lang="en-US" dirty="0" smtClean="0"/>
@@ -1813,7 +1780,7 @@
             </a:r>
             <a:r>
               <a:rPr lang="en-US" dirty="0" err="1" smtClean="0"/>
-              <a:t>spielbaren</a:t>
+              <a:t>zeigen</a:t>
             </a:r>
             <a:r>
               <a:rPr lang="en-US" dirty="0" smtClean="0"/>
@@ -1821,15 +1788,47 @@
             </a:r>
             <a:r>
               <a:rPr lang="en-US" dirty="0" err="1" smtClean="0"/>
-              <a:t>Prototypen</a:t>
+              <a:t>koennen</a:t>
             </a:r>
             <a:r>
               <a:rPr lang="en-US" dirty="0" smtClean="0"/>
-              <a:t> </a:t>
+              <a:t>. </a:t>
             </a:r>
             <a:r>
               <a:rPr lang="en-US" dirty="0" err="1" smtClean="0"/>
-              <a:t>vorzustellen</a:t>
+              <a:t>Zudem</a:t>
+            </a:r>
+            <a:r>
+              <a:rPr lang="en-US" dirty="0" smtClean="0"/>
+              <a:t> </a:t>
+            </a:r>
+            <a:r>
+              <a:rPr lang="en-US" dirty="0" err="1" smtClean="0"/>
+              <a:t>haben</a:t>
+            </a:r>
+            <a:r>
+              <a:rPr lang="en-US" dirty="0" smtClean="0"/>
+              <a:t> </a:t>
+            </a:r>
+            <a:r>
+              <a:rPr lang="en-US" dirty="0" err="1" smtClean="0"/>
+              <a:t>wir</a:t>
+            </a:r>
+            <a:r>
+              <a:rPr lang="en-US" dirty="0" smtClean="0"/>
+              <a:t> das </a:t>
+            </a:r>
+            <a:r>
+              <a:rPr lang="en-US" dirty="0" err="1" smtClean="0"/>
+              <a:t>erste</a:t>
+            </a:r>
+            <a:r>
+              <a:rPr lang="en-US" dirty="0" smtClean="0"/>
+              <a:t> Level, das </a:t>
+            </a:r>
+            <a:r>
+              <a:rPr lang="en-US" dirty="0" err="1" smtClean="0"/>
+              <a:t>Buero</a:t>
             </a:r>
             <a:r>
               <a:rPr lang="en-US" dirty="0" smtClean="0"/>
@@ -1837,167 +1836,623 @@
             </a:r>
             <a:r>
               <a:rPr lang="en-US" dirty="0" err="1" smtClean="0"/>
+              <a:t>ebenfalls</a:t>
+            </a:r>
+            <a:r>
+              <a:rPr lang="en-US" baseline="0" dirty="0" smtClean="0"/>
+              <a:t> </a:t>
+            </a:r>
+            <a:r>
+              <a:rPr lang="en-US" baseline="0" dirty="0" err="1" smtClean="0"/>
+              <a:t>eingerichtet</a:t>
+            </a:r>
+            <a:r>
+              <a:rPr lang="en-US" baseline="0" dirty="0" smtClean="0"/>
+              <a:t> und </a:t>
+            </a:r>
+            <a:r>
+              <a:rPr lang="en-US" baseline="0" dirty="0" err="1" smtClean="0"/>
+              <a:t>werden</a:t>
+            </a:r>
+            <a:r>
+              <a:rPr lang="en-US" baseline="0" dirty="0" smtClean="0"/>
+              <a:t> </a:t>
+            </a:r>
+            <a:r>
+              <a:rPr lang="en-US" baseline="0" dirty="0" err="1" smtClean="0"/>
+              <a:t>unser</a:t>
+            </a:r>
+            <a:r>
+              <a:rPr lang="en-US" baseline="0" dirty="0" smtClean="0"/>
+              <a:t> Spiel </a:t>
+            </a:r>
+            <a:r>
+              <a:rPr lang="en-US" baseline="0" dirty="0" err="1" smtClean="0"/>
+              <a:t>heute</a:t>
+            </a:r>
+            <a:r>
+              <a:rPr lang="en-US" baseline="0" dirty="0" smtClean="0"/>
+              <a:t> </a:t>
+            </a:r>
+            <a:r>
+              <a:rPr lang="en-US" baseline="0" dirty="0" err="1" smtClean="0"/>
+              <a:t>auch</a:t>
+            </a:r>
+            <a:r>
+              <a:rPr lang="en-US" baseline="0" dirty="0" smtClean="0"/>
+              <a:t> von </a:t>
+            </a:r>
+            <a:r>
+              <a:rPr lang="en-US" baseline="0" dirty="0" err="1" smtClean="0"/>
+              <a:t>dort</a:t>
+            </a:r>
+            <a:r>
+              <a:rPr lang="en-US" baseline="0" dirty="0" smtClean="0"/>
+              <a:t> </a:t>
+            </a:r>
+            <a:r>
+              <a:rPr lang="en-US" baseline="0" dirty="0" err="1" smtClean="0"/>
+              <a:t>aus</a:t>
+            </a:r>
+            <a:r>
+              <a:rPr lang="en-US" baseline="0" dirty="0" smtClean="0"/>
+              <a:t> </a:t>
+            </a:r>
+            <a:r>
+              <a:rPr lang="en-US" baseline="0" dirty="0" err="1" smtClean="0"/>
+              <a:t>starten</a:t>
+            </a:r>
+            <a:r>
+              <a:rPr lang="en-US" baseline="0" dirty="0" smtClean="0"/>
+              <a:t>, </a:t>
+            </a:r>
+            <a:r>
+              <a:rPr lang="en-US" baseline="0" dirty="0" err="1" smtClean="0"/>
+              <a:t>damit</a:t>
+            </a:r>
+            <a:r>
+              <a:rPr lang="en-US" baseline="0" dirty="0" smtClean="0"/>
+              <a:t> </a:t>
+            </a:r>
+            <a:r>
+              <a:rPr lang="en-US" baseline="0" dirty="0" err="1" smtClean="0"/>
+              <a:t>ihr</a:t>
+            </a:r>
+            <a:r>
+              <a:rPr lang="en-US" baseline="0" dirty="0" smtClean="0"/>
+              <a:t> </a:t>
+            </a:r>
+            <a:r>
+              <a:rPr lang="en-US" baseline="0" dirty="0" err="1" smtClean="0"/>
+              <a:t>ein</a:t>
+            </a:r>
+            <a:r>
+              <a:rPr lang="en-US" baseline="0" dirty="0" smtClean="0"/>
+              <a:t> </a:t>
+            </a:r>
+            <a:r>
+              <a:rPr lang="en-US" baseline="0" dirty="0" err="1" smtClean="0"/>
+              <a:t>wenig</a:t>
+            </a:r>
+            <a:r>
+              <a:rPr lang="en-US" baseline="0" dirty="0" smtClean="0"/>
+              <a:t> </a:t>
+            </a:r>
+            <a:r>
+              <a:rPr lang="en-US" baseline="0" dirty="0" err="1" smtClean="0"/>
+              <a:t>mehr</a:t>
+            </a:r>
+            <a:r>
+              <a:rPr lang="en-US" baseline="0" dirty="0" smtClean="0"/>
+              <a:t> </a:t>
+            </a:r>
+            <a:r>
+              <a:rPr lang="en-US" baseline="0" dirty="0" err="1" smtClean="0"/>
+              <a:t>Einblick</a:t>
+            </a:r>
+            <a:r>
+              <a:rPr lang="en-US" baseline="0" dirty="0" smtClean="0"/>
+              <a:t> </a:t>
+            </a:r>
+            <a:r>
+              <a:rPr lang="en-US" baseline="0" dirty="0" err="1" smtClean="0"/>
+              <a:t>bekommt</a:t>
+            </a:r>
+            <a:r>
+              <a:rPr lang="en-US" baseline="0" dirty="0" smtClean="0"/>
+              <a:t>.</a:t>
+            </a:r>
+            <a:br>
+              <a:rPr lang="en-US" baseline="0" dirty="0" smtClean="0"/>
+            </a:br>
+            <a:r>
+              <a:rPr lang="en-US" baseline="0" dirty="0" err="1" smtClean="0"/>
+              <a:t>Wir</a:t>
+            </a:r>
+            <a:r>
+              <a:rPr lang="en-US" baseline="0" dirty="0" smtClean="0"/>
+              <a:t> </a:t>
+            </a:r>
+            <a:r>
+              <a:rPr lang="en-US" baseline="0" dirty="0" err="1" smtClean="0"/>
+              <a:t>haben</a:t>
+            </a:r>
+            <a:r>
+              <a:rPr lang="en-US" baseline="0" dirty="0" smtClean="0"/>
+              <a:t> </a:t>
+            </a:r>
+            <a:r>
+              <a:rPr lang="en-US" baseline="0" dirty="0" err="1" smtClean="0"/>
+              <a:t>euch</a:t>
+            </a:r>
+            <a:r>
+              <a:rPr lang="en-US" baseline="0" dirty="0" smtClean="0"/>
+              <a:t> </a:t>
+            </a:r>
+            <a:r>
+              <a:rPr lang="en-US" baseline="0" dirty="0" err="1" smtClean="0"/>
+              <a:t>ebenfalls</a:t>
+            </a:r>
+            <a:r>
+              <a:rPr lang="en-US" baseline="0" dirty="0" smtClean="0"/>
+              <a:t> </a:t>
+            </a:r>
+            <a:r>
+              <a:rPr lang="en-US" baseline="0" dirty="0" err="1" smtClean="0"/>
+              <a:t>Texturen</a:t>
+            </a:r>
+            <a:r>
+              <a:rPr lang="en-US" baseline="0" dirty="0" smtClean="0"/>
+              <a:t> und </a:t>
+            </a:r>
+            <a:r>
+              <a:rPr lang="en-US" baseline="0" dirty="0" err="1" smtClean="0"/>
+              <a:t>Animationen</a:t>
+            </a:r>
+            <a:r>
+              <a:rPr lang="en-US" baseline="0" dirty="0" smtClean="0"/>
+              <a:t> </a:t>
+            </a:r>
+            <a:r>
+              <a:rPr lang="en-US" baseline="0" dirty="0" err="1" smtClean="0"/>
+              <a:t>versprochen</a:t>
+            </a:r>
+            <a:r>
+              <a:rPr lang="en-US" baseline="0" dirty="0" smtClean="0"/>
+              <a:t> und </a:t>
+            </a:r>
+            <a:r>
+              <a:rPr lang="en-US" baseline="0" dirty="0" err="1" smtClean="0"/>
+              <a:t>auch</a:t>
+            </a:r>
+            <a:r>
+              <a:rPr lang="en-US" baseline="0" dirty="0" smtClean="0"/>
+              <a:t> das </a:t>
+            </a:r>
+            <a:r>
+              <a:rPr lang="en-US" baseline="0" dirty="0" err="1" smtClean="0"/>
+              <a:t>konnten</a:t>
+            </a:r>
+            <a:r>
+              <a:rPr lang="en-US" baseline="0" dirty="0" smtClean="0"/>
+              <a:t> </a:t>
+            </a:r>
+            <a:r>
+              <a:rPr lang="en-US" baseline="0" dirty="0" err="1" smtClean="0"/>
+              <a:t>wir</a:t>
+            </a:r>
+            <a:r>
+              <a:rPr lang="en-US" baseline="0" dirty="0" smtClean="0"/>
+              <a:t> </a:t>
+            </a:r>
+            <a:r>
+              <a:rPr lang="en-US" baseline="0" dirty="0" err="1" smtClean="0"/>
+              <a:t>wie</a:t>
+            </a:r>
+            <a:r>
+              <a:rPr lang="en-US" baseline="0" dirty="0" smtClean="0"/>
+              <a:t> </a:t>
+            </a:r>
+            <a:r>
+              <a:rPr lang="en-US" baseline="0" dirty="0" err="1" smtClean="0"/>
+              <a:t>geplant</a:t>
+            </a:r>
+            <a:r>
+              <a:rPr lang="en-US" baseline="0" dirty="0" smtClean="0"/>
+              <a:t> </a:t>
+            </a:r>
+            <a:r>
+              <a:rPr lang="en-US" baseline="0" dirty="0" err="1" smtClean="0"/>
+              <a:t>einhalten</a:t>
+            </a:r>
+            <a:r>
+              <a:rPr lang="en-US" baseline="0" dirty="0" smtClean="0"/>
+              <a:t>. </a:t>
+            </a:r>
+            <a:r>
+              <a:rPr lang="en-US" baseline="0" dirty="0" err="1" smtClean="0"/>
+              <a:t>Zusaetzlich</a:t>
+            </a:r>
+            <a:r>
+              <a:rPr lang="en-US" baseline="0" dirty="0" smtClean="0"/>
+              <a:t> </a:t>
+            </a:r>
+            <a:r>
+              <a:rPr lang="en-US" baseline="0" dirty="0" err="1" smtClean="0"/>
+              <a:t>konnten</a:t>
+            </a:r>
+            <a:r>
+              <a:rPr lang="en-US" baseline="0" dirty="0" smtClean="0"/>
+              <a:t> </a:t>
+            </a:r>
+            <a:r>
+              <a:rPr lang="en-US" baseline="0" dirty="0" err="1" smtClean="0"/>
+              <a:t>wir</a:t>
+            </a:r>
+            <a:r>
+              <a:rPr lang="en-US" baseline="0" dirty="0" smtClean="0"/>
+              <a:t> </a:t>
+            </a:r>
+            <a:r>
+              <a:rPr lang="en-US" baseline="0" dirty="0" err="1" smtClean="0"/>
+              <a:t>gluecklicher</a:t>
+            </a:r>
+            <a:r>
+              <a:rPr lang="en-US" baseline="0" dirty="0" smtClean="0"/>
+              <a:t> Weise </a:t>
+            </a:r>
+            <a:r>
+              <a:rPr lang="en-US" baseline="0" dirty="0" err="1" smtClean="0"/>
+              <a:t>einen</a:t>
+            </a:r>
+            <a:r>
+              <a:rPr lang="en-US" baseline="0" dirty="0" smtClean="0"/>
+              <a:t> Sound-Designer von den Abby Roads Studio’s, Elias Knop, </a:t>
+            </a:r>
+            <a:r>
+              <a:rPr lang="en-US" baseline="0" dirty="0" err="1" smtClean="0"/>
+              <a:t>fuer</a:t>
+            </a:r>
+            <a:r>
+              <a:rPr lang="en-US" baseline="0" dirty="0" smtClean="0"/>
+              <a:t> </a:t>
+            </a:r>
+            <a:r>
+              <a:rPr lang="en-US" baseline="0" dirty="0" err="1" smtClean="0"/>
+              <a:t>uns</a:t>
+            </a:r>
+            <a:r>
+              <a:rPr lang="en-US" baseline="0" dirty="0" smtClean="0"/>
+              <a:t> </a:t>
+            </a:r>
+            <a:r>
+              <a:rPr lang="en-US" baseline="0" dirty="0" err="1" smtClean="0"/>
+              <a:t>gewinnen</a:t>
+            </a:r>
+            <a:r>
+              <a:rPr lang="en-US" baseline="0" dirty="0" smtClean="0"/>
+              <a:t> und </a:t>
+            </a:r>
+            <a:r>
+              <a:rPr lang="en-US" baseline="0" dirty="0" err="1" smtClean="0"/>
+              <a:t>somit</a:t>
+            </a:r>
+            <a:r>
+              <a:rPr lang="en-US" baseline="0" dirty="0" smtClean="0"/>
+              <a:t> </a:t>
+            </a:r>
+            <a:r>
+              <a:rPr lang="en-US" baseline="0" dirty="0" err="1" smtClean="0"/>
+              <a:t>koennen</a:t>
+            </a:r>
+            <a:r>
+              <a:rPr lang="en-US" baseline="0" dirty="0" smtClean="0"/>
+              <a:t> </a:t>
+            </a:r>
+            <a:r>
+              <a:rPr lang="en-US" baseline="0" dirty="0" err="1" smtClean="0"/>
+              <a:t>wir</a:t>
+            </a:r>
+            <a:r>
+              <a:rPr lang="en-US" baseline="0" dirty="0" smtClean="0"/>
+              <a:t> </a:t>
+            </a:r>
+            <a:r>
+              <a:rPr lang="en-US" baseline="0" dirty="0" err="1" smtClean="0"/>
+              <a:t>euch</a:t>
+            </a:r>
+            <a:r>
+              <a:rPr lang="en-US" baseline="0" dirty="0" smtClean="0"/>
+              <a:t> </a:t>
+            </a:r>
+            <a:r>
+              <a:rPr lang="en-US" baseline="0" dirty="0" err="1" smtClean="0"/>
+              <a:t>heute</a:t>
+            </a:r>
+            <a:r>
+              <a:rPr lang="en-US" baseline="0" dirty="0" smtClean="0"/>
+              <a:t> </a:t>
+            </a:r>
+            <a:r>
+              <a:rPr lang="en-US" baseline="0" dirty="0" err="1" smtClean="0"/>
+              <a:t>auch</a:t>
+            </a:r>
+            <a:r>
+              <a:rPr lang="en-US" baseline="0" dirty="0" smtClean="0"/>
+              <a:t> </a:t>
+            </a:r>
+            <a:r>
+              <a:rPr lang="en-US" baseline="0" dirty="0" err="1" smtClean="0"/>
+              <a:t>bereits</a:t>
+            </a:r>
+            <a:r>
+              <a:rPr lang="en-US" baseline="0" dirty="0" smtClean="0"/>
+              <a:t> </a:t>
+            </a:r>
+            <a:r>
+              <a:rPr lang="en-US" baseline="0" dirty="0" err="1" smtClean="0"/>
+              <a:t>einige</a:t>
+            </a:r>
+            <a:r>
+              <a:rPr lang="en-US" baseline="0" dirty="0" smtClean="0"/>
+              <a:t> Sounds </a:t>
+            </a:r>
+            <a:r>
+              <a:rPr lang="en-US" baseline="0" dirty="0" err="1" smtClean="0"/>
+              <a:t>im</a:t>
+            </a:r>
+            <a:r>
+              <a:rPr lang="en-US" baseline="0" dirty="0" smtClean="0"/>
+              <a:t> Spiel </a:t>
+            </a:r>
+            <a:r>
+              <a:rPr lang="en-US" baseline="0" dirty="0" err="1" smtClean="0"/>
+              <a:t>praesentieren</a:t>
+            </a:r>
+            <a:r>
+              <a:rPr lang="en-US" baseline="0" dirty="0" smtClean="0"/>
+              <a:t>. </a:t>
+            </a:r>
+            <a:br>
+              <a:rPr lang="en-US" baseline="0" dirty="0" smtClean="0"/>
+            </a:br>
+            <a:r>
+              <a:rPr lang="en-US" baseline="0" dirty="0" err="1" smtClean="0"/>
+              <a:t>Zu</a:t>
+            </a:r>
+            <a:r>
+              <a:rPr lang="en-US" baseline="0" dirty="0" smtClean="0"/>
+              <a:t> </a:t>
+            </a:r>
+            <a:r>
+              <a:rPr lang="en-US" baseline="0" dirty="0" err="1" smtClean="0"/>
+              <a:t>guter</a:t>
+            </a:r>
+            <a:r>
+              <a:rPr lang="en-US" baseline="0" dirty="0" smtClean="0"/>
+              <a:t> </a:t>
+            </a:r>
+            <a:r>
+              <a:rPr lang="en-US" baseline="0" dirty="0" err="1" smtClean="0"/>
+              <a:t>Letzt</a:t>
+            </a:r>
+            <a:r>
+              <a:rPr lang="en-US" baseline="0" dirty="0" smtClean="0"/>
+              <a:t> </a:t>
+            </a:r>
+            <a:r>
+              <a:rPr lang="en-US" baseline="0" dirty="0" err="1" smtClean="0"/>
+              <a:t>haben</a:t>
+            </a:r>
+            <a:r>
+              <a:rPr lang="en-US" baseline="0" dirty="0" smtClean="0"/>
+              <a:t> </a:t>
+            </a:r>
+            <a:r>
+              <a:rPr lang="en-US" baseline="0" dirty="0" err="1" smtClean="0"/>
+              <a:t>wir</a:t>
+            </a:r>
+            <a:r>
+              <a:rPr lang="en-US" baseline="0" dirty="0" smtClean="0"/>
+              <a:t> </a:t>
+            </a:r>
+            <a:r>
+              <a:rPr lang="en-US" baseline="0" dirty="0" err="1" smtClean="0"/>
+              <a:t>angekuendigt</a:t>
+            </a:r>
+            <a:r>
+              <a:rPr lang="en-US" baseline="0" dirty="0" smtClean="0"/>
+              <a:t> </a:t>
+            </a:r>
+            <a:r>
+              <a:rPr lang="en-US" baseline="0" dirty="0" err="1" smtClean="0"/>
+              <a:t>euch</a:t>
+            </a:r>
+            <a:r>
+              <a:rPr lang="en-US" baseline="0" dirty="0" smtClean="0"/>
+              <a:t> die </a:t>
+            </a:r>
+            <a:r>
+              <a:rPr lang="en-US" baseline="0" dirty="0" err="1" smtClean="0"/>
+              <a:t>komplette</a:t>
+            </a:r>
+            <a:r>
+              <a:rPr lang="en-US" baseline="0" dirty="0" smtClean="0"/>
+              <a:t> </a:t>
+            </a:r>
+            <a:r>
+              <a:rPr lang="en-US" baseline="0" dirty="0" err="1" smtClean="0"/>
+              <a:t>zweite</a:t>
+            </a:r>
+            <a:r>
+              <a:rPr lang="en-US" baseline="0" dirty="0" smtClean="0"/>
+              <a:t> </a:t>
+            </a:r>
+            <a:r>
+              <a:rPr lang="en-US" baseline="0" dirty="0" err="1" smtClean="0"/>
+              <a:t>Mechanik</a:t>
+            </a:r>
+            <a:r>
+              <a:rPr lang="en-US" baseline="0" dirty="0" smtClean="0"/>
+              <a:t>: “</a:t>
+            </a:r>
+            <a:r>
+              <a:rPr lang="en-US" baseline="0" dirty="0" err="1" smtClean="0"/>
+              <a:t>Posession</a:t>
+            </a:r>
+            <a:r>
+              <a:rPr lang="en-US" baseline="0" dirty="0" smtClean="0"/>
+              <a:t>” </a:t>
+            </a:r>
+            <a:r>
+              <a:rPr lang="en-US" baseline="0" dirty="0" err="1" smtClean="0"/>
+              <a:t>heute</a:t>
+            </a:r>
+            <a:r>
+              <a:rPr lang="en-US" baseline="0" dirty="0" smtClean="0"/>
+              <a:t> </a:t>
+            </a:r>
+            <a:r>
+              <a:rPr lang="en-US" baseline="0" dirty="0" err="1" smtClean="0"/>
               <a:t>zu</a:t>
             </a:r>
             <a:r>
-              <a:rPr lang="en-US" dirty="0" smtClean="0"/>
-              <a:t> </a:t>
-            </a:r>
-            <a:r>
-              <a:rPr lang="en-US" dirty="0" err="1" smtClean="0"/>
-              <a:t>dem</a:t>
-            </a:r>
-            <a:r>
-              <a:rPr lang="en-US" dirty="0" smtClean="0"/>
-              <a:t> </a:t>
-            </a:r>
-            <a:r>
-              <a:rPr lang="en-US" dirty="0" err="1" smtClean="0"/>
+              <a:rPr lang="en-US" baseline="0" dirty="0" smtClean="0"/>
+              <a:t> </a:t>
+            </a:r>
+            <a:r>
+              <a:rPr lang="en-US" baseline="0" dirty="0" err="1" smtClean="0"/>
+              <a:t>zeigen</a:t>
+            </a:r>
+            <a:r>
+              <a:rPr lang="en-US" baseline="0" dirty="0" smtClean="0"/>
+              <a:t> und </a:t>
+            </a:r>
+            <a:r>
+              <a:rPr lang="en-US" baseline="0" dirty="0" err="1" smtClean="0"/>
+              <a:t>auch</a:t>
+            </a:r>
+            <a:r>
+              <a:rPr lang="en-US" baseline="0" dirty="0" smtClean="0"/>
+              <a:t> das </a:t>
+            </a:r>
+            <a:r>
+              <a:rPr lang="en-US" baseline="0" dirty="0" err="1" smtClean="0"/>
+              <a:t>werden</a:t>
+            </a:r>
+            <a:r>
+              <a:rPr lang="en-US" baseline="0" dirty="0" smtClean="0"/>
+              <a:t> </a:t>
+            </a:r>
+            <a:r>
+              <a:rPr lang="en-US" baseline="0" dirty="0" err="1" smtClean="0"/>
               <a:t>wir</a:t>
             </a:r>
             <a:r>
-              <a:rPr lang="en-US" dirty="0" smtClean="0"/>
-              <a:t> </a:t>
-            </a:r>
-            <a:r>
-              <a:rPr lang="en-US" dirty="0" err="1" smtClean="0"/>
-              <a:t>auch</a:t>
-            </a:r>
-            <a:r>
-              <a:rPr lang="en-US" dirty="0" smtClean="0"/>
-              <a:t> </a:t>
-            </a:r>
-            <a:r>
-              <a:rPr lang="en-US" dirty="0" err="1" smtClean="0"/>
+              <a:rPr lang="en-US" baseline="0" dirty="0" smtClean="0"/>
+              <a:t> </a:t>
+            </a:r>
+            <a:r>
+              <a:rPr lang="en-US" baseline="0" dirty="0" err="1" smtClean="0"/>
+              <a:t>einhalten</a:t>
+            </a:r>
+            <a:r>
+              <a:rPr lang="en-US" baseline="0" dirty="0" smtClean="0"/>
+              <a:t>.</a:t>
+            </a:r>
+            <a:br>
+              <a:rPr lang="en-US" baseline="0" dirty="0" smtClean="0"/>
+            </a:br>
+            <a:r>
+              <a:rPr lang="en-US" baseline="0" dirty="0" smtClean="0"/>
+              <a:t/>
+            </a:r>
+            <a:br>
+              <a:rPr lang="en-US" baseline="0" dirty="0" smtClean="0"/>
+            </a:br>
+            <a:r>
+              <a:rPr lang="en-US" baseline="0" dirty="0" smtClean="0"/>
+              <a:t>Bevor </a:t>
+            </a:r>
+            <a:r>
+              <a:rPr lang="en-US" baseline="0" dirty="0" err="1" smtClean="0"/>
+              <a:t>wir</a:t>
+            </a:r>
+            <a:r>
+              <a:rPr lang="en-US" baseline="0" dirty="0" smtClean="0"/>
+              <a:t> </a:t>
+            </a:r>
+            <a:r>
+              <a:rPr lang="en-US" baseline="0" dirty="0" err="1" smtClean="0"/>
+              <a:t>euch</a:t>
+            </a:r>
+            <a:r>
+              <a:rPr lang="en-US" baseline="0" dirty="0" smtClean="0"/>
+              <a:t> </a:t>
+            </a:r>
+            <a:r>
+              <a:rPr lang="en-US" baseline="0" dirty="0" err="1" smtClean="0"/>
               <a:t>gleich</a:t>
             </a:r>
             <a:r>
-              <a:rPr lang="en-US" dirty="0" smtClean="0"/>
-              <a:t> </a:t>
-            </a:r>
-            <a:r>
-              <a:rPr lang="en-US" dirty="0" err="1" smtClean="0"/>
+              <a:rPr lang="en-US" baseline="0" dirty="0" smtClean="0"/>
+              <a:t> das Spiel </a:t>
+            </a:r>
+            <a:r>
+              <a:rPr lang="en-US" baseline="0" dirty="0" err="1" smtClean="0"/>
+              <a:t>zeigen</a:t>
+            </a:r>
+            <a:r>
+              <a:rPr lang="en-US" baseline="0" dirty="0" smtClean="0"/>
+              <a:t>, </a:t>
+            </a:r>
+            <a:r>
+              <a:rPr lang="en-US" baseline="0" dirty="0" err="1" smtClean="0"/>
               <a:t>kommen</a:t>
             </a:r>
             <a:r>
-              <a:rPr lang="en-US" dirty="0" smtClean="0"/>
-              <a:t>. </a:t>
-            </a:r>
-            <a:r>
-              <a:rPr lang="en-US" dirty="0" err="1" smtClean="0"/>
-              <a:t>Ausserdem</a:t>
-            </a:r>
-            <a:r>
-              <a:rPr lang="en-US" dirty="0" smtClean="0"/>
-              <a:t> </a:t>
-            </a:r>
-            <a:r>
-              <a:rPr lang="en-US" dirty="0" err="1" smtClean="0"/>
-              <a:t>zeigen</a:t>
-            </a:r>
-            <a:r>
-              <a:rPr lang="en-US" dirty="0" smtClean="0"/>
-              <a:t> </a:t>
-            </a:r>
-            <a:r>
-              <a:rPr lang="en-US" dirty="0" err="1" smtClean="0"/>
+              <a:rPr lang="en-US" baseline="0" dirty="0" smtClean="0"/>
+              <a:t> </a:t>
+            </a:r>
+            <a:r>
+              <a:rPr lang="en-US" baseline="0" dirty="0" err="1" smtClean="0"/>
               <a:t>wir</a:t>
             </a:r>
             <a:r>
-              <a:rPr lang="en-US" dirty="0" smtClean="0"/>
-              <a:t> </a:t>
-            </a:r>
-            <a:r>
-              <a:rPr lang="en-US" dirty="0" err="1" smtClean="0"/>
-              <a:t>euch</a:t>
-            </a:r>
-            <a:r>
-              <a:rPr lang="en-US" dirty="0" smtClean="0"/>
-              <a:t> </a:t>
-            </a:r>
-            <a:r>
-              <a:rPr lang="en-US" dirty="0" err="1" smtClean="0"/>
-              <a:t>unseren</a:t>
-            </a:r>
-            <a:r>
-              <a:rPr lang="en-US" dirty="0" smtClean="0"/>
-              <a:t> </a:t>
-            </a:r>
-            <a:r>
-              <a:rPr lang="en-US" dirty="0" err="1" smtClean="0"/>
-              <a:t>bereits</a:t>
-            </a:r>
-            <a:r>
-              <a:rPr lang="en-US" dirty="0" smtClean="0"/>
-              <a:t> </a:t>
-            </a:r>
-            <a:r>
-              <a:rPr lang="en-US" dirty="0" err="1" smtClean="0"/>
-              <a:t>texturierten</a:t>
-            </a:r>
-            <a:r>
-              <a:rPr lang="en-US" dirty="0" smtClean="0"/>
-              <a:t> </a:t>
-            </a:r>
-            <a:r>
-              <a:rPr lang="en-US" dirty="0" err="1" smtClean="0"/>
-              <a:t>Hauptcharakter</a:t>
-            </a:r>
-            <a:r>
-              <a:rPr lang="en-US" dirty="0" smtClean="0"/>
-              <a:t>,</a:t>
-            </a:r>
-            <a:r>
-              <a:rPr lang="en-US" baseline="0" dirty="0" smtClean="0"/>
-              <a:t> </a:t>
-            </a:r>
-            <a:r>
-              <a:rPr lang="en-US" baseline="0" dirty="0" err="1" smtClean="0"/>
-              <a:t>sowie</a:t>
-            </a:r>
-            <a:r>
-              <a:rPr lang="en-US" baseline="0" dirty="0" smtClean="0"/>
-              <a:t> </a:t>
-            </a:r>
-            <a:r>
-              <a:rPr lang="en-US" baseline="0" dirty="0" err="1" smtClean="0"/>
-              <a:t>unsere</a:t>
-            </a:r>
-            <a:r>
-              <a:rPr lang="en-US" baseline="0" dirty="0" smtClean="0"/>
-              <a:t> </a:t>
-            </a:r>
-            <a:r>
-              <a:rPr lang="en-US" baseline="0" dirty="0" err="1" smtClean="0"/>
-              <a:t>erste</a:t>
-            </a:r>
-            <a:r>
-              <a:rPr lang="en-US" baseline="0" dirty="0" smtClean="0"/>
-              <a:t> </a:t>
-            </a:r>
-            <a:r>
-              <a:rPr lang="en-US" baseline="0" dirty="0" err="1" smtClean="0"/>
-              <a:t>Mechanik</a:t>
-            </a:r>
-            <a:r>
-              <a:rPr lang="en-US" baseline="0" dirty="0" smtClean="0"/>
-              <a:t>: Clairvoyance. Am </a:t>
-            </a:r>
-            <a:r>
-              <a:rPr lang="en-US" baseline="0" dirty="0" err="1" smtClean="0"/>
-              <a:t>besten</a:t>
-            </a:r>
-            <a:r>
-              <a:rPr lang="en-US" baseline="0" dirty="0" smtClean="0"/>
-              <a:t> </a:t>
-            </a:r>
-            <a:r>
-              <a:rPr lang="en-US" baseline="0" dirty="0" err="1" smtClean="0"/>
-              <a:t>sehen</a:t>
-            </a:r>
-            <a:r>
-              <a:rPr lang="en-US" baseline="0" dirty="0" smtClean="0"/>
-              <a:t> </a:t>
+              <a:rPr lang="en-US" baseline="0" dirty="0" smtClean="0"/>
+              <a:t> </a:t>
+            </a:r>
+            <a:r>
+              <a:rPr lang="en-US" baseline="0" dirty="0" err="1" smtClean="0"/>
+              <a:t>noch</a:t>
+            </a:r>
+            <a:r>
+              <a:rPr lang="en-US" baseline="0" dirty="0" smtClean="0"/>
+              <a:t> </a:t>
+            </a:r>
+            <a:r>
+              <a:rPr lang="en-US" baseline="0" dirty="0" err="1" smtClean="0"/>
+              <a:t>kurz</a:t>
+            </a:r>
+            <a:r>
+              <a:rPr lang="en-US" baseline="0" dirty="0" smtClean="0"/>
+              <a:t> </a:t>
+            </a:r>
+            <a:r>
+              <a:rPr lang="en-US" baseline="0" dirty="0" err="1" smtClean="0"/>
+              <a:t>zu</a:t>
+            </a:r>
+            <a:r>
+              <a:rPr lang="en-US" baseline="0" dirty="0" smtClean="0"/>
+              <a:t> den </a:t>
+            </a:r>
+            <a:r>
+              <a:rPr lang="en-US" baseline="0" dirty="0" err="1" smtClean="0"/>
+              <a:t>Zielen</a:t>
+            </a:r>
+            <a:r>
+              <a:rPr lang="en-US" baseline="0" dirty="0" smtClean="0"/>
+              <a:t>, die </a:t>
             </a:r>
             <a:r>
               <a:rPr lang="en-US" baseline="0" dirty="0" err="1" smtClean="0"/>
@@ -2013,15 +2468,47 @@
             </a:r>
             <a:r>
               <a:rPr lang="en-US" baseline="0" dirty="0" smtClean="0"/>
-              <a:t> das Spiel direct </a:t>
-            </a:r>
-            <a:r>
-              <a:rPr lang="en-US" baseline="0" dirty="0" err="1" smtClean="0"/>
-              <a:t>einmal</a:t>
-            </a:r>
-            <a:r>
-              <a:rPr lang="en-US" baseline="0" dirty="0" smtClean="0"/>
-              <a:t> an. </a:t>
+              <a:t> </a:t>
+            </a:r>
+            <a:r>
+              <a:rPr lang="en-US" baseline="0" dirty="0" err="1" smtClean="0"/>
+              <a:t>bis</a:t>
+            </a:r>
+            <a:r>
+              <a:rPr lang="en-US" baseline="0" dirty="0" smtClean="0"/>
+              <a:t> </a:t>
+            </a:r>
+            <a:r>
+              <a:rPr lang="en-US" baseline="0" dirty="0" err="1" smtClean="0"/>
+              <a:t>zum</a:t>
+            </a:r>
+            <a:r>
+              <a:rPr lang="en-US" baseline="0" dirty="0" smtClean="0"/>
+              <a:t> </a:t>
+            </a:r>
+            <a:r>
+              <a:rPr lang="en-US" baseline="0" dirty="0" err="1" smtClean="0"/>
+              <a:t>Goldmaster</a:t>
+            </a:r>
+            <a:r>
+              <a:rPr lang="en-US" baseline="0" dirty="0" smtClean="0"/>
+              <a:t> </a:t>
+            </a:r>
+            <a:r>
+              <a:rPr lang="en-US" baseline="0" dirty="0" err="1" smtClean="0"/>
+              <a:t>gesetzt</a:t>
+            </a:r>
+            <a:r>
+              <a:rPr lang="en-US" baseline="0" dirty="0" smtClean="0"/>
+              <a:t> </a:t>
+            </a:r>
+            <a:r>
+              <a:rPr lang="en-US" baseline="0" dirty="0" err="1" smtClean="0"/>
+              <a:t>haben</a:t>
+            </a:r>
+            <a:r>
+              <a:rPr lang="en-US" baseline="0" dirty="0" smtClean="0"/>
+              <a:t>.</a:t>
             </a:r>
             <a:endParaRPr lang="de-DE" dirty="0"/>
           </a:p>
@@ -2109,43 +2596,366 @@
           <a:p>
             <a:r>
               <a:rPr lang="en-US" dirty="0" err="1" smtClean="0"/>
-              <a:t>Fuer</a:t>
-            </a:r>
-            <a:r>
-              <a:rPr lang="en-US" dirty="0" smtClean="0"/>
-              <a:t> Gate 2 </a:t>
-            </a:r>
-            <a:r>
-              <a:rPr lang="en-US" dirty="0" err="1" smtClean="0"/>
+              <a:t>Zu</a:t>
+            </a:r>
+            <a:r>
+              <a:rPr lang="en-US" baseline="0" dirty="0" smtClean="0"/>
+              <a:t> Gate 3 </a:t>
+            </a:r>
+            <a:r>
+              <a:rPr lang="en-US" baseline="0" dirty="0" err="1" smtClean="0"/>
               <a:t>werden</a:t>
             </a:r>
             <a:r>
-              <a:rPr lang="en-US" dirty="0" smtClean="0"/>
-              <a:t> </a:t>
-            </a:r>
-            <a:r>
-              <a:rPr lang="en-US" dirty="0" err="1" smtClean="0"/>
+              <a:rPr lang="en-US" baseline="0" dirty="0" smtClean="0"/>
+              <a:t> </a:t>
+            </a:r>
+            <a:r>
+              <a:rPr lang="en-US" baseline="0" dirty="0" err="1" smtClean="0"/>
               <a:t>wir</a:t>
             </a:r>
             <a:r>
-              <a:rPr lang="en-US" dirty="0" smtClean="0"/>
-              <a:t> </a:t>
-            </a:r>
-            <a:r>
-              <a:rPr lang="en-US" dirty="0" err="1" smtClean="0"/>
+              <a:rPr lang="en-US" baseline="0" dirty="0" smtClean="0"/>
+              <a:t> </a:t>
+            </a:r>
+            <a:r>
+              <a:rPr lang="en-US" baseline="0" dirty="0" err="1" smtClean="0"/>
+              <a:t>euch</a:t>
+            </a:r>
+            <a:r>
+              <a:rPr lang="en-US" baseline="0" dirty="0" smtClean="0"/>
+              <a:t> das </a:t>
+            </a:r>
+            <a:r>
+              <a:rPr lang="en-US" baseline="0" dirty="0" err="1" smtClean="0"/>
+              <a:t>fertig</a:t>
+            </a:r>
+            <a:r>
+              <a:rPr lang="en-US" baseline="0" dirty="0" smtClean="0"/>
+              <a:t> </a:t>
+            </a:r>
+            <a:r>
+              <a:rPr lang="en-US" baseline="0" dirty="0" err="1" smtClean="0"/>
+              <a:t>gepolishte</a:t>
+            </a:r>
+            <a:r>
+              <a:rPr lang="en-US" baseline="0" dirty="0" smtClean="0"/>
+              <a:t> Spiel </a:t>
+            </a:r>
+            <a:r>
+              <a:rPr lang="en-US" baseline="0" dirty="0" err="1" smtClean="0"/>
+              <a:t>zeigen</a:t>
+            </a:r>
+            <a:r>
+              <a:rPr lang="en-US" baseline="0" dirty="0" smtClean="0"/>
+              <a:t>. Das </a:t>
+            </a:r>
+            <a:r>
+              <a:rPr lang="en-US" baseline="0" dirty="0" err="1" smtClean="0"/>
+              <a:t>bedeutet</a:t>
+            </a:r>
+            <a:r>
+              <a:rPr lang="en-US" baseline="0" dirty="0" smtClean="0"/>
+              <a:t>, </a:t>
+            </a:r>
+            <a:r>
+              <a:rPr lang="en-US" baseline="0" dirty="0" err="1" smtClean="0"/>
+              <a:t>dass</a:t>
+            </a:r>
+            <a:r>
+              <a:rPr lang="en-US" baseline="0" dirty="0" smtClean="0"/>
+              <a:t> </a:t>
+            </a:r>
+            <a:r>
+              <a:rPr lang="en-US" baseline="0" dirty="0" err="1" smtClean="0"/>
+              <a:t>alle</a:t>
+            </a:r>
+            <a:r>
+              <a:rPr lang="en-US" baseline="0" dirty="0" smtClean="0"/>
+              <a:t> </a:t>
+            </a:r>
+            <a:r>
+              <a:rPr lang="en-US" baseline="0" dirty="0" err="1" smtClean="0"/>
+              <a:t>Raeume</a:t>
+            </a:r>
+            <a:r>
+              <a:rPr lang="en-US" baseline="0" dirty="0" smtClean="0"/>
+              <a:t> </a:t>
+            </a:r>
+            <a:r>
+              <a:rPr lang="en-US" baseline="0" dirty="0" err="1" smtClean="0"/>
+              <a:t>vollstaendig</a:t>
+            </a:r>
+            <a:r>
+              <a:rPr lang="en-US" baseline="0" dirty="0" smtClean="0"/>
+              <a:t> </a:t>
+            </a:r>
+            <a:r>
+              <a:rPr lang="en-US" baseline="0" dirty="0" err="1" smtClean="0"/>
+              <a:t>eingeraeumt</a:t>
+            </a:r>
+            <a:r>
+              <a:rPr lang="en-US" baseline="0" dirty="0" smtClean="0"/>
+              <a:t> und </a:t>
+            </a:r>
+            <a:r>
+              <a:rPr lang="en-US" baseline="0" dirty="0" err="1" smtClean="0"/>
+              <a:t>mit</a:t>
+            </a:r>
+            <a:r>
+              <a:rPr lang="en-US" baseline="0" dirty="0" smtClean="0"/>
+              <a:t> den </a:t>
+            </a:r>
+            <a:r>
+              <a:rPr lang="en-US" baseline="0" dirty="0" err="1" smtClean="0"/>
+              <a:t>zuvor</a:t>
+            </a:r>
+            <a:r>
+              <a:rPr lang="en-US" baseline="0" dirty="0" smtClean="0"/>
+              <a:t> </a:t>
+            </a:r>
+            <a:r>
+              <a:rPr lang="en-US" baseline="0" dirty="0" err="1" smtClean="0"/>
+              <a:t>erwaehnten</a:t>
+            </a:r>
+            <a:r>
+              <a:rPr lang="en-US" baseline="0" dirty="0" smtClean="0"/>
+              <a:t> environmental Storytelling-</a:t>
+            </a:r>
+            <a:r>
+              <a:rPr lang="en-US" baseline="0" dirty="0" err="1" smtClean="0"/>
+              <a:t>Elementen</a:t>
+            </a:r>
+            <a:r>
+              <a:rPr lang="en-US" baseline="0" dirty="0" smtClean="0"/>
+              <a:t> </a:t>
+            </a:r>
+            <a:r>
+              <a:rPr lang="en-US" baseline="0" dirty="0" err="1" smtClean="0"/>
+              <a:t>bestueckt</a:t>
+            </a:r>
+            <a:r>
+              <a:rPr lang="en-US" baseline="0" dirty="0" smtClean="0"/>
+              <a:t> </a:t>
+            </a:r>
+            <a:r>
+              <a:rPr lang="en-US" baseline="0" dirty="0" err="1" smtClean="0"/>
+              <a:t>wurden</a:t>
+            </a:r>
+            <a:r>
+              <a:rPr lang="en-US" baseline="0" dirty="0" smtClean="0"/>
+              <a:t>. </a:t>
+            </a:r>
+            <a:r>
+              <a:rPr lang="en-US" baseline="0" dirty="0" err="1" smtClean="0"/>
+              <a:t>Ausserdem</a:t>
+            </a:r>
+            <a:r>
+              <a:rPr lang="en-US" baseline="0" dirty="0" smtClean="0"/>
+              <a:t> </a:t>
+            </a:r>
+            <a:r>
+              <a:rPr lang="en-US" baseline="0" dirty="0" err="1" smtClean="0"/>
+              <a:t>kommen</a:t>
+            </a:r>
+            <a:r>
+              <a:rPr lang="en-US" baseline="0" dirty="0" smtClean="0"/>
+              <a:t> </a:t>
+            </a:r>
+            <a:r>
+              <a:rPr lang="en-US" baseline="0" dirty="0" err="1" smtClean="0"/>
+              <a:t>noch</a:t>
+            </a:r>
+            <a:r>
+              <a:rPr lang="en-US" baseline="0" dirty="0" smtClean="0"/>
+              <a:t> </a:t>
+            </a:r>
+            <a:r>
+              <a:rPr lang="en-US" baseline="0" dirty="0" err="1" smtClean="0"/>
+              <a:t>einige</a:t>
+            </a:r>
+            <a:r>
+              <a:rPr lang="en-US" baseline="0" dirty="0" smtClean="0"/>
+              <a:t> VFX- und Sound-</a:t>
+            </a:r>
+            <a:r>
+              <a:rPr lang="en-US" baseline="0" dirty="0" err="1" smtClean="0"/>
+              <a:t>Effekte</a:t>
+            </a:r>
+            <a:r>
+              <a:rPr lang="en-US" baseline="0" dirty="0" smtClean="0"/>
+              <a:t> </a:t>
+            </a:r>
+            <a:r>
+              <a:rPr lang="en-US" baseline="0" dirty="0" err="1" smtClean="0"/>
+              <a:t>dazu</a:t>
+            </a:r>
+            <a:r>
+              <a:rPr lang="en-US" baseline="0" dirty="0" smtClean="0"/>
+              <a:t>, </a:t>
+            </a:r>
+            <a:r>
+              <a:rPr lang="en-US" baseline="0" dirty="0" err="1" smtClean="0"/>
+              <a:t>unsere</a:t>
+            </a:r>
+            <a:r>
+              <a:rPr lang="en-US" baseline="0" dirty="0" smtClean="0"/>
+              <a:t> </a:t>
+            </a:r>
+            <a:r>
+              <a:rPr lang="en-US" baseline="0" dirty="0" err="1" smtClean="0"/>
+              <a:t>Wachen</a:t>
+            </a:r>
+            <a:r>
+              <a:rPr lang="en-US" baseline="0" dirty="0" smtClean="0"/>
+              <a:t> </a:t>
+            </a:r>
+            <a:r>
+              <a:rPr lang="en-US" baseline="0" dirty="0" err="1" smtClean="0"/>
+              <a:t>werden</a:t>
+            </a:r>
+            <a:r>
+              <a:rPr lang="en-US" baseline="0" dirty="0" smtClean="0"/>
+              <a:t> </a:t>
+            </a:r>
+            <a:r>
+              <a:rPr lang="en-US" baseline="0" dirty="0" err="1" smtClean="0"/>
+              <a:t>ein</a:t>
+            </a:r>
+            <a:r>
+              <a:rPr lang="en-US" baseline="0" dirty="0" smtClean="0"/>
+              <a:t> </a:t>
+            </a:r>
+            <a:r>
+              <a:rPr lang="en-US" baseline="0" dirty="0" err="1" smtClean="0"/>
+              <a:t>wenig</a:t>
+            </a:r>
+            <a:r>
+              <a:rPr lang="en-US" baseline="0" dirty="0" smtClean="0"/>
+              <a:t> </a:t>
+            </a:r>
+            <a:r>
+              <a:rPr lang="en-US" baseline="0" dirty="0" err="1" smtClean="0"/>
+              <a:t>besser</a:t>
+            </a:r>
+            <a:r>
+              <a:rPr lang="en-US" baseline="0" dirty="0" smtClean="0"/>
+              <a:t> </a:t>
+            </a:r>
+            <a:r>
+              <a:rPr lang="en-US" baseline="0" dirty="0" err="1" smtClean="0"/>
+              <a:t>gekleidet</a:t>
+            </a:r>
+            <a:r>
+              <a:rPr lang="en-US" baseline="0" dirty="0" smtClean="0"/>
+              <a:t> und </a:t>
+            </a:r>
+            <a:r>
+              <a:rPr lang="en-US" baseline="0" dirty="0" err="1" smtClean="0"/>
+              <a:t>wir</a:t>
+            </a:r>
+            <a:r>
+              <a:rPr lang="en-US" baseline="0" dirty="0" smtClean="0"/>
+              <a:t> </a:t>
+            </a:r>
+            <a:r>
+              <a:rPr lang="en-US" baseline="0" dirty="0" err="1" smtClean="0"/>
+              <a:t>werden</a:t>
+            </a:r>
+            <a:r>
+              <a:rPr lang="en-US" baseline="0" dirty="0" smtClean="0"/>
+              <a:t> </a:t>
+            </a:r>
+            <a:r>
+              <a:rPr lang="en-US" baseline="0" dirty="0" err="1" smtClean="0"/>
+              <a:t>vermutlich</a:t>
+            </a:r>
+            <a:r>
+              <a:rPr lang="en-US" baseline="0" dirty="0" smtClean="0"/>
+              <a:t> </a:t>
+            </a:r>
+            <a:r>
+              <a:rPr lang="en-US" baseline="0" dirty="0" err="1" smtClean="0"/>
+              <a:t>auch</a:t>
+            </a:r>
+            <a:r>
+              <a:rPr lang="en-US" baseline="0" dirty="0" smtClean="0"/>
+              <a:t> </a:t>
+            </a:r>
+            <a:r>
+              <a:rPr lang="en-US" baseline="0" dirty="0" err="1" smtClean="0"/>
+              <a:t>noch</a:t>
+            </a:r>
+            <a:r>
+              <a:rPr lang="en-US" baseline="0" dirty="0" smtClean="0"/>
+              <a:t> </a:t>
+            </a:r>
+            <a:r>
+              <a:rPr lang="en-US" baseline="0" dirty="0" err="1" smtClean="0"/>
+              <a:t>einmal</a:t>
+            </a:r>
+            <a:r>
+              <a:rPr lang="en-US" baseline="0" dirty="0" smtClean="0"/>
+              <a:t> die </a:t>
+            </a:r>
+            <a:r>
+              <a:rPr lang="en-US" baseline="0" dirty="0" err="1" smtClean="0"/>
+              <a:t>Lichtverhaeltnisse</a:t>
+            </a:r>
+            <a:r>
+              <a:rPr lang="en-US" baseline="0" dirty="0" smtClean="0"/>
+              <a:t> </a:t>
+            </a:r>
+            <a:r>
+              <a:rPr lang="en-US" baseline="0" dirty="0" err="1" smtClean="0"/>
+              <a:t>ein</a:t>
+            </a:r>
+            <a:r>
+              <a:rPr lang="en-US" baseline="0" dirty="0" smtClean="0"/>
+              <a:t> </a:t>
+            </a:r>
+            <a:r>
+              <a:rPr lang="en-US" baseline="0" dirty="0" err="1" smtClean="0"/>
+              <a:t>wenig</a:t>
+            </a:r>
+            <a:r>
+              <a:rPr lang="en-US" baseline="0" dirty="0" smtClean="0"/>
+              <a:t> </a:t>
+            </a:r>
+            <a:r>
+              <a:rPr lang="en-US" baseline="0" dirty="0" err="1" smtClean="0"/>
+              <a:t>ueberarbeiten</a:t>
+            </a:r>
+            <a:r>
+              <a:rPr lang="en-US" baseline="0" dirty="0" smtClean="0"/>
+              <a:t>.</a:t>
+            </a:r>
+            <a:br>
+              <a:rPr lang="en-US" baseline="0" dirty="0" smtClean="0"/>
+            </a:br>
+            <a:r>
+              <a:rPr lang="en-US" baseline="0" dirty="0" err="1" smtClean="0"/>
+              <a:t>Es</a:t>
+            </a:r>
+            <a:r>
+              <a:rPr lang="en-US" baseline="0" dirty="0" smtClean="0"/>
+              <a:t> </a:t>
+            </a:r>
+            <a:r>
+              <a:rPr lang="en-US" baseline="0" dirty="0" err="1" smtClean="0"/>
+              <a:t>wird</a:t>
+            </a:r>
+            <a:r>
+              <a:rPr lang="en-US" baseline="0" dirty="0" smtClean="0"/>
+              <a:t> </a:t>
+            </a:r>
+            <a:r>
+              <a:rPr lang="en-US" baseline="0" dirty="0" err="1" smtClean="0"/>
               <a:t>einen</a:t>
             </a:r>
             <a:r>
               <a:rPr lang="en-US" baseline="0" dirty="0" smtClean="0"/>
-              <a:t> </a:t>
-            </a:r>
-            <a:r>
-              <a:rPr lang="en-US" baseline="0" dirty="0" err="1" smtClean="0"/>
-              <a:t>zweiten</a:t>
-            </a:r>
-            <a:r>
-              <a:rPr lang="en-US" baseline="0" dirty="0" smtClean="0"/>
-              <a:t> </a:t>
+              <a:t> Tutorial-</a:t>
             </a:r>
             <a:r>
               <a:rPr lang="en-US" baseline="0" dirty="0" err="1" smtClean="0"/>
@@ -2153,35 +2963,51 @@
             </a:r>
             <a:r>
               <a:rPr lang="en-US" baseline="0" dirty="0" smtClean="0"/>
-              <a:t>, </a:t>
-            </a:r>
-            <a:r>
-              <a:rPr lang="en-US" baseline="0" dirty="0" err="1" smtClean="0"/>
-              <a:t>naemlich</a:t>
-            </a:r>
-            <a:r>
-              <a:rPr lang="en-US" baseline="0" dirty="0" smtClean="0"/>
-              <a:t> das </a:t>
-            </a:r>
-            <a:r>
-              <a:rPr lang="en-US" baseline="0" dirty="0" err="1" smtClean="0"/>
-              <a:t>voll</a:t>
-            </a:r>
-            <a:r>
-              <a:rPr lang="en-US" baseline="0" dirty="0" smtClean="0"/>
-              <a:t> </a:t>
-            </a:r>
-            <a:r>
-              <a:rPr lang="en-US" baseline="0" dirty="0" err="1" smtClean="0"/>
-              <a:t>texturierte</a:t>
-            </a:r>
-            <a:r>
-              <a:rPr lang="en-US" baseline="0" dirty="0" smtClean="0"/>
-              <a:t> Labor, </a:t>
-            </a:r>
-            <a:r>
-              <a:rPr lang="en-US" baseline="0" dirty="0" err="1" smtClean="0"/>
-              <a:t>vorstellen</a:t>
+              <a:t> </a:t>
+            </a:r>
+            <a:r>
+              <a:rPr lang="en-US" baseline="0" dirty="0" err="1" smtClean="0"/>
+              <a:t>geben</a:t>
+            </a:r>
+            <a:r>
+              <a:rPr lang="en-US" baseline="0" dirty="0" smtClean="0"/>
+              <a:t>, von </a:t>
+            </a:r>
+            <a:r>
+              <a:rPr lang="en-US" baseline="0" dirty="0" err="1" smtClean="0"/>
+              <a:t>dem</a:t>
+            </a:r>
+            <a:r>
+              <a:rPr lang="en-US" baseline="0" dirty="0" smtClean="0"/>
+              <a:t> </a:t>
+            </a:r>
+            <a:r>
+              <a:rPr lang="en-US" baseline="0" dirty="0" err="1" smtClean="0"/>
+              <a:t>aus</a:t>
+            </a:r>
+            <a:r>
+              <a:rPr lang="en-US" baseline="0" dirty="0" smtClean="0"/>
+              <a:t> man </a:t>
+            </a:r>
+            <a:r>
+              <a:rPr lang="en-US" baseline="0" dirty="0" err="1" smtClean="0"/>
+              <a:t>dann</a:t>
+            </a:r>
+            <a:r>
+              <a:rPr lang="en-US" baseline="0" dirty="0" smtClean="0"/>
+              <a:t> </a:t>
+            </a:r>
+            <a:r>
+              <a:rPr lang="en-US" baseline="0" dirty="0" err="1" smtClean="0"/>
+              <a:t>fliessend</a:t>
+            </a:r>
+            <a:r>
+              <a:rPr lang="en-US" baseline="0" dirty="0" smtClean="0"/>
+              <a:t> ins Spiel </a:t>
+            </a:r>
+            <a:r>
+              <a:rPr lang="en-US" baseline="0" dirty="0" err="1" smtClean="0"/>
+              <a:t>uebergeht</a:t>
             </a:r>
             <a:r>
               <a:rPr lang="en-US" baseline="0" dirty="0" smtClean="0"/>
@@ -2189,23 +3015,23 @@
             </a:r>
             <a:r>
               <a:rPr lang="en-US" baseline="0" dirty="0" err="1" smtClean="0"/>
-              <a:t>unser</a:t>
-            </a:r>
-            <a:r>
-              <a:rPr lang="en-US" baseline="0" dirty="0" smtClean="0"/>
-              <a:t> </a:t>
-            </a:r>
-            <a:r>
-              <a:rPr lang="en-US" baseline="0" dirty="0" err="1" smtClean="0"/>
-              <a:t>Hauptcharacter</a:t>
-            </a:r>
-            <a:r>
-              <a:rPr lang="en-US" baseline="0" dirty="0" smtClean="0"/>
-              <a:t> </a:t>
-            </a:r>
-            <a:r>
-              <a:rPr lang="en-US" baseline="0" dirty="0" err="1" smtClean="0"/>
-              <a:t>sollte</a:t>
+              <a:t>natuerlich</a:t>
+            </a:r>
+            <a:r>
+              <a:rPr lang="en-US" baseline="0" dirty="0" smtClean="0"/>
+              <a:t> </a:t>
+            </a:r>
+            <a:r>
+              <a:rPr lang="en-US" baseline="0" dirty="0" err="1" smtClean="0"/>
+              <a:t>gibt</a:t>
+            </a:r>
+            <a:r>
+              <a:rPr lang="en-US" baseline="0" dirty="0" smtClean="0"/>
+              <a:t> </a:t>
+            </a:r>
+            <a:r>
+              <a:rPr lang="en-US" baseline="0" dirty="0" err="1" smtClean="0"/>
+              <a:t>es</a:t>
             </a:r>
             <a:r>
               <a:rPr lang="en-US" baseline="0" dirty="0" smtClean="0"/>
@@ -2229,47 +3055,53 @@
             </a:r>
             <a:r>
               <a:rPr lang="en-US" baseline="0" dirty="0" err="1" smtClean="0"/>
-              <a:t>bereits</a:t>
-            </a:r>
-            <a:r>
-              <a:rPr lang="en-US" baseline="0" dirty="0" smtClean="0"/>
-              <a:t> </a:t>
-            </a:r>
-            <a:r>
-              <a:rPr lang="en-US" baseline="0" dirty="0" err="1" smtClean="0"/>
-              <a:t>einige</a:t>
-            </a:r>
-            <a:r>
-              <a:rPr lang="en-US" baseline="0" dirty="0" smtClean="0"/>
-              <a:t> Basis-</a:t>
-            </a:r>
-            <a:r>
-              <a:rPr lang="en-US" baseline="0" dirty="0" err="1" smtClean="0"/>
-              <a:t>Animationen</a:t>
-            </a:r>
-            <a:r>
-              <a:rPr lang="en-US" baseline="0" dirty="0" smtClean="0"/>
-              <a:t> </a:t>
-            </a:r>
-            <a:r>
-              <a:rPr lang="en-US" baseline="0" dirty="0" err="1" smtClean="0"/>
-              <a:t>besitzen</a:t>
+              <a:t>ein</a:t>
+            </a:r>
+            <a:r>
+              <a:rPr lang="en-US" baseline="0" dirty="0" smtClean="0"/>
+              <a:t> </a:t>
+            </a:r>
+            <a:r>
+              <a:rPr lang="en-US" baseline="0" dirty="0" err="1" smtClean="0"/>
+              <a:t>entsprechendes</a:t>
+            </a:r>
+            <a:r>
+              <a:rPr lang="en-US" baseline="0" dirty="0" smtClean="0"/>
+              <a:t> </a:t>
+            </a:r>
+            <a:r>
+              <a:rPr lang="en-US" baseline="0" dirty="0" err="1" smtClean="0"/>
+              <a:t>Menue</a:t>
             </a:r>
             <a:r>
               <a:rPr lang="en-US" baseline="0" dirty="0" smtClean="0"/>
               <a:t>. </a:t>
             </a:r>
-            <a:r>
-              <a:rPr lang="en-US" baseline="0" dirty="0" err="1" smtClean="0"/>
-              <a:t>Ausserdem</a:t>
-            </a:r>
-            <a:r>
-              <a:rPr lang="en-US" baseline="0" dirty="0" smtClean="0"/>
-              <a:t> </a:t>
-            </a:r>
-            <a:r>
-              <a:rPr lang="en-US" baseline="0" dirty="0" err="1" smtClean="0"/>
-              <a:t>werden</a:t>
+            <a:br>
+              <a:rPr lang="en-US" baseline="0" dirty="0" smtClean="0"/>
+            </a:br>
+            <a:r>
+              <a:rPr lang="en-US" baseline="0" dirty="0" smtClean="0"/>
+              <a:t/>
+            </a:r>
+            <a:br>
+              <a:rPr lang="en-US" baseline="0" dirty="0" smtClean="0"/>
+            </a:br>
+            <a:r>
+              <a:rPr lang="en-US" baseline="0" dirty="0" smtClean="0"/>
+              <a:t>So, </a:t>
+            </a:r>
+            <a:r>
+              <a:rPr lang="en-US" baseline="0" dirty="0" err="1" smtClean="0"/>
+              <a:t>dann</a:t>
+            </a:r>
+            <a:r>
+              <a:rPr lang="en-US" baseline="0" dirty="0" smtClean="0"/>
+              <a:t> </a:t>
+            </a:r>
+            <a:r>
+              <a:rPr lang="en-US" baseline="0" dirty="0" err="1" smtClean="0"/>
+              <a:t>kommen</a:t>
             </a:r>
             <a:r>
               <a:rPr lang="en-US" baseline="0" dirty="0" smtClean="0"/>
@@ -2285,51 +3117,41 @@
             </a:r>
             <a:r>
               <a:rPr lang="en-US" baseline="0" dirty="0" err="1" smtClean="0"/>
-              <a:t>euch</a:t>
-            </a:r>
-            <a:r>
-              <a:rPr lang="en-US" baseline="0" dirty="0" smtClean="0"/>
-              <a:t> die </a:t>
-            </a:r>
-            <a:r>
-              <a:rPr lang="en-US" baseline="0" dirty="0" err="1" smtClean="0"/>
-              <a:t>komplette</a:t>
-            </a:r>
-            <a:r>
-              <a:rPr lang="en-US" baseline="0" dirty="0" smtClean="0"/>
-              <a:t> </a:t>
-            </a:r>
-            <a:r>
-              <a:rPr lang="en-US" baseline="0" dirty="0" err="1" smtClean="0"/>
-              <a:t>Posession-Mechanik</a:t>
-            </a:r>
-            <a:r>
-              <a:rPr lang="en-US" baseline="0" dirty="0" smtClean="0"/>
-              <a:t> </a:t>
-            </a:r>
-            <a:r>
-              <a:rPr lang="en-US" baseline="0" dirty="0" err="1" smtClean="0"/>
-              <a:t>samt</a:t>
-            </a:r>
-            <a:r>
-              <a:rPr lang="en-US" baseline="0" dirty="0" smtClean="0"/>
-              <a:t> des </a:t>
-            </a:r>
-            <a:r>
-              <a:rPr lang="en-US" baseline="0" dirty="0" err="1" smtClean="0"/>
-              <a:t>dazugehoerigen</a:t>
-            </a:r>
-            <a:r>
-              <a:rPr lang="en-US" baseline="0" dirty="0" smtClean="0"/>
-              <a:t> Mini-Spiels </a:t>
-            </a:r>
-            <a:r>
-              <a:rPr lang="en-US" baseline="0" dirty="0" err="1" smtClean="0"/>
-              <a:t>praesentieren</a:t>
-            </a:r>
-            <a:r>
-              <a:rPr lang="en-US" baseline="0" smtClean="0"/>
-              <a:t>.</a:t>
+              <a:t>aber</a:t>
+            </a:r>
+            <a:r>
+              <a:rPr lang="en-US" baseline="0" dirty="0" smtClean="0"/>
+              <a:t> </a:t>
+            </a:r>
+            <a:r>
+              <a:rPr lang="en-US" baseline="0" dirty="0" err="1" smtClean="0"/>
+              <a:t>endlich</a:t>
+            </a:r>
+            <a:r>
+              <a:rPr lang="en-US" baseline="0" dirty="0" smtClean="0"/>
+              <a:t> </a:t>
+            </a:r>
+            <a:r>
+              <a:rPr lang="en-US" baseline="0" dirty="0" err="1" smtClean="0"/>
+              <a:t>zum</a:t>
+            </a:r>
+            <a:r>
+              <a:rPr lang="en-US" baseline="0" dirty="0" smtClean="0"/>
+              <a:t> Spiel </a:t>
+            </a:r>
+            <a:r>
+              <a:rPr lang="en-US" baseline="0" dirty="0" err="1" smtClean="0"/>
+              <a:t>selbst</a:t>
+            </a:r>
+            <a:r>
+              <a:rPr lang="en-US" baseline="0" dirty="0" smtClean="0"/>
+              <a:t>. </a:t>
+            </a:r>
+            <a:r>
+              <a:rPr lang="en-US" baseline="0" smtClean="0">
+                <a:sym typeface="Wingdings" panose="05000000000000000000" pitchFamily="2" charset="2"/>
+              </a:rPr>
+              <a:t></a:t>
             </a:r>
             <a:endParaRPr lang="de-DE" dirty="0"/>
           </a:p>
@@ -2504,7 +3326,7 @@
           <a:p>
             <a:fld id="{1DC63592-9D31-432D-A510-4EFC698F70CA}" type="datetimeFigureOut">
               <a:rPr lang="de-DE" smtClean="0"/>
-              <a:t>04.07.2018</a:t>
+              <a:t>05.07.2018</a:t>
             </a:fld>
             <a:endParaRPr lang="de-DE"/>
           </a:p>
@@ -2791,7 +3613,7 @@
           <a:p>
             <a:fld id="{1DC63592-9D31-432D-A510-4EFC698F70CA}" type="datetimeFigureOut">
               <a:rPr lang="de-DE" smtClean="0"/>
-              <a:t>04.07.2018</a:t>
+              <a:t>05.07.2018</a:t>
             </a:fld>
             <a:endParaRPr lang="de-DE"/>
           </a:p>
@@ -2983,7 +3805,7 @@
           <a:p>
             <a:fld id="{1DC63592-9D31-432D-A510-4EFC698F70CA}" type="datetimeFigureOut">
               <a:rPr lang="de-DE" smtClean="0"/>
-              <a:t>04.07.2018</a:t>
+              <a:t>05.07.2018</a:t>
             </a:fld>
             <a:endParaRPr lang="de-DE"/>
           </a:p>
@@ -3244,7 +4066,7 @@
           <a:p>
             <a:fld id="{1DC63592-9D31-432D-A510-4EFC698F70CA}" type="datetimeFigureOut">
               <a:rPr lang="de-DE" smtClean="0"/>
-              <a:t>04.07.2018</a:t>
+              <a:t>05.07.2018</a:t>
             </a:fld>
             <a:endParaRPr lang="de-DE"/>
           </a:p>
@@ -3668,7 +4490,7 @@
           <a:p>
             <a:fld id="{1DC63592-9D31-432D-A510-4EFC698F70CA}" type="datetimeFigureOut">
               <a:rPr lang="de-DE" smtClean="0"/>
-              <a:t>04.07.2018</a:t>
+              <a:t>05.07.2018</a:t>
             </a:fld>
             <a:endParaRPr lang="de-DE"/>
           </a:p>
@@ -4214,7 +5036,7 @@
           <a:p>
             <a:fld id="{1DC63592-9D31-432D-A510-4EFC698F70CA}" type="datetimeFigureOut">
               <a:rPr lang="de-DE" smtClean="0"/>
-              <a:t>04.07.2018</a:t>
+              <a:t>05.07.2018</a:t>
             </a:fld>
             <a:endParaRPr lang="de-DE"/>
           </a:p>
@@ -5054,7 +5876,7 @@
           <a:p>
             <a:fld id="{1DC63592-9D31-432D-A510-4EFC698F70CA}" type="datetimeFigureOut">
               <a:rPr lang="de-DE" smtClean="0"/>
-              <a:t>04.07.2018</a:t>
+              <a:t>05.07.2018</a:t>
             </a:fld>
             <a:endParaRPr lang="de-DE"/>
           </a:p>
@@ -5224,7 +6046,7 @@
           <a:p>
             <a:fld id="{1DC63592-9D31-432D-A510-4EFC698F70CA}" type="datetimeFigureOut">
               <a:rPr lang="de-DE" smtClean="0"/>
-              <a:t>04.07.2018</a:t>
+              <a:t>05.07.2018</a:t>
             </a:fld>
             <a:endParaRPr lang="de-DE"/>
           </a:p>
@@ -5408,7 +6230,7 @@
           <a:p>
             <a:fld id="{1DC63592-9D31-432D-A510-4EFC698F70CA}" type="datetimeFigureOut">
               <a:rPr lang="de-DE" smtClean="0"/>
-              <a:t>04.07.2018</a:t>
+              <a:t>05.07.2018</a:t>
             </a:fld>
             <a:endParaRPr lang="de-DE"/>
           </a:p>
@@ -5578,7 +6400,7 @@
           <a:p>
             <a:fld id="{1DC63592-9D31-432D-A510-4EFC698F70CA}" type="datetimeFigureOut">
               <a:rPr lang="de-DE" smtClean="0"/>
-              <a:t>04.07.2018</a:t>
+              <a:t>05.07.2018</a:t>
             </a:fld>
             <a:endParaRPr lang="de-DE"/>
           </a:p>
@@ -5826,7 +6648,7 @@
           <a:p>
             <a:fld id="{1DC63592-9D31-432D-A510-4EFC698F70CA}" type="datetimeFigureOut">
               <a:rPr lang="de-DE" smtClean="0"/>
-              <a:t>04.07.2018</a:t>
+              <a:t>05.07.2018</a:t>
             </a:fld>
             <a:endParaRPr lang="de-DE"/>
           </a:p>
@@ -6063,7 +6885,7 @@
           <a:p>
             <a:fld id="{1DC63592-9D31-432D-A510-4EFC698F70CA}" type="datetimeFigureOut">
               <a:rPr lang="de-DE" smtClean="0"/>
-              <a:t>04.07.2018</a:t>
+              <a:t>05.07.2018</a:t>
             </a:fld>
             <a:endParaRPr lang="de-DE"/>
           </a:p>
@@ -6441,7 +7263,7 @@
           <a:p>
             <a:fld id="{1DC63592-9D31-432D-A510-4EFC698F70CA}" type="datetimeFigureOut">
               <a:rPr lang="de-DE" smtClean="0"/>
-              <a:t>04.07.2018</a:t>
+              <a:t>05.07.2018</a:t>
             </a:fld>
             <a:endParaRPr lang="de-DE"/>
           </a:p>
@@ -6564,7 +7386,7 @@
           <a:p>
             <a:fld id="{1DC63592-9D31-432D-A510-4EFC698F70CA}" type="datetimeFigureOut">
               <a:rPr lang="de-DE" smtClean="0"/>
-              <a:t>04.07.2018</a:t>
+              <a:t>05.07.2018</a:t>
             </a:fld>
             <a:endParaRPr lang="de-DE"/>
           </a:p>
@@ -6659,7 +7481,7 @@
           <a:p>
             <a:fld id="{1DC63592-9D31-432D-A510-4EFC698F70CA}" type="datetimeFigureOut">
               <a:rPr lang="de-DE" smtClean="0"/>
-              <a:t>04.07.2018</a:t>
+              <a:t>05.07.2018</a:t>
             </a:fld>
             <a:endParaRPr lang="de-DE"/>
           </a:p>
@@ -6910,7 +7732,7 @@
           <a:p>
             <a:fld id="{1DC63592-9D31-432D-A510-4EFC698F70CA}" type="datetimeFigureOut">
               <a:rPr lang="de-DE" smtClean="0"/>
-              <a:t>04.07.2018</a:t>
+              <a:t>05.07.2018</a:t>
             </a:fld>
             <a:endParaRPr lang="de-DE"/>
           </a:p>
@@ -7202,7 +8024,7 @@
           <a:p>
             <a:fld id="{1DC63592-9D31-432D-A510-4EFC698F70CA}" type="datetimeFigureOut">
               <a:rPr lang="de-DE" smtClean="0"/>
-              <a:t>04.07.2018</a:t>
+              <a:t>05.07.2018</a:t>
             </a:fld>
             <a:endParaRPr lang="de-DE"/>
           </a:p>
@@ -7415,7 +8237,7 @@
           <a:p>
             <a:fld id="{1DC63592-9D31-432D-A510-4EFC698F70CA}" type="datetimeFigureOut">
               <a:rPr lang="de-DE" smtClean="0"/>
-              <a:t>04.07.2018</a:t>
+              <a:t>05.07.2018</a:t>
             </a:fld>
             <a:endParaRPr lang="de-DE"/>
           </a:p>
@@ -8285,7 +9107,7 @@
         </p:blipFill>
         <p:spPr>
           <a:xfrm rot="21420000" flipH="1">
-            <a:off x="-333343" y="120192"/>
+            <a:off x="377700" y="-23824"/>
             <a:ext cx="11096441" cy="8209621"/>
           </a:xfrm>
           <a:prstGeom prst="rect">
@@ -8293,6 +9115,36 @@
           </a:prstGeom>
         </p:spPr>
       </p:pic>
+      <p:sp>
+        <p:nvSpPr>
+          <p:cNvPr id="4" name="Textfeld 3"/>
+          <p:cNvSpPr txBox="1"/>
+          <p:nvPr/>
+        </p:nvSpPr>
+        <p:spPr>
+          <a:xfrm>
+            <a:off x="3131840" y="2123962"/>
+            <a:ext cx="2928967" cy="369332"/>
+          </a:xfrm>
+          <a:prstGeom prst="rect">
+            <a:avLst/>
+          </a:prstGeom>
+          <a:noFill/>
+        </p:spPr>
+        <p:txBody>
+          <a:bodyPr wrap="square" rtlCol="0">
+            <a:spAutoFit/>
+          </a:bodyPr>
+          <a:lstStyle/>
+          <a:p>
+            <a:r>
+              <a:rPr lang="en-US" dirty="0" smtClean="0"/>
+              <a:t>Formerly “Voodoo”</a:t>
+            </a:r>
+            <a:endParaRPr lang="de-DE" dirty="0"/>
+          </a:p>
+        </p:txBody>
+      </p:sp>
     </p:spTree>
     <p:extLst>
       <p:ext uri="{BB962C8B-B14F-4D97-AF65-F5344CB8AC3E}">
@@ -8371,14 +9223,58 @@
                             </p:stCondLst>
                             <p:childTnLst>
                               <p:par>
-                                <p:cTn id="9" presetID="10" presetClass="entr" presetSubtype="0" fill="hold" nodeType="afterEffect">
+                                <p:cTn id="9" presetID="22" presetClass="entr" presetSubtype="8" fill="hold" grpId="0" nodeType="afterEffect">
+                                  <p:stCondLst>
+                                    <p:cond delay="250"/>
+                                  </p:stCondLst>
+                                  <p:childTnLst>
+                                    <p:set>
+                                      <p:cBhvr>
+                                        <p:cTn id="10" dur="1" fill="hold">
+                                          <p:stCondLst>
+                                            <p:cond delay="0"/>
+                                          </p:stCondLst>
+                                        </p:cTn>
+                                        <p:tgtEl>
+                                          <p:spTgt spid="4"/>
+                                        </p:tgtEl>
+                                        <p:attrNameLst>
+                                          <p:attrName>style.visibility</p:attrName>
+                                        </p:attrNameLst>
+                                      </p:cBhvr>
+                                      <p:to>
+                                        <p:strVal val="visible"/>
+                                      </p:to>
+                                    </p:set>
+                                    <p:animEffect transition="in" filter="wipe(left)">
+                                      <p:cBhvr>
+                                        <p:cTn id="11" dur="500"/>
+                                        <p:tgtEl>
+                                          <p:spTgt spid="4"/>
+                                        </p:tgtEl>
+                                      </p:cBhvr>
+                                    </p:animEffect>
+                                  </p:childTnLst>
+                                </p:cTn>
+                              </p:par>
+                            </p:childTnLst>
+                          </p:cTn>
+                        </p:par>
+                        <p:par>
+                          <p:cTn id="12" fill="hold">
+                            <p:stCondLst>
+                              <p:cond delay="2750"/>
+                            </p:stCondLst>
+                            <p:childTnLst>
+                              <p:par>
+                                <p:cTn id="13" presetID="10" presetClass="entr" presetSubtype="0" fill="hold" nodeType="afterEffect">
                                   <p:stCondLst>
                                     <p:cond delay="0"/>
                                   </p:stCondLst>
                                   <p:childTnLst>
                                     <p:set>
                                       <p:cBhvr>
-                                        <p:cTn id="10" dur="1" fill="hold">
+                                        <p:cTn id="14" dur="1" fill="hold">
                                           <p:stCondLst>
                                             <p:cond delay="0"/>
                                           </p:stCondLst>
@@ -8396,7 +9292,7 @@
                                     </p:set>
                                     <p:animEffect transition="in" filter="fade">
                                       <p:cBhvr>
-                                        <p:cTn id="11" dur="500"/>
+                                        <p:cTn id="15" dur="500"/>
                                         <p:tgtEl>
                                           <p:spTgt spid="12"/>
                                         </p:tgtEl>
@@ -8409,20 +9305,20 @@
                           </p:cTn>
                         </p:par>
                         <p:par>
-                          <p:cTn id="12" fill="hold">
+                          <p:cTn id="16" fill="hold">
                             <p:stCondLst>
-                              <p:cond delay="2500"/>
+                              <p:cond delay="3250"/>
                             </p:stCondLst>
                             <p:childTnLst>
                               <p:par>
-                                <p:cTn id="13" presetID="14" presetClass="entr" presetSubtype="5" fill="hold" nodeType="afterEffect">
+                                <p:cTn id="17" presetID="14" presetClass="entr" presetSubtype="5" fill="hold" nodeType="afterEffect">
                                   <p:stCondLst>
                                     <p:cond delay="500"/>
                                   </p:stCondLst>
                                   <p:childTnLst>
                                     <p:set>
                                       <p:cBhvr>
-                                        <p:cTn id="14" dur="1" fill="hold">
+                                        <p:cTn id="18" dur="1" fill="hold">
                                           <p:stCondLst>
                                             <p:cond delay="0"/>
                                           </p:stCondLst>
@@ -8440,7 +9336,7 @@
                                     </p:set>
                                     <p:animEffect transition="in" filter="randombar(vertical)">
                                       <p:cBhvr>
-                                        <p:cTn id="15" dur="500"/>
+                                        <p:cTn id="19" dur="500"/>
                                         <p:tgtEl>
                                           <p:spTgt spid="3"/>
                                         </p:tgtEl>
@@ -8450,14 +9346,14 @@
                                 </p:cTn>
                               </p:par>
                               <p:par>
-                                <p:cTn id="16" presetID="53" presetClass="entr" presetSubtype="16" fill="hold" nodeType="withEffect">
+                                <p:cTn id="20" presetID="53" presetClass="entr" presetSubtype="16" fill="hold" nodeType="withEffect">
                                   <p:stCondLst>
                                     <p:cond delay="500"/>
                                   </p:stCondLst>
                                   <p:childTnLst>
                                     <p:set>
                                       <p:cBhvr>
-                                        <p:cTn id="17" dur="1" fill="hold">
+                                        <p:cTn id="21" dur="1" fill="hold">
                                           <p:stCondLst>
                                             <p:cond delay="0"/>
                                           </p:stCondLst>
@@ -8475,7 +9371,7 @@
                                     </p:set>
                                     <p:anim calcmode="lin" valueType="num">
                                       <p:cBhvr>
-                                        <p:cTn id="18" dur="2000" fill="hold"/>
+                                        <p:cTn id="22" dur="2000" fill="hold"/>
                                         <p:tgtEl>
                                           <p:spTgt spid="15"/>
                                         </p:tgtEl>
@@ -8498,7 +9394,7 @@
                                     </p:anim>
                                     <p:anim calcmode="lin" valueType="num">
                                       <p:cBhvr>
-                                        <p:cTn id="19" dur="2000" fill="hold"/>
+                                        <p:cTn id="23" dur="2000" fill="hold"/>
                                         <p:tgtEl>
                                           <p:spTgt spid="15"/>
                                         </p:tgtEl>
@@ -8521,7 +9417,7 @@
                                     </p:anim>
                                     <p:animEffect transition="in" filter="fade">
                                       <p:cBhvr>
-                                        <p:cTn id="20" dur="2000"/>
+                                        <p:cTn id="24" dur="2000"/>
                                         <p:tgtEl>
                                           <p:spTgt spid="15"/>
                                         </p:tgtEl>
@@ -8534,20 +9430,20 @@
                           </p:cTn>
                         </p:par>
                         <p:par>
-                          <p:cTn id="21" fill="hold">
+                          <p:cTn id="25" fill="hold">
                             <p:stCondLst>
-                              <p:cond delay="5000"/>
+                              <p:cond delay="5750"/>
                             </p:stCondLst>
                             <p:childTnLst>
                               <p:par>
-                                <p:cTn id="22" presetID="16" presetClass="entr" presetSubtype="42" fill="hold" nodeType="afterEffect">
+                                <p:cTn id="26" presetID="16" presetClass="entr" presetSubtype="42" fill="hold" nodeType="afterEffect">
                                   <p:stCondLst>
                                     <p:cond delay="0"/>
                                   </p:stCondLst>
                                   <p:childTnLst>
                                     <p:set>
                                       <p:cBhvr>
-                                        <p:cTn id="23" dur="1" fill="hold">
+                                        <p:cTn id="27" dur="1" fill="hold">
                                           <p:stCondLst>
                                             <p:cond delay="0"/>
                                           </p:stCondLst>
@@ -8565,7 +9461,7 @@
                                     </p:set>
                                     <p:animEffect transition="in" filter="barn(outHorizontal)">
                                       <p:cBhvr>
-                                        <p:cTn id="24" dur="500"/>
+                                        <p:cTn id="28" dur="500"/>
                                         <p:tgtEl>
                                           <p:spTgt spid="17"/>
                                         </p:tgtEl>
@@ -8578,20 +9474,20 @@
                           </p:cTn>
                         </p:par>
                         <p:par>
-                          <p:cTn id="25" fill="hold">
+                          <p:cTn id="29" fill="hold">
                             <p:stCondLst>
-                              <p:cond delay="5500"/>
+                              <p:cond delay="6250"/>
                             </p:stCondLst>
                             <p:childTnLst>
                               <p:par>
-                                <p:cTn id="26" presetID="47" presetClass="entr" presetSubtype="0" fill="hold" nodeType="afterEffect">
+                                <p:cTn id="30" presetID="47" presetClass="entr" presetSubtype="0" fill="hold" nodeType="afterEffect">
                                   <p:stCondLst>
                                     <p:cond delay="1250"/>
                                   </p:stCondLst>
                                   <p:childTnLst>
                                     <p:set>
                                       <p:cBhvr>
-                                        <p:cTn id="27" dur="1" fill="hold">
+                                        <p:cTn id="31" dur="1" fill="hold">
                                           <p:stCondLst>
                                             <p:cond delay="0"/>
                                           </p:stCondLst>
@@ -8609,7 +9505,7 @@
                                     </p:set>
                                     <p:animEffect transition="in" filter="fade">
                                       <p:cBhvr>
-                                        <p:cTn id="28" dur="1000"/>
+                                        <p:cTn id="32" dur="1000"/>
                                         <p:tgtEl>
                                           <p:spTgt spid="18"/>
                                         </p:tgtEl>
@@ -8617,7 +9513,7 @@
                                     </p:animEffect>
                                     <p:anim calcmode="lin" valueType="num">
                                       <p:cBhvr>
-                                        <p:cTn id="29" dur="1000" fill="hold"/>
+                                        <p:cTn id="33" dur="1000" fill="hold"/>
                                         <p:tgtEl>
                                           <p:spTgt spid="18"/>
                                         </p:tgtEl>
@@ -8640,7 +9536,7 @@
                                     </p:anim>
                                     <p:anim calcmode="lin" valueType="num">
                                       <p:cBhvr>
-                                        <p:cTn id="30" dur="1000" fill="hold"/>
+                                        <p:cTn id="34" dur="1000" fill="hold"/>
                                         <p:tgtEl>
                                           <p:spTgt spid="18"/>
                                         </p:tgtEl>
@@ -8665,14 +9561,14 @@
                                 </p:cTn>
                               </p:par>
                               <p:par>
-                                <p:cTn id="31" presetID="10" presetClass="entr" presetSubtype="0" fill="hold" nodeType="withEffect">
+                                <p:cTn id="35" presetID="10" presetClass="entr" presetSubtype="0" fill="hold" nodeType="withEffect">
                                   <p:stCondLst>
                                     <p:cond delay="0"/>
                                   </p:stCondLst>
                                   <p:childTnLst>
                                     <p:set>
                                       <p:cBhvr>
-                                        <p:cTn id="32" dur="1" fill="hold">
+                                        <p:cTn id="36" dur="1" fill="hold">
                                           <p:stCondLst>
                                             <p:cond delay="0"/>
                                           </p:stCondLst>
@@ -8690,7 +9586,7 @@
                                     </p:set>
                                     <p:animEffect transition="in" filter="fade">
                                       <p:cBhvr>
-                                        <p:cTn id="33" dur="500"/>
+                                        <p:cTn id="37" dur="500"/>
                                         <p:tgtEl>
                                           <p:spTgt spid="13"/>
                                         </p:tgtEl>
@@ -8703,20 +9599,20 @@
                           </p:cTn>
                         </p:par>
                         <p:par>
-                          <p:cTn id="34" fill="hold">
+                          <p:cTn id="38" fill="hold">
                             <p:stCondLst>
-                              <p:cond delay="7750"/>
+                              <p:cond delay="8500"/>
                             </p:stCondLst>
                             <p:childTnLst>
                               <p:par>
-                                <p:cTn id="35" presetID="16" presetClass="entr" presetSubtype="21" fill="hold" nodeType="afterEffect">
+                                <p:cTn id="39" presetID="16" presetClass="entr" presetSubtype="21" fill="hold" nodeType="afterEffect">
                                   <p:stCondLst>
                                     <p:cond delay="750"/>
                                   </p:stCondLst>
                                   <p:childTnLst>
                                     <p:set>
                                       <p:cBhvr>
-                                        <p:cTn id="36" dur="1" fill="hold">
+                                        <p:cTn id="40" dur="1" fill="hold">
                                           <p:stCondLst>
                                             <p:cond delay="0"/>
                                           </p:stCondLst>
@@ -8734,7 +9630,7 @@
                                     </p:set>
                                     <p:animEffect transition="in" filter="barn(inVertical)">
                                       <p:cBhvr>
-                                        <p:cTn id="37" dur="500"/>
+                                        <p:cTn id="41" dur="500"/>
                                         <p:tgtEl>
                                           <p:spTgt spid="14"/>
                                         </p:tgtEl>
@@ -8747,20 +9643,20 @@
                           </p:cTn>
                         </p:par>
                         <p:par>
-                          <p:cTn id="38" fill="hold">
+                          <p:cTn id="42" fill="hold">
                             <p:stCondLst>
-                              <p:cond delay="9000"/>
+                              <p:cond delay="9750"/>
                             </p:stCondLst>
                             <p:childTnLst>
                               <p:par>
-                                <p:cTn id="39" presetID="47" presetClass="exit" presetSubtype="0" fill="hold" nodeType="afterEffect">
+                                <p:cTn id="43" presetID="47" presetClass="exit" presetSubtype="0" fill="hold" nodeType="afterEffect">
                                   <p:stCondLst>
                                     <p:cond delay="0"/>
                                   </p:stCondLst>
                                   <p:childTnLst>
                                     <p:animEffect transition="out" filter="fade">
                                       <p:cBhvr>
-                                        <p:cTn id="40" dur="1000"/>
+                                        <p:cTn id="44" dur="1000"/>
                                         <p:tgtEl>
                                           <p:spTgt spid="18"/>
                                         </p:tgtEl>
@@ -8768,7 +9664,7 @@
                                     </p:animEffect>
                                     <p:anim calcmode="lin" valueType="num">
                                       <p:cBhvr>
-                                        <p:cTn id="41" dur="1000"/>
+                                        <p:cTn id="45" dur="1000"/>
                                         <p:tgtEl>
                                           <p:spTgt spid="18"/>
                                         </p:tgtEl>
@@ -8791,7 +9687,7 @@
                                     </p:anim>
                                     <p:anim calcmode="lin" valueType="num">
                                       <p:cBhvr>
-                                        <p:cTn id="42" dur="1000"/>
+                                        <p:cTn id="46" dur="1000"/>
                                         <p:tgtEl>
                                           <p:spTgt spid="18"/>
                                         </p:tgtEl>
@@ -8814,7 +9710,7 @@
                                     </p:anim>
                                     <p:set>
                                       <p:cBhvr>
-                                        <p:cTn id="43" dur="1" fill="hold">
+                                        <p:cTn id="47" dur="1" fill="hold">
                                           <p:stCondLst>
                                             <p:cond delay="999"/>
                                           </p:stCondLst>
@@ -8837,20 +9733,20 @@
                           </p:cTn>
                         </p:par>
                         <p:par>
-                          <p:cTn id="44" fill="hold">
+                          <p:cTn id="48" fill="hold">
                             <p:stCondLst>
-                              <p:cond delay="10000"/>
+                              <p:cond delay="10750"/>
                             </p:stCondLst>
                             <p:childTnLst>
                               <p:par>
-                                <p:cTn id="45" presetID="8" presetClass="entr" presetSubtype="32" fill="hold" nodeType="afterEffect">
+                                <p:cTn id="49" presetID="8" presetClass="entr" presetSubtype="32" fill="hold" nodeType="afterEffect">
                                   <p:stCondLst>
                                     <p:cond delay="0"/>
                                   </p:stCondLst>
                                   <p:childTnLst>
                                     <p:set>
                                       <p:cBhvr>
-                                        <p:cTn id="46" dur="1" fill="hold">
+                                        <p:cTn id="50" dur="1" fill="hold">
                                           <p:stCondLst>
                                             <p:cond delay="0"/>
                                           </p:stCondLst>
@@ -8868,7 +9764,7 @@
                                     </p:set>
                                     <p:animEffect transition="in" filter="diamond(out)">
                                       <p:cBhvr>
-                                        <p:cTn id="47" dur="2000"/>
+                                        <p:cTn id="51" dur="2000"/>
                                         <p:tgtEl>
                                           <p:spTgt spid="16"/>
                                         </p:tgtEl>
@@ -8878,14 +9774,14 @@
                                 </p:cTn>
                               </p:par>
                               <p:par>
-                                <p:cTn id="48" presetID="42" presetClass="entr" presetSubtype="0" fill="hold" nodeType="withEffect">
+                                <p:cTn id="52" presetID="42" presetClass="entr" presetSubtype="0" fill="hold" nodeType="withEffect">
                                   <p:stCondLst>
                                     <p:cond delay="0"/>
                                   </p:stCondLst>
                                   <p:childTnLst>
                                     <p:set>
                                       <p:cBhvr>
-                                        <p:cTn id="49" dur="1" fill="hold">
+                                        <p:cTn id="53" dur="1" fill="hold">
                                           <p:stCondLst>
                                             <p:cond delay="0"/>
                                           </p:stCondLst>
@@ -8903,7 +9799,7 @@
                                     </p:set>
                                     <p:animEffect transition="in" filter="fade">
                                       <p:cBhvr>
-                                        <p:cTn id="50" dur="1000"/>
+                                        <p:cTn id="54" dur="1000"/>
                                         <p:tgtEl>
                                           <p:spTgt spid="19"/>
                                         </p:tgtEl>
@@ -8911,7 +9807,7 @@
                                     </p:animEffect>
                                     <p:anim calcmode="lin" valueType="num">
                                       <p:cBhvr>
-                                        <p:cTn id="51" dur="1000" fill="hold"/>
+                                        <p:cTn id="55" dur="1000" fill="hold"/>
                                         <p:tgtEl>
                                           <p:spTgt spid="19"/>
                                         </p:tgtEl>
@@ -8934,7 +9830,7 @@
                                     </p:anim>
                                     <p:anim calcmode="lin" valueType="num">
                                       <p:cBhvr>
-                                        <p:cTn id="52" dur="1000" fill="hold"/>
+                                        <p:cTn id="56" dur="1000" fill="hold"/>
                                         <p:tgtEl>
                                           <p:spTgt spid="19"/>
                                         </p:tgtEl>
@@ -8987,6 +9883,7 @@
     </p:tnLst>
     <p:bldLst>
       <p:bldP spid="2" grpId="0"/>
+      <p:bldP spid="4" grpId="0"/>
     </p:bldLst>
   </p:timing>
 </p:sld>
@@ -9150,41 +10047,8 @@
                 <a:latin typeface="MV Boli" pitchFamily="2" charset="0"/>
                 <a:cs typeface="MV Boli" pitchFamily="2" charset="0"/>
               </a:rPr>
-              <a:t>Gate 2 </a:t>
-            </a:r>
-            <a:r>
-              <a:rPr lang="en-GB" sz="2400" b="1" dirty="0" smtClean="0">
-                <a:solidFill>
-                  <a:schemeClr val="tx1">
-                    <a:lumMod val="95000"/>
-                  </a:schemeClr>
-                </a:solidFill>
-                <a:latin typeface="MV Boli" pitchFamily="2" charset="0"/>
-                <a:cs typeface="MV Boli" pitchFamily="2" charset="0"/>
-              </a:rPr>
-              <a:t>Promises </a:t>
-            </a:r>
-            <a:r>
-              <a:rPr lang="en-GB" sz="2400" b="1" dirty="0" smtClean="0">
-                <a:solidFill>
-                  <a:schemeClr val="tx1">
-                    <a:lumMod val="95000"/>
-                  </a:schemeClr>
-                </a:solidFill>
-                <a:latin typeface="MV Boli" pitchFamily="2" charset="0"/>
-                <a:cs typeface="MV Boli" pitchFamily="2" charset="0"/>
-              </a:rPr>
-              <a:t>vs. Present	</a:t>
-            </a:r>
-            <a:endParaRPr lang="en-GB" sz="2400" b="1" dirty="0" smtClean="0">
-              <a:solidFill>
-                <a:schemeClr val="tx1">
-                  <a:lumMod val="95000"/>
-                </a:schemeClr>
-              </a:solidFill>
-              <a:latin typeface="MV Boli" pitchFamily="2" charset="0"/>
-              <a:cs typeface="MV Boli" pitchFamily="2" charset="0"/>
-            </a:endParaRPr>
+              <a:t>Gate 2 Promises vs. Present	</a:t>
+            </a:r>
           </a:p>
           <a:p>
             <a:pPr marL="285750" lvl="0" indent="-285750" algn="l">
@@ -9958,7 +10822,14 @@
                 <a:latin typeface="MV Boli" panose="02000500030200090000" pitchFamily="2" charset="0"/>
                 <a:cs typeface="MV Boli" panose="02000500030200090000" pitchFamily="2" charset="0"/>
               </a:rPr>
-              <a:t> Voodoo </a:t>
+              <a:t> </a:t>
+            </a:r>
+            <a:r>
+              <a:rPr lang="en-GB" sz="2400" dirty="0" smtClean="0">
+                <a:latin typeface="MV Boli" panose="02000500030200090000" pitchFamily="2" charset="0"/>
+                <a:cs typeface="MV Boli" panose="02000500030200090000" pitchFamily="2" charset="0"/>
+              </a:rPr>
+              <a:t>Doll 13 </a:t>
             </a:r>
             <a:r>
               <a:rPr lang="en-GB" sz="2400" dirty="0">
@@ -10976,10 +11847,6 @@
               </a:rPr>
               <a:t>+ Basic Sound</a:t>
             </a:r>
-            <a:endParaRPr lang="en-US" sz="1800" dirty="0" smtClean="0">
-              <a:latin typeface="MV Boli" pitchFamily="2" charset="0"/>
-              <a:cs typeface="MV Boli" pitchFamily="2" charset="0"/>
-            </a:endParaRPr>
           </a:p>
         </p:txBody>
       </p:sp>
@@ -11880,10 +12747,6 @@
               </a:rPr>
               <a:t>Polished Game</a:t>
             </a:r>
-            <a:endParaRPr lang="en-US" sz="2000" dirty="0" smtClean="0">
-              <a:latin typeface="MV Boli" pitchFamily="2" charset="0"/>
-              <a:cs typeface="MV Boli" pitchFamily="2" charset="0"/>
-            </a:endParaRPr>
           </a:p>
           <a:p>
             <a:pPr marL="285750" indent="-285750" algn="l">
@@ -11907,10 +12770,6 @@
               </a:rPr>
               <a:t>Tutorial</a:t>
             </a:r>
-            <a:endParaRPr lang="en-US" sz="2000" dirty="0" smtClean="0">
-              <a:latin typeface="MV Boli" pitchFamily="2" charset="0"/>
-              <a:cs typeface="MV Boli" pitchFamily="2" charset="0"/>
-            </a:endParaRPr>
           </a:p>
           <a:p>
             <a:pPr marL="285750" indent="-285750" algn="l">

--- a/_Organisation/Präsentation/Voodoo_PP2.pptx
+++ b/_Organisation/Präsentation/Voodoo_PP2.pptx
@@ -213,7 +213,7 @@
           <a:p>
             <a:fld id="{6970F1A7-B44C-47F4-9D4E-59C4A99A588C}" type="datetimeFigureOut">
               <a:rPr lang="de-DE" smtClean="0"/>
-              <a:t>04.07.2018</a:t>
+              <a:t>05.07.2018</a:t>
             </a:fld>
             <a:endParaRPr lang="de-DE"/>
           </a:p>
@@ -527,20 +527,14 @@
           <a:p>
             <a:r>
               <a:rPr lang="de-DE" dirty="0" smtClean="0"/>
-              <a:t>Hallo, mein Name ist Sonja Köck und ich bin der Producer von Team 13. Ich werde euch heute Gate 1 von unserem Projekt „Voodoo“</a:t>
+              <a:t>Hallo und willkommen zu Gate 2 von Doll 13,</a:t>
             </a:r>
             <a:r>
               <a:rPr lang="de-DE" baseline="0" dirty="0" smtClean="0"/>
-              <a:t> </a:t>
-            </a:r>
-            <a:r>
-              <a:rPr lang="de-DE" baseline="0" dirty="0" err="1" smtClean="0"/>
-              <a:t>praesentieren</a:t>
-            </a:r>
-            <a:r>
-              <a:rPr lang="de-DE" baseline="0" dirty="0" smtClean="0"/>
-              <a:t>.</a:t>
-            </a:r>
+              <a:t> ehemalig bekannt als „Voodoo“.</a:t>
+            </a:r>
+          </a:p>
+          <a:p>
             <a:endParaRPr lang="de-DE" dirty="0" smtClean="0"/>
           </a:p>
         </p:txBody>
@@ -627,47 +621,47 @@
           <a:p>
             <a:r>
               <a:rPr lang="en-US" dirty="0" smtClean="0"/>
-              <a:t>Unser Team </a:t>
-            </a:r>
-            <a:r>
-              <a:rPr lang="en-US" dirty="0" err="1" smtClean="0"/>
-              <a:t>dafuer</a:t>
-            </a:r>
-            <a:r>
-              <a:rPr lang="en-US" dirty="0" smtClean="0"/>
+              <a:t>Die</a:t>
+            </a:r>
+            <a:r>
+              <a:rPr lang="en-US" baseline="0" dirty="0" smtClean="0"/>
               <a:t> </a:t>
             </a:r>
             <a:r>
-              <a:rPr lang="en-US" dirty="0" err="1" smtClean="0"/>
-              <a:t>besteht</a:t>
-            </a:r>
-            <a:r>
-              <a:rPr lang="en-US" dirty="0" smtClean="0"/>
+              <a:rPr lang="en-US" baseline="0" dirty="0" err="1" smtClean="0"/>
+              <a:t>heutige</a:t>
+            </a:r>
+            <a:r>
+              <a:rPr lang="en-US" baseline="0" dirty="0" smtClean="0"/>
               <a:t> </a:t>
             </a:r>
             <a:r>
-              <a:rPr lang="en-US" dirty="0" err="1" smtClean="0"/>
-              <a:t>aus</a:t>
-            </a:r>
-            <a:r>
-              <a:rPr lang="en-US" dirty="0" smtClean="0"/>
+              <a:rPr lang="en-US" baseline="0" dirty="0" err="1" smtClean="0"/>
+              <a:t>Praesentation</a:t>
+            </a:r>
+            <a:r>
+              <a:rPr lang="en-US" baseline="0" dirty="0" smtClean="0"/>
               <a:t> </a:t>
             </a:r>
             <a:r>
-              <a:rPr lang="en-US" dirty="0" err="1" smtClean="0"/>
-              <a:t>unseren</a:t>
-            </a:r>
-            <a:r>
-              <a:rPr lang="en-US" dirty="0" smtClean="0"/>
-              <a:t> Artists:</a:t>
+              <a:rPr lang="en-US" baseline="0" dirty="0" err="1" smtClean="0"/>
+              <a:t>wird</a:t>
             </a:r>
             <a:r>
               <a:rPr lang="en-US" baseline="0" dirty="0" smtClean="0"/>
-              <a:t> Lou, Jesse, Michelle, Levin und </a:t>
+              <a:t> </a:t>
             </a:r>
             <a:r>
               <a:rPr lang="en-US" baseline="0" dirty="0" err="1" smtClean="0"/>
-              <a:t>Michi</a:t>
+              <a:t>kurz</a:t>
+            </a:r>
+            <a:r>
+              <a:rPr lang="en-US" baseline="0" dirty="0" smtClean="0"/>
+              <a:t> und </a:t>
+            </a:r>
+            <a:r>
+              <a:rPr lang="en-US" baseline="0" dirty="0" err="1" smtClean="0"/>
+              <a:t>knackig</a:t>
             </a:r>
             <a:r>
               <a:rPr lang="en-US" baseline="0" dirty="0" smtClean="0"/>
@@ -675,11 +669,195 @@
             </a:r>
             <a:r>
               <a:rPr lang="en-US" baseline="0" dirty="0" err="1" smtClean="0"/>
-              <a:t>wobei</a:t>
+              <a:t>damit</a:t>
             </a:r>
             <a:r>
               <a:rPr lang="en-US" baseline="0" dirty="0" smtClean="0"/>
-              <a:t> Jesse und Michelle </a:t>
+              <a:t> </a:t>
+            </a:r>
+            <a:r>
+              <a:rPr lang="en-US" baseline="0" dirty="0" err="1" smtClean="0"/>
+              <a:t>ihr</a:t>
+            </a:r>
+            <a:r>
+              <a:rPr lang="en-US" baseline="0" dirty="0" smtClean="0"/>
+              <a:t> </a:t>
+            </a:r>
+            <a:r>
+              <a:rPr lang="en-US" baseline="0" dirty="0" err="1" smtClean="0"/>
+              <a:t>euch</a:t>
+            </a:r>
+            <a:r>
+              <a:rPr lang="en-US" baseline="0" dirty="0" smtClean="0"/>
+              <a:t> </a:t>
+            </a:r>
+            <a:r>
+              <a:rPr lang="en-US" baseline="0" dirty="0" err="1" smtClean="0"/>
+              <a:t>moeglichst</a:t>
+            </a:r>
+            <a:r>
+              <a:rPr lang="en-US" baseline="0" dirty="0" smtClean="0"/>
+              <a:t> </a:t>
+            </a:r>
+            <a:r>
+              <a:rPr lang="en-US" baseline="0" dirty="0" err="1" smtClean="0"/>
+              <a:t>schnell</a:t>
+            </a:r>
+            <a:r>
+              <a:rPr lang="en-US" baseline="0" dirty="0" smtClean="0"/>
+              <a:t> </a:t>
+            </a:r>
+            <a:r>
+              <a:rPr lang="en-US" baseline="0" dirty="0" err="1" smtClean="0"/>
+              <a:t>einen</a:t>
+            </a:r>
+            <a:r>
+              <a:rPr lang="en-US" baseline="0" dirty="0" smtClean="0"/>
+              <a:t> </a:t>
+            </a:r>
+            <a:r>
+              <a:rPr lang="en-US" baseline="0" dirty="0" err="1" smtClean="0"/>
+              <a:t>direkten</a:t>
+            </a:r>
+            <a:r>
+              <a:rPr lang="en-US" baseline="0" dirty="0" smtClean="0"/>
+              <a:t> </a:t>
+            </a:r>
+            <a:r>
+              <a:rPr lang="en-US" baseline="0" dirty="0" err="1" smtClean="0"/>
+              <a:t>Eindruck</a:t>
+            </a:r>
+            <a:r>
+              <a:rPr lang="en-US" baseline="0" dirty="0" smtClean="0"/>
+              <a:t> </a:t>
+            </a:r>
+            <a:r>
+              <a:rPr lang="en-US" baseline="0" dirty="0" err="1" smtClean="0"/>
+              <a:t>vom</a:t>
+            </a:r>
+            <a:r>
+              <a:rPr lang="en-US" baseline="0" dirty="0" smtClean="0"/>
+              <a:t> Spiel Machen </a:t>
+            </a:r>
+            <a:r>
+              <a:rPr lang="en-US" baseline="0" dirty="0" err="1" smtClean="0"/>
+              <a:t>koennt</a:t>
+            </a:r>
+            <a:r>
+              <a:rPr lang="en-US" baseline="0" dirty="0" smtClean="0"/>
+              <a:t>. </a:t>
+            </a:r>
+            <a:r>
+              <a:rPr lang="en-US" baseline="0" dirty="0" err="1" smtClean="0"/>
+              <a:t>Ich</a:t>
+            </a:r>
+            <a:r>
+              <a:rPr lang="en-US" baseline="0" dirty="0" smtClean="0"/>
+              <a:t> </a:t>
+            </a:r>
+            <a:r>
+              <a:rPr lang="en-US" baseline="0" dirty="0" err="1" smtClean="0"/>
+              <a:t>werde</a:t>
+            </a:r>
+            <a:r>
+              <a:rPr lang="en-US" baseline="0" dirty="0" smtClean="0"/>
+              <a:t> </a:t>
+            </a:r>
+            <a:r>
+              <a:rPr lang="en-US" baseline="0" dirty="0" err="1" smtClean="0"/>
+              <a:t>euch</a:t>
+            </a:r>
+            <a:r>
+              <a:rPr lang="en-US" baseline="0" dirty="0" smtClean="0"/>
+              <a:t> </a:t>
+            </a:r>
+            <a:r>
+              <a:rPr lang="en-US" baseline="0" dirty="0" err="1" smtClean="0"/>
+              <a:t>ein</a:t>
+            </a:r>
+            <a:r>
+              <a:rPr lang="en-US" baseline="0" dirty="0" smtClean="0"/>
+              <a:t> </a:t>
+            </a:r>
+            <a:r>
+              <a:rPr lang="en-US" baseline="0" dirty="0" err="1" smtClean="0"/>
+              <a:t>kurzes</a:t>
+            </a:r>
+            <a:r>
+              <a:rPr lang="en-US" baseline="0" dirty="0" smtClean="0"/>
+              <a:t> Review </a:t>
+            </a:r>
+            <a:r>
+              <a:rPr lang="en-US" baseline="0" dirty="0" err="1" smtClean="0"/>
+              <a:t>zum</a:t>
+            </a:r>
+            <a:r>
+              <a:rPr lang="en-US" baseline="0" dirty="0" smtClean="0"/>
+              <a:t> Spiel und </a:t>
+            </a:r>
+            <a:r>
+              <a:rPr lang="en-US" baseline="0" dirty="0" err="1" smtClean="0"/>
+              <a:t>unserer</a:t>
+            </a:r>
+            <a:r>
+              <a:rPr lang="en-US" baseline="0" dirty="0" smtClean="0"/>
+              <a:t> Version </a:t>
+            </a:r>
+            <a:r>
+              <a:rPr lang="en-US" baseline="0" dirty="0" err="1" smtClean="0"/>
+              <a:t>davon</a:t>
+            </a:r>
+            <a:r>
+              <a:rPr lang="en-US" baseline="0" dirty="0" smtClean="0"/>
+              <a:t> </a:t>
+            </a:r>
+            <a:r>
+              <a:rPr lang="en-US" baseline="0" dirty="0" err="1" smtClean="0"/>
+              <a:t>geben</a:t>
+            </a:r>
+            <a:r>
+              <a:rPr lang="en-US" baseline="0" dirty="0" smtClean="0"/>
+              <a:t> und </a:t>
+            </a:r>
+            <a:r>
+              <a:rPr lang="en-US" baseline="0" dirty="0" err="1" smtClean="0"/>
+              <a:t>anschliessend</a:t>
+            </a:r>
+            <a:r>
+              <a:rPr lang="en-US" baseline="0" dirty="0" smtClean="0"/>
+              <a:t> </a:t>
+            </a:r>
+            <a:r>
+              <a:rPr lang="en-US" baseline="0" dirty="0" err="1" smtClean="0"/>
+              <a:t>werden</a:t>
+            </a:r>
+            <a:r>
+              <a:rPr lang="en-US" baseline="0" dirty="0" smtClean="0"/>
+              <a:t> </a:t>
+            </a:r>
+            <a:r>
+              <a:rPr lang="en-US" baseline="0" dirty="0" err="1" smtClean="0"/>
+              <a:t>wir</a:t>
+            </a:r>
+            <a:r>
+              <a:rPr lang="en-US" baseline="0" dirty="0" smtClean="0"/>
+              <a:t> </a:t>
+            </a:r>
+            <a:r>
+              <a:rPr lang="en-US" baseline="0" dirty="0" err="1" smtClean="0"/>
+              <a:t>kurz</a:t>
+            </a:r>
+            <a:r>
+              <a:rPr lang="en-US" baseline="0" dirty="0" smtClean="0"/>
+              <a:t> die </a:t>
+            </a:r>
+            <a:r>
+              <a:rPr lang="en-US" baseline="0" dirty="0" err="1" smtClean="0"/>
+              <a:t>bis</a:t>
+            </a:r>
+            <a:r>
+              <a:rPr lang="en-US" baseline="0" dirty="0" smtClean="0"/>
+              <a:t> </a:t>
             </a:r>
             <a:r>
               <a:rPr lang="en-US" baseline="0" dirty="0" err="1" smtClean="0"/>
@@ -691,7 +869,7 @@
             </a:r>
             <a:r>
               <a:rPr lang="en-US" baseline="0" dirty="0" err="1" smtClean="0"/>
-              <a:t>leider</a:t>
+              <a:t>gesetzten</a:t>
             </a:r>
             <a:r>
               <a:rPr lang="en-US" baseline="0" dirty="0" smtClean="0"/>
@@ -699,7 +877,15 @@
             </a:r>
             <a:r>
               <a:rPr lang="en-US" baseline="0" dirty="0" err="1" smtClean="0"/>
-              <a:t>krankheitsbedingt</a:t>
+              <a:t>Ziele</a:t>
+            </a:r>
+            <a:r>
+              <a:rPr lang="en-US" baseline="0" dirty="0" smtClean="0"/>
+              <a:t> und </a:t>
+            </a:r>
+            <a:r>
+              <a:rPr lang="en-US" baseline="0" dirty="0" err="1" smtClean="0"/>
+              <a:t>unseren</a:t>
             </a:r>
             <a:r>
               <a:rPr lang="en-US" baseline="0" dirty="0" smtClean="0"/>
@@ -707,7 +893,23 @@
             </a:r>
             <a:r>
               <a:rPr lang="en-US" baseline="0" dirty="0" err="1" smtClean="0"/>
-              <a:t>zu</a:t>
+              <a:t>tatsaechlichen</a:t>
+            </a:r>
+            <a:r>
+              <a:rPr lang="en-US" baseline="0" dirty="0" smtClean="0"/>
+              <a:t> Stand </a:t>
+            </a:r>
+            <a:r>
+              <a:rPr lang="en-US" baseline="0" dirty="0" err="1" smtClean="0"/>
+              <a:t>durchgehen</a:t>
+            </a:r>
+            <a:r>
+              <a:rPr lang="en-US" baseline="0" dirty="0" smtClean="0"/>
+              <a:t>. </a:t>
+            </a:r>
+            <a:r>
+              <a:rPr lang="en-US" baseline="0" dirty="0" err="1" smtClean="0"/>
+              <a:t>Danach</a:t>
             </a:r>
             <a:r>
               <a:rPr lang="en-US" baseline="0" dirty="0" smtClean="0"/>
@@ -715,7 +917,7 @@
             </a:r>
             <a:r>
               <a:rPr lang="en-US" baseline="0" dirty="0" err="1" smtClean="0"/>
-              <a:t>Hause</a:t>
+              <a:t>praesentiere</a:t>
             </a:r>
             <a:r>
               <a:rPr lang="en-US" baseline="0" dirty="0" smtClean="0"/>
@@ -723,7 +925,7 @@
             </a:r>
             <a:r>
               <a:rPr lang="en-US" baseline="0" dirty="0" err="1" smtClean="0"/>
-              <a:t>bleiben</a:t>
+              <a:t>ich</a:t>
             </a:r>
             <a:r>
               <a:rPr lang="en-US" baseline="0" dirty="0" smtClean="0"/>
@@ -731,15 +933,23 @@
             </a:r>
             <a:r>
               <a:rPr lang="en-US" baseline="0" dirty="0" err="1" smtClean="0"/>
-              <a:t>mussten</a:t>
+              <a:t>euch</a:t>
             </a:r>
             <a:r>
               <a:rPr lang="en-US" baseline="0" dirty="0" smtClean="0"/>
-              <a:t>. </a:t>
+              <a:t> die </a:t>
             </a:r>
             <a:r>
               <a:rPr lang="en-US" baseline="0" dirty="0" err="1" smtClean="0"/>
-              <a:t>Weiters</a:t>
+              <a:t>Ziele</a:t>
+            </a:r>
+            <a:r>
+              <a:rPr lang="en-US" baseline="0" dirty="0" smtClean="0"/>
+              <a:t>, die </a:t>
+            </a:r>
+            <a:r>
+              <a:rPr lang="en-US" baseline="0" dirty="0" err="1" smtClean="0"/>
+              <a:t>wir</a:t>
             </a:r>
             <a:r>
               <a:rPr lang="en-US" baseline="0" dirty="0" smtClean="0"/>
@@ -747,7 +957,7 @@
             </a:r>
             <a:r>
               <a:rPr lang="en-US" baseline="0" dirty="0" err="1" smtClean="0"/>
-              <a:t>haben</a:t>
+              <a:t>uns</a:t>
             </a:r>
             <a:r>
               <a:rPr lang="en-US" baseline="0" dirty="0" smtClean="0"/>
@@ -755,7 +965,7 @@
             </a:r>
             <a:r>
               <a:rPr lang="en-US" baseline="0" dirty="0" err="1" smtClean="0"/>
-              <a:t>wir</a:t>
+              <a:t>bis</a:t>
             </a:r>
             <a:r>
               <a:rPr lang="en-US" baseline="0" dirty="0" smtClean="0"/>
@@ -763,7 +973,7 @@
             </a:r>
             <a:r>
               <a:rPr lang="en-US" baseline="0" dirty="0" err="1" smtClean="0"/>
-              <a:t>noch</a:t>
+              <a:t>zum</a:t>
             </a:r>
             <a:r>
               <a:rPr lang="en-US" baseline="0" dirty="0" smtClean="0"/>
@@ -771,15 +981,7 @@
             </a:r>
             <a:r>
               <a:rPr lang="en-US" baseline="0" dirty="0" err="1" smtClean="0"/>
-              <a:t>unseren</a:t>
-            </a:r>
-            <a:r>
-              <a:rPr lang="en-US" baseline="0" dirty="0" smtClean="0"/>
-              <a:t> Game Designer Tobias, </a:t>
-            </a:r>
-            <a:r>
-              <a:rPr lang="en-US" baseline="0" dirty="0" err="1" smtClean="0"/>
-              <a:t>Artjom</a:t>
+              <a:t>Goldmaster</a:t>
             </a:r>
             <a:r>
               <a:rPr lang="en-US" baseline="0" dirty="0" smtClean="0"/>
@@ -787,7 +989,7 @@
             </a:r>
             <a:r>
               <a:rPr lang="en-US" baseline="0" dirty="0" err="1" smtClean="0"/>
-              <a:t>als</a:t>
+              <a:t>gesetzt</a:t>
             </a:r>
             <a:r>
               <a:rPr lang="en-US" baseline="0" dirty="0" smtClean="0"/>
@@ -795,7 +997,7 @@
             </a:r>
             <a:r>
               <a:rPr lang="en-US" baseline="0" dirty="0" err="1" smtClean="0"/>
-              <a:t>Programmierer</a:t>
+              <a:t>haben</a:t>
             </a:r>
             <a:r>
               <a:rPr lang="en-US" baseline="0" dirty="0" smtClean="0"/>
@@ -803,7 +1005,7 @@
             </a:r>
             <a:r>
               <a:rPr lang="en-US" baseline="0" dirty="0" err="1" smtClean="0"/>
-              <a:t>schliesslich</a:t>
+              <a:t>dann</a:t>
             </a:r>
             <a:r>
               <a:rPr lang="en-US" baseline="0" dirty="0" smtClean="0"/>
@@ -811,7 +1013,7 @@
             </a:r>
             <a:r>
               <a:rPr lang="en-US" baseline="0" dirty="0" err="1" smtClean="0"/>
-              <a:t>noch</a:t>
+              <a:t>geht</a:t>
             </a:r>
             <a:r>
               <a:rPr lang="en-US" baseline="0" dirty="0" smtClean="0"/>
@@ -819,7 +1021,7 @@
             </a:r>
             <a:r>
               <a:rPr lang="en-US" baseline="0" dirty="0" err="1" smtClean="0"/>
-              <a:t>mich</a:t>
+              <a:t>es</a:t>
             </a:r>
             <a:r>
               <a:rPr lang="en-US" baseline="0" dirty="0" smtClean="0"/>
@@ -827,42 +1029,7 @@
             </a:r>
             <a:r>
               <a:rPr lang="en-US" baseline="0" dirty="0" err="1" smtClean="0"/>
-              <a:t>als</a:t>
-            </a:r>
-            <a:r>
-              <a:rPr lang="en-US" baseline="0" dirty="0" smtClean="0"/>
-              <a:t> Producer.</a:t>
-            </a:r>
-            <a:br>
-              <a:rPr lang="en-US" baseline="0" dirty="0" smtClean="0"/>
-            </a:br>
-            <a:r>
-              <a:rPr lang="en-US" dirty="0" err="1" smtClean="0"/>
-              <a:t>Wir</a:t>
-            </a:r>
-            <a:r>
-              <a:rPr lang="en-US" dirty="0" smtClean="0"/>
-              <a:t> </a:t>
-            </a:r>
-            <a:r>
-              <a:rPr lang="en-US" dirty="0" err="1" smtClean="0"/>
-              <a:t>hatten</a:t>
-            </a:r>
-            <a:r>
-              <a:rPr lang="en-US" dirty="0" smtClean="0"/>
-              <a:t> </a:t>
-            </a:r>
-            <a:r>
-              <a:rPr lang="en-US" dirty="0" err="1" smtClean="0"/>
-              <a:t>anfangs</a:t>
-            </a:r>
-            <a:r>
-              <a:rPr lang="en-US" dirty="0" smtClean="0"/>
-              <a:t> </a:t>
-            </a:r>
-            <a:r>
-              <a:rPr lang="en-US" dirty="0" err="1" smtClean="0"/>
-              <a:t>Schwierigkeiten</a:t>
+              <a:t>auch</a:t>
             </a:r>
             <a:r>
               <a:rPr lang="en-US" baseline="0" dirty="0" smtClean="0"/>
@@ -870,23 +1037,7 @@
             </a:r>
             <a:r>
               <a:rPr lang="en-US" baseline="0" dirty="0" err="1" smtClean="0"/>
-              <a:t>mit</a:t>
-            </a:r>
-            <a:r>
-              <a:rPr lang="en-US" baseline="0" dirty="0" smtClean="0"/>
-              <a:t> der </a:t>
-            </a:r>
-            <a:r>
-              <a:rPr lang="en-US" baseline="0" dirty="0" err="1" smtClean="0"/>
-              <a:t>Kommunikation</a:t>
-            </a:r>
-            <a:r>
-              <a:rPr lang="en-US" baseline="0" dirty="0" smtClean="0"/>
-              <a:t>, </a:t>
-            </a:r>
-            <a:r>
-              <a:rPr lang="en-US" baseline="0" dirty="0" err="1" smtClean="0"/>
-              <a:t>jedoch</a:t>
+              <a:t>schon</a:t>
             </a:r>
             <a:r>
               <a:rPr lang="en-US" baseline="0" dirty="0" smtClean="0"/>
@@ -894,7 +1045,7 @@
             </a:r>
             <a:r>
               <a:rPr lang="en-US" baseline="0" dirty="0" err="1" smtClean="0"/>
-              <a:t>haben</a:t>
+              <a:t>weiter</a:t>
             </a:r>
             <a:r>
               <a:rPr lang="en-US" baseline="0" dirty="0" smtClean="0"/>
@@ -902,533 +1053,18 @@
             </a:r>
             <a:r>
               <a:rPr lang="en-US" baseline="0" dirty="0" err="1" smtClean="0"/>
-              <a:t>sich</a:t>
+              <a:t>zum</a:t>
             </a:r>
             <a:r>
               <a:rPr lang="en-US" baseline="0" dirty="0" smtClean="0"/>
-              <a:t> </a:t>
+              <a:t> Spiel </a:t>
             </a:r>
             <a:r>
               <a:rPr lang="en-US" baseline="0" dirty="0" err="1" smtClean="0"/>
-              <a:t>diese</a:t>
-            </a:r>
-            <a:r>
-              <a:rPr lang="en-US" baseline="0" dirty="0" smtClean="0"/>
-              <a:t> </a:t>
-            </a:r>
-            <a:r>
-              <a:rPr lang="en-US" baseline="0" dirty="0" err="1" smtClean="0"/>
-              <a:t>mit</a:t>
-            </a:r>
-            <a:r>
-              <a:rPr lang="en-US" baseline="0" dirty="0" smtClean="0"/>
-              <a:t> </a:t>
-            </a:r>
-            <a:r>
-              <a:rPr lang="en-US" baseline="0" dirty="0" err="1" smtClean="0"/>
-              <a:t>regelmaessigen</a:t>
-            </a:r>
-            <a:r>
-              <a:rPr lang="en-US" baseline="0" dirty="0" smtClean="0"/>
-              <a:t> </a:t>
-            </a:r>
-            <a:r>
-              <a:rPr lang="en-US" baseline="0" dirty="0" err="1" smtClean="0"/>
-              <a:t>Gespraechen</a:t>
-            </a:r>
-            <a:r>
-              <a:rPr lang="en-US" baseline="0" dirty="0" smtClean="0"/>
-              <a:t> </a:t>
-            </a:r>
-            <a:r>
-              <a:rPr lang="en-US" baseline="0" dirty="0" err="1" smtClean="0"/>
-              <a:t>zu</a:t>
-            </a:r>
-            <a:r>
-              <a:rPr lang="en-US" baseline="0" dirty="0" smtClean="0"/>
-              <a:t> ca. 80% </a:t>
-            </a:r>
-            <a:r>
-              <a:rPr lang="en-US" baseline="0" dirty="0" err="1" smtClean="0"/>
-              <a:t>klaeren</a:t>
-            </a:r>
-            <a:r>
-              <a:rPr lang="en-US" baseline="0" dirty="0" smtClean="0"/>
-              <a:t> </a:t>
-            </a:r>
-            <a:r>
-              <a:rPr lang="en-US" baseline="0" dirty="0" err="1" smtClean="0"/>
-              <a:t>lassen</a:t>
-            </a:r>
-            <a:r>
-              <a:rPr lang="en-US" baseline="0" dirty="0" smtClean="0"/>
-              <a:t>. </a:t>
-            </a:r>
-            <a:r>
-              <a:rPr lang="en-US" baseline="0" dirty="0" err="1" smtClean="0"/>
-              <a:t>Weiters</a:t>
-            </a:r>
-            <a:r>
-              <a:rPr lang="en-US" baseline="0" dirty="0" smtClean="0"/>
-              <a:t> </a:t>
-            </a:r>
-            <a:r>
-              <a:rPr lang="en-US" baseline="0" dirty="0" err="1" smtClean="0"/>
-              <a:t>hatten</a:t>
-            </a:r>
-            <a:r>
-              <a:rPr lang="en-US" baseline="0" dirty="0" smtClean="0"/>
-              <a:t> und </a:t>
-            </a:r>
-            <a:r>
-              <a:rPr lang="en-US" baseline="0" dirty="0" err="1" smtClean="0"/>
-              <a:t>haben</a:t>
-            </a:r>
-            <a:r>
-              <a:rPr lang="en-US" baseline="0" dirty="0" smtClean="0"/>
-              <a:t> </a:t>
-            </a:r>
-            <a:r>
-              <a:rPr lang="en-US" baseline="0" dirty="0" err="1" smtClean="0"/>
-              <a:t>wir</a:t>
-            </a:r>
-            <a:r>
-              <a:rPr lang="en-US" baseline="0" dirty="0" smtClean="0"/>
-              <a:t> in </a:t>
-            </a:r>
-            <a:r>
-              <a:rPr lang="en-US" baseline="0" dirty="0" err="1" smtClean="0"/>
-              <a:t>unserem</a:t>
-            </a:r>
-            <a:r>
-              <a:rPr lang="en-US" baseline="0" dirty="0" smtClean="0"/>
-              <a:t> Art-Department </a:t>
-            </a:r>
-            <a:r>
-              <a:rPr lang="en-US" baseline="0" dirty="0" err="1" smtClean="0"/>
-              <a:t>einige</a:t>
-            </a:r>
-            <a:r>
-              <a:rPr lang="en-US" baseline="0" dirty="0" smtClean="0"/>
-              <a:t> </a:t>
-            </a:r>
-            <a:r>
-              <a:rPr lang="en-US" baseline="0" dirty="0" err="1" smtClean="0"/>
-              <a:t>krankheits</a:t>
-            </a:r>
-            <a:r>
-              <a:rPr lang="en-US" baseline="0" dirty="0" smtClean="0"/>
-              <a:t>- und </a:t>
-            </a:r>
-            <a:r>
-              <a:rPr lang="en-US" baseline="0" dirty="0" err="1" smtClean="0"/>
-              <a:t>durch</a:t>
-            </a:r>
-            <a:r>
-              <a:rPr lang="en-US" baseline="0" dirty="0" smtClean="0"/>
-              <a:t> </a:t>
-            </a:r>
-            <a:r>
-              <a:rPr lang="en-US" baseline="0" dirty="0" err="1" smtClean="0"/>
-              <a:t>anderweitige</a:t>
-            </a:r>
-            <a:r>
-              <a:rPr lang="en-US" baseline="0" dirty="0" smtClean="0"/>
-              <a:t> </a:t>
-            </a:r>
-            <a:r>
-              <a:rPr lang="en-US" baseline="0" dirty="0" err="1" smtClean="0"/>
-              <a:t>Arbeit</a:t>
-            </a:r>
-            <a:r>
-              <a:rPr lang="en-US" baseline="0" dirty="0" smtClean="0"/>
-              <a:t> </a:t>
-            </a:r>
-            <a:r>
-              <a:rPr lang="en-US" baseline="0" dirty="0" err="1" smtClean="0"/>
-              <a:t>bedingte</a:t>
-            </a:r>
-            <a:r>
-              <a:rPr lang="en-US" baseline="0" dirty="0" smtClean="0"/>
-              <a:t> </a:t>
-            </a:r>
-            <a:r>
-              <a:rPr lang="en-US" baseline="0" dirty="0" err="1" smtClean="0"/>
-              <a:t>Ausfaelle</a:t>
-            </a:r>
-            <a:r>
-              <a:rPr lang="en-US" baseline="0" dirty="0" smtClean="0"/>
-              <a:t>, </a:t>
-            </a:r>
-            <a:r>
-              <a:rPr lang="en-US" baseline="0" dirty="0" err="1" smtClean="0"/>
-              <a:t>wie</a:t>
-            </a:r>
-            <a:r>
-              <a:rPr lang="en-US" baseline="0" dirty="0" smtClean="0"/>
-              <a:t> </a:t>
-            </a:r>
-            <a:r>
-              <a:rPr lang="en-US" baseline="0" dirty="0" err="1" smtClean="0"/>
-              <a:t>heute</a:t>
-            </a:r>
-            <a:r>
-              <a:rPr lang="en-US" baseline="0" dirty="0" smtClean="0"/>
-              <a:t> </a:t>
-            </a:r>
-            <a:r>
-              <a:rPr lang="en-US" baseline="0" dirty="0" err="1" smtClean="0"/>
-              <a:t>zum</a:t>
-            </a:r>
-            <a:r>
-              <a:rPr lang="en-US" baseline="0" dirty="0" smtClean="0"/>
-              <a:t> </a:t>
-            </a:r>
-            <a:r>
-              <a:rPr lang="en-US" baseline="0" dirty="0" err="1" smtClean="0"/>
-              <a:t>Beispiel</a:t>
-            </a:r>
-            <a:r>
-              <a:rPr lang="en-US" baseline="0" dirty="0" smtClean="0"/>
-              <a:t> von Michelle und Jesse. </a:t>
-            </a:r>
-            <a:r>
-              <a:rPr lang="en-US" baseline="0" dirty="0" err="1" smtClean="0"/>
-              <a:t>Ausserdem</a:t>
-            </a:r>
-            <a:r>
-              <a:rPr lang="en-US" baseline="0" dirty="0" smtClean="0"/>
-              <a:t> </a:t>
-            </a:r>
-            <a:r>
-              <a:rPr lang="en-US" baseline="0" dirty="0" err="1" smtClean="0"/>
-              <a:t>wird</a:t>
-            </a:r>
-            <a:r>
-              <a:rPr lang="en-US" baseline="0" dirty="0" smtClean="0"/>
-              <a:t> </a:t>
-            </a:r>
-            <a:r>
-              <a:rPr lang="en-US" baseline="0" dirty="0" err="1" smtClean="0"/>
-              <a:t>unsere</a:t>
-            </a:r>
-            <a:r>
-              <a:rPr lang="en-US" baseline="0" dirty="0" smtClean="0"/>
-              <a:t> </a:t>
-            </a:r>
-            <a:r>
-              <a:rPr lang="en-US" baseline="0" dirty="0" err="1" smtClean="0"/>
-              <a:t>Animatorin</a:t>
-            </a:r>
-            <a:r>
-              <a:rPr lang="en-US" baseline="0" dirty="0" smtClean="0"/>
-              <a:t> </a:t>
-            </a:r>
-            <a:r>
-              <a:rPr lang="en-US" baseline="0" dirty="0" err="1" smtClean="0"/>
-              <a:t>Michi</a:t>
-            </a:r>
-            <a:r>
-              <a:rPr lang="en-US" baseline="0" dirty="0" smtClean="0"/>
-              <a:t> </a:t>
-            </a:r>
-            <a:r>
-              <a:rPr lang="en-US" baseline="0" dirty="0" err="1" smtClean="0"/>
-              <a:t>noch</a:t>
-            </a:r>
-            <a:r>
-              <a:rPr lang="en-US" baseline="0" dirty="0" smtClean="0"/>
-              <a:t> </a:t>
-            </a:r>
-            <a:r>
-              <a:rPr lang="en-US" baseline="0" dirty="0" err="1" smtClean="0"/>
-              <a:t>fuer</a:t>
-            </a:r>
-            <a:r>
-              <a:rPr lang="en-US" baseline="0" dirty="0" smtClean="0"/>
-              <a:t> </a:t>
-            </a:r>
-            <a:r>
-              <a:rPr lang="en-US" baseline="0" dirty="0" err="1" smtClean="0"/>
-              <a:t>weitere</a:t>
-            </a:r>
-            <a:r>
-              <a:rPr lang="en-US" baseline="0" dirty="0" smtClean="0"/>
-              <a:t> 3 </a:t>
-            </a:r>
-            <a:r>
-              <a:rPr lang="en-US" baseline="0" dirty="0" err="1" smtClean="0"/>
-              <a:t>Wochen</a:t>
-            </a:r>
-            <a:r>
-              <a:rPr lang="en-US" baseline="0" dirty="0" smtClean="0"/>
-              <a:t> von Metric Minds </a:t>
-            </a:r>
-            <a:r>
-              <a:rPr lang="en-US" baseline="0" dirty="0" err="1" smtClean="0"/>
-              <a:t>beanschlagt</a:t>
-            </a:r>
-            <a:r>
-              <a:rPr lang="en-US" baseline="0" dirty="0" smtClean="0"/>
-              <a:t>. </a:t>
-            </a:r>
-            <a:r>
-              <a:rPr lang="en-US" baseline="0" dirty="0" err="1" smtClean="0"/>
-              <a:t>Diese</a:t>
-            </a:r>
-            <a:r>
-              <a:rPr lang="en-US" baseline="0" dirty="0" smtClean="0"/>
-              <a:t> </a:t>
-            </a:r>
-            <a:r>
-              <a:rPr lang="en-US" baseline="0" dirty="0" err="1" smtClean="0"/>
-              <a:t>Ausfaelle</a:t>
-            </a:r>
-            <a:r>
-              <a:rPr lang="en-US" baseline="0" dirty="0" smtClean="0"/>
-              <a:t> </a:t>
-            </a:r>
-            <a:r>
-              <a:rPr lang="en-US" baseline="0" dirty="0" err="1" smtClean="0"/>
-              <a:t>halten</a:t>
-            </a:r>
-            <a:r>
-              <a:rPr lang="en-US" baseline="0" dirty="0" smtClean="0"/>
-              <a:t> </a:t>
-            </a:r>
-            <a:r>
-              <a:rPr lang="en-US" baseline="0" dirty="0" err="1" smtClean="0"/>
-              <a:t>sich</a:t>
-            </a:r>
-            <a:r>
-              <a:rPr lang="en-US" baseline="0" dirty="0" smtClean="0"/>
-              <a:t>  </a:t>
-            </a:r>
-            <a:r>
-              <a:rPr lang="en-US" baseline="0" dirty="0" err="1" smtClean="0"/>
-              <a:t>aber</a:t>
-            </a:r>
-            <a:r>
-              <a:rPr lang="en-US" baseline="0" dirty="0" smtClean="0"/>
-              <a:t> </a:t>
-            </a:r>
-            <a:r>
-              <a:rPr lang="en-US" baseline="0" dirty="0" err="1" smtClean="0"/>
-              <a:t>bisher</a:t>
-            </a:r>
-            <a:r>
-              <a:rPr lang="en-US" baseline="0" dirty="0" smtClean="0"/>
-              <a:t> </a:t>
-            </a:r>
-            <a:r>
-              <a:rPr lang="en-US" baseline="0" dirty="0" err="1" smtClean="0"/>
-              <a:t>noch</a:t>
-            </a:r>
-            <a:r>
-              <a:rPr lang="en-US" baseline="0" dirty="0" smtClean="0"/>
-              <a:t> in </a:t>
-            </a:r>
-            <a:r>
-              <a:rPr lang="en-US" baseline="0" dirty="0" err="1" smtClean="0"/>
-              <a:t>einem</a:t>
-            </a:r>
-            <a:r>
-              <a:rPr lang="en-US" baseline="0" dirty="0" smtClean="0"/>
-              <a:t> </a:t>
-            </a:r>
-            <a:r>
-              <a:rPr lang="en-US" baseline="0" dirty="0" err="1" smtClean="0"/>
-              <a:t>zuvor</a:t>
-            </a:r>
-            <a:r>
-              <a:rPr lang="en-US" baseline="0" dirty="0" smtClean="0"/>
-              <a:t> </a:t>
-            </a:r>
-            <a:r>
-              <a:rPr lang="en-US" baseline="0" dirty="0" err="1" smtClean="0"/>
-              <a:t>miteingerechneten</a:t>
-            </a:r>
-            <a:r>
-              <a:rPr lang="en-US" baseline="0" dirty="0" smtClean="0"/>
-              <a:t> </a:t>
-            </a:r>
-            <a:r>
-              <a:rPr lang="en-US" baseline="0" dirty="0" err="1" smtClean="0"/>
-              <a:t>Rahmen</a:t>
-            </a:r>
-            <a:r>
-              <a:rPr lang="en-US" baseline="0" dirty="0" smtClean="0"/>
-              <a:t> und </a:t>
-            </a:r>
-            <a:r>
-              <a:rPr lang="en-US" baseline="0" dirty="0" err="1" smtClean="0"/>
-              <a:t>sollten</a:t>
-            </a:r>
-            <a:r>
-              <a:rPr lang="en-US" baseline="0" dirty="0" smtClean="0"/>
-              <a:t> </a:t>
-            </a:r>
-            <a:r>
-              <a:rPr lang="en-US" baseline="0" dirty="0" err="1" smtClean="0"/>
-              <a:t>somit</a:t>
-            </a:r>
-            <a:r>
-              <a:rPr lang="en-US" baseline="0" dirty="0" smtClean="0"/>
-              <a:t> </a:t>
-            </a:r>
-            <a:r>
-              <a:rPr lang="en-US" baseline="0" dirty="0" err="1" smtClean="0"/>
-              <a:t>keine</a:t>
-            </a:r>
-            <a:r>
-              <a:rPr lang="en-US" baseline="0" dirty="0" smtClean="0"/>
-              <a:t> </a:t>
-            </a:r>
-            <a:r>
-              <a:rPr lang="en-US" baseline="0" dirty="0" err="1" smtClean="0"/>
-              <a:t>allzu</a:t>
-            </a:r>
-            <a:r>
-              <a:rPr lang="en-US" baseline="0" dirty="0" smtClean="0"/>
-              <a:t> negative </a:t>
-            </a:r>
-            <a:r>
-              <a:rPr lang="en-US" baseline="0" dirty="0" err="1" smtClean="0"/>
-              <a:t>Auswirkungen</a:t>
-            </a:r>
-            <a:r>
-              <a:rPr lang="en-US" baseline="0" dirty="0" smtClean="0"/>
-              <a:t> auf </a:t>
-            </a:r>
-            <a:r>
-              <a:rPr lang="en-US" baseline="0" dirty="0" err="1" smtClean="0"/>
-              <a:t>unsere</a:t>
-            </a:r>
-            <a:r>
-              <a:rPr lang="en-US" baseline="0" dirty="0" smtClean="0"/>
-              <a:t> </a:t>
-            </a:r>
-            <a:r>
-              <a:rPr lang="en-US" baseline="0" dirty="0" err="1" smtClean="0"/>
-              <a:t>Produktion</a:t>
-            </a:r>
-            <a:r>
-              <a:rPr lang="en-US" baseline="0" dirty="0" smtClean="0"/>
-              <a:t> </a:t>
-            </a:r>
-            <a:r>
-              <a:rPr lang="en-US" baseline="0" dirty="0" err="1" smtClean="0"/>
-              <a:t>haben</a:t>
-            </a:r>
-            <a:r>
-              <a:rPr lang="en-US" baseline="0" dirty="0" smtClean="0"/>
-              <a:t>. </a:t>
-            </a:r>
-            <a:br>
-              <a:rPr lang="en-US" baseline="0" dirty="0" smtClean="0"/>
-            </a:br>
-            <a:r>
-              <a:rPr lang="en-US" baseline="0" dirty="0" err="1" smtClean="0"/>
-              <a:t>Damit</a:t>
-            </a:r>
-            <a:r>
-              <a:rPr lang="en-US" baseline="0" dirty="0" smtClean="0"/>
-              <a:t> </a:t>
-            </a:r>
-            <a:r>
-              <a:rPr lang="en-US" baseline="0" dirty="0" err="1" smtClean="0"/>
-              <a:t>kommen</a:t>
-            </a:r>
-            <a:r>
-              <a:rPr lang="en-US" baseline="0" dirty="0" smtClean="0"/>
-              <a:t> </a:t>
-            </a:r>
-            <a:r>
-              <a:rPr lang="en-US" baseline="0" dirty="0" err="1" smtClean="0"/>
-              <a:t>wir</a:t>
-            </a:r>
-            <a:r>
-              <a:rPr lang="en-US" baseline="0" dirty="0" smtClean="0"/>
-              <a:t> </a:t>
-            </a:r>
-            <a:r>
-              <a:rPr lang="en-US" baseline="0" dirty="0" err="1" smtClean="0"/>
-              <a:t>dann</a:t>
-            </a:r>
-            <a:r>
-              <a:rPr lang="en-US" baseline="0" dirty="0" smtClean="0"/>
-              <a:t> </a:t>
-            </a:r>
-            <a:r>
-              <a:rPr lang="en-US" baseline="0" dirty="0" err="1" smtClean="0"/>
-              <a:t>auch</a:t>
-            </a:r>
-            <a:r>
-              <a:rPr lang="en-US" baseline="0" dirty="0" smtClean="0"/>
-              <a:t> direct </a:t>
-            </a:r>
-            <a:r>
-              <a:rPr lang="en-US" baseline="0" dirty="0" err="1" smtClean="0"/>
-              <a:t>zu</a:t>
-            </a:r>
-            <a:r>
-              <a:rPr lang="en-US" baseline="0" dirty="0" smtClean="0"/>
-              <a:t> </a:t>
-            </a:r>
-            <a:r>
-              <a:rPr lang="en-US" baseline="0" dirty="0" err="1" smtClean="0"/>
-              <a:t>unseren</a:t>
-            </a:r>
-            <a:r>
-              <a:rPr lang="en-US" baseline="0" dirty="0" smtClean="0"/>
-              <a:t> </a:t>
-            </a:r>
-            <a:r>
-              <a:rPr lang="en-US" baseline="0" dirty="0" err="1" smtClean="0"/>
-              <a:t>Zielen</a:t>
-            </a:r>
-            <a:r>
-              <a:rPr lang="en-US" baseline="0" dirty="0" smtClean="0"/>
-              <a:t>, die </a:t>
-            </a:r>
-            <a:r>
-              <a:rPr lang="en-US" baseline="0" dirty="0" err="1" smtClean="0"/>
-              <a:t>wir</a:t>
-            </a:r>
-            <a:r>
-              <a:rPr lang="en-US" baseline="0" dirty="0" smtClean="0"/>
-              <a:t> </a:t>
-            </a:r>
-            <a:r>
-              <a:rPr lang="en-US" baseline="0" dirty="0" err="1" smtClean="0"/>
-              <a:t>uns</a:t>
-            </a:r>
-            <a:r>
-              <a:rPr lang="en-US" baseline="0" dirty="0" smtClean="0"/>
-              <a:t> </a:t>
-            </a:r>
-            <a:r>
-              <a:rPr lang="en-US" baseline="0" dirty="0" err="1" smtClean="0"/>
-              <a:t>fuer</a:t>
-            </a:r>
-            <a:r>
-              <a:rPr lang="en-US" baseline="0" dirty="0" smtClean="0"/>
-              <a:t> gate 1 </a:t>
-            </a:r>
-            <a:r>
-              <a:rPr lang="en-US" baseline="0" dirty="0" err="1" smtClean="0"/>
-              <a:t>gesaetzt</a:t>
-            </a:r>
-            <a:r>
-              <a:rPr lang="en-US" baseline="0" dirty="0" smtClean="0"/>
-              <a:t> </a:t>
-            </a:r>
-            <a:r>
-              <a:rPr lang="en-US" baseline="0" dirty="0" err="1" smtClean="0"/>
-              <a:t>hatten</a:t>
-            </a:r>
-            <a:r>
-              <a:rPr lang="en-US" baseline="0" dirty="0" smtClean="0"/>
+              <a:t>selbst</a:t>
+            </a:r>
+            <a:r>
+              <a:rPr lang="en-US" baseline="0" smtClean="0"/>
               <a:t>.</a:t>
             </a:r>
             <a:endParaRPr lang="de-DE" dirty="0"/>
@@ -2328,7 +1964,7 @@
               <a:t>praesentieren</a:t>
             </a:r>
             <a:r>
-              <a:rPr lang="en-US" baseline="0" smtClean="0"/>
+              <a:rPr lang="en-US" baseline="0" dirty="0" smtClean="0"/>
               <a:t>.</a:t>
             </a:r>
             <a:endParaRPr lang="de-DE" dirty="0"/>
@@ -2504,7 +2140,7 @@
           <a:p>
             <a:fld id="{1DC63592-9D31-432D-A510-4EFC698F70CA}" type="datetimeFigureOut">
               <a:rPr lang="de-DE" smtClean="0"/>
-              <a:t>04.07.2018</a:t>
+              <a:t>05.07.2018</a:t>
             </a:fld>
             <a:endParaRPr lang="de-DE"/>
           </a:p>
@@ -2791,7 +2427,7 @@
           <a:p>
             <a:fld id="{1DC63592-9D31-432D-A510-4EFC698F70CA}" type="datetimeFigureOut">
               <a:rPr lang="de-DE" smtClean="0"/>
-              <a:t>04.07.2018</a:t>
+              <a:t>05.07.2018</a:t>
             </a:fld>
             <a:endParaRPr lang="de-DE"/>
           </a:p>
@@ -2983,7 +2619,7 @@
           <a:p>
             <a:fld id="{1DC63592-9D31-432D-A510-4EFC698F70CA}" type="datetimeFigureOut">
               <a:rPr lang="de-DE" smtClean="0"/>
-              <a:t>04.07.2018</a:t>
+              <a:t>05.07.2018</a:t>
             </a:fld>
             <a:endParaRPr lang="de-DE"/>
           </a:p>
@@ -3244,7 +2880,7 @@
           <a:p>
             <a:fld id="{1DC63592-9D31-432D-A510-4EFC698F70CA}" type="datetimeFigureOut">
               <a:rPr lang="de-DE" smtClean="0"/>
-              <a:t>04.07.2018</a:t>
+              <a:t>05.07.2018</a:t>
             </a:fld>
             <a:endParaRPr lang="de-DE"/>
           </a:p>
@@ -3668,7 +3304,7 @@
           <a:p>
             <a:fld id="{1DC63592-9D31-432D-A510-4EFC698F70CA}" type="datetimeFigureOut">
               <a:rPr lang="de-DE" smtClean="0"/>
-              <a:t>04.07.2018</a:t>
+              <a:t>05.07.2018</a:t>
             </a:fld>
             <a:endParaRPr lang="de-DE"/>
           </a:p>
@@ -4214,7 +3850,7 @@
           <a:p>
             <a:fld id="{1DC63592-9D31-432D-A510-4EFC698F70CA}" type="datetimeFigureOut">
               <a:rPr lang="de-DE" smtClean="0"/>
-              <a:t>04.07.2018</a:t>
+              <a:t>05.07.2018</a:t>
             </a:fld>
             <a:endParaRPr lang="de-DE"/>
           </a:p>
@@ -5054,7 +4690,7 @@
           <a:p>
             <a:fld id="{1DC63592-9D31-432D-A510-4EFC698F70CA}" type="datetimeFigureOut">
               <a:rPr lang="de-DE" smtClean="0"/>
-              <a:t>04.07.2018</a:t>
+              <a:t>05.07.2018</a:t>
             </a:fld>
             <a:endParaRPr lang="de-DE"/>
           </a:p>
@@ -5224,7 +4860,7 @@
           <a:p>
             <a:fld id="{1DC63592-9D31-432D-A510-4EFC698F70CA}" type="datetimeFigureOut">
               <a:rPr lang="de-DE" smtClean="0"/>
-              <a:t>04.07.2018</a:t>
+              <a:t>05.07.2018</a:t>
             </a:fld>
             <a:endParaRPr lang="de-DE"/>
           </a:p>
@@ -5408,7 +5044,7 @@
           <a:p>
             <a:fld id="{1DC63592-9D31-432D-A510-4EFC698F70CA}" type="datetimeFigureOut">
               <a:rPr lang="de-DE" smtClean="0"/>
-              <a:t>04.07.2018</a:t>
+              <a:t>05.07.2018</a:t>
             </a:fld>
             <a:endParaRPr lang="de-DE"/>
           </a:p>
@@ -5578,7 +5214,7 @@
           <a:p>
             <a:fld id="{1DC63592-9D31-432D-A510-4EFC698F70CA}" type="datetimeFigureOut">
               <a:rPr lang="de-DE" smtClean="0"/>
-              <a:t>04.07.2018</a:t>
+              <a:t>05.07.2018</a:t>
             </a:fld>
             <a:endParaRPr lang="de-DE"/>
           </a:p>
@@ -5826,7 +5462,7 @@
           <a:p>
             <a:fld id="{1DC63592-9D31-432D-A510-4EFC698F70CA}" type="datetimeFigureOut">
               <a:rPr lang="de-DE" smtClean="0"/>
-              <a:t>04.07.2018</a:t>
+              <a:t>05.07.2018</a:t>
             </a:fld>
             <a:endParaRPr lang="de-DE"/>
           </a:p>
@@ -6063,7 +5699,7 @@
           <a:p>
             <a:fld id="{1DC63592-9D31-432D-A510-4EFC698F70CA}" type="datetimeFigureOut">
               <a:rPr lang="de-DE" smtClean="0"/>
-              <a:t>04.07.2018</a:t>
+              <a:t>05.07.2018</a:t>
             </a:fld>
             <a:endParaRPr lang="de-DE"/>
           </a:p>
@@ -6441,7 +6077,7 @@
           <a:p>
             <a:fld id="{1DC63592-9D31-432D-A510-4EFC698F70CA}" type="datetimeFigureOut">
               <a:rPr lang="de-DE" smtClean="0"/>
-              <a:t>04.07.2018</a:t>
+              <a:t>05.07.2018</a:t>
             </a:fld>
             <a:endParaRPr lang="de-DE"/>
           </a:p>
@@ -6564,7 +6200,7 @@
           <a:p>
             <a:fld id="{1DC63592-9D31-432D-A510-4EFC698F70CA}" type="datetimeFigureOut">
               <a:rPr lang="de-DE" smtClean="0"/>
-              <a:t>04.07.2018</a:t>
+              <a:t>05.07.2018</a:t>
             </a:fld>
             <a:endParaRPr lang="de-DE"/>
           </a:p>
@@ -6659,7 +6295,7 @@
           <a:p>
             <a:fld id="{1DC63592-9D31-432D-A510-4EFC698F70CA}" type="datetimeFigureOut">
               <a:rPr lang="de-DE" smtClean="0"/>
-              <a:t>04.07.2018</a:t>
+              <a:t>05.07.2018</a:t>
             </a:fld>
             <a:endParaRPr lang="de-DE"/>
           </a:p>
@@ -6910,7 +6546,7 @@
           <a:p>
             <a:fld id="{1DC63592-9D31-432D-A510-4EFC698F70CA}" type="datetimeFigureOut">
               <a:rPr lang="de-DE" smtClean="0"/>
-              <a:t>04.07.2018</a:t>
+              <a:t>05.07.2018</a:t>
             </a:fld>
             <a:endParaRPr lang="de-DE"/>
           </a:p>
@@ -7202,7 +6838,7 @@
           <a:p>
             <a:fld id="{1DC63592-9D31-432D-A510-4EFC698F70CA}" type="datetimeFigureOut">
               <a:rPr lang="de-DE" smtClean="0"/>
-              <a:t>04.07.2018</a:t>
+              <a:t>05.07.2018</a:t>
             </a:fld>
             <a:endParaRPr lang="de-DE"/>
           </a:p>
@@ -7415,7 +7051,7 @@
           <a:p>
             <a:fld id="{1DC63592-9D31-432D-A510-4EFC698F70CA}" type="datetimeFigureOut">
               <a:rPr lang="de-DE" smtClean="0"/>
-              <a:t>04.07.2018</a:t>
+              <a:t>05.07.2018</a:t>
             </a:fld>
             <a:endParaRPr lang="de-DE"/>
           </a:p>
@@ -8285,7 +7921,7 @@
         </p:blipFill>
         <p:spPr>
           <a:xfrm rot="21420000" flipH="1">
-            <a:off x="-333343" y="120192"/>
+            <a:off x="674769" y="-95833"/>
             <a:ext cx="11096441" cy="8209621"/>
           </a:xfrm>
           <a:prstGeom prst="rect">
@@ -8293,6 +7929,38 @@
           </a:prstGeom>
         </p:spPr>
       </p:pic>
+      <p:sp>
+        <p:nvSpPr>
+          <p:cNvPr id="4" name="Textfeld 3"/>
+          <p:cNvSpPr txBox="1"/>
+          <p:nvPr/>
+        </p:nvSpPr>
+        <p:spPr>
+          <a:xfrm>
+            <a:off x="3277706" y="2163248"/>
+            <a:ext cx="2592288" cy="369332"/>
+          </a:xfrm>
+          <a:prstGeom prst="rect">
+            <a:avLst/>
+          </a:prstGeom>
+          <a:noFill/>
+        </p:spPr>
+        <p:txBody>
+          <a:bodyPr wrap="square" rtlCol="0">
+            <a:spAutoFit/>
+          </a:bodyPr>
+          <a:lstStyle/>
+          <a:p>
+            <a:r>
+              <a:rPr lang="en-US" dirty="0" smtClean="0">
+                <a:latin typeface="MV Boli" panose="02000500030200090000" pitchFamily="2" charset="0"/>
+                <a:cs typeface="MV Boli" panose="02000500030200090000" pitchFamily="2" charset="0"/>
+              </a:rPr>
+              <a:t>Formerly “Voodoo”</a:t>
+            </a:r>
+          </a:p>
+        </p:txBody>
+      </p:sp>
     </p:spTree>
     <p:extLst>
       <p:ext uri="{BB962C8B-B14F-4D97-AF65-F5344CB8AC3E}">
@@ -8371,7 +8039,7 @@
                             </p:stCondLst>
                             <p:childTnLst>
                               <p:par>
-                                <p:cTn id="9" presetID="10" presetClass="entr" presetSubtype="0" fill="hold" nodeType="afterEffect">
+                                <p:cTn id="9" presetID="22" presetClass="entr" presetSubtype="8" fill="hold" grpId="0" nodeType="afterEffect">
                                   <p:stCondLst>
                                     <p:cond delay="0"/>
                                   </p:stCondLst>
@@ -8379,6 +8047,50 @@
                                     <p:set>
                                       <p:cBhvr>
                                         <p:cTn id="10" dur="1" fill="hold">
+                                          <p:stCondLst>
+                                            <p:cond delay="0"/>
+                                          </p:stCondLst>
+                                        </p:cTn>
+                                        <p:tgtEl>
+                                          <p:spTgt spid="4"/>
+                                        </p:tgtEl>
+                                        <p:attrNameLst>
+                                          <p:attrName>style.visibility</p:attrName>
+                                        </p:attrNameLst>
+                                      </p:cBhvr>
+                                      <p:to>
+                                        <p:strVal val="visible"/>
+                                      </p:to>
+                                    </p:set>
+                                    <p:animEffect transition="in" filter="wipe(left)">
+                                      <p:cBhvr>
+                                        <p:cTn id="11" dur="500"/>
+                                        <p:tgtEl>
+                                          <p:spTgt spid="4"/>
+                                        </p:tgtEl>
+                                      </p:cBhvr>
+                                    </p:animEffect>
+                                  </p:childTnLst>
+                                </p:cTn>
+                              </p:par>
+                            </p:childTnLst>
+                          </p:cTn>
+                        </p:par>
+                        <p:par>
+                          <p:cTn id="12" fill="hold">
+                            <p:stCondLst>
+                              <p:cond delay="2500"/>
+                            </p:stCondLst>
+                            <p:childTnLst>
+                              <p:par>
+                                <p:cTn id="13" presetID="10" presetClass="entr" presetSubtype="0" fill="hold" nodeType="afterEffect">
+                                  <p:stCondLst>
+                                    <p:cond delay="0"/>
+                                  </p:stCondLst>
+                                  <p:childTnLst>
+                                    <p:set>
+                                      <p:cBhvr>
+                                        <p:cTn id="14" dur="1" fill="hold">
                                           <p:stCondLst>
                                             <p:cond delay="0"/>
                                           </p:stCondLst>
@@ -8396,7 +8108,7 @@
                                     </p:set>
                                     <p:animEffect transition="in" filter="fade">
                                       <p:cBhvr>
-                                        <p:cTn id="11" dur="500"/>
+                                        <p:cTn id="15" dur="500"/>
                                         <p:tgtEl>
                                           <p:spTgt spid="12"/>
                                         </p:tgtEl>
@@ -8409,20 +8121,20 @@
                           </p:cTn>
                         </p:par>
                         <p:par>
-                          <p:cTn id="12" fill="hold">
+                          <p:cTn id="16" fill="hold">
                             <p:stCondLst>
-                              <p:cond delay="2500"/>
+                              <p:cond delay="3000"/>
                             </p:stCondLst>
                             <p:childTnLst>
                               <p:par>
-                                <p:cTn id="13" presetID="14" presetClass="entr" presetSubtype="5" fill="hold" nodeType="afterEffect">
+                                <p:cTn id="17" presetID="14" presetClass="entr" presetSubtype="5" fill="hold" nodeType="afterEffect">
                                   <p:stCondLst>
                                     <p:cond delay="500"/>
                                   </p:stCondLst>
                                   <p:childTnLst>
                                     <p:set>
                                       <p:cBhvr>
-                                        <p:cTn id="14" dur="1" fill="hold">
+                                        <p:cTn id="18" dur="1" fill="hold">
                                           <p:stCondLst>
                                             <p:cond delay="0"/>
                                           </p:stCondLst>
@@ -8440,7 +8152,7 @@
                                     </p:set>
                                     <p:animEffect transition="in" filter="randombar(vertical)">
                                       <p:cBhvr>
-                                        <p:cTn id="15" dur="500"/>
+                                        <p:cTn id="19" dur="500"/>
                                         <p:tgtEl>
                                           <p:spTgt spid="3"/>
                                         </p:tgtEl>
@@ -8450,14 +8162,14 @@
                                 </p:cTn>
                               </p:par>
                               <p:par>
-                                <p:cTn id="16" presetID="53" presetClass="entr" presetSubtype="16" fill="hold" nodeType="withEffect">
+                                <p:cTn id="20" presetID="53" presetClass="entr" presetSubtype="16" fill="hold" nodeType="withEffect">
                                   <p:stCondLst>
                                     <p:cond delay="500"/>
                                   </p:stCondLst>
                                   <p:childTnLst>
                                     <p:set>
                                       <p:cBhvr>
-                                        <p:cTn id="17" dur="1" fill="hold">
+                                        <p:cTn id="21" dur="1" fill="hold">
                                           <p:stCondLst>
                                             <p:cond delay="0"/>
                                           </p:stCondLst>
@@ -8475,7 +8187,7 @@
                                     </p:set>
                                     <p:anim calcmode="lin" valueType="num">
                                       <p:cBhvr>
-                                        <p:cTn id="18" dur="2000" fill="hold"/>
+                                        <p:cTn id="22" dur="2000" fill="hold"/>
                                         <p:tgtEl>
                                           <p:spTgt spid="15"/>
                                         </p:tgtEl>
@@ -8498,7 +8210,7 @@
                                     </p:anim>
                                     <p:anim calcmode="lin" valueType="num">
                                       <p:cBhvr>
-                                        <p:cTn id="19" dur="2000" fill="hold"/>
+                                        <p:cTn id="23" dur="2000" fill="hold"/>
                                         <p:tgtEl>
                                           <p:spTgt spid="15"/>
                                         </p:tgtEl>
@@ -8521,7 +8233,7 @@
                                     </p:anim>
                                     <p:animEffect transition="in" filter="fade">
                                       <p:cBhvr>
-                                        <p:cTn id="20" dur="2000"/>
+                                        <p:cTn id="24" dur="2000"/>
                                         <p:tgtEl>
                                           <p:spTgt spid="15"/>
                                         </p:tgtEl>
@@ -8534,20 +8246,20 @@
                           </p:cTn>
                         </p:par>
                         <p:par>
-                          <p:cTn id="21" fill="hold">
+                          <p:cTn id="25" fill="hold">
                             <p:stCondLst>
-                              <p:cond delay="5000"/>
+                              <p:cond delay="5500"/>
                             </p:stCondLst>
                             <p:childTnLst>
                               <p:par>
-                                <p:cTn id="22" presetID="16" presetClass="entr" presetSubtype="42" fill="hold" nodeType="afterEffect">
+                                <p:cTn id="26" presetID="16" presetClass="entr" presetSubtype="42" fill="hold" nodeType="afterEffect">
                                   <p:stCondLst>
                                     <p:cond delay="0"/>
                                   </p:stCondLst>
                                   <p:childTnLst>
                                     <p:set>
                                       <p:cBhvr>
-                                        <p:cTn id="23" dur="1" fill="hold">
+                                        <p:cTn id="27" dur="1" fill="hold">
                                           <p:stCondLst>
                                             <p:cond delay="0"/>
                                           </p:stCondLst>
@@ -8565,7 +8277,7 @@
                                     </p:set>
                                     <p:animEffect transition="in" filter="barn(outHorizontal)">
                                       <p:cBhvr>
-                                        <p:cTn id="24" dur="500"/>
+                                        <p:cTn id="28" dur="500"/>
                                         <p:tgtEl>
                                           <p:spTgt spid="17"/>
                                         </p:tgtEl>
@@ -8578,20 +8290,20 @@
                           </p:cTn>
                         </p:par>
                         <p:par>
-                          <p:cTn id="25" fill="hold">
+                          <p:cTn id="29" fill="hold">
                             <p:stCondLst>
-                              <p:cond delay="5500"/>
+                              <p:cond delay="6000"/>
                             </p:stCondLst>
                             <p:childTnLst>
                               <p:par>
-                                <p:cTn id="26" presetID="47" presetClass="entr" presetSubtype="0" fill="hold" nodeType="afterEffect">
+                                <p:cTn id="30" presetID="47" presetClass="entr" presetSubtype="0" fill="hold" nodeType="afterEffect">
                                   <p:stCondLst>
                                     <p:cond delay="1250"/>
                                   </p:stCondLst>
                                   <p:childTnLst>
                                     <p:set>
                                       <p:cBhvr>
-                                        <p:cTn id="27" dur="1" fill="hold">
+                                        <p:cTn id="31" dur="1" fill="hold">
                                           <p:stCondLst>
                                             <p:cond delay="0"/>
                                           </p:stCondLst>
@@ -8609,7 +8321,7 @@
                                     </p:set>
                                     <p:animEffect transition="in" filter="fade">
                                       <p:cBhvr>
-                                        <p:cTn id="28" dur="1000"/>
+                                        <p:cTn id="32" dur="1000"/>
                                         <p:tgtEl>
                                           <p:spTgt spid="18"/>
                                         </p:tgtEl>
@@ -8617,7 +8329,7 @@
                                     </p:animEffect>
                                     <p:anim calcmode="lin" valueType="num">
                                       <p:cBhvr>
-                                        <p:cTn id="29" dur="1000" fill="hold"/>
+                                        <p:cTn id="33" dur="1000" fill="hold"/>
                                         <p:tgtEl>
                                           <p:spTgt spid="18"/>
                                         </p:tgtEl>
@@ -8640,7 +8352,7 @@
                                     </p:anim>
                                     <p:anim calcmode="lin" valueType="num">
                                       <p:cBhvr>
-                                        <p:cTn id="30" dur="1000" fill="hold"/>
+                                        <p:cTn id="34" dur="1000" fill="hold"/>
                                         <p:tgtEl>
                                           <p:spTgt spid="18"/>
                                         </p:tgtEl>
@@ -8665,14 +8377,14 @@
                                 </p:cTn>
                               </p:par>
                               <p:par>
-                                <p:cTn id="31" presetID="10" presetClass="entr" presetSubtype="0" fill="hold" nodeType="withEffect">
+                                <p:cTn id="35" presetID="10" presetClass="entr" presetSubtype="0" fill="hold" nodeType="withEffect">
                                   <p:stCondLst>
                                     <p:cond delay="0"/>
                                   </p:stCondLst>
                                   <p:childTnLst>
                                     <p:set>
                                       <p:cBhvr>
-                                        <p:cTn id="32" dur="1" fill="hold">
+                                        <p:cTn id="36" dur="1" fill="hold">
                                           <p:stCondLst>
                                             <p:cond delay="0"/>
                                           </p:stCondLst>
@@ -8690,7 +8402,7 @@
                                     </p:set>
                                     <p:animEffect transition="in" filter="fade">
                                       <p:cBhvr>
-                                        <p:cTn id="33" dur="500"/>
+                                        <p:cTn id="37" dur="500"/>
                                         <p:tgtEl>
                                           <p:spTgt spid="13"/>
                                         </p:tgtEl>
@@ -8703,20 +8415,20 @@
                           </p:cTn>
                         </p:par>
                         <p:par>
-                          <p:cTn id="34" fill="hold">
+                          <p:cTn id="38" fill="hold">
                             <p:stCondLst>
-                              <p:cond delay="7750"/>
+                              <p:cond delay="8250"/>
                             </p:stCondLst>
                             <p:childTnLst>
                               <p:par>
-                                <p:cTn id="35" presetID="16" presetClass="entr" presetSubtype="21" fill="hold" nodeType="afterEffect">
+                                <p:cTn id="39" presetID="16" presetClass="entr" presetSubtype="21" fill="hold" nodeType="afterEffect">
                                   <p:stCondLst>
                                     <p:cond delay="750"/>
                                   </p:stCondLst>
                                   <p:childTnLst>
                                     <p:set>
                                       <p:cBhvr>
-                                        <p:cTn id="36" dur="1" fill="hold">
+                                        <p:cTn id="40" dur="1" fill="hold">
                                           <p:stCondLst>
                                             <p:cond delay="0"/>
                                           </p:stCondLst>
@@ -8734,7 +8446,7 @@
                                     </p:set>
                                     <p:animEffect transition="in" filter="barn(inVertical)">
                                       <p:cBhvr>
-                                        <p:cTn id="37" dur="500"/>
+                                        <p:cTn id="41" dur="500"/>
                                         <p:tgtEl>
                                           <p:spTgt spid="14"/>
                                         </p:tgtEl>
@@ -8747,20 +8459,20 @@
                           </p:cTn>
                         </p:par>
                         <p:par>
-                          <p:cTn id="38" fill="hold">
+                          <p:cTn id="42" fill="hold">
                             <p:stCondLst>
-                              <p:cond delay="9000"/>
+                              <p:cond delay="9500"/>
                             </p:stCondLst>
                             <p:childTnLst>
                               <p:par>
-                                <p:cTn id="39" presetID="47" presetClass="exit" presetSubtype="0" fill="hold" nodeType="afterEffect">
+                                <p:cTn id="43" presetID="47" presetClass="exit" presetSubtype="0" fill="hold" nodeType="afterEffect">
                                   <p:stCondLst>
                                     <p:cond delay="0"/>
                                   </p:stCondLst>
                                   <p:childTnLst>
                                     <p:animEffect transition="out" filter="fade">
                                       <p:cBhvr>
-                                        <p:cTn id="40" dur="1000"/>
+                                        <p:cTn id="44" dur="1000"/>
                                         <p:tgtEl>
                                           <p:spTgt spid="18"/>
                                         </p:tgtEl>
@@ -8768,7 +8480,7 @@
                                     </p:animEffect>
                                     <p:anim calcmode="lin" valueType="num">
                                       <p:cBhvr>
-                                        <p:cTn id="41" dur="1000"/>
+                                        <p:cTn id="45" dur="1000"/>
                                         <p:tgtEl>
                                           <p:spTgt spid="18"/>
                                         </p:tgtEl>
@@ -8791,7 +8503,7 @@
                                     </p:anim>
                                     <p:anim calcmode="lin" valueType="num">
                                       <p:cBhvr>
-                                        <p:cTn id="42" dur="1000"/>
+                                        <p:cTn id="46" dur="1000"/>
                                         <p:tgtEl>
                                           <p:spTgt spid="18"/>
                                         </p:tgtEl>
@@ -8814,7 +8526,7 @@
                                     </p:anim>
                                     <p:set>
                                       <p:cBhvr>
-                                        <p:cTn id="43" dur="1" fill="hold">
+                                        <p:cTn id="47" dur="1" fill="hold">
                                           <p:stCondLst>
                                             <p:cond delay="999"/>
                                           </p:stCondLst>
@@ -8837,20 +8549,20 @@
                           </p:cTn>
                         </p:par>
                         <p:par>
-                          <p:cTn id="44" fill="hold">
+                          <p:cTn id="48" fill="hold">
                             <p:stCondLst>
-                              <p:cond delay="10000"/>
+                              <p:cond delay="10500"/>
                             </p:stCondLst>
                             <p:childTnLst>
                               <p:par>
-                                <p:cTn id="45" presetID="8" presetClass="entr" presetSubtype="32" fill="hold" nodeType="afterEffect">
+                                <p:cTn id="49" presetID="8" presetClass="entr" presetSubtype="32" fill="hold" nodeType="afterEffect">
                                   <p:stCondLst>
                                     <p:cond delay="0"/>
                                   </p:stCondLst>
                                   <p:childTnLst>
                                     <p:set>
                                       <p:cBhvr>
-                                        <p:cTn id="46" dur="1" fill="hold">
+                                        <p:cTn id="50" dur="1" fill="hold">
                                           <p:stCondLst>
                                             <p:cond delay="0"/>
                                           </p:stCondLst>
@@ -8868,7 +8580,7 @@
                                     </p:set>
                                     <p:animEffect transition="in" filter="diamond(out)">
                                       <p:cBhvr>
-                                        <p:cTn id="47" dur="2000"/>
+                                        <p:cTn id="51" dur="2000"/>
                                         <p:tgtEl>
                                           <p:spTgt spid="16"/>
                                         </p:tgtEl>
@@ -8878,14 +8590,14 @@
                                 </p:cTn>
                               </p:par>
                               <p:par>
-                                <p:cTn id="48" presetID="42" presetClass="entr" presetSubtype="0" fill="hold" nodeType="withEffect">
+                                <p:cTn id="52" presetID="42" presetClass="entr" presetSubtype="0" fill="hold" nodeType="withEffect">
                                   <p:stCondLst>
                                     <p:cond delay="0"/>
                                   </p:stCondLst>
                                   <p:childTnLst>
                                     <p:set>
                                       <p:cBhvr>
-                                        <p:cTn id="49" dur="1" fill="hold">
+                                        <p:cTn id="53" dur="1" fill="hold">
                                           <p:stCondLst>
                                             <p:cond delay="0"/>
                                           </p:stCondLst>
@@ -8903,7 +8615,7 @@
                                     </p:set>
                                     <p:animEffect transition="in" filter="fade">
                                       <p:cBhvr>
-                                        <p:cTn id="50" dur="1000"/>
+                                        <p:cTn id="54" dur="1000"/>
                                         <p:tgtEl>
                                           <p:spTgt spid="19"/>
                                         </p:tgtEl>
@@ -8911,7 +8623,7 @@
                                     </p:animEffect>
                                     <p:anim calcmode="lin" valueType="num">
                                       <p:cBhvr>
-                                        <p:cTn id="51" dur="1000" fill="hold"/>
+                                        <p:cTn id="55" dur="1000" fill="hold"/>
                                         <p:tgtEl>
                                           <p:spTgt spid="19"/>
                                         </p:tgtEl>
@@ -8934,7 +8646,7 @@
                                     </p:anim>
                                     <p:anim calcmode="lin" valueType="num">
                                       <p:cBhvr>
-                                        <p:cTn id="52" dur="1000" fill="hold"/>
+                                        <p:cTn id="56" dur="1000" fill="hold"/>
                                         <p:tgtEl>
                                           <p:spTgt spid="19"/>
                                         </p:tgtEl>
@@ -8987,6 +8699,7 @@
     </p:tnLst>
     <p:bldLst>
       <p:bldP spid="2" grpId="0"/>
+      <p:bldP spid="4" grpId="0"/>
     </p:bldLst>
   </p:timing>
 </p:sld>
@@ -9150,41 +8863,8 @@
                 <a:latin typeface="MV Boli" pitchFamily="2" charset="0"/>
                 <a:cs typeface="MV Boli" pitchFamily="2" charset="0"/>
               </a:rPr>
-              <a:t>Gate 2 </a:t>
-            </a:r>
-            <a:r>
-              <a:rPr lang="en-GB" sz="2400" b="1" dirty="0" smtClean="0">
-                <a:solidFill>
-                  <a:schemeClr val="tx1">
-                    <a:lumMod val="95000"/>
-                  </a:schemeClr>
-                </a:solidFill>
-                <a:latin typeface="MV Boli" pitchFamily="2" charset="0"/>
-                <a:cs typeface="MV Boli" pitchFamily="2" charset="0"/>
-              </a:rPr>
-              <a:t>Promises </a:t>
-            </a:r>
-            <a:r>
-              <a:rPr lang="en-GB" sz="2400" b="1" dirty="0" smtClean="0">
-                <a:solidFill>
-                  <a:schemeClr val="tx1">
-                    <a:lumMod val="95000"/>
-                  </a:schemeClr>
-                </a:solidFill>
-                <a:latin typeface="MV Boli" pitchFamily="2" charset="0"/>
-                <a:cs typeface="MV Boli" pitchFamily="2" charset="0"/>
-              </a:rPr>
-              <a:t>vs. Present	</a:t>
-            </a:r>
-            <a:endParaRPr lang="en-GB" sz="2400" b="1" dirty="0" smtClean="0">
-              <a:solidFill>
-                <a:schemeClr val="tx1">
-                  <a:lumMod val="95000"/>
-                </a:schemeClr>
-              </a:solidFill>
-              <a:latin typeface="MV Boli" pitchFamily="2" charset="0"/>
-              <a:cs typeface="MV Boli" pitchFamily="2" charset="0"/>
-            </a:endParaRPr>
+              <a:t>Gate 2 Promises vs. Present	</a:t>
+            </a:r>
           </a:p>
           <a:p>
             <a:pPr marL="285750" lvl="0" indent="-285750" algn="l">
@@ -9958,7 +9638,7 @@
                 <a:latin typeface="MV Boli" panose="02000500030200090000" pitchFamily="2" charset="0"/>
                 <a:cs typeface="MV Boli" panose="02000500030200090000" pitchFamily="2" charset="0"/>
               </a:rPr>
-              <a:t> Voodoo </a:t>
+              <a:t> Doll 13 </a:t>
             </a:r>
             <a:r>
               <a:rPr lang="en-GB" sz="2400" dirty="0">
@@ -10976,10 +10656,6 @@
               </a:rPr>
               <a:t>+ Basic Sound</a:t>
             </a:r>
-            <a:endParaRPr lang="en-US" sz="1800" dirty="0" smtClean="0">
-              <a:latin typeface="MV Boli" pitchFamily="2" charset="0"/>
-              <a:cs typeface="MV Boli" pitchFamily="2" charset="0"/>
-            </a:endParaRPr>
           </a:p>
         </p:txBody>
       </p:sp>
@@ -11455,21 +11131,30 @@
                             </p:childTnLst>
                           </p:cTn>
                         </p:par>
+                      </p:childTnLst>
+                    </p:cTn>
+                  </p:par>
+                  <p:par>
+                    <p:cTn id="28" fill="hold">
+                      <p:stCondLst>
+                        <p:cond delay="indefinite"/>
+                      </p:stCondLst>
+                      <p:childTnLst>
                         <p:par>
-                          <p:cTn id="28" fill="hold">
+                          <p:cTn id="29" fill="hold">
                             <p:stCondLst>
-                              <p:cond delay="1500"/>
+                              <p:cond delay="0"/>
                             </p:stCondLst>
                             <p:childTnLst>
                               <p:par>
-                                <p:cTn id="29" presetID="22" presetClass="entr" presetSubtype="8" fill="hold" nodeType="afterEffect">
+                                <p:cTn id="30" presetID="22" presetClass="entr" presetSubtype="8" fill="hold" nodeType="clickEffect">
                                   <p:stCondLst>
-                                    <p:cond delay="750"/>
+                                    <p:cond delay="0"/>
                                   </p:stCondLst>
                                   <p:childTnLst>
                                     <p:set>
                                       <p:cBhvr>
-                                        <p:cTn id="30" dur="1" fill="hold">
+                                        <p:cTn id="31" dur="1" fill="hold">
                                           <p:stCondLst>
                                             <p:cond delay="0"/>
                                           </p:stCondLst>
@@ -11491,7 +11176,7 @@
                                     </p:set>
                                     <p:animEffect transition="in" filter="wipe(left)">
                                       <p:cBhvr>
-                                        <p:cTn id="31" dur="500"/>
+                                        <p:cTn id="32" dur="500"/>
                                         <p:tgtEl>
                                           <p:spTgt spid="3">
                                             <p:txEl>
@@ -11511,26 +11196,26 @@
                     </p:cTn>
                   </p:par>
                   <p:par>
-                    <p:cTn id="32" fill="hold">
+                    <p:cTn id="33" fill="hold">
                       <p:stCondLst>
                         <p:cond delay="indefinite"/>
                       </p:stCondLst>
                       <p:childTnLst>
                         <p:par>
-                          <p:cTn id="33" fill="hold">
+                          <p:cTn id="34" fill="hold">
                             <p:stCondLst>
                               <p:cond delay="0"/>
                             </p:stCondLst>
                             <p:childTnLst>
                               <p:par>
-                                <p:cTn id="34" presetID="22" presetClass="entr" presetSubtype="4" fill="hold" nodeType="clickEffect">
+                                <p:cTn id="35" presetID="22" presetClass="entr" presetSubtype="4" fill="hold" nodeType="clickEffect">
                                   <p:stCondLst>
                                     <p:cond delay="0"/>
                                   </p:stCondLst>
                                   <p:childTnLst>
                                     <p:set>
                                       <p:cBhvr>
-                                        <p:cTn id="35" dur="1" fill="hold">
+                                        <p:cTn id="36" dur="1" fill="hold">
                                           <p:stCondLst>
                                             <p:cond delay="0"/>
                                           </p:stCondLst>
@@ -11548,7 +11233,7 @@
                                     </p:set>
                                     <p:animEffect transition="in" filter="wipe(down)">
                                       <p:cBhvr>
-                                        <p:cTn id="36" dur="500"/>
+                                        <p:cTn id="37" dur="500"/>
                                         <p:tgtEl>
                                           <p:spTgt spid="9"/>
                                         </p:tgtEl>
@@ -11561,20 +11246,20 @@
                           </p:cTn>
                         </p:par>
                         <p:par>
-                          <p:cTn id="37" fill="hold">
+                          <p:cTn id="38" fill="hold">
                             <p:stCondLst>
                               <p:cond delay="500"/>
                             </p:stCondLst>
                             <p:childTnLst>
                               <p:par>
-                                <p:cTn id="38" presetID="22" presetClass="entr" presetSubtype="8" fill="hold" nodeType="afterEffect">
+                                <p:cTn id="39" presetID="22" presetClass="entr" presetSubtype="8" fill="hold" nodeType="afterEffect">
                                   <p:stCondLst>
                                     <p:cond delay="500"/>
                                   </p:stCondLst>
                                   <p:childTnLst>
                                     <p:set>
                                       <p:cBhvr>
-                                        <p:cTn id="39" dur="1" fill="hold">
+                                        <p:cTn id="40" dur="1" fill="hold">
                                           <p:stCondLst>
                                             <p:cond delay="0"/>
                                           </p:stCondLst>
@@ -11596,7 +11281,7 @@
                                     </p:set>
                                     <p:animEffect transition="in" filter="wipe(left)">
                                       <p:cBhvr>
-                                        <p:cTn id="40" dur="500"/>
+                                        <p:cTn id="41" dur="500"/>
                                         <p:tgtEl>
                                           <p:spTgt spid="5">
                                             <p:txEl>
@@ -11612,21 +11297,30 @@
                             </p:childTnLst>
                           </p:cTn>
                         </p:par>
+                      </p:childTnLst>
+                    </p:cTn>
+                  </p:par>
+                  <p:par>
+                    <p:cTn id="42" fill="hold">
+                      <p:stCondLst>
+                        <p:cond delay="indefinite"/>
+                      </p:stCondLst>
+                      <p:childTnLst>
                         <p:par>
-                          <p:cTn id="41" fill="hold">
+                          <p:cTn id="43" fill="hold">
                             <p:stCondLst>
-                              <p:cond delay="1500"/>
+                              <p:cond delay="0"/>
                             </p:stCondLst>
                             <p:childTnLst>
                               <p:par>
-                                <p:cTn id="42" presetID="22" presetClass="entr" presetSubtype="8" fill="hold" nodeType="afterEffect">
+                                <p:cTn id="44" presetID="22" presetClass="entr" presetSubtype="8" fill="hold" nodeType="clickEffect">
                                   <p:stCondLst>
-                                    <p:cond delay="750"/>
+                                    <p:cond delay="0"/>
                                   </p:stCondLst>
                                   <p:childTnLst>
                                     <p:set>
                                       <p:cBhvr>
-                                        <p:cTn id="43" dur="1" fill="hold">
+                                        <p:cTn id="45" dur="1" fill="hold">
                                           <p:stCondLst>
                                             <p:cond delay="0"/>
                                           </p:stCondLst>
@@ -11648,7 +11342,7 @@
                                     </p:set>
                                     <p:animEffect transition="in" filter="wipe(left)">
                                       <p:cBhvr>
-                                        <p:cTn id="44" dur="500"/>
+                                        <p:cTn id="46" dur="500"/>
                                         <p:tgtEl>
                                           <p:spTgt spid="3">
                                             <p:txEl>
@@ -11668,26 +11362,26 @@
                     </p:cTn>
                   </p:par>
                   <p:par>
-                    <p:cTn id="45" fill="hold">
+                    <p:cTn id="47" fill="hold">
                       <p:stCondLst>
                         <p:cond delay="indefinite"/>
                       </p:stCondLst>
                       <p:childTnLst>
                         <p:par>
-                          <p:cTn id="46" fill="hold">
+                          <p:cTn id="48" fill="hold">
                             <p:stCondLst>
                               <p:cond delay="0"/>
                             </p:stCondLst>
                             <p:childTnLst>
                               <p:par>
-                                <p:cTn id="47" presetID="22" presetClass="entr" presetSubtype="4" fill="hold" nodeType="clickEffect">
+                                <p:cTn id="49" presetID="22" presetClass="entr" presetSubtype="4" fill="hold" nodeType="clickEffect">
                                   <p:stCondLst>
                                     <p:cond delay="0"/>
                                   </p:stCondLst>
                                   <p:childTnLst>
                                     <p:set>
                                       <p:cBhvr>
-                                        <p:cTn id="48" dur="1" fill="hold">
+                                        <p:cTn id="50" dur="1" fill="hold">
                                           <p:stCondLst>
                                             <p:cond delay="0"/>
                                           </p:stCondLst>
@@ -11705,7 +11399,7 @@
                                     </p:set>
                                     <p:animEffect transition="in" filter="wipe(down)">
                                       <p:cBhvr>
-                                        <p:cTn id="49" dur="500"/>
+                                        <p:cTn id="51" dur="500"/>
                                         <p:tgtEl>
                                           <p:spTgt spid="10"/>
                                         </p:tgtEl>
@@ -11880,10 +11574,6 @@
               </a:rPr>
               <a:t>Polished Game</a:t>
             </a:r>
-            <a:endParaRPr lang="en-US" sz="2000" dirty="0" smtClean="0">
-              <a:latin typeface="MV Boli" pitchFamily="2" charset="0"/>
-              <a:cs typeface="MV Boli" pitchFamily="2" charset="0"/>
-            </a:endParaRPr>
           </a:p>
           <a:p>
             <a:pPr marL="285750" indent="-285750" algn="l">
@@ -11907,10 +11597,6 @@
               </a:rPr>
               <a:t>Tutorial</a:t>
             </a:r>
-            <a:endParaRPr lang="en-US" sz="2000" dirty="0" smtClean="0">
-              <a:latin typeface="MV Boli" pitchFamily="2" charset="0"/>
-              <a:cs typeface="MV Boli" pitchFamily="2" charset="0"/>
-            </a:endParaRPr>
           </a:p>
           <a:p>
             <a:pPr marL="285750" indent="-285750" algn="l">

--- a/_Organisation/Präsentation/Voodoo_PP2.pptx
+++ b/_Organisation/Präsentation/Voodoo_PP2.pptx
@@ -531,7 +531,15 @@
             </a:r>
             <a:r>
               <a:rPr lang="de-DE" baseline="0" dirty="0" smtClean="0"/>
-              <a:t> ehemalig bekannt als „Voodoo“.</a:t>
+              <a:t> ehemalig bekannt </a:t>
+            </a:r>
+            <a:r>
+              <a:rPr lang="de-DE" baseline="0" dirty="0" smtClean="0"/>
+              <a:t>unter dem Namen </a:t>
+            </a:r>
+            <a:r>
+              <a:rPr lang="de-DE" baseline="0" dirty="0" smtClean="0"/>
+              <a:t>„Voodoo“.</a:t>
             </a:r>
           </a:p>
           <a:p>
@@ -737,7 +745,15 @@
             </a:r>
             <a:r>
               <a:rPr lang="en-US" baseline="0" dirty="0" smtClean="0"/>
-              <a:t> Spiel Machen </a:t>
+              <a:t> Spiel </a:t>
+            </a:r>
+            <a:r>
+              <a:rPr lang="en-US" baseline="0" dirty="0" err="1" smtClean="0"/>
+              <a:t>machen</a:t>
+            </a:r>
+            <a:r>
+              <a:rPr lang="en-US" baseline="0" dirty="0" smtClean="0"/>
+              <a:t> </a:t>
             </a:r>
             <a:r>
               <a:rPr lang="en-US" baseline="0" dirty="0" err="1" smtClean="0"/>
@@ -749,7 +765,7 @@
             </a:r>
             <a:r>
               <a:rPr lang="en-US" baseline="0" dirty="0" err="1" smtClean="0"/>
-              <a:t>Ich</a:t>
+              <a:t>Zuerst</a:t>
             </a:r>
             <a:r>
               <a:rPr lang="en-US" baseline="0" dirty="0" smtClean="0"/>
@@ -765,6 +781,14 @@
             </a:r>
             <a:r>
               <a:rPr lang="en-US" baseline="0" dirty="0" err="1" smtClean="0"/>
+              <a:t>ich</a:t>
+            </a:r>
+            <a:r>
+              <a:rPr lang="en-US" baseline="0" dirty="0" smtClean="0"/>
+              <a:t> </a:t>
+            </a:r>
+            <a:r>
+              <a:rPr lang="en-US" baseline="0" dirty="0" err="1" smtClean="0"/>
               <a:t>euch</a:t>
             </a:r>
             <a:r>
@@ -844,8 +868,92 @@
               <a:t> </a:t>
             </a:r>
             <a:r>
-              <a:rPr lang="en-US" baseline="0" dirty="0" err="1" smtClean="0"/>
-              <a:t>kurz</a:t>
+              <a:rPr lang="en-US" baseline="0" dirty="0" smtClean="0"/>
+              <a:t>die </a:t>
+            </a:r>
+            <a:r>
+              <a:rPr lang="en-US" baseline="0" dirty="0" err="1" smtClean="0"/>
+              <a:t>bis</a:t>
+            </a:r>
+            <a:r>
+              <a:rPr lang="en-US" baseline="0" dirty="0" smtClean="0"/>
+              <a:t> </a:t>
+            </a:r>
+            <a:r>
+              <a:rPr lang="en-US" baseline="0" dirty="0" err="1" smtClean="0"/>
+              <a:t>heute</a:t>
+            </a:r>
+            <a:r>
+              <a:rPr lang="en-US" baseline="0" dirty="0" smtClean="0"/>
+              <a:t> </a:t>
+            </a:r>
+            <a:r>
+              <a:rPr lang="en-US" baseline="0" dirty="0" err="1" smtClean="0"/>
+              <a:t>gesetzten</a:t>
+            </a:r>
+            <a:r>
+              <a:rPr lang="en-US" baseline="0" dirty="0" smtClean="0"/>
+              <a:t> </a:t>
+            </a:r>
+            <a:r>
+              <a:rPr lang="en-US" baseline="0" dirty="0" err="1" smtClean="0"/>
+              <a:t>Ziele</a:t>
+            </a:r>
+            <a:r>
+              <a:rPr lang="en-US" baseline="0" dirty="0" smtClean="0"/>
+              <a:t> und </a:t>
+            </a:r>
+            <a:r>
+              <a:rPr lang="en-US" baseline="0" dirty="0" err="1" smtClean="0"/>
+              <a:t>unseren</a:t>
+            </a:r>
+            <a:r>
+              <a:rPr lang="en-US" baseline="0" dirty="0" smtClean="0"/>
+              <a:t> </a:t>
+            </a:r>
+            <a:r>
+              <a:rPr lang="en-US" baseline="0" dirty="0" err="1" smtClean="0"/>
+              <a:t>tatsaechlichen</a:t>
+            </a:r>
+            <a:r>
+              <a:rPr lang="en-US" baseline="0" dirty="0" smtClean="0"/>
+              <a:t> Stand </a:t>
+            </a:r>
+            <a:r>
+              <a:rPr lang="en-US" baseline="0" dirty="0" err="1" smtClean="0"/>
+              <a:t>durchgehen</a:t>
+            </a:r>
+            <a:r>
+              <a:rPr lang="en-US" baseline="0" dirty="0" smtClean="0"/>
+              <a:t>. </a:t>
+            </a:r>
+            <a:r>
+              <a:rPr lang="en-US" baseline="0" dirty="0" err="1" smtClean="0"/>
+              <a:t>Danach</a:t>
+            </a:r>
+            <a:r>
+              <a:rPr lang="en-US" baseline="0" dirty="0" smtClean="0"/>
+              <a:t> </a:t>
+            </a:r>
+            <a:r>
+              <a:rPr lang="en-US" baseline="0" dirty="0" err="1" smtClean="0"/>
+              <a:t>praesentiere</a:t>
+            </a:r>
+            <a:r>
+              <a:rPr lang="en-US" baseline="0" dirty="0" smtClean="0"/>
+              <a:t> </a:t>
+            </a:r>
+            <a:r>
+              <a:rPr lang="en-US" baseline="0" dirty="0" err="1" smtClean="0"/>
+              <a:t>ich</a:t>
+            </a:r>
+            <a:r>
+              <a:rPr lang="en-US" baseline="0" dirty="0" smtClean="0"/>
+              <a:t> </a:t>
+            </a:r>
+            <a:r>
+              <a:rPr lang="en-US" baseline="0" dirty="0" err="1" smtClean="0"/>
+              <a:t>euch</a:t>
             </a:r>
             <a:r>
               <a:rPr lang="en-US" baseline="0" dirty="0" smtClean="0"/>
@@ -853,6 +961,30 @@
             </a:r>
             <a:r>
               <a:rPr lang="en-US" baseline="0" dirty="0" err="1" smtClean="0"/>
+              <a:t>Ziele</a:t>
+            </a:r>
+            <a:r>
+              <a:rPr lang="en-US" baseline="0" dirty="0" smtClean="0"/>
+              <a:t>, die </a:t>
+            </a:r>
+            <a:r>
+              <a:rPr lang="en-US" baseline="0" dirty="0" err="1" smtClean="0"/>
+              <a:t>wir</a:t>
+            </a:r>
+            <a:r>
+              <a:rPr lang="en-US" baseline="0" dirty="0" smtClean="0"/>
+              <a:t> </a:t>
+            </a:r>
+            <a:r>
+              <a:rPr lang="en-US" baseline="0" dirty="0" err="1" smtClean="0"/>
+              <a:t>uns</a:t>
+            </a:r>
+            <a:r>
+              <a:rPr lang="en-US" baseline="0" dirty="0" smtClean="0"/>
+              <a:t> </a:t>
+            </a:r>
+            <a:r>
+              <a:rPr lang="en-US" baseline="0" dirty="0" err="1" smtClean="0"/>
               <a:t>bis</a:t>
             </a:r>
             <a:r>
@@ -861,7 +993,7 @@
             </a:r>
             <a:r>
               <a:rPr lang="en-US" baseline="0" dirty="0" err="1" smtClean="0"/>
-              <a:t>heute</a:t>
+              <a:t>zum</a:t>
             </a:r>
             <a:r>
               <a:rPr lang="en-US" baseline="0" dirty="0" smtClean="0"/>
@@ -869,7 +1001,7 @@
             </a:r>
             <a:r>
               <a:rPr lang="en-US" baseline="0" dirty="0" err="1" smtClean="0"/>
-              <a:t>gesetzten</a:t>
+              <a:t>Goldmaster</a:t>
             </a:r>
             <a:r>
               <a:rPr lang="en-US" baseline="0" dirty="0" smtClean="0"/>
@@ -877,7 +1009,15 @@
             </a:r>
             <a:r>
               <a:rPr lang="en-US" baseline="0" dirty="0" err="1" smtClean="0"/>
-              <a:t>Ziele</a:t>
+              <a:t>gesetzt</a:t>
+            </a:r>
+            <a:r>
+              <a:rPr lang="en-US" baseline="0" dirty="0" smtClean="0"/>
+              <a:t> </a:t>
+            </a:r>
+            <a:r>
+              <a:rPr lang="en-US" baseline="0" dirty="0" err="1" smtClean="0"/>
+              <a:t>haben</a:t>
             </a:r>
             <a:r>
               <a:rPr lang="en-US" baseline="0" dirty="0" smtClean="0"/>
@@ -885,7 +1025,7 @@
             </a:r>
             <a:r>
               <a:rPr lang="en-US" baseline="0" dirty="0" err="1" smtClean="0"/>
-              <a:t>unseren</a:t>
+              <a:t>dann</a:t>
             </a:r>
             <a:r>
               <a:rPr lang="en-US" baseline="0" dirty="0" smtClean="0"/>
@@ -893,23 +1033,7 @@
             </a:r>
             <a:r>
               <a:rPr lang="en-US" baseline="0" dirty="0" err="1" smtClean="0"/>
-              <a:t>tatsaechlichen</a:t>
-            </a:r>
-            <a:r>
-              <a:rPr lang="en-US" baseline="0" dirty="0" smtClean="0"/>
-              <a:t> Stand </a:t>
-            </a:r>
-            <a:r>
-              <a:rPr lang="en-US" baseline="0" dirty="0" err="1" smtClean="0"/>
-              <a:t>durchgehen</a:t>
-            </a:r>
-            <a:r>
-              <a:rPr lang="en-US" baseline="0" dirty="0" smtClean="0"/>
-              <a:t>. </a:t>
-            </a:r>
-            <a:r>
-              <a:rPr lang="en-US" baseline="0" dirty="0" err="1" smtClean="0"/>
-              <a:t>Danach</a:t>
+              <a:t>geht</a:t>
             </a:r>
             <a:r>
               <a:rPr lang="en-US" baseline="0" dirty="0" smtClean="0"/>
@@ -917,7 +1041,7 @@
             </a:r>
             <a:r>
               <a:rPr lang="en-US" baseline="0" dirty="0" err="1" smtClean="0"/>
-              <a:t>praesentiere</a:t>
+              <a:t>es</a:t>
             </a:r>
             <a:r>
               <a:rPr lang="en-US" baseline="0" dirty="0" smtClean="0"/>
@@ -925,7 +1049,7 @@
             </a:r>
             <a:r>
               <a:rPr lang="en-US" baseline="0" dirty="0" err="1" smtClean="0"/>
-              <a:t>ich</a:t>
+              <a:t>auch</a:t>
             </a:r>
             <a:r>
               <a:rPr lang="en-US" baseline="0" dirty="0" smtClean="0"/>
@@ -933,19 +1057,53 @@
             </a:r>
             <a:r>
               <a:rPr lang="en-US" baseline="0" dirty="0" err="1" smtClean="0"/>
-              <a:t>euch</a:t>
-            </a:r>
-            <a:r>
-              <a:rPr lang="en-US" baseline="0" dirty="0" smtClean="0"/>
-              <a:t> die </a:t>
-            </a:r>
-            <a:r>
-              <a:rPr lang="en-US" baseline="0" dirty="0" err="1" smtClean="0"/>
-              <a:t>Ziele</a:t>
-            </a:r>
-            <a:r>
-              <a:rPr lang="en-US" baseline="0" dirty="0" smtClean="0"/>
-              <a:t>, die </a:t>
+              <a:t>schon</a:t>
+            </a:r>
+            <a:r>
+              <a:rPr lang="en-US" baseline="0" dirty="0" smtClean="0"/>
+              <a:t> </a:t>
+            </a:r>
+            <a:r>
+              <a:rPr lang="en-US" baseline="0" dirty="0" err="1" smtClean="0"/>
+              <a:t>weiter</a:t>
+            </a:r>
+            <a:r>
+              <a:rPr lang="en-US" baseline="0" dirty="0" smtClean="0"/>
+              <a:t> </a:t>
+            </a:r>
+            <a:r>
+              <a:rPr lang="en-US" baseline="0" dirty="0" err="1" smtClean="0"/>
+              <a:t>zum</a:t>
+            </a:r>
+            <a:r>
+              <a:rPr lang="en-US" baseline="0" dirty="0" smtClean="0"/>
+              <a:t> Spiel </a:t>
+            </a:r>
+            <a:r>
+              <a:rPr lang="en-US" baseline="0" dirty="0" err="1" smtClean="0"/>
+              <a:t>selbst</a:t>
+            </a:r>
+            <a:r>
+              <a:rPr lang="en-US" baseline="0" dirty="0" smtClean="0"/>
+              <a:t>.</a:t>
+            </a:r>
+            <a:br>
+              <a:rPr lang="en-US" baseline="0" dirty="0" smtClean="0"/>
+            </a:br>
+            <a:r>
+              <a:rPr lang="en-US" baseline="0" dirty="0" smtClean="0"/>
+              <a:t/>
+            </a:r>
+            <a:br>
+              <a:rPr lang="en-US" baseline="0" dirty="0" smtClean="0"/>
+            </a:br>
+            <a:r>
+              <a:rPr lang="en-US" baseline="0" dirty="0" err="1" smtClean="0"/>
+              <a:t>Kommen</a:t>
+            </a:r>
+            <a:r>
+              <a:rPr lang="en-US" baseline="0" dirty="0" smtClean="0"/>
+              <a:t> </a:t>
             </a:r>
             <a:r>
               <a:rPr lang="en-US" baseline="0" dirty="0" err="1" smtClean="0"/>
@@ -957,7 +1115,7 @@
             </a:r>
             <a:r>
               <a:rPr lang="en-US" baseline="0" dirty="0" err="1" smtClean="0"/>
-              <a:t>uns</a:t>
+              <a:t>gleich</a:t>
             </a:r>
             <a:r>
               <a:rPr lang="en-US" baseline="0" dirty="0" smtClean="0"/>
@@ -965,107 +1123,17 @@
             </a:r>
             <a:r>
               <a:rPr lang="en-US" baseline="0" dirty="0" err="1" smtClean="0"/>
-              <a:t>bis</a:t>
-            </a:r>
-            <a:r>
-              <a:rPr lang="en-US" baseline="0" dirty="0" smtClean="0"/>
-              <a:t> </a:t>
-            </a:r>
-            <a:r>
-              <a:rPr lang="en-US" baseline="0" dirty="0" err="1" smtClean="0"/>
               <a:t>zum</a:t>
             </a:r>
             <a:r>
               <a:rPr lang="en-US" baseline="0" dirty="0" smtClean="0"/>
-              <a:t> </a:t>
-            </a:r>
-            <a:r>
-              <a:rPr lang="en-US" baseline="0" dirty="0" err="1" smtClean="0"/>
-              <a:t>Goldmaster</a:t>
-            </a:r>
-            <a:r>
-              <a:rPr lang="en-US" baseline="0" dirty="0" smtClean="0"/>
-              <a:t> </a:t>
-            </a:r>
-            <a:r>
-              <a:rPr lang="en-US" baseline="0" dirty="0" err="1" smtClean="0"/>
-              <a:t>gesetzt</a:t>
-            </a:r>
-            <a:r>
-              <a:rPr lang="en-US" baseline="0" dirty="0" smtClean="0"/>
-              <a:t> </a:t>
-            </a:r>
-            <a:r>
-              <a:rPr lang="en-US" baseline="0" dirty="0" err="1" smtClean="0"/>
-              <a:t>haben</a:t>
-            </a:r>
-            <a:r>
-              <a:rPr lang="en-US" baseline="0" dirty="0" smtClean="0"/>
-              <a:t> und </a:t>
-            </a:r>
-            <a:r>
-              <a:rPr lang="en-US" baseline="0" dirty="0" err="1" smtClean="0"/>
-              <a:t>dann</a:t>
-            </a:r>
-            <a:r>
-              <a:rPr lang="en-US" baseline="0" dirty="0" smtClean="0"/>
-              <a:t> </a:t>
-            </a:r>
-            <a:r>
-              <a:rPr lang="en-US" baseline="0" dirty="0" err="1" smtClean="0"/>
-              <a:t>geht</a:t>
-            </a:r>
-            <a:r>
-              <a:rPr lang="en-US" baseline="0" dirty="0" smtClean="0"/>
-              <a:t> </a:t>
-            </a:r>
-            <a:r>
-              <a:rPr lang="en-US" baseline="0" dirty="0" err="1" smtClean="0"/>
-              <a:t>es</a:t>
-            </a:r>
-            <a:r>
-              <a:rPr lang="en-US" baseline="0" dirty="0" smtClean="0"/>
-              <a:t> </a:t>
-            </a:r>
-            <a:r>
-              <a:rPr lang="en-US" baseline="0" dirty="0" err="1" smtClean="0"/>
-              <a:t>auch</a:t>
-            </a:r>
-            <a:r>
-              <a:rPr lang="en-US" baseline="0" dirty="0" smtClean="0"/>
-              <a:t> </a:t>
-            </a:r>
-            <a:r>
-              <a:rPr lang="en-US" baseline="0" dirty="0" err="1" smtClean="0"/>
-              <a:t>schon</a:t>
-            </a:r>
-            <a:r>
-              <a:rPr lang="en-US" baseline="0" dirty="0" smtClean="0"/>
-              <a:t> </a:t>
-            </a:r>
-            <a:r>
-              <a:rPr lang="en-US" baseline="0" dirty="0" err="1" smtClean="0"/>
-              <a:t>weiter</a:t>
-            </a:r>
-            <a:r>
-              <a:rPr lang="en-US" baseline="0" dirty="0" smtClean="0"/>
-              <a:t> </a:t>
-            </a:r>
-            <a:r>
-              <a:rPr lang="en-US" baseline="0" dirty="0" err="1" smtClean="0"/>
-              <a:t>zum</a:t>
-            </a:r>
-            <a:r>
-              <a:rPr lang="en-US" baseline="0" dirty="0" smtClean="0"/>
-              <a:t> Spiel </a:t>
-            </a:r>
-            <a:r>
-              <a:rPr lang="en-US" baseline="0" dirty="0" err="1" smtClean="0"/>
-              <a:t>selbst</a:t>
-            </a:r>
-            <a:r>
-              <a:rPr lang="en-US" baseline="0" smtClean="0"/>
-              <a:t>.</a:t>
+              <a:t> Review. </a:t>
+            </a:r>
+            <a:r>
+              <a:rPr lang="en-US" baseline="0" dirty="0" smtClean="0">
+                <a:sym typeface="Wingdings" panose="05000000000000000000" pitchFamily="2" charset="2"/>
+              </a:rPr>
+              <a:t></a:t>
             </a:r>
             <a:endParaRPr lang="de-DE" dirty="0"/>
           </a:p>
@@ -1152,40 +1220,212 @@
           <a:lstStyle/>
           <a:p>
             <a:r>
-              <a:rPr lang="en-US" dirty="0" err="1" smtClean="0"/>
-              <a:t>Zuerst</a:t>
-            </a:r>
-            <a:r>
               <a:rPr lang="en-US" dirty="0" smtClean="0"/>
+              <a:t>Doll 13 </a:t>
+            </a:r>
+            <a:r>
+              <a:rPr lang="en-US" baseline="0" dirty="0" err="1" smtClean="0"/>
+              <a:t>ist</a:t>
+            </a:r>
+            <a:r>
+              <a:rPr lang="en-US" baseline="0" dirty="0" smtClean="0"/>
               <a:t> </a:t>
             </a:r>
             <a:r>
-              <a:rPr lang="en-US" dirty="0" err="1" smtClean="0"/>
-              <a:t>allerdings</a:t>
-            </a:r>
-            <a:r>
-              <a:rPr lang="en-US" dirty="0" smtClean="0"/>
+              <a:rPr lang="en-US" baseline="0" dirty="0" err="1" smtClean="0"/>
+              <a:t>ein</a:t>
+            </a:r>
+            <a:r>
+              <a:rPr lang="en-US" baseline="0" dirty="0" smtClean="0"/>
+              <a:t> 3D </a:t>
+            </a:r>
+            <a:r>
+              <a:rPr lang="en-US" baseline="0" dirty="0" smtClean="0"/>
+              <a:t>puzzle-adventure </a:t>
+            </a:r>
+            <a:r>
+              <a:rPr lang="en-US" baseline="0" dirty="0" err="1" smtClean="0"/>
+              <a:t>mit</a:t>
+            </a:r>
+            <a:r>
+              <a:rPr lang="en-US" baseline="0" dirty="0" smtClean="0"/>
+              <a:t> stealth-</a:t>
+            </a:r>
+            <a:r>
+              <a:rPr lang="en-US" baseline="0" dirty="0" err="1" smtClean="0"/>
+              <a:t>elementen</a:t>
+            </a:r>
+            <a:r>
+              <a:rPr lang="en-US" baseline="0" dirty="0" smtClean="0"/>
               <a:t> </a:t>
             </a:r>
             <a:r>
-              <a:rPr lang="en-US" dirty="0" err="1" smtClean="0"/>
+              <a:rPr lang="en-US" baseline="0" dirty="0" err="1" smtClean="0"/>
+              <a:t>fuer</a:t>
+            </a:r>
+            <a:r>
+              <a:rPr lang="en-US" baseline="0" dirty="0" smtClean="0"/>
+              <a:t> </a:t>
+            </a:r>
+            <a:r>
+              <a:rPr lang="en-US" baseline="0" dirty="0" err="1" smtClean="0"/>
+              <a:t>Freunde</a:t>
+            </a:r>
+            <a:r>
+              <a:rPr lang="en-US" baseline="0" dirty="0" smtClean="0"/>
+              <a:t> des </a:t>
+            </a:r>
+            <a:r>
+              <a:rPr lang="en-US" baseline="0" dirty="0" err="1" smtClean="0"/>
+              <a:t>Okkulten</a:t>
+            </a:r>
+            <a:r>
+              <a:rPr lang="en-US" baseline="0" dirty="0" smtClean="0"/>
+              <a:t>. </a:t>
+            </a:r>
+            <a:r>
+              <a:rPr lang="en-US" baseline="0" dirty="0" err="1" smtClean="0"/>
+              <a:t>Es</a:t>
+            </a:r>
+            <a:r>
+              <a:rPr lang="en-US" baseline="0" dirty="0" smtClean="0"/>
+              <a:t> </a:t>
+            </a:r>
+            <a:r>
+              <a:rPr lang="en-US" baseline="0" dirty="0" err="1" smtClean="0"/>
+              <a:t>ist</a:t>
+            </a:r>
+            <a:r>
+              <a:rPr lang="en-US" baseline="0" dirty="0" smtClean="0"/>
+              <a:t> </a:t>
+            </a:r>
+            <a:r>
+              <a:rPr lang="en-US" baseline="0" dirty="0" err="1" smtClean="0"/>
               <a:t>ein</a:t>
             </a:r>
             <a:r>
-              <a:rPr lang="en-US" dirty="0" smtClean="0"/>
+              <a:rPr lang="en-US" baseline="0" dirty="0" smtClean="0"/>
               <a:t> </a:t>
             </a:r>
             <a:r>
-              <a:rPr lang="en-US" dirty="0" err="1" smtClean="0"/>
-              <a:t>kleines</a:t>
-            </a:r>
-            <a:r>
-              <a:rPr lang="en-US" dirty="0" smtClean="0"/>
-              <a:t> Review.</a:t>
-            </a:r>
-            <a:r>
-              <a:rPr lang="en-US" baseline="0" dirty="0" smtClean="0"/>
-              <a:t>  Voodoo </a:t>
+              <a:rPr lang="en-US" baseline="0" dirty="0" err="1" smtClean="0"/>
+              <a:t>Singelplayerspiel</a:t>
+            </a:r>
+            <a:r>
+              <a:rPr lang="en-US" baseline="0" dirty="0" smtClean="0"/>
+              <a:t> </a:t>
+            </a:r>
+            <a:r>
+              <a:rPr lang="en-US" baseline="0" dirty="0" err="1" smtClean="0"/>
+              <a:t>fuer</a:t>
+            </a:r>
+            <a:r>
+              <a:rPr lang="en-US" baseline="0" dirty="0" smtClean="0"/>
+              <a:t> den PC in </a:t>
+            </a:r>
+            <a:r>
+              <a:rPr lang="en-US" baseline="0" dirty="0" err="1" smtClean="0"/>
+              <a:t>dem</a:t>
+            </a:r>
+            <a:r>
+              <a:rPr lang="en-US" baseline="0" dirty="0" smtClean="0"/>
+              <a:t> der </a:t>
+            </a:r>
+            <a:r>
+              <a:rPr lang="en-US" baseline="0" dirty="0" err="1" smtClean="0"/>
+              <a:t>Spieler</a:t>
+            </a:r>
+            <a:r>
+              <a:rPr lang="en-US" baseline="0" dirty="0" smtClean="0"/>
+              <a:t> </a:t>
+            </a:r>
+            <a:r>
+              <a:rPr lang="en-US" baseline="0" dirty="0" err="1" smtClean="0"/>
+              <a:t>eine</a:t>
+            </a:r>
+            <a:r>
+              <a:rPr lang="en-US" baseline="0" dirty="0" smtClean="0"/>
+              <a:t> </a:t>
+            </a:r>
+            <a:r>
+              <a:rPr lang="en-US" baseline="0" dirty="0" err="1" smtClean="0"/>
+              <a:t>kleine</a:t>
+            </a:r>
+            <a:r>
+              <a:rPr lang="en-US" baseline="0" dirty="0" smtClean="0"/>
+              <a:t> Voodoo-</a:t>
+            </a:r>
+            <a:r>
+              <a:rPr lang="en-US" baseline="0" dirty="0" err="1" smtClean="0"/>
+              <a:t>Puppe</a:t>
+            </a:r>
+            <a:r>
+              <a:rPr lang="en-US" baseline="0" dirty="0" smtClean="0"/>
+              <a:t> </a:t>
+            </a:r>
+            <a:r>
+              <a:rPr lang="en-US" baseline="0" dirty="0" err="1" smtClean="0"/>
+              <a:t>steuert</a:t>
+            </a:r>
+            <a:r>
+              <a:rPr lang="en-US" baseline="0" dirty="0" smtClean="0"/>
+              <a:t>, </a:t>
+            </a:r>
+            <a:r>
+              <a:rPr lang="en-US" baseline="0" dirty="0" err="1" smtClean="0"/>
+              <a:t>welche</a:t>
+            </a:r>
+            <a:r>
+              <a:rPr lang="en-US" baseline="0" dirty="0" smtClean="0"/>
+              <a:t> </a:t>
+            </a:r>
+            <a:r>
+              <a:rPr lang="en-US" baseline="0" dirty="0" err="1" smtClean="0"/>
+              <a:t>im</a:t>
+            </a:r>
+            <a:r>
+              <a:rPr lang="en-US" baseline="0" dirty="0" smtClean="0"/>
+              <a:t> Keller </a:t>
+            </a:r>
+            <a:r>
+              <a:rPr lang="en-US" baseline="0" dirty="0" err="1" smtClean="0"/>
+              <a:t>einer</a:t>
+            </a:r>
+            <a:r>
+              <a:rPr lang="en-US" baseline="0" dirty="0" smtClean="0"/>
+              <a:t> </a:t>
+            </a:r>
+            <a:r>
+              <a:rPr lang="en-US" baseline="0" dirty="0" err="1" smtClean="0"/>
+              <a:t>Geheimbasis</a:t>
+            </a:r>
+            <a:r>
+              <a:rPr lang="en-US" baseline="0" dirty="0" smtClean="0"/>
+              <a:t> </a:t>
+            </a:r>
+            <a:r>
+              <a:rPr lang="en-US" baseline="0" dirty="0" err="1" smtClean="0"/>
+              <a:t>zum</a:t>
+            </a:r>
+            <a:r>
+              <a:rPr lang="en-US" baseline="0" dirty="0" smtClean="0"/>
+              <a:t> </a:t>
+            </a:r>
+            <a:r>
+              <a:rPr lang="en-US" baseline="0" dirty="0" err="1" smtClean="0"/>
+              <a:t>Leben</a:t>
+            </a:r>
+            <a:r>
+              <a:rPr lang="en-US" baseline="0" dirty="0" smtClean="0"/>
+              <a:t> </a:t>
+            </a:r>
+            <a:r>
+              <a:rPr lang="en-US" baseline="0" dirty="0" err="1" smtClean="0"/>
+              <a:t>erwacht</a:t>
+            </a:r>
+            <a:r>
+              <a:rPr lang="en-US" baseline="0" dirty="0" smtClean="0"/>
+              <a:t> </a:t>
             </a:r>
             <a:r>
               <a:rPr lang="en-US" baseline="0" dirty="0" err="1" smtClean="0"/>
@@ -1193,19 +1433,19 @@
             </a:r>
             <a:r>
               <a:rPr lang="en-US" baseline="0" dirty="0" smtClean="0"/>
+              <a:t> und nun </a:t>
+            </a:r>
+            <a:r>
+              <a:rPr lang="en-US" baseline="0" dirty="0" err="1" smtClean="0"/>
+              <a:t>versucht</a:t>
+            </a:r>
+            <a:r>
+              <a:rPr lang="en-US" baseline="0" dirty="0" smtClean="0"/>
               <a:t> </a:t>
             </a:r>
             <a:r>
               <a:rPr lang="en-US" baseline="0" dirty="0" err="1" smtClean="0"/>
-              <a:t>ein</a:t>
-            </a:r>
-            <a:r>
-              <a:rPr lang="en-US" baseline="0" dirty="0" smtClean="0"/>
-              <a:t> 3D platformer </a:t>
-            </a:r>
-            <a:r>
-              <a:rPr lang="en-US" baseline="0" dirty="0" err="1" smtClean="0"/>
-              <a:t>fuer</a:t>
+              <a:t>daraus</a:t>
             </a:r>
             <a:r>
               <a:rPr lang="en-US" baseline="0" dirty="0" smtClean="0"/>
@@ -1213,15 +1453,7 @@
             </a:r>
             <a:r>
               <a:rPr lang="en-US" baseline="0" dirty="0" err="1" smtClean="0"/>
-              <a:t>Freunde</a:t>
-            </a:r>
-            <a:r>
-              <a:rPr lang="en-US" baseline="0" dirty="0" smtClean="0"/>
-              <a:t> des </a:t>
-            </a:r>
-            <a:r>
-              <a:rPr lang="en-US" baseline="0" dirty="0" err="1" smtClean="0"/>
-              <a:t>Okkulten</a:t>
+              <a:t>zu</a:t>
             </a:r>
             <a:r>
               <a:rPr lang="en-US" baseline="0" dirty="0" smtClean="0"/>
@@ -1229,6 +1461,102 @@
             </a:r>
             <a:r>
               <a:rPr lang="en-US" baseline="0" dirty="0" err="1" smtClean="0"/>
+              <a:t>fliehen</a:t>
+            </a:r>
+            <a:r>
+              <a:rPr lang="en-US" baseline="0" dirty="0" smtClean="0"/>
+              <a:t>. Das </a:t>
+            </a:r>
+            <a:r>
+              <a:rPr lang="en-US" baseline="0" dirty="0" err="1" smtClean="0"/>
+              <a:t>Ganze</a:t>
+            </a:r>
+            <a:r>
+              <a:rPr lang="en-US" baseline="0" dirty="0" smtClean="0"/>
+              <a:t> </a:t>
+            </a:r>
+            <a:r>
+              <a:rPr lang="en-US" baseline="0" dirty="0" err="1" smtClean="0"/>
+              <a:t>spielt</a:t>
+            </a:r>
+            <a:r>
+              <a:rPr lang="en-US" baseline="0" dirty="0" smtClean="0"/>
+              <a:t> in den 1950ern und </a:t>
+            </a:r>
+            <a:r>
+              <a:rPr lang="en-US" baseline="0" dirty="0" err="1" smtClean="0"/>
+              <a:t>wir</a:t>
+            </a:r>
+            <a:r>
+              <a:rPr lang="en-US" baseline="0" dirty="0" smtClean="0"/>
+              <a:t> </a:t>
+            </a:r>
+            <a:r>
+              <a:rPr lang="en-US" baseline="0" dirty="0" err="1" smtClean="0"/>
+              <a:t>versuchen</a:t>
+            </a:r>
+            <a:r>
+              <a:rPr lang="en-US" baseline="0" dirty="0" smtClean="0"/>
+              <a:t> das Spiel </a:t>
+            </a:r>
+            <a:r>
+              <a:rPr lang="en-US" baseline="0" dirty="0" err="1" smtClean="0"/>
+              <a:t>bis</a:t>
+            </a:r>
+            <a:r>
+              <a:rPr lang="en-US" baseline="0" dirty="0" smtClean="0"/>
+              <a:t> </a:t>
+            </a:r>
+            <a:r>
+              <a:rPr lang="en-US" baseline="0" dirty="0" err="1" smtClean="0"/>
+              <a:t>zum</a:t>
+            </a:r>
+            <a:r>
+              <a:rPr lang="en-US" baseline="0" dirty="0" smtClean="0"/>
+              <a:t> </a:t>
+            </a:r>
+            <a:r>
+              <a:rPr lang="en-US" baseline="0" dirty="0" err="1" smtClean="0"/>
+              <a:t>Goldmaster</a:t>
+            </a:r>
+            <a:r>
+              <a:rPr lang="en-US" baseline="0" dirty="0" smtClean="0"/>
+              <a:t> so </a:t>
+            </a:r>
+            <a:r>
+              <a:rPr lang="en-US" baseline="0" dirty="0" err="1" smtClean="0"/>
+              <a:t>zu</a:t>
+            </a:r>
+            <a:r>
+              <a:rPr lang="en-US" baseline="0" dirty="0" smtClean="0"/>
+              <a:t> </a:t>
+            </a:r>
+            <a:r>
+              <a:rPr lang="en-US" baseline="0" dirty="0" err="1" smtClean="0"/>
+              <a:t>gestalten</a:t>
+            </a:r>
+            <a:r>
+              <a:rPr lang="en-US" baseline="0" dirty="0" smtClean="0"/>
+              <a:t>, </a:t>
+            </a:r>
+            <a:r>
+              <a:rPr lang="en-US" baseline="0" dirty="0" err="1" smtClean="0"/>
+              <a:t>dass</a:t>
+            </a:r>
+            <a:r>
+              <a:rPr lang="en-US" baseline="0" dirty="0" smtClean="0"/>
+              <a:t> der </a:t>
+            </a:r>
+            <a:r>
+              <a:rPr lang="en-US" baseline="0" dirty="0" err="1" smtClean="0"/>
+              <a:t>Spieler</a:t>
+            </a:r>
+            <a:r>
+              <a:rPr lang="en-US" baseline="0" dirty="0" smtClean="0"/>
+              <a:t> </a:t>
+            </a:r>
+            <a:r>
+              <a:rPr lang="en-US" baseline="0" dirty="0" err="1" smtClean="0"/>
               <a:t>mit</a:t>
             </a:r>
             <a:r>
@@ -1237,11 +1565,11 @@
             </a:r>
             <a:r>
               <a:rPr lang="en-US" baseline="0" dirty="0" err="1" smtClean="0"/>
-              <a:t>einigen</a:t>
-            </a:r>
-            <a:r>
-              <a:rPr lang="en-US" baseline="0" dirty="0" smtClean="0"/>
-              <a:t> Stealth und Puzzle-</a:t>
+              <a:t>Hilfe</a:t>
+            </a:r>
+            <a:r>
+              <a:rPr lang="en-US" baseline="0" dirty="0" smtClean="0"/>
+              <a:t> von Storytelling-</a:t>
             </a:r>
             <a:r>
               <a:rPr lang="en-US" baseline="0" dirty="0" err="1" smtClean="0"/>
@@ -1249,11 +1577,51 @@
             </a:r>
             <a:r>
               <a:rPr lang="en-US" baseline="0" dirty="0" smtClean="0"/>
+              <a:t> </a:t>
+            </a:r>
+            <a:r>
+              <a:rPr lang="en-US" baseline="0" dirty="0" err="1" smtClean="0"/>
+              <a:t>im</a:t>
+            </a:r>
+            <a:r>
+              <a:rPr lang="en-US" baseline="0" dirty="0" smtClean="0"/>
+              <a:t> Spiel die </a:t>
+            </a:r>
+            <a:r>
+              <a:rPr lang="en-US" baseline="0" dirty="0" err="1" smtClean="0"/>
+              <a:t>Hintergrundgeschichte</a:t>
+            </a:r>
+            <a:r>
+              <a:rPr lang="en-US" baseline="0" dirty="0" smtClean="0"/>
+              <a:t> </a:t>
+            </a:r>
+            <a:r>
+              <a:rPr lang="en-US" baseline="0" dirty="0" err="1" smtClean="0"/>
+              <a:t>dazu</a:t>
+            </a:r>
+            <a:r>
+              <a:rPr lang="en-US" baseline="0" dirty="0" smtClean="0"/>
+              <a:t> </a:t>
+            </a:r>
+            <a:r>
+              <a:rPr lang="en-US" baseline="0" dirty="0" err="1" smtClean="0"/>
+              <a:t>nachvollziehen</a:t>
+            </a:r>
+            <a:r>
+              <a:rPr lang="en-US" baseline="0" dirty="0" smtClean="0"/>
+              <a:t> </a:t>
+            </a:r>
+            <a:r>
+              <a:rPr lang="en-US" baseline="0" dirty="0" err="1" smtClean="0"/>
+              <a:t>bzw</a:t>
+            </a:r>
+            <a:r>
+              <a:rPr lang="en-US" baseline="0" dirty="0" smtClean="0"/>
               <a:t>. </a:t>
             </a:r>
             <a:r>
               <a:rPr lang="en-US" baseline="0" dirty="0" err="1" smtClean="0"/>
-              <a:t>Es</a:t>
+              <a:t>Aufdecken</a:t>
             </a:r>
             <a:r>
               <a:rPr lang="en-US" baseline="0" dirty="0" smtClean="0"/>
@@ -1261,7 +1629,25 @@
             </a:r>
             <a:r>
               <a:rPr lang="en-US" baseline="0" dirty="0" err="1" smtClean="0"/>
-              <a:t>handelt</a:t>
+              <a:t>kann</a:t>
+            </a:r>
+            <a:r>
+              <a:rPr lang="en-US" baseline="0" dirty="0" smtClean="0"/>
+              <a:t>. </a:t>
+            </a:r>
+            <a:br>
+              <a:rPr lang="en-US" baseline="0" dirty="0" smtClean="0"/>
+            </a:br>
+            <a:r>
+              <a:rPr lang="en-US" baseline="0" dirty="0" smtClean="0"/>
+              <a:t/>
+            </a:r>
+            <a:br>
+              <a:rPr lang="en-US" baseline="0" dirty="0" smtClean="0"/>
+            </a:br>
+            <a:r>
+              <a:rPr lang="en-US" baseline="0" dirty="0" err="1" smtClean="0"/>
+              <a:t>Damit</a:t>
             </a:r>
             <a:r>
               <a:rPr lang="en-US" baseline="0" dirty="0" smtClean="0"/>
@@ -1269,15 +1655,7 @@
             </a:r>
             <a:r>
               <a:rPr lang="en-US" baseline="0" dirty="0" err="1" smtClean="0"/>
-              <a:t>sich</a:t>
-            </a:r>
-            <a:r>
-              <a:rPr lang="en-US" baseline="0" dirty="0" smtClean="0"/>
-              <a:t> um </a:t>
-            </a:r>
-            <a:r>
-              <a:rPr lang="en-US" baseline="0" dirty="0" err="1" smtClean="0"/>
-              <a:t>ein</a:t>
+              <a:t>kommen</a:t>
             </a:r>
             <a:r>
               <a:rPr lang="en-US" baseline="0" dirty="0" smtClean="0"/>
@@ -1285,39 +1663,71 @@
             </a:r>
             <a:r>
               <a:rPr lang="en-US" baseline="0" dirty="0" err="1" smtClean="0"/>
-              <a:t>Singelplayer</a:t>
-            </a:r>
-            <a:r>
-              <a:rPr lang="en-US" baseline="0" dirty="0" smtClean="0"/>
-              <a:t>-Spiel, welches </a:t>
-            </a:r>
-            <a:r>
-              <a:rPr lang="en-US" baseline="0" dirty="0" err="1" smtClean="0"/>
               <a:t>wir</a:t>
             </a:r>
             <a:r>
               <a:rPr lang="en-US" baseline="0" dirty="0" smtClean="0"/>
-              <a:t> in Unity </a:t>
-            </a:r>
-            <a:r>
-              <a:rPr lang="en-US" baseline="0" dirty="0" err="1" smtClean="0"/>
-              <a:t>fuer</a:t>
-            </a:r>
-            <a:r>
-              <a:rPr lang="en-US" baseline="0" dirty="0" smtClean="0"/>
-              <a:t> den PC </a:t>
-            </a:r>
-            <a:r>
-              <a:rPr lang="en-US" baseline="0" dirty="0" err="1" smtClean="0"/>
-              <a:t>erstellt</a:t>
-            </a:r>
-            <a:r>
-              <a:rPr lang="en-US" baseline="0" dirty="0" smtClean="0"/>
               <a:t> </a:t>
             </a:r>
             <a:r>
               <a:rPr lang="en-US" baseline="0" dirty="0" err="1" smtClean="0"/>
-              <a:t>haben</a:t>
+              <a:t>zu</a:t>
+            </a:r>
+            <a:r>
+              <a:rPr lang="en-US" baseline="0" dirty="0" smtClean="0"/>
+              <a:t> den </a:t>
+            </a:r>
+            <a:r>
+              <a:rPr lang="en-US" baseline="0" dirty="0" err="1" smtClean="0"/>
+              <a:t>Zielen</a:t>
+            </a:r>
+            <a:r>
+              <a:rPr lang="en-US" baseline="0" dirty="0" smtClean="0"/>
+              <a:t> die </a:t>
+            </a:r>
+            <a:r>
+              <a:rPr lang="en-US" baseline="0" dirty="0" err="1" smtClean="0"/>
+              <a:t>wir</a:t>
+            </a:r>
+            <a:r>
+              <a:rPr lang="en-US" baseline="0" dirty="0" smtClean="0"/>
+              <a:t> </a:t>
+            </a:r>
+            <a:r>
+              <a:rPr lang="en-US" baseline="0" dirty="0" err="1" smtClean="0"/>
+              <a:t>uns</a:t>
+            </a:r>
+            <a:r>
+              <a:rPr lang="en-US" baseline="0" dirty="0" smtClean="0"/>
+              <a:t> </a:t>
+            </a:r>
+            <a:r>
+              <a:rPr lang="en-US" baseline="0" dirty="0" err="1" smtClean="0"/>
+              <a:t>bis</a:t>
+            </a:r>
+            <a:r>
+              <a:rPr lang="en-US" baseline="0" dirty="0" smtClean="0"/>
+              <a:t> </a:t>
+            </a:r>
+            <a:r>
+              <a:rPr lang="en-US" baseline="0" dirty="0" err="1" smtClean="0"/>
+              <a:t>heute</a:t>
+            </a:r>
+            <a:r>
+              <a:rPr lang="en-US" baseline="0" dirty="0" smtClean="0"/>
+              <a:t> </a:t>
+            </a:r>
+            <a:r>
+              <a:rPr lang="en-US" baseline="0" dirty="0" err="1" smtClean="0"/>
+              <a:t>gesetzt</a:t>
+            </a:r>
+            <a:r>
+              <a:rPr lang="en-US" baseline="0" dirty="0" smtClean="0"/>
+              <a:t> </a:t>
+            </a:r>
+            <a:r>
+              <a:rPr lang="en-US" baseline="0" dirty="0" err="1" smtClean="0"/>
+              <a:t>hatten</a:t>
             </a:r>
             <a:r>
               <a:rPr lang="en-US" baseline="0" dirty="0" smtClean="0"/>
@@ -1412,252 +1822,24 @@
               <a:t>Wir</a:t>
             </a:r>
             <a:r>
-              <a:rPr lang="en-US" dirty="0" smtClean="0"/>
+              <a:rPr lang="en-US" baseline="0" dirty="0" smtClean="0"/>
               <a:t> </a:t>
             </a:r>
             <a:r>
-              <a:rPr lang="en-US" dirty="0" err="1" smtClean="0"/>
+              <a:rPr lang="en-US" baseline="0" dirty="0" err="1" smtClean="0"/>
               <a:t>hatten</a:t>
             </a:r>
             <a:r>
-              <a:rPr lang="en-US" dirty="0" smtClean="0"/>
+              <a:rPr lang="en-US" baseline="0" dirty="0" smtClean="0"/>
               <a:t> </a:t>
             </a:r>
             <a:r>
-              <a:rPr lang="en-US" dirty="0" err="1" smtClean="0"/>
+              <a:rPr lang="en-US" baseline="0" dirty="0" err="1" smtClean="0"/>
               <a:t>versprochen</a:t>
             </a:r>
             <a:r>
-              <a:rPr lang="en-US" dirty="0" smtClean="0"/>
+              <a:rPr lang="en-US" baseline="0" smtClean="0"/>
               <a:t> </a:t>
-            </a:r>
-            <a:r>
-              <a:rPr lang="en-US" dirty="0" err="1" smtClean="0"/>
-              <a:t>heute</a:t>
-            </a:r>
-            <a:r>
-              <a:rPr lang="en-US" dirty="0" smtClean="0"/>
-              <a:t> </a:t>
-            </a:r>
-            <a:r>
-              <a:rPr lang="en-US" dirty="0" err="1" smtClean="0"/>
-              <a:t>einen</a:t>
-            </a:r>
-            <a:r>
-              <a:rPr lang="en-US" dirty="0" smtClean="0"/>
-              <a:t> </a:t>
-            </a:r>
-            <a:r>
-              <a:rPr lang="en-US" dirty="0" err="1" smtClean="0"/>
-              <a:t>spielbaren</a:t>
-            </a:r>
-            <a:r>
-              <a:rPr lang="en-US" dirty="0" smtClean="0"/>
-              <a:t> </a:t>
-            </a:r>
-            <a:r>
-              <a:rPr lang="en-US" dirty="0" err="1" smtClean="0"/>
-              <a:t>Prototypen</a:t>
-            </a:r>
-            <a:r>
-              <a:rPr lang="en-US" dirty="0" smtClean="0"/>
-              <a:t> </a:t>
-            </a:r>
-            <a:r>
-              <a:rPr lang="en-US" dirty="0" err="1" smtClean="0"/>
-              <a:t>vorzustellen</a:t>
-            </a:r>
-            <a:r>
-              <a:rPr lang="en-US" dirty="0" smtClean="0"/>
-              <a:t>, </a:t>
-            </a:r>
-            <a:r>
-              <a:rPr lang="en-US" dirty="0" err="1" smtClean="0"/>
-              <a:t>zu</a:t>
-            </a:r>
-            <a:r>
-              <a:rPr lang="en-US" dirty="0" smtClean="0"/>
-              <a:t> </a:t>
-            </a:r>
-            <a:r>
-              <a:rPr lang="en-US" dirty="0" err="1" smtClean="0"/>
-              <a:t>dem</a:t>
-            </a:r>
-            <a:r>
-              <a:rPr lang="en-US" dirty="0" smtClean="0"/>
-              <a:t> </a:t>
-            </a:r>
-            <a:r>
-              <a:rPr lang="en-US" dirty="0" err="1" smtClean="0"/>
-              <a:t>wir</a:t>
-            </a:r>
-            <a:r>
-              <a:rPr lang="en-US" dirty="0" smtClean="0"/>
-              <a:t> </a:t>
-            </a:r>
-            <a:r>
-              <a:rPr lang="en-US" dirty="0" err="1" smtClean="0"/>
-              <a:t>auch</a:t>
-            </a:r>
-            <a:r>
-              <a:rPr lang="en-US" dirty="0" smtClean="0"/>
-              <a:t> </a:t>
-            </a:r>
-            <a:r>
-              <a:rPr lang="en-US" dirty="0" err="1" smtClean="0"/>
-              <a:t>gleich</a:t>
-            </a:r>
-            <a:r>
-              <a:rPr lang="en-US" dirty="0" smtClean="0"/>
-              <a:t> </a:t>
-            </a:r>
-            <a:r>
-              <a:rPr lang="en-US" dirty="0" err="1" smtClean="0"/>
-              <a:t>kommen</a:t>
-            </a:r>
-            <a:r>
-              <a:rPr lang="en-US" dirty="0" smtClean="0"/>
-              <a:t>. </a:t>
-            </a:r>
-            <a:r>
-              <a:rPr lang="en-US" dirty="0" err="1" smtClean="0"/>
-              <a:t>Ausserdem</a:t>
-            </a:r>
-            <a:r>
-              <a:rPr lang="en-US" dirty="0" smtClean="0"/>
-              <a:t> </a:t>
-            </a:r>
-            <a:r>
-              <a:rPr lang="en-US" dirty="0" err="1" smtClean="0"/>
-              <a:t>zeigen</a:t>
-            </a:r>
-            <a:r>
-              <a:rPr lang="en-US" dirty="0" smtClean="0"/>
-              <a:t> </a:t>
-            </a:r>
-            <a:r>
-              <a:rPr lang="en-US" dirty="0" err="1" smtClean="0"/>
-              <a:t>wir</a:t>
-            </a:r>
-            <a:r>
-              <a:rPr lang="en-US" dirty="0" smtClean="0"/>
-              <a:t> </a:t>
-            </a:r>
-            <a:r>
-              <a:rPr lang="en-US" dirty="0" err="1" smtClean="0"/>
-              <a:t>euch</a:t>
-            </a:r>
-            <a:r>
-              <a:rPr lang="en-US" dirty="0" smtClean="0"/>
-              <a:t> </a:t>
-            </a:r>
-            <a:r>
-              <a:rPr lang="en-US" dirty="0" err="1" smtClean="0"/>
-              <a:t>unseren</a:t>
-            </a:r>
-            <a:r>
-              <a:rPr lang="en-US" dirty="0" smtClean="0"/>
-              <a:t> </a:t>
-            </a:r>
-            <a:r>
-              <a:rPr lang="en-US" dirty="0" err="1" smtClean="0"/>
-              <a:t>bereits</a:t>
-            </a:r>
-            <a:r>
-              <a:rPr lang="en-US" dirty="0" smtClean="0"/>
-              <a:t> </a:t>
-            </a:r>
-            <a:r>
-              <a:rPr lang="en-US" dirty="0" err="1" smtClean="0"/>
-              <a:t>texturierten</a:t>
-            </a:r>
-            <a:r>
-              <a:rPr lang="en-US" dirty="0" smtClean="0"/>
-              <a:t> </a:t>
-            </a:r>
-            <a:r>
-              <a:rPr lang="en-US" dirty="0" err="1" smtClean="0"/>
-              <a:t>Hauptcharakter</a:t>
-            </a:r>
-            <a:r>
-              <a:rPr lang="en-US" dirty="0" smtClean="0"/>
-              <a:t>,</a:t>
-            </a:r>
-            <a:r>
-              <a:rPr lang="en-US" baseline="0" dirty="0" smtClean="0"/>
-              <a:t> </a:t>
-            </a:r>
-            <a:r>
-              <a:rPr lang="en-US" baseline="0" dirty="0" err="1" smtClean="0"/>
-              <a:t>sowie</a:t>
-            </a:r>
-            <a:r>
-              <a:rPr lang="en-US" baseline="0" dirty="0" smtClean="0"/>
-              <a:t> </a:t>
-            </a:r>
-            <a:r>
-              <a:rPr lang="en-US" baseline="0" dirty="0" err="1" smtClean="0"/>
-              <a:t>unsere</a:t>
-            </a:r>
-            <a:r>
-              <a:rPr lang="en-US" baseline="0" dirty="0" smtClean="0"/>
-              <a:t> </a:t>
-            </a:r>
-            <a:r>
-              <a:rPr lang="en-US" baseline="0" dirty="0" err="1" smtClean="0"/>
-              <a:t>erste</a:t>
-            </a:r>
-            <a:r>
-              <a:rPr lang="en-US" baseline="0" dirty="0" smtClean="0"/>
-              <a:t> </a:t>
-            </a:r>
-            <a:r>
-              <a:rPr lang="en-US" baseline="0" dirty="0" err="1" smtClean="0"/>
-              <a:t>Mechanik</a:t>
-            </a:r>
-            <a:r>
-              <a:rPr lang="en-US" baseline="0" dirty="0" smtClean="0"/>
-              <a:t>: Clairvoyance. Am </a:t>
-            </a:r>
-            <a:r>
-              <a:rPr lang="en-US" baseline="0" dirty="0" err="1" smtClean="0"/>
-              <a:t>besten</a:t>
-            </a:r>
-            <a:r>
-              <a:rPr lang="en-US" baseline="0" dirty="0" smtClean="0"/>
-              <a:t> </a:t>
-            </a:r>
-            <a:r>
-              <a:rPr lang="en-US" baseline="0" dirty="0" err="1" smtClean="0"/>
-              <a:t>sehen</a:t>
-            </a:r>
-            <a:r>
-              <a:rPr lang="en-US" baseline="0" dirty="0" smtClean="0"/>
-              <a:t> </a:t>
-            </a:r>
-            <a:r>
-              <a:rPr lang="en-US" baseline="0" dirty="0" err="1" smtClean="0"/>
-              <a:t>wir</a:t>
-            </a:r>
-            <a:r>
-              <a:rPr lang="en-US" baseline="0" dirty="0" smtClean="0"/>
-              <a:t> </a:t>
-            </a:r>
-            <a:r>
-              <a:rPr lang="en-US" baseline="0" dirty="0" err="1" smtClean="0"/>
-              <a:t>uns</a:t>
-            </a:r>
-            <a:r>
-              <a:rPr lang="en-US" baseline="0" dirty="0" smtClean="0"/>
-              <a:t> das Spiel direct </a:t>
-            </a:r>
-            <a:r>
-              <a:rPr lang="en-US" baseline="0" dirty="0" err="1" smtClean="0"/>
-              <a:t>einmal</a:t>
-            </a:r>
-            <a:r>
-              <a:rPr lang="en-US" baseline="0" dirty="0" smtClean="0"/>
-              <a:t> an. </a:t>
             </a:r>
             <a:endParaRPr lang="de-DE" dirty="0"/>
           </a:p>

--- a/_Organisation/Präsentation/Voodoo_PP2.pptx
+++ b/_Organisation/Präsentation/Voodoo_PP2.pptx
@@ -531,15 +531,7 @@
             </a:r>
             <a:r>
               <a:rPr lang="de-DE" baseline="0" dirty="0" smtClean="0"/>
-              <a:t> ehemalig bekannt </a:t>
-            </a:r>
-            <a:r>
-              <a:rPr lang="de-DE" baseline="0" dirty="0" smtClean="0"/>
-              <a:t>unter dem Namen </a:t>
-            </a:r>
-            <a:r>
-              <a:rPr lang="de-DE" baseline="0" dirty="0" smtClean="0"/>
-              <a:t>„Voodoo“.</a:t>
+              <a:t> ehemalig bekannt unter dem Namen „Voodoo“.</a:t>
             </a:r>
           </a:p>
           <a:p>
@@ -865,11 +857,7 @@
             </a:r>
             <a:r>
               <a:rPr lang="en-US" baseline="0" dirty="0" smtClean="0"/>
-              <a:t> </a:t>
-            </a:r>
-            <a:r>
-              <a:rPr lang="en-US" baseline="0" dirty="0" smtClean="0"/>
-              <a:t>die </a:t>
+              <a:t> die </a:t>
             </a:r>
             <a:r>
               <a:rPr lang="en-US" baseline="0" dirty="0" err="1" smtClean="0"/>
@@ -1237,11 +1225,7 @@
             </a:r>
             <a:r>
               <a:rPr lang="en-US" baseline="0" dirty="0" smtClean="0"/>
-              <a:t> 3D </a:t>
-            </a:r>
-            <a:r>
-              <a:rPr lang="en-US" baseline="0" dirty="0" smtClean="0"/>
-              <a:t>puzzle-adventure </a:t>
+              <a:t> 3D puzzle-adventure </a:t>
             </a:r>
             <a:r>
               <a:rPr lang="en-US" baseline="0" dirty="0" err="1" smtClean="0"/>
@@ -1838,8 +1822,836 @@
               <a:t>versprochen</a:t>
             </a:r>
             <a:r>
-              <a:rPr lang="en-US" baseline="0" smtClean="0"/>
-              <a:t> </a:t>
+              <a:rPr lang="en-US" baseline="0" dirty="0" smtClean="0"/>
+              <a:t> </a:t>
+            </a:r>
+            <a:r>
+              <a:rPr lang="en-US" baseline="0" dirty="0" err="1" smtClean="0"/>
+              <a:t>euch</a:t>
+            </a:r>
+            <a:r>
+              <a:rPr lang="en-US" baseline="0" dirty="0" smtClean="0"/>
+              <a:t> </a:t>
+            </a:r>
+            <a:r>
+              <a:rPr lang="en-US" baseline="0" dirty="0" err="1" smtClean="0"/>
+              <a:t>heute</a:t>
+            </a:r>
+            <a:r>
+              <a:rPr lang="en-US" baseline="0" dirty="0" smtClean="0"/>
+              <a:t> </a:t>
+            </a:r>
+            <a:r>
+              <a:rPr lang="en-US" baseline="0" dirty="0" err="1" smtClean="0"/>
+              <a:t>ein</a:t>
+            </a:r>
+            <a:r>
+              <a:rPr lang="en-US" baseline="0" dirty="0" smtClean="0"/>
+              <a:t> </a:t>
+            </a:r>
+            <a:r>
+              <a:rPr lang="en-US" baseline="0" dirty="0" err="1" smtClean="0"/>
+              <a:t>zweites</a:t>
+            </a:r>
+            <a:r>
+              <a:rPr lang="en-US" baseline="0" dirty="0" smtClean="0"/>
+              <a:t> Level, das Labor, </a:t>
+            </a:r>
+            <a:r>
+              <a:rPr lang="en-US" baseline="0" dirty="0" err="1" smtClean="0"/>
+              <a:t>zu</a:t>
+            </a:r>
+            <a:r>
+              <a:rPr lang="en-US" baseline="0" dirty="0" smtClean="0"/>
+              <a:t> </a:t>
+            </a:r>
+            <a:r>
+              <a:rPr lang="en-US" baseline="0" dirty="0" err="1" smtClean="0"/>
+              <a:t>zeigen</a:t>
+            </a:r>
+            <a:r>
+              <a:rPr lang="en-US" baseline="0" dirty="0" smtClean="0"/>
+              <a:t> und dieses </a:t>
+            </a:r>
+            <a:r>
+              <a:rPr lang="en-US" baseline="0" dirty="0" err="1" smtClean="0"/>
+              <a:t>Versprechen</a:t>
+            </a:r>
+            <a:r>
+              <a:rPr lang="en-US" baseline="0" dirty="0" smtClean="0"/>
+              <a:t> </a:t>
+            </a:r>
+            <a:r>
+              <a:rPr lang="en-US" baseline="0" dirty="0" err="1" smtClean="0"/>
+              <a:t>koennen</a:t>
+            </a:r>
+            <a:r>
+              <a:rPr lang="en-US" baseline="0" dirty="0" smtClean="0"/>
+              <a:t> </a:t>
+            </a:r>
+            <a:r>
+              <a:rPr lang="en-US" baseline="0" dirty="0" err="1" smtClean="0"/>
+              <a:t>wir</a:t>
+            </a:r>
+            <a:r>
+              <a:rPr lang="en-US" baseline="0" dirty="0" smtClean="0"/>
+              <a:t> </a:t>
+            </a:r>
+            <a:r>
+              <a:rPr lang="en-US" baseline="0" dirty="0" err="1" smtClean="0"/>
+              <a:t>auch</a:t>
+            </a:r>
+            <a:r>
+              <a:rPr lang="en-US" baseline="0" dirty="0" smtClean="0"/>
+              <a:t> </a:t>
+            </a:r>
+            <a:r>
+              <a:rPr lang="en-US" baseline="0" dirty="0" err="1" smtClean="0"/>
+              <a:t>einhalten</a:t>
+            </a:r>
+            <a:r>
+              <a:rPr lang="en-US" baseline="0" dirty="0" smtClean="0"/>
+              <a:t>. </a:t>
+            </a:r>
+            <a:r>
+              <a:rPr lang="en-US" baseline="0" dirty="0" err="1" smtClean="0"/>
+              <a:t>Zusaetzlich</a:t>
+            </a:r>
+            <a:r>
+              <a:rPr lang="en-US" baseline="0" dirty="0" smtClean="0"/>
+              <a:t> </a:t>
+            </a:r>
+            <a:r>
+              <a:rPr lang="en-US" baseline="0" dirty="0" err="1" smtClean="0"/>
+              <a:t>werden</a:t>
+            </a:r>
+            <a:r>
+              <a:rPr lang="en-US" baseline="0" dirty="0" smtClean="0"/>
+              <a:t> </a:t>
+            </a:r>
+            <a:r>
+              <a:rPr lang="en-US" baseline="0" dirty="0" err="1" smtClean="0"/>
+              <a:t>wir</a:t>
+            </a:r>
+            <a:r>
+              <a:rPr lang="en-US" baseline="0" dirty="0" smtClean="0"/>
+              <a:t> </a:t>
+            </a:r>
+            <a:r>
+              <a:rPr lang="en-US" baseline="0" dirty="0" err="1" smtClean="0"/>
+              <a:t>euch</a:t>
+            </a:r>
+            <a:r>
+              <a:rPr lang="en-US" baseline="0" dirty="0" smtClean="0"/>
+              <a:t> das </a:t>
+            </a:r>
+            <a:r>
+              <a:rPr lang="en-US" baseline="0" dirty="0" err="1" smtClean="0"/>
+              <a:t>mittlerweile</a:t>
+            </a:r>
+            <a:r>
+              <a:rPr lang="en-US" baseline="0" dirty="0" smtClean="0"/>
+              <a:t> </a:t>
+            </a:r>
+            <a:r>
+              <a:rPr lang="en-US" baseline="0" dirty="0" err="1" smtClean="0"/>
+              <a:t>eingerichtete</a:t>
+            </a:r>
+            <a:r>
+              <a:rPr lang="en-US" baseline="0" dirty="0" smtClean="0"/>
+              <a:t> </a:t>
+            </a:r>
+            <a:r>
+              <a:rPr lang="en-US" baseline="0" dirty="0" err="1" smtClean="0"/>
+              <a:t>Buero</a:t>
+            </a:r>
+            <a:r>
+              <a:rPr lang="en-US" baseline="0" dirty="0" smtClean="0"/>
+              <a:t> </a:t>
+            </a:r>
+            <a:r>
+              <a:rPr lang="en-US" baseline="0" dirty="0" err="1" smtClean="0"/>
+              <a:t>vom</a:t>
+            </a:r>
+            <a:r>
+              <a:rPr lang="en-US" baseline="0" dirty="0" smtClean="0"/>
+              <a:t> </a:t>
+            </a:r>
+            <a:r>
+              <a:rPr lang="en-US" baseline="0" dirty="0" err="1" smtClean="0"/>
+              <a:t>letzten</a:t>
+            </a:r>
+            <a:r>
+              <a:rPr lang="en-US" baseline="0" dirty="0" smtClean="0"/>
+              <a:t> Mal </a:t>
+            </a:r>
+            <a:r>
+              <a:rPr lang="en-US" baseline="0" dirty="0" err="1" smtClean="0"/>
+              <a:t>zeigen</a:t>
+            </a:r>
+            <a:r>
+              <a:rPr lang="en-US" baseline="0" dirty="0" smtClean="0"/>
+              <a:t>. </a:t>
+            </a:r>
+            <a:br>
+              <a:rPr lang="en-US" baseline="0" dirty="0" smtClean="0"/>
+            </a:br>
+            <a:r>
+              <a:rPr lang="en-US" baseline="0" dirty="0" err="1" smtClean="0"/>
+              <a:t>Als</a:t>
+            </a:r>
+            <a:r>
+              <a:rPr lang="en-US" baseline="0" dirty="0" smtClean="0"/>
+              <a:t> </a:t>
+            </a:r>
+            <a:r>
+              <a:rPr lang="en-US" baseline="0" dirty="0" err="1" smtClean="0"/>
+              <a:t>zweites</a:t>
+            </a:r>
+            <a:r>
+              <a:rPr lang="en-US" baseline="0" dirty="0" smtClean="0"/>
+              <a:t> </a:t>
+            </a:r>
+            <a:r>
+              <a:rPr lang="en-US" baseline="0" dirty="0" err="1" smtClean="0"/>
+              <a:t>Ziel</a:t>
+            </a:r>
+            <a:r>
+              <a:rPr lang="en-US" baseline="0" dirty="0" smtClean="0"/>
+              <a:t> </a:t>
+            </a:r>
+            <a:r>
+              <a:rPr lang="en-US" baseline="0" dirty="0" err="1" smtClean="0"/>
+              <a:t>hatten</a:t>
+            </a:r>
+            <a:r>
+              <a:rPr lang="en-US" baseline="0" dirty="0" smtClean="0"/>
+              <a:t> </a:t>
+            </a:r>
+            <a:r>
+              <a:rPr lang="en-US" baseline="0" dirty="0" err="1" smtClean="0"/>
+              <a:t>wir</a:t>
+            </a:r>
+            <a:r>
+              <a:rPr lang="en-US" baseline="0" dirty="0" smtClean="0"/>
+              <a:t> </a:t>
+            </a:r>
+            <a:r>
+              <a:rPr lang="en-US" baseline="0" dirty="0" err="1" smtClean="0"/>
+              <a:t>gesetzt</a:t>
+            </a:r>
+            <a:r>
+              <a:rPr lang="en-US" baseline="0" dirty="0" smtClean="0"/>
+              <a:t>, </a:t>
+            </a:r>
+            <a:r>
+              <a:rPr lang="en-US" baseline="0" dirty="0" err="1" smtClean="0"/>
+              <a:t>dass</a:t>
+            </a:r>
+            <a:r>
+              <a:rPr lang="en-US" baseline="0" dirty="0" smtClean="0"/>
+              <a:t> </a:t>
+            </a:r>
+            <a:r>
+              <a:rPr lang="en-US" baseline="0" dirty="0" err="1" smtClean="0"/>
+              <a:t>wir</a:t>
+            </a:r>
+            <a:r>
+              <a:rPr lang="en-US" baseline="0" dirty="0" smtClean="0"/>
+              <a:t> </a:t>
+            </a:r>
+            <a:r>
+              <a:rPr lang="en-US" baseline="0" dirty="0" err="1" smtClean="0"/>
+              <a:t>euch</a:t>
+            </a:r>
+            <a:r>
+              <a:rPr lang="en-US" baseline="0" dirty="0" smtClean="0"/>
+              <a:t> in den </a:t>
+            </a:r>
+            <a:r>
+              <a:rPr lang="en-US" baseline="0" dirty="0" err="1" smtClean="0"/>
+              <a:t>beiden</a:t>
+            </a:r>
+            <a:r>
+              <a:rPr lang="en-US" baseline="0" dirty="0" smtClean="0"/>
+              <a:t> </a:t>
+            </a:r>
+            <a:r>
+              <a:rPr lang="en-US" baseline="0" dirty="0" err="1" smtClean="0"/>
+              <a:t>Leveln</a:t>
+            </a:r>
+            <a:r>
+              <a:rPr lang="en-US" baseline="0" dirty="0" smtClean="0"/>
+              <a:t> die </a:t>
+            </a:r>
+            <a:r>
+              <a:rPr lang="en-US" baseline="0" dirty="0" err="1" smtClean="0"/>
+              <a:t>passenden</a:t>
+            </a:r>
+            <a:r>
+              <a:rPr lang="en-US" baseline="0" dirty="0" smtClean="0"/>
+              <a:t> </a:t>
+            </a:r>
+            <a:r>
+              <a:rPr lang="en-US" baseline="0" dirty="0" err="1" smtClean="0"/>
+              <a:t>Texturen</a:t>
+            </a:r>
+            <a:r>
+              <a:rPr lang="en-US" baseline="0" dirty="0" smtClean="0"/>
+              <a:t> und Basis-</a:t>
+            </a:r>
+            <a:r>
+              <a:rPr lang="en-US" baseline="0" dirty="0" err="1" smtClean="0"/>
+              <a:t>Animationen</a:t>
+            </a:r>
+            <a:r>
+              <a:rPr lang="en-US" baseline="0" dirty="0" smtClean="0"/>
+              <a:t> der </a:t>
+            </a:r>
+            <a:r>
+              <a:rPr lang="en-US" baseline="0" dirty="0" err="1" smtClean="0"/>
+              <a:t>Charaktere</a:t>
+            </a:r>
+            <a:r>
+              <a:rPr lang="en-US" baseline="0" dirty="0" smtClean="0"/>
+              <a:t> </a:t>
+            </a:r>
+            <a:r>
+              <a:rPr lang="en-US" baseline="0" dirty="0" err="1" smtClean="0"/>
+              <a:t>zeigen</a:t>
+            </a:r>
+            <a:r>
+              <a:rPr lang="en-US" baseline="0" dirty="0" smtClean="0"/>
+              <a:t>, was </a:t>
+            </a:r>
+            <a:r>
+              <a:rPr lang="en-US" baseline="0" dirty="0" err="1" smtClean="0"/>
+              <a:t>wir</a:t>
+            </a:r>
+            <a:r>
+              <a:rPr lang="en-US" baseline="0" dirty="0" smtClean="0"/>
+              <a:t> </a:t>
+            </a:r>
+            <a:r>
+              <a:rPr lang="en-US" baseline="0" dirty="0" err="1" smtClean="0"/>
+              <a:t>ebenfalls</a:t>
+            </a:r>
+            <a:r>
+              <a:rPr lang="en-US" baseline="0" dirty="0" smtClean="0"/>
+              <a:t> </a:t>
+            </a:r>
+            <a:r>
+              <a:rPr lang="en-US" baseline="0" dirty="0" err="1" smtClean="0"/>
+              <a:t>einhalten</a:t>
+            </a:r>
+            <a:r>
+              <a:rPr lang="en-US" baseline="0" dirty="0" smtClean="0"/>
+              <a:t> </a:t>
+            </a:r>
+            <a:r>
+              <a:rPr lang="en-US" baseline="0" dirty="0" err="1" smtClean="0"/>
+              <a:t>konnten</a:t>
+            </a:r>
+            <a:r>
+              <a:rPr lang="en-US" baseline="0" dirty="0" smtClean="0"/>
+              <a:t>. </a:t>
+            </a:r>
+            <a:r>
+              <a:rPr lang="en-US" baseline="0" dirty="0" err="1" smtClean="0"/>
+              <a:t>Wir</a:t>
+            </a:r>
+            <a:r>
+              <a:rPr lang="en-US" baseline="0" dirty="0" smtClean="0"/>
+              <a:t> </a:t>
+            </a:r>
+            <a:r>
+              <a:rPr lang="en-US" baseline="0" dirty="0" err="1" smtClean="0"/>
+              <a:t>hatten</a:t>
+            </a:r>
+            <a:r>
+              <a:rPr lang="en-US" baseline="0" dirty="0" smtClean="0"/>
+              <a:t> </a:t>
+            </a:r>
+            <a:r>
+              <a:rPr lang="en-US" baseline="0" dirty="0" err="1" smtClean="0"/>
+              <a:t>ausserdem</a:t>
+            </a:r>
+            <a:r>
+              <a:rPr lang="en-US" baseline="0" dirty="0" smtClean="0"/>
+              <a:t> das </a:t>
+            </a:r>
+            <a:r>
+              <a:rPr lang="en-US" baseline="0" dirty="0" err="1" smtClean="0"/>
+              <a:t>Glueck</a:t>
+            </a:r>
+            <a:r>
+              <a:rPr lang="en-US" baseline="0" dirty="0" smtClean="0"/>
+              <a:t>, </a:t>
+            </a:r>
+            <a:r>
+              <a:rPr lang="en-US" baseline="0" dirty="0" err="1" smtClean="0"/>
+              <a:t>dass</a:t>
+            </a:r>
+            <a:r>
+              <a:rPr lang="en-US" baseline="0" dirty="0" smtClean="0"/>
+              <a:t> </a:t>
+            </a:r>
+            <a:r>
+              <a:rPr lang="en-US" baseline="0" dirty="0" err="1" smtClean="0"/>
+              <a:t>sich</a:t>
+            </a:r>
+            <a:r>
+              <a:rPr lang="en-US" baseline="0" dirty="0" smtClean="0"/>
+              <a:t> Elias Knop, </a:t>
+            </a:r>
+            <a:r>
+              <a:rPr lang="en-US" baseline="0" dirty="0" err="1" smtClean="0"/>
+              <a:t>ein</a:t>
+            </a:r>
+            <a:r>
+              <a:rPr lang="en-US" baseline="0" dirty="0" smtClean="0"/>
+              <a:t> Student des Abby Road’s </a:t>
+            </a:r>
+            <a:r>
+              <a:rPr lang="en-US" baseline="0" dirty="0" err="1" smtClean="0"/>
+              <a:t>Musik</a:t>
+            </a:r>
+            <a:r>
+              <a:rPr lang="en-US" baseline="0" dirty="0" smtClean="0"/>
+              <a:t> Studios, </a:t>
+            </a:r>
+            <a:r>
+              <a:rPr lang="en-US" baseline="0" dirty="0" err="1" smtClean="0"/>
+              <a:t>dazu</a:t>
+            </a:r>
+            <a:r>
+              <a:rPr lang="en-US" baseline="0" dirty="0" smtClean="0"/>
+              <a:t> </a:t>
+            </a:r>
+            <a:r>
+              <a:rPr lang="en-US" baseline="0" dirty="0" err="1" smtClean="0"/>
+              <a:t>bereit</a:t>
+            </a:r>
+            <a:r>
+              <a:rPr lang="en-US" baseline="0" dirty="0" smtClean="0"/>
+              <a:t> </a:t>
+            </a:r>
+            <a:r>
+              <a:rPr lang="en-US" baseline="0" dirty="0" err="1" smtClean="0"/>
+              <a:t>erklaert</a:t>
+            </a:r>
+            <a:r>
+              <a:rPr lang="en-US" baseline="0" dirty="0" smtClean="0"/>
+              <a:t> hat </a:t>
+            </a:r>
+            <a:r>
+              <a:rPr lang="en-US" baseline="0" dirty="0" err="1" smtClean="0"/>
+              <a:t>uns</a:t>
+            </a:r>
+            <a:r>
+              <a:rPr lang="en-US" baseline="0" dirty="0" smtClean="0"/>
+              <a:t> </a:t>
+            </a:r>
+            <a:r>
+              <a:rPr lang="en-US" baseline="0" dirty="0" err="1" smtClean="0"/>
+              <a:t>mit</a:t>
+            </a:r>
+            <a:r>
+              <a:rPr lang="en-US" baseline="0" dirty="0" smtClean="0"/>
+              <a:t> Sounds und </a:t>
+            </a:r>
+            <a:r>
+              <a:rPr lang="en-US" baseline="0" dirty="0" err="1" smtClean="0"/>
+              <a:t>Musik</a:t>
+            </a:r>
+            <a:r>
+              <a:rPr lang="en-US" baseline="0" dirty="0" smtClean="0"/>
+              <a:t> </a:t>
+            </a:r>
+            <a:r>
+              <a:rPr lang="en-US" baseline="0" dirty="0" err="1" smtClean="0"/>
+              <a:t>zu</a:t>
+            </a:r>
+            <a:r>
+              <a:rPr lang="en-US" baseline="0" dirty="0" smtClean="0"/>
+              <a:t> </a:t>
+            </a:r>
+            <a:r>
+              <a:rPr lang="en-US" baseline="0" dirty="0" err="1" smtClean="0"/>
+              <a:t>versorgen</a:t>
+            </a:r>
+            <a:r>
+              <a:rPr lang="en-US" baseline="0" dirty="0" smtClean="0"/>
+              <a:t> und </a:t>
+            </a:r>
+            <a:r>
+              <a:rPr lang="en-US" baseline="0" dirty="0" err="1" smtClean="0"/>
+              <a:t>diese</a:t>
+            </a:r>
+            <a:r>
+              <a:rPr lang="en-US" baseline="0" dirty="0" smtClean="0"/>
+              <a:t> </a:t>
+            </a:r>
+            <a:r>
+              <a:rPr lang="en-US" baseline="0" dirty="0" err="1" smtClean="0"/>
+              <a:t>werdet</a:t>
+            </a:r>
+            <a:r>
+              <a:rPr lang="en-US" baseline="0" dirty="0" smtClean="0"/>
+              <a:t> </a:t>
+            </a:r>
+            <a:r>
+              <a:rPr lang="en-US" baseline="0" dirty="0" err="1" smtClean="0"/>
+              <a:t>ihr</a:t>
+            </a:r>
+            <a:r>
+              <a:rPr lang="en-US" baseline="0" dirty="0" smtClean="0"/>
+              <a:t> </a:t>
+            </a:r>
+            <a:r>
+              <a:rPr lang="en-US" baseline="0" dirty="0" err="1" smtClean="0"/>
+              <a:t>bereits</a:t>
+            </a:r>
+            <a:r>
+              <a:rPr lang="en-US" baseline="0" dirty="0" smtClean="0"/>
+              <a:t> </a:t>
+            </a:r>
+            <a:r>
+              <a:rPr lang="en-US" baseline="0" dirty="0" err="1" smtClean="0"/>
+              <a:t>teilweise</a:t>
+            </a:r>
+            <a:r>
+              <a:rPr lang="en-US" baseline="0" dirty="0" smtClean="0"/>
+              <a:t> </a:t>
+            </a:r>
+            <a:r>
+              <a:rPr lang="en-US" baseline="0" dirty="0" err="1" smtClean="0"/>
+              <a:t>zu</a:t>
+            </a:r>
+            <a:r>
+              <a:rPr lang="en-US" baseline="0" dirty="0" smtClean="0"/>
+              <a:t> </a:t>
+            </a:r>
+            <a:r>
+              <a:rPr lang="en-US" baseline="0" dirty="0" err="1" smtClean="0"/>
+              <a:t>hoeren</a:t>
+            </a:r>
+            <a:r>
+              <a:rPr lang="en-US" baseline="0" dirty="0" smtClean="0"/>
+              <a:t> </a:t>
+            </a:r>
+            <a:r>
+              <a:rPr lang="en-US" baseline="0" dirty="0" err="1" smtClean="0"/>
+              <a:t>bekommen</a:t>
+            </a:r>
+            <a:r>
+              <a:rPr lang="en-US" baseline="0" dirty="0" smtClean="0"/>
+              <a:t>. </a:t>
+            </a:r>
+            <a:br>
+              <a:rPr lang="en-US" baseline="0" dirty="0" smtClean="0"/>
+            </a:br>
+            <a:r>
+              <a:rPr lang="en-US" baseline="0" dirty="0" err="1" smtClean="0"/>
+              <a:t>Zu</a:t>
+            </a:r>
+            <a:r>
+              <a:rPr lang="en-US" baseline="0" dirty="0" smtClean="0"/>
+              <a:t> </a:t>
+            </a:r>
+            <a:r>
+              <a:rPr lang="en-US" baseline="0" dirty="0" err="1" smtClean="0"/>
+              <a:t>guter</a:t>
+            </a:r>
+            <a:r>
+              <a:rPr lang="en-US" baseline="0" dirty="0" smtClean="0"/>
+              <a:t> </a:t>
+            </a:r>
+            <a:r>
+              <a:rPr lang="en-US" baseline="0" dirty="0" err="1" smtClean="0"/>
+              <a:t>Letzt</a:t>
+            </a:r>
+            <a:r>
+              <a:rPr lang="en-US" baseline="0" dirty="0" smtClean="0"/>
+              <a:t> </a:t>
+            </a:r>
+            <a:r>
+              <a:rPr lang="en-US" baseline="0" dirty="0" err="1" smtClean="0"/>
+              <a:t>haben</a:t>
+            </a:r>
+            <a:r>
+              <a:rPr lang="en-US" baseline="0" dirty="0" smtClean="0"/>
+              <a:t> </a:t>
+            </a:r>
+            <a:r>
+              <a:rPr lang="en-US" baseline="0" dirty="0" err="1" smtClean="0"/>
+              <a:t>wir</a:t>
+            </a:r>
+            <a:r>
+              <a:rPr lang="en-US" baseline="0" dirty="0" smtClean="0"/>
+              <a:t> die </a:t>
+            </a:r>
+            <a:r>
+              <a:rPr lang="en-US" baseline="0" dirty="0" err="1" smtClean="0"/>
+              <a:t>komplette</a:t>
+            </a:r>
+            <a:r>
+              <a:rPr lang="en-US" baseline="0" dirty="0" smtClean="0"/>
+              <a:t> </a:t>
+            </a:r>
+            <a:r>
+              <a:rPr lang="en-US" baseline="0" dirty="0" err="1" smtClean="0"/>
+              <a:t>Mechanik</a:t>
+            </a:r>
+            <a:r>
+              <a:rPr lang="en-US" baseline="0" dirty="0" smtClean="0"/>
+              <a:t>: “</a:t>
+            </a:r>
+            <a:r>
+              <a:rPr lang="en-US" baseline="0" dirty="0" err="1" smtClean="0"/>
+              <a:t>Posession</a:t>
+            </a:r>
+            <a:r>
+              <a:rPr lang="en-US" baseline="0" dirty="0" smtClean="0"/>
+              <a:t>”, also die </a:t>
+            </a:r>
+            <a:r>
+              <a:rPr lang="en-US" baseline="0" dirty="0" err="1" smtClean="0"/>
+              <a:t>Uebernahme</a:t>
+            </a:r>
+            <a:r>
+              <a:rPr lang="en-US" baseline="0" dirty="0" smtClean="0"/>
+              <a:t> von </a:t>
+            </a:r>
+            <a:r>
+              <a:rPr lang="en-US" baseline="0" dirty="0" err="1" smtClean="0"/>
+              <a:t>Wachen</a:t>
+            </a:r>
+            <a:r>
+              <a:rPr lang="en-US" baseline="0" dirty="0" smtClean="0"/>
+              <a:t>, </a:t>
+            </a:r>
+            <a:r>
+              <a:rPr lang="en-US" baseline="0" dirty="0" err="1" smtClean="0"/>
+              <a:t>angekuendigt</a:t>
+            </a:r>
+            <a:r>
+              <a:rPr lang="en-US" baseline="0" dirty="0" smtClean="0"/>
+              <a:t> und </a:t>
+            </a:r>
+            <a:r>
+              <a:rPr lang="en-US" baseline="0" dirty="0" err="1" smtClean="0"/>
+              <a:t>diese</a:t>
+            </a:r>
+            <a:r>
+              <a:rPr lang="en-US" baseline="0" dirty="0" smtClean="0"/>
+              <a:t> </a:t>
+            </a:r>
+            <a:r>
+              <a:rPr lang="en-US" baseline="0" dirty="0" err="1" smtClean="0"/>
+              <a:t>fuehren</a:t>
+            </a:r>
+            <a:r>
+              <a:rPr lang="en-US" baseline="0" dirty="0" smtClean="0"/>
+              <a:t> </a:t>
+            </a:r>
+            <a:r>
+              <a:rPr lang="en-US" baseline="0" dirty="0" err="1" smtClean="0"/>
+              <a:t>wir</a:t>
+            </a:r>
+            <a:r>
+              <a:rPr lang="en-US" baseline="0" dirty="0" smtClean="0"/>
+              <a:t> </a:t>
+            </a:r>
+            <a:r>
+              <a:rPr lang="en-US" baseline="0" dirty="0" err="1" smtClean="0"/>
+              <a:t>heute</a:t>
+            </a:r>
+            <a:r>
+              <a:rPr lang="en-US" baseline="0" dirty="0" smtClean="0"/>
+              <a:t> </a:t>
+            </a:r>
+            <a:r>
+              <a:rPr lang="en-US" baseline="0" dirty="0" err="1" smtClean="0"/>
+              <a:t>ebenfalls</a:t>
+            </a:r>
+            <a:r>
+              <a:rPr lang="en-US" baseline="0" dirty="0" smtClean="0"/>
+              <a:t> </a:t>
+            </a:r>
+            <a:r>
+              <a:rPr lang="en-US" baseline="0" dirty="0" err="1" smtClean="0"/>
+              <a:t>vor</a:t>
+            </a:r>
+            <a:r>
+              <a:rPr lang="en-US" baseline="0" dirty="0" smtClean="0"/>
+              <a:t>.</a:t>
+            </a:r>
+            <a:br>
+              <a:rPr lang="en-US" baseline="0" dirty="0" smtClean="0"/>
+            </a:br>
+            <a:r>
+              <a:rPr lang="en-US" baseline="0" dirty="0" smtClean="0"/>
+              <a:t/>
+            </a:r>
+            <a:br>
+              <a:rPr lang="en-US" baseline="0" dirty="0" smtClean="0"/>
+            </a:br>
+            <a:r>
+              <a:rPr lang="en-US" baseline="0" dirty="0" smtClean="0"/>
+              <a:t>Bevor </a:t>
+            </a:r>
+            <a:r>
+              <a:rPr lang="en-US" baseline="0" dirty="0" err="1" smtClean="0"/>
+              <a:t>wir</a:t>
+            </a:r>
+            <a:r>
+              <a:rPr lang="en-US" baseline="0" dirty="0" smtClean="0"/>
+              <a:t> nun </a:t>
+            </a:r>
+            <a:r>
+              <a:rPr lang="en-US" baseline="0" dirty="0" err="1" smtClean="0"/>
+              <a:t>aber</a:t>
+            </a:r>
+            <a:r>
+              <a:rPr lang="en-US" baseline="0" dirty="0" smtClean="0"/>
+              <a:t> </a:t>
+            </a:r>
+            <a:r>
+              <a:rPr lang="en-US" baseline="0" dirty="0" err="1" smtClean="0"/>
+              <a:t>gleich</a:t>
+            </a:r>
+            <a:r>
+              <a:rPr lang="en-US" baseline="0" dirty="0" smtClean="0"/>
+              <a:t> </a:t>
+            </a:r>
+            <a:r>
+              <a:rPr lang="en-US" baseline="0" dirty="0" err="1" smtClean="0"/>
+              <a:t>zum</a:t>
+            </a:r>
+            <a:r>
+              <a:rPr lang="en-US" baseline="0" dirty="0" smtClean="0"/>
+              <a:t> Spiel </a:t>
+            </a:r>
+            <a:r>
+              <a:rPr lang="en-US" baseline="0" dirty="0" err="1" smtClean="0"/>
+              <a:t>selbst</a:t>
+            </a:r>
+            <a:r>
+              <a:rPr lang="en-US" baseline="0" dirty="0" smtClean="0"/>
+              <a:t> </a:t>
+            </a:r>
+            <a:r>
+              <a:rPr lang="en-US" baseline="0" dirty="0" err="1" smtClean="0"/>
+              <a:t>kommen</a:t>
+            </a:r>
+            <a:r>
+              <a:rPr lang="en-US" baseline="0" dirty="0" smtClean="0"/>
+              <a:t>, </a:t>
+            </a:r>
+            <a:r>
+              <a:rPr lang="en-US" baseline="0" dirty="0" err="1" smtClean="0"/>
+              <a:t>erzaehle</a:t>
+            </a:r>
+            <a:r>
+              <a:rPr lang="en-US" baseline="0" dirty="0" smtClean="0"/>
+              <a:t> </a:t>
+            </a:r>
+            <a:r>
+              <a:rPr lang="en-US" baseline="0" dirty="0" err="1" smtClean="0"/>
+              <a:t>ich</a:t>
+            </a:r>
+            <a:r>
+              <a:rPr lang="en-US" baseline="0" dirty="0" smtClean="0"/>
+              <a:t> </a:t>
+            </a:r>
+            <a:r>
+              <a:rPr lang="en-US" baseline="0" dirty="0" err="1" smtClean="0"/>
+              <a:t>euch</a:t>
+            </a:r>
+            <a:r>
+              <a:rPr lang="en-US" baseline="0" dirty="0" smtClean="0"/>
+              <a:t> </a:t>
+            </a:r>
+            <a:r>
+              <a:rPr lang="en-US" baseline="0" dirty="0" err="1" smtClean="0"/>
+              <a:t>noch</a:t>
+            </a:r>
+            <a:r>
+              <a:rPr lang="en-US" baseline="0" dirty="0" smtClean="0"/>
+              <a:t> </a:t>
+            </a:r>
+            <a:r>
+              <a:rPr lang="en-US" baseline="0" dirty="0" err="1" smtClean="0"/>
+              <a:t>kurz</a:t>
+            </a:r>
+            <a:r>
+              <a:rPr lang="en-US" baseline="0" dirty="0" smtClean="0"/>
+              <a:t>, was </a:t>
+            </a:r>
+            <a:r>
+              <a:rPr lang="en-US" baseline="0" dirty="0" err="1" smtClean="0"/>
+              <a:t>ihr</a:t>
+            </a:r>
+            <a:r>
+              <a:rPr lang="en-US" baseline="0" dirty="0" smtClean="0"/>
+              <a:t> </a:t>
+            </a:r>
+            <a:r>
+              <a:rPr lang="en-US" baseline="0" dirty="0" err="1" smtClean="0"/>
+              <a:t>noch</a:t>
+            </a:r>
+            <a:r>
+              <a:rPr lang="en-US" baseline="0" dirty="0" smtClean="0"/>
+              <a:t> </a:t>
+            </a:r>
+            <a:r>
+              <a:rPr lang="en-US" baseline="0" dirty="0" err="1" smtClean="0"/>
+              <a:t>bis</a:t>
+            </a:r>
+            <a:r>
+              <a:rPr lang="en-US" baseline="0" dirty="0" smtClean="0"/>
+              <a:t> </a:t>
+            </a:r>
+            <a:r>
+              <a:rPr lang="en-US" baseline="0" dirty="0" err="1" smtClean="0"/>
+              <a:t>zum</a:t>
+            </a:r>
+            <a:r>
+              <a:rPr lang="en-US" baseline="0" dirty="0" smtClean="0"/>
+              <a:t> </a:t>
+            </a:r>
+            <a:r>
+              <a:rPr lang="en-US" baseline="0" dirty="0" err="1" smtClean="0"/>
+              <a:t>Goldmaster</a:t>
+            </a:r>
+            <a:r>
+              <a:rPr lang="en-US" baseline="0" dirty="0" smtClean="0"/>
+              <a:t> von </a:t>
+            </a:r>
+            <a:r>
+              <a:rPr lang="en-US" baseline="0" dirty="0" err="1" smtClean="0"/>
+              <a:t>uns</a:t>
+            </a:r>
+            <a:r>
+              <a:rPr lang="en-US" baseline="0" dirty="0" smtClean="0"/>
+              <a:t> </a:t>
+            </a:r>
+            <a:r>
+              <a:rPr lang="en-US" baseline="0" dirty="0" err="1" smtClean="0"/>
+              <a:t>erwarten</a:t>
+            </a:r>
+            <a:r>
+              <a:rPr lang="en-US" baseline="0" dirty="0" smtClean="0"/>
+              <a:t> </a:t>
+            </a:r>
+            <a:r>
+              <a:rPr lang="en-US" baseline="0" dirty="0" err="1" smtClean="0"/>
+              <a:t>koennt</a:t>
+            </a:r>
+            <a:r>
+              <a:rPr lang="en-US" baseline="0" dirty="0" smtClean="0"/>
+              <a:t>:</a:t>
             </a:r>
             <a:endParaRPr lang="de-DE" dirty="0"/>
           </a:p>
@@ -1927,227 +2739,463 @@
           <a:p>
             <a:r>
               <a:rPr lang="en-US" dirty="0" err="1" smtClean="0"/>
-              <a:t>Fuer</a:t>
-            </a:r>
-            <a:r>
-              <a:rPr lang="en-US" dirty="0" smtClean="0"/>
-              <a:t> Gate 2 </a:t>
-            </a:r>
-            <a:r>
-              <a:rPr lang="en-US" dirty="0" err="1" smtClean="0"/>
+              <a:t>Wir</a:t>
+            </a:r>
+            <a:r>
+              <a:rPr lang="en-US" baseline="0" dirty="0" smtClean="0"/>
+              <a:t> warden </a:t>
+            </a:r>
+            <a:r>
+              <a:rPr lang="en-US" baseline="0" dirty="0" err="1" smtClean="0"/>
+              <a:t>euch</a:t>
+            </a:r>
+            <a:r>
+              <a:rPr lang="en-US" baseline="0" dirty="0" smtClean="0"/>
+              <a:t> das </a:t>
+            </a:r>
+            <a:r>
+              <a:rPr lang="en-US" baseline="0" dirty="0" err="1" smtClean="0"/>
+              <a:t>komplette</a:t>
+            </a:r>
+            <a:r>
+              <a:rPr lang="en-US" baseline="0" dirty="0" smtClean="0"/>
+              <a:t>, </a:t>
+            </a:r>
+            <a:r>
+              <a:rPr lang="en-US" baseline="0" dirty="0" err="1" smtClean="0"/>
+              <a:t>gepolishte</a:t>
+            </a:r>
+            <a:r>
+              <a:rPr lang="en-US" baseline="0" dirty="0" smtClean="0"/>
+              <a:t> Spiel </a:t>
+            </a:r>
+            <a:r>
+              <a:rPr lang="en-US" baseline="0" dirty="0" err="1" smtClean="0"/>
+              <a:t>praesentieren</a:t>
+            </a:r>
+            <a:r>
+              <a:rPr lang="en-US" baseline="0" dirty="0" smtClean="0"/>
+              <a:t>. Das </a:t>
+            </a:r>
+            <a:r>
+              <a:rPr lang="en-US" baseline="0" dirty="0" err="1" smtClean="0"/>
+              <a:t>bedeutet</a:t>
+            </a:r>
+            <a:r>
+              <a:rPr lang="en-US" baseline="0" dirty="0" smtClean="0"/>
+              <a:t>, das </a:t>
+            </a:r>
+            <a:r>
+              <a:rPr lang="en-US" baseline="0" dirty="0" err="1" smtClean="0"/>
+              <a:t>noch</a:t>
+            </a:r>
+            <a:r>
+              <a:rPr lang="en-US" baseline="0" dirty="0" smtClean="0"/>
+              <a:t> </a:t>
+            </a:r>
+            <a:r>
+              <a:rPr lang="en-US" baseline="0" dirty="0" err="1" smtClean="0"/>
+              <a:t>einige</a:t>
+            </a:r>
+            <a:r>
+              <a:rPr lang="en-US" baseline="0" dirty="0" smtClean="0"/>
+              <a:t> </a:t>
+            </a:r>
+            <a:r>
+              <a:rPr lang="en-US" baseline="0" dirty="0" err="1" smtClean="0"/>
+              <a:t>zusaetzliche</a:t>
+            </a:r>
+            <a:r>
+              <a:rPr lang="en-US" baseline="0" dirty="0" smtClean="0"/>
+              <a:t> VFX- und Sound-</a:t>
+            </a:r>
+            <a:r>
+              <a:rPr lang="en-US" baseline="0" dirty="0" err="1" smtClean="0"/>
+              <a:t>Effekte</a:t>
+            </a:r>
+            <a:r>
+              <a:rPr lang="en-US" baseline="0" dirty="0" smtClean="0"/>
+              <a:t> den </a:t>
+            </a:r>
+            <a:r>
+              <a:rPr lang="en-US" baseline="0" dirty="0" err="1" smtClean="0"/>
+              <a:t>Weg</a:t>
+            </a:r>
+            <a:r>
+              <a:rPr lang="en-US" baseline="0" dirty="0" smtClean="0"/>
+              <a:t> ins Spiel </a:t>
+            </a:r>
+            <a:r>
+              <a:rPr lang="en-US" baseline="0" dirty="0" err="1" smtClean="0"/>
+              <a:t>finden</a:t>
+            </a:r>
+            <a:r>
+              <a:rPr lang="en-US" baseline="0" dirty="0" smtClean="0"/>
+              <a:t> </a:t>
+            </a:r>
+            <a:r>
+              <a:rPr lang="en-US" baseline="0" dirty="0" err="1" smtClean="0"/>
               <a:t>werden</a:t>
             </a:r>
             <a:r>
-              <a:rPr lang="en-US" dirty="0" smtClean="0"/>
-              <a:t> </a:t>
-            </a:r>
-            <a:r>
-              <a:rPr lang="en-US" dirty="0" err="1" smtClean="0"/>
+              <a:rPr lang="en-US" baseline="0" dirty="0" smtClean="0"/>
+              <a:t>, </a:t>
+            </a:r>
+            <a:r>
+              <a:rPr lang="en-US" baseline="0" dirty="0" err="1" smtClean="0"/>
+              <a:t>welche</a:t>
+            </a:r>
+            <a:r>
+              <a:rPr lang="en-US" baseline="0" dirty="0" smtClean="0"/>
+              <a:t> </a:t>
+            </a:r>
+            <a:r>
+              <a:rPr lang="en-US" baseline="0" dirty="0" err="1" smtClean="0"/>
+              <a:t>hauptsaechlich</a:t>
+            </a:r>
+            <a:r>
+              <a:rPr lang="en-US" baseline="0" dirty="0" smtClean="0"/>
+              <a:t> </a:t>
+            </a:r>
+            <a:r>
+              <a:rPr lang="en-US" baseline="0" dirty="0" err="1" smtClean="0"/>
+              <a:t>fuer</a:t>
+            </a:r>
+            <a:r>
+              <a:rPr lang="en-US" baseline="0" dirty="0" smtClean="0"/>
+              <a:t> </a:t>
+            </a:r>
+            <a:r>
+              <a:rPr lang="en-US" baseline="0" dirty="0" err="1" smtClean="0"/>
+              <a:t>noch</a:t>
+            </a:r>
+            <a:r>
+              <a:rPr lang="en-US" baseline="0" dirty="0" smtClean="0"/>
+              <a:t> </a:t>
+            </a:r>
+            <a:r>
+              <a:rPr lang="en-US" baseline="0" dirty="0" err="1" smtClean="0"/>
+              <a:t>besseres</a:t>
+            </a:r>
+            <a:r>
+              <a:rPr lang="en-US" baseline="0" dirty="0" smtClean="0"/>
+              <a:t> Feedback und </a:t>
+            </a:r>
+            <a:r>
+              <a:rPr lang="en-US" baseline="0" dirty="0" err="1" smtClean="0"/>
+              <a:t>bessere</a:t>
+            </a:r>
+            <a:r>
+              <a:rPr lang="en-US" baseline="0" dirty="0" smtClean="0"/>
+              <a:t> </a:t>
+            </a:r>
+            <a:r>
+              <a:rPr lang="en-US" baseline="0" dirty="0" err="1" smtClean="0"/>
+              <a:t>Signale</a:t>
+            </a:r>
+            <a:r>
+              <a:rPr lang="en-US" baseline="0" dirty="0" smtClean="0"/>
+              <a:t> </a:t>
+            </a:r>
+            <a:r>
+              <a:rPr lang="en-US" baseline="0" dirty="0" err="1" smtClean="0"/>
+              <a:t>fuer</a:t>
+            </a:r>
+            <a:r>
+              <a:rPr lang="en-US" baseline="0" dirty="0" smtClean="0"/>
+              <a:t> den </a:t>
+            </a:r>
+            <a:r>
+              <a:rPr lang="en-US" baseline="0" dirty="0" err="1" smtClean="0"/>
+              <a:t>Spieler</a:t>
+            </a:r>
+            <a:r>
+              <a:rPr lang="en-US" baseline="0" dirty="0" smtClean="0"/>
+              <a:t> </a:t>
+            </a:r>
+            <a:r>
+              <a:rPr lang="en-US" baseline="0" dirty="0" err="1" smtClean="0"/>
+              <a:t>dienen</a:t>
+            </a:r>
+            <a:r>
+              <a:rPr lang="en-US" baseline="0" dirty="0" smtClean="0"/>
+              <a:t> </a:t>
+            </a:r>
+            <a:r>
+              <a:rPr lang="en-US" baseline="0" dirty="0" err="1" smtClean="0"/>
+              <a:t>sollen</a:t>
+            </a:r>
+            <a:r>
+              <a:rPr lang="en-US" baseline="0" dirty="0" smtClean="0"/>
+              <a:t>. </a:t>
+            </a:r>
+            <a:r>
+              <a:rPr lang="en-US" baseline="0" dirty="0" err="1" smtClean="0"/>
+              <a:t>Es</a:t>
+            </a:r>
+            <a:r>
+              <a:rPr lang="en-US" baseline="0" dirty="0" smtClean="0"/>
+              <a:t> </a:t>
+            </a:r>
+            <a:r>
+              <a:rPr lang="en-US" baseline="0" dirty="0" err="1" smtClean="0"/>
+              <a:t>wird</a:t>
+            </a:r>
+            <a:r>
+              <a:rPr lang="en-US" baseline="0" dirty="0" smtClean="0"/>
+              <a:t> </a:t>
+            </a:r>
+            <a:r>
+              <a:rPr lang="en-US" baseline="0" dirty="0" err="1" smtClean="0"/>
+              <a:t>ein</a:t>
+            </a:r>
+            <a:r>
+              <a:rPr lang="en-US" baseline="0" dirty="0" smtClean="0"/>
+              <a:t> </a:t>
+            </a:r>
+            <a:r>
+              <a:rPr lang="en-US" baseline="0" dirty="0" err="1" smtClean="0"/>
+              <a:t>passendes</a:t>
+            </a:r>
+            <a:r>
+              <a:rPr lang="en-US" baseline="0" dirty="0" smtClean="0"/>
+              <a:t> </a:t>
+            </a:r>
+            <a:r>
+              <a:rPr lang="en-US" baseline="0" dirty="0" err="1" smtClean="0"/>
+              <a:t>Ende</a:t>
+            </a:r>
+            <a:r>
+              <a:rPr lang="en-US" baseline="0" dirty="0" smtClean="0"/>
+              <a:t> und </a:t>
+            </a:r>
+            <a:r>
+              <a:rPr lang="en-US" baseline="0" dirty="0" err="1" smtClean="0"/>
+              <a:t>auch</a:t>
+            </a:r>
+            <a:r>
+              <a:rPr lang="en-US" baseline="0" dirty="0" smtClean="0"/>
+              <a:t> </a:t>
+            </a:r>
+            <a:r>
+              <a:rPr lang="en-US" baseline="0" dirty="0" err="1" smtClean="0"/>
+              <a:t>ein</a:t>
+            </a:r>
+            <a:r>
+              <a:rPr lang="en-US" baseline="0" dirty="0" smtClean="0"/>
+              <a:t> Tutorial </a:t>
+            </a:r>
+            <a:r>
+              <a:rPr lang="en-US" baseline="0" dirty="0" err="1" smtClean="0"/>
+              <a:t>geben</a:t>
+            </a:r>
+            <a:r>
+              <a:rPr lang="en-US" baseline="0" dirty="0" smtClean="0"/>
+              <a:t>, </a:t>
+            </a:r>
+            <a:r>
+              <a:rPr lang="en-US" baseline="0" dirty="0" err="1" smtClean="0"/>
+              <a:t>wobei</a:t>
+            </a:r>
+            <a:r>
+              <a:rPr lang="en-US" baseline="0" dirty="0" smtClean="0"/>
+              <a:t> das Tutorial direct in das Spiel </a:t>
+            </a:r>
+            <a:r>
+              <a:rPr lang="en-US" baseline="0" dirty="0" err="1" smtClean="0"/>
+              <a:t>selbst</a:t>
+            </a:r>
+            <a:r>
+              <a:rPr lang="en-US" baseline="0" dirty="0" smtClean="0"/>
+              <a:t> </a:t>
+            </a:r>
+            <a:r>
+              <a:rPr lang="en-US" baseline="0" dirty="0" err="1" smtClean="0"/>
+              <a:t>integriert</a:t>
+            </a:r>
+            <a:r>
+              <a:rPr lang="en-US" baseline="0" dirty="0" smtClean="0"/>
+              <a:t> </a:t>
+            </a:r>
+            <a:r>
+              <a:rPr lang="en-US" baseline="0" dirty="0" err="1" smtClean="0"/>
+              <a:t>wird</a:t>
+            </a:r>
+            <a:r>
+              <a:rPr lang="en-US" baseline="0" dirty="0" smtClean="0"/>
+              <a:t>.  Und </a:t>
+            </a:r>
+            <a:r>
+              <a:rPr lang="en-US" baseline="0" dirty="0" err="1" smtClean="0"/>
+              <a:t>natuerlich</a:t>
+            </a:r>
+            <a:r>
+              <a:rPr lang="en-US" baseline="0" dirty="0" smtClean="0"/>
+              <a:t> </a:t>
+            </a:r>
+            <a:r>
+              <a:rPr lang="en-US" baseline="0" dirty="0" err="1" smtClean="0"/>
+              <a:t>gibt</a:t>
+            </a:r>
+            <a:r>
+              <a:rPr lang="en-US" baseline="0" dirty="0" smtClean="0"/>
+              <a:t> </a:t>
+            </a:r>
+            <a:r>
+              <a:rPr lang="en-US" baseline="0" dirty="0" err="1" smtClean="0"/>
+              <a:t>es</a:t>
+            </a:r>
+            <a:r>
+              <a:rPr lang="en-US" baseline="0" dirty="0" smtClean="0"/>
+              <a:t> </a:t>
+            </a:r>
+            <a:r>
+              <a:rPr lang="en-US" baseline="0" dirty="0" err="1" smtClean="0"/>
+              <a:t>auch</a:t>
+            </a:r>
+            <a:r>
+              <a:rPr lang="en-US" baseline="0" dirty="0" smtClean="0"/>
+              <a:t> </a:t>
+            </a:r>
+            <a:r>
+              <a:rPr lang="en-US" baseline="0" dirty="0" err="1" smtClean="0"/>
+              <a:t>ein</a:t>
+            </a:r>
+            <a:r>
+              <a:rPr lang="en-US" baseline="0" dirty="0" smtClean="0"/>
+              <a:t> </a:t>
+            </a:r>
+            <a:r>
+              <a:rPr lang="en-US" baseline="0" dirty="0" err="1" smtClean="0"/>
+              <a:t>ausgearbeitetes</a:t>
+            </a:r>
+            <a:r>
+              <a:rPr lang="en-US" baseline="0" dirty="0" smtClean="0"/>
+              <a:t> </a:t>
+            </a:r>
+            <a:r>
+              <a:rPr lang="en-US" baseline="0" dirty="0" err="1" smtClean="0"/>
+              <a:t>Menue</a:t>
+            </a:r>
+            <a:r>
+              <a:rPr lang="en-US" baseline="0" dirty="0" smtClean="0"/>
+              <a:t> </a:t>
+            </a:r>
+            <a:r>
+              <a:rPr lang="en-US" baseline="0" dirty="0" err="1" smtClean="0"/>
+              <a:t>fuer</a:t>
+            </a:r>
+            <a:r>
+              <a:rPr lang="en-US" baseline="0" dirty="0" smtClean="0"/>
+              <a:t> </a:t>
+            </a:r>
+            <a:r>
+              <a:rPr lang="en-US" baseline="0" dirty="0" err="1" smtClean="0"/>
+              <a:t>verschiedenste</a:t>
+            </a:r>
+            <a:r>
+              <a:rPr lang="en-US" baseline="0" dirty="0" smtClean="0"/>
+              <a:t> </a:t>
+            </a:r>
+            <a:r>
+              <a:rPr lang="en-US" baseline="0" dirty="0" err="1" smtClean="0"/>
+              <a:t>Einstellungen</a:t>
+            </a:r>
+            <a:r>
+              <a:rPr lang="en-US" baseline="0" dirty="0" smtClean="0"/>
+              <a:t>.</a:t>
+            </a:r>
+            <a:br>
+              <a:rPr lang="en-US" baseline="0" dirty="0" smtClean="0"/>
+            </a:br>
+            <a:r>
+              <a:rPr lang="en-US" baseline="0" dirty="0" smtClean="0"/>
+              <a:t/>
+            </a:r>
+            <a:br>
+              <a:rPr lang="en-US" baseline="0" dirty="0" smtClean="0"/>
+            </a:br>
+            <a:r>
+              <a:rPr lang="en-US" baseline="0" dirty="0" smtClean="0"/>
+              <a:t>So, </a:t>
+            </a:r>
+            <a:r>
+              <a:rPr lang="en-US" baseline="0" dirty="0" err="1" smtClean="0"/>
+              <a:t>damit</a:t>
+            </a:r>
+            <a:r>
+              <a:rPr lang="en-US" baseline="0" dirty="0" smtClean="0"/>
+              <a:t> </a:t>
+            </a:r>
+            <a:r>
+              <a:rPr lang="en-US" baseline="0" dirty="0" err="1" smtClean="0"/>
+              <a:t>kommen</a:t>
+            </a:r>
+            <a:r>
+              <a:rPr lang="en-US" baseline="0" dirty="0" smtClean="0"/>
+              <a:t> </a:t>
+            </a:r>
+            <a:r>
+              <a:rPr lang="en-US" baseline="0" dirty="0" err="1" smtClean="0"/>
               <a:t>wir</a:t>
             </a:r>
             <a:r>
-              <a:rPr lang="en-US" dirty="0" smtClean="0"/>
-              <a:t> </a:t>
-            </a:r>
-            <a:r>
-              <a:rPr lang="en-US" dirty="0" err="1" smtClean="0"/>
-              <a:t>einen</a:t>
-            </a:r>
-            <a:r>
-              <a:rPr lang="en-US" baseline="0" dirty="0" smtClean="0"/>
-              <a:t> </a:t>
-            </a:r>
-            <a:r>
-              <a:rPr lang="en-US" baseline="0" dirty="0" err="1" smtClean="0"/>
-              <a:t>zweiten</a:t>
-            </a:r>
-            <a:r>
-              <a:rPr lang="en-US" baseline="0" dirty="0" smtClean="0"/>
-              <a:t> </a:t>
-            </a:r>
-            <a:r>
-              <a:rPr lang="en-US" baseline="0" dirty="0" err="1" smtClean="0"/>
-              <a:t>Raum</a:t>
-            </a:r>
-            <a:r>
-              <a:rPr lang="en-US" baseline="0" dirty="0" smtClean="0"/>
-              <a:t>, </a:t>
-            </a:r>
-            <a:r>
-              <a:rPr lang="en-US" baseline="0" dirty="0" err="1" smtClean="0"/>
-              <a:t>naemlich</a:t>
-            </a:r>
-            <a:r>
-              <a:rPr lang="en-US" baseline="0" dirty="0" smtClean="0"/>
-              <a:t> das </a:t>
-            </a:r>
-            <a:r>
-              <a:rPr lang="en-US" baseline="0" dirty="0" err="1" smtClean="0"/>
-              <a:t>voll</a:t>
-            </a:r>
-            <a:r>
-              <a:rPr lang="en-US" baseline="0" dirty="0" smtClean="0"/>
-              <a:t> </a:t>
-            </a:r>
-            <a:r>
-              <a:rPr lang="en-US" baseline="0" dirty="0" err="1" smtClean="0"/>
-              <a:t>texturierte</a:t>
-            </a:r>
-            <a:r>
-              <a:rPr lang="en-US" baseline="0" dirty="0" smtClean="0"/>
-              <a:t> Labor, </a:t>
-            </a:r>
-            <a:r>
-              <a:rPr lang="en-US" baseline="0" dirty="0" err="1" smtClean="0"/>
-              <a:t>vorstellen</a:t>
-            </a:r>
-            <a:r>
-              <a:rPr lang="en-US" baseline="0" dirty="0" smtClean="0"/>
-              <a:t> und </a:t>
-            </a:r>
-            <a:r>
-              <a:rPr lang="en-US" baseline="0" dirty="0" err="1" smtClean="0"/>
-              <a:t>unser</a:t>
-            </a:r>
-            <a:r>
-              <a:rPr lang="en-US" baseline="0" dirty="0" smtClean="0"/>
-              <a:t> </a:t>
-            </a:r>
-            <a:r>
-              <a:rPr lang="en-US" baseline="0" dirty="0" err="1" smtClean="0"/>
-              <a:t>Hauptcharacter</a:t>
-            </a:r>
-            <a:r>
-              <a:rPr lang="en-US" baseline="0" dirty="0" smtClean="0"/>
-              <a:t> </a:t>
-            </a:r>
-            <a:r>
-              <a:rPr lang="en-US" baseline="0" dirty="0" err="1" smtClean="0"/>
-              <a:t>sollte</a:t>
-            </a:r>
-            <a:r>
-              <a:rPr lang="en-US" baseline="0" dirty="0" smtClean="0"/>
-              <a:t> </a:t>
-            </a:r>
-            <a:r>
-              <a:rPr lang="en-US" baseline="0" dirty="0" err="1" smtClean="0"/>
-              <a:t>dann</a:t>
-            </a:r>
-            <a:r>
-              <a:rPr lang="en-US" baseline="0" dirty="0" smtClean="0"/>
-              <a:t> </a:t>
-            </a:r>
-            <a:r>
-              <a:rPr lang="en-US" baseline="0" dirty="0" err="1" smtClean="0"/>
-              <a:t>auch</a:t>
-            </a:r>
-            <a:r>
-              <a:rPr lang="en-US" baseline="0" dirty="0" smtClean="0"/>
-              <a:t> </a:t>
-            </a:r>
-            <a:r>
-              <a:rPr lang="en-US" baseline="0" dirty="0" err="1" smtClean="0"/>
-              <a:t>bereits</a:t>
-            </a:r>
-            <a:r>
-              <a:rPr lang="en-US" baseline="0" dirty="0" smtClean="0"/>
-              <a:t> </a:t>
-            </a:r>
-            <a:r>
-              <a:rPr lang="en-US" baseline="0" dirty="0" err="1" smtClean="0"/>
-              <a:t>einige</a:t>
-            </a:r>
-            <a:r>
-              <a:rPr lang="en-US" baseline="0" dirty="0" smtClean="0"/>
-              <a:t> Basis-</a:t>
-            </a:r>
-            <a:r>
-              <a:rPr lang="en-US" baseline="0" dirty="0" err="1" smtClean="0"/>
-              <a:t>Animationen</a:t>
-            </a:r>
-            <a:r>
-              <a:rPr lang="en-US" baseline="0" dirty="0" smtClean="0"/>
-              <a:t> </a:t>
-            </a:r>
-            <a:r>
-              <a:rPr lang="en-US" baseline="0" dirty="0" err="1" smtClean="0"/>
-              <a:t>besitzen</a:t>
-            </a:r>
-            <a:r>
-              <a:rPr lang="en-US" baseline="0" dirty="0" smtClean="0"/>
-              <a:t>. </a:t>
-            </a:r>
-            <a:r>
-              <a:rPr lang="en-US" baseline="0" dirty="0" err="1" smtClean="0"/>
-              <a:t>Ausserdem</a:t>
-            </a:r>
-            <a:r>
-              <a:rPr lang="en-US" baseline="0" dirty="0" smtClean="0"/>
-              <a:t> </a:t>
-            </a:r>
-            <a:r>
-              <a:rPr lang="en-US" baseline="0" dirty="0" err="1" smtClean="0"/>
-              <a:t>werden</a:t>
-            </a:r>
-            <a:r>
-              <a:rPr lang="en-US" baseline="0" dirty="0" smtClean="0"/>
-              <a:t> </a:t>
-            </a:r>
-            <a:r>
-              <a:rPr lang="en-US" baseline="0" dirty="0" err="1" smtClean="0"/>
-              <a:t>wir</a:t>
-            </a:r>
-            <a:r>
-              <a:rPr lang="en-US" baseline="0" dirty="0" smtClean="0"/>
-              <a:t> </a:t>
-            </a:r>
-            <a:r>
-              <a:rPr lang="en-US" baseline="0" dirty="0" err="1" smtClean="0"/>
-              <a:t>euch</a:t>
-            </a:r>
-            <a:r>
-              <a:rPr lang="en-US" baseline="0" dirty="0" smtClean="0"/>
-              <a:t> die </a:t>
-            </a:r>
-            <a:r>
-              <a:rPr lang="en-US" baseline="0" dirty="0" err="1" smtClean="0"/>
-              <a:t>komplette</a:t>
-            </a:r>
-            <a:r>
-              <a:rPr lang="en-US" baseline="0" dirty="0" smtClean="0"/>
-              <a:t> </a:t>
-            </a:r>
-            <a:r>
-              <a:rPr lang="en-US" baseline="0" dirty="0" err="1" smtClean="0"/>
-              <a:t>Posession-Mechanik</a:t>
-            </a:r>
-            <a:r>
-              <a:rPr lang="en-US" baseline="0" dirty="0" smtClean="0"/>
-              <a:t> </a:t>
-            </a:r>
-            <a:r>
-              <a:rPr lang="en-US" baseline="0" dirty="0" err="1" smtClean="0"/>
-              <a:t>samt</a:t>
-            </a:r>
-            <a:r>
-              <a:rPr lang="en-US" baseline="0" dirty="0" smtClean="0"/>
-              <a:t> des </a:t>
-            </a:r>
-            <a:r>
-              <a:rPr lang="en-US" baseline="0" dirty="0" err="1" smtClean="0"/>
-              <a:t>dazugehoerigen</a:t>
-            </a:r>
-            <a:r>
-              <a:rPr lang="en-US" baseline="0" dirty="0" smtClean="0"/>
-              <a:t> Mini-Spiels </a:t>
-            </a:r>
-            <a:r>
-              <a:rPr lang="en-US" baseline="0" dirty="0" err="1" smtClean="0"/>
-              <a:t>praesentieren</a:t>
-            </a:r>
-            <a:r>
-              <a:rPr lang="en-US" baseline="0" dirty="0" smtClean="0"/>
-              <a:t>.</a:t>
+              <a:rPr lang="en-US" baseline="0" dirty="0" smtClean="0"/>
+              <a:t> nun </a:t>
+            </a:r>
+            <a:r>
+              <a:rPr lang="en-US" baseline="0" dirty="0" err="1" smtClean="0"/>
+              <a:t>aber</a:t>
+            </a:r>
+            <a:r>
+              <a:rPr lang="en-US" baseline="0" dirty="0" smtClean="0"/>
+              <a:t> </a:t>
+            </a:r>
+            <a:r>
+              <a:rPr lang="en-US" baseline="0" dirty="0" err="1" smtClean="0"/>
+              <a:t>endlich</a:t>
+            </a:r>
+            <a:r>
+              <a:rPr lang="en-US" baseline="0" dirty="0" smtClean="0"/>
+              <a:t> </a:t>
+            </a:r>
+            <a:r>
+              <a:rPr lang="en-US" baseline="0" dirty="0" err="1" smtClean="0"/>
+              <a:t>zum</a:t>
+            </a:r>
+            <a:r>
+              <a:rPr lang="en-US" baseline="0" dirty="0" smtClean="0"/>
+              <a:t> </a:t>
+            </a:r>
+            <a:r>
+              <a:rPr lang="en-US" baseline="0" dirty="0" err="1" smtClean="0"/>
+              <a:t>wichtigsten</a:t>
+            </a:r>
+            <a:r>
+              <a:rPr lang="en-US" baseline="0" dirty="0" smtClean="0"/>
+              <a:t> </a:t>
+            </a:r>
+            <a:r>
+              <a:rPr lang="en-US" baseline="0" dirty="0" err="1" smtClean="0"/>
+              <a:t>Teil</a:t>
+            </a:r>
+            <a:r>
+              <a:rPr lang="en-US" baseline="0" dirty="0" smtClean="0"/>
+              <a:t>: </a:t>
+            </a:r>
+            <a:r>
+              <a:rPr lang="en-US" baseline="0" dirty="0" err="1" smtClean="0"/>
+              <a:t>Unserem</a:t>
+            </a:r>
+            <a:r>
+              <a:rPr lang="en-US" baseline="0" smtClean="0"/>
+              <a:t> Spiel </a:t>
+            </a:r>
+            <a:r>
+              <a:rPr lang="en-US" baseline="0" smtClean="0">
+                <a:sym typeface="Wingdings" panose="05000000000000000000" pitchFamily="2" charset="2"/>
+              </a:rPr>
+              <a:t></a:t>
             </a:r>
             <a:endParaRPr lang="de-DE" dirty="0"/>
           </a:p>

--- a/_Organisation/Präsentation/Voodoo_PP2.pptx
+++ b/_Organisation/Präsentation/Voodoo_PP2.pptx
@@ -2743,7 +2743,15 @@
             </a:r>
             <a:r>
               <a:rPr lang="en-US" baseline="0" dirty="0" smtClean="0"/>
-              <a:t> warden </a:t>
+              <a:t> </a:t>
+            </a:r>
+            <a:r>
+              <a:rPr lang="en-US" baseline="0" dirty="0" err="1" smtClean="0"/>
+              <a:t>werden</a:t>
+            </a:r>
+            <a:r>
+              <a:rPr lang="en-US" baseline="0" dirty="0" smtClean="0"/>
+              <a:t> </a:t>
             </a:r>
             <a:r>
               <a:rPr lang="en-US" baseline="0" dirty="0" err="1" smtClean="0"/>
@@ -3188,11 +3196,11 @@
               <a:t>Unserem</a:t>
             </a:r>
             <a:r>
-              <a:rPr lang="en-US" baseline="0" smtClean="0"/>
+              <a:rPr lang="en-US" baseline="0" dirty="0" smtClean="0"/>
               <a:t> Spiel </a:t>
             </a:r>
             <a:r>
-              <a:rPr lang="en-US" baseline="0" smtClean="0">
+              <a:rPr lang="en-US" baseline="0" dirty="0" smtClean="0">
                 <a:sym typeface="Wingdings" panose="05000000000000000000" pitchFamily="2" charset="2"/>
               </a:rPr>
               <a:t></a:t>

--- a/_Organisation/Präsentation/Voodoo_PP2.pptx
+++ b/_Organisation/Präsentation/Voodoo_PP2.pptx
@@ -531,7 +531,15 @@
             </a:r>
             <a:r>
               <a:rPr lang="de-DE" baseline="0" dirty="0" smtClean="0"/>
-              <a:t> ehemalig bekannt unter dem Namen „Voodoo“.</a:t>
+              <a:t> </a:t>
+            </a:r>
+            <a:r>
+              <a:rPr lang="de-DE" baseline="0" dirty="0" smtClean="0"/>
+              <a:t>ehemals </a:t>
+            </a:r>
+            <a:r>
+              <a:rPr lang="de-DE" baseline="0" dirty="0" smtClean="0"/>
+              <a:t>bekannt unter dem Namen „Voodoo“.</a:t>
             </a:r>
           </a:p>
           <a:p>
@@ -741,6 +749,14 @@
             </a:r>
             <a:r>
               <a:rPr lang="en-US" baseline="0" dirty="0" err="1" smtClean="0"/>
+              <a:t>selbst</a:t>
+            </a:r>
+            <a:r>
+              <a:rPr lang="en-US" baseline="0" dirty="0" smtClean="0"/>
+              <a:t> </a:t>
+            </a:r>
+            <a:r>
+              <a:rPr lang="en-US" baseline="0" dirty="0" err="1" smtClean="0"/>
               <a:t>machen</a:t>
             </a:r>
             <a:r>
@@ -757,6 +773,30 @@
             </a:r>
             <a:r>
               <a:rPr lang="en-US" baseline="0" dirty="0" err="1" smtClean="0"/>
+              <a:t>Kurz</a:t>
+            </a:r>
+            <a:r>
+              <a:rPr lang="en-US" baseline="0" dirty="0" smtClean="0"/>
+              <a:t> </a:t>
+            </a:r>
+            <a:r>
+              <a:rPr lang="en-US" baseline="0" dirty="0" err="1" smtClean="0"/>
+              <a:t>zum</a:t>
+            </a:r>
+            <a:r>
+              <a:rPr lang="en-US" baseline="0" dirty="0" smtClean="0"/>
+              <a:t> </a:t>
+            </a:r>
+            <a:r>
+              <a:rPr lang="en-US" baseline="0" dirty="0" err="1" smtClean="0"/>
+              <a:t>Ablauf</a:t>
+            </a:r>
+            <a:r>
+              <a:rPr lang="en-US" baseline="0" dirty="0" smtClean="0"/>
+              <a:t>: </a:t>
+            </a:r>
+            <a:r>
+              <a:rPr lang="en-US" baseline="0" dirty="0" err="1" smtClean="0"/>
               <a:t>Zuerst</a:t>
             </a:r>
             <a:r>
@@ -817,7 +857,11 @@
             </a:r>
             <a:r>
               <a:rPr lang="en-US" baseline="0" dirty="0" smtClean="0"/>
-              <a:t> Version </a:t>
+              <a:t> </a:t>
+            </a:r>
+            <a:r>
+              <a:rPr lang="en-US" baseline="0" dirty="0" smtClean="0"/>
+              <a:t>Vision </a:t>
             </a:r>
             <a:r>
               <a:rPr lang="en-US" baseline="0" dirty="0" err="1" smtClean="0"/>
@@ -845,15 +889,15 @@
             </a:r>
             <a:r>
               <a:rPr lang="en-US" baseline="0" dirty="0" err="1" smtClean="0"/>
-              <a:t>werden</a:t>
-            </a:r>
-            <a:r>
-              <a:rPr lang="en-US" baseline="0" dirty="0" smtClean="0"/>
-              <a:t> </a:t>
-            </a:r>
-            <a:r>
-              <a:rPr lang="en-US" baseline="0" dirty="0" err="1" smtClean="0"/>
-              <a:t>wir</a:t>
+              <a:t>werde</a:t>
+            </a:r>
+            <a:r>
+              <a:rPr lang="en-US" baseline="0" dirty="0" smtClean="0"/>
+              <a:t> </a:t>
+            </a:r>
+            <a:r>
+              <a:rPr lang="en-US" baseline="0" dirty="0" err="1" smtClean="0"/>
+              <a:t>ich</a:t>
             </a:r>
             <a:r>
               <a:rPr lang="en-US" baseline="0" dirty="0" smtClean="0"/>
@@ -861,11 +905,71 @@
             </a:r>
             <a:r>
               <a:rPr lang="en-US" baseline="0" dirty="0" err="1" smtClean="0"/>
-              <a:t>bis</a:t>
-            </a:r>
-            <a:r>
-              <a:rPr lang="en-US" baseline="0" dirty="0" smtClean="0"/>
-              <a:t> </a:t>
+              <a:t>Ziele</a:t>
+            </a:r>
+            <a:r>
+              <a:rPr lang="en-US" baseline="0" dirty="0" smtClean="0"/>
+              <a:t>, die </a:t>
+            </a:r>
+            <a:r>
+              <a:rPr lang="en-US" baseline="0" dirty="0" err="1" smtClean="0"/>
+              <a:t>sich</a:t>
+            </a:r>
+            <a:r>
+              <a:rPr lang="en-US" baseline="0" dirty="0" smtClean="0"/>
+              <a:t> </a:t>
+            </a:r>
+            <a:r>
+              <a:rPr lang="en-US" baseline="0" dirty="0" err="1" smtClean="0"/>
+              <a:t>unser</a:t>
+            </a:r>
+            <a:r>
+              <a:rPr lang="en-US" baseline="0" dirty="0" smtClean="0"/>
+              <a:t> Team </a:t>
+            </a:r>
+            <a:r>
+              <a:rPr lang="en-US" baseline="0" dirty="0" err="1" smtClean="0"/>
+              <a:t>beim</a:t>
+            </a:r>
+            <a:r>
+              <a:rPr lang="en-US" baseline="0" dirty="0" smtClean="0"/>
+              <a:t> </a:t>
+            </a:r>
+            <a:r>
+              <a:rPr lang="en-US" baseline="0" dirty="0" err="1" smtClean="0"/>
+              <a:t>letzten</a:t>
+            </a:r>
+            <a:r>
+              <a:rPr lang="en-US" baseline="0" dirty="0" smtClean="0"/>
+              <a:t> Gate </a:t>
+            </a:r>
+            <a:r>
+              <a:rPr lang="en-US" baseline="0" dirty="0" err="1" smtClean="0"/>
+              <a:t>gesetzt</a:t>
+            </a:r>
+            <a:r>
+              <a:rPr lang="en-US" baseline="0" dirty="0" smtClean="0"/>
+              <a:t> hat, </a:t>
+            </a:r>
+            <a:r>
+              <a:rPr lang="en-US" baseline="0" dirty="0" smtClean="0"/>
+              <a:t>und </a:t>
+            </a:r>
+            <a:r>
+              <a:rPr lang="en-US" baseline="0" dirty="0" err="1" smtClean="0"/>
+              <a:t>unseren</a:t>
+            </a:r>
+            <a:r>
+              <a:rPr lang="en-US" baseline="0" dirty="0" smtClean="0"/>
+              <a:t> </a:t>
+            </a:r>
+            <a:r>
+              <a:rPr lang="en-US" baseline="0" dirty="0" err="1" smtClean="0"/>
+              <a:t>tatsaechlichen</a:t>
+            </a:r>
+            <a:r>
+              <a:rPr lang="en-US" baseline="0" dirty="0" smtClean="0"/>
+              <a:t> Stand </a:t>
             </a:r>
             <a:r>
               <a:rPr lang="en-US" baseline="0" dirty="0" err="1" smtClean="0"/>
@@ -877,38 +981,6 @@
             </a:r>
             <a:r>
               <a:rPr lang="en-US" baseline="0" dirty="0" err="1" smtClean="0"/>
-              <a:t>gesetzten</a:t>
-            </a:r>
-            <a:r>
-              <a:rPr lang="en-US" baseline="0" dirty="0" smtClean="0"/>
-              <a:t> </a:t>
-            </a:r>
-            <a:r>
-              <a:rPr lang="en-US" baseline="0" dirty="0" err="1" smtClean="0"/>
-              <a:t>Ziele</a:t>
-            </a:r>
-            <a:r>
-              <a:rPr lang="en-US" baseline="0" dirty="0" smtClean="0"/>
-              <a:t> und </a:t>
-            </a:r>
-            <a:r>
-              <a:rPr lang="en-US" baseline="0" dirty="0" err="1" smtClean="0"/>
-              <a:t>unseren</a:t>
-            </a:r>
-            <a:r>
-              <a:rPr lang="en-US" baseline="0" dirty="0" smtClean="0"/>
-              <a:t> </a:t>
-            </a:r>
-            <a:r>
-              <a:rPr lang="en-US" baseline="0" dirty="0" err="1" smtClean="0"/>
-              <a:t>tatsaechlichen</a:t>
-            </a:r>
-            <a:r>
-              <a:rPr lang="en-US" baseline="0" dirty="0" smtClean="0"/>
-              <a:t> Stand </a:t>
-            </a:r>
-            <a:r>
-              <a:rPr lang="en-US" baseline="0" dirty="0" err="1" smtClean="0"/>
               <a:t>durchgehen</a:t>
             </a:r>
             <a:r>
@@ -946,6 +1018,14 @@
             <a:r>
               <a:rPr lang="en-US" baseline="0" dirty="0" smtClean="0"/>
               <a:t> die </a:t>
+            </a:r>
+            <a:r>
+              <a:rPr lang="en-US" baseline="0" dirty="0" err="1" smtClean="0"/>
+              <a:t>neuen</a:t>
+            </a:r>
+            <a:r>
+              <a:rPr lang="en-US" baseline="0" dirty="0" smtClean="0"/>
+              <a:t> </a:t>
             </a:r>
             <a:r>
               <a:rPr lang="en-US" baseline="0" dirty="0" err="1" smtClean="0"/>
@@ -1622,36 +1702,12 @@
             <a:br>
               <a:rPr lang="en-US" baseline="0" dirty="0" smtClean="0"/>
             </a:br>
-            <a:r>
-              <a:rPr lang="en-US" baseline="0" dirty="0" smtClean="0"/>
-              <a:t/>
-            </a:r>
-            <a:br>
-              <a:rPr lang="en-US" baseline="0" dirty="0" smtClean="0"/>
-            </a:br>
-            <a:r>
-              <a:rPr lang="en-US" baseline="0" dirty="0" err="1" smtClean="0"/>
-              <a:t>Damit</a:t>
-            </a:r>
-            <a:r>
-              <a:rPr lang="en-US" baseline="0" dirty="0" smtClean="0"/>
-              <a:t> </a:t>
-            </a:r>
-            <a:r>
-              <a:rPr lang="en-US" baseline="0" dirty="0" err="1" smtClean="0"/>
-              <a:t>kommen</a:t>
-            </a:r>
-            <a:r>
-              <a:rPr lang="en-US" baseline="0" dirty="0" smtClean="0"/>
-              <a:t> </a:t>
-            </a:r>
-            <a:r>
-              <a:rPr lang="en-US" baseline="0" dirty="0" err="1" smtClean="0"/>
-              <a:t>wir</a:t>
-            </a:r>
-            <a:r>
-              <a:rPr lang="en-US" baseline="0" dirty="0" smtClean="0"/>
-              <a:t> </a:t>
+            <a:endParaRPr lang="en-US" baseline="0" dirty="0" smtClean="0"/>
+          </a:p>
+          <a:p>
+            <a:r>
+              <a:rPr lang="en-US" baseline="0" dirty="0" smtClean="0"/>
+              <a:t>Nun </a:t>
             </a:r>
             <a:r>
               <a:rPr lang="en-US" baseline="0" dirty="0" err="1" smtClean="0"/>
@@ -1659,7 +1715,11 @@
             </a:r>
             <a:r>
               <a:rPr lang="en-US" baseline="0" dirty="0" smtClean="0"/>
-              <a:t> den </a:t>
+              <a:t> </a:t>
+            </a:r>
+            <a:r>
+              <a:rPr lang="en-US" baseline="0" dirty="0" smtClean="0"/>
+              <a:t>den </a:t>
             </a:r>
             <a:r>
               <a:rPr lang="en-US" baseline="0" dirty="0" err="1" smtClean="0"/>
@@ -1802,7 +1862,442 @@
           <a:lstStyle/>
           <a:p>
             <a:r>
-              <a:rPr lang="en-US" dirty="0" err="1" smtClean="0"/>
+              <a:rPr lang="en-US" baseline="0" dirty="0" err="1" smtClean="0"/>
+              <a:t>Bei</a:t>
+            </a:r>
+            <a:r>
+              <a:rPr lang="en-US" baseline="0" dirty="0" smtClean="0"/>
+              <a:t> Gate 2 </a:t>
+            </a:r>
+            <a:r>
+              <a:rPr lang="en-US" baseline="0" dirty="0" err="1" smtClean="0"/>
+              <a:t>hatten</a:t>
+            </a:r>
+            <a:r>
+              <a:rPr lang="en-US" baseline="0" dirty="0" smtClean="0"/>
+              <a:t> </a:t>
+            </a:r>
+            <a:r>
+              <a:rPr lang="en-US" baseline="0" dirty="0" err="1" smtClean="0"/>
+              <a:t>wir</a:t>
+            </a:r>
+            <a:r>
+              <a:rPr lang="en-US" baseline="0" dirty="0" smtClean="0"/>
+              <a:t> </a:t>
+            </a:r>
+            <a:r>
+              <a:rPr lang="en-US" baseline="0" dirty="0" err="1" smtClean="0"/>
+              <a:t>euch</a:t>
+            </a:r>
+            <a:r>
+              <a:rPr lang="en-US" baseline="0" dirty="0" smtClean="0"/>
+              <a:t> </a:t>
+            </a:r>
+            <a:r>
+              <a:rPr lang="en-US" baseline="0" dirty="0" err="1" smtClean="0"/>
+              <a:t>versprochen</a:t>
+            </a:r>
+            <a:r>
+              <a:rPr lang="en-US" baseline="0" dirty="0" smtClean="0"/>
+              <a:t>, </a:t>
+            </a:r>
+            <a:r>
+              <a:rPr lang="en-US" baseline="0" dirty="0" err="1" smtClean="0"/>
+              <a:t>dass</a:t>
+            </a:r>
+            <a:r>
+              <a:rPr lang="en-US" baseline="0" dirty="0" smtClean="0"/>
+              <a:t> </a:t>
+            </a:r>
+            <a:r>
+              <a:rPr lang="en-US" baseline="0" dirty="0" err="1" smtClean="0"/>
+              <a:t>wir</a:t>
+            </a:r>
+            <a:r>
+              <a:rPr lang="en-US" baseline="0" dirty="0" smtClean="0"/>
+              <a:t> </a:t>
+            </a:r>
+            <a:r>
+              <a:rPr lang="en-US" baseline="0" dirty="0" err="1" smtClean="0"/>
+              <a:t>euch</a:t>
+            </a:r>
+            <a:r>
+              <a:rPr lang="en-US" baseline="0" dirty="0" smtClean="0"/>
+              <a:t> </a:t>
+            </a:r>
+            <a:r>
+              <a:rPr lang="en-US" baseline="0" dirty="0" err="1" smtClean="0"/>
+              <a:t>heute</a:t>
+            </a:r>
+            <a:r>
+              <a:rPr lang="en-US" baseline="0" dirty="0" smtClean="0"/>
+              <a:t> </a:t>
+            </a:r>
+            <a:r>
+              <a:rPr lang="en-US" baseline="0" dirty="0" err="1" smtClean="0"/>
+              <a:t>ein</a:t>
+            </a:r>
+            <a:r>
+              <a:rPr lang="en-US" baseline="0" dirty="0" smtClean="0"/>
+              <a:t> </a:t>
+            </a:r>
+            <a:r>
+              <a:rPr lang="en-US" baseline="0" dirty="0" err="1" smtClean="0"/>
+              <a:t>zweites</a:t>
+            </a:r>
+            <a:r>
+              <a:rPr lang="en-US" baseline="0" dirty="0" smtClean="0"/>
+              <a:t> Level, </a:t>
+            </a:r>
+            <a:r>
+              <a:rPr lang="en-US" baseline="0" dirty="0" err="1" smtClean="0"/>
+              <a:t>naemlich</a:t>
+            </a:r>
+            <a:r>
+              <a:rPr lang="en-US" baseline="0" dirty="0" smtClean="0"/>
+              <a:t> das </a:t>
+            </a:r>
+            <a:r>
+              <a:rPr lang="en-US" baseline="0" dirty="0" smtClean="0"/>
+              <a:t>Labor, </a:t>
+            </a:r>
+            <a:r>
+              <a:rPr lang="en-US" baseline="0" dirty="0" err="1" smtClean="0"/>
+              <a:t>zeigen</a:t>
+            </a:r>
+            <a:r>
+              <a:rPr lang="en-US" baseline="0" dirty="0" smtClean="0"/>
+              <a:t> </a:t>
+            </a:r>
+            <a:r>
+              <a:rPr lang="en-US" baseline="0" dirty="0" smtClean="0"/>
+              <a:t>und dieses </a:t>
+            </a:r>
+            <a:r>
+              <a:rPr lang="en-US" baseline="0" dirty="0" err="1" smtClean="0"/>
+              <a:t>Versprechen</a:t>
+            </a:r>
+            <a:r>
+              <a:rPr lang="en-US" baseline="0" dirty="0" smtClean="0"/>
+              <a:t> </a:t>
+            </a:r>
+            <a:r>
+              <a:rPr lang="en-US" baseline="0" dirty="0" err="1" smtClean="0"/>
+              <a:t>koennen</a:t>
+            </a:r>
+            <a:r>
+              <a:rPr lang="en-US" baseline="0" dirty="0" smtClean="0"/>
+              <a:t> </a:t>
+            </a:r>
+            <a:r>
+              <a:rPr lang="en-US" baseline="0" dirty="0" err="1" smtClean="0"/>
+              <a:t>wir</a:t>
+            </a:r>
+            <a:r>
+              <a:rPr lang="en-US" baseline="0" dirty="0" smtClean="0"/>
+              <a:t> </a:t>
+            </a:r>
+            <a:r>
+              <a:rPr lang="en-US" baseline="0" dirty="0" err="1" smtClean="0"/>
+              <a:t>auch</a:t>
+            </a:r>
+            <a:r>
+              <a:rPr lang="en-US" baseline="0" dirty="0" smtClean="0"/>
+              <a:t> </a:t>
+            </a:r>
+            <a:r>
+              <a:rPr lang="en-US" baseline="0" dirty="0" err="1" smtClean="0"/>
+              <a:t>einhalten</a:t>
+            </a:r>
+            <a:r>
+              <a:rPr lang="en-US" baseline="0" dirty="0" smtClean="0"/>
+              <a:t>. </a:t>
+            </a:r>
+            <a:r>
+              <a:rPr lang="en-US" baseline="0" dirty="0" err="1" smtClean="0"/>
+              <a:t>Zusaetzlich</a:t>
+            </a:r>
+            <a:r>
+              <a:rPr lang="en-US" baseline="0" dirty="0" smtClean="0"/>
+              <a:t> </a:t>
+            </a:r>
+            <a:r>
+              <a:rPr lang="en-US" baseline="0" dirty="0" err="1" smtClean="0"/>
+              <a:t>werdet</a:t>
+            </a:r>
+            <a:r>
+              <a:rPr lang="en-US" baseline="0" dirty="0" smtClean="0"/>
+              <a:t> </a:t>
+            </a:r>
+            <a:r>
+              <a:rPr lang="en-US" baseline="0" dirty="0" err="1" smtClean="0"/>
+              <a:t>ihr</a:t>
+            </a:r>
+            <a:r>
+              <a:rPr lang="en-US" baseline="0" dirty="0" smtClean="0"/>
+              <a:t> </a:t>
+            </a:r>
+            <a:r>
+              <a:rPr lang="en-US" baseline="0" dirty="0" err="1" smtClean="0"/>
+              <a:t>auch</a:t>
+            </a:r>
+            <a:r>
+              <a:rPr lang="en-US" baseline="0" dirty="0" smtClean="0"/>
+              <a:t> das </a:t>
+            </a:r>
+            <a:r>
+              <a:rPr lang="en-US" baseline="0" dirty="0" err="1" smtClean="0"/>
+              <a:t>mittlerweile</a:t>
+            </a:r>
+            <a:r>
+              <a:rPr lang="en-US" baseline="0" dirty="0" smtClean="0"/>
+              <a:t> </a:t>
+            </a:r>
+            <a:r>
+              <a:rPr lang="en-US" baseline="0" dirty="0" err="1" smtClean="0"/>
+              <a:t>eingerichtete</a:t>
+            </a:r>
+            <a:r>
+              <a:rPr lang="en-US" baseline="0" dirty="0" smtClean="0"/>
+              <a:t> </a:t>
+            </a:r>
+            <a:r>
+              <a:rPr lang="en-US" baseline="0" dirty="0" err="1" smtClean="0"/>
+              <a:t>Buero</a:t>
+            </a:r>
+            <a:r>
+              <a:rPr lang="en-US" baseline="0" dirty="0" smtClean="0"/>
+              <a:t> </a:t>
+            </a:r>
+            <a:r>
+              <a:rPr lang="en-US" baseline="0" dirty="0" err="1" smtClean="0"/>
+              <a:t>vom</a:t>
+            </a:r>
+            <a:r>
+              <a:rPr lang="en-US" baseline="0" dirty="0" smtClean="0"/>
+              <a:t> </a:t>
+            </a:r>
+            <a:r>
+              <a:rPr lang="en-US" baseline="0" dirty="0" err="1" smtClean="0"/>
+              <a:t>letzten</a:t>
+            </a:r>
+            <a:r>
+              <a:rPr lang="en-US" baseline="0" dirty="0" smtClean="0"/>
+              <a:t> Mal </a:t>
+            </a:r>
+            <a:r>
+              <a:rPr lang="en-US" baseline="0" dirty="0" err="1" smtClean="0"/>
+              <a:t>sehen</a:t>
+            </a:r>
+            <a:r>
+              <a:rPr lang="en-US" baseline="0" dirty="0" smtClean="0"/>
+              <a:t>. </a:t>
+            </a:r>
+            <a:r>
+              <a:rPr lang="en-US" baseline="0" dirty="0" smtClean="0"/>
+              <a:t/>
+            </a:r>
+            <a:br>
+              <a:rPr lang="en-US" baseline="0" dirty="0" smtClean="0"/>
+            </a:br>
+            <a:r>
+              <a:rPr lang="en-US" baseline="0" dirty="0" err="1" smtClean="0"/>
+              <a:t>Als</a:t>
+            </a:r>
+            <a:r>
+              <a:rPr lang="en-US" baseline="0" dirty="0" smtClean="0"/>
+              <a:t> </a:t>
+            </a:r>
+            <a:r>
+              <a:rPr lang="en-US" baseline="0" dirty="0" err="1" smtClean="0"/>
+              <a:t>zweites</a:t>
+            </a:r>
+            <a:r>
+              <a:rPr lang="en-US" baseline="0" dirty="0" smtClean="0"/>
+              <a:t> </a:t>
+            </a:r>
+            <a:r>
+              <a:rPr lang="en-US" baseline="0" dirty="0" err="1" smtClean="0"/>
+              <a:t>Ziel</a:t>
+            </a:r>
+            <a:r>
+              <a:rPr lang="en-US" baseline="0" dirty="0" smtClean="0"/>
+              <a:t> </a:t>
+            </a:r>
+            <a:r>
+              <a:rPr lang="en-US" baseline="0" dirty="0" err="1" smtClean="0"/>
+              <a:t>hatten</a:t>
+            </a:r>
+            <a:r>
+              <a:rPr lang="en-US" baseline="0" dirty="0" smtClean="0"/>
+              <a:t> </a:t>
+            </a:r>
+            <a:r>
+              <a:rPr lang="en-US" baseline="0" dirty="0" err="1" smtClean="0"/>
+              <a:t>wir</a:t>
+            </a:r>
+            <a:r>
+              <a:rPr lang="en-US" baseline="0" dirty="0" smtClean="0"/>
+              <a:t> </a:t>
+            </a:r>
+            <a:r>
+              <a:rPr lang="en-US" baseline="0" dirty="0" err="1" smtClean="0"/>
+              <a:t>gesetzt</a:t>
+            </a:r>
+            <a:r>
+              <a:rPr lang="en-US" baseline="0" dirty="0" smtClean="0"/>
+              <a:t>, </a:t>
+            </a:r>
+            <a:r>
+              <a:rPr lang="en-US" baseline="0" dirty="0" err="1" smtClean="0"/>
+              <a:t>dass</a:t>
+            </a:r>
+            <a:r>
+              <a:rPr lang="en-US" baseline="0" dirty="0" smtClean="0"/>
+              <a:t> </a:t>
+            </a:r>
+            <a:r>
+              <a:rPr lang="en-US" baseline="0" dirty="0" err="1" smtClean="0"/>
+              <a:t>wir</a:t>
+            </a:r>
+            <a:r>
+              <a:rPr lang="en-US" baseline="0" dirty="0" smtClean="0"/>
+              <a:t> </a:t>
+            </a:r>
+            <a:r>
+              <a:rPr lang="en-US" baseline="0" dirty="0" err="1" smtClean="0"/>
+              <a:t>euch</a:t>
+            </a:r>
+            <a:r>
+              <a:rPr lang="en-US" baseline="0" dirty="0" smtClean="0"/>
+              <a:t> in den </a:t>
+            </a:r>
+            <a:r>
+              <a:rPr lang="en-US" baseline="0" dirty="0" err="1" smtClean="0"/>
+              <a:t>beiden</a:t>
+            </a:r>
+            <a:r>
+              <a:rPr lang="en-US" baseline="0" dirty="0" smtClean="0"/>
+              <a:t> </a:t>
+            </a:r>
+            <a:r>
+              <a:rPr lang="en-US" baseline="0" dirty="0" err="1" smtClean="0"/>
+              <a:t>Leveln</a:t>
+            </a:r>
+            <a:r>
+              <a:rPr lang="en-US" baseline="0" dirty="0" smtClean="0"/>
+              <a:t> die </a:t>
+            </a:r>
+            <a:r>
+              <a:rPr lang="en-US" baseline="0" dirty="0" err="1" smtClean="0"/>
+              <a:t>passenden</a:t>
+            </a:r>
+            <a:r>
+              <a:rPr lang="en-US" baseline="0" dirty="0" smtClean="0"/>
+              <a:t> </a:t>
+            </a:r>
+            <a:r>
+              <a:rPr lang="en-US" baseline="0" dirty="0" err="1" smtClean="0"/>
+              <a:t>Texturen</a:t>
+            </a:r>
+            <a:r>
+              <a:rPr lang="en-US" baseline="0" dirty="0" smtClean="0"/>
+              <a:t> </a:t>
+            </a:r>
+            <a:r>
+              <a:rPr lang="en-US" baseline="0" dirty="0" err="1" smtClean="0"/>
+              <a:t>sowie</a:t>
+            </a:r>
+            <a:r>
+              <a:rPr lang="en-US" baseline="0" dirty="0" smtClean="0"/>
+              <a:t> </a:t>
+            </a:r>
+            <a:r>
+              <a:rPr lang="en-US" baseline="0" dirty="0" err="1" smtClean="0"/>
+              <a:t>auch</a:t>
+            </a:r>
+            <a:r>
+              <a:rPr lang="en-US" baseline="0" dirty="0" smtClean="0"/>
+              <a:t> die </a:t>
+            </a:r>
+            <a:r>
+              <a:rPr lang="en-US" baseline="0" dirty="0" smtClean="0"/>
+              <a:t>Basis-</a:t>
+            </a:r>
+            <a:r>
+              <a:rPr lang="en-US" baseline="0" dirty="0" err="1" smtClean="0"/>
+              <a:t>Animationen</a:t>
+            </a:r>
+            <a:r>
+              <a:rPr lang="en-US" baseline="0" dirty="0" smtClean="0"/>
+              <a:t> der </a:t>
+            </a:r>
+            <a:r>
+              <a:rPr lang="en-US" baseline="0" dirty="0" err="1" smtClean="0"/>
+              <a:t>Charaktere</a:t>
+            </a:r>
+            <a:r>
+              <a:rPr lang="en-US" baseline="0" dirty="0" smtClean="0"/>
+              <a:t> </a:t>
+            </a:r>
+            <a:r>
+              <a:rPr lang="en-US" baseline="0" dirty="0" err="1" smtClean="0"/>
+              <a:t>zeigen</a:t>
+            </a:r>
+            <a:r>
+              <a:rPr lang="en-US" baseline="0" dirty="0" smtClean="0"/>
+              <a:t> und das </a:t>
+            </a:r>
+            <a:r>
+              <a:rPr lang="en-US" baseline="0" dirty="0" err="1" smtClean="0"/>
+              <a:t>werdet</a:t>
+            </a:r>
+            <a:r>
+              <a:rPr lang="en-US" baseline="0" dirty="0" smtClean="0"/>
+              <a:t> </a:t>
+            </a:r>
+            <a:r>
+              <a:rPr lang="en-US" baseline="0" dirty="0" err="1" smtClean="0"/>
+              <a:t>ihr</a:t>
+            </a:r>
+            <a:r>
+              <a:rPr lang="en-US" baseline="0" dirty="0" smtClean="0"/>
+              <a:t> </a:t>
+            </a:r>
+            <a:r>
+              <a:rPr lang="en-US" baseline="0" dirty="0" err="1" smtClean="0"/>
+              <a:t>ebenfalls</a:t>
+            </a:r>
+            <a:r>
+              <a:rPr lang="en-US" baseline="0" dirty="0" smtClean="0"/>
+              <a:t> </a:t>
+            </a:r>
+            <a:r>
+              <a:rPr lang="en-US" baseline="0" dirty="0" err="1" smtClean="0"/>
+              <a:t>gleich</a:t>
+            </a:r>
+            <a:r>
+              <a:rPr lang="en-US" baseline="0" dirty="0" smtClean="0"/>
+              <a:t> </a:t>
+            </a:r>
+            <a:r>
+              <a:rPr lang="en-US" baseline="0" dirty="0" err="1" smtClean="0"/>
+              <a:t>sehen</a:t>
+            </a:r>
+            <a:r>
+              <a:rPr lang="en-US" baseline="0" dirty="0" smtClean="0"/>
+              <a:t> </a:t>
+            </a:r>
+            <a:r>
+              <a:rPr lang="en-US" baseline="0" dirty="0" err="1" smtClean="0"/>
+              <a:t>koennen</a:t>
+            </a:r>
+            <a:r>
+              <a:rPr lang="en-US" baseline="0" dirty="0" smtClean="0"/>
+              <a:t>. </a:t>
+            </a:r>
+            <a:r>
+              <a:rPr lang="en-US" baseline="0" dirty="0" err="1" smtClean="0"/>
               <a:t>Wir</a:t>
             </a:r>
             <a:r>
@@ -1819,19 +2314,179 @@
             </a:r>
             <a:r>
               <a:rPr lang="en-US" baseline="0" dirty="0" err="1" smtClean="0"/>
-              <a:t>versprochen</a:t>
-            </a:r>
-            <a:r>
-              <a:rPr lang="en-US" baseline="0" dirty="0" smtClean="0"/>
-              <a:t> </a:t>
-            </a:r>
-            <a:r>
-              <a:rPr lang="en-US" baseline="0" dirty="0" err="1" smtClean="0"/>
-              <a:t>euch</a:t>
-            </a:r>
-            <a:r>
-              <a:rPr lang="en-US" baseline="0" dirty="0" smtClean="0"/>
-              <a:t> </a:t>
+              <a:t>ausserdem</a:t>
+            </a:r>
+            <a:r>
+              <a:rPr lang="en-US" baseline="0" dirty="0" smtClean="0"/>
+              <a:t> das </a:t>
+            </a:r>
+            <a:r>
+              <a:rPr lang="en-US" baseline="0" dirty="0" err="1" smtClean="0"/>
+              <a:t>Glueck</a:t>
+            </a:r>
+            <a:r>
+              <a:rPr lang="en-US" baseline="0" dirty="0" smtClean="0"/>
+              <a:t>, </a:t>
+            </a:r>
+            <a:r>
+              <a:rPr lang="en-US" baseline="0" dirty="0" err="1" smtClean="0"/>
+              <a:t>dass</a:t>
+            </a:r>
+            <a:r>
+              <a:rPr lang="en-US" baseline="0" dirty="0" smtClean="0"/>
+              <a:t> </a:t>
+            </a:r>
+            <a:r>
+              <a:rPr lang="en-US" baseline="0" dirty="0" err="1" smtClean="0"/>
+              <a:t>sich</a:t>
+            </a:r>
+            <a:r>
+              <a:rPr lang="en-US" baseline="0" dirty="0" smtClean="0"/>
+              <a:t> Elias Knop, </a:t>
+            </a:r>
+            <a:r>
+              <a:rPr lang="en-US" baseline="0" dirty="0" err="1" smtClean="0"/>
+              <a:t>ein</a:t>
+            </a:r>
+            <a:r>
+              <a:rPr lang="en-US" baseline="0" dirty="0" smtClean="0"/>
+              <a:t> Student des Abby Road’s </a:t>
+            </a:r>
+            <a:r>
+              <a:rPr lang="en-US" baseline="0" dirty="0" err="1" smtClean="0"/>
+              <a:t>Musik</a:t>
+            </a:r>
+            <a:r>
+              <a:rPr lang="en-US" baseline="0" dirty="0" smtClean="0"/>
+              <a:t> Studios, </a:t>
+            </a:r>
+            <a:r>
+              <a:rPr lang="en-US" baseline="0" dirty="0" err="1" smtClean="0"/>
+              <a:t>dazu</a:t>
+            </a:r>
+            <a:r>
+              <a:rPr lang="en-US" baseline="0" dirty="0" smtClean="0"/>
+              <a:t> </a:t>
+            </a:r>
+            <a:r>
+              <a:rPr lang="en-US" baseline="0" dirty="0" err="1" smtClean="0"/>
+              <a:t>bereit</a:t>
+            </a:r>
+            <a:r>
+              <a:rPr lang="en-US" baseline="0" dirty="0" smtClean="0"/>
+              <a:t> </a:t>
+            </a:r>
+            <a:r>
+              <a:rPr lang="en-US" baseline="0" dirty="0" err="1" smtClean="0"/>
+              <a:t>erklaert</a:t>
+            </a:r>
+            <a:r>
+              <a:rPr lang="en-US" baseline="0" dirty="0" smtClean="0"/>
+              <a:t> hat </a:t>
+            </a:r>
+            <a:r>
+              <a:rPr lang="en-US" baseline="0" dirty="0" err="1" smtClean="0"/>
+              <a:t>uns</a:t>
+            </a:r>
+            <a:r>
+              <a:rPr lang="en-US" baseline="0" dirty="0" smtClean="0"/>
+              <a:t> </a:t>
+            </a:r>
+            <a:r>
+              <a:rPr lang="en-US" baseline="0" dirty="0" err="1" smtClean="0"/>
+              <a:t>mit</a:t>
+            </a:r>
+            <a:r>
+              <a:rPr lang="en-US" baseline="0" dirty="0" smtClean="0"/>
+              <a:t> Sounds und </a:t>
+            </a:r>
+            <a:r>
+              <a:rPr lang="en-US" baseline="0" dirty="0" err="1" smtClean="0"/>
+              <a:t>Musik</a:t>
+            </a:r>
+            <a:r>
+              <a:rPr lang="en-US" baseline="0" dirty="0" smtClean="0"/>
+              <a:t> </a:t>
+            </a:r>
+            <a:r>
+              <a:rPr lang="en-US" baseline="0" dirty="0" err="1" smtClean="0"/>
+              <a:t>zu</a:t>
+            </a:r>
+            <a:r>
+              <a:rPr lang="en-US" baseline="0" dirty="0" smtClean="0"/>
+              <a:t> </a:t>
+            </a:r>
+            <a:r>
+              <a:rPr lang="en-US" baseline="0" dirty="0" err="1" smtClean="0"/>
+              <a:t>versorgen</a:t>
+            </a:r>
+            <a:r>
+              <a:rPr lang="en-US" baseline="0" dirty="0" smtClean="0"/>
+              <a:t>. </a:t>
+            </a:r>
+            <a:r>
+              <a:rPr lang="en-US" baseline="0" dirty="0" err="1" smtClean="0"/>
+              <a:t>Entsprechend</a:t>
+            </a:r>
+            <a:r>
+              <a:rPr lang="en-US" baseline="0" dirty="0" smtClean="0"/>
+              <a:t> </a:t>
+            </a:r>
+            <a:r>
+              <a:rPr lang="en-US" baseline="0" dirty="0" err="1" smtClean="0"/>
+              <a:t>haben</a:t>
+            </a:r>
+            <a:r>
+              <a:rPr lang="en-US" baseline="0" dirty="0" smtClean="0"/>
+              <a:t> </a:t>
+            </a:r>
+            <a:r>
+              <a:rPr lang="en-US" baseline="0" dirty="0" err="1" smtClean="0"/>
+              <a:t>wir</a:t>
+            </a:r>
+            <a:r>
+              <a:rPr lang="en-US" baseline="0" dirty="0" smtClean="0"/>
+              <a:t> </a:t>
+            </a:r>
+            <a:r>
+              <a:rPr lang="en-US" baseline="0" dirty="0" err="1" smtClean="0"/>
+              <a:t>auch</a:t>
+            </a:r>
+            <a:r>
+              <a:rPr lang="en-US" baseline="0" dirty="0" smtClean="0"/>
+              <a:t> </a:t>
+            </a:r>
+            <a:r>
+              <a:rPr lang="en-US" baseline="0" dirty="0" err="1" smtClean="0"/>
+              <a:t>davon</a:t>
+            </a:r>
+            <a:r>
+              <a:rPr lang="en-US" baseline="0" dirty="0" smtClean="0"/>
+              <a:t> </a:t>
+            </a:r>
+            <a:r>
+              <a:rPr lang="en-US" baseline="0" dirty="0" err="1" smtClean="0"/>
+              <a:t>bereits</a:t>
+            </a:r>
+            <a:r>
+              <a:rPr lang="en-US" baseline="0" dirty="0" smtClean="0"/>
+              <a:t> </a:t>
+            </a:r>
+            <a:r>
+              <a:rPr lang="en-US" baseline="0" dirty="0" err="1" smtClean="0"/>
+              <a:t>einiges</a:t>
+            </a:r>
+            <a:r>
+              <a:rPr lang="en-US" baseline="0" dirty="0" smtClean="0"/>
+              <a:t> </a:t>
+            </a:r>
+            <a:r>
+              <a:rPr lang="en-US" baseline="0" dirty="0" err="1" smtClean="0"/>
+              <a:t>im</a:t>
+            </a:r>
+            <a:r>
+              <a:rPr lang="en-US" baseline="0" dirty="0" smtClean="0"/>
+              <a:t> Spiel </a:t>
             </a:r>
             <a:r>
               <a:rPr lang="en-US" baseline="0" dirty="0" err="1" smtClean="0"/>
@@ -1839,51 +2494,42 @@
             </a:r>
             <a:r>
               <a:rPr lang="en-US" baseline="0" dirty="0" smtClean="0"/>
-              <a:t> </a:t>
-            </a:r>
-            <a:r>
-              <a:rPr lang="en-US" baseline="0" dirty="0" err="1" smtClean="0"/>
-              <a:t>ein</a:t>
-            </a:r>
-            <a:r>
-              <a:rPr lang="en-US" baseline="0" dirty="0" smtClean="0"/>
-              <a:t> </a:t>
-            </a:r>
-            <a:r>
-              <a:rPr lang="en-US" baseline="0" dirty="0" err="1" smtClean="0"/>
-              <a:t>zweites</a:t>
-            </a:r>
-            <a:r>
-              <a:rPr lang="en-US" baseline="0" dirty="0" smtClean="0"/>
-              <a:t> Level, das Labor, </a:t>
-            </a:r>
-            <a:r>
-              <a:rPr lang="en-US" baseline="0" dirty="0" err="1" smtClean="0"/>
-              <a:t>zu</a:t>
-            </a:r>
-            <a:r>
-              <a:rPr lang="en-US" baseline="0" dirty="0" smtClean="0"/>
-              <a:t> </a:t>
-            </a:r>
-            <a:r>
-              <a:rPr lang="en-US" baseline="0" dirty="0" err="1" smtClean="0"/>
-              <a:t>zeigen</a:t>
-            </a:r>
-            <a:r>
-              <a:rPr lang="en-US" baseline="0" dirty="0" smtClean="0"/>
-              <a:t> und dieses </a:t>
-            </a:r>
-            <a:r>
-              <a:rPr lang="en-US" baseline="0" dirty="0" err="1" smtClean="0"/>
-              <a:t>Versprechen</a:t>
-            </a:r>
-            <a:r>
-              <a:rPr lang="en-US" baseline="0" dirty="0" smtClean="0"/>
-              <a:t> </a:t>
-            </a:r>
-            <a:r>
-              <a:rPr lang="en-US" baseline="0" dirty="0" err="1" smtClean="0"/>
-              <a:t>koennen</a:t>
+              <a:t>.</a:t>
+            </a:r>
+            <a:r>
+              <a:rPr lang="en-US" baseline="0" dirty="0" smtClean="0"/>
+              <a:t/>
+            </a:r>
+            <a:br>
+              <a:rPr lang="en-US" baseline="0" dirty="0" smtClean="0"/>
+            </a:br>
+            <a:r>
+              <a:rPr lang="en-US" baseline="0" dirty="0" err="1" smtClean="0"/>
+              <a:t>Zu</a:t>
+            </a:r>
+            <a:r>
+              <a:rPr lang="en-US" baseline="0" dirty="0" smtClean="0"/>
+              <a:t> </a:t>
+            </a:r>
+            <a:r>
+              <a:rPr lang="en-US" baseline="0" dirty="0" err="1" smtClean="0"/>
+              <a:t>guter</a:t>
+            </a:r>
+            <a:r>
+              <a:rPr lang="en-US" baseline="0" dirty="0" smtClean="0"/>
+              <a:t> </a:t>
+            </a:r>
+            <a:r>
+              <a:rPr lang="en-US" baseline="0" dirty="0" err="1" smtClean="0"/>
+              <a:t>Letzt</a:t>
+            </a:r>
+            <a:r>
+              <a:rPr lang="en-US" baseline="0" dirty="0" smtClean="0"/>
+              <a:t> </a:t>
+            </a:r>
+            <a:r>
+              <a:rPr lang="en-US" baseline="0" dirty="0" err="1" smtClean="0"/>
+              <a:t>haben</a:t>
             </a:r>
             <a:r>
               <a:rPr lang="en-US" baseline="0" dirty="0" smtClean="0"/>
@@ -1895,7 +2541,55 @@
             </a:r>
             <a:r>
               <a:rPr lang="en-US" baseline="0" dirty="0" smtClean="0"/>
-              <a:t> </a:t>
+              <a:t> die </a:t>
+            </a:r>
+            <a:r>
+              <a:rPr lang="en-US" baseline="0" dirty="0" err="1" smtClean="0"/>
+              <a:t>komplette</a:t>
+            </a:r>
+            <a:r>
+              <a:rPr lang="en-US" baseline="0" dirty="0" smtClean="0"/>
+              <a:t> </a:t>
+            </a:r>
+            <a:r>
+              <a:rPr lang="en-US" baseline="0" dirty="0" err="1" smtClean="0"/>
+              <a:t>Mechanik</a:t>
+            </a:r>
+            <a:r>
+              <a:rPr lang="en-US" baseline="0" dirty="0" smtClean="0"/>
+              <a:t>: “</a:t>
+            </a:r>
+            <a:r>
+              <a:rPr lang="en-US" baseline="0" dirty="0" err="1" smtClean="0"/>
+              <a:t>Posession</a:t>
+            </a:r>
+            <a:r>
+              <a:rPr lang="en-US" baseline="0" dirty="0" smtClean="0"/>
+              <a:t>”, also die </a:t>
+            </a:r>
+            <a:r>
+              <a:rPr lang="en-US" baseline="0" dirty="0" err="1" smtClean="0"/>
+              <a:t>Uebernahme</a:t>
+            </a:r>
+            <a:r>
+              <a:rPr lang="en-US" baseline="0" dirty="0" smtClean="0"/>
+              <a:t> von </a:t>
+            </a:r>
+            <a:r>
+              <a:rPr lang="en-US" baseline="0" dirty="0" err="1" smtClean="0"/>
+              <a:t>Wachen</a:t>
+            </a:r>
+            <a:r>
+              <a:rPr lang="en-US" baseline="0" dirty="0" smtClean="0"/>
+              <a:t>, </a:t>
+            </a:r>
+            <a:r>
+              <a:rPr lang="en-US" baseline="0" dirty="0" err="1" smtClean="0"/>
+              <a:t>angekuendigt</a:t>
+            </a:r>
+            <a:r>
+              <a:rPr lang="en-US" baseline="0" dirty="0" smtClean="0"/>
+              <a:t> und </a:t>
             </a:r>
             <a:r>
               <a:rPr lang="en-US" baseline="0" dirty="0" err="1" smtClean="0"/>
@@ -1903,593 +2597,16 @@
             </a:r>
             <a:r>
               <a:rPr lang="en-US" baseline="0" dirty="0" smtClean="0"/>
-              <a:t> </a:t>
-            </a:r>
-            <a:r>
-              <a:rPr lang="en-US" baseline="0" dirty="0" err="1" smtClean="0"/>
-              <a:t>einhalten</a:t>
+              <a:t> das hat </a:t>
+            </a:r>
+            <a:r>
+              <a:rPr lang="en-US" baseline="0" dirty="0" err="1" smtClean="0"/>
+              <a:t>geklappt</a:t>
             </a:r>
             <a:r>
               <a:rPr lang="en-US" baseline="0" dirty="0" smtClean="0"/>
               <a:t>. </a:t>
             </a:r>
-            <a:r>
-              <a:rPr lang="en-US" baseline="0" dirty="0" err="1" smtClean="0"/>
-              <a:t>Zusaetzlich</a:t>
-            </a:r>
-            <a:r>
-              <a:rPr lang="en-US" baseline="0" dirty="0" smtClean="0"/>
-              <a:t> </a:t>
-            </a:r>
-            <a:r>
-              <a:rPr lang="en-US" baseline="0" dirty="0" err="1" smtClean="0"/>
-              <a:t>werden</a:t>
-            </a:r>
-            <a:r>
-              <a:rPr lang="en-US" baseline="0" dirty="0" smtClean="0"/>
-              <a:t> </a:t>
-            </a:r>
-            <a:r>
-              <a:rPr lang="en-US" baseline="0" dirty="0" err="1" smtClean="0"/>
-              <a:t>wir</a:t>
-            </a:r>
-            <a:r>
-              <a:rPr lang="en-US" baseline="0" dirty="0" smtClean="0"/>
-              <a:t> </a:t>
-            </a:r>
-            <a:r>
-              <a:rPr lang="en-US" baseline="0" dirty="0" err="1" smtClean="0"/>
-              <a:t>euch</a:t>
-            </a:r>
-            <a:r>
-              <a:rPr lang="en-US" baseline="0" dirty="0" smtClean="0"/>
-              <a:t> das </a:t>
-            </a:r>
-            <a:r>
-              <a:rPr lang="en-US" baseline="0" dirty="0" err="1" smtClean="0"/>
-              <a:t>mittlerweile</a:t>
-            </a:r>
-            <a:r>
-              <a:rPr lang="en-US" baseline="0" dirty="0" smtClean="0"/>
-              <a:t> </a:t>
-            </a:r>
-            <a:r>
-              <a:rPr lang="en-US" baseline="0" dirty="0" err="1" smtClean="0"/>
-              <a:t>eingerichtete</a:t>
-            </a:r>
-            <a:r>
-              <a:rPr lang="en-US" baseline="0" dirty="0" smtClean="0"/>
-              <a:t> </a:t>
-            </a:r>
-            <a:r>
-              <a:rPr lang="en-US" baseline="0" dirty="0" err="1" smtClean="0"/>
-              <a:t>Buero</a:t>
-            </a:r>
-            <a:r>
-              <a:rPr lang="en-US" baseline="0" dirty="0" smtClean="0"/>
-              <a:t> </a:t>
-            </a:r>
-            <a:r>
-              <a:rPr lang="en-US" baseline="0" dirty="0" err="1" smtClean="0"/>
-              <a:t>vom</a:t>
-            </a:r>
-            <a:r>
-              <a:rPr lang="en-US" baseline="0" dirty="0" smtClean="0"/>
-              <a:t> </a:t>
-            </a:r>
-            <a:r>
-              <a:rPr lang="en-US" baseline="0" dirty="0" err="1" smtClean="0"/>
-              <a:t>letzten</a:t>
-            </a:r>
-            <a:r>
-              <a:rPr lang="en-US" baseline="0" dirty="0" smtClean="0"/>
-              <a:t> Mal </a:t>
-            </a:r>
-            <a:r>
-              <a:rPr lang="en-US" baseline="0" dirty="0" err="1" smtClean="0"/>
-              <a:t>zeigen</a:t>
-            </a:r>
-            <a:r>
-              <a:rPr lang="en-US" baseline="0" dirty="0" smtClean="0"/>
-              <a:t>. </a:t>
-            </a:r>
-            <a:br>
-              <a:rPr lang="en-US" baseline="0" dirty="0" smtClean="0"/>
-            </a:br>
-            <a:r>
-              <a:rPr lang="en-US" baseline="0" dirty="0" err="1" smtClean="0"/>
-              <a:t>Als</a:t>
-            </a:r>
-            <a:r>
-              <a:rPr lang="en-US" baseline="0" dirty="0" smtClean="0"/>
-              <a:t> </a:t>
-            </a:r>
-            <a:r>
-              <a:rPr lang="en-US" baseline="0" dirty="0" err="1" smtClean="0"/>
-              <a:t>zweites</a:t>
-            </a:r>
-            <a:r>
-              <a:rPr lang="en-US" baseline="0" dirty="0" smtClean="0"/>
-              <a:t> </a:t>
-            </a:r>
-            <a:r>
-              <a:rPr lang="en-US" baseline="0" dirty="0" err="1" smtClean="0"/>
-              <a:t>Ziel</a:t>
-            </a:r>
-            <a:r>
-              <a:rPr lang="en-US" baseline="0" dirty="0" smtClean="0"/>
-              <a:t> </a:t>
-            </a:r>
-            <a:r>
-              <a:rPr lang="en-US" baseline="0" dirty="0" err="1" smtClean="0"/>
-              <a:t>hatten</a:t>
-            </a:r>
-            <a:r>
-              <a:rPr lang="en-US" baseline="0" dirty="0" smtClean="0"/>
-              <a:t> </a:t>
-            </a:r>
-            <a:r>
-              <a:rPr lang="en-US" baseline="0" dirty="0" err="1" smtClean="0"/>
-              <a:t>wir</a:t>
-            </a:r>
-            <a:r>
-              <a:rPr lang="en-US" baseline="0" dirty="0" smtClean="0"/>
-              <a:t> </a:t>
-            </a:r>
-            <a:r>
-              <a:rPr lang="en-US" baseline="0" dirty="0" err="1" smtClean="0"/>
-              <a:t>gesetzt</a:t>
-            </a:r>
-            <a:r>
-              <a:rPr lang="en-US" baseline="0" dirty="0" smtClean="0"/>
-              <a:t>, </a:t>
-            </a:r>
-            <a:r>
-              <a:rPr lang="en-US" baseline="0" dirty="0" err="1" smtClean="0"/>
-              <a:t>dass</a:t>
-            </a:r>
-            <a:r>
-              <a:rPr lang="en-US" baseline="0" dirty="0" smtClean="0"/>
-              <a:t> </a:t>
-            </a:r>
-            <a:r>
-              <a:rPr lang="en-US" baseline="0" dirty="0" err="1" smtClean="0"/>
-              <a:t>wir</a:t>
-            </a:r>
-            <a:r>
-              <a:rPr lang="en-US" baseline="0" dirty="0" smtClean="0"/>
-              <a:t> </a:t>
-            </a:r>
-            <a:r>
-              <a:rPr lang="en-US" baseline="0" dirty="0" err="1" smtClean="0"/>
-              <a:t>euch</a:t>
-            </a:r>
-            <a:r>
-              <a:rPr lang="en-US" baseline="0" dirty="0" smtClean="0"/>
-              <a:t> in den </a:t>
-            </a:r>
-            <a:r>
-              <a:rPr lang="en-US" baseline="0" dirty="0" err="1" smtClean="0"/>
-              <a:t>beiden</a:t>
-            </a:r>
-            <a:r>
-              <a:rPr lang="en-US" baseline="0" dirty="0" smtClean="0"/>
-              <a:t> </a:t>
-            </a:r>
-            <a:r>
-              <a:rPr lang="en-US" baseline="0" dirty="0" err="1" smtClean="0"/>
-              <a:t>Leveln</a:t>
-            </a:r>
-            <a:r>
-              <a:rPr lang="en-US" baseline="0" dirty="0" smtClean="0"/>
-              <a:t> die </a:t>
-            </a:r>
-            <a:r>
-              <a:rPr lang="en-US" baseline="0" dirty="0" err="1" smtClean="0"/>
-              <a:t>passenden</a:t>
-            </a:r>
-            <a:r>
-              <a:rPr lang="en-US" baseline="0" dirty="0" smtClean="0"/>
-              <a:t> </a:t>
-            </a:r>
-            <a:r>
-              <a:rPr lang="en-US" baseline="0" dirty="0" err="1" smtClean="0"/>
-              <a:t>Texturen</a:t>
-            </a:r>
-            <a:r>
-              <a:rPr lang="en-US" baseline="0" dirty="0" smtClean="0"/>
-              <a:t> und Basis-</a:t>
-            </a:r>
-            <a:r>
-              <a:rPr lang="en-US" baseline="0" dirty="0" err="1" smtClean="0"/>
-              <a:t>Animationen</a:t>
-            </a:r>
-            <a:r>
-              <a:rPr lang="en-US" baseline="0" dirty="0" smtClean="0"/>
-              <a:t> der </a:t>
-            </a:r>
-            <a:r>
-              <a:rPr lang="en-US" baseline="0" dirty="0" err="1" smtClean="0"/>
-              <a:t>Charaktere</a:t>
-            </a:r>
-            <a:r>
-              <a:rPr lang="en-US" baseline="0" dirty="0" smtClean="0"/>
-              <a:t> </a:t>
-            </a:r>
-            <a:r>
-              <a:rPr lang="en-US" baseline="0" dirty="0" err="1" smtClean="0"/>
-              <a:t>zeigen</a:t>
-            </a:r>
-            <a:r>
-              <a:rPr lang="en-US" baseline="0" dirty="0" smtClean="0"/>
-              <a:t>, was </a:t>
-            </a:r>
-            <a:r>
-              <a:rPr lang="en-US" baseline="0" dirty="0" err="1" smtClean="0"/>
-              <a:t>wir</a:t>
-            </a:r>
-            <a:r>
-              <a:rPr lang="en-US" baseline="0" dirty="0" smtClean="0"/>
-              <a:t> </a:t>
-            </a:r>
-            <a:r>
-              <a:rPr lang="en-US" baseline="0" dirty="0" err="1" smtClean="0"/>
-              <a:t>ebenfalls</a:t>
-            </a:r>
-            <a:r>
-              <a:rPr lang="en-US" baseline="0" dirty="0" smtClean="0"/>
-              <a:t> </a:t>
-            </a:r>
-            <a:r>
-              <a:rPr lang="en-US" baseline="0" dirty="0" err="1" smtClean="0"/>
-              <a:t>einhalten</a:t>
-            </a:r>
-            <a:r>
-              <a:rPr lang="en-US" baseline="0" dirty="0" smtClean="0"/>
-              <a:t> </a:t>
-            </a:r>
-            <a:r>
-              <a:rPr lang="en-US" baseline="0" dirty="0" err="1" smtClean="0"/>
-              <a:t>konnten</a:t>
-            </a:r>
-            <a:r>
-              <a:rPr lang="en-US" baseline="0" dirty="0" smtClean="0"/>
-              <a:t>. </a:t>
-            </a:r>
-            <a:r>
-              <a:rPr lang="en-US" baseline="0" dirty="0" err="1" smtClean="0"/>
-              <a:t>Wir</a:t>
-            </a:r>
-            <a:r>
-              <a:rPr lang="en-US" baseline="0" dirty="0" smtClean="0"/>
-              <a:t> </a:t>
-            </a:r>
-            <a:r>
-              <a:rPr lang="en-US" baseline="0" dirty="0" err="1" smtClean="0"/>
-              <a:t>hatten</a:t>
-            </a:r>
-            <a:r>
-              <a:rPr lang="en-US" baseline="0" dirty="0" smtClean="0"/>
-              <a:t> </a:t>
-            </a:r>
-            <a:r>
-              <a:rPr lang="en-US" baseline="0" dirty="0" err="1" smtClean="0"/>
-              <a:t>ausserdem</a:t>
-            </a:r>
-            <a:r>
-              <a:rPr lang="en-US" baseline="0" dirty="0" smtClean="0"/>
-              <a:t> das </a:t>
-            </a:r>
-            <a:r>
-              <a:rPr lang="en-US" baseline="0" dirty="0" err="1" smtClean="0"/>
-              <a:t>Glueck</a:t>
-            </a:r>
-            <a:r>
-              <a:rPr lang="en-US" baseline="0" dirty="0" smtClean="0"/>
-              <a:t>, </a:t>
-            </a:r>
-            <a:r>
-              <a:rPr lang="en-US" baseline="0" dirty="0" err="1" smtClean="0"/>
-              <a:t>dass</a:t>
-            </a:r>
-            <a:r>
-              <a:rPr lang="en-US" baseline="0" dirty="0" smtClean="0"/>
-              <a:t> </a:t>
-            </a:r>
-            <a:r>
-              <a:rPr lang="en-US" baseline="0" dirty="0" err="1" smtClean="0"/>
-              <a:t>sich</a:t>
-            </a:r>
-            <a:r>
-              <a:rPr lang="en-US" baseline="0" dirty="0" smtClean="0"/>
-              <a:t> Elias Knop, </a:t>
-            </a:r>
-            <a:r>
-              <a:rPr lang="en-US" baseline="0" dirty="0" err="1" smtClean="0"/>
-              <a:t>ein</a:t>
-            </a:r>
-            <a:r>
-              <a:rPr lang="en-US" baseline="0" dirty="0" smtClean="0"/>
-              <a:t> Student des Abby Road’s </a:t>
-            </a:r>
-            <a:r>
-              <a:rPr lang="en-US" baseline="0" dirty="0" err="1" smtClean="0"/>
-              <a:t>Musik</a:t>
-            </a:r>
-            <a:r>
-              <a:rPr lang="en-US" baseline="0" dirty="0" smtClean="0"/>
-              <a:t> Studios, </a:t>
-            </a:r>
-            <a:r>
-              <a:rPr lang="en-US" baseline="0" dirty="0" err="1" smtClean="0"/>
-              <a:t>dazu</a:t>
-            </a:r>
-            <a:r>
-              <a:rPr lang="en-US" baseline="0" dirty="0" smtClean="0"/>
-              <a:t> </a:t>
-            </a:r>
-            <a:r>
-              <a:rPr lang="en-US" baseline="0" dirty="0" err="1" smtClean="0"/>
-              <a:t>bereit</a:t>
-            </a:r>
-            <a:r>
-              <a:rPr lang="en-US" baseline="0" dirty="0" smtClean="0"/>
-              <a:t> </a:t>
-            </a:r>
-            <a:r>
-              <a:rPr lang="en-US" baseline="0" dirty="0" err="1" smtClean="0"/>
-              <a:t>erklaert</a:t>
-            </a:r>
-            <a:r>
-              <a:rPr lang="en-US" baseline="0" dirty="0" smtClean="0"/>
-              <a:t> hat </a:t>
-            </a:r>
-            <a:r>
-              <a:rPr lang="en-US" baseline="0" dirty="0" err="1" smtClean="0"/>
-              <a:t>uns</a:t>
-            </a:r>
-            <a:r>
-              <a:rPr lang="en-US" baseline="0" dirty="0" smtClean="0"/>
-              <a:t> </a:t>
-            </a:r>
-            <a:r>
-              <a:rPr lang="en-US" baseline="0" dirty="0" err="1" smtClean="0"/>
-              <a:t>mit</a:t>
-            </a:r>
-            <a:r>
-              <a:rPr lang="en-US" baseline="0" dirty="0" smtClean="0"/>
-              <a:t> Sounds und </a:t>
-            </a:r>
-            <a:r>
-              <a:rPr lang="en-US" baseline="0" dirty="0" err="1" smtClean="0"/>
-              <a:t>Musik</a:t>
-            </a:r>
-            <a:r>
-              <a:rPr lang="en-US" baseline="0" dirty="0" smtClean="0"/>
-              <a:t> </a:t>
-            </a:r>
-            <a:r>
-              <a:rPr lang="en-US" baseline="0" dirty="0" err="1" smtClean="0"/>
-              <a:t>zu</a:t>
-            </a:r>
-            <a:r>
-              <a:rPr lang="en-US" baseline="0" dirty="0" smtClean="0"/>
-              <a:t> </a:t>
-            </a:r>
-            <a:r>
-              <a:rPr lang="en-US" baseline="0" dirty="0" err="1" smtClean="0"/>
-              <a:t>versorgen</a:t>
-            </a:r>
-            <a:r>
-              <a:rPr lang="en-US" baseline="0" dirty="0" smtClean="0"/>
-              <a:t> und </a:t>
-            </a:r>
-            <a:r>
-              <a:rPr lang="en-US" baseline="0" dirty="0" err="1" smtClean="0"/>
-              <a:t>diese</a:t>
-            </a:r>
-            <a:r>
-              <a:rPr lang="en-US" baseline="0" dirty="0" smtClean="0"/>
-              <a:t> </a:t>
-            </a:r>
-            <a:r>
-              <a:rPr lang="en-US" baseline="0" dirty="0" err="1" smtClean="0"/>
-              <a:t>werdet</a:t>
-            </a:r>
-            <a:r>
-              <a:rPr lang="en-US" baseline="0" dirty="0" smtClean="0"/>
-              <a:t> </a:t>
-            </a:r>
-            <a:r>
-              <a:rPr lang="en-US" baseline="0" dirty="0" err="1" smtClean="0"/>
-              <a:t>ihr</a:t>
-            </a:r>
-            <a:r>
-              <a:rPr lang="en-US" baseline="0" dirty="0" smtClean="0"/>
-              <a:t> </a:t>
-            </a:r>
-            <a:r>
-              <a:rPr lang="en-US" baseline="0" dirty="0" err="1" smtClean="0"/>
-              <a:t>bereits</a:t>
-            </a:r>
-            <a:r>
-              <a:rPr lang="en-US" baseline="0" dirty="0" smtClean="0"/>
-              <a:t> </a:t>
-            </a:r>
-            <a:r>
-              <a:rPr lang="en-US" baseline="0" dirty="0" err="1" smtClean="0"/>
-              <a:t>teilweise</a:t>
-            </a:r>
-            <a:r>
-              <a:rPr lang="en-US" baseline="0" dirty="0" smtClean="0"/>
-              <a:t> </a:t>
-            </a:r>
-            <a:r>
-              <a:rPr lang="en-US" baseline="0" dirty="0" err="1" smtClean="0"/>
-              <a:t>zu</a:t>
-            </a:r>
-            <a:r>
-              <a:rPr lang="en-US" baseline="0" dirty="0" smtClean="0"/>
-              <a:t> </a:t>
-            </a:r>
-            <a:r>
-              <a:rPr lang="en-US" baseline="0" dirty="0" err="1" smtClean="0"/>
-              <a:t>hoeren</a:t>
-            </a:r>
-            <a:r>
-              <a:rPr lang="en-US" baseline="0" dirty="0" smtClean="0"/>
-              <a:t> </a:t>
-            </a:r>
-            <a:r>
-              <a:rPr lang="en-US" baseline="0" dirty="0" err="1" smtClean="0"/>
-              <a:t>bekommen</a:t>
-            </a:r>
-            <a:r>
-              <a:rPr lang="en-US" baseline="0" dirty="0" smtClean="0"/>
-              <a:t>. </a:t>
-            </a:r>
-            <a:br>
-              <a:rPr lang="en-US" baseline="0" dirty="0" smtClean="0"/>
-            </a:br>
-            <a:r>
-              <a:rPr lang="en-US" baseline="0" dirty="0" err="1" smtClean="0"/>
-              <a:t>Zu</a:t>
-            </a:r>
-            <a:r>
-              <a:rPr lang="en-US" baseline="0" dirty="0" smtClean="0"/>
-              <a:t> </a:t>
-            </a:r>
-            <a:r>
-              <a:rPr lang="en-US" baseline="0" dirty="0" err="1" smtClean="0"/>
-              <a:t>guter</a:t>
-            </a:r>
-            <a:r>
-              <a:rPr lang="en-US" baseline="0" dirty="0" smtClean="0"/>
-              <a:t> </a:t>
-            </a:r>
-            <a:r>
-              <a:rPr lang="en-US" baseline="0" dirty="0" err="1" smtClean="0"/>
-              <a:t>Letzt</a:t>
-            </a:r>
-            <a:r>
-              <a:rPr lang="en-US" baseline="0" dirty="0" smtClean="0"/>
-              <a:t> </a:t>
-            </a:r>
-            <a:r>
-              <a:rPr lang="en-US" baseline="0" dirty="0" err="1" smtClean="0"/>
-              <a:t>haben</a:t>
-            </a:r>
-            <a:r>
-              <a:rPr lang="en-US" baseline="0" dirty="0" smtClean="0"/>
-              <a:t> </a:t>
-            </a:r>
-            <a:r>
-              <a:rPr lang="en-US" baseline="0" dirty="0" err="1" smtClean="0"/>
-              <a:t>wir</a:t>
-            </a:r>
-            <a:r>
-              <a:rPr lang="en-US" baseline="0" dirty="0" smtClean="0"/>
-              <a:t> die </a:t>
-            </a:r>
-            <a:r>
-              <a:rPr lang="en-US" baseline="0" dirty="0" err="1" smtClean="0"/>
-              <a:t>komplette</a:t>
-            </a:r>
-            <a:r>
-              <a:rPr lang="en-US" baseline="0" dirty="0" smtClean="0"/>
-              <a:t> </a:t>
-            </a:r>
-            <a:r>
-              <a:rPr lang="en-US" baseline="0" dirty="0" err="1" smtClean="0"/>
-              <a:t>Mechanik</a:t>
-            </a:r>
-            <a:r>
-              <a:rPr lang="en-US" baseline="0" dirty="0" smtClean="0"/>
-              <a:t>: “</a:t>
-            </a:r>
-            <a:r>
-              <a:rPr lang="en-US" baseline="0" dirty="0" err="1" smtClean="0"/>
-              <a:t>Posession</a:t>
-            </a:r>
-            <a:r>
-              <a:rPr lang="en-US" baseline="0" dirty="0" smtClean="0"/>
-              <a:t>”, also die </a:t>
-            </a:r>
-            <a:r>
-              <a:rPr lang="en-US" baseline="0" dirty="0" err="1" smtClean="0"/>
-              <a:t>Uebernahme</a:t>
-            </a:r>
-            <a:r>
-              <a:rPr lang="en-US" baseline="0" dirty="0" smtClean="0"/>
-              <a:t> von </a:t>
-            </a:r>
-            <a:r>
-              <a:rPr lang="en-US" baseline="0" dirty="0" err="1" smtClean="0"/>
-              <a:t>Wachen</a:t>
-            </a:r>
-            <a:r>
-              <a:rPr lang="en-US" baseline="0" dirty="0" smtClean="0"/>
-              <a:t>, </a:t>
-            </a:r>
-            <a:r>
-              <a:rPr lang="en-US" baseline="0" dirty="0" err="1" smtClean="0"/>
-              <a:t>angekuendigt</a:t>
-            </a:r>
-            <a:r>
-              <a:rPr lang="en-US" baseline="0" dirty="0" smtClean="0"/>
-              <a:t> und </a:t>
-            </a:r>
-            <a:r>
-              <a:rPr lang="en-US" baseline="0" dirty="0" err="1" smtClean="0"/>
-              <a:t>diese</a:t>
-            </a:r>
-            <a:r>
-              <a:rPr lang="en-US" baseline="0" dirty="0" smtClean="0"/>
-              <a:t> </a:t>
-            </a:r>
-            <a:r>
-              <a:rPr lang="en-US" baseline="0" dirty="0" err="1" smtClean="0"/>
-              <a:t>fuehren</a:t>
-            </a:r>
-            <a:r>
-              <a:rPr lang="en-US" baseline="0" dirty="0" smtClean="0"/>
-              <a:t> </a:t>
-            </a:r>
-            <a:r>
-              <a:rPr lang="en-US" baseline="0" dirty="0" err="1" smtClean="0"/>
-              <a:t>wir</a:t>
-            </a:r>
-            <a:r>
-              <a:rPr lang="en-US" baseline="0" dirty="0" smtClean="0"/>
-              <a:t> </a:t>
-            </a:r>
-            <a:r>
-              <a:rPr lang="en-US" baseline="0" dirty="0" err="1" smtClean="0"/>
-              <a:t>heute</a:t>
-            </a:r>
-            <a:r>
-              <a:rPr lang="en-US" baseline="0" dirty="0" smtClean="0"/>
-              <a:t> </a:t>
-            </a:r>
-            <a:r>
-              <a:rPr lang="en-US" baseline="0" dirty="0" err="1" smtClean="0"/>
-              <a:t>ebenfalls</a:t>
-            </a:r>
-            <a:r>
-              <a:rPr lang="en-US" baseline="0" dirty="0" smtClean="0"/>
-              <a:t> </a:t>
-            </a:r>
-            <a:r>
-              <a:rPr lang="en-US" baseline="0" dirty="0" err="1" smtClean="0"/>
-              <a:t>vor</a:t>
-            </a:r>
-            <a:r>
-              <a:rPr lang="en-US" baseline="0" dirty="0" smtClean="0"/>
-              <a:t>.</a:t>
-            </a:r>
-            <a:br>
-              <a:rPr lang="en-US" baseline="0" dirty="0" smtClean="0"/>
-            </a:br>
             <a:r>
               <a:rPr lang="en-US" baseline="0" dirty="0" smtClean="0"/>
               <a:t/>
@@ -2791,7 +2908,15 @@
             </a:r>
             <a:r>
               <a:rPr lang="en-US" baseline="0" dirty="0" smtClean="0"/>
-              <a:t>, das </a:t>
+              <a:t>, </a:t>
+            </a:r>
+            <a:r>
+              <a:rPr lang="en-US" baseline="0" dirty="0" err="1" smtClean="0"/>
+              <a:t>dass</a:t>
+            </a:r>
+            <a:r>
+              <a:rPr lang="en-US" baseline="0" dirty="0" smtClean="0"/>
+              <a:t> </a:t>
             </a:r>
             <a:r>
               <a:rPr lang="en-US" baseline="0" dirty="0" err="1" smtClean="0"/>
@@ -2994,6 +3119,18 @@
               <a:t> Tutorial </a:t>
             </a:r>
             <a:r>
+              <a:rPr lang="en-US" baseline="0" dirty="0" smtClean="0"/>
+              <a:t>am </a:t>
+            </a:r>
+            <a:r>
+              <a:rPr lang="en-US" baseline="0" dirty="0" err="1" smtClean="0"/>
+              <a:t>Anfang</a:t>
+            </a:r>
+            <a:r>
+              <a:rPr lang="en-US" baseline="0" dirty="0" smtClean="0"/>
+              <a:t> </a:t>
+            </a:r>
+            <a:r>
               <a:rPr lang="en-US" baseline="0" dirty="0" err="1" smtClean="0"/>
               <a:t>geben</a:t>
             </a:r>
@@ -3007,31 +3144,47 @@
             </a:r>
             <a:r>
               <a:rPr lang="en-US" baseline="0" dirty="0" smtClean="0"/>
-              <a:t> das Tutorial direct in das Spiel </a:t>
-            </a:r>
-            <a:r>
-              <a:rPr lang="en-US" baseline="0" dirty="0" err="1" smtClean="0"/>
-              <a:t>selbst</a:t>
-            </a:r>
-            <a:r>
-              <a:rPr lang="en-US" baseline="0" dirty="0" smtClean="0"/>
-              <a:t> </a:t>
-            </a:r>
-            <a:r>
-              <a:rPr lang="en-US" baseline="0" dirty="0" err="1" smtClean="0"/>
-              <a:t>integriert</a:t>
-            </a:r>
-            <a:r>
-              <a:rPr lang="en-US" baseline="0" dirty="0" smtClean="0"/>
-              <a:t> </a:t>
-            </a:r>
-            <a:r>
-              <a:rPr lang="en-US" baseline="0" dirty="0" err="1" smtClean="0"/>
-              <a:t>wird</a:t>
-            </a:r>
-            <a:r>
-              <a:rPr lang="en-US" baseline="0" dirty="0" smtClean="0"/>
-              <a:t>.  Und </a:t>
+              <a:t> das Tutorial </a:t>
+            </a:r>
+            <a:r>
+              <a:rPr lang="en-US" baseline="0" dirty="0" smtClean="0"/>
+              <a:t>direct </a:t>
+            </a:r>
+            <a:r>
+              <a:rPr lang="en-US" baseline="0" dirty="0" err="1" smtClean="0"/>
+              <a:t>schon</a:t>
+            </a:r>
+            <a:r>
+              <a:rPr lang="en-US" baseline="0" dirty="0" smtClean="0"/>
+              <a:t> </a:t>
+            </a:r>
+            <a:r>
+              <a:rPr lang="en-US" baseline="0" dirty="0" err="1" smtClean="0"/>
+              <a:t>ein</a:t>
+            </a:r>
+            <a:r>
+              <a:rPr lang="en-US" baseline="0" dirty="0" smtClean="0"/>
+              <a:t> </a:t>
+            </a:r>
+            <a:r>
+              <a:rPr lang="en-US" baseline="0" dirty="0" err="1" smtClean="0"/>
+              <a:t>Teil</a:t>
+            </a:r>
+            <a:r>
+              <a:rPr lang="en-US" baseline="0" dirty="0" smtClean="0"/>
+              <a:t> des Spiels </a:t>
+            </a:r>
+            <a:r>
+              <a:rPr lang="en-US" baseline="0" dirty="0" err="1" smtClean="0"/>
+              <a:t>ist</a:t>
+            </a:r>
+            <a:r>
+              <a:rPr lang="en-US" baseline="0" dirty="0" smtClean="0"/>
+              <a:t>.  </a:t>
+            </a:r>
+            <a:r>
+              <a:rPr lang="en-US" baseline="0" dirty="0" smtClean="0"/>
+              <a:t>Und </a:t>
             </a:r>
             <a:r>
               <a:rPr lang="en-US" baseline="0" dirty="0" err="1" smtClean="0"/>
@@ -3186,6 +3339,22 @@
             <a:r>
               <a:rPr lang="en-US" baseline="0" dirty="0" err="1" smtClean="0"/>
               <a:t>Teil</a:t>
+            </a:r>
+            <a:r>
+              <a:rPr lang="en-US" baseline="0" dirty="0" smtClean="0"/>
+              <a:t> </a:t>
+            </a:r>
+            <a:r>
+              <a:rPr lang="en-US" baseline="0" dirty="0" err="1" smtClean="0"/>
+              <a:t>dieser</a:t>
+            </a:r>
+            <a:r>
+              <a:rPr lang="en-US" baseline="0" dirty="0" smtClean="0"/>
+              <a:t> </a:t>
+            </a:r>
+            <a:r>
+              <a:rPr lang="en-US" baseline="0" dirty="0" err="1" smtClean="0"/>
+              <a:t>Praesentation</a:t>
             </a:r>
             <a:r>
               <a:rPr lang="en-US" baseline="0" dirty="0" smtClean="0"/>

--- a/_Organisation/Präsentation/Voodoo_PP2.pptx
+++ b/_Organisation/Präsentation/Voodoo_PP2.pptx
@@ -531,15 +531,7 @@
             </a:r>
             <a:r>
               <a:rPr lang="de-DE" baseline="0" dirty="0" smtClean="0"/>
-              <a:t> </a:t>
-            </a:r>
-            <a:r>
-              <a:rPr lang="de-DE" baseline="0" dirty="0" smtClean="0"/>
-              <a:t>ehemals </a:t>
-            </a:r>
-            <a:r>
-              <a:rPr lang="de-DE" baseline="0" dirty="0" smtClean="0"/>
-              <a:t>bekannt unter dem Namen „Voodoo“.</a:t>
+              <a:t> ehemals bekannt unter dem Namen „Voodoo“.</a:t>
             </a:r>
           </a:p>
           <a:p>
@@ -857,11 +849,7 @@
             </a:r>
             <a:r>
               <a:rPr lang="en-US" baseline="0" dirty="0" smtClean="0"/>
-              <a:t> </a:t>
-            </a:r>
-            <a:r>
-              <a:rPr lang="en-US" baseline="0" dirty="0" smtClean="0"/>
-              <a:t>Vision </a:t>
+              <a:t> Vision </a:t>
             </a:r>
             <a:r>
               <a:rPr lang="en-US" baseline="0" dirty="0" err="1" smtClean="0"/>
@@ -949,11 +937,7 @@
             </a:r>
             <a:r>
               <a:rPr lang="en-US" baseline="0" dirty="0" smtClean="0"/>
-              <a:t> hat, </a:t>
-            </a:r>
-            <a:r>
-              <a:rPr lang="en-US" baseline="0" dirty="0" smtClean="0"/>
-              <a:t>und </a:t>
+              <a:t> hat, und </a:t>
             </a:r>
             <a:r>
               <a:rPr lang="en-US" baseline="0" dirty="0" err="1" smtClean="0"/>
@@ -1715,11 +1699,7 @@
             </a:r>
             <a:r>
               <a:rPr lang="en-US" baseline="0" dirty="0" smtClean="0"/>
-              <a:t> </a:t>
-            </a:r>
-            <a:r>
-              <a:rPr lang="en-US" baseline="0" dirty="0" smtClean="0"/>
-              <a:t>den </a:t>
+              <a:t> den </a:t>
             </a:r>
             <a:r>
               <a:rPr lang="en-US" baseline="0" dirty="0" err="1" smtClean="0"/>
@@ -1867,7 +1847,11 @@
             </a:r>
             <a:r>
               <a:rPr lang="en-US" baseline="0" dirty="0" smtClean="0"/>
-              <a:t> Gate 2 </a:t>
+              <a:t> Gate </a:t>
+            </a:r>
+            <a:r>
+              <a:rPr lang="en-US" baseline="0" dirty="0" smtClean="0"/>
+              <a:t>1 </a:t>
             </a:r>
             <a:r>
               <a:rPr lang="en-US" baseline="0" dirty="0" err="1" smtClean="0"/>
@@ -1955,11 +1939,278 @@
             </a:r>
             <a:r>
               <a:rPr lang="en-US" baseline="0" dirty="0" smtClean="0"/>
+              <a:t> das Labor, </a:t>
+            </a:r>
+            <a:r>
+              <a:rPr lang="en-US" baseline="0" dirty="0" err="1" smtClean="0"/>
+              <a:t>zeigen</a:t>
+            </a:r>
+            <a:r>
+              <a:rPr lang="en-US" baseline="0" dirty="0" smtClean="0"/>
+              <a:t> und dieses </a:t>
+            </a:r>
+            <a:r>
+              <a:rPr lang="en-US" baseline="0" dirty="0" err="1" smtClean="0"/>
+              <a:t>Versprechen</a:t>
+            </a:r>
+            <a:r>
+              <a:rPr lang="en-US" baseline="0" dirty="0" smtClean="0"/>
+              <a:t> </a:t>
+            </a:r>
+            <a:r>
+              <a:rPr lang="en-US" baseline="0" dirty="0" err="1" smtClean="0"/>
+              <a:t>koennen</a:t>
+            </a:r>
+            <a:r>
+              <a:rPr lang="en-US" baseline="0" dirty="0" smtClean="0"/>
+              <a:t> </a:t>
+            </a:r>
+            <a:r>
+              <a:rPr lang="en-US" baseline="0" dirty="0" err="1" smtClean="0"/>
+              <a:t>wir</a:t>
+            </a:r>
+            <a:r>
+              <a:rPr lang="en-US" baseline="0" dirty="0" smtClean="0"/>
+              <a:t> </a:t>
+            </a:r>
+            <a:r>
+              <a:rPr lang="en-US" baseline="0" dirty="0" err="1" smtClean="0"/>
+              <a:t>auch</a:t>
+            </a:r>
+            <a:r>
+              <a:rPr lang="en-US" baseline="0" dirty="0" smtClean="0"/>
+              <a:t> </a:t>
+            </a:r>
+            <a:r>
+              <a:rPr lang="en-US" baseline="0" dirty="0" err="1" smtClean="0"/>
+              <a:t>einhalten</a:t>
+            </a:r>
+            <a:r>
+              <a:rPr lang="en-US" baseline="0" dirty="0" smtClean="0"/>
+              <a:t>. </a:t>
+            </a:r>
+            <a:r>
+              <a:rPr lang="en-US" baseline="0" dirty="0" err="1" smtClean="0"/>
+              <a:t>Zusaetzlich</a:t>
+            </a:r>
+            <a:r>
+              <a:rPr lang="en-US" baseline="0" dirty="0" smtClean="0"/>
+              <a:t> </a:t>
+            </a:r>
+            <a:r>
+              <a:rPr lang="en-US" baseline="0" dirty="0" err="1" smtClean="0"/>
+              <a:t>werdet</a:t>
+            </a:r>
+            <a:r>
+              <a:rPr lang="en-US" baseline="0" dirty="0" smtClean="0"/>
+              <a:t> </a:t>
+            </a:r>
+            <a:r>
+              <a:rPr lang="en-US" baseline="0" dirty="0" err="1" smtClean="0"/>
+              <a:t>ihr</a:t>
+            </a:r>
+            <a:r>
+              <a:rPr lang="en-US" baseline="0" dirty="0" smtClean="0"/>
+              <a:t> </a:t>
+            </a:r>
+            <a:r>
+              <a:rPr lang="en-US" baseline="0" dirty="0" err="1" smtClean="0"/>
+              <a:t>auch</a:t>
+            </a:r>
+            <a:r>
+              <a:rPr lang="en-US" baseline="0" dirty="0" smtClean="0"/>
               <a:t> das </a:t>
             </a:r>
             <a:r>
-              <a:rPr lang="en-US" baseline="0" dirty="0" smtClean="0"/>
-              <a:t>Labor, </a:t>
+              <a:rPr lang="en-US" baseline="0" dirty="0" err="1" smtClean="0"/>
+              <a:t>mittlerweile</a:t>
+            </a:r>
+            <a:r>
+              <a:rPr lang="en-US" baseline="0" dirty="0" smtClean="0"/>
+              <a:t> </a:t>
+            </a:r>
+            <a:r>
+              <a:rPr lang="en-US" baseline="0" dirty="0" err="1" smtClean="0"/>
+              <a:t>eingerichtete</a:t>
+            </a:r>
+            <a:r>
+              <a:rPr lang="en-US" baseline="0" dirty="0" smtClean="0"/>
+              <a:t> </a:t>
+            </a:r>
+            <a:r>
+              <a:rPr lang="en-US" baseline="0" dirty="0" err="1" smtClean="0"/>
+              <a:t>Buero</a:t>
+            </a:r>
+            <a:r>
+              <a:rPr lang="en-US" baseline="0" dirty="0" smtClean="0"/>
+              <a:t> </a:t>
+            </a:r>
+            <a:r>
+              <a:rPr lang="en-US" baseline="0" dirty="0" err="1" smtClean="0"/>
+              <a:t>vom</a:t>
+            </a:r>
+            <a:r>
+              <a:rPr lang="en-US" baseline="0" dirty="0" smtClean="0"/>
+              <a:t> </a:t>
+            </a:r>
+            <a:r>
+              <a:rPr lang="en-US" baseline="0" dirty="0" err="1" smtClean="0"/>
+              <a:t>letzten</a:t>
+            </a:r>
+            <a:r>
+              <a:rPr lang="en-US" baseline="0" dirty="0" smtClean="0"/>
+              <a:t> Mal </a:t>
+            </a:r>
+            <a:r>
+              <a:rPr lang="en-US" baseline="0" dirty="0" err="1" smtClean="0"/>
+              <a:t>sehen</a:t>
+            </a:r>
+            <a:r>
+              <a:rPr lang="en-US" baseline="0" dirty="0" smtClean="0"/>
+              <a:t>. </a:t>
+            </a:r>
+            <a:br>
+              <a:rPr lang="en-US" baseline="0" dirty="0" smtClean="0"/>
+            </a:br>
+            <a:r>
+              <a:rPr lang="en-US" baseline="0" dirty="0" err="1" smtClean="0"/>
+              <a:t>Als</a:t>
+            </a:r>
+            <a:r>
+              <a:rPr lang="en-US" baseline="0" dirty="0" smtClean="0"/>
+              <a:t> </a:t>
+            </a:r>
+            <a:r>
+              <a:rPr lang="en-US" baseline="0" dirty="0" err="1" smtClean="0"/>
+              <a:t>zweites</a:t>
+            </a:r>
+            <a:r>
+              <a:rPr lang="en-US" baseline="0" dirty="0" smtClean="0"/>
+              <a:t> </a:t>
+            </a:r>
+            <a:r>
+              <a:rPr lang="en-US" baseline="0" dirty="0" err="1" smtClean="0"/>
+              <a:t>Ziel</a:t>
+            </a:r>
+            <a:r>
+              <a:rPr lang="en-US" baseline="0" dirty="0" smtClean="0"/>
+              <a:t> </a:t>
+            </a:r>
+            <a:r>
+              <a:rPr lang="en-US" baseline="0" dirty="0" err="1" smtClean="0"/>
+              <a:t>hatten</a:t>
+            </a:r>
+            <a:r>
+              <a:rPr lang="en-US" baseline="0" dirty="0" smtClean="0"/>
+              <a:t> </a:t>
+            </a:r>
+            <a:r>
+              <a:rPr lang="en-US" baseline="0" dirty="0" err="1" smtClean="0"/>
+              <a:t>wir</a:t>
+            </a:r>
+            <a:r>
+              <a:rPr lang="en-US" baseline="0" dirty="0" smtClean="0"/>
+              <a:t> </a:t>
+            </a:r>
+            <a:r>
+              <a:rPr lang="en-US" baseline="0" dirty="0" err="1" smtClean="0"/>
+              <a:t>angegeben</a:t>
+            </a:r>
+            <a:r>
+              <a:rPr lang="en-US" baseline="0" dirty="0" smtClean="0"/>
+              <a:t>, </a:t>
+            </a:r>
+            <a:r>
+              <a:rPr lang="en-US" baseline="0" dirty="0" err="1" smtClean="0"/>
+              <a:t>dass</a:t>
+            </a:r>
+            <a:r>
+              <a:rPr lang="en-US" baseline="0" dirty="0" smtClean="0"/>
+              <a:t> </a:t>
+            </a:r>
+            <a:r>
+              <a:rPr lang="en-US" baseline="0" dirty="0" err="1" smtClean="0"/>
+              <a:t>wir</a:t>
+            </a:r>
+            <a:r>
+              <a:rPr lang="en-US" baseline="0" dirty="0" smtClean="0"/>
+              <a:t> </a:t>
+            </a:r>
+            <a:r>
+              <a:rPr lang="en-US" baseline="0" dirty="0" err="1" smtClean="0"/>
+              <a:t>euch</a:t>
+            </a:r>
+            <a:r>
+              <a:rPr lang="en-US" baseline="0" dirty="0" smtClean="0"/>
+              <a:t> in den </a:t>
+            </a:r>
+            <a:r>
+              <a:rPr lang="en-US" baseline="0" dirty="0" err="1" smtClean="0"/>
+              <a:t>beiden</a:t>
+            </a:r>
+            <a:r>
+              <a:rPr lang="en-US" baseline="0" dirty="0" smtClean="0"/>
+              <a:t> </a:t>
+            </a:r>
+            <a:r>
+              <a:rPr lang="en-US" baseline="0" dirty="0" err="1" smtClean="0"/>
+              <a:t>Leveln</a:t>
+            </a:r>
+            <a:r>
+              <a:rPr lang="en-US" baseline="0" dirty="0" smtClean="0"/>
+              <a:t> die </a:t>
+            </a:r>
+            <a:r>
+              <a:rPr lang="en-US" baseline="0" dirty="0" err="1" smtClean="0"/>
+              <a:t>passenden</a:t>
+            </a:r>
+            <a:r>
+              <a:rPr lang="en-US" baseline="0" dirty="0" smtClean="0"/>
+              <a:t> </a:t>
+            </a:r>
+            <a:r>
+              <a:rPr lang="en-US" baseline="0" dirty="0" err="1" smtClean="0"/>
+              <a:t>Texturen</a:t>
+            </a:r>
+            <a:r>
+              <a:rPr lang="en-US" baseline="0" dirty="0" smtClean="0"/>
+              <a:t> </a:t>
+            </a:r>
+            <a:r>
+              <a:rPr lang="en-US" baseline="0" dirty="0" err="1" smtClean="0"/>
+              <a:t>sowie</a:t>
+            </a:r>
+            <a:r>
+              <a:rPr lang="en-US" baseline="0" dirty="0" smtClean="0"/>
+              <a:t> </a:t>
+            </a:r>
+            <a:r>
+              <a:rPr lang="en-US" baseline="0" dirty="0" err="1" smtClean="0"/>
+              <a:t>auch</a:t>
+            </a:r>
+            <a:r>
+              <a:rPr lang="en-US" baseline="0" dirty="0" smtClean="0"/>
+              <a:t> die Basis-</a:t>
+            </a:r>
+            <a:r>
+              <a:rPr lang="en-US" baseline="0" dirty="0" err="1" smtClean="0"/>
+              <a:t>Animationen</a:t>
+            </a:r>
+            <a:r>
+              <a:rPr lang="en-US" baseline="0" dirty="0" smtClean="0"/>
+              <a:t> </a:t>
+            </a:r>
+            <a:r>
+              <a:rPr lang="en-US" baseline="0" dirty="0" smtClean="0"/>
+              <a:t>des </a:t>
+            </a:r>
+            <a:r>
+              <a:rPr lang="en-US" baseline="0" dirty="0" err="1" smtClean="0"/>
+              <a:t>Haupt-Charakters</a:t>
+            </a:r>
+            <a:r>
+              <a:rPr lang="en-US" baseline="0" dirty="0" smtClean="0"/>
+              <a:t> </a:t>
             </a:r>
             <a:r>
               <a:rPr lang="en-US" baseline="0" dirty="0" err="1" smtClean="0"/>
@@ -1967,15 +2218,43 @@
             </a:r>
             <a:r>
               <a:rPr lang="en-US" baseline="0" dirty="0" smtClean="0"/>
-              <a:t> </a:t>
-            </a:r>
-            <a:r>
-              <a:rPr lang="en-US" baseline="0" dirty="0" smtClean="0"/>
-              <a:t>und dieses </a:t>
-            </a:r>
-            <a:r>
-              <a:rPr lang="en-US" baseline="0" dirty="0" err="1" smtClean="0"/>
-              <a:t>Versprechen</a:t>
+              <a:t> und das </a:t>
+            </a:r>
+            <a:r>
+              <a:rPr lang="en-US" baseline="0" dirty="0" err="1" smtClean="0"/>
+              <a:t>werdet</a:t>
+            </a:r>
+            <a:r>
+              <a:rPr lang="en-US" baseline="0" dirty="0" smtClean="0"/>
+              <a:t> </a:t>
+            </a:r>
+            <a:r>
+              <a:rPr lang="en-US" baseline="0" dirty="0" err="1" smtClean="0"/>
+              <a:t>ihr</a:t>
+            </a:r>
+            <a:r>
+              <a:rPr lang="en-US" baseline="0" dirty="0" smtClean="0"/>
+              <a:t> </a:t>
+            </a:r>
+            <a:r>
+              <a:rPr lang="en-US" baseline="0" dirty="0" err="1" smtClean="0"/>
+              <a:t>ebenfalls</a:t>
+            </a:r>
+            <a:r>
+              <a:rPr lang="en-US" baseline="0" dirty="0" smtClean="0"/>
+              <a:t> </a:t>
+            </a:r>
+            <a:r>
+              <a:rPr lang="en-US" baseline="0" dirty="0" err="1" smtClean="0"/>
+              <a:t>gleich</a:t>
+            </a:r>
+            <a:r>
+              <a:rPr lang="en-US" baseline="0" dirty="0" smtClean="0"/>
+              <a:t> </a:t>
+            </a:r>
+            <a:r>
+              <a:rPr lang="en-US" baseline="0" dirty="0" err="1" smtClean="0"/>
+              <a:t>sehen</a:t>
             </a:r>
             <a:r>
               <a:rPr lang="en-US" baseline="0" dirty="0" smtClean="0"/>
@@ -1987,6 +2266,34 @@
             </a:r>
             <a:r>
               <a:rPr lang="en-US" baseline="0" dirty="0" smtClean="0"/>
+              <a:t>. </a:t>
+            </a:r>
+            <a:r>
+              <a:rPr lang="en-US" baseline="0" dirty="0" smtClean="0"/>
+              <a:t>In </a:t>
+            </a:r>
+            <a:r>
+              <a:rPr lang="en-US" baseline="0" dirty="0" err="1" smtClean="0"/>
+              <a:t>diesem</a:t>
+            </a:r>
+            <a:r>
+              <a:rPr lang="en-US" baseline="0" dirty="0" smtClean="0"/>
+              <a:t> </a:t>
+            </a:r>
+            <a:r>
+              <a:rPr lang="en-US" baseline="0" dirty="0" err="1" smtClean="0"/>
+              <a:t>Punkt</a:t>
+            </a:r>
+            <a:r>
+              <a:rPr lang="en-US" baseline="0" dirty="0" smtClean="0"/>
+              <a:t> </a:t>
+            </a:r>
+            <a:r>
+              <a:rPr lang="en-US" baseline="0" dirty="0" err="1" smtClean="0"/>
+              <a:t>hatten</a:t>
+            </a:r>
+            <a:r>
+              <a:rPr lang="en-US" baseline="0" dirty="0" smtClean="0"/>
               <a:t> </a:t>
             </a:r>
             <a:r>
@@ -1999,6 +2306,174 @@
             </a:r>
             <a:r>
               <a:rPr lang="en-US" baseline="0" dirty="0" err="1" smtClean="0"/>
+              <a:t>hier</a:t>
+            </a:r>
+            <a:r>
+              <a:rPr lang="en-US" baseline="0" dirty="0" smtClean="0"/>
+              <a:t> </a:t>
+            </a:r>
+            <a:r>
+              <a:rPr lang="en-US" baseline="0" dirty="0" err="1" smtClean="0"/>
+              <a:t>gleich</a:t>
+            </a:r>
+            <a:r>
+              <a:rPr lang="en-US" baseline="0" dirty="0" smtClean="0"/>
+              <a:t> </a:t>
+            </a:r>
+            <a:r>
+              <a:rPr lang="en-US" baseline="0" dirty="0" err="1" smtClean="0"/>
+              <a:t>doppeltes</a:t>
+            </a:r>
+            <a:r>
+              <a:rPr lang="en-US" baseline="0" dirty="0" smtClean="0"/>
+              <a:t> </a:t>
+            </a:r>
+            <a:r>
+              <a:rPr lang="en-US" baseline="0" dirty="0" err="1" smtClean="0"/>
+              <a:t>Glueck</a:t>
+            </a:r>
+            <a:r>
+              <a:rPr lang="en-US" baseline="0" dirty="0" smtClean="0"/>
+              <a:t>: </a:t>
+            </a:r>
+            <a:r>
+              <a:rPr lang="en-US" baseline="0" dirty="0" err="1" smtClean="0"/>
+              <a:t>Zum</a:t>
+            </a:r>
+            <a:r>
+              <a:rPr lang="en-US" baseline="0" dirty="0" smtClean="0"/>
+              <a:t> </a:t>
+            </a:r>
+            <a:r>
+              <a:rPr lang="en-US" baseline="0" dirty="0" err="1" smtClean="0"/>
+              <a:t>einen</a:t>
+            </a:r>
+            <a:r>
+              <a:rPr lang="en-US" baseline="0" dirty="0" smtClean="0"/>
+              <a:t> hat </a:t>
+            </a:r>
+            <a:r>
+              <a:rPr lang="en-US" baseline="0" dirty="0" err="1" smtClean="0"/>
+              <a:t>sich</a:t>
+            </a:r>
+            <a:r>
+              <a:rPr lang="en-US" baseline="0" dirty="0" smtClean="0"/>
+              <a:t> </a:t>
+            </a:r>
+            <a:r>
+              <a:rPr lang="en-US" baseline="0" dirty="0" smtClean="0"/>
+              <a:t>Elias Knop, </a:t>
+            </a:r>
+            <a:r>
+              <a:rPr lang="en-US" baseline="0" dirty="0" err="1" smtClean="0"/>
+              <a:t>ein</a:t>
+            </a:r>
+            <a:r>
+              <a:rPr lang="en-US" baseline="0" dirty="0" smtClean="0"/>
+              <a:t> Student des Abby Road’s </a:t>
+            </a:r>
+            <a:r>
+              <a:rPr lang="en-US" baseline="0" dirty="0" err="1" smtClean="0"/>
+              <a:t>Musik</a:t>
+            </a:r>
+            <a:r>
+              <a:rPr lang="en-US" baseline="0" dirty="0" smtClean="0"/>
+              <a:t> Studios, </a:t>
+            </a:r>
+            <a:r>
+              <a:rPr lang="en-US" baseline="0" dirty="0" err="1" smtClean="0"/>
+              <a:t>dazu</a:t>
+            </a:r>
+            <a:r>
+              <a:rPr lang="en-US" baseline="0" dirty="0" smtClean="0"/>
+              <a:t> </a:t>
+            </a:r>
+            <a:r>
+              <a:rPr lang="en-US" baseline="0" dirty="0" err="1" smtClean="0"/>
+              <a:t>bereit</a:t>
+            </a:r>
+            <a:r>
+              <a:rPr lang="en-US" baseline="0" dirty="0" smtClean="0"/>
+              <a:t> </a:t>
+            </a:r>
+            <a:r>
+              <a:rPr lang="en-US" baseline="0" dirty="0" err="1" smtClean="0"/>
+              <a:t>erklaert</a:t>
+            </a:r>
+            <a:r>
+              <a:rPr lang="en-US" baseline="0" dirty="0" smtClean="0"/>
+              <a:t> </a:t>
+            </a:r>
+            <a:r>
+              <a:rPr lang="en-US" baseline="0" dirty="0" err="1" smtClean="0"/>
+              <a:t>uns</a:t>
+            </a:r>
+            <a:r>
+              <a:rPr lang="en-US" baseline="0" dirty="0" smtClean="0"/>
+              <a:t> </a:t>
+            </a:r>
+            <a:r>
+              <a:rPr lang="en-US" baseline="0" dirty="0" err="1" smtClean="0"/>
+              <a:t>mit</a:t>
+            </a:r>
+            <a:r>
+              <a:rPr lang="en-US" baseline="0" dirty="0" smtClean="0"/>
+              <a:t> Sounds und </a:t>
+            </a:r>
+            <a:r>
+              <a:rPr lang="en-US" baseline="0" dirty="0" err="1" smtClean="0"/>
+              <a:t>Musik</a:t>
+            </a:r>
+            <a:r>
+              <a:rPr lang="en-US" baseline="0" dirty="0" smtClean="0"/>
+              <a:t> </a:t>
+            </a:r>
+            <a:r>
+              <a:rPr lang="en-US" baseline="0" dirty="0" err="1" smtClean="0"/>
+              <a:t>zu</a:t>
+            </a:r>
+            <a:r>
+              <a:rPr lang="en-US" baseline="0" dirty="0" smtClean="0"/>
+              <a:t> </a:t>
+            </a:r>
+            <a:r>
+              <a:rPr lang="en-US" baseline="0" dirty="0" err="1" smtClean="0"/>
+              <a:t>versorgen</a:t>
+            </a:r>
+            <a:r>
+              <a:rPr lang="en-US" baseline="0" dirty="0" smtClean="0"/>
+              <a:t> und </a:t>
+            </a:r>
+            <a:r>
+              <a:rPr lang="en-US" baseline="0" dirty="0" err="1" smtClean="0"/>
+              <a:t>somit</a:t>
+            </a:r>
+            <a:r>
+              <a:rPr lang="en-US" baseline="0" dirty="0" smtClean="0"/>
+              <a:t> </a:t>
+            </a:r>
+            <a:r>
+              <a:rPr lang="en-US" baseline="0" dirty="0" err="1" smtClean="0"/>
+              <a:t>haben</a:t>
+            </a:r>
+            <a:r>
+              <a:rPr lang="en-US" baseline="0" dirty="0" smtClean="0"/>
+              <a:t> </a:t>
+            </a:r>
+            <a:r>
+              <a:rPr lang="en-US" baseline="0" dirty="0" err="1" smtClean="0"/>
+              <a:t>wir</a:t>
+            </a:r>
+            <a:r>
+              <a:rPr lang="en-US" baseline="0" dirty="0" smtClean="0"/>
+              <a:t> </a:t>
+            </a:r>
+            <a:r>
+              <a:rPr lang="en-US" baseline="0" dirty="0" smtClean="0"/>
+              <a:t>nun </a:t>
+            </a:r>
+            <a:r>
+              <a:rPr lang="en-US" baseline="0" dirty="0" err="1" smtClean="0"/>
               <a:t>auch</a:t>
             </a:r>
             <a:r>
@@ -2007,7 +2482,39 @@
             </a:r>
             <a:r>
               <a:rPr lang="en-US" baseline="0" dirty="0" err="1" smtClean="0"/>
-              <a:t>einhalten</a:t>
+              <a:t>bereits</a:t>
+            </a:r>
+            <a:r>
+              <a:rPr lang="en-US" baseline="0" dirty="0" smtClean="0"/>
+              <a:t> </a:t>
+            </a:r>
+            <a:r>
+              <a:rPr lang="en-US" baseline="0" dirty="0" err="1" smtClean="0"/>
+              <a:t>einige</a:t>
+            </a:r>
+            <a:r>
+              <a:rPr lang="en-US" baseline="0" dirty="0" smtClean="0"/>
+              <a:t> </a:t>
+            </a:r>
+            <a:r>
+              <a:rPr lang="en-US" baseline="0" dirty="0" err="1" smtClean="0"/>
+              <a:t>Soundeffekte</a:t>
+            </a:r>
+            <a:r>
+              <a:rPr lang="en-US" baseline="0" dirty="0" smtClean="0"/>
+              <a:t> </a:t>
+            </a:r>
+            <a:r>
+              <a:rPr lang="en-US" baseline="0" dirty="0" err="1" smtClean="0"/>
+              <a:t>im</a:t>
+            </a:r>
+            <a:r>
+              <a:rPr lang="en-US" baseline="0" dirty="0" smtClean="0"/>
+              <a:t> Spiel </a:t>
+            </a:r>
+            <a:r>
+              <a:rPr lang="en-US" baseline="0" dirty="0" err="1" smtClean="0"/>
+              <a:t>eingebaut</a:t>
             </a:r>
             <a:r>
               <a:rPr lang="en-US" baseline="0" dirty="0" smtClean="0"/>
@@ -2015,23 +2522,103 @@
             </a:r>
             <a:r>
               <a:rPr lang="en-US" baseline="0" dirty="0" err="1" smtClean="0"/>
-              <a:t>Zusaetzlich</a:t>
-            </a:r>
-            <a:r>
-              <a:rPr lang="en-US" baseline="0" dirty="0" smtClean="0"/>
-              <a:t> </a:t>
-            </a:r>
-            <a:r>
-              <a:rPr lang="en-US" baseline="0" dirty="0" err="1" smtClean="0"/>
-              <a:t>werdet</a:t>
-            </a:r>
-            <a:r>
-              <a:rPr lang="en-US" baseline="0" dirty="0" smtClean="0"/>
-              <a:t> </a:t>
-            </a:r>
-            <a:r>
-              <a:rPr lang="en-US" baseline="0" dirty="0" err="1" smtClean="0"/>
-              <a:t>ihr</a:t>
+              <a:t>Zum</a:t>
+            </a:r>
+            <a:r>
+              <a:rPr lang="en-US" baseline="0" dirty="0" smtClean="0"/>
+              <a:t> </a:t>
+            </a:r>
+            <a:r>
+              <a:rPr lang="en-US" baseline="0" dirty="0" err="1" smtClean="0"/>
+              <a:t>anderen</a:t>
+            </a:r>
+            <a:r>
+              <a:rPr lang="en-US" baseline="0" dirty="0" smtClean="0"/>
+              <a:t>  </a:t>
+            </a:r>
+            <a:r>
+              <a:rPr lang="en-US" baseline="0" dirty="0" err="1" smtClean="0"/>
+              <a:t>haben</a:t>
+            </a:r>
+            <a:r>
+              <a:rPr lang="en-US" baseline="0" dirty="0" smtClean="0"/>
+              <a:t> </a:t>
+            </a:r>
+            <a:r>
+              <a:rPr lang="en-US" baseline="0" dirty="0" err="1" smtClean="0"/>
+              <a:t>wir</a:t>
+            </a:r>
+            <a:r>
+              <a:rPr lang="en-US" baseline="0" dirty="0" smtClean="0"/>
+              <a:t> </a:t>
+            </a:r>
+            <a:r>
+              <a:rPr lang="en-US" baseline="0" dirty="0" err="1" smtClean="0"/>
+              <a:t>endlich</a:t>
+            </a:r>
+            <a:r>
+              <a:rPr lang="en-US" baseline="0" dirty="0" smtClean="0"/>
+              <a:t> </a:t>
+            </a:r>
+            <a:r>
+              <a:rPr lang="en-US" baseline="0" dirty="0" err="1" smtClean="0"/>
+              <a:t>unsere</a:t>
+            </a:r>
+            <a:r>
+              <a:rPr lang="en-US" baseline="0" dirty="0" smtClean="0"/>
+              <a:t> </a:t>
+            </a:r>
+            <a:r>
+              <a:rPr lang="en-US" baseline="0" dirty="0" err="1" smtClean="0"/>
+              <a:t>Animatorin</a:t>
+            </a:r>
+            <a:r>
+              <a:rPr lang="en-US" baseline="0" dirty="0" smtClean="0"/>
+              <a:t> Michelle </a:t>
+            </a:r>
+            <a:r>
+              <a:rPr lang="en-US" baseline="0" dirty="0" err="1" smtClean="0"/>
+              <a:t>wieder</a:t>
+            </a:r>
+            <a:r>
+              <a:rPr lang="en-US" baseline="0" dirty="0" smtClean="0"/>
+              <a:t> </a:t>
+            </a:r>
+            <a:r>
+              <a:rPr lang="en-US" baseline="0" dirty="0" err="1" smtClean="0"/>
+              <a:t>Vollzeit</a:t>
+            </a:r>
+            <a:r>
+              <a:rPr lang="en-US" baseline="0" dirty="0" smtClean="0"/>
+              <a:t> </a:t>
+            </a:r>
+            <a:r>
+              <a:rPr lang="en-US" baseline="0" dirty="0" err="1" smtClean="0"/>
+              <a:t>bei</a:t>
+            </a:r>
+            <a:r>
+              <a:rPr lang="en-US" baseline="0" dirty="0" smtClean="0"/>
+              <a:t> </a:t>
+            </a:r>
+            <a:r>
+              <a:rPr lang="en-US" baseline="0" dirty="0" err="1" smtClean="0"/>
+              <a:t>uns</a:t>
+            </a:r>
+            <a:r>
+              <a:rPr lang="en-US" baseline="0" dirty="0" smtClean="0"/>
+              <a:t> und </a:t>
+            </a:r>
+            <a:r>
+              <a:rPr lang="en-US" baseline="0" dirty="0" err="1" smtClean="0"/>
+              <a:t>sie</a:t>
+            </a:r>
+            <a:r>
+              <a:rPr lang="en-US" baseline="0" dirty="0" smtClean="0"/>
+              <a:t> hat </a:t>
+            </a:r>
+            <a:r>
+              <a:rPr lang="en-US" baseline="0" dirty="0" err="1" smtClean="0"/>
+              <a:t>uns</a:t>
             </a:r>
             <a:r>
               <a:rPr lang="en-US" baseline="0" dirty="0" smtClean="0"/>
@@ -2043,573 +2630,238 @@
             </a:r>
             <a:r>
               <a:rPr lang="en-US" baseline="0" dirty="0" smtClean="0"/>
-              <a:t> das </a:t>
-            </a:r>
-            <a:r>
-              <a:rPr lang="en-US" baseline="0" dirty="0" err="1" smtClean="0"/>
-              <a:t>mittlerweile</a:t>
-            </a:r>
-            <a:r>
-              <a:rPr lang="en-US" baseline="0" dirty="0" smtClean="0"/>
-              <a:t> </a:t>
-            </a:r>
-            <a:r>
-              <a:rPr lang="en-US" baseline="0" dirty="0" err="1" smtClean="0"/>
-              <a:t>eingerichtete</a:t>
-            </a:r>
-            <a:r>
-              <a:rPr lang="en-US" baseline="0" dirty="0" smtClean="0"/>
-              <a:t> </a:t>
-            </a:r>
-            <a:r>
-              <a:rPr lang="en-US" baseline="0" dirty="0" err="1" smtClean="0"/>
-              <a:t>Buero</a:t>
-            </a:r>
-            <a:r>
-              <a:rPr lang="en-US" baseline="0" dirty="0" smtClean="0"/>
-              <a:t> </a:t>
-            </a:r>
-            <a:r>
-              <a:rPr lang="en-US" baseline="0" dirty="0" err="1" smtClean="0"/>
-              <a:t>vom</a:t>
-            </a:r>
-            <a:r>
-              <a:rPr lang="en-US" baseline="0" dirty="0" smtClean="0"/>
-              <a:t> </a:t>
-            </a:r>
-            <a:r>
-              <a:rPr lang="en-US" baseline="0" dirty="0" err="1" smtClean="0"/>
-              <a:t>letzten</a:t>
-            </a:r>
-            <a:r>
-              <a:rPr lang="en-US" baseline="0" dirty="0" smtClean="0"/>
-              <a:t> Mal </a:t>
-            </a:r>
-            <a:r>
-              <a:rPr lang="en-US" baseline="0" dirty="0" err="1" smtClean="0"/>
-              <a:t>sehen</a:t>
+              <a:t> </a:t>
+            </a:r>
+            <a:r>
+              <a:rPr lang="en-US" baseline="0" dirty="0" err="1" smtClean="0"/>
+              <a:t>sofort</a:t>
+            </a:r>
+            <a:r>
+              <a:rPr lang="en-US" baseline="0" dirty="0" smtClean="0"/>
+              <a:t> </a:t>
+            </a:r>
+            <a:r>
+              <a:rPr lang="en-US" baseline="0" dirty="0" err="1" smtClean="0"/>
+              <a:t>gezeigt</a:t>
+            </a:r>
+            <a:r>
+              <a:rPr lang="en-US" baseline="0" dirty="0" smtClean="0"/>
+              <a:t> was </a:t>
+            </a:r>
+            <a:r>
+              <a:rPr lang="en-US" baseline="0" dirty="0" err="1" smtClean="0"/>
+              <a:t>sie</a:t>
+            </a:r>
+            <a:r>
+              <a:rPr lang="en-US" baseline="0" dirty="0" smtClean="0"/>
+              <a:t> </a:t>
+            </a:r>
+            <a:r>
+              <a:rPr lang="en-US" baseline="0" dirty="0" err="1" smtClean="0"/>
+              <a:t>kann</a:t>
+            </a:r>
+            <a:r>
+              <a:rPr lang="en-US" baseline="0" dirty="0" smtClean="0"/>
+              <a:t> </a:t>
+            </a:r>
+            <a:r>
+              <a:rPr lang="en-US" baseline="0" dirty="0" err="1" smtClean="0"/>
+              <a:t>indem</a:t>
+            </a:r>
+            <a:r>
+              <a:rPr lang="en-US" baseline="0" dirty="0" smtClean="0"/>
+              <a:t> </a:t>
+            </a:r>
+            <a:r>
+              <a:rPr lang="en-US" baseline="0" dirty="0" err="1" smtClean="0"/>
+              <a:t>zusaetzlich</a:t>
+            </a:r>
+            <a:r>
+              <a:rPr lang="en-US" baseline="0" dirty="0" smtClean="0"/>
+              <a:t> </a:t>
+            </a:r>
+            <a:r>
+              <a:rPr lang="en-US" baseline="0" dirty="0" err="1" smtClean="0"/>
+              <a:t>zu</a:t>
+            </a:r>
+            <a:r>
+              <a:rPr lang="en-US" baseline="0" dirty="0" smtClean="0"/>
+              <a:t> </a:t>
+            </a:r>
+            <a:r>
+              <a:rPr lang="en-US" baseline="0" dirty="0" err="1" smtClean="0"/>
+              <a:t>denen</a:t>
+            </a:r>
+            <a:r>
+              <a:rPr lang="en-US" baseline="0" dirty="0" smtClean="0"/>
+              <a:t> des  </a:t>
+            </a:r>
+            <a:r>
+              <a:rPr lang="en-US" baseline="0" dirty="0" err="1" smtClean="0"/>
+              <a:t>Hauptcharakters</a:t>
+            </a:r>
+            <a:r>
+              <a:rPr lang="en-US" baseline="0" dirty="0" smtClean="0"/>
+              <a:t> </a:t>
+            </a:r>
+            <a:r>
+              <a:rPr lang="en-US" baseline="0" dirty="0" err="1" smtClean="0"/>
+              <a:t>auch</a:t>
+            </a:r>
+            <a:r>
+              <a:rPr lang="en-US" baseline="0" dirty="0" smtClean="0"/>
+              <a:t> </a:t>
+            </a:r>
+            <a:r>
+              <a:rPr lang="en-US" baseline="0" dirty="0" err="1" smtClean="0"/>
+              <a:t>bereits</a:t>
+            </a:r>
+            <a:r>
+              <a:rPr lang="en-US" baseline="0" dirty="0" smtClean="0"/>
+              <a:t> die Basis-</a:t>
+            </a:r>
+            <a:r>
+              <a:rPr lang="en-US" baseline="0" dirty="0" err="1" smtClean="0"/>
+              <a:t>Animationen</a:t>
+            </a:r>
+            <a:r>
+              <a:rPr lang="en-US" baseline="0" dirty="0" smtClean="0"/>
+              <a:t> </a:t>
+            </a:r>
+            <a:r>
+              <a:rPr lang="en-US" baseline="0" dirty="0" err="1" smtClean="0"/>
+              <a:t>unserer</a:t>
+            </a:r>
+            <a:r>
+              <a:rPr lang="en-US" baseline="0" dirty="0" smtClean="0"/>
+              <a:t> </a:t>
+            </a:r>
+            <a:r>
+              <a:rPr lang="en-US" baseline="0" dirty="0" err="1" smtClean="0"/>
+              <a:t>Wachen</a:t>
+            </a:r>
+            <a:r>
+              <a:rPr lang="en-US" baseline="0" dirty="0" smtClean="0"/>
+              <a:t> </a:t>
+            </a:r>
+            <a:r>
+              <a:rPr lang="en-US" baseline="0" dirty="0" err="1" smtClean="0"/>
+              <a:t>erstellt</a:t>
+            </a:r>
+            <a:r>
+              <a:rPr lang="en-US" baseline="0" dirty="0" smtClean="0"/>
+              <a:t> hat.</a:t>
+            </a:r>
+            <a:r>
+              <a:rPr lang="en-US" baseline="0" dirty="0" smtClean="0"/>
+              <a:t/>
+            </a:r>
+            <a:br>
+              <a:rPr lang="en-US" baseline="0" dirty="0" smtClean="0"/>
+            </a:br>
+            <a:r>
+              <a:rPr lang="en-US" baseline="0" dirty="0" err="1" smtClean="0"/>
+              <a:t>Zu</a:t>
+            </a:r>
+            <a:r>
+              <a:rPr lang="en-US" baseline="0" dirty="0" smtClean="0"/>
+              <a:t> </a:t>
+            </a:r>
+            <a:r>
+              <a:rPr lang="en-US" baseline="0" dirty="0" err="1" smtClean="0"/>
+              <a:t>guter</a:t>
+            </a:r>
+            <a:r>
+              <a:rPr lang="en-US" baseline="0" dirty="0" smtClean="0"/>
+              <a:t> </a:t>
+            </a:r>
+            <a:r>
+              <a:rPr lang="en-US" baseline="0" dirty="0" err="1" smtClean="0"/>
+              <a:t>Letzt</a:t>
+            </a:r>
+            <a:r>
+              <a:rPr lang="en-US" baseline="0" dirty="0" smtClean="0"/>
+              <a:t> </a:t>
+            </a:r>
+            <a:r>
+              <a:rPr lang="en-US" baseline="0" dirty="0" err="1" smtClean="0"/>
+              <a:t>haben</a:t>
+            </a:r>
+            <a:r>
+              <a:rPr lang="en-US" baseline="0" dirty="0" smtClean="0"/>
+              <a:t> </a:t>
+            </a:r>
+            <a:r>
+              <a:rPr lang="en-US" baseline="0" dirty="0" err="1" smtClean="0"/>
+              <a:t>wir</a:t>
+            </a:r>
+            <a:r>
+              <a:rPr lang="en-US" baseline="0" dirty="0" smtClean="0"/>
+              <a:t> die </a:t>
+            </a:r>
+            <a:r>
+              <a:rPr lang="en-US" baseline="0" dirty="0" err="1" smtClean="0"/>
+              <a:t>komplette</a:t>
+            </a:r>
+            <a:r>
+              <a:rPr lang="en-US" baseline="0" dirty="0" smtClean="0"/>
+              <a:t> </a:t>
+            </a:r>
+            <a:r>
+              <a:rPr lang="en-US" baseline="0" dirty="0" err="1" smtClean="0"/>
+              <a:t>Mechanik</a:t>
+            </a:r>
+            <a:r>
+              <a:rPr lang="en-US" baseline="0" dirty="0" smtClean="0"/>
+              <a:t>: “</a:t>
+            </a:r>
+            <a:r>
+              <a:rPr lang="en-US" baseline="0" dirty="0" err="1" smtClean="0"/>
+              <a:t>Posession</a:t>
+            </a:r>
+            <a:r>
+              <a:rPr lang="en-US" baseline="0" dirty="0" smtClean="0"/>
+              <a:t>”, also die </a:t>
+            </a:r>
+            <a:r>
+              <a:rPr lang="en-US" baseline="0" dirty="0" err="1" smtClean="0"/>
+              <a:t>Uebernahme</a:t>
+            </a:r>
+            <a:r>
+              <a:rPr lang="en-US" baseline="0" dirty="0" smtClean="0"/>
+              <a:t> von </a:t>
+            </a:r>
+            <a:r>
+              <a:rPr lang="en-US" baseline="0" dirty="0" err="1" smtClean="0"/>
+              <a:t>Wachen</a:t>
+            </a:r>
+            <a:r>
+              <a:rPr lang="en-US" baseline="0" dirty="0" smtClean="0"/>
+              <a:t>, </a:t>
+            </a:r>
+            <a:r>
+              <a:rPr lang="en-US" baseline="0" dirty="0" err="1" smtClean="0"/>
+              <a:t>angekuendigt</a:t>
+            </a:r>
+            <a:r>
+              <a:rPr lang="en-US" baseline="0" dirty="0" smtClean="0"/>
+              <a:t> und </a:t>
+            </a:r>
+            <a:r>
+              <a:rPr lang="en-US" baseline="0" dirty="0" err="1" smtClean="0"/>
+              <a:t>auch</a:t>
+            </a:r>
+            <a:r>
+              <a:rPr lang="en-US" baseline="0" dirty="0" smtClean="0"/>
+              <a:t> das hat </a:t>
+            </a:r>
+            <a:r>
+              <a:rPr lang="en-US" baseline="0" dirty="0" err="1" smtClean="0"/>
+              <a:t>geklappt</a:t>
             </a:r>
             <a:r>
               <a:rPr lang="en-US" baseline="0" dirty="0" smtClean="0"/>
               <a:t>. </a:t>
-            </a:r>
-            <a:r>
-              <a:rPr lang="en-US" baseline="0" dirty="0" smtClean="0"/>
-              <a:t/>
-            </a:r>
-            <a:br>
-              <a:rPr lang="en-US" baseline="0" dirty="0" smtClean="0"/>
-            </a:br>
-            <a:r>
-              <a:rPr lang="en-US" baseline="0" dirty="0" err="1" smtClean="0"/>
-              <a:t>Als</a:t>
-            </a:r>
-            <a:r>
-              <a:rPr lang="en-US" baseline="0" dirty="0" smtClean="0"/>
-              <a:t> </a:t>
-            </a:r>
-            <a:r>
-              <a:rPr lang="en-US" baseline="0" dirty="0" err="1" smtClean="0"/>
-              <a:t>zweites</a:t>
-            </a:r>
-            <a:r>
-              <a:rPr lang="en-US" baseline="0" dirty="0" smtClean="0"/>
-              <a:t> </a:t>
-            </a:r>
-            <a:r>
-              <a:rPr lang="en-US" baseline="0" dirty="0" err="1" smtClean="0"/>
-              <a:t>Ziel</a:t>
-            </a:r>
-            <a:r>
-              <a:rPr lang="en-US" baseline="0" dirty="0" smtClean="0"/>
-              <a:t> </a:t>
-            </a:r>
-            <a:r>
-              <a:rPr lang="en-US" baseline="0" dirty="0" err="1" smtClean="0"/>
-              <a:t>hatten</a:t>
-            </a:r>
-            <a:r>
-              <a:rPr lang="en-US" baseline="0" dirty="0" smtClean="0"/>
-              <a:t> </a:t>
-            </a:r>
-            <a:r>
-              <a:rPr lang="en-US" baseline="0" dirty="0" err="1" smtClean="0"/>
-              <a:t>wir</a:t>
-            </a:r>
-            <a:r>
-              <a:rPr lang="en-US" baseline="0" dirty="0" smtClean="0"/>
-              <a:t> </a:t>
-            </a:r>
-            <a:r>
-              <a:rPr lang="en-US" baseline="0" dirty="0" err="1" smtClean="0"/>
-              <a:t>gesetzt</a:t>
-            </a:r>
-            <a:r>
-              <a:rPr lang="en-US" baseline="0" dirty="0" smtClean="0"/>
-              <a:t>, </a:t>
-            </a:r>
-            <a:r>
-              <a:rPr lang="en-US" baseline="0" dirty="0" err="1" smtClean="0"/>
-              <a:t>dass</a:t>
-            </a:r>
-            <a:r>
-              <a:rPr lang="en-US" baseline="0" dirty="0" smtClean="0"/>
-              <a:t> </a:t>
-            </a:r>
-            <a:r>
-              <a:rPr lang="en-US" baseline="0" dirty="0" err="1" smtClean="0"/>
-              <a:t>wir</a:t>
-            </a:r>
-            <a:r>
-              <a:rPr lang="en-US" baseline="0" dirty="0" smtClean="0"/>
-              <a:t> </a:t>
-            </a:r>
-            <a:r>
-              <a:rPr lang="en-US" baseline="0" dirty="0" err="1" smtClean="0"/>
-              <a:t>euch</a:t>
-            </a:r>
-            <a:r>
-              <a:rPr lang="en-US" baseline="0" dirty="0" smtClean="0"/>
-              <a:t> in den </a:t>
-            </a:r>
-            <a:r>
-              <a:rPr lang="en-US" baseline="0" dirty="0" err="1" smtClean="0"/>
-              <a:t>beiden</a:t>
-            </a:r>
-            <a:r>
-              <a:rPr lang="en-US" baseline="0" dirty="0" smtClean="0"/>
-              <a:t> </a:t>
-            </a:r>
-            <a:r>
-              <a:rPr lang="en-US" baseline="0" dirty="0" err="1" smtClean="0"/>
-              <a:t>Leveln</a:t>
-            </a:r>
-            <a:r>
-              <a:rPr lang="en-US" baseline="0" dirty="0" smtClean="0"/>
-              <a:t> die </a:t>
-            </a:r>
-            <a:r>
-              <a:rPr lang="en-US" baseline="0" dirty="0" err="1" smtClean="0"/>
-              <a:t>passenden</a:t>
-            </a:r>
-            <a:r>
-              <a:rPr lang="en-US" baseline="0" dirty="0" smtClean="0"/>
-              <a:t> </a:t>
-            </a:r>
-            <a:r>
-              <a:rPr lang="en-US" baseline="0" dirty="0" err="1" smtClean="0"/>
-              <a:t>Texturen</a:t>
-            </a:r>
-            <a:r>
-              <a:rPr lang="en-US" baseline="0" dirty="0" smtClean="0"/>
-              <a:t> </a:t>
-            </a:r>
-            <a:r>
-              <a:rPr lang="en-US" baseline="0" dirty="0" err="1" smtClean="0"/>
-              <a:t>sowie</a:t>
-            </a:r>
-            <a:r>
-              <a:rPr lang="en-US" baseline="0" dirty="0" smtClean="0"/>
-              <a:t> </a:t>
-            </a:r>
-            <a:r>
-              <a:rPr lang="en-US" baseline="0" dirty="0" err="1" smtClean="0"/>
-              <a:t>auch</a:t>
-            </a:r>
-            <a:r>
-              <a:rPr lang="en-US" baseline="0" dirty="0" smtClean="0"/>
-              <a:t> die </a:t>
-            </a:r>
-            <a:r>
-              <a:rPr lang="en-US" baseline="0" dirty="0" smtClean="0"/>
-              <a:t>Basis-</a:t>
-            </a:r>
-            <a:r>
-              <a:rPr lang="en-US" baseline="0" dirty="0" err="1" smtClean="0"/>
-              <a:t>Animationen</a:t>
-            </a:r>
-            <a:r>
-              <a:rPr lang="en-US" baseline="0" dirty="0" smtClean="0"/>
-              <a:t> der </a:t>
-            </a:r>
-            <a:r>
-              <a:rPr lang="en-US" baseline="0" dirty="0" err="1" smtClean="0"/>
-              <a:t>Charaktere</a:t>
-            </a:r>
-            <a:r>
-              <a:rPr lang="en-US" baseline="0" dirty="0" smtClean="0"/>
-              <a:t> </a:t>
-            </a:r>
-            <a:r>
-              <a:rPr lang="en-US" baseline="0" dirty="0" err="1" smtClean="0"/>
-              <a:t>zeigen</a:t>
-            </a:r>
-            <a:r>
-              <a:rPr lang="en-US" baseline="0" dirty="0" smtClean="0"/>
-              <a:t> und das </a:t>
-            </a:r>
-            <a:r>
-              <a:rPr lang="en-US" baseline="0" dirty="0" err="1" smtClean="0"/>
-              <a:t>werdet</a:t>
-            </a:r>
-            <a:r>
-              <a:rPr lang="en-US" baseline="0" dirty="0" smtClean="0"/>
-              <a:t> </a:t>
-            </a:r>
-            <a:r>
-              <a:rPr lang="en-US" baseline="0" dirty="0" err="1" smtClean="0"/>
-              <a:t>ihr</a:t>
-            </a:r>
-            <a:r>
-              <a:rPr lang="en-US" baseline="0" dirty="0" smtClean="0"/>
-              <a:t> </a:t>
-            </a:r>
-            <a:r>
-              <a:rPr lang="en-US" baseline="0" dirty="0" err="1" smtClean="0"/>
-              <a:t>ebenfalls</a:t>
-            </a:r>
-            <a:r>
-              <a:rPr lang="en-US" baseline="0" dirty="0" smtClean="0"/>
-              <a:t> </a:t>
-            </a:r>
-            <a:r>
-              <a:rPr lang="en-US" baseline="0" dirty="0" err="1" smtClean="0"/>
-              <a:t>gleich</a:t>
-            </a:r>
-            <a:r>
-              <a:rPr lang="en-US" baseline="0" dirty="0" smtClean="0"/>
-              <a:t> </a:t>
-            </a:r>
-            <a:r>
-              <a:rPr lang="en-US" baseline="0" dirty="0" err="1" smtClean="0"/>
-              <a:t>sehen</a:t>
-            </a:r>
-            <a:r>
-              <a:rPr lang="en-US" baseline="0" dirty="0" smtClean="0"/>
-              <a:t> </a:t>
-            </a:r>
-            <a:r>
-              <a:rPr lang="en-US" baseline="0" dirty="0" err="1" smtClean="0"/>
-              <a:t>koennen</a:t>
-            </a:r>
-            <a:r>
-              <a:rPr lang="en-US" baseline="0" dirty="0" smtClean="0"/>
-              <a:t>. </a:t>
-            </a:r>
-            <a:r>
-              <a:rPr lang="en-US" baseline="0" dirty="0" err="1" smtClean="0"/>
-              <a:t>Wir</a:t>
-            </a:r>
-            <a:r>
-              <a:rPr lang="en-US" baseline="0" dirty="0" smtClean="0"/>
-              <a:t> </a:t>
-            </a:r>
-            <a:r>
-              <a:rPr lang="en-US" baseline="0" dirty="0" err="1" smtClean="0"/>
-              <a:t>hatten</a:t>
-            </a:r>
-            <a:r>
-              <a:rPr lang="en-US" baseline="0" dirty="0" smtClean="0"/>
-              <a:t> </a:t>
-            </a:r>
-            <a:r>
-              <a:rPr lang="en-US" baseline="0" dirty="0" err="1" smtClean="0"/>
-              <a:t>ausserdem</a:t>
-            </a:r>
-            <a:r>
-              <a:rPr lang="en-US" baseline="0" dirty="0" smtClean="0"/>
-              <a:t> das </a:t>
-            </a:r>
-            <a:r>
-              <a:rPr lang="en-US" baseline="0" dirty="0" err="1" smtClean="0"/>
-              <a:t>Glueck</a:t>
-            </a:r>
-            <a:r>
-              <a:rPr lang="en-US" baseline="0" dirty="0" smtClean="0"/>
-              <a:t>, </a:t>
-            </a:r>
-            <a:r>
-              <a:rPr lang="en-US" baseline="0" dirty="0" err="1" smtClean="0"/>
-              <a:t>dass</a:t>
-            </a:r>
-            <a:r>
-              <a:rPr lang="en-US" baseline="0" dirty="0" smtClean="0"/>
-              <a:t> </a:t>
-            </a:r>
-            <a:r>
-              <a:rPr lang="en-US" baseline="0" dirty="0" err="1" smtClean="0"/>
-              <a:t>sich</a:t>
-            </a:r>
-            <a:r>
-              <a:rPr lang="en-US" baseline="0" dirty="0" smtClean="0"/>
-              <a:t> Elias Knop, </a:t>
-            </a:r>
-            <a:r>
-              <a:rPr lang="en-US" baseline="0" dirty="0" err="1" smtClean="0"/>
-              <a:t>ein</a:t>
-            </a:r>
-            <a:r>
-              <a:rPr lang="en-US" baseline="0" dirty="0" smtClean="0"/>
-              <a:t> Student des Abby Road’s </a:t>
-            </a:r>
-            <a:r>
-              <a:rPr lang="en-US" baseline="0" dirty="0" err="1" smtClean="0"/>
-              <a:t>Musik</a:t>
-            </a:r>
-            <a:r>
-              <a:rPr lang="en-US" baseline="0" dirty="0" smtClean="0"/>
-              <a:t> Studios, </a:t>
-            </a:r>
-            <a:r>
-              <a:rPr lang="en-US" baseline="0" dirty="0" err="1" smtClean="0"/>
-              <a:t>dazu</a:t>
-            </a:r>
-            <a:r>
-              <a:rPr lang="en-US" baseline="0" dirty="0" smtClean="0"/>
-              <a:t> </a:t>
-            </a:r>
-            <a:r>
-              <a:rPr lang="en-US" baseline="0" dirty="0" err="1" smtClean="0"/>
-              <a:t>bereit</a:t>
-            </a:r>
-            <a:r>
-              <a:rPr lang="en-US" baseline="0" dirty="0" smtClean="0"/>
-              <a:t> </a:t>
-            </a:r>
-            <a:r>
-              <a:rPr lang="en-US" baseline="0" dirty="0" err="1" smtClean="0"/>
-              <a:t>erklaert</a:t>
-            </a:r>
-            <a:r>
-              <a:rPr lang="en-US" baseline="0" dirty="0" smtClean="0"/>
-              <a:t> hat </a:t>
-            </a:r>
-            <a:r>
-              <a:rPr lang="en-US" baseline="0" dirty="0" err="1" smtClean="0"/>
-              <a:t>uns</a:t>
-            </a:r>
-            <a:r>
-              <a:rPr lang="en-US" baseline="0" dirty="0" smtClean="0"/>
-              <a:t> </a:t>
-            </a:r>
-            <a:r>
-              <a:rPr lang="en-US" baseline="0" dirty="0" err="1" smtClean="0"/>
-              <a:t>mit</a:t>
-            </a:r>
-            <a:r>
-              <a:rPr lang="en-US" baseline="0" dirty="0" smtClean="0"/>
-              <a:t> Sounds und </a:t>
-            </a:r>
-            <a:r>
-              <a:rPr lang="en-US" baseline="0" dirty="0" err="1" smtClean="0"/>
-              <a:t>Musik</a:t>
-            </a:r>
-            <a:r>
-              <a:rPr lang="en-US" baseline="0" dirty="0" smtClean="0"/>
-              <a:t> </a:t>
-            </a:r>
-            <a:r>
-              <a:rPr lang="en-US" baseline="0" dirty="0" err="1" smtClean="0"/>
-              <a:t>zu</a:t>
-            </a:r>
-            <a:r>
-              <a:rPr lang="en-US" baseline="0" dirty="0" smtClean="0"/>
-              <a:t> </a:t>
-            </a:r>
-            <a:r>
-              <a:rPr lang="en-US" baseline="0" dirty="0" err="1" smtClean="0"/>
-              <a:t>versorgen</a:t>
-            </a:r>
-            <a:r>
-              <a:rPr lang="en-US" baseline="0" dirty="0" smtClean="0"/>
-              <a:t>. </a:t>
-            </a:r>
-            <a:r>
-              <a:rPr lang="en-US" baseline="0" dirty="0" err="1" smtClean="0"/>
-              <a:t>Entsprechend</a:t>
-            </a:r>
-            <a:r>
-              <a:rPr lang="en-US" baseline="0" dirty="0" smtClean="0"/>
-              <a:t> </a:t>
-            </a:r>
-            <a:r>
-              <a:rPr lang="en-US" baseline="0" dirty="0" err="1" smtClean="0"/>
-              <a:t>haben</a:t>
-            </a:r>
-            <a:r>
-              <a:rPr lang="en-US" baseline="0" dirty="0" smtClean="0"/>
-              <a:t> </a:t>
-            </a:r>
-            <a:r>
-              <a:rPr lang="en-US" baseline="0" dirty="0" err="1" smtClean="0"/>
-              <a:t>wir</a:t>
-            </a:r>
-            <a:r>
-              <a:rPr lang="en-US" baseline="0" dirty="0" smtClean="0"/>
-              <a:t> </a:t>
-            </a:r>
-            <a:r>
-              <a:rPr lang="en-US" baseline="0" dirty="0" err="1" smtClean="0"/>
-              <a:t>auch</a:t>
-            </a:r>
-            <a:r>
-              <a:rPr lang="en-US" baseline="0" dirty="0" smtClean="0"/>
-              <a:t> </a:t>
-            </a:r>
-            <a:r>
-              <a:rPr lang="en-US" baseline="0" dirty="0" err="1" smtClean="0"/>
-              <a:t>davon</a:t>
-            </a:r>
-            <a:r>
-              <a:rPr lang="en-US" baseline="0" dirty="0" smtClean="0"/>
-              <a:t> </a:t>
-            </a:r>
-            <a:r>
-              <a:rPr lang="en-US" baseline="0" dirty="0" err="1" smtClean="0"/>
-              <a:t>bereits</a:t>
-            </a:r>
-            <a:r>
-              <a:rPr lang="en-US" baseline="0" dirty="0" smtClean="0"/>
-              <a:t> </a:t>
-            </a:r>
-            <a:r>
-              <a:rPr lang="en-US" baseline="0" dirty="0" err="1" smtClean="0"/>
-              <a:t>einiges</a:t>
-            </a:r>
-            <a:r>
-              <a:rPr lang="en-US" baseline="0" dirty="0" smtClean="0"/>
-              <a:t> </a:t>
-            </a:r>
-            <a:r>
-              <a:rPr lang="en-US" baseline="0" dirty="0" err="1" smtClean="0"/>
-              <a:t>im</a:t>
-            </a:r>
-            <a:r>
-              <a:rPr lang="en-US" baseline="0" dirty="0" smtClean="0"/>
-              <a:t> Spiel </a:t>
-            </a:r>
-            <a:r>
-              <a:rPr lang="en-US" baseline="0" dirty="0" err="1" smtClean="0"/>
-              <a:t>heute</a:t>
-            </a:r>
-            <a:r>
-              <a:rPr lang="en-US" baseline="0" dirty="0" smtClean="0"/>
-              <a:t>.</a:t>
-            </a:r>
-            <a:r>
-              <a:rPr lang="en-US" baseline="0" dirty="0" smtClean="0"/>
-              <a:t/>
-            </a:r>
-            <a:br>
-              <a:rPr lang="en-US" baseline="0" dirty="0" smtClean="0"/>
-            </a:br>
-            <a:r>
-              <a:rPr lang="en-US" baseline="0" dirty="0" err="1" smtClean="0"/>
-              <a:t>Zu</a:t>
-            </a:r>
-            <a:r>
-              <a:rPr lang="en-US" baseline="0" dirty="0" smtClean="0"/>
-              <a:t> </a:t>
-            </a:r>
-            <a:r>
-              <a:rPr lang="en-US" baseline="0" dirty="0" err="1" smtClean="0"/>
-              <a:t>guter</a:t>
-            </a:r>
-            <a:r>
-              <a:rPr lang="en-US" baseline="0" dirty="0" smtClean="0"/>
-              <a:t> </a:t>
-            </a:r>
-            <a:r>
-              <a:rPr lang="en-US" baseline="0" dirty="0" err="1" smtClean="0"/>
-              <a:t>Letzt</a:t>
-            </a:r>
-            <a:r>
-              <a:rPr lang="en-US" baseline="0" dirty="0" smtClean="0"/>
-              <a:t> </a:t>
-            </a:r>
-            <a:r>
-              <a:rPr lang="en-US" baseline="0" dirty="0" err="1" smtClean="0"/>
-              <a:t>haben</a:t>
-            </a:r>
-            <a:r>
-              <a:rPr lang="en-US" baseline="0" dirty="0" smtClean="0"/>
-              <a:t> </a:t>
-            </a:r>
-            <a:r>
-              <a:rPr lang="en-US" baseline="0" dirty="0" err="1" smtClean="0"/>
-              <a:t>wir</a:t>
-            </a:r>
-            <a:r>
-              <a:rPr lang="en-US" baseline="0" dirty="0" smtClean="0"/>
-              <a:t> die </a:t>
-            </a:r>
-            <a:r>
-              <a:rPr lang="en-US" baseline="0" dirty="0" err="1" smtClean="0"/>
-              <a:t>komplette</a:t>
-            </a:r>
-            <a:r>
-              <a:rPr lang="en-US" baseline="0" dirty="0" smtClean="0"/>
-              <a:t> </a:t>
-            </a:r>
-            <a:r>
-              <a:rPr lang="en-US" baseline="0" dirty="0" err="1" smtClean="0"/>
-              <a:t>Mechanik</a:t>
-            </a:r>
-            <a:r>
-              <a:rPr lang="en-US" baseline="0" dirty="0" smtClean="0"/>
-              <a:t>: “</a:t>
-            </a:r>
-            <a:r>
-              <a:rPr lang="en-US" baseline="0" dirty="0" err="1" smtClean="0"/>
-              <a:t>Posession</a:t>
-            </a:r>
-            <a:r>
-              <a:rPr lang="en-US" baseline="0" dirty="0" smtClean="0"/>
-              <a:t>”, also die </a:t>
-            </a:r>
-            <a:r>
-              <a:rPr lang="en-US" baseline="0" dirty="0" err="1" smtClean="0"/>
-              <a:t>Uebernahme</a:t>
-            </a:r>
-            <a:r>
-              <a:rPr lang="en-US" baseline="0" dirty="0" smtClean="0"/>
-              <a:t> von </a:t>
-            </a:r>
-            <a:r>
-              <a:rPr lang="en-US" baseline="0" dirty="0" err="1" smtClean="0"/>
-              <a:t>Wachen</a:t>
-            </a:r>
-            <a:r>
-              <a:rPr lang="en-US" baseline="0" dirty="0" smtClean="0"/>
-              <a:t>, </a:t>
-            </a:r>
-            <a:r>
-              <a:rPr lang="en-US" baseline="0" dirty="0" err="1" smtClean="0"/>
-              <a:t>angekuendigt</a:t>
-            </a:r>
-            <a:r>
-              <a:rPr lang="en-US" baseline="0" dirty="0" smtClean="0"/>
-              <a:t> und </a:t>
-            </a:r>
-            <a:r>
-              <a:rPr lang="en-US" baseline="0" dirty="0" err="1" smtClean="0"/>
-              <a:t>auch</a:t>
-            </a:r>
-            <a:r>
-              <a:rPr lang="en-US" baseline="0" dirty="0" smtClean="0"/>
-              <a:t> das hat </a:t>
-            </a:r>
-            <a:r>
-              <a:rPr lang="en-US" baseline="0" dirty="0" err="1" smtClean="0"/>
-              <a:t>geklappt</a:t>
-            </a:r>
-            <a:r>
-              <a:rPr lang="en-US" baseline="0" dirty="0" smtClean="0"/>
-              <a:t>. </a:t>
-            </a:r>
-            <a:r>
-              <a:rPr lang="en-US" baseline="0" dirty="0" smtClean="0"/>
-              <a:t/>
             </a:r>
             <a:br>
               <a:rPr lang="en-US" baseline="0" dirty="0" smtClean="0"/>
@@ -3116,11 +3368,7 @@
             </a:r>
             <a:r>
               <a:rPr lang="en-US" baseline="0" dirty="0" smtClean="0"/>
-              <a:t> Tutorial </a:t>
-            </a:r>
-            <a:r>
-              <a:rPr lang="en-US" baseline="0" dirty="0" smtClean="0"/>
-              <a:t>am </a:t>
+              <a:t> Tutorial am </a:t>
             </a:r>
             <a:r>
               <a:rPr lang="en-US" baseline="0" dirty="0" err="1" smtClean="0"/>
@@ -3144,11 +3392,7 @@
             </a:r>
             <a:r>
               <a:rPr lang="en-US" baseline="0" dirty="0" smtClean="0"/>
-              <a:t> das Tutorial </a:t>
-            </a:r>
-            <a:r>
-              <a:rPr lang="en-US" baseline="0" dirty="0" smtClean="0"/>
-              <a:t>direct </a:t>
+              <a:t> das Tutorial direct </a:t>
             </a:r>
             <a:r>
               <a:rPr lang="en-US" baseline="0" dirty="0" err="1" smtClean="0"/>
@@ -3180,11 +3424,7 @@
             </a:r>
             <a:r>
               <a:rPr lang="en-US" baseline="0" dirty="0" smtClean="0"/>
-              <a:t>.  </a:t>
-            </a:r>
-            <a:r>
-              <a:rPr lang="en-US" baseline="0" dirty="0" smtClean="0"/>
-              <a:t>Und </a:t>
+              <a:t>.  Und </a:t>
             </a:r>
             <a:r>
               <a:rPr lang="en-US" baseline="0" dirty="0" err="1" smtClean="0"/>
@@ -12061,8 +12301,35 @@
                 <a:latin typeface="MV Boli" pitchFamily="2" charset="0"/>
                 <a:cs typeface="MV Boli" pitchFamily="2" charset="0"/>
               </a:rPr>
-              <a:t>+ Basic Sound</a:t>
-            </a:r>
+              <a:t>+ Basic </a:t>
+            </a:r>
+            <a:r>
+              <a:rPr lang="en-US" sz="1800" dirty="0" smtClean="0">
+                <a:latin typeface="MV Boli" pitchFamily="2" charset="0"/>
+                <a:cs typeface="MV Boli" pitchFamily="2" charset="0"/>
+              </a:rPr>
+              <a:t>Sound</a:t>
+            </a:r>
+          </a:p>
+          <a:p>
+            <a:r>
+              <a:rPr lang="en-US" sz="1800" dirty="0">
+                <a:latin typeface="MV Boli" pitchFamily="2" charset="0"/>
+                <a:cs typeface="MV Boli" pitchFamily="2" charset="0"/>
+              </a:rPr>
+              <a:t>	</a:t>
+            </a:r>
+            <a:r>
+              <a:rPr lang="en-US" sz="1800" dirty="0" smtClean="0">
+                <a:latin typeface="MV Boli" pitchFamily="2" charset="0"/>
+                <a:cs typeface="MV Boli" pitchFamily="2" charset="0"/>
+              </a:rPr>
+              <a:t>+ Basic Animation 		  Guard</a:t>
+            </a:r>
+            <a:endParaRPr lang="en-US" sz="1800" dirty="0" smtClean="0">
+              <a:latin typeface="MV Boli" pitchFamily="2" charset="0"/>
+              <a:cs typeface="MV Boli" pitchFamily="2" charset="0"/>
+            </a:endParaRPr>
           </a:p>
         </p:txBody>
       </p:sp>
@@ -12704,30 +12971,82 @@
                             </p:childTnLst>
                           </p:cTn>
                         </p:par>
+                        <p:par>
+                          <p:cTn id="42" fill="hold">
+                            <p:stCondLst>
+                              <p:cond delay="1500"/>
+                            </p:stCondLst>
+                            <p:childTnLst>
+                              <p:par>
+                                <p:cTn id="43" presetID="22" presetClass="entr" presetSubtype="8" fill="hold" nodeType="afterEffect">
+                                  <p:stCondLst>
+                                    <p:cond delay="500"/>
+                                  </p:stCondLst>
+                                  <p:childTnLst>
+                                    <p:set>
+                                      <p:cBhvr>
+                                        <p:cTn id="44" dur="1" fill="hold">
+                                          <p:stCondLst>
+                                            <p:cond delay="0"/>
+                                          </p:stCondLst>
+                                        </p:cTn>
+                                        <p:tgtEl>
+                                          <p:spTgt spid="5">
+                                            <p:txEl>
+                                              <p:pRg st="4" end="4"/>
+                                            </p:txEl>
+                                          </p:spTgt>
+                                        </p:tgtEl>
+                                        <p:attrNameLst>
+                                          <p:attrName>style.visibility</p:attrName>
+                                        </p:attrNameLst>
+                                      </p:cBhvr>
+                                      <p:to>
+                                        <p:strVal val="visible"/>
+                                      </p:to>
+                                    </p:set>
+                                    <p:animEffect transition="in" filter="wipe(left)">
+                                      <p:cBhvr>
+                                        <p:cTn id="45" dur="500"/>
+                                        <p:tgtEl>
+                                          <p:spTgt spid="5">
+                                            <p:txEl>
+                                              <p:pRg st="4" end="4"/>
+                                            </p:txEl>
+                                          </p:spTgt>
+                                        </p:tgtEl>
+                                      </p:cBhvr>
+                                    </p:animEffect>
+                                  </p:childTnLst>
+                                </p:cTn>
+                              </p:par>
+                            </p:childTnLst>
+                          </p:cTn>
+                        </p:par>
                       </p:childTnLst>
                     </p:cTn>
                   </p:par>
                   <p:par>
-                    <p:cTn id="42" fill="hold">
+                    <p:cTn id="46" fill="hold">
                       <p:stCondLst>
                         <p:cond delay="indefinite"/>
                       </p:stCondLst>
                       <p:childTnLst>
                         <p:par>
-                          <p:cTn id="43" fill="hold">
+                          <p:cTn id="47" fill="hold">
                             <p:stCondLst>
                               <p:cond delay="0"/>
                             </p:stCondLst>
                             <p:childTnLst>
                               <p:par>
-                                <p:cTn id="44" presetID="22" presetClass="entr" presetSubtype="8" fill="hold" nodeType="clickEffect">
+                                <p:cTn id="48" presetID="22" presetClass="entr" presetSubtype="8" fill="hold" nodeType="clickEffect">
                                   <p:stCondLst>
                                     <p:cond delay="0"/>
                                   </p:stCondLst>
                                   <p:childTnLst>
                                     <p:set>
                                       <p:cBhvr>
-                                        <p:cTn id="45" dur="1" fill="hold">
+                                        <p:cTn id="49" dur="1" fill="hold">
                                           <p:stCondLst>
                                             <p:cond delay="0"/>
                                           </p:stCondLst>
@@ -12749,7 +13068,7 @@
                                     </p:set>
                                     <p:animEffect transition="in" filter="wipe(left)">
                                       <p:cBhvr>
-                                        <p:cTn id="46" dur="500"/>
+                                        <p:cTn id="50" dur="500"/>
                                         <p:tgtEl>
                                           <p:spTgt spid="3">
                                             <p:txEl>
@@ -12769,26 +13088,26 @@
                     </p:cTn>
                   </p:par>
                   <p:par>
-                    <p:cTn id="47" fill="hold">
+                    <p:cTn id="51" fill="hold">
                       <p:stCondLst>
                         <p:cond delay="indefinite"/>
                       </p:stCondLst>
                       <p:childTnLst>
                         <p:par>
-                          <p:cTn id="48" fill="hold">
+                          <p:cTn id="52" fill="hold">
                             <p:stCondLst>
                               <p:cond delay="0"/>
                             </p:stCondLst>
                             <p:childTnLst>
                               <p:par>
-                                <p:cTn id="49" presetID="22" presetClass="entr" presetSubtype="4" fill="hold" nodeType="clickEffect">
+                                <p:cTn id="53" presetID="22" presetClass="entr" presetSubtype="4" fill="hold" nodeType="clickEffect">
                                   <p:stCondLst>
                                     <p:cond delay="0"/>
                                   </p:stCondLst>
                                   <p:childTnLst>
                                     <p:set>
                                       <p:cBhvr>
-                                        <p:cTn id="50" dur="1" fill="hold">
+                                        <p:cTn id="54" dur="1" fill="hold">
                                           <p:stCondLst>
                                             <p:cond delay="0"/>
                                           </p:stCondLst>
@@ -12806,7 +13125,7 @@
                                     </p:set>
                                     <p:animEffect transition="in" filter="wipe(down)">
                                       <p:cBhvr>
-                                        <p:cTn id="51" dur="500"/>
+                                        <p:cTn id="55" dur="500"/>
                                         <p:tgtEl>
                                           <p:spTgt spid="10"/>
                                         </p:tgtEl>
